--- a/Dissertacao/4. Defesa da dissertação.pptx
+++ b/Dissertacao/4. Defesa da dissertação.pptx
@@ -5,7 +5,7 @@
     <p:sldMasterId id="2147484007" r:id="rId1"/>
   </p:sldMasterIdLst>
   <p:notesMasterIdLst>
-    <p:notesMasterId r:id="rId25"/>
+    <p:notesMasterId r:id="rId29"/>
   </p:notesMasterIdLst>
   <p:sldIdLst>
     <p:sldId id="264" r:id="rId2"/>
@@ -19,18 +19,22 @@
     <p:sldId id="301" r:id="rId10"/>
     <p:sldId id="302" r:id="rId11"/>
     <p:sldId id="292" r:id="rId12"/>
-    <p:sldId id="297" r:id="rId13"/>
-    <p:sldId id="304" r:id="rId14"/>
-    <p:sldId id="305" r:id="rId15"/>
-    <p:sldId id="306" r:id="rId16"/>
-    <p:sldId id="298" r:id="rId17"/>
-    <p:sldId id="308" r:id="rId18"/>
-    <p:sldId id="293" r:id="rId19"/>
-    <p:sldId id="294" r:id="rId20"/>
-    <p:sldId id="295" r:id="rId21"/>
-    <p:sldId id="309" r:id="rId22"/>
-    <p:sldId id="310" r:id="rId23"/>
-    <p:sldId id="311" r:id="rId24"/>
+    <p:sldId id="313" r:id="rId13"/>
+    <p:sldId id="312" r:id="rId14"/>
+    <p:sldId id="297" r:id="rId15"/>
+    <p:sldId id="304" r:id="rId16"/>
+    <p:sldId id="305" r:id="rId17"/>
+    <p:sldId id="306" r:id="rId18"/>
+    <p:sldId id="298" r:id="rId19"/>
+    <p:sldId id="293" r:id="rId20"/>
+    <p:sldId id="294" r:id="rId21"/>
+    <p:sldId id="295" r:id="rId22"/>
+    <p:sldId id="316" r:id="rId23"/>
+    <p:sldId id="309" r:id="rId24"/>
+    <p:sldId id="310" r:id="rId25"/>
+    <p:sldId id="314" r:id="rId26"/>
+    <p:sldId id="311" r:id="rId27"/>
+    <p:sldId id="315" r:id="rId28"/>
   </p:sldIdLst>
   <p:sldSz cx="12192000" cy="6858000"/>
   <p:notesSz cx="6858000" cy="9144000"/>
@@ -219,7 +223,7 @@
           <a:p>
             <a:fld id="{3C35305E-D46C-4326-9A29-B8B50EE59D60}" type="datetimeFigureOut">
               <a:rPr lang="pt-PT" smtClean="0"/>
-              <a:t>28/06/2016</a:t>
+              <a:t>29/06/2016</a:t>
             </a:fld>
             <a:endParaRPr lang="pt-PT"/>
           </a:p>
@@ -906,6 +910,258 @@
 </p:notes>
 </file>
 
+<file path=ppt/notesSlides/notesSlide6.xml><?xml version="1.0" encoding="utf-8"?>
+<p:notes xmlns:a="http://schemas.openxmlformats.org/drawingml/2006/main" xmlns:r="http://schemas.openxmlformats.org/officeDocument/2006/relationships" xmlns:p="http://schemas.openxmlformats.org/presentationml/2006/main">
+  <p:cSld>
+    <p:spTree>
+      <p:nvGrpSpPr>
+        <p:cNvPr id="1" name=""/>
+        <p:cNvGrpSpPr/>
+        <p:nvPr/>
+      </p:nvGrpSpPr>
+      <p:grpSpPr>
+        <a:xfrm>
+          <a:off x="0" y="0"/>
+          <a:ext cx="0" cy="0"/>
+          <a:chOff x="0" y="0"/>
+          <a:chExt cx="0" cy="0"/>
+        </a:xfrm>
+      </p:grpSpPr>
+      <p:sp>
+        <p:nvSpPr>
+          <p:cNvPr id="2" name="Marcador de Posição da Imagem do Diapositivo 1"/>
+          <p:cNvSpPr>
+            <a:spLocks noGrp="1" noRot="1" noChangeAspect="1"/>
+          </p:cNvSpPr>
+          <p:nvPr>
+            <p:ph type="sldImg"/>
+          </p:nvPr>
+        </p:nvSpPr>
+        <p:spPr/>
+      </p:sp>
+      <p:sp>
+        <p:nvSpPr>
+          <p:cNvPr id="3" name="Marcador de Posição de Notas 2"/>
+          <p:cNvSpPr>
+            <a:spLocks noGrp="1"/>
+          </p:cNvSpPr>
+          <p:nvPr>
+            <p:ph type="body" idx="1"/>
+          </p:nvPr>
+        </p:nvSpPr>
+        <p:spPr/>
+        <p:txBody>
+          <a:bodyPr/>
+          <a:lstStyle/>
+          <a:p>
+            <a:endParaRPr lang="pt-PT" dirty="0"/>
+          </a:p>
+        </p:txBody>
+      </p:sp>
+      <p:sp>
+        <p:nvSpPr>
+          <p:cNvPr id="4" name="Marcador de Posição do Número do Diapositivo 3"/>
+          <p:cNvSpPr>
+            <a:spLocks noGrp="1"/>
+          </p:cNvSpPr>
+          <p:nvPr>
+            <p:ph type="sldNum" sz="quarter" idx="10"/>
+          </p:nvPr>
+        </p:nvSpPr>
+        <p:spPr/>
+        <p:txBody>
+          <a:bodyPr/>
+          <a:lstStyle/>
+          <a:p>
+            <a:fld id="{A37DC0E3-D7D0-4B7C-A327-D399D589CBC5}" type="slidenum">
+              <a:rPr lang="pt-PT" smtClean="0"/>
+              <a:t>12</a:t>
+            </a:fld>
+            <a:endParaRPr lang="pt-PT"/>
+          </a:p>
+        </p:txBody>
+      </p:sp>
+    </p:spTree>
+    <p:extLst>
+      <p:ext uri="{BB962C8B-B14F-4D97-AF65-F5344CB8AC3E}">
+        <p14:creationId xmlns:p14="http://schemas.microsoft.com/office/powerpoint/2010/main" val="3718984149"/>
+      </p:ext>
+    </p:extLst>
+  </p:cSld>
+  <p:clrMapOvr>
+    <a:masterClrMapping/>
+  </p:clrMapOvr>
+</p:notes>
+</file>
+
+<file path=ppt/notesSlides/notesSlide7.xml><?xml version="1.0" encoding="utf-8"?>
+<p:notes xmlns:a="http://schemas.openxmlformats.org/drawingml/2006/main" xmlns:r="http://schemas.openxmlformats.org/officeDocument/2006/relationships" xmlns:p="http://schemas.openxmlformats.org/presentationml/2006/main">
+  <p:cSld>
+    <p:spTree>
+      <p:nvGrpSpPr>
+        <p:cNvPr id="1" name=""/>
+        <p:cNvGrpSpPr/>
+        <p:nvPr/>
+      </p:nvGrpSpPr>
+      <p:grpSpPr>
+        <a:xfrm>
+          <a:off x="0" y="0"/>
+          <a:ext cx="0" cy="0"/>
+          <a:chOff x="0" y="0"/>
+          <a:chExt cx="0" cy="0"/>
+        </a:xfrm>
+      </p:grpSpPr>
+      <p:sp>
+        <p:nvSpPr>
+          <p:cNvPr id="2" name="Marcador de Posição da Imagem do Diapositivo 1"/>
+          <p:cNvSpPr>
+            <a:spLocks noGrp="1" noRot="1" noChangeAspect="1"/>
+          </p:cNvSpPr>
+          <p:nvPr>
+            <p:ph type="sldImg"/>
+          </p:nvPr>
+        </p:nvSpPr>
+        <p:spPr/>
+      </p:sp>
+      <p:sp>
+        <p:nvSpPr>
+          <p:cNvPr id="3" name="Marcador de Posição de Notas 2"/>
+          <p:cNvSpPr>
+            <a:spLocks noGrp="1"/>
+          </p:cNvSpPr>
+          <p:nvPr>
+            <p:ph type="body" idx="1"/>
+          </p:nvPr>
+        </p:nvSpPr>
+        <p:spPr/>
+        <p:txBody>
+          <a:bodyPr/>
+          <a:lstStyle/>
+          <a:p>
+            <a:endParaRPr lang="pt-PT" dirty="0"/>
+          </a:p>
+        </p:txBody>
+      </p:sp>
+      <p:sp>
+        <p:nvSpPr>
+          <p:cNvPr id="4" name="Marcador de Posição do Número do Diapositivo 3"/>
+          <p:cNvSpPr>
+            <a:spLocks noGrp="1"/>
+          </p:cNvSpPr>
+          <p:nvPr>
+            <p:ph type="sldNum" sz="quarter" idx="10"/>
+          </p:nvPr>
+        </p:nvSpPr>
+        <p:spPr/>
+        <p:txBody>
+          <a:bodyPr/>
+          <a:lstStyle/>
+          <a:p>
+            <a:fld id="{A37DC0E3-D7D0-4B7C-A327-D399D589CBC5}" type="slidenum">
+              <a:rPr lang="pt-PT" smtClean="0"/>
+              <a:t>13</a:t>
+            </a:fld>
+            <a:endParaRPr lang="pt-PT"/>
+          </a:p>
+        </p:txBody>
+      </p:sp>
+    </p:spTree>
+    <p:extLst>
+      <p:ext uri="{BB962C8B-B14F-4D97-AF65-F5344CB8AC3E}">
+        <p14:creationId xmlns:p14="http://schemas.microsoft.com/office/powerpoint/2010/main" val="49506229"/>
+      </p:ext>
+    </p:extLst>
+  </p:cSld>
+  <p:clrMapOvr>
+    <a:masterClrMapping/>
+  </p:clrMapOvr>
+</p:notes>
+</file>
+
+<file path=ppt/notesSlides/notesSlide8.xml><?xml version="1.0" encoding="utf-8"?>
+<p:notes xmlns:a="http://schemas.openxmlformats.org/drawingml/2006/main" xmlns:r="http://schemas.openxmlformats.org/officeDocument/2006/relationships" xmlns:p="http://schemas.openxmlformats.org/presentationml/2006/main">
+  <p:cSld>
+    <p:spTree>
+      <p:nvGrpSpPr>
+        <p:cNvPr id="1" name=""/>
+        <p:cNvGrpSpPr/>
+        <p:nvPr/>
+      </p:nvGrpSpPr>
+      <p:grpSpPr>
+        <a:xfrm>
+          <a:off x="0" y="0"/>
+          <a:ext cx="0" cy="0"/>
+          <a:chOff x="0" y="0"/>
+          <a:chExt cx="0" cy="0"/>
+        </a:xfrm>
+      </p:grpSpPr>
+      <p:sp>
+        <p:nvSpPr>
+          <p:cNvPr id="2" name="Marcador de Posição da Imagem do Diapositivo 1"/>
+          <p:cNvSpPr>
+            <a:spLocks noGrp="1" noRot="1" noChangeAspect="1"/>
+          </p:cNvSpPr>
+          <p:nvPr>
+            <p:ph type="sldImg"/>
+          </p:nvPr>
+        </p:nvSpPr>
+        <p:spPr/>
+      </p:sp>
+      <p:sp>
+        <p:nvSpPr>
+          <p:cNvPr id="3" name="Marcador de Posição de Notas 2"/>
+          <p:cNvSpPr>
+            <a:spLocks noGrp="1"/>
+          </p:cNvSpPr>
+          <p:nvPr>
+            <p:ph type="body" idx="1"/>
+          </p:nvPr>
+        </p:nvSpPr>
+        <p:spPr/>
+        <p:txBody>
+          <a:bodyPr/>
+          <a:lstStyle/>
+          <a:p>
+            <a:endParaRPr lang="pt-PT" dirty="0"/>
+          </a:p>
+        </p:txBody>
+      </p:sp>
+      <p:sp>
+        <p:nvSpPr>
+          <p:cNvPr id="4" name="Marcador de Posição do Número do Diapositivo 3"/>
+          <p:cNvSpPr>
+            <a:spLocks noGrp="1"/>
+          </p:cNvSpPr>
+          <p:nvPr>
+            <p:ph type="sldNum" sz="quarter" idx="10"/>
+          </p:nvPr>
+        </p:nvSpPr>
+        <p:spPr/>
+        <p:txBody>
+          <a:bodyPr/>
+          <a:lstStyle/>
+          <a:p>
+            <a:fld id="{A37DC0E3-D7D0-4B7C-A327-D399D589CBC5}" type="slidenum">
+              <a:rPr lang="pt-PT" smtClean="0"/>
+              <a:t>27</a:t>
+            </a:fld>
+            <a:endParaRPr lang="pt-PT"/>
+          </a:p>
+        </p:txBody>
+      </p:sp>
+    </p:spTree>
+    <p:extLst>
+      <p:ext uri="{BB962C8B-B14F-4D97-AF65-F5344CB8AC3E}">
+        <p14:creationId xmlns:p14="http://schemas.microsoft.com/office/powerpoint/2010/main" val="3986728422"/>
+      </p:ext>
+    </p:extLst>
+  </p:cSld>
+  <p:clrMapOvr>
+    <a:masterClrMapping/>
+  </p:clrMapOvr>
+</p:notes>
+</file>
+
 <file path=ppt/slideLayouts/slideLayout1.xml><?xml version="1.0" encoding="utf-8"?>
 <p:sldLayout xmlns:a="http://schemas.openxmlformats.org/drawingml/2006/main" xmlns:r="http://schemas.openxmlformats.org/officeDocument/2006/relationships" xmlns:p="http://schemas.openxmlformats.org/presentationml/2006/main" type="title" preserve="1">
   <p:cSld name="Diapositivo de título">
@@ -1180,7 +1436,7 @@
           <a:p>
             <a:fld id="{B8C1D41B-FD9D-477E-A7D3-2D0500536254}" type="datetimeFigureOut">
               <a:rPr lang="pt-PT" smtClean="0"/>
-              <a:t>28/06/2016</a:t>
+              <a:t>29/06/2016</a:t>
             </a:fld>
             <a:endParaRPr lang="pt-PT"/>
           </a:p>
@@ -1594,7 +1850,7 @@
           <a:p>
             <a:fld id="{B8C1D41B-FD9D-477E-A7D3-2D0500536254}" type="datetimeFigureOut">
               <a:rPr lang="pt-PT" smtClean="0"/>
-              <a:t>28/06/2016</a:t>
+              <a:t>29/06/2016</a:t>
             </a:fld>
             <a:endParaRPr lang="pt-PT"/>
           </a:p>
@@ -1930,7 +2186,7 @@
           <a:p>
             <a:fld id="{B8C1D41B-FD9D-477E-A7D3-2D0500536254}" type="datetimeFigureOut">
               <a:rPr lang="pt-PT" smtClean="0"/>
-              <a:t>28/06/2016</a:t>
+              <a:t>29/06/2016</a:t>
             </a:fld>
             <a:endParaRPr lang="pt-PT"/>
           </a:p>
@@ -2335,7 +2591,7 @@
           <a:p>
             <a:fld id="{B8C1D41B-FD9D-477E-A7D3-2D0500536254}" type="datetimeFigureOut">
               <a:rPr lang="pt-PT" smtClean="0"/>
-              <a:t>28/06/2016</a:t>
+              <a:t>29/06/2016</a:t>
             </a:fld>
             <a:endParaRPr lang="pt-PT"/>
           </a:p>
@@ -2903,7 +3159,7 @@
           <a:p>
             <a:fld id="{B8C1D41B-FD9D-477E-A7D3-2D0500536254}" type="datetimeFigureOut">
               <a:rPr lang="pt-PT" smtClean="0"/>
-              <a:t>28/06/2016</a:t>
+              <a:t>29/06/2016</a:t>
             </a:fld>
             <a:endParaRPr lang="pt-PT"/>
           </a:p>
@@ -3584,7 +3840,7 @@
           <a:p>
             <a:fld id="{B8C1D41B-FD9D-477E-A7D3-2D0500536254}" type="datetimeFigureOut">
               <a:rPr lang="pt-PT" smtClean="0"/>
-              <a:t>28/06/2016</a:t>
+              <a:t>29/06/2016</a:t>
             </a:fld>
             <a:endParaRPr lang="pt-PT"/>
           </a:p>
@@ -4497,7 +4753,7 @@
           <a:p>
             <a:fld id="{B8C1D41B-FD9D-477E-A7D3-2D0500536254}" type="datetimeFigureOut">
               <a:rPr lang="pt-PT" smtClean="0"/>
-              <a:t>28/06/2016</a:t>
+              <a:t>29/06/2016</a:t>
             </a:fld>
             <a:endParaRPr lang="pt-PT"/>
           </a:p>
@@ -4810,7 +5066,7 @@
           <a:p>
             <a:fld id="{B8C1D41B-FD9D-477E-A7D3-2D0500536254}" type="datetimeFigureOut">
               <a:rPr lang="pt-PT" smtClean="0"/>
-              <a:t>28/06/2016</a:t>
+              <a:t>29/06/2016</a:t>
             </a:fld>
             <a:endParaRPr lang="pt-PT"/>
           </a:p>
@@ -5074,7 +5330,7 @@
           <a:p>
             <a:fld id="{B8C1D41B-FD9D-477E-A7D3-2D0500536254}" type="datetimeFigureOut">
               <a:rPr lang="pt-PT" smtClean="0"/>
-              <a:t>28/06/2016</a:t>
+              <a:t>29/06/2016</a:t>
             </a:fld>
             <a:endParaRPr lang="pt-PT"/>
           </a:p>
@@ -5397,7 +5653,7 @@
           <a:p>
             <a:fld id="{B8C1D41B-FD9D-477E-A7D3-2D0500536254}" type="datetimeFigureOut">
               <a:rPr lang="pt-PT" smtClean="0"/>
-              <a:t>28/06/2016</a:t>
+              <a:t>29/06/2016</a:t>
             </a:fld>
             <a:endParaRPr lang="pt-PT"/>
           </a:p>
@@ -5786,7 +6042,7 @@
           <a:p>
             <a:fld id="{B8C1D41B-FD9D-477E-A7D3-2D0500536254}" type="datetimeFigureOut">
               <a:rPr lang="pt-PT" smtClean="0"/>
-              <a:t>28/06/2016</a:t>
+              <a:t>29/06/2016</a:t>
             </a:fld>
             <a:endParaRPr lang="pt-PT"/>
           </a:p>
@@ -6162,7 +6418,7 @@
           <a:p>
             <a:fld id="{B8C1D41B-FD9D-477E-A7D3-2D0500536254}" type="datetimeFigureOut">
               <a:rPr lang="pt-PT" smtClean="0"/>
-              <a:t>28/06/2016</a:t>
+              <a:t>29/06/2016</a:t>
             </a:fld>
             <a:endParaRPr lang="pt-PT"/>
           </a:p>
@@ -6668,7 +6924,7 @@
           <a:p>
             <a:fld id="{B8C1D41B-FD9D-477E-A7D3-2D0500536254}" type="datetimeFigureOut">
               <a:rPr lang="pt-PT" smtClean="0"/>
-              <a:t>28/06/2016</a:t>
+              <a:t>29/06/2016</a:t>
             </a:fld>
             <a:endParaRPr lang="pt-PT"/>
           </a:p>
@@ -6925,7 +7181,7 @@
           <a:p>
             <a:fld id="{B8C1D41B-FD9D-477E-A7D3-2D0500536254}" type="datetimeFigureOut">
               <a:rPr lang="pt-PT" smtClean="0"/>
-              <a:t>28/06/2016</a:t>
+              <a:t>29/06/2016</a:t>
             </a:fld>
             <a:endParaRPr lang="pt-PT"/>
           </a:p>
@@ -7088,7 +7344,7 @@
           <a:p>
             <a:fld id="{B8C1D41B-FD9D-477E-A7D3-2D0500536254}" type="datetimeFigureOut">
               <a:rPr lang="pt-PT" smtClean="0"/>
-              <a:t>28/06/2016</a:t>
+              <a:t>29/06/2016</a:t>
             </a:fld>
             <a:endParaRPr lang="pt-PT"/>
           </a:p>
@@ -7478,7 +7734,7 @@
           <a:p>
             <a:fld id="{B8C1D41B-FD9D-477E-A7D3-2D0500536254}" type="datetimeFigureOut">
               <a:rPr lang="pt-PT" smtClean="0"/>
-              <a:t>28/06/2016</a:t>
+              <a:t>29/06/2016</a:t>
             </a:fld>
             <a:endParaRPr lang="pt-PT"/>
           </a:p>
@@ -7887,7 +8143,7 @@
           <a:p>
             <a:fld id="{B8C1D41B-FD9D-477E-A7D3-2D0500536254}" type="datetimeFigureOut">
               <a:rPr lang="pt-PT" smtClean="0"/>
-              <a:t>28/06/2016</a:t>
+              <a:t>29/06/2016</a:t>
             </a:fld>
             <a:endParaRPr lang="pt-PT"/>
           </a:p>
@@ -8134,7 +8390,7 @@
           <a:p>
             <a:fld id="{B8C1D41B-FD9D-477E-A7D3-2D0500536254}" type="datetimeFigureOut">
               <a:rPr lang="pt-PT" smtClean="0"/>
-              <a:t>28/06/2016</a:t>
+              <a:t>29/06/2016</a:t>
             </a:fld>
             <a:endParaRPr lang="pt-PT"/>
           </a:p>
@@ -8961,6 +9217,52 @@
           </a:p>
         </p:txBody>
       </p:sp>
+      <p:sp>
+        <p:nvSpPr>
+          <p:cNvPr id="8" name="Oval 7"/>
+          <p:cNvSpPr/>
+          <p:nvPr/>
+        </p:nvSpPr>
+        <p:spPr>
+          <a:xfrm>
+            <a:off x="10972457" y="875957"/>
+            <a:ext cx="828000" cy="828000"/>
+          </a:xfrm>
+          <a:prstGeom prst="ellipse">
+            <a:avLst/>
+          </a:prstGeom>
+          <a:noFill/>
+          <a:ln w="50800">
+            <a:solidFill>
+              <a:schemeClr val="tx1"/>
+            </a:solidFill>
+          </a:ln>
+        </p:spPr>
+        <p:style>
+          <a:lnRef idx="2">
+            <a:schemeClr val="accent1">
+              <a:shade val="50000"/>
+            </a:schemeClr>
+          </a:lnRef>
+          <a:fillRef idx="1">
+            <a:schemeClr val="accent1"/>
+          </a:fillRef>
+          <a:effectRef idx="0">
+            <a:schemeClr val="accent1"/>
+          </a:effectRef>
+          <a:fontRef idx="minor">
+            <a:schemeClr val="lt1"/>
+          </a:fontRef>
+        </p:style>
+        <p:txBody>
+          <a:bodyPr rtlCol="0" anchor="ctr"/>
+          <a:lstStyle/>
+          <a:p>
+            <a:pPr algn="ctr"/>
+            <a:endParaRPr lang="pt-PT"/>
+          </a:p>
+        </p:txBody>
+      </p:sp>
     </p:spTree>
     <p:extLst>
       <p:ext uri="{BB962C8B-B14F-4D97-AF65-F5344CB8AC3E}">
@@ -9075,6 +9377,52 @@
           </a:p>
         </p:txBody>
       </p:sp>
+      <p:sp>
+        <p:nvSpPr>
+          <p:cNvPr id="4" name="Oval 3"/>
+          <p:cNvSpPr/>
+          <p:nvPr/>
+        </p:nvSpPr>
+        <p:spPr>
+          <a:xfrm>
+            <a:off x="10972457" y="875957"/>
+            <a:ext cx="828000" cy="828000"/>
+          </a:xfrm>
+          <a:prstGeom prst="ellipse">
+            <a:avLst/>
+          </a:prstGeom>
+          <a:noFill/>
+          <a:ln w="50800">
+            <a:solidFill>
+              <a:schemeClr val="tx1"/>
+            </a:solidFill>
+          </a:ln>
+        </p:spPr>
+        <p:style>
+          <a:lnRef idx="2">
+            <a:schemeClr val="accent1">
+              <a:shade val="50000"/>
+            </a:schemeClr>
+          </a:lnRef>
+          <a:fillRef idx="1">
+            <a:schemeClr val="accent1"/>
+          </a:fillRef>
+          <a:effectRef idx="0">
+            <a:schemeClr val="accent1"/>
+          </a:effectRef>
+          <a:fontRef idx="minor">
+            <a:schemeClr val="lt1"/>
+          </a:fontRef>
+        </p:style>
+        <p:txBody>
+          <a:bodyPr rtlCol="0" anchor="ctr"/>
+          <a:lstStyle/>
+          <a:p>
+            <a:pPr algn="ctr"/>
+            <a:endParaRPr lang="pt-PT"/>
+          </a:p>
+        </p:txBody>
+      </p:sp>
     </p:spTree>
     <p:extLst>
       <p:ext uri="{BB962C8B-B14F-4D97-AF65-F5344CB8AC3E}">
@@ -9089,6 +9437,580 @@
 </file>
 
 <file path=ppt/slides/slide12.xml><?xml version="1.0" encoding="utf-8"?>
+<p:sld xmlns:a="http://schemas.openxmlformats.org/drawingml/2006/main" xmlns:r="http://schemas.openxmlformats.org/officeDocument/2006/relationships" xmlns:p="http://schemas.openxmlformats.org/presentationml/2006/main">
+  <p:cSld>
+    <p:spTree>
+      <p:nvGrpSpPr>
+        <p:cNvPr id="1" name=""/>
+        <p:cNvGrpSpPr/>
+        <p:nvPr/>
+      </p:nvGrpSpPr>
+      <p:grpSpPr>
+        <a:xfrm>
+          <a:off x="0" y="0"/>
+          <a:ext cx="0" cy="0"/>
+          <a:chOff x="0" y="0"/>
+          <a:chExt cx="0" cy="0"/>
+        </a:xfrm>
+      </p:grpSpPr>
+      <p:sp>
+        <p:nvSpPr>
+          <p:cNvPr id="6" name="Retângulo 5"/>
+          <p:cNvSpPr/>
+          <p:nvPr/>
+        </p:nvSpPr>
+        <p:spPr>
+          <a:xfrm>
+            <a:off x="10580914" y="604157"/>
+            <a:ext cx="1611086" cy="1371600"/>
+          </a:xfrm>
+          <a:prstGeom prst="rect">
+            <a:avLst/>
+          </a:prstGeom>
+          <a:noFill/>
+          <a:ln>
+            <a:noFill/>
+          </a:ln>
+        </p:spPr>
+        <p:style>
+          <a:lnRef idx="2">
+            <a:schemeClr val="accent1">
+              <a:shade val="50000"/>
+            </a:schemeClr>
+          </a:lnRef>
+          <a:fillRef idx="1">
+            <a:schemeClr val="accent1"/>
+          </a:fillRef>
+          <a:effectRef idx="0">
+            <a:schemeClr val="accent1"/>
+          </a:effectRef>
+          <a:fontRef idx="minor">
+            <a:schemeClr val="lt1"/>
+          </a:fontRef>
+        </p:style>
+        <p:txBody>
+          <a:bodyPr rtlCol="0" anchor="ctr"/>
+          <a:lstStyle/>
+          <a:p>
+            <a:pPr algn="ctr"/>
+            <a:r>
+              <a:rPr lang="en-GB" sz="3200" dirty="0"/>
+              <a:t>1</a:t>
+            </a:r>
+            <a:endParaRPr lang="pt-PT" sz="3200" dirty="0"/>
+          </a:p>
+        </p:txBody>
+      </p:sp>
+      <p:pic>
+        <p:nvPicPr>
+          <p:cNvPr id="4" name="Imagem 3" descr="C:\Users\joo_c\Desktop\Indexacao-de-Documentos-Clinicos\Indexacao-de-Documentos-Clinicos\Dissertacao\images\eer_model.png"/>
+          <p:cNvPicPr>
+            <a:picLocks noChangeAspect="1"/>
+          </p:cNvPicPr>
+          <p:nvPr/>
+        </p:nvPicPr>
+        <p:blipFill rotWithShape="1">
+          <a:blip r:embed="rId3" cstate="print">
+            <a:extLst>
+              <a:ext uri="{28A0092B-C50C-407E-A947-70E740481C1C}">
+                <a14:useLocalDpi xmlns:a14="http://schemas.microsoft.com/office/drawing/2010/main" val="0"/>
+              </a:ext>
+            </a:extLst>
+          </a:blip>
+          <a:srcRect l="42795" t="18454" r="47150" b="71039"/>
+          <a:stretch/>
+        </p:blipFill>
+        <p:spPr bwMode="auto">
+          <a:xfrm>
+            <a:off x="808264" y="1975757"/>
+            <a:ext cx="2800350" cy="3522741"/>
+          </a:xfrm>
+          <a:prstGeom prst="rect">
+            <a:avLst/>
+          </a:prstGeom>
+          <a:noFill/>
+          <a:ln>
+            <a:noFill/>
+          </a:ln>
+          <a:extLst>
+            <a:ext uri="{53640926-AAD7-44D8-BBD7-CCE9431645EC}">
+              <a14:shadowObscured xmlns:a14="http://schemas.microsoft.com/office/drawing/2010/main"/>
+            </a:ext>
+          </a:extLst>
+        </p:spPr>
+      </p:pic>
+      <p:pic>
+        <p:nvPicPr>
+          <p:cNvPr id="8" name="Imagem 7" descr="C:\Users\joo_c\Desktop\Indexacao-de-Documentos-Clinicos\Indexacao-de-Documentos-Clinicos\Dissertacao\images\eer_model.png"/>
+          <p:cNvPicPr>
+            <a:picLocks noChangeAspect="1"/>
+          </p:cNvPicPr>
+          <p:nvPr/>
+        </p:nvPicPr>
+        <p:blipFill rotWithShape="1">
+          <a:blip r:embed="rId3" cstate="print">
+            <a:extLst>
+              <a:ext uri="{28A0092B-C50C-407E-A947-70E740481C1C}">
+                <a14:useLocalDpi xmlns:a14="http://schemas.microsoft.com/office/drawing/2010/main" val="0"/>
+              </a:ext>
+            </a:extLst>
+          </a:blip>
+          <a:srcRect l="42795" t="34651" r="46838" b="53150"/>
+          <a:stretch/>
+        </p:blipFill>
+        <p:spPr bwMode="auto">
+          <a:xfrm>
+            <a:off x="4440010" y="1856776"/>
+            <a:ext cx="2654754" cy="3760699"/>
+          </a:xfrm>
+          <a:prstGeom prst="rect">
+            <a:avLst/>
+          </a:prstGeom>
+          <a:noFill/>
+          <a:ln>
+            <a:noFill/>
+          </a:ln>
+          <a:extLst>
+            <a:ext uri="{53640926-AAD7-44D8-BBD7-CCE9431645EC}">
+              <a14:shadowObscured xmlns:a14="http://schemas.microsoft.com/office/drawing/2010/main"/>
+            </a:ext>
+          </a:extLst>
+        </p:spPr>
+      </p:pic>
+      <p:pic>
+        <p:nvPicPr>
+          <p:cNvPr id="9" name="Imagem 8" descr="C:\Users\joo_c\Desktop\Indexacao-de-Documentos-Clinicos\Indexacao-de-Documentos-Clinicos\Dissertacao\images\eer_model.png"/>
+          <p:cNvPicPr>
+            <a:picLocks noChangeAspect="1"/>
+          </p:cNvPicPr>
+          <p:nvPr/>
+        </p:nvPicPr>
+        <p:blipFill rotWithShape="1">
+          <a:blip r:embed="rId3">
+            <a:extLst>
+              <a:ext uri="{28A0092B-C50C-407E-A947-70E740481C1C}">
+                <a14:useLocalDpi xmlns:a14="http://schemas.microsoft.com/office/drawing/2010/main" val="0"/>
+              </a:ext>
+            </a:extLst>
+          </a:blip>
+          <a:srcRect l="43122" t="52959" r="47357" b="37210"/>
+          <a:stretch/>
+        </p:blipFill>
+        <p:spPr bwMode="auto">
+          <a:xfrm>
+            <a:off x="7708750" y="2085843"/>
+            <a:ext cx="2692550" cy="3302566"/>
+          </a:xfrm>
+          <a:prstGeom prst="rect">
+            <a:avLst/>
+          </a:prstGeom>
+          <a:noFill/>
+          <a:ln>
+            <a:noFill/>
+          </a:ln>
+          <a:extLst>
+            <a:ext uri="{53640926-AAD7-44D8-BBD7-CCE9431645EC}">
+              <a14:shadowObscured xmlns:a14="http://schemas.microsoft.com/office/drawing/2010/main"/>
+            </a:ext>
+          </a:extLst>
+        </p:spPr>
+      </p:pic>
+      <p:sp>
+        <p:nvSpPr>
+          <p:cNvPr id="10" name="Oval 9"/>
+          <p:cNvSpPr/>
+          <p:nvPr/>
+        </p:nvSpPr>
+        <p:spPr>
+          <a:xfrm>
+            <a:off x="10972457" y="875957"/>
+            <a:ext cx="828000" cy="828000"/>
+          </a:xfrm>
+          <a:prstGeom prst="ellipse">
+            <a:avLst/>
+          </a:prstGeom>
+          <a:noFill/>
+          <a:ln w="50800">
+            <a:solidFill>
+              <a:schemeClr val="tx1"/>
+            </a:solidFill>
+          </a:ln>
+        </p:spPr>
+        <p:style>
+          <a:lnRef idx="2">
+            <a:schemeClr val="accent1">
+              <a:shade val="50000"/>
+            </a:schemeClr>
+          </a:lnRef>
+          <a:fillRef idx="1">
+            <a:schemeClr val="accent1"/>
+          </a:fillRef>
+          <a:effectRef idx="0">
+            <a:schemeClr val="accent1"/>
+          </a:effectRef>
+          <a:fontRef idx="minor">
+            <a:schemeClr val="lt1"/>
+          </a:fontRef>
+        </p:style>
+        <p:txBody>
+          <a:bodyPr rtlCol="0" anchor="ctr"/>
+          <a:lstStyle/>
+          <a:p>
+            <a:pPr algn="ctr"/>
+            <a:endParaRPr lang="pt-PT"/>
+          </a:p>
+        </p:txBody>
+      </p:sp>
+    </p:spTree>
+    <p:extLst>
+      <p:ext uri="{BB962C8B-B14F-4D97-AF65-F5344CB8AC3E}">
+        <p14:creationId xmlns:p14="http://schemas.microsoft.com/office/powerpoint/2010/main" val="1630059629"/>
+      </p:ext>
+    </p:extLst>
+  </p:cSld>
+  <p:clrMapOvr>
+    <a:masterClrMapping/>
+  </p:clrMapOvr>
+</p:sld>
+</file>
+
+<file path=ppt/slides/slide13.xml><?xml version="1.0" encoding="utf-8"?>
+<p:sld xmlns:a="http://schemas.openxmlformats.org/drawingml/2006/main" xmlns:r="http://schemas.openxmlformats.org/officeDocument/2006/relationships" xmlns:p="http://schemas.openxmlformats.org/presentationml/2006/main">
+  <p:cSld>
+    <p:spTree>
+      <p:nvGrpSpPr>
+        <p:cNvPr id="1" name=""/>
+        <p:cNvGrpSpPr/>
+        <p:nvPr/>
+      </p:nvGrpSpPr>
+      <p:grpSpPr>
+        <a:xfrm>
+          <a:off x="0" y="0"/>
+          <a:ext cx="0" cy="0"/>
+          <a:chOff x="0" y="0"/>
+          <a:chExt cx="0" cy="0"/>
+        </a:xfrm>
+      </p:grpSpPr>
+      <p:sp>
+        <p:nvSpPr>
+          <p:cNvPr id="6" name="Retângulo 5"/>
+          <p:cNvSpPr/>
+          <p:nvPr/>
+        </p:nvSpPr>
+        <p:spPr>
+          <a:xfrm>
+            <a:off x="10580914" y="604157"/>
+            <a:ext cx="1611086" cy="1371600"/>
+          </a:xfrm>
+          <a:prstGeom prst="rect">
+            <a:avLst/>
+          </a:prstGeom>
+          <a:noFill/>
+          <a:ln>
+            <a:noFill/>
+          </a:ln>
+        </p:spPr>
+        <p:style>
+          <a:lnRef idx="2">
+            <a:schemeClr val="accent1">
+              <a:shade val="50000"/>
+            </a:schemeClr>
+          </a:lnRef>
+          <a:fillRef idx="1">
+            <a:schemeClr val="accent1"/>
+          </a:fillRef>
+          <a:effectRef idx="0">
+            <a:schemeClr val="accent1"/>
+          </a:effectRef>
+          <a:fontRef idx="minor">
+            <a:schemeClr val="lt1"/>
+          </a:fontRef>
+        </p:style>
+        <p:txBody>
+          <a:bodyPr rtlCol="0" anchor="ctr"/>
+          <a:lstStyle/>
+          <a:p>
+            <a:pPr algn="ctr"/>
+            <a:r>
+              <a:rPr lang="en-GB" sz="3200" dirty="0"/>
+              <a:t>1</a:t>
+            </a:r>
+            <a:endParaRPr lang="pt-PT" sz="3200" dirty="0"/>
+          </a:p>
+        </p:txBody>
+      </p:sp>
+      <p:grpSp>
+        <p:nvGrpSpPr>
+          <p:cNvPr id="15" name="Grupo 14"/>
+          <p:cNvGrpSpPr/>
+          <p:nvPr/>
+        </p:nvGrpSpPr>
+        <p:grpSpPr>
+          <a:xfrm>
+            <a:off x="152400" y="933449"/>
+            <a:ext cx="10428514" cy="5303259"/>
+            <a:chOff x="152400" y="933449"/>
+            <a:chExt cx="10428514" cy="5303259"/>
+          </a:xfrm>
+        </p:grpSpPr>
+        <p:pic>
+          <p:nvPicPr>
+            <p:cNvPr id="7" name="Imagem 6" descr="C:\Users\joo_c\Desktop\Indexacao-de-Documentos-Clinicos\Indexacao-de-Documentos-Clinicos\Dissertacao\images\eer_model.png"/>
+            <p:cNvPicPr>
+              <a:picLocks noChangeAspect="1"/>
+            </p:cNvPicPr>
+            <p:nvPr/>
+          </p:nvPicPr>
+          <p:blipFill rotWithShape="1">
+            <a:blip r:embed="rId3">
+              <a:extLst>
+                <a:ext uri="{28A0092B-C50C-407E-A947-70E740481C1C}">
+                  <a14:useLocalDpi xmlns:a14="http://schemas.microsoft.com/office/drawing/2010/main" val="0"/>
+                </a:ext>
+              </a:extLst>
+            </a:blip>
+            <a:srcRect l="4959" t="65176" r="12893" b="-479"/>
+            <a:stretch/>
+          </p:blipFill>
+          <p:spPr bwMode="auto">
+            <a:xfrm>
+              <a:off x="192564" y="933449"/>
+              <a:ext cx="10388350" cy="5303259"/>
+            </a:xfrm>
+            <a:prstGeom prst="rect">
+              <a:avLst/>
+            </a:prstGeom>
+            <a:noFill/>
+            <a:ln>
+              <a:noFill/>
+            </a:ln>
+            <a:extLst>
+              <a:ext uri="{53640926-AAD7-44D8-BBD7-CCE9431645EC}">
+                <a14:shadowObscured xmlns:a14="http://schemas.microsoft.com/office/drawing/2010/main"/>
+              </a:ext>
+            </a:extLst>
+          </p:spPr>
+        </p:pic>
+        <p:grpSp>
+          <p:nvGrpSpPr>
+            <p:cNvPr id="13" name="Grupo 12"/>
+            <p:cNvGrpSpPr/>
+            <p:nvPr/>
+          </p:nvGrpSpPr>
+          <p:grpSpPr>
+            <a:xfrm>
+              <a:off x="152400" y="933450"/>
+              <a:ext cx="10408432" cy="1104900"/>
+              <a:chOff x="152400" y="933450"/>
+              <a:chExt cx="10408432" cy="1104900"/>
+            </a:xfrm>
+          </p:grpSpPr>
+          <p:sp>
+            <p:nvSpPr>
+              <p:cNvPr id="3" name="Retângulo 2"/>
+              <p:cNvSpPr/>
+              <p:nvPr/>
+            </p:nvSpPr>
+            <p:spPr>
+              <a:xfrm>
+                <a:off x="152400" y="933450"/>
+                <a:ext cx="3886200" cy="1042307"/>
+              </a:xfrm>
+              <a:prstGeom prst="rect">
+                <a:avLst/>
+              </a:prstGeom>
+              <a:solidFill>
+                <a:schemeClr val="tx1"/>
+              </a:solidFill>
+              <a:ln>
+                <a:solidFill>
+                  <a:schemeClr val="tx1"/>
+                </a:solidFill>
+              </a:ln>
+            </p:spPr>
+            <p:style>
+              <a:lnRef idx="2">
+                <a:schemeClr val="accent1">
+                  <a:shade val="50000"/>
+                </a:schemeClr>
+              </a:lnRef>
+              <a:fillRef idx="1">
+                <a:schemeClr val="accent1"/>
+              </a:fillRef>
+              <a:effectRef idx="0">
+                <a:schemeClr val="accent1"/>
+              </a:effectRef>
+              <a:fontRef idx="minor">
+                <a:schemeClr val="lt1"/>
+              </a:fontRef>
+            </p:style>
+            <p:txBody>
+              <a:bodyPr rtlCol="0" anchor="ctr"/>
+              <a:lstStyle/>
+              <a:p>
+                <a:pPr algn="ctr"/>
+                <a:endParaRPr lang="pt-PT"/>
+              </a:p>
+            </p:txBody>
+          </p:sp>
+          <p:sp>
+            <p:nvSpPr>
+              <p:cNvPr id="12" name="Retângulo 11"/>
+              <p:cNvSpPr/>
+              <p:nvPr/>
+            </p:nvSpPr>
+            <p:spPr>
+              <a:xfrm>
+                <a:off x="6674632" y="933450"/>
+                <a:ext cx="3886200" cy="1104900"/>
+              </a:xfrm>
+              <a:prstGeom prst="rect">
+                <a:avLst/>
+              </a:prstGeom>
+              <a:solidFill>
+                <a:schemeClr val="tx1"/>
+              </a:solidFill>
+              <a:ln>
+                <a:solidFill>
+                  <a:schemeClr val="tx1"/>
+                </a:solidFill>
+              </a:ln>
+            </p:spPr>
+            <p:style>
+              <a:lnRef idx="2">
+                <a:schemeClr val="accent1">
+                  <a:shade val="50000"/>
+                </a:schemeClr>
+              </a:lnRef>
+              <a:fillRef idx="1">
+                <a:schemeClr val="accent1"/>
+              </a:fillRef>
+              <a:effectRef idx="0">
+                <a:schemeClr val="accent1"/>
+              </a:effectRef>
+              <a:fontRef idx="minor">
+                <a:schemeClr val="lt1"/>
+              </a:fontRef>
+            </p:style>
+            <p:txBody>
+              <a:bodyPr rtlCol="0" anchor="ctr"/>
+              <a:lstStyle/>
+              <a:p>
+                <a:pPr algn="ctr"/>
+                <a:endParaRPr lang="pt-PT"/>
+              </a:p>
+            </p:txBody>
+          </p:sp>
+        </p:grpSp>
+        <p:sp>
+          <p:nvSpPr>
+            <p:cNvPr id="14" name="Retângulo 13"/>
+            <p:cNvSpPr/>
+            <p:nvPr/>
+          </p:nvSpPr>
+          <p:spPr>
+            <a:xfrm>
+              <a:off x="7694182" y="1423307"/>
+              <a:ext cx="1931182" cy="1104900"/>
+            </a:xfrm>
+            <a:prstGeom prst="rect">
+              <a:avLst/>
+            </a:prstGeom>
+            <a:solidFill>
+              <a:schemeClr val="tx1"/>
+            </a:solidFill>
+            <a:ln>
+              <a:solidFill>
+                <a:schemeClr val="tx1"/>
+              </a:solidFill>
+            </a:ln>
+          </p:spPr>
+          <p:style>
+            <a:lnRef idx="2">
+              <a:schemeClr val="accent1">
+                <a:shade val="50000"/>
+              </a:schemeClr>
+            </a:lnRef>
+            <a:fillRef idx="1">
+              <a:schemeClr val="accent1"/>
+            </a:fillRef>
+            <a:effectRef idx="0">
+              <a:schemeClr val="accent1"/>
+            </a:effectRef>
+            <a:fontRef idx="minor">
+              <a:schemeClr val="lt1"/>
+            </a:fontRef>
+          </p:style>
+          <p:txBody>
+            <a:bodyPr rtlCol="0" anchor="ctr"/>
+            <a:lstStyle/>
+            <a:p>
+              <a:pPr algn="ctr"/>
+              <a:endParaRPr lang="pt-PT"/>
+            </a:p>
+          </p:txBody>
+        </p:sp>
+      </p:grpSp>
+      <p:sp>
+        <p:nvSpPr>
+          <p:cNvPr id="16" name="Oval 15"/>
+          <p:cNvSpPr/>
+          <p:nvPr/>
+        </p:nvSpPr>
+        <p:spPr>
+          <a:xfrm>
+            <a:off x="10972457" y="875957"/>
+            <a:ext cx="828000" cy="828000"/>
+          </a:xfrm>
+          <a:prstGeom prst="ellipse">
+            <a:avLst/>
+          </a:prstGeom>
+          <a:noFill/>
+          <a:ln w="50800">
+            <a:solidFill>
+              <a:schemeClr val="tx1"/>
+            </a:solidFill>
+          </a:ln>
+        </p:spPr>
+        <p:style>
+          <a:lnRef idx="2">
+            <a:schemeClr val="accent1">
+              <a:shade val="50000"/>
+            </a:schemeClr>
+          </a:lnRef>
+          <a:fillRef idx="1">
+            <a:schemeClr val="accent1"/>
+          </a:fillRef>
+          <a:effectRef idx="0">
+            <a:schemeClr val="accent1"/>
+          </a:effectRef>
+          <a:fontRef idx="minor">
+            <a:schemeClr val="lt1"/>
+          </a:fontRef>
+        </p:style>
+        <p:txBody>
+          <a:bodyPr rtlCol="0" anchor="ctr"/>
+          <a:lstStyle/>
+          <a:p>
+            <a:pPr algn="ctr"/>
+            <a:endParaRPr lang="pt-PT"/>
+          </a:p>
+        </p:txBody>
+      </p:sp>
+    </p:spTree>
+    <p:extLst>
+      <p:ext uri="{BB962C8B-B14F-4D97-AF65-F5344CB8AC3E}">
+        <p14:creationId xmlns:p14="http://schemas.microsoft.com/office/powerpoint/2010/main" val="1550416118"/>
+      </p:ext>
+    </p:extLst>
+  </p:cSld>
+  <p:clrMapOvr>
+    <a:masterClrMapping/>
+  </p:clrMapOvr>
+</p:sld>
+</file>
+
+<file path=ppt/slides/slide14.xml><?xml version="1.0" encoding="utf-8"?>
 <p:sld xmlns:a="http://schemas.openxmlformats.org/drawingml/2006/main" xmlns:r="http://schemas.openxmlformats.org/officeDocument/2006/relationships" xmlns:p="http://schemas.openxmlformats.org/presentationml/2006/main">
   <p:cSld>
     <p:spTree>
@@ -9218,6 +10140,52 @@
           </a:extLst>
         </p:spPr>
       </p:pic>
+      <p:sp>
+        <p:nvSpPr>
+          <p:cNvPr id="6" name="Oval 5"/>
+          <p:cNvSpPr/>
+          <p:nvPr/>
+        </p:nvSpPr>
+        <p:spPr>
+          <a:xfrm>
+            <a:off x="10972457" y="875957"/>
+            <a:ext cx="828000" cy="828000"/>
+          </a:xfrm>
+          <a:prstGeom prst="ellipse">
+            <a:avLst/>
+          </a:prstGeom>
+          <a:noFill/>
+          <a:ln w="50800">
+            <a:solidFill>
+              <a:schemeClr val="tx1"/>
+            </a:solidFill>
+          </a:ln>
+        </p:spPr>
+        <p:style>
+          <a:lnRef idx="2">
+            <a:schemeClr val="accent1">
+              <a:shade val="50000"/>
+            </a:schemeClr>
+          </a:lnRef>
+          <a:fillRef idx="1">
+            <a:schemeClr val="accent1"/>
+          </a:fillRef>
+          <a:effectRef idx="0">
+            <a:schemeClr val="accent1"/>
+          </a:effectRef>
+          <a:fontRef idx="minor">
+            <a:schemeClr val="lt1"/>
+          </a:fontRef>
+        </p:style>
+        <p:txBody>
+          <a:bodyPr rtlCol="0" anchor="ctr"/>
+          <a:lstStyle/>
+          <a:p>
+            <a:pPr algn="ctr"/>
+            <a:endParaRPr lang="pt-PT"/>
+          </a:p>
+        </p:txBody>
+      </p:sp>
     </p:spTree>
     <p:extLst>
       <p:ext uri="{BB962C8B-B14F-4D97-AF65-F5344CB8AC3E}">
@@ -9231,7 +10199,7 @@
 </p:sld>
 </file>
 
-<file path=ppt/slides/slide13.xml><?xml version="1.0" encoding="utf-8"?>
+<file path=ppt/slides/slide15.xml><?xml version="1.0" encoding="utf-8"?>
 <p:sld xmlns:a="http://schemas.openxmlformats.org/drawingml/2006/main" xmlns:r="http://schemas.openxmlformats.org/officeDocument/2006/relationships" xmlns:p="http://schemas.openxmlformats.org/presentationml/2006/main">
   <p:cSld>
     <p:spTree>
@@ -9292,16 +10260,6 @@
                 <a:schemeClr val="bg1"/>
               </a:solidFill>
             </a:endParaRPr>
-          </a:p>
-          <a:p>
-            <a:r>
-              <a:rPr lang="en-GB" dirty="0">
-                <a:solidFill>
-                  <a:schemeClr val="bg1"/>
-                </a:solidFill>
-              </a:rPr>
-              <a:t>data-config.xml</a:t>
-            </a:r>
           </a:p>
           <a:p>
             <a:endParaRPr lang="en-GB" dirty="0">
@@ -9392,6 +10350,52 @@
           </a:p>
         </p:txBody>
       </p:sp>
+      <p:sp>
+        <p:nvSpPr>
+          <p:cNvPr id="5" name="Oval 4"/>
+          <p:cNvSpPr/>
+          <p:nvPr/>
+        </p:nvSpPr>
+        <p:spPr>
+          <a:xfrm>
+            <a:off x="10972457" y="875957"/>
+            <a:ext cx="828000" cy="828000"/>
+          </a:xfrm>
+          <a:prstGeom prst="ellipse">
+            <a:avLst/>
+          </a:prstGeom>
+          <a:noFill/>
+          <a:ln w="50800">
+            <a:solidFill>
+              <a:schemeClr val="tx1"/>
+            </a:solidFill>
+          </a:ln>
+        </p:spPr>
+        <p:style>
+          <a:lnRef idx="2">
+            <a:schemeClr val="accent1">
+              <a:shade val="50000"/>
+            </a:schemeClr>
+          </a:lnRef>
+          <a:fillRef idx="1">
+            <a:schemeClr val="accent1"/>
+          </a:fillRef>
+          <a:effectRef idx="0">
+            <a:schemeClr val="accent1"/>
+          </a:effectRef>
+          <a:fontRef idx="minor">
+            <a:schemeClr val="lt1"/>
+          </a:fontRef>
+        </p:style>
+        <p:txBody>
+          <a:bodyPr rtlCol="0" anchor="ctr"/>
+          <a:lstStyle/>
+          <a:p>
+            <a:pPr algn="ctr"/>
+            <a:endParaRPr lang="pt-PT"/>
+          </a:p>
+        </p:txBody>
+      </p:sp>
     </p:spTree>
     <p:extLst>
       <p:ext uri="{BB962C8B-B14F-4D97-AF65-F5344CB8AC3E}">
@@ -9405,7 +10409,7 @@
 </p:sld>
 </file>
 
-<file path=ppt/slides/slide14.xml><?xml version="1.0" encoding="utf-8"?>
+<file path=ppt/slides/slide16.xml><?xml version="1.0" encoding="utf-8"?>
 <p:sld xmlns:a="http://schemas.openxmlformats.org/drawingml/2006/main" xmlns:r="http://schemas.openxmlformats.org/officeDocument/2006/relationships" xmlns:p="http://schemas.openxmlformats.org/presentationml/2006/main">
   <p:cSld>
     <p:spTree>
@@ -9460,7 +10464,7 @@
         <p:spPr>
           <a:xfrm>
             <a:off x="680321" y="2336872"/>
-            <a:ext cx="9613861" cy="4112913"/>
+            <a:ext cx="9613861" cy="4521128"/>
           </a:xfrm>
         </p:spPr>
         <p:txBody>
@@ -11466,6 +12470,233 @@
                 <a:latin typeface="Courier New" panose="02070309020205020404" pitchFamily="49" charset="0"/>
               </a:rPr>
               <a:t>"true"</a:t>
+            </a:r>
+            <a:r>
+              <a:rPr lang="en-US" dirty="0">
+                <a:solidFill>
+                  <a:srgbClr val="0000FF"/>
+                </a:solidFill>
+                <a:latin typeface="Courier New" panose="02070309020205020404" pitchFamily="49" charset="0"/>
+              </a:rPr>
+              <a:t>/&gt;</a:t>
+            </a:r>
+          </a:p>
+          <a:p>
+            <a:r>
+              <a:rPr lang="en-US" dirty="0">
+                <a:solidFill>
+                  <a:srgbClr val="0000FF"/>
+                </a:solidFill>
+                <a:latin typeface="Courier New" panose="02070309020205020404" pitchFamily="49" charset="0"/>
+              </a:rPr>
+              <a:t>&lt;field</a:t>
+            </a:r>
+            <a:r>
+              <a:rPr lang="en-US" dirty="0">
+                <a:solidFill>
+                  <a:srgbClr val="000000"/>
+                </a:solidFill>
+                <a:latin typeface="Courier New" panose="02070309020205020404" pitchFamily="49" charset="0"/>
+              </a:rPr>
+              <a:t> </a:t>
+            </a:r>
+            <a:r>
+              <a:rPr lang="en-US" dirty="0">
+                <a:solidFill>
+                  <a:srgbClr val="FF0000"/>
+                </a:solidFill>
+                <a:latin typeface="Courier New" panose="02070309020205020404" pitchFamily="49" charset="0"/>
+              </a:rPr>
+              <a:t>name</a:t>
+            </a:r>
+            <a:r>
+              <a:rPr lang="en-US" dirty="0">
+                <a:solidFill>
+                  <a:srgbClr val="000000"/>
+                </a:solidFill>
+                <a:latin typeface="Courier New" panose="02070309020205020404" pitchFamily="49" charset="0"/>
+              </a:rPr>
+              <a:t>=</a:t>
+            </a:r>
+            <a:r>
+              <a:rPr lang="en-US" b="1" dirty="0">
+                <a:solidFill>
+                  <a:srgbClr val="8000FF"/>
+                </a:solidFill>
+                <a:latin typeface="Courier New" panose="02070309020205020404" pitchFamily="49" charset="0"/>
+              </a:rPr>
+              <a:t>"text"</a:t>
+            </a:r>
+            <a:r>
+              <a:rPr lang="en-US" dirty="0">
+                <a:solidFill>
+                  <a:srgbClr val="000000"/>
+                </a:solidFill>
+                <a:latin typeface="Courier New" panose="02070309020205020404" pitchFamily="49" charset="0"/>
+              </a:rPr>
+              <a:t> </a:t>
+            </a:r>
+            <a:r>
+              <a:rPr lang="en-US" dirty="0">
+                <a:solidFill>
+                  <a:srgbClr val="FF0000"/>
+                </a:solidFill>
+                <a:latin typeface="Courier New" panose="02070309020205020404" pitchFamily="49" charset="0"/>
+              </a:rPr>
+              <a:t>type</a:t>
+            </a:r>
+            <a:r>
+              <a:rPr lang="en-US" dirty="0">
+                <a:solidFill>
+                  <a:srgbClr val="000000"/>
+                </a:solidFill>
+                <a:latin typeface="Courier New" panose="02070309020205020404" pitchFamily="49" charset="0"/>
+              </a:rPr>
+              <a:t>=</a:t>
+            </a:r>
+            <a:r>
+              <a:rPr lang="en-US" b="1" dirty="0">
+                <a:solidFill>
+                  <a:srgbClr val="8000FF"/>
+                </a:solidFill>
+                <a:latin typeface="Courier New" panose="02070309020205020404" pitchFamily="49" charset="0"/>
+              </a:rPr>
+              <a:t>"</a:t>
+            </a:r>
+            <a:r>
+              <a:rPr lang="en-US" b="1" dirty="0" err="1">
+                <a:solidFill>
+                  <a:srgbClr val="8000FF"/>
+                </a:solidFill>
+                <a:latin typeface="Courier New" panose="02070309020205020404" pitchFamily="49" charset="0"/>
+              </a:rPr>
+              <a:t>text_general</a:t>
+            </a:r>
+            <a:r>
+              <a:rPr lang="en-US" b="1" dirty="0">
+                <a:solidFill>
+                  <a:srgbClr val="8000FF"/>
+                </a:solidFill>
+                <a:latin typeface="Courier New" panose="02070309020205020404" pitchFamily="49" charset="0"/>
+              </a:rPr>
+              <a:t>"</a:t>
+            </a:r>
+            <a:r>
+              <a:rPr lang="en-US" dirty="0">
+                <a:solidFill>
+                  <a:srgbClr val="000000"/>
+                </a:solidFill>
+                <a:latin typeface="Courier New" panose="02070309020205020404" pitchFamily="49" charset="0"/>
+              </a:rPr>
+              <a:t> </a:t>
+            </a:r>
+            <a:r>
+              <a:rPr lang="en-US" dirty="0">
+                <a:solidFill>
+                  <a:srgbClr val="FF0000"/>
+                </a:solidFill>
+                <a:latin typeface="Courier New" panose="02070309020205020404" pitchFamily="49" charset="0"/>
+              </a:rPr>
+              <a:t>indexed</a:t>
+            </a:r>
+            <a:r>
+              <a:rPr lang="en-US" dirty="0">
+                <a:solidFill>
+                  <a:srgbClr val="000000"/>
+                </a:solidFill>
+                <a:latin typeface="Courier New" panose="02070309020205020404" pitchFamily="49" charset="0"/>
+              </a:rPr>
+              <a:t>=</a:t>
+            </a:r>
+            <a:r>
+              <a:rPr lang="en-US" b="1" dirty="0">
+                <a:solidFill>
+                  <a:srgbClr val="8000FF"/>
+                </a:solidFill>
+                <a:latin typeface="Courier New" panose="02070309020205020404" pitchFamily="49" charset="0"/>
+              </a:rPr>
+              <a:t>"true"</a:t>
+            </a:r>
+            <a:r>
+              <a:rPr lang="en-US" dirty="0">
+                <a:solidFill>
+                  <a:srgbClr val="000000"/>
+                </a:solidFill>
+                <a:latin typeface="Courier New" panose="02070309020205020404" pitchFamily="49" charset="0"/>
+              </a:rPr>
+              <a:t> </a:t>
+            </a:r>
+            <a:r>
+              <a:rPr lang="en-US" dirty="0">
+                <a:solidFill>
+                  <a:srgbClr val="FF0000"/>
+                </a:solidFill>
+                <a:latin typeface="Courier New" panose="02070309020205020404" pitchFamily="49" charset="0"/>
+              </a:rPr>
+              <a:t>stored</a:t>
+            </a:r>
+            <a:r>
+              <a:rPr lang="en-US" dirty="0">
+                <a:solidFill>
+                  <a:srgbClr val="000000"/>
+                </a:solidFill>
+                <a:latin typeface="Courier New" panose="02070309020205020404" pitchFamily="49" charset="0"/>
+              </a:rPr>
+              <a:t>=</a:t>
+            </a:r>
+            <a:r>
+              <a:rPr lang="en-US" b="1" dirty="0">
+                <a:solidFill>
+                  <a:srgbClr val="8000FF"/>
+                </a:solidFill>
+                <a:latin typeface="Courier New" panose="02070309020205020404" pitchFamily="49" charset="0"/>
+              </a:rPr>
+              <a:t>"false"</a:t>
+            </a:r>
+            <a:r>
+              <a:rPr lang="en-US" dirty="0">
+                <a:solidFill>
+                  <a:srgbClr val="000000"/>
+                </a:solidFill>
+                <a:latin typeface="Courier New" panose="02070309020205020404" pitchFamily="49" charset="0"/>
+              </a:rPr>
+              <a:t> </a:t>
+            </a:r>
+            <a:r>
+              <a:rPr lang="en-US" dirty="0" err="1">
+                <a:solidFill>
+                  <a:srgbClr val="FF0000"/>
+                </a:solidFill>
+                <a:latin typeface="Courier New" panose="02070309020205020404" pitchFamily="49" charset="0"/>
+              </a:rPr>
+              <a:t>multiValued</a:t>
+            </a:r>
+            <a:r>
+              <a:rPr lang="en-US" dirty="0">
+                <a:solidFill>
+                  <a:srgbClr val="000000"/>
+                </a:solidFill>
+                <a:latin typeface="Courier New" panose="02070309020205020404" pitchFamily="49" charset="0"/>
+              </a:rPr>
+              <a:t>=</a:t>
+            </a:r>
+            <a:r>
+              <a:rPr lang="en-US" b="1" dirty="0">
+                <a:solidFill>
+                  <a:srgbClr val="8000FF"/>
+                </a:solidFill>
+                <a:latin typeface="Courier New" panose="02070309020205020404" pitchFamily="49" charset="0"/>
+              </a:rPr>
+              <a:t>"true"</a:t>
+            </a:r>
+            <a:r>
+              <a:rPr lang="en-US" dirty="0">
+                <a:solidFill>
+                  <a:srgbClr val="000000"/>
+                </a:solidFill>
+                <a:latin typeface="Courier New" panose="02070309020205020404" pitchFamily="49" charset="0"/>
+              </a:rPr>
+              <a:t> </a:t>
             </a:r>
             <a:r>
               <a:rPr lang="en-US" dirty="0">
@@ -11528,6 +12759,52 @@
           </a:p>
         </p:txBody>
       </p:sp>
+      <p:sp>
+        <p:nvSpPr>
+          <p:cNvPr id="5" name="Oval 4"/>
+          <p:cNvSpPr/>
+          <p:nvPr/>
+        </p:nvSpPr>
+        <p:spPr>
+          <a:xfrm>
+            <a:off x="10972457" y="875957"/>
+            <a:ext cx="828000" cy="828000"/>
+          </a:xfrm>
+          <a:prstGeom prst="ellipse">
+            <a:avLst/>
+          </a:prstGeom>
+          <a:noFill/>
+          <a:ln w="50800">
+            <a:solidFill>
+              <a:schemeClr val="tx1"/>
+            </a:solidFill>
+          </a:ln>
+        </p:spPr>
+        <p:style>
+          <a:lnRef idx="2">
+            <a:schemeClr val="accent1">
+              <a:shade val="50000"/>
+            </a:schemeClr>
+          </a:lnRef>
+          <a:fillRef idx="1">
+            <a:schemeClr val="accent1"/>
+          </a:fillRef>
+          <a:effectRef idx="0">
+            <a:schemeClr val="accent1"/>
+          </a:effectRef>
+          <a:fontRef idx="minor">
+            <a:schemeClr val="lt1"/>
+          </a:fontRef>
+        </p:style>
+        <p:txBody>
+          <a:bodyPr rtlCol="0" anchor="ctr"/>
+          <a:lstStyle/>
+          <a:p>
+            <a:pPr algn="ctr"/>
+            <a:endParaRPr lang="pt-PT"/>
+          </a:p>
+        </p:txBody>
+      </p:sp>
     </p:spTree>
     <p:extLst>
       <p:ext uri="{BB962C8B-B14F-4D97-AF65-F5344CB8AC3E}">
@@ -11541,7 +12818,7 @@
 </p:sld>
 </file>
 
-<file path=ppt/slides/slide15.xml><?xml version="1.0" encoding="utf-8"?>
+<file path=ppt/slides/slide17.xml><?xml version="1.0" encoding="utf-8"?>
 <p:sld xmlns:a="http://schemas.openxmlformats.org/drawingml/2006/main" xmlns:r="http://schemas.openxmlformats.org/officeDocument/2006/relationships" xmlns:p="http://schemas.openxmlformats.org/presentationml/2006/main">
   <p:cSld>
     <p:spTree>
@@ -12500,6 +13777,52 @@
           </a:p>
         </p:txBody>
       </p:sp>
+      <p:sp>
+        <p:nvSpPr>
+          <p:cNvPr id="5" name="Oval 4"/>
+          <p:cNvSpPr/>
+          <p:nvPr/>
+        </p:nvSpPr>
+        <p:spPr>
+          <a:xfrm>
+            <a:off x="10972457" y="875957"/>
+            <a:ext cx="828000" cy="828000"/>
+          </a:xfrm>
+          <a:prstGeom prst="ellipse">
+            <a:avLst/>
+          </a:prstGeom>
+          <a:noFill/>
+          <a:ln w="50800">
+            <a:solidFill>
+              <a:schemeClr val="tx1"/>
+            </a:solidFill>
+          </a:ln>
+        </p:spPr>
+        <p:style>
+          <a:lnRef idx="2">
+            <a:schemeClr val="accent1">
+              <a:shade val="50000"/>
+            </a:schemeClr>
+          </a:lnRef>
+          <a:fillRef idx="1">
+            <a:schemeClr val="accent1"/>
+          </a:fillRef>
+          <a:effectRef idx="0">
+            <a:schemeClr val="accent1"/>
+          </a:effectRef>
+          <a:fontRef idx="minor">
+            <a:schemeClr val="lt1"/>
+          </a:fontRef>
+        </p:style>
+        <p:txBody>
+          <a:bodyPr rtlCol="0" anchor="ctr"/>
+          <a:lstStyle/>
+          <a:p>
+            <a:pPr algn="ctr"/>
+            <a:endParaRPr lang="pt-PT"/>
+          </a:p>
+        </p:txBody>
+      </p:sp>
     </p:spTree>
     <p:extLst>
       <p:ext uri="{BB962C8B-B14F-4D97-AF65-F5344CB8AC3E}">
@@ -12513,7 +13836,7 @@
 </p:sld>
 </file>
 
-<file path=ppt/slides/slide16.xml><?xml version="1.0" encoding="utf-8"?>
+<file path=ppt/slides/slide18.xml><?xml version="1.0" encoding="utf-8"?>
 <p:sld xmlns:a="http://schemas.openxmlformats.org/drawingml/2006/main" xmlns:r="http://schemas.openxmlformats.org/officeDocument/2006/relationships" xmlns:p="http://schemas.openxmlformats.org/presentationml/2006/main">
   <p:cSld>
     <p:spTree>
@@ -12567,6 +13890,82 @@
           <a:bodyPr/>
           <a:lstStyle/>
           <a:p>
+            <a:endParaRPr lang="en-GB" dirty="0">
+              <a:solidFill>
+                <a:schemeClr val="bg1"/>
+              </a:solidFill>
+            </a:endParaRPr>
+          </a:p>
+          <a:p>
+            <a:endParaRPr lang="en-GB" dirty="0">
+              <a:solidFill>
+                <a:schemeClr val="bg1"/>
+              </a:solidFill>
+            </a:endParaRPr>
+          </a:p>
+          <a:p>
+            <a:r>
+              <a:rPr lang="en-GB" dirty="0" err="1">
+                <a:solidFill>
+                  <a:schemeClr val="bg1"/>
+                </a:solidFill>
+              </a:rPr>
+              <a:t>Modelo</a:t>
+            </a:r>
+            <a:r>
+              <a:rPr lang="en-GB" dirty="0">
+                <a:solidFill>
+                  <a:schemeClr val="bg1"/>
+                </a:solidFill>
+              </a:rPr>
+              <a:t> </a:t>
+            </a:r>
+            <a:r>
+              <a:rPr lang="en-GB" dirty="0" err="1">
+                <a:solidFill>
+                  <a:schemeClr val="bg1"/>
+                </a:solidFill>
+              </a:rPr>
+              <a:t>Vetorial</a:t>
+            </a:r>
+            <a:endParaRPr lang="en-GB" dirty="0">
+              <a:solidFill>
+                <a:schemeClr val="bg1"/>
+              </a:solidFill>
+            </a:endParaRPr>
+          </a:p>
+          <a:p>
+            <a:endParaRPr lang="en-GB" dirty="0">
+              <a:solidFill>
+                <a:schemeClr val="bg1"/>
+              </a:solidFill>
+            </a:endParaRPr>
+          </a:p>
+          <a:p>
+            <a:r>
+              <a:rPr lang="en-GB" dirty="0" err="1">
+                <a:solidFill>
+                  <a:schemeClr val="bg1"/>
+                </a:solidFill>
+              </a:rPr>
+              <a:t>Modelo</a:t>
+            </a:r>
+            <a:r>
+              <a:rPr lang="en-GB" dirty="0">
+                <a:solidFill>
+                  <a:schemeClr val="bg1"/>
+                </a:solidFill>
+              </a:rPr>
+              <a:t> </a:t>
+            </a:r>
+            <a:r>
+              <a:rPr lang="en-GB" dirty="0" err="1">
+                <a:solidFill>
+                  <a:schemeClr val="bg1"/>
+                </a:solidFill>
+              </a:rPr>
+              <a:t>Booleano</a:t>
+            </a:r>
             <a:endParaRPr lang="pt-PT" dirty="0">
               <a:solidFill>
                 <a:schemeClr val="bg1"/>
@@ -12623,6 +14022,52 @@
           </a:p>
         </p:txBody>
       </p:sp>
+      <p:sp>
+        <p:nvSpPr>
+          <p:cNvPr id="5" name="Oval 4"/>
+          <p:cNvSpPr/>
+          <p:nvPr/>
+        </p:nvSpPr>
+        <p:spPr>
+          <a:xfrm>
+            <a:off x="10972457" y="875957"/>
+            <a:ext cx="828000" cy="828000"/>
+          </a:xfrm>
+          <a:prstGeom prst="ellipse">
+            <a:avLst/>
+          </a:prstGeom>
+          <a:noFill/>
+          <a:ln w="50800">
+            <a:solidFill>
+              <a:schemeClr val="tx1"/>
+            </a:solidFill>
+          </a:ln>
+        </p:spPr>
+        <p:style>
+          <a:lnRef idx="2">
+            <a:schemeClr val="accent1">
+              <a:shade val="50000"/>
+            </a:schemeClr>
+          </a:lnRef>
+          <a:fillRef idx="1">
+            <a:schemeClr val="accent1"/>
+          </a:fillRef>
+          <a:effectRef idx="0">
+            <a:schemeClr val="accent1"/>
+          </a:effectRef>
+          <a:fontRef idx="minor">
+            <a:schemeClr val="lt1"/>
+          </a:fontRef>
+        </p:style>
+        <p:txBody>
+          <a:bodyPr rtlCol="0" anchor="ctr"/>
+          <a:lstStyle/>
+          <a:p>
+            <a:pPr algn="ctr"/>
+            <a:endParaRPr lang="pt-PT"/>
+          </a:p>
+        </p:txBody>
+      </p:sp>
     </p:spTree>
     <p:extLst>
       <p:ext uri="{BB962C8B-B14F-4D97-AF65-F5344CB8AC3E}">
@@ -12636,75 +14081,7 @@
 </p:sld>
 </file>
 
-<file path=ppt/slides/slide17.xml><?xml version="1.0" encoding="utf-8"?>
-<p:sld xmlns:a="http://schemas.openxmlformats.org/drawingml/2006/main" xmlns:r="http://schemas.openxmlformats.org/officeDocument/2006/relationships" xmlns:p="http://schemas.openxmlformats.org/presentationml/2006/main">
-  <p:cSld>
-    <p:spTree>
-      <p:nvGrpSpPr>
-        <p:cNvPr id="1" name=""/>
-        <p:cNvGrpSpPr/>
-        <p:nvPr/>
-      </p:nvGrpSpPr>
-      <p:grpSpPr>
-        <a:xfrm>
-          <a:off x="0" y="0"/>
-          <a:ext cx="0" cy="0"/>
-          <a:chOff x="0" y="0"/>
-          <a:chExt cx="0" cy="0"/>
-        </a:xfrm>
-      </p:grpSpPr>
-      <p:sp>
-        <p:nvSpPr>
-          <p:cNvPr id="2" name="Título 1"/>
-          <p:cNvSpPr>
-            <a:spLocks noGrp="1"/>
-          </p:cNvSpPr>
-          <p:nvPr>
-            <p:ph type="title"/>
-          </p:nvPr>
-        </p:nvSpPr>
-        <p:spPr/>
-        <p:txBody>
-          <a:bodyPr/>
-          <a:lstStyle/>
-          <a:p>
-            <a:endParaRPr lang="pt-PT"/>
-          </a:p>
-        </p:txBody>
-      </p:sp>
-      <p:sp>
-        <p:nvSpPr>
-          <p:cNvPr id="3" name="Marcador de Posição de Conteúdo 2"/>
-          <p:cNvSpPr>
-            <a:spLocks noGrp="1"/>
-          </p:cNvSpPr>
-          <p:nvPr>
-            <p:ph idx="1"/>
-          </p:nvPr>
-        </p:nvSpPr>
-        <p:spPr/>
-        <p:txBody>
-          <a:bodyPr/>
-          <a:lstStyle/>
-          <a:p>
-            <a:endParaRPr lang="pt-PT"/>
-          </a:p>
-        </p:txBody>
-      </p:sp>
-    </p:spTree>
-    <p:extLst>
-      <p:ext uri="{BB962C8B-B14F-4D97-AF65-F5344CB8AC3E}">
-        <p14:creationId xmlns:p14="http://schemas.microsoft.com/office/powerpoint/2010/main" val="974071177"/>
-      </p:ext>
-    </p:extLst>
-  </p:cSld>
-  <p:clrMapOvr>
-    <a:masterClrMapping/>
-  </p:clrMapOvr>
-</p:sld>
-</file>
-
-<file path=ppt/slides/slide18.xml><?xml version="1.0" encoding="utf-8"?>
+<file path=ppt/slides/slide19.xml><?xml version="1.0" encoding="utf-8"?>
 <p:sld xmlns:a="http://schemas.openxmlformats.org/drawingml/2006/main" xmlns:r="http://schemas.openxmlformats.org/officeDocument/2006/relationships" xmlns:p="http://schemas.openxmlformats.org/presentationml/2006/main">
   <p:cSld>
     <p:spTree>
@@ -12769,7 +14146,185 @@
 </p:sld>
 </file>
 
-<file path=ppt/slides/slide19.xml><?xml version="1.0" encoding="utf-8"?>
+<file path=ppt/slides/slide2.xml><?xml version="1.0" encoding="utf-8"?>
+<p:sld xmlns:a="http://schemas.openxmlformats.org/drawingml/2006/main" xmlns:r="http://schemas.openxmlformats.org/officeDocument/2006/relationships" xmlns:p="http://schemas.openxmlformats.org/presentationml/2006/main">
+  <p:cSld>
+    <p:spTree>
+      <p:nvGrpSpPr>
+        <p:cNvPr id="1" name=""/>
+        <p:cNvGrpSpPr/>
+        <p:nvPr/>
+      </p:nvGrpSpPr>
+      <p:grpSpPr>
+        <a:xfrm>
+          <a:off x="0" y="0"/>
+          <a:ext cx="0" cy="0"/>
+          <a:chOff x="0" y="0"/>
+          <a:chExt cx="0" cy="0"/>
+        </a:xfrm>
+      </p:grpSpPr>
+      <p:sp>
+        <p:nvSpPr>
+          <p:cNvPr id="2" name="Título 1"/>
+          <p:cNvSpPr>
+            <a:spLocks noGrp="1"/>
+          </p:cNvSpPr>
+          <p:nvPr>
+            <p:ph type="title"/>
+          </p:nvPr>
+        </p:nvSpPr>
+        <p:spPr/>
+        <p:txBody>
+          <a:bodyPr/>
+          <a:lstStyle/>
+          <a:p>
+            <a:r>
+              <a:rPr lang="pt-PT" dirty="0"/>
+              <a:t>Contexto</a:t>
+            </a:r>
+          </a:p>
+        </p:txBody>
+      </p:sp>
+      <p:sp>
+        <p:nvSpPr>
+          <p:cNvPr id="3" name="Marcador de Posição de Conteúdo 2"/>
+          <p:cNvSpPr>
+            <a:spLocks noGrp="1"/>
+          </p:cNvSpPr>
+          <p:nvPr>
+            <p:ph idx="1"/>
+          </p:nvPr>
+        </p:nvSpPr>
+        <p:spPr/>
+        <p:txBody>
+          <a:bodyPr>
+            <a:normAutofit/>
+          </a:bodyPr>
+          <a:lstStyle/>
+          <a:p>
+            <a:endParaRPr lang="pt-PT" dirty="0">
+              <a:solidFill>
+                <a:schemeClr val="bg1"/>
+              </a:solidFill>
+            </a:endParaRPr>
+          </a:p>
+          <a:p>
+            <a:r>
+              <a:rPr lang="pt-PT" dirty="0">
+                <a:solidFill>
+                  <a:schemeClr val="bg1"/>
+                </a:solidFill>
+              </a:rPr>
+              <a:t>Numa perspetiva clínica</a:t>
+            </a:r>
+            <a:r>
+              <a:rPr lang="en-GB" dirty="0">
+                <a:solidFill>
+                  <a:schemeClr val="bg1"/>
+                </a:solidFill>
+              </a:rPr>
+              <a:t>: </a:t>
+            </a:r>
+            <a:endParaRPr lang="pt-PT" dirty="0">
+              <a:solidFill>
+                <a:schemeClr val="bg1"/>
+              </a:solidFill>
+            </a:endParaRPr>
+          </a:p>
+          <a:p>
+            <a:pPr lvl="1"/>
+            <a:r>
+              <a:rPr lang="pt-PT" dirty="0">
+                <a:solidFill>
+                  <a:schemeClr val="bg1"/>
+                </a:solidFill>
+              </a:rPr>
+              <a:t>Existe muita informação, muitos dados</a:t>
+            </a:r>
+          </a:p>
+          <a:p>
+            <a:pPr lvl="2"/>
+            <a:r>
+              <a:rPr lang="pt-PT" dirty="0">
+                <a:solidFill>
+                  <a:schemeClr val="bg1"/>
+                </a:solidFill>
+              </a:rPr>
+              <a:t>Em documentos não estruturados </a:t>
+            </a:r>
+          </a:p>
+          <a:p>
+            <a:pPr lvl="2"/>
+            <a:r>
+              <a:rPr lang="pt-PT" dirty="0">
+                <a:solidFill>
+                  <a:schemeClr val="bg1"/>
+                </a:solidFill>
+              </a:rPr>
+              <a:t>e estruturados em bases de dados</a:t>
+            </a:r>
+          </a:p>
+          <a:p>
+            <a:pPr lvl="1"/>
+            <a:endParaRPr lang="pt-PT" dirty="0">
+              <a:solidFill>
+                <a:schemeClr val="bg1"/>
+              </a:solidFill>
+            </a:endParaRPr>
+          </a:p>
+          <a:p>
+            <a:pPr lvl="1"/>
+            <a:r>
+              <a:rPr lang="pt-PT" dirty="0">
+                <a:solidFill>
+                  <a:schemeClr val="bg1"/>
+                </a:solidFill>
+              </a:rPr>
+              <a:t>É necessário organizar e melhorar o acesso integrado da informação</a:t>
+            </a:r>
+          </a:p>
+          <a:p>
+            <a:pPr lvl="1"/>
+            <a:endParaRPr lang="pt-PT" dirty="0">
+              <a:solidFill>
+                <a:schemeClr val="bg1"/>
+              </a:solidFill>
+            </a:endParaRPr>
+          </a:p>
+          <a:p>
+            <a:pPr lvl="1"/>
+            <a:r>
+              <a:rPr lang="pt-PT" dirty="0">
+                <a:solidFill>
+                  <a:schemeClr val="bg1"/>
+                </a:solidFill>
+              </a:rPr>
+              <a:t>Surgem ferramentas indexação e pesquisa de informação</a:t>
+            </a:r>
+          </a:p>
+          <a:p>
+            <a:endParaRPr lang="pt-PT" dirty="0">
+              <a:solidFill>
+                <a:schemeClr val="bg1"/>
+              </a:solidFill>
+            </a:endParaRPr>
+          </a:p>
+        </p:txBody>
+      </p:sp>
+    </p:spTree>
+    <p:extLst>
+      <p:ext uri="{BB962C8B-B14F-4D97-AF65-F5344CB8AC3E}">
+        <p14:creationId xmlns:p14="http://schemas.microsoft.com/office/powerpoint/2010/main" val="373284507"/>
+      </p:ext>
+    </p:extLst>
+  </p:cSld>
+  <p:clrMapOvr>
+    <a:masterClrMapping/>
+  </p:clrMapOvr>
+</p:sld>
+</file>
+
+<file path=ppt/slides/slide20.xml><?xml version="1.0" encoding="utf-8"?>
 <p:sld xmlns:a="http://schemas.openxmlformats.org/drawingml/2006/main" xmlns:r="http://schemas.openxmlformats.org/officeDocument/2006/relationships" xmlns:p="http://schemas.openxmlformats.org/presentationml/2006/main">
   <p:cSld>
     <p:spTree>
@@ -12834,250 +14389,6 @@
 </p:sld>
 </file>
 
-<file path=ppt/slides/slide2.xml><?xml version="1.0" encoding="utf-8"?>
-<p:sld xmlns:a="http://schemas.openxmlformats.org/drawingml/2006/main" xmlns:r="http://schemas.openxmlformats.org/officeDocument/2006/relationships" xmlns:p="http://schemas.openxmlformats.org/presentationml/2006/main">
-  <p:cSld>
-    <p:spTree>
-      <p:nvGrpSpPr>
-        <p:cNvPr id="1" name=""/>
-        <p:cNvGrpSpPr/>
-        <p:nvPr/>
-      </p:nvGrpSpPr>
-      <p:grpSpPr>
-        <a:xfrm>
-          <a:off x="0" y="0"/>
-          <a:ext cx="0" cy="0"/>
-          <a:chOff x="0" y="0"/>
-          <a:chExt cx="0" cy="0"/>
-        </a:xfrm>
-      </p:grpSpPr>
-      <p:sp>
-        <p:nvSpPr>
-          <p:cNvPr id="2" name="Título 1"/>
-          <p:cNvSpPr>
-            <a:spLocks noGrp="1"/>
-          </p:cNvSpPr>
-          <p:nvPr>
-            <p:ph type="title"/>
-          </p:nvPr>
-        </p:nvSpPr>
-        <p:spPr/>
-        <p:txBody>
-          <a:bodyPr/>
-          <a:lstStyle/>
-          <a:p>
-            <a:r>
-              <a:rPr lang="pt-PT" dirty="0"/>
-              <a:t>Contexto</a:t>
-            </a:r>
-          </a:p>
-        </p:txBody>
-      </p:sp>
-      <p:sp>
-        <p:nvSpPr>
-          <p:cNvPr id="3" name="Marcador de Posição de Conteúdo 2"/>
-          <p:cNvSpPr>
-            <a:spLocks noGrp="1"/>
-          </p:cNvSpPr>
-          <p:nvPr>
-            <p:ph idx="1"/>
-          </p:nvPr>
-        </p:nvSpPr>
-        <p:spPr/>
-        <p:txBody>
-          <a:bodyPr>
-            <a:normAutofit/>
-          </a:bodyPr>
-          <a:lstStyle/>
-          <a:p>
-            <a:endParaRPr lang="pt-PT" dirty="0">
-              <a:solidFill>
-                <a:schemeClr val="bg1"/>
-              </a:solidFill>
-            </a:endParaRPr>
-          </a:p>
-          <a:p>
-            <a:r>
-              <a:rPr lang="pt-PT" dirty="0">
-                <a:solidFill>
-                  <a:schemeClr val="bg1"/>
-                </a:solidFill>
-              </a:rPr>
-              <a:t>Numa perspetiva clínica</a:t>
-            </a:r>
-            <a:r>
-              <a:rPr lang="en-GB" dirty="0">
-                <a:solidFill>
-                  <a:schemeClr val="bg1"/>
-                </a:solidFill>
-              </a:rPr>
-              <a:t>: </a:t>
-            </a:r>
-            <a:endParaRPr lang="pt-PT" dirty="0">
-              <a:solidFill>
-                <a:schemeClr val="bg1"/>
-              </a:solidFill>
-            </a:endParaRPr>
-          </a:p>
-          <a:p>
-            <a:pPr lvl="1"/>
-            <a:r>
-              <a:rPr lang="pt-PT" dirty="0">
-                <a:solidFill>
-                  <a:schemeClr val="bg1"/>
-                </a:solidFill>
-              </a:rPr>
-              <a:t>Existe muita informação, muitos dados</a:t>
-            </a:r>
-          </a:p>
-          <a:p>
-            <a:pPr lvl="2"/>
-            <a:r>
-              <a:rPr lang="pt-PT" dirty="0">
-                <a:solidFill>
-                  <a:schemeClr val="bg1"/>
-                </a:solidFill>
-              </a:rPr>
-              <a:t>Em documentos não estruturados </a:t>
-            </a:r>
-          </a:p>
-          <a:p>
-            <a:pPr lvl="2"/>
-            <a:r>
-              <a:rPr lang="pt-PT" dirty="0">
-                <a:solidFill>
-                  <a:schemeClr val="bg1"/>
-                </a:solidFill>
-              </a:rPr>
-              <a:t>e estruturados em bases de dados</a:t>
-            </a:r>
-          </a:p>
-          <a:p>
-            <a:pPr lvl="1"/>
-            <a:endParaRPr lang="pt-PT" dirty="0">
-              <a:solidFill>
-                <a:schemeClr val="bg1"/>
-              </a:solidFill>
-            </a:endParaRPr>
-          </a:p>
-          <a:p>
-            <a:pPr lvl="1"/>
-            <a:r>
-              <a:rPr lang="pt-PT" dirty="0">
-                <a:solidFill>
-                  <a:schemeClr val="bg1"/>
-                </a:solidFill>
-              </a:rPr>
-              <a:t>É necessário organizar e melhorar o acesso integrado da informação</a:t>
-            </a:r>
-          </a:p>
-          <a:p>
-            <a:pPr lvl="1"/>
-            <a:endParaRPr lang="pt-PT" dirty="0">
-              <a:solidFill>
-                <a:schemeClr val="bg1"/>
-              </a:solidFill>
-            </a:endParaRPr>
-          </a:p>
-          <a:p>
-            <a:pPr lvl="1"/>
-            <a:r>
-              <a:rPr lang="pt-PT" dirty="0">
-                <a:solidFill>
-                  <a:schemeClr val="bg1"/>
-                </a:solidFill>
-              </a:rPr>
-              <a:t>Surgem ferramentas indexação e pesquisa de informação</a:t>
-            </a:r>
-          </a:p>
-          <a:p>
-            <a:endParaRPr lang="pt-PT" dirty="0">
-              <a:solidFill>
-                <a:schemeClr val="bg1"/>
-              </a:solidFill>
-            </a:endParaRPr>
-          </a:p>
-        </p:txBody>
-      </p:sp>
-    </p:spTree>
-    <p:extLst>
-      <p:ext uri="{BB962C8B-B14F-4D97-AF65-F5344CB8AC3E}">
-        <p14:creationId xmlns:p14="http://schemas.microsoft.com/office/powerpoint/2010/main" val="373284507"/>
-      </p:ext>
-    </p:extLst>
-  </p:cSld>
-  <p:clrMapOvr>
-    <a:masterClrMapping/>
-  </p:clrMapOvr>
-</p:sld>
-</file>
-
-<file path=ppt/slides/slide20.xml><?xml version="1.0" encoding="utf-8"?>
-<p:sld xmlns:a="http://schemas.openxmlformats.org/drawingml/2006/main" xmlns:r="http://schemas.openxmlformats.org/officeDocument/2006/relationships" xmlns:p="http://schemas.openxmlformats.org/presentationml/2006/main">
-  <p:cSld>
-    <p:spTree>
-      <p:nvGrpSpPr>
-        <p:cNvPr id="1" name=""/>
-        <p:cNvGrpSpPr/>
-        <p:nvPr/>
-      </p:nvGrpSpPr>
-      <p:grpSpPr>
-        <a:xfrm>
-          <a:off x="0" y="0"/>
-          <a:ext cx="0" cy="0"/>
-          <a:chOff x="0" y="0"/>
-          <a:chExt cx="0" cy="0"/>
-        </a:xfrm>
-      </p:grpSpPr>
-      <p:pic>
-        <p:nvPicPr>
-          <p:cNvPr id="5" name="Imagem 4"/>
-          <p:cNvPicPr>
-            <a:picLocks noChangeAspect="1"/>
-          </p:cNvPicPr>
-          <p:nvPr/>
-        </p:nvPicPr>
-        <p:blipFill>
-          <a:blip r:embed="rId2">
-            <a:extLst>
-              <a:ext uri="{28A0092B-C50C-407E-A947-70E740481C1C}">
-                <a14:useLocalDpi xmlns:a14="http://schemas.microsoft.com/office/drawing/2010/main" val="0"/>
-              </a:ext>
-            </a:extLst>
-          </a:blip>
-          <a:stretch>
-            <a:fillRect/>
-          </a:stretch>
-        </p:blipFill>
-        <p:spPr>
-          <a:xfrm>
-            <a:off x="2359476" y="845003"/>
-            <a:ext cx="7078437" cy="5137575"/>
-          </a:xfrm>
-          <a:prstGeom prst="rect">
-            <a:avLst/>
-          </a:prstGeom>
-          <a:ln>
-            <a:noFill/>
-          </a:ln>
-          <a:effectLst>
-            <a:softEdge rad="112500"/>
-          </a:effectLst>
-        </p:spPr>
-      </p:pic>
-    </p:spTree>
-    <p:extLst>
-      <p:ext uri="{BB962C8B-B14F-4D97-AF65-F5344CB8AC3E}">
-        <p14:creationId xmlns:p14="http://schemas.microsoft.com/office/powerpoint/2010/main" val="327867623"/>
-      </p:ext>
-    </p:extLst>
-  </p:cSld>
-  <p:clrMapOvr>
-    <a:masterClrMapping/>
-  </p:clrMapOvr>
-</p:sld>
-</file>
-
 <file path=ppt/slides/slide21.xml><?xml version="1.0" encoding="utf-8"?>
 <p:sld xmlns:a="http://schemas.openxmlformats.org/drawingml/2006/main" xmlns:r="http://schemas.openxmlformats.org/officeDocument/2006/relationships" xmlns:p="http://schemas.openxmlformats.org/presentationml/2006/main">
   <p:cSld>
@@ -13095,73 +14406,294 @@
           <a:chExt cx="0" cy="0"/>
         </a:xfrm>
       </p:grpSpPr>
-      <p:sp>
-        <p:nvSpPr>
-          <p:cNvPr id="2" name="Título 1"/>
-          <p:cNvSpPr>
-            <a:spLocks noGrp="1"/>
-          </p:cNvSpPr>
-          <p:nvPr>
-            <p:ph type="title"/>
-          </p:nvPr>
-        </p:nvSpPr>
-        <p:spPr/>
-        <p:txBody>
-          <a:bodyPr/>
-          <a:lstStyle/>
-          <a:p>
-            <a:r>
-              <a:rPr lang="en-GB" dirty="0" err="1"/>
-              <a:t>Simulação</a:t>
-            </a:r>
-            <a:r>
-              <a:rPr lang="en-GB" dirty="0"/>
-              <a:t> e testes</a:t>
-            </a:r>
-            <a:endParaRPr lang="pt-PT" dirty="0"/>
-          </a:p>
-        </p:txBody>
-      </p:sp>
-      <p:sp>
-        <p:nvSpPr>
-          <p:cNvPr id="3" name="Marcador de Posição de Conteúdo 2"/>
-          <p:cNvSpPr>
-            <a:spLocks noGrp="1"/>
-          </p:cNvSpPr>
-          <p:nvPr>
-            <p:ph idx="1"/>
-          </p:nvPr>
-        </p:nvSpPr>
-        <p:spPr/>
-        <p:txBody>
-          <a:bodyPr/>
-          <a:lstStyle/>
-          <a:p>
-            <a:r>
-              <a:rPr lang="pt-PT" dirty="0">
-                <a:solidFill>
-                  <a:schemeClr val="bg1"/>
-                </a:solidFill>
-              </a:rPr>
-              <a:t>Maquina 1</a:t>
-            </a:r>
-          </a:p>
-          <a:p>
-            <a:r>
-              <a:rPr lang="pt-PT" dirty="0">
-                <a:solidFill>
-                  <a:schemeClr val="bg1"/>
-                </a:solidFill>
-              </a:rPr>
-              <a:t>Maquina 2</a:t>
-            </a:r>
-          </a:p>
-        </p:txBody>
-      </p:sp>
+      <p:grpSp>
+        <p:nvGrpSpPr>
+          <p:cNvPr id="2" name="Grupo 1"/>
+          <p:cNvGrpSpPr>
+            <a:grpSpLocks noChangeAspect="1"/>
+          </p:cNvGrpSpPr>
+          <p:nvPr/>
+        </p:nvGrpSpPr>
+        <p:grpSpPr>
+          <a:xfrm>
+            <a:off x="-28901" y="419100"/>
+            <a:ext cx="12220901" cy="6076950"/>
+            <a:chOff x="3200400" y="1989138"/>
+            <a:chExt cx="5791200" cy="2879725"/>
+          </a:xfrm>
+        </p:grpSpPr>
+        <p:pic>
+          <p:nvPicPr>
+            <p:cNvPr id="4" name="Imagem 3"/>
+            <p:cNvPicPr/>
+            <p:nvPr/>
+          </p:nvPicPr>
+          <p:blipFill rotWithShape="1">
+            <a:blip r:embed="rId2">
+              <a:extLst>
+                <a:ext uri="{28A0092B-C50C-407E-A947-70E740481C1C}">
+                  <a14:useLocalDpi xmlns:a14="http://schemas.microsoft.com/office/drawing/2010/main" val="0"/>
+                </a:ext>
+              </a:extLst>
+            </a:blip>
+            <a:srcRect l="5863" t="11922" r="7251" b="11211"/>
+            <a:stretch/>
+          </p:blipFill>
+          <p:spPr bwMode="auto">
+            <a:xfrm>
+              <a:off x="3200400" y="1989138"/>
+              <a:ext cx="5791200" cy="2879725"/>
+            </a:xfrm>
+            <a:prstGeom prst="rect">
+              <a:avLst/>
+            </a:prstGeom>
+            <a:ln>
+              <a:noFill/>
+            </a:ln>
+            <a:extLst>
+              <a:ext uri="{53640926-AAD7-44D8-BBD7-CCE9431645EC}">
+                <a14:shadowObscured xmlns:a14="http://schemas.microsoft.com/office/drawing/2010/main"/>
+              </a:ext>
+            </a:extLst>
+          </p:spPr>
+        </p:pic>
+        <p:sp>
+          <p:nvSpPr>
+            <p:cNvPr id="6" name="Retângulo 5"/>
+            <p:cNvSpPr/>
+            <p:nvPr/>
+          </p:nvSpPr>
+          <p:spPr>
+            <a:xfrm>
+              <a:off x="3400425" y="2703513"/>
+              <a:ext cx="1095375" cy="45085"/>
+            </a:xfrm>
+            <a:prstGeom prst="rect">
+              <a:avLst/>
+            </a:prstGeom>
+            <a:solidFill>
+              <a:schemeClr val="bg1">
+                <a:lumMod val="50000"/>
+                <a:lumOff val="50000"/>
+              </a:schemeClr>
+            </a:solidFill>
+            <a:ln>
+              <a:solidFill>
+                <a:schemeClr val="bg1">
+                  <a:lumMod val="50000"/>
+                  <a:lumOff val="50000"/>
+                </a:schemeClr>
+              </a:solidFill>
+            </a:ln>
+          </p:spPr>
+          <p:style>
+            <a:lnRef idx="2">
+              <a:schemeClr val="dk1">
+                <a:shade val="50000"/>
+              </a:schemeClr>
+            </a:lnRef>
+            <a:fillRef idx="1">
+              <a:schemeClr val="dk1"/>
+            </a:fillRef>
+            <a:effectRef idx="0">
+              <a:schemeClr val="dk1"/>
+            </a:effectRef>
+            <a:fontRef idx="minor">
+              <a:schemeClr val="lt1"/>
+            </a:fontRef>
+          </p:style>
+          <p:txBody>
+            <a:bodyPr rot="0" spcFirstLastPara="0" vert="horz" wrap="square" lIns="91440" tIns="45720" rIns="91440" bIns="45720" numCol="1" spcCol="0" rtlCol="0" fromWordArt="0" anchor="ctr" anchorCtr="0" forceAA="0" compatLnSpc="1">
+              <a:prstTxWarp prst="textNoShape">
+                <a:avLst/>
+              </a:prstTxWarp>
+              <a:noAutofit/>
+            </a:bodyPr>
+            <a:lstStyle/>
+            <a:p>
+              <a:endParaRPr lang="pt-PT"/>
+            </a:p>
+          </p:txBody>
+        </p:sp>
+        <p:sp>
+          <p:nvSpPr>
+            <p:cNvPr id="7" name="Retângulo 6"/>
+            <p:cNvSpPr/>
+            <p:nvPr/>
+          </p:nvSpPr>
+          <p:spPr>
+            <a:xfrm>
+              <a:off x="3390900" y="3341688"/>
+              <a:ext cx="1123950" cy="45085"/>
+            </a:xfrm>
+            <a:prstGeom prst="rect">
+              <a:avLst/>
+            </a:prstGeom>
+            <a:solidFill>
+              <a:schemeClr val="bg1">
+                <a:lumMod val="50000"/>
+                <a:lumOff val="50000"/>
+              </a:schemeClr>
+            </a:solidFill>
+            <a:ln>
+              <a:solidFill>
+                <a:schemeClr val="bg1">
+                  <a:lumMod val="50000"/>
+                  <a:lumOff val="50000"/>
+                </a:schemeClr>
+              </a:solidFill>
+            </a:ln>
+          </p:spPr>
+          <p:style>
+            <a:lnRef idx="2">
+              <a:schemeClr val="dk1">
+                <a:shade val="50000"/>
+              </a:schemeClr>
+            </a:lnRef>
+            <a:fillRef idx="1">
+              <a:schemeClr val="dk1"/>
+            </a:fillRef>
+            <a:effectRef idx="0">
+              <a:schemeClr val="dk1"/>
+            </a:effectRef>
+            <a:fontRef idx="minor">
+              <a:schemeClr val="lt1"/>
+            </a:fontRef>
+          </p:style>
+          <p:txBody>
+            <a:bodyPr rot="0" spcFirstLastPara="0" vert="horz" wrap="square" lIns="91440" tIns="45720" rIns="91440" bIns="45720" numCol="1" spcCol="0" rtlCol="0" fromWordArt="0" anchor="ctr" anchorCtr="0" forceAA="0" compatLnSpc="1">
+              <a:prstTxWarp prst="textNoShape">
+                <a:avLst/>
+              </a:prstTxWarp>
+              <a:noAutofit/>
+            </a:bodyPr>
+            <a:lstStyle/>
+            <a:p>
+              <a:endParaRPr lang="pt-PT"/>
+            </a:p>
+          </p:txBody>
+        </p:sp>
+        <p:sp>
+          <p:nvSpPr>
+            <p:cNvPr id="8" name="Retângulo 7"/>
+            <p:cNvSpPr/>
+            <p:nvPr/>
+          </p:nvSpPr>
+          <p:spPr>
+            <a:xfrm>
+              <a:off x="3390900" y="3979863"/>
+              <a:ext cx="1095375" cy="45085"/>
+            </a:xfrm>
+            <a:prstGeom prst="rect">
+              <a:avLst/>
+            </a:prstGeom>
+            <a:solidFill>
+              <a:schemeClr val="bg1">
+                <a:lumMod val="50000"/>
+                <a:lumOff val="50000"/>
+              </a:schemeClr>
+            </a:solidFill>
+            <a:ln>
+              <a:solidFill>
+                <a:schemeClr val="bg1">
+                  <a:lumMod val="50000"/>
+                  <a:lumOff val="50000"/>
+                </a:schemeClr>
+              </a:solidFill>
+            </a:ln>
+          </p:spPr>
+          <p:style>
+            <a:lnRef idx="2">
+              <a:schemeClr val="dk1">
+                <a:shade val="50000"/>
+              </a:schemeClr>
+            </a:lnRef>
+            <a:fillRef idx="1">
+              <a:schemeClr val="dk1"/>
+            </a:fillRef>
+            <a:effectRef idx="0">
+              <a:schemeClr val="dk1"/>
+            </a:effectRef>
+            <a:fontRef idx="minor">
+              <a:schemeClr val="lt1"/>
+            </a:fontRef>
+          </p:style>
+          <p:txBody>
+            <a:bodyPr rot="0" spcFirstLastPara="0" vert="horz" wrap="square" lIns="91440" tIns="45720" rIns="91440" bIns="45720" numCol="1" spcCol="0" rtlCol="0" fromWordArt="0" anchor="ctr" anchorCtr="0" forceAA="0" compatLnSpc="1">
+              <a:prstTxWarp prst="textNoShape">
+                <a:avLst/>
+              </a:prstTxWarp>
+              <a:noAutofit/>
+            </a:bodyPr>
+            <a:lstStyle/>
+            <a:p>
+              <a:endParaRPr lang="pt-PT"/>
+            </a:p>
+          </p:txBody>
+        </p:sp>
+        <p:sp>
+          <p:nvSpPr>
+            <p:cNvPr id="9" name="Retângulo 8"/>
+            <p:cNvSpPr/>
+            <p:nvPr/>
+          </p:nvSpPr>
+          <p:spPr>
+            <a:xfrm>
+              <a:off x="3390900" y="4541838"/>
+              <a:ext cx="1219200" cy="45085"/>
+            </a:xfrm>
+            <a:prstGeom prst="rect">
+              <a:avLst/>
+            </a:prstGeom>
+            <a:solidFill>
+              <a:schemeClr val="bg1">
+                <a:lumMod val="50000"/>
+                <a:lumOff val="50000"/>
+              </a:schemeClr>
+            </a:solidFill>
+            <a:ln>
+              <a:solidFill>
+                <a:schemeClr val="bg1">
+                  <a:lumMod val="50000"/>
+                  <a:lumOff val="50000"/>
+                </a:schemeClr>
+              </a:solidFill>
+            </a:ln>
+          </p:spPr>
+          <p:style>
+            <a:lnRef idx="2">
+              <a:schemeClr val="dk1">
+                <a:shade val="50000"/>
+              </a:schemeClr>
+            </a:lnRef>
+            <a:fillRef idx="1">
+              <a:schemeClr val="dk1"/>
+            </a:fillRef>
+            <a:effectRef idx="0">
+              <a:schemeClr val="dk1"/>
+            </a:effectRef>
+            <a:fontRef idx="minor">
+              <a:schemeClr val="lt1"/>
+            </a:fontRef>
+          </p:style>
+          <p:txBody>
+            <a:bodyPr rot="0" spcFirstLastPara="0" vert="horz" wrap="square" lIns="91440" tIns="45720" rIns="91440" bIns="45720" numCol="1" spcCol="0" rtlCol="0" fromWordArt="0" anchor="ctr" anchorCtr="0" forceAA="0" compatLnSpc="1">
+              <a:prstTxWarp prst="textNoShape">
+                <a:avLst/>
+              </a:prstTxWarp>
+              <a:noAutofit/>
+            </a:bodyPr>
+            <a:lstStyle/>
+            <a:p>
+              <a:endParaRPr lang="pt-PT"/>
+            </a:p>
+          </p:txBody>
+        </p:sp>
+      </p:grpSp>
     </p:spTree>
     <p:extLst>
       <p:ext uri="{BB962C8B-B14F-4D97-AF65-F5344CB8AC3E}">
-        <p14:creationId xmlns:p14="http://schemas.microsoft.com/office/powerpoint/2010/main" val="1795974120"/>
+        <p14:creationId xmlns:p14="http://schemas.microsoft.com/office/powerpoint/2010/main" val="327867623"/>
       </p:ext>
     </p:extLst>
   </p:cSld>
@@ -13188,68 +14720,47 @@
           <a:chExt cx="0" cy="0"/>
         </a:xfrm>
       </p:grpSpPr>
-      <p:sp>
-        <p:nvSpPr>
-          <p:cNvPr id="2" name="Título 1"/>
-          <p:cNvSpPr>
-            <a:spLocks noGrp="1"/>
-          </p:cNvSpPr>
-          <p:nvPr>
-            <p:ph type="title"/>
-          </p:nvPr>
-        </p:nvSpPr>
-        <p:spPr/>
-        <p:txBody>
-          <a:bodyPr/>
-          <a:lstStyle/>
-          <a:p>
-            <a:r>
-              <a:rPr lang="en-GB" dirty="0" err="1"/>
-              <a:t>Simulação</a:t>
-            </a:r>
-            <a:r>
-              <a:rPr lang="en-GB" dirty="0"/>
-              <a:t> e Testes</a:t>
-            </a:r>
-            <a:endParaRPr lang="pt-PT" dirty="0"/>
-          </a:p>
-        </p:txBody>
-      </p:sp>
-      <p:sp>
-        <p:nvSpPr>
-          <p:cNvPr id="3" name="Marcador de Posição de Conteúdo 2"/>
-          <p:cNvSpPr>
-            <a:spLocks noGrp="1"/>
-          </p:cNvSpPr>
-          <p:nvPr>
-            <p:ph idx="1"/>
-          </p:nvPr>
-        </p:nvSpPr>
-        <p:spPr/>
-        <p:txBody>
-          <a:bodyPr/>
-          <a:lstStyle/>
-          <a:p>
-            <a:r>
-              <a:rPr lang="en-GB" dirty="0" err="1">
-                <a:solidFill>
-                  <a:schemeClr val="bg1"/>
-                </a:solidFill>
-              </a:rPr>
-              <a:t>Resultados</a:t>
-            </a:r>
-            <a:endParaRPr lang="pt-PT" dirty="0">
-              <a:solidFill>
-                <a:schemeClr val="bg1"/>
-              </a:solidFill>
-            </a:endParaRPr>
-          </a:p>
-        </p:txBody>
-      </p:sp>
+      <p:pic>
+        <p:nvPicPr>
+          <p:cNvPr id="10" name="Imagem 9"/>
+          <p:cNvPicPr>
+            <a:picLocks noChangeAspect="1"/>
+          </p:cNvPicPr>
+          <p:nvPr/>
+        </p:nvPicPr>
+        <p:blipFill rotWithShape="1">
+          <a:blip r:embed="rId2">
+            <a:extLst>
+              <a:ext uri="{28A0092B-C50C-407E-A947-70E740481C1C}">
+                <a14:useLocalDpi xmlns:a14="http://schemas.microsoft.com/office/drawing/2010/main" val="0"/>
+              </a:ext>
+            </a:extLst>
+          </a:blip>
+          <a:srcRect l="7056" t="10982" r="7915" b="67684"/>
+          <a:stretch/>
+        </p:blipFill>
+        <p:spPr bwMode="auto">
+          <a:xfrm>
+            <a:off x="20241" y="2571750"/>
+            <a:ext cx="12151518" cy="1714500"/>
+          </a:xfrm>
+          <a:prstGeom prst="rect">
+            <a:avLst/>
+          </a:prstGeom>
+          <a:ln>
+            <a:noFill/>
+          </a:ln>
+          <a:extLst>
+            <a:ext uri="{53640926-AAD7-44D8-BBD7-CCE9431645EC}">
+              <a14:shadowObscured xmlns:a14="http://schemas.microsoft.com/office/drawing/2010/main"/>
+            </a:ext>
+          </a:extLst>
+        </p:spPr>
+      </p:pic>
     </p:spTree>
     <p:extLst>
       <p:ext uri="{BB962C8B-B14F-4D97-AF65-F5344CB8AC3E}">
-        <p14:creationId xmlns:p14="http://schemas.microsoft.com/office/powerpoint/2010/main" val="2965183767"/>
+        <p14:creationId xmlns:p14="http://schemas.microsoft.com/office/powerpoint/2010/main" val="649060010"/>
       </p:ext>
     </p:extLst>
   </p:cSld>
@@ -13292,18 +14803,1653 @@
           <a:lstStyle/>
           <a:p>
             <a:r>
-              <a:rPr lang="en-GB" dirty="0" err="1"/>
-              <a:t>Trabalho</a:t>
-            </a:r>
-            <a:r>
-              <a:rPr lang="en-GB" dirty="0"/>
-              <a:t> </a:t>
-            </a:r>
-            <a:r>
-              <a:rPr lang="en-GB" dirty="0" err="1"/>
-              <a:t>Futuro</a:t>
-            </a:r>
-            <a:endParaRPr lang="pt-PT" dirty="0"/>
+              <a:rPr lang="pt-PT" dirty="0"/>
+              <a:t>Simulação e Testes</a:t>
+            </a:r>
+          </a:p>
+        </p:txBody>
+      </p:sp>
+      <p:graphicFrame>
+        <p:nvGraphicFramePr>
+          <p:cNvPr id="4" name="Marcador de Posição de Conteúdo 3"/>
+          <p:cNvGraphicFramePr>
+            <a:graphicFrameLocks noGrp="1"/>
+          </p:cNvGraphicFramePr>
+          <p:nvPr>
+            <p:ph idx="1"/>
+            <p:extLst>
+              <p:ext uri="{D42A27DB-BD31-4B8C-83A1-F6EECF244321}">
+                <p14:modId xmlns:p14="http://schemas.microsoft.com/office/powerpoint/2010/main" val="2335384635"/>
+              </p:ext>
+            </p:extLst>
+          </p:nvPr>
+        </p:nvGraphicFramePr>
+        <p:xfrm>
+          <a:off x="1848188" y="2876551"/>
+          <a:ext cx="8445994" cy="2965036"/>
+        </p:xfrm>
+        <a:graphic>
+          <a:graphicData uri="http://schemas.openxmlformats.org/drawingml/2006/table">
+            <a:tbl>
+              <a:tblPr firstRow="1" firstCol="1" bandRow="1">
+                <a:tableStyleId>{5C22544A-7EE6-4342-B048-85BDC9FD1C3A}</a:tableStyleId>
+              </a:tblPr>
+              <a:tblGrid>
+                <a:gridCol w="2423287">
+                  <a:extLst>
+                    <a:ext uri="{9D8B030D-6E8A-4147-A177-3AD203B41FA5}">
+                      <a16:colId xmlns:a16="http://schemas.microsoft.com/office/drawing/2014/main" val="4161356131"/>
+                    </a:ext>
+                  </a:extLst>
+                </a:gridCol>
+                <a:gridCol w="2952485">
+                  <a:extLst>
+                    <a:ext uri="{9D8B030D-6E8A-4147-A177-3AD203B41FA5}">
+                      <a16:colId xmlns:a16="http://schemas.microsoft.com/office/drawing/2014/main" val="3579591438"/>
+                    </a:ext>
+                  </a:extLst>
+                </a:gridCol>
+                <a:gridCol w="3070222">
+                  <a:extLst>
+                    <a:ext uri="{9D8B030D-6E8A-4147-A177-3AD203B41FA5}">
+                      <a16:colId xmlns:a16="http://schemas.microsoft.com/office/drawing/2014/main" val="1057592089"/>
+                    </a:ext>
+                  </a:extLst>
+                </a:gridCol>
+              </a:tblGrid>
+              <a:tr h="476746">
+                <a:tc>
+                  <a:txBody>
+                    <a:bodyPr/>
+                    <a:lstStyle/>
+                    <a:p>
+                      <a:pPr indent="288290" algn="ctr">
+                        <a:lnSpc>
+                          <a:spcPts val="1700"/>
+                        </a:lnSpc>
+                        <a:spcAft>
+                          <a:spcPts val="0"/>
+                        </a:spcAft>
+                      </a:pPr>
+                      <a:r>
+                        <a:rPr lang="pt-PT" sz="1800" dirty="0">
+                          <a:effectLst/>
+                        </a:rPr>
+                        <a:t> </a:t>
+                      </a:r>
+                      <a:endParaRPr lang="pt-PT" sz="1800" dirty="0">
+                        <a:effectLst/>
+                        <a:latin typeface="Times" panose="02020603050405020304" pitchFamily="18" charset="0"/>
+                        <a:ea typeface="Nimbus Sans L"/>
+                        <a:cs typeface="Times New Roman" panose="02020603050405020304" pitchFamily="18" charset="0"/>
+                      </a:endParaRPr>
+                    </a:p>
+                  </a:txBody>
+                  <a:tcPr marL="68580" marR="68580" marT="0" marB="0" anchor="ctr"/>
+                </a:tc>
+                <a:tc>
+                  <a:txBody>
+                    <a:bodyPr/>
+                    <a:lstStyle/>
+                    <a:p>
+                      <a:pPr indent="288290" algn="ctr">
+                        <a:lnSpc>
+                          <a:spcPts val="1700"/>
+                        </a:lnSpc>
+                        <a:spcAft>
+                          <a:spcPts val="0"/>
+                        </a:spcAft>
+                      </a:pPr>
+                      <a:r>
+                        <a:rPr lang="pt-PT" sz="1800" dirty="0">
+                          <a:effectLst/>
+                        </a:rPr>
+                        <a:t>Máquina 1</a:t>
+                      </a:r>
+                      <a:endParaRPr lang="pt-PT" sz="1800" dirty="0">
+                        <a:effectLst/>
+                        <a:latin typeface="Times" panose="02020603050405020304" pitchFamily="18" charset="0"/>
+                        <a:ea typeface="Nimbus Sans L"/>
+                        <a:cs typeface="Times New Roman" panose="02020603050405020304" pitchFamily="18" charset="0"/>
+                      </a:endParaRPr>
+                    </a:p>
+                  </a:txBody>
+                  <a:tcPr marL="68580" marR="68580" marT="0" marB="0" anchor="ctr"/>
+                </a:tc>
+                <a:tc>
+                  <a:txBody>
+                    <a:bodyPr/>
+                    <a:lstStyle/>
+                    <a:p>
+                      <a:pPr indent="288290" algn="ctr">
+                        <a:lnSpc>
+                          <a:spcPts val="1700"/>
+                        </a:lnSpc>
+                        <a:spcAft>
+                          <a:spcPts val="0"/>
+                        </a:spcAft>
+                      </a:pPr>
+                      <a:r>
+                        <a:rPr lang="pt-PT" sz="1800">
+                          <a:effectLst/>
+                        </a:rPr>
+                        <a:t>Máquina 2</a:t>
+                      </a:r>
+                      <a:endParaRPr lang="pt-PT" sz="1800">
+                        <a:effectLst/>
+                        <a:latin typeface="Times" panose="02020603050405020304" pitchFamily="18" charset="0"/>
+                        <a:ea typeface="Nimbus Sans L"/>
+                        <a:cs typeface="Times New Roman" panose="02020603050405020304" pitchFamily="18" charset="0"/>
+                      </a:endParaRPr>
+                    </a:p>
+                  </a:txBody>
+                  <a:tcPr marL="68580" marR="68580" marT="0" marB="0" anchor="ctr"/>
+                </a:tc>
+                <a:extLst>
+                  <a:ext uri="{0D108BD9-81ED-4DB2-BD59-A6C34878D82A}">
+                    <a16:rowId xmlns:a16="http://schemas.microsoft.com/office/drawing/2014/main" val="2765902993"/>
+                  </a:ext>
+                </a:extLst>
+              </a:tr>
+              <a:tr h="1005772">
+                <a:tc>
+                  <a:txBody>
+                    <a:bodyPr/>
+                    <a:lstStyle/>
+                    <a:p>
+                      <a:pPr indent="288290" algn="ctr">
+                        <a:lnSpc>
+                          <a:spcPts val="1700"/>
+                        </a:lnSpc>
+                        <a:spcAft>
+                          <a:spcPts val="0"/>
+                        </a:spcAft>
+                      </a:pPr>
+                      <a:r>
+                        <a:rPr lang="pt-PT" sz="1800" dirty="0">
+                          <a:effectLst/>
+                        </a:rPr>
+                        <a:t>Processador</a:t>
+                      </a:r>
+                      <a:endParaRPr lang="pt-PT" sz="1800" dirty="0">
+                        <a:effectLst/>
+                        <a:latin typeface="Times" panose="02020603050405020304" pitchFamily="18" charset="0"/>
+                        <a:ea typeface="Nimbus Sans L"/>
+                        <a:cs typeface="Times New Roman" panose="02020603050405020304" pitchFamily="18" charset="0"/>
+                      </a:endParaRPr>
+                    </a:p>
+                  </a:txBody>
+                  <a:tcPr marL="68580" marR="68580" marT="0" marB="0" anchor="ctr"/>
+                </a:tc>
+                <a:tc>
+                  <a:txBody>
+                    <a:bodyPr/>
+                    <a:lstStyle/>
+                    <a:p>
+                      <a:pPr indent="288290" algn="ctr">
+                        <a:lnSpc>
+                          <a:spcPts val="1700"/>
+                        </a:lnSpc>
+                        <a:spcAft>
+                          <a:spcPts val="0"/>
+                        </a:spcAft>
+                      </a:pPr>
+                      <a:r>
+                        <a:rPr lang="pt-PT" sz="1800" dirty="0" err="1">
+                          <a:effectLst/>
+                        </a:rPr>
+                        <a:t>Genuine</a:t>
+                      </a:r>
+                      <a:r>
+                        <a:rPr lang="pt-PT" sz="1800" dirty="0">
+                          <a:effectLst/>
+                        </a:rPr>
+                        <a:t> Intel® CPU U7300 @1.30GHz</a:t>
+                      </a:r>
+                      <a:endParaRPr lang="pt-PT" sz="1800" dirty="0">
+                        <a:effectLst/>
+                        <a:latin typeface="Times" panose="02020603050405020304" pitchFamily="18" charset="0"/>
+                        <a:ea typeface="Nimbus Sans L"/>
+                        <a:cs typeface="Times New Roman" panose="02020603050405020304" pitchFamily="18" charset="0"/>
+                      </a:endParaRPr>
+                    </a:p>
+                  </a:txBody>
+                  <a:tcPr marL="68580" marR="68580" marT="0" marB="0" anchor="ctr"/>
+                </a:tc>
+                <a:tc>
+                  <a:txBody>
+                    <a:bodyPr/>
+                    <a:lstStyle/>
+                    <a:p>
+                      <a:pPr indent="288290" algn="ctr">
+                        <a:lnSpc>
+                          <a:spcPts val="1700"/>
+                        </a:lnSpc>
+                        <a:spcAft>
+                          <a:spcPts val="0"/>
+                        </a:spcAft>
+                      </a:pPr>
+                      <a:r>
+                        <a:rPr lang="pt-PT" sz="1800">
+                          <a:effectLst/>
+                        </a:rPr>
+                        <a:t>Intel® Core™ i7-4510U CPU @ 2.00GHz</a:t>
+                      </a:r>
+                      <a:endParaRPr lang="pt-PT" sz="1800">
+                        <a:effectLst/>
+                        <a:latin typeface="Times" panose="02020603050405020304" pitchFamily="18" charset="0"/>
+                        <a:ea typeface="Nimbus Sans L"/>
+                        <a:cs typeface="Times New Roman" panose="02020603050405020304" pitchFamily="18" charset="0"/>
+                      </a:endParaRPr>
+                    </a:p>
+                  </a:txBody>
+                  <a:tcPr marL="68580" marR="68580" marT="0" marB="0" anchor="ctr"/>
+                </a:tc>
+                <a:extLst>
+                  <a:ext uri="{0D108BD9-81ED-4DB2-BD59-A6C34878D82A}">
+                    <a16:rowId xmlns:a16="http://schemas.microsoft.com/office/drawing/2014/main" val="3147651359"/>
+                  </a:ext>
+                </a:extLst>
+              </a:tr>
+              <a:tr h="476746">
+                <a:tc>
+                  <a:txBody>
+                    <a:bodyPr/>
+                    <a:lstStyle/>
+                    <a:p>
+                      <a:pPr indent="288290" algn="ctr">
+                        <a:lnSpc>
+                          <a:spcPts val="1700"/>
+                        </a:lnSpc>
+                        <a:spcAft>
+                          <a:spcPts val="0"/>
+                        </a:spcAft>
+                      </a:pPr>
+                      <a:r>
+                        <a:rPr lang="pt-PT" sz="1800">
+                          <a:effectLst/>
+                        </a:rPr>
+                        <a:t>RAM</a:t>
+                      </a:r>
+                      <a:endParaRPr lang="pt-PT" sz="1800">
+                        <a:effectLst/>
+                        <a:latin typeface="Times" panose="02020603050405020304" pitchFamily="18" charset="0"/>
+                        <a:ea typeface="Nimbus Sans L"/>
+                        <a:cs typeface="Times New Roman" panose="02020603050405020304" pitchFamily="18" charset="0"/>
+                      </a:endParaRPr>
+                    </a:p>
+                  </a:txBody>
+                  <a:tcPr marL="68580" marR="68580" marT="0" marB="0" anchor="ctr"/>
+                </a:tc>
+                <a:tc>
+                  <a:txBody>
+                    <a:bodyPr/>
+                    <a:lstStyle/>
+                    <a:p>
+                      <a:pPr indent="288290" algn="ctr">
+                        <a:lnSpc>
+                          <a:spcPts val="1700"/>
+                        </a:lnSpc>
+                        <a:spcAft>
+                          <a:spcPts val="0"/>
+                        </a:spcAft>
+                      </a:pPr>
+                      <a:r>
+                        <a:rPr lang="pt-PT" sz="1800" dirty="0">
+                          <a:effectLst/>
+                        </a:rPr>
+                        <a:t>4GB</a:t>
+                      </a:r>
+                      <a:endParaRPr lang="pt-PT" sz="1800" dirty="0">
+                        <a:effectLst/>
+                        <a:latin typeface="Times" panose="02020603050405020304" pitchFamily="18" charset="0"/>
+                        <a:ea typeface="Nimbus Sans L"/>
+                        <a:cs typeface="Times New Roman" panose="02020603050405020304" pitchFamily="18" charset="0"/>
+                      </a:endParaRPr>
+                    </a:p>
+                  </a:txBody>
+                  <a:tcPr marL="68580" marR="68580" marT="0" marB="0" anchor="ctr"/>
+                </a:tc>
+                <a:tc>
+                  <a:txBody>
+                    <a:bodyPr/>
+                    <a:lstStyle/>
+                    <a:p>
+                      <a:pPr indent="288290" algn="ctr">
+                        <a:lnSpc>
+                          <a:spcPts val="1700"/>
+                        </a:lnSpc>
+                        <a:spcAft>
+                          <a:spcPts val="0"/>
+                        </a:spcAft>
+                      </a:pPr>
+                      <a:r>
+                        <a:rPr lang="pt-PT" sz="1800" dirty="0">
+                          <a:effectLst/>
+                        </a:rPr>
+                        <a:t>8GB</a:t>
+                      </a:r>
+                      <a:endParaRPr lang="pt-PT" sz="1800" dirty="0">
+                        <a:effectLst/>
+                        <a:latin typeface="Times" panose="02020603050405020304" pitchFamily="18" charset="0"/>
+                        <a:ea typeface="Nimbus Sans L"/>
+                        <a:cs typeface="Times New Roman" panose="02020603050405020304" pitchFamily="18" charset="0"/>
+                      </a:endParaRPr>
+                    </a:p>
+                  </a:txBody>
+                  <a:tcPr marL="68580" marR="68580" marT="0" marB="0" anchor="ctr"/>
+                </a:tc>
+                <a:extLst>
+                  <a:ext uri="{0D108BD9-81ED-4DB2-BD59-A6C34878D82A}">
+                    <a16:rowId xmlns:a16="http://schemas.microsoft.com/office/drawing/2014/main" val="1733000875"/>
+                  </a:ext>
+                </a:extLst>
+              </a:tr>
+              <a:tr h="1005772">
+                <a:tc>
+                  <a:txBody>
+                    <a:bodyPr/>
+                    <a:lstStyle/>
+                    <a:p>
+                      <a:pPr indent="288290" algn="ctr">
+                        <a:lnSpc>
+                          <a:spcPts val="1700"/>
+                        </a:lnSpc>
+                        <a:spcAft>
+                          <a:spcPts val="0"/>
+                        </a:spcAft>
+                      </a:pPr>
+                      <a:r>
+                        <a:rPr lang="pt-PT" sz="1800">
+                          <a:effectLst/>
+                        </a:rPr>
+                        <a:t>Sistema Operativo</a:t>
+                      </a:r>
+                      <a:endParaRPr lang="pt-PT" sz="1800">
+                        <a:effectLst/>
+                        <a:latin typeface="Times" panose="02020603050405020304" pitchFamily="18" charset="0"/>
+                        <a:ea typeface="Nimbus Sans L"/>
+                        <a:cs typeface="Times New Roman" panose="02020603050405020304" pitchFamily="18" charset="0"/>
+                      </a:endParaRPr>
+                    </a:p>
+                  </a:txBody>
+                  <a:tcPr marL="68580" marR="68580" marT="0" marB="0" anchor="ctr"/>
+                </a:tc>
+                <a:tc>
+                  <a:txBody>
+                    <a:bodyPr/>
+                    <a:lstStyle/>
+                    <a:p>
+                      <a:pPr indent="288290" algn="ctr">
+                        <a:lnSpc>
+                          <a:spcPts val="1700"/>
+                        </a:lnSpc>
+                        <a:spcAft>
+                          <a:spcPts val="0"/>
+                        </a:spcAft>
+                      </a:pPr>
+                      <a:r>
+                        <a:rPr lang="pt-PT" sz="1800" dirty="0">
+                          <a:effectLst/>
+                        </a:rPr>
+                        <a:t>Windows 7 64bits</a:t>
+                      </a:r>
+                      <a:endParaRPr lang="pt-PT" sz="1800" dirty="0">
+                        <a:effectLst/>
+                        <a:latin typeface="Times" panose="02020603050405020304" pitchFamily="18" charset="0"/>
+                        <a:ea typeface="Nimbus Sans L"/>
+                        <a:cs typeface="Times New Roman" panose="02020603050405020304" pitchFamily="18" charset="0"/>
+                      </a:endParaRPr>
+                    </a:p>
+                  </a:txBody>
+                  <a:tcPr marL="68580" marR="68580" marT="0" marB="0" anchor="ctr"/>
+                </a:tc>
+                <a:tc>
+                  <a:txBody>
+                    <a:bodyPr/>
+                    <a:lstStyle/>
+                    <a:p>
+                      <a:pPr indent="288290" algn="ctr">
+                        <a:lnSpc>
+                          <a:spcPts val="1700"/>
+                        </a:lnSpc>
+                        <a:spcAft>
+                          <a:spcPts val="0"/>
+                        </a:spcAft>
+                      </a:pPr>
+                      <a:r>
+                        <a:rPr lang="pt-PT" sz="1800" dirty="0">
+                          <a:effectLst/>
+                        </a:rPr>
+                        <a:t>Windows 10 64 bits</a:t>
+                      </a:r>
+                      <a:endParaRPr lang="pt-PT" sz="1800" dirty="0">
+                        <a:effectLst/>
+                        <a:latin typeface="Times" panose="02020603050405020304" pitchFamily="18" charset="0"/>
+                        <a:ea typeface="Nimbus Sans L"/>
+                        <a:cs typeface="Times New Roman" panose="02020603050405020304" pitchFamily="18" charset="0"/>
+                      </a:endParaRPr>
+                    </a:p>
+                  </a:txBody>
+                  <a:tcPr marL="68580" marR="68580" marT="0" marB="0" anchor="ctr"/>
+                </a:tc>
+                <a:extLst>
+                  <a:ext uri="{0D108BD9-81ED-4DB2-BD59-A6C34878D82A}">
+                    <a16:rowId xmlns:a16="http://schemas.microsoft.com/office/drawing/2014/main" val="2780701533"/>
+                  </a:ext>
+                </a:extLst>
+              </a:tr>
+            </a:tbl>
+          </a:graphicData>
+        </a:graphic>
+      </p:graphicFrame>
+    </p:spTree>
+    <p:extLst>
+      <p:ext uri="{BB962C8B-B14F-4D97-AF65-F5344CB8AC3E}">
+        <p14:creationId xmlns:p14="http://schemas.microsoft.com/office/powerpoint/2010/main" val="1795974120"/>
+      </p:ext>
+    </p:extLst>
+  </p:cSld>
+  <p:clrMapOvr>
+    <a:masterClrMapping/>
+  </p:clrMapOvr>
+</p:sld>
+</file>
+
+<file path=ppt/slides/slide24.xml><?xml version="1.0" encoding="utf-8"?>
+<p:sld xmlns:a="http://schemas.openxmlformats.org/drawingml/2006/main" xmlns:r="http://schemas.openxmlformats.org/officeDocument/2006/relationships" xmlns:p="http://schemas.openxmlformats.org/presentationml/2006/main">
+  <p:cSld>
+    <p:spTree>
+      <p:nvGrpSpPr>
+        <p:cNvPr id="1" name=""/>
+        <p:cNvGrpSpPr/>
+        <p:nvPr/>
+      </p:nvGrpSpPr>
+      <p:grpSpPr>
+        <a:xfrm>
+          <a:off x="0" y="0"/>
+          <a:ext cx="0" cy="0"/>
+          <a:chOff x="0" y="0"/>
+          <a:chExt cx="0" cy="0"/>
+        </a:xfrm>
+      </p:grpSpPr>
+      <p:sp>
+        <p:nvSpPr>
+          <p:cNvPr id="2" name="Título 1"/>
+          <p:cNvSpPr>
+            <a:spLocks noGrp="1"/>
+          </p:cNvSpPr>
+          <p:nvPr>
+            <p:ph type="title"/>
+          </p:nvPr>
+        </p:nvSpPr>
+        <p:spPr/>
+        <p:txBody>
+          <a:bodyPr/>
+          <a:lstStyle/>
+          <a:p>
+            <a:r>
+              <a:rPr lang="pt-PT" dirty="0"/>
+              <a:t>Simulação e Testes</a:t>
+            </a:r>
+          </a:p>
+        </p:txBody>
+      </p:sp>
+      <p:graphicFrame>
+        <p:nvGraphicFramePr>
+          <p:cNvPr id="6" name="Marcador de Posição de Conteúdo 5"/>
+          <p:cNvGraphicFramePr>
+            <a:graphicFrameLocks noGrp="1"/>
+          </p:cNvGraphicFramePr>
+          <p:nvPr>
+            <p:ph idx="1"/>
+            <p:extLst>
+              <p:ext uri="{D42A27DB-BD31-4B8C-83A1-F6EECF244321}">
+                <p14:modId xmlns:p14="http://schemas.microsoft.com/office/powerpoint/2010/main" val="3486855429"/>
+              </p:ext>
+            </p:extLst>
+          </p:nvPr>
+        </p:nvGraphicFramePr>
+        <p:xfrm>
+          <a:off x="511835" y="2628898"/>
+          <a:ext cx="11128374" cy="3390901"/>
+        </p:xfrm>
+        <a:graphic>
+          <a:graphicData uri="http://schemas.openxmlformats.org/drawingml/2006/table">
+            <a:tbl>
+              <a:tblPr firstRow="1" firstCol="1" bandRow="1">
+                <a:tableStyleId>{5C22544A-7EE6-4342-B048-85BDC9FD1C3A}</a:tableStyleId>
+              </a:tblPr>
+              <a:tblGrid>
+                <a:gridCol w="3182938">
+                  <a:extLst>
+                    <a:ext uri="{9D8B030D-6E8A-4147-A177-3AD203B41FA5}">
+                      <a16:colId xmlns:a16="http://schemas.microsoft.com/office/drawing/2014/main" val="3880297361"/>
+                    </a:ext>
+                  </a:extLst>
+                </a:gridCol>
+                <a:gridCol w="1557338">
+                  <a:extLst>
+                    <a:ext uri="{9D8B030D-6E8A-4147-A177-3AD203B41FA5}">
+                      <a16:colId xmlns:a16="http://schemas.microsoft.com/office/drawing/2014/main" val="4269124583"/>
+                    </a:ext>
+                  </a:extLst>
+                </a:gridCol>
+                <a:gridCol w="1230312">
+                  <a:extLst>
+                    <a:ext uri="{9D8B030D-6E8A-4147-A177-3AD203B41FA5}">
+                      <a16:colId xmlns:a16="http://schemas.microsoft.com/office/drawing/2014/main" val="1191066584"/>
+                    </a:ext>
+                  </a:extLst>
+                </a:gridCol>
+                <a:gridCol w="1350962">
+                  <a:extLst>
+                    <a:ext uri="{9D8B030D-6E8A-4147-A177-3AD203B41FA5}">
+                      <a16:colId xmlns:a16="http://schemas.microsoft.com/office/drawing/2014/main" val="2560896128"/>
+                    </a:ext>
+                  </a:extLst>
+                </a:gridCol>
+                <a:gridCol w="1350962">
+                  <a:extLst>
+                    <a:ext uri="{9D8B030D-6E8A-4147-A177-3AD203B41FA5}">
+                      <a16:colId xmlns:a16="http://schemas.microsoft.com/office/drawing/2014/main" val="1972909710"/>
+                    </a:ext>
+                  </a:extLst>
+                </a:gridCol>
+                <a:gridCol w="1104900">
+                  <a:extLst>
+                    <a:ext uri="{9D8B030D-6E8A-4147-A177-3AD203B41FA5}">
+                      <a16:colId xmlns:a16="http://schemas.microsoft.com/office/drawing/2014/main" val="2678044349"/>
+                    </a:ext>
+                  </a:extLst>
+                </a:gridCol>
+                <a:gridCol w="1350962">
+                  <a:extLst>
+                    <a:ext uri="{9D8B030D-6E8A-4147-A177-3AD203B41FA5}">
+                      <a16:colId xmlns:a16="http://schemas.microsoft.com/office/drawing/2014/main" val="2005367396"/>
+                    </a:ext>
+                  </a:extLst>
+                </a:gridCol>
+              </a:tblGrid>
+              <a:tr h="359257">
+                <a:tc>
+                  <a:txBody>
+                    <a:bodyPr/>
+                    <a:lstStyle/>
+                    <a:p>
+                      <a:pPr indent="288290" algn="ctr">
+                        <a:lnSpc>
+                          <a:spcPts val="1700"/>
+                        </a:lnSpc>
+                        <a:spcAft>
+                          <a:spcPts val="600"/>
+                        </a:spcAft>
+                      </a:pPr>
+                      <a:r>
+                        <a:rPr lang="pt-PT" sz="1800">
+                          <a:effectLst/>
+                        </a:rPr>
+                        <a:t> </a:t>
+                      </a:r>
+                      <a:endParaRPr lang="pt-PT" sz="1800">
+                        <a:effectLst/>
+                        <a:latin typeface="Times" panose="02020603050405020304" pitchFamily="18" charset="0"/>
+                        <a:ea typeface="Nimbus Sans L"/>
+                        <a:cs typeface="Times New Roman" panose="02020603050405020304" pitchFamily="18" charset="0"/>
+                      </a:endParaRPr>
+                    </a:p>
+                  </a:txBody>
+                  <a:tcPr marL="68580" marR="68580" marT="0" marB="0" anchor="ctr"/>
+                </a:tc>
+                <a:tc gridSpan="3">
+                  <a:txBody>
+                    <a:bodyPr/>
+                    <a:lstStyle/>
+                    <a:p>
+                      <a:pPr indent="288290" algn="ctr">
+                        <a:lnSpc>
+                          <a:spcPts val="1700"/>
+                        </a:lnSpc>
+                        <a:spcAft>
+                          <a:spcPts val="600"/>
+                        </a:spcAft>
+                      </a:pPr>
+                      <a:r>
+                        <a:rPr lang="pt-PT" sz="1800" dirty="0">
+                          <a:effectLst/>
+                        </a:rPr>
+                        <a:t>Máquina 1</a:t>
+                      </a:r>
+                      <a:endParaRPr lang="pt-PT" sz="1800" dirty="0">
+                        <a:effectLst/>
+                        <a:latin typeface="Times" panose="02020603050405020304" pitchFamily="18" charset="0"/>
+                        <a:ea typeface="Nimbus Sans L"/>
+                        <a:cs typeface="Times New Roman" panose="02020603050405020304" pitchFamily="18" charset="0"/>
+                      </a:endParaRPr>
+                    </a:p>
+                  </a:txBody>
+                  <a:tcPr marL="68580" marR="68580" marT="0" marB="0" anchor="ctr"/>
+                </a:tc>
+                <a:tc hMerge="1">
+                  <a:txBody>
+                    <a:bodyPr/>
+                    <a:lstStyle/>
+                    <a:p>
+                      <a:endParaRPr lang="pt-PT"/>
+                    </a:p>
+                  </a:txBody>
+                  <a:tcPr/>
+                </a:tc>
+                <a:tc hMerge="1">
+                  <a:txBody>
+                    <a:bodyPr/>
+                    <a:lstStyle/>
+                    <a:p>
+                      <a:endParaRPr lang="pt-PT"/>
+                    </a:p>
+                  </a:txBody>
+                  <a:tcPr/>
+                </a:tc>
+                <a:tc gridSpan="3">
+                  <a:txBody>
+                    <a:bodyPr/>
+                    <a:lstStyle/>
+                    <a:p>
+                      <a:pPr indent="288290" algn="ctr">
+                        <a:lnSpc>
+                          <a:spcPts val="1700"/>
+                        </a:lnSpc>
+                        <a:spcAft>
+                          <a:spcPts val="600"/>
+                        </a:spcAft>
+                      </a:pPr>
+                      <a:r>
+                        <a:rPr lang="pt-PT" sz="1800" dirty="0">
+                          <a:effectLst/>
+                        </a:rPr>
+                        <a:t>Máquina 2</a:t>
+                      </a:r>
+                      <a:endParaRPr lang="pt-PT" sz="1800" dirty="0">
+                        <a:effectLst/>
+                        <a:latin typeface="Times" panose="02020603050405020304" pitchFamily="18" charset="0"/>
+                        <a:ea typeface="Nimbus Sans L"/>
+                        <a:cs typeface="Times New Roman" panose="02020603050405020304" pitchFamily="18" charset="0"/>
+                      </a:endParaRPr>
+                    </a:p>
+                  </a:txBody>
+                  <a:tcPr marL="68580" marR="68580" marT="0" marB="0" anchor="ctr"/>
+                </a:tc>
+                <a:tc hMerge="1">
+                  <a:txBody>
+                    <a:bodyPr/>
+                    <a:lstStyle/>
+                    <a:p>
+                      <a:endParaRPr lang="pt-PT"/>
+                    </a:p>
+                  </a:txBody>
+                  <a:tcPr/>
+                </a:tc>
+                <a:tc hMerge="1">
+                  <a:txBody>
+                    <a:bodyPr/>
+                    <a:lstStyle/>
+                    <a:p>
+                      <a:endParaRPr lang="pt-PT"/>
+                    </a:p>
+                  </a:txBody>
+                  <a:tcPr/>
+                </a:tc>
+                <a:extLst>
+                  <a:ext uri="{0D108BD9-81ED-4DB2-BD59-A6C34878D82A}">
+                    <a16:rowId xmlns:a16="http://schemas.microsoft.com/office/drawing/2014/main" val="1580612932"/>
+                  </a:ext>
+                </a:extLst>
+              </a:tr>
+              <a:tr h="757911">
+                <a:tc>
+                  <a:txBody>
+                    <a:bodyPr/>
+                    <a:lstStyle/>
+                    <a:p>
+                      <a:pPr indent="288290" algn="just">
+                        <a:lnSpc>
+                          <a:spcPts val="1700"/>
+                        </a:lnSpc>
+                        <a:spcAft>
+                          <a:spcPts val="600"/>
+                        </a:spcAft>
+                      </a:pPr>
+                      <a:r>
+                        <a:rPr lang="pt-PT" sz="1800">
+                          <a:effectLst/>
+                        </a:rPr>
+                        <a:t>Tamanho da partição</a:t>
+                      </a:r>
+                      <a:endParaRPr lang="pt-PT" sz="1800">
+                        <a:effectLst/>
+                        <a:latin typeface="Times" panose="02020603050405020304" pitchFamily="18" charset="0"/>
+                        <a:ea typeface="Nimbus Sans L"/>
+                        <a:cs typeface="Times New Roman" panose="02020603050405020304" pitchFamily="18" charset="0"/>
+                      </a:endParaRPr>
+                    </a:p>
+                  </a:txBody>
+                  <a:tcPr marL="68580" marR="68580" marT="0" marB="0" anchor="ctr"/>
+                </a:tc>
+                <a:tc>
+                  <a:txBody>
+                    <a:bodyPr/>
+                    <a:lstStyle/>
+                    <a:p>
+                      <a:pPr indent="288290" algn="ctr">
+                        <a:lnSpc>
+                          <a:spcPts val="1700"/>
+                        </a:lnSpc>
+                        <a:spcAft>
+                          <a:spcPts val="600"/>
+                        </a:spcAft>
+                      </a:pPr>
+                      <a:r>
+                        <a:rPr lang="pt-PT" sz="1800" dirty="0">
+                          <a:effectLst/>
+                        </a:rPr>
+                        <a:t>100</a:t>
+                      </a:r>
+                      <a:endParaRPr lang="pt-PT" sz="1800" dirty="0">
+                        <a:effectLst/>
+                        <a:latin typeface="Times" panose="02020603050405020304" pitchFamily="18" charset="0"/>
+                        <a:ea typeface="Nimbus Sans L"/>
+                        <a:cs typeface="Times New Roman" panose="02020603050405020304" pitchFamily="18" charset="0"/>
+                      </a:endParaRPr>
+                    </a:p>
+                  </a:txBody>
+                  <a:tcPr marL="68580" marR="68580" marT="0" marB="0" anchor="ctr"/>
+                </a:tc>
+                <a:tc>
+                  <a:txBody>
+                    <a:bodyPr/>
+                    <a:lstStyle/>
+                    <a:p>
+                      <a:pPr indent="288290" algn="ctr">
+                        <a:lnSpc>
+                          <a:spcPts val="1700"/>
+                        </a:lnSpc>
+                        <a:spcAft>
+                          <a:spcPts val="600"/>
+                        </a:spcAft>
+                      </a:pPr>
+                      <a:r>
+                        <a:rPr lang="pt-PT" sz="1800">
+                          <a:effectLst/>
+                        </a:rPr>
+                        <a:t>500</a:t>
+                      </a:r>
+                      <a:endParaRPr lang="pt-PT" sz="1800">
+                        <a:effectLst/>
+                        <a:latin typeface="Times" panose="02020603050405020304" pitchFamily="18" charset="0"/>
+                        <a:ea typeface="Nimbus Sans L"/>
+                        <a:cs typeface="Times New Roman" panose="02020603050405020304" pitchFamily="18" charset="0"/>
+                      </a:endParaRPr>
+                    </a:p>
+                  </a:txBody>
+                  <a:tcPr marL="68580" marR="68580" marT="0" marB="0" anchor="ctr"/>
+                </a:tc>
+                <a:tc>
+                  <a:txBody>
+                    <a:bodyPr/>
+                    <a:lstStyle/>
+                    <a:p>
+                      <a:pPr indent="288290" algn="ctr">
+                        <a:lnSpc>
+                          <a:spcPts val="1700"/>
+                        </a:lnSpc>
+                        <a:spcAft>
+                          <a:spcPts val="600"/>
+                        </a:spcAft>
+                      </a:pPr>
+                      <a:r>
+                        <a:rPr lang="pt-PT" sz="1800">
+                          <a:effectLst/>
+                        </a:rPr>
+                        <a:t>1000</a:t>
+                      </a:r>
+                      <a:endParaRPr lang="pt-PT" sz="1800">
+                        <a:effectLst/>
+                        <a:latin typeface="Times" panose="02020603050405020304" pitchFamily="18" charset="0"/>
+                        <a:ea typeface="Nimbus Sans L"/>
+                        <a:cs typeface="Times New Roman" panose="02020603050405020304" pitchFamily="18" charset="0"/>
+                      </a:endParaRPr>
+                    </a:p>
+                  </a:txBody>
+                  <a:tcPr marL="68580" marR="68580" marT="0" marB="0" anchor="ctr"/>
+                </a:tc>
+                <a:tc>
+                  <a:txBody>
+                    <a:bodyPr/>
+                    <a:lstStyle/>
+                    <a:p>
+                      <a:pPr indent="288290" algn="ctr">
+                        <a:lnSpc>
+                          <a:spcPts val="1700"/>
+                        </a:lnSpc>
+                        <a:spcAft>
+                          <a:spcPts val="600"/>
+                        </a:spcAft>
+                      </a:pPr>
+                      <a:r>
+                        <a:rPr lang="pt-PT" sz="1800">
+                          <a:effectLst/>
+                        </a:rPr>
+                        <a:t>100</a:t>
+                      </a:r>
+                      <a:endParaRPr lang="pt-PT" sz="1800">
+                        <a:effectLst/>
+                        <a:latin typeface="Times" panose="02020603050405020304" pitchFamily="18" charset="0"/>
+                        <a:ea typeface="Nimbus Sans L"/>
+                        <a:cs typeface="Times New Roman" panose="02020603050405020304" pitchFamily="18" charset="0"/>
+                      </a:endParaRPr>
+                    </a:p>
+                  </a:txBody>
+                  <a:tcPr marL="68580" marR="68580" marT="0" marB="0" anchor="ctr"/>
+                </a:tc>
+                <a:tc>
+                  <a:txBody>
+                    <a:bodyPr/>
+                    <a:lstStyle/>
+                    <a:p>
+                      <a:pPr indent="288290" algn="ctr">
+                        <a:lnSpc>
+                          <a:spcPts val="1700"/>
+                        </a:lnSpc>
+                        <a:spcAft>
+                          <a:spcPts val="600"/>
+                        </a:spcAft>
+                      </a:pPr>
+                      <a:r>
+                        <a:rPr lang="pt-PT" sz="1800">
+                          <a:effectLst/>
+                        </a:rPr>
+                        <a:t>500</a:t>
+                      </a:r>
+                      <a:endParaRPr lang="pt-PT" sz="1800">
+                        <a:effectLst/>
+                        <a:latin typeface="Times" panose="02020603050405020304" pitchFamily="18" charset="0"/>
+                        <a:ea typeface="Nimbus Sans L"/>
+                        <a:cs typeface="Times New Roman" panose="02020603050405020304" pitchFamily="18" charset="0"/>
+                      </a:endParaRPr>
+                    </a:p>
+                  </a:txBody>
+                  <a:tcPr marL="68580" marR="68580" marT="0" marB="0" anchor="ctr"/>
+                </a:tc>
+                <a:tc>
+                  <a:txBody>
+                    <a:bodyPr/>
+                    <a:lstStyle/>
+                    <a:p>
+                      <a:pPr indent="288290" algn="ctr">
+                        <a:lnSpc>
+                          <a:spcPts val="1700"/>
+                        </a:lnSpc>
+                        <a:spcAft>
+                          <a:spcPts val="600"/>
+                        </a:spcAft>
+                      </a:pPr>
+                      <a:r>
+                        <a:rPr lang="pt-PT" sz="1800">
+                          <a:effectLst/>
+                        </a:rPr>
+                        <a:t>1000</a:t>
+                      </a:r>
+                      <a:endParaRPr lang="pt-PT" sz="1800">
+                        <a:effectLst/>
+                        <a:latin typeface="Times" panose="02020603050405020304" pitchFamily="18" charset="0"/>
+                        <a:ea typeface="Nimbus Sans L"/>
+                        <a:cs typeface="Times New Roman" panose="02020603050405020304" pitchFamily="18" charset="0"/>
+                      </a:endParaRPr>
+                    </a:p>
+                  </a:txBody>
+                  <a:tcPr marL="68580" marR="68580" marT="0" marB="0" anchor="ctr"/>
+                </a:tc>
+                <a:extLst>
+                  <a:ext uri="{0D108BD9-81ED-4DB2-BD59-A6C34878D82A}">
+                    <a16:rowId xmlns:a16="http://schemas.microsoft.com/office/drawing/2014/main" val="3261813198"/>
+                  </a:ext>
+                </a:extLst>
+              </a:tr>
+              <a:tr h="757911">
+                <a:tc>
+                  <a:txBody>
+                    <a:bodyPr/>
+                    <a:lstStyle/>
+                    <a:p>
+                      <a:pPr indent="288290" algn="just">
+                        <a:lnSpc>
+                          <a:spcPts val="1700"/>
+                        </a:lnSpc>
+                        <a:spcAft>
+                          <a:spcPts val="600"/>
+                        </a:spcAft>
+                      </a:pPr>
+                      <a:r>
+                        <a:rPr lang="pt-PT" sz="1800">
+                          <a:effectLst/>
+                        </a:rPr>
+                        <a:t>Processo de Indexação</a:t>
+                      </a:r>
+                      <a:endParaRPr lang="pt-PT" sz="1800">
+                        <a:effectLst/>
+                        <a:latin typeface="Times" panose="02020603050405020304" pitchFamily="18" charset="0"/>
+                        <a:ea typeface="Nimbus Sans L"/>
+                        <a:cs typeface="Times New Roman" panose="02020603050405020304" pitchFamily="18" charset="0"/>
+                      </a:endParaRPr>
+                    </a:p>
+                  </a:txBody>
+                  <a:tcPr marL="68580" marR="68580" marT="0" marB="0" anchor="ctr"/>
+                </a:tc>
+                <a:tc>
+                  <a:txBody>
+                    <a:bodyPr/>
+                    <a:lstStyle/>
+                    <a:p>
+                      <a:pPr indent="288290" algn="ctr">
+                        <a:lnSpc>
+                          <a:spcPts val="1700"/>
+                        </a:lnSpc>
+                        <a:spcAft>
+                          <a:spcPts val="600"/>
+                        </a:spcAft>
+                      </a:pPr>
+                      <a:r>
+                        <a:rPr lang="pt-PT" sz="1800">
+                          <a:effectLst/>
+                        </a:rPr>
+                        <a:t>1min20seg</a:t>
+                      </a:r>
+                      <a:endParaRPr lang="pt-PT" sz="1800">
+                        <a:effectLst/>
+                        <a:latin typeface="Times" panose="02020603050405020304" pitchFamily="18" charset="0"/>
+                        <a:ea typeface="Nimbus Sans L"/>
+                        <a:cs typeface="Times New Roman" panose="02020603050405020304" pitchFamily="18" charset="0"/>
+                      </a:endParaRPr>
+                    </a:p>
+                  </a:txBody>
+                  <a:tcPr marL="68580" marR="68580" marT="0" marB="0" anchor="ctr"/>
+                </a:tc>
+                <a:tc>
+                  <a:txBody>
+                    <a:bodyPr/>
+                    <a:lstStyle/>
+                    <a:p>
+                      <a:pPr indent="288290" algn="ctr">
+                        <a:lnSpc>
+                          <a:spcPts val="1700"/>
+                        </a:lnSpc>
+                        <a:spcAft>
+                          <a:spcPts val="600"/>
+                        </a:spcAft>
+                      </a:pPr>
+                      <a:r>
+                        <a:rPr lang="pt-PT" sz="1800">
+                          <a:effectLst/>
+                        </a:rPr>
+                        <a:t>33seg</a:t>
+                      </a:r>
+                      <a:endParaRPr lang="pt-PT" sz="1800">
+                        <a:effectLst/>
+                        <a:latin typeface="Times" panose="02020603050405020304" pitchFamily="18" charset="0"/>
+                        <a:ea typeface="Nimbus Sans L"/>
+                        <a:cs typeface="Times New Roman" panose="02020603050405020304" pitchFamily="18" charset="0"/>
+                      </a:endParaRPr>
+                    </a:p>
+                  </a:txBody>
+                  <a:tcPr marL="68580" marR="68580" marT="0" marB="0" anchor="ctr"/>
+                </a:tc>
+                <a:tc>
+                  <a:txBody>
+                    <a:bodyPr/>
+                    <a:lstStyle/>
+                    <a:p>
+                      <a:pPr indent="288290" algn="ctr">
+                        <a:lnSpc>
+                          <a:spcPts val="1700"/>
+                        </a:lnSpc>
+                        <a:spcAft>
+                          <a:spcPts val="600"/>
+                        </a:spcAft>
+                      </a:pPr>
+                      <a:r>
+                        <a:rPr lang="pt-PT" sz="1800">
+                          <a:effectLst/>
+                        </a:rPr>
+                        <a:t>25seg</a:t>
+                      </a:r>
+                      <a:endParaRPr lang="pt-PT" sz="1800">
+                        <a:effectLst/>
+                        <a:latin typeface="Times" panose="02020603050405020304" pitchFamily="18" charset="0"/>
+                        <a:ea typeface="Nimbus Sans L"/>
+                        <a:cs typeface="Times New Roman" panose="02020603050405020304" pitchFamily="18" charset="0"/>
+                      </a:endParaRPr>
+                    </a:p>
+                  </a:txBody>
+                  <a:tcPr marL="68580" marR="68580" marT="0" marB="0" anchor="ctr"/>
+                </a:tc>
+                <a:tc>
+                  <a:txBody>
+                    <a:bodyPr/>
+                    <a:lstStyle/>
+                    <a:p>
+                      <a:pPr indent="288290" algn="ctr">
+                        <a:lnSpc>
+                          <a:spcPts val="1700"/>
+                        </a:lnSpc>
+                        <a:spcAft>
+                          <a:spcPts val="600"/>
+                        </a:spcAft>
+                      </a:pPr>
+                      <a:r>
+                        <a:rPr lang="pt-PT" sz="1800">
+                          <a:effectLst/>
+                        </a:rPr>
+                        <a:t>40seg</a:t>
+                      </a:r>
+                      <a:endParaRPr lang="pt-PT" sz="1800">
+                        <a:effectLst/>
+                        <a:latin typeface="Times" panose="02020603050405020304" pitchFamily="18" charset="0"/>
+                        <a:ea typeface="Nimbus Sans L"/>
+                        <a:cs typeface="Times New Roman" panose="02020603050405020304" pitchFamily="18" charset="0"/>
+                      </a:endParaRPr>
+                    </a:p>
+                  </a:txBody>
+                  <a:tcPr marL="68580" marR="68580" marT="0" marB="0" anchor="ctr"/>
+                </a:tc>
+                <a:tc>
+                  <a:txBody>
+                    <a:bodyPr/>
+                    <a:lstStyle/>
+                    <a:p>
+                      <a:pPr indent="288290" algn="ctr">
+                        <a:lnSpc>
+                          <a:spcPts val="1700"/>
+                        </a:lnSpc>
+                        <a:spcAft>
+                          <a:spcPts val="600"/>
+                        </a:spcAft>
+                      </a:pPr>
+                      <a:r>
+                        <a:rPr lang="pt-PT" sz="1800">
+                          <a:effectLst/>
+                        </a:rPr>
+                        <a:t>16seg</a:t>
+                      </a:r>
+                      <a:endParaRPr lang="pt-PT" sz="1800">
+                        <a:effectLst/>
+                        <a:latin typeface="Times" panose="02020603050405020304" pitchFamily="18" charset="0"/>
+                        <a:ea typeface="Nimbus Sans L"/>
+                        <a:cs typeface="Times New Roman" panose="02020603050405020304" pitchFamily="18" charset="0"/>
+                      </a:endParaRPr>
+                    </a:p>
+                  </a:txBody>
+                  <a:tcPr marL="68580" marR="68580" marT="0" marB="0" anchor="ctr"/>
+                </a:tc>
+                <a:tc>
+                  <a:txBody>
+                    <a:bodyPr/>
+                    <a:lstStyle/>
+                    <a:p>
+                      <a:pPr indent="288290" algn="ctr">
+                        <a:lnSpc>
+                          <a:spcPts val="1700"/>
+                        </a:lnSpc>
+                        <a:spcAft>
+                          <a:spcPts val="600"/>
+                        </a:spcAft>
+                      </a:pPr>
+                      <a:r>
+                        <a:rPr lang="pt-PT" sz="1800">
+                          <a:effectLst/>
+                        </a:rPr>
+                        <a:t>11seg</a:t>
+                      </a:r>
+                      <a:endParaRPr lang="pt-PT" sz="1800">
+                        <a:effectLst/>
+                        <a:latin typeface="Times" panose="02020603050405020304" pitchFamily="18" charset="0"/>
+                        <a:ea typeface="Nimbus Sans L"/>
+                        <a:cs typeface="Times New Roman" panose="02020603050405020304" pitchFamily="18" charset="0"/>
+                      </a:endParaRPr>
+                    </a:p>
+                  </a:txBody>
+                  <a:tcPr marL="68580" marR="68580" marT="0" marB="0" anchor="ctr"/>
+                </a:tc>
+                <a:extLst>
+                  <a:ext uri="{0D108BD9-81ED-4DB2-BD59-A6C34878D82A}">
+                    <a16:rowId xmlns:a16="http://schemas.microsoft.com/office/drawing/2014/main" val="3788586605"/>
+                  </a:ext>
+                </a:extLst>
+              </a:tr>
+              <a:tr h="757911">
+                <a:tc>
+                  <a:txBody>
+                    <a:bodyPr/>
+                    <a:lstStyle/>
+                    <a:p>
+                      <a:pPr indent="288290" algn="just">
+                        <a:lnSpc>
+                          <a:spcPts val="1700"/>
+                        </a:lnSpc>
+                        <a:spcAft>
+                          <a:spcPts val="600"/>
+                        </a:spcAft>
+                      </a:pPr>
+                      <a:r>
+                        <a:rPr lang="pt-PT" sz="1800">
+                          <a:effectLst/>
+                        </a:rPr>
+                        <a:t>Processo de Mapeamento</a:t>
+                      </a:r>
+                      <a:endParaRPr lang="pt-PT" sz="1800">
+                        <a:effectLst/>
+                        <a:latin typeface="Times" panose="02020603050405020304" pitchFamily="18" charset="0"/>
+                        <a:ea typeface="Nimbus Sans L"/>
+                        <a:cs typeface="Times New Roman" panose="02020603050405020304" pitchFamily="18" charset="0"/>
+                      </a:endParaRPr>
+                    </a:p>
+                  </a:txBody>
+                  <a:tcPr marL="68580" marR="68580" marT="0" marB="0" anchor="ctr"/>
+                </a:tc>
+                <a:tc>
+                  <a:txBody>
+                    <a:bodyPr/>
+                    <a:lstStyle/>
+                    <a:p>
+                      <a:pPr indent="288290" algn="ctr">
+                        <a:lnSpc>
+                          <a:spcPts val="1700"/>
+                        </a:lnSpc>
+                        <a:spcAft>
+                          <a:spcPts val="600"/>
+                        </a:spcAft>
+                      </a:pPr>
+                      <a:r>
+                        <a:rPr lang="pt-PT" sz="1800">
+                          <a:effectLst/>
+                        </a:rPr>
+                        <a:t>3h50min</a:t>
+                      </a:r>
+                      <a:endParaRPr lang="pt-PT" sz="1800">
+                        <a:effectLst/>
+                        <a:latin typeface="Times" panose="02020603050405020304" pitchFamily="18" charset="0"/>
+                        <a:ea typeface="Nimbus Sans L"/>
+                        <a:cs typeface="Times New Roman" panose="02020603050405020304" pitchFamily="18" charset="0"/>
+                      </a:endParaRPr>
+                    </a:p>
+                  </a:txBody>
+                  <a:tcPr marL="68580" marR="68580" marT="0" marB="0" anchor="ctr"/>
+                </a:tc>
+                <a:tc>
+                  <a:txBody>
+                    <a:bodyPr/>
+                    <a:lstStyle/>
+                    <a:p>
+                      <a:pPr indent="288290" algn="ctr">
+                        <a:lnSpc>
+                          <a:spcPts val="1700"/>
+                        </a:lnSpc>
+                        <a:spcAft>
+                          <a:spcPts val="600"/>
+                        </a:spcAft>
+                      </a:pPr>
+                      <a:r>
+                        <a:rPr lang="pt-PT" sz="1800">
+                          <a:effectLst/>
+                        </a:rPr>
+                        <a:t>2h4min</a:t>
+                      </a:r>
+                      <a:endParaRPr lang="pt-PT" sz="1800">
+                        <a:effectLst/>
+                        <a:latin typeface="Times" panose="02020603050405020304" pitchFamily="18" charset="0"/>
+                        <a:ea typeface="Nimbus Sans L"/>
+                        <a:cs typeface="Times New Roman" panose="02020603050405020304" pitchFamily="18" charset="0"/>
+                      </a:endParaRPr>
+                    </a:p>
+                  </a:txBody>
+                  <a:tcPr marL="68580" marR="68580" marT="0" marB="0" anchor="ctr"/>
+                </a:tc>
+                <a:tc>
+                  <a:txBody>
+                    <a:bodyPr/>
+                    <a:lstStyle/>
+                    <a:p>
+                      <a:pPr indent="288290" algn="ctr">
+                        <a:lnSpc>
+                          <a:spcPts val="1700"/>
+                        </a:lnSpc>
+                        <a:spcAft>
+                          <a:spcPts val="600"/>
+                        </a:spcAft>
+                      </a:pPr>
+                      <a:r>
+                        <a:rPr lang="pt-PT" sz="1800">
+                          <a:effectLst/>
+                        </a:rPr>
+                        <a:t>3h37min</a:t>
+                      </a:r>
+                      <a:endParaRPr lang="pt-PT" sz="1800">
+                        <a:effectLst/>
+                        <a:latin typeface="Times" panose="02020603050405020304" pitchFamily="18" charset="0"/>
+                        <a:ea typeface="Nimbus Sans L"/>
+                        <a:cs typeface="Times New Roman" panose="02020603050405020304" pitchFamily="18" charset="0"/>
+                      </a:endParaRPr>
+                    </a:p>
+                  </a:txBody>
+                  <a:tcPr marL="68580" marR="68580" marT="0" marB="0" anchor="ctr"/>
+                </a:tc>
+                <a:tc>
+                  <a:txBody>
+                    <a:bodyPr/>
+                    <a:lstStyle/>
+                    <a:p>
+                      <a:pPr indent="288290" algn="ctr">
+                        <a:lnSpc>
+                          <a:spcPts val="1700"/>
+                        </a:lnSpc>
+                        <a:spcAft>
+                          <a:spcPts val="600"/>
+                        </a:spcAft>
+                      </a:pPr>
+                      <a:r>
+                        <a:rPr lang="pt-PT" sz="1800">
+                          <a:effectLst/>
+                        </a:rPr>
+                        <a:t>1h17min</a:t>
+                      </a:r>
+                      <a:endParaRPr lang="pt-PT" sz="1800">
+                        <a:effectLst/>
+                        <a:latin typeface="Times" panose="02020603050405020304" pitchFamily="18" charset="0"/>
+                        <a:ea typeface="Nimbus Sans L"/>
+                        <a:cs typeface="Times New Roman" panose="02020603050405020304" pitchFamily="18" charset="0"/>
+                      </a:endParaRPr>
+                    </a:p>
+                  </a:txBody>
+                  <a:tcPr marL="68580" marR="68580" marT="0" marB="0" anchor="ctr"/>
+                </a:tc>
+                <a:tc>
+                  <a:txBody>
+                    <a:bodyPr/>
+                    <a:lstStyle/>
+                    <a:p>
+                      <a:pPr indent="288290" algn="ctr">
+                        <a:lnSpc>
+                          <a:spcPts val="1700"/>
+                        </a:lnSpc>
+                        <a:spcAft>
+                          <a:spcPts val="600"/>
+                        </a:spcAft>
+                      </a:pPr>
+                      <a:r>
+                        <a:rPr lang="pt-PT" sz="1800">
+                          <a:effectLst/>
+                        </a:rPr>
+                        <a:t>56min</a:t>
+                      </a:r>
+                      <a:endParaRPr lang="pt-PT" sz="1800">
+                        <a:effectLst/>
+                        <a:latin typeface="Times" panose="02020603050405020304" pitchFamily="18" charset="0"/>
+                        <a:ea typeface="Nimbus Sans L"/>
+                        <a:cs typeface="Times New Roman" panose="02020603050405020304" pitchFamily="18" charset="0"/>
+                      </a:endParaRPr>
+                    </a:p>
+                  </a:txBody>
+                  <a:tcPr marL="68580" marR="68580" marT="0" marB="0" anchor="ctr"/>
+                </a:tc>
+                <a:tc>
+                  <a:txBody>
+                    <a:bodyPr/>
+                    <a:lstStyle/>
+                    <a:p>
+                      <a:pPr indent="288290" algn="ctr">
+                        <a:lnSpc>
+                          <a:spcPts val="1700"/>
+                        </a:lnSpc>
+                        <a:spcAft>
+                          <a:spcPts val="600"/>
+                        </a:spcAft>
+                      </a:pPr>
+                      <a:r>
+                        <a:rPr lang="pt-PT" sz="1800">
+                          <a:effectLst/>
+                        </a:rPr>
+                        <a:t>1h13min</a:t>
+                      </a:r>
+                      <a:endParaRPr lang="pt-PT" sz="1800">
+                        <a:effectLst/>
+                        <a:latin typeface="Times" panose="02020603050405020304" pitchFamily="18" charset="0"/>
+                        <a:ea typeface="Nimbus Sans L"/>
+                        <a:cs typeface="Times New Roman" panose="02020603050405020304" pitchFamily="18" charset="0"/>
+                      </a:endParaRPr>
+                    </a:p>
+                  </a:txBody>
+                  <a:tcPr marL="68580" marR="68580" marT="0" marB="0" anchor="ctr"/>
+                </a:tc>
+                <a:extLst>
+                  <a:ext uri="{0D108BD9-81ED-4DB2-BD59-A6C34878D82A}">
+                    <a16:rowId xmlns:a16="http://schemas.microsoft.com/office/drawing/2014/main" val="2803082765"/>
+                  </a:ext>
+                </a:extLst>
+              </a:tr>
+              <a:tr h="757911">
+                <a:tc>
+                  <a:txBody>
+                    <a:bodyPr/>
+                    <a:lstStyle/>
+                    <a:p>
+                      <a:pPr indent="288290" algn="just">
+                        <a:lnSpc>
+                          <a:spcPts val="1700"/>
+                        </a:lnSpc>
+                        <a:spcAft>
+                          <a:spcPts val="600"/>
+                        </a:spcAft>
+                      </a:pPr>
+                      <a:r>
+                        <a:rPr lang="pt-PT" sz="1800">
+                          <a:effectLst/>
+                        </a:rPr>
+                        <a:t>Todos os processos</a:t>
+                      </a:r>
+                      <a:endParaRPr lang="pt-PT" sz="1800">
+                        <a:effectLst/>
+                        <a:latin typeface="Times" panose="02020603050405020304" pitchFamily="18" charset="0"/>
+                        <a:ea typeface="Nimbus Sans L"/>
+                        <a:cs typeface="Times New Roman" panose="02020603050405020304" pitchFamily="18" charset="0"/>
+                      </a:endParaRPr>
+                    </a:p>
+                  </a:txBody>
+                  <a:tcPr marL="68580" marR="68580" marT="0" marB="0" anchor="ctr"/>
+                </a:tc>
+                <a:tc>
+                  <a:txBody>
+                    <a:bodyPr/>
+                    <a:lstStyle/>
+                    <a:p>
+                      <a:pPr indent="288290" algn="ctr">
+                        <a:lnSpc>
+                          <a:spcPts val="1700"/>
+                        </a:lnSpc>
+                        <a:spcAft>
+                          <a:spcPts val="600"/>
+                        </a:spcAft>
+                      </a:pPr>
+                      <a:r>
+                        <a:rPr lang="pt-PT" sz="1800">
+                          <a:effectLst/>
+                        </a:rPr>
+                        <a:t>3h52min</a:t>
+                      </a:r>
+                      <a:endParaRPr lang="pt-PT" sz="1800">
+                        <a:effectLst/>
+                        <a:latin typeface="Times" panose="02020603050405020304" pitchFamily="18" charset="0"/>
+                        <a:ea typeface="Nimbus Sans L"/>
+                        <a:cs typeface="Times New Roman" panose="02020603050405020304" pitchFamily="18" charset="0"/>
+                      </a:endParaRPr>
+                    </a:p>
+                  </a:txBody>
+                  <a:tcPr marL="68580" marR="68580" marT="0" marB="0" anchor="ctr"/>
+                </a:tc>
+                <a:tc>
+                  <a:txBody>
+                    <a:bodyPr/>
+                    <a:lstStyle/>
+                    <a:p>
+                      <a:pPr indent="288290" algn="ctr">
+                        <a:lnSpc>
+                          <a:spcPts val="1700"/>
+                        </a:lnSpc>
+                        <a:spcAft>
+                          <a:spcPts val="600"/>
+                        </a:spcAft>
+                      </a:pPr>
+                      <a:r>
+                        <a:rPr lang="pt-PT" sz="1800">
+                          <a:effectLst/>
+                        </a:rPr>
+                        <a:t>2h5min</a:t>
+                      </a:r>
+                      <a:endParaRPr lang="pt-PT" sz="1800">
+                        <a:effectLst/>
+                        <a:latin typeface="Times" panose="02020603050405020304" pitchFamily="18" charset="0"/>
+                        <a:ea typeface="Nimbus Sans L"/>
+                        <a:cs typeface="Times New Roman" panose="02020603050405020304" pitchFamily="18" charset="0"/>
+                      </a:endParaRPr>
+                    </a:p>
+                  </a:txBody>
+                  <a:tcPr marL="68580" marR="68580" marT="0" marB="0" anchor="ctr"/>
+                </a:tc>
+                <a:tc>
+                  <a:txBody>
+                    <a:bodyPr/>
+                    <a:lstStyle/>
+                    <a:p>
+                      <a:pPr indent="288290" algn="ctr">
+                        <a:lnSpc>
+                          <a:spcPts val="1700"/>
+                        </a:lnSpc>
+                        <a:spcAft>
+                          <a:spcPts val="600"/>
+                        </a:spcAft>
+                      </a:pPr>
+                      <a:r>
+                        <a:rPr lang="pt-PT" sz="1800">
+                          <a:effectLst/>
+                        </a:rPr>
+                        <a:t>3h38min</a:t>
+                      </a:r>
+                      <a:endParaRPr lang="pt-PT" sz="1800">
+                        <a:effectLst/>
+                        <a:latin typeface="Times" panose="02020603050405020304" pitchFamily="18" charset="0"/>
+                        <a:ea typeface="Nimbus Sans L"/>
+                        <a:cs typeface="Times New Roman" panose="02020603050405020304" pitchFamily="18" charset="0"/>
+                      </a:endParaRPr>
+                    </a:p>
+                  </a:txBody>
+                  <a:tcPr marL="68580" marR="68580" marT="0" marB="0" anchor="ctr"/>
+                </a:tc>
+                <a:tc>
+                  <a:txBody>
+                    <a:bodyPr/>
+                    <a:lstStyle/>
+                    <a:p>
+                      <a:pPr indent="288290" algn="ctr">
+                        <a:lnSpc>
+                          <a:spcPts val="1700"/>
+                        </a:lnSpc>
+                        <a:spcAft>
+                          <a:spcPts val="600"/>
+                        </a:spcAft>
+                      </a:pPr>
+                      <a:r>
+                        <a:rPr lang="pt-PT" sz="1800">
+                          <a:effectLst/>
+                        </a:rPr>
+                        <a:t>1h18min</a:t>
+                      </a:r>
+                      <a:endParaRPr lang="pt-PT" sz="1800">
+                        <a:effectLst/>
+                        <a:latin typeface="Times" panose="02020603050405020304" pitchFamily="18" charset="0"/>
+                        <a:ea typeface="Nimbus Sans L"/>
+                        <a:cs typeface="Times New Roman" panose="02020603050405020304" pitchFamily="18" charset="0"/>
+                      </a:endParaRPr>
+                    </a:p>
+                  </a:txBody>
+                  <a:tcPr marL="68580" marR="68580" marT="0" marB="0" anchor="ctr"/>
+                </a:tc>
+                <a:tc>
+                  <a:txBody>
+                    <a:bodyPr/>
+                    <a:lstStyle/>
+                    <a:p>
+                      <a:pPr indent="288290" algn="ctr">
+                        <a:lnSpc>
+                          <a:spcPts val="1700"/>
+                        </a:lnSpc>
+                        <a:spcAft>
+                          <a:spcPts val="600"/>
+                        </a:spcAft>
+                      </a:pPr>
+                      <a:r>
+                        <a:rPr lang="pt-PT" sz="1800">
+                          <a:effectLst/>
+                        </a:rPr>
+                        <a:t>57min</a:t>
+                      </a:r>
+                      <a:endParaRPr lang="pt-PT" sz="1800">
+                        <a:effectLst/>
+                        <a:latin typeface="Times" panose="02020603050405020304" pitchFamily="18" charset="0"/>
+                        <a:ea typeface="Nimbus Sans L"/>
+                        <a:cs typeface="Times New Roman" panose="02020603050405020304" pitchFamily="18" charset="0"/>
+                      </a:endParaRPr>
+                    </a:p>
+                  </a:txBody>
+                  <a:tcPr marL="68580" marR="68580" marT="0" marB="0" anchor="ctr"/>
+                </a:tc>
+                <a:tc>
+                  <a:txBody>
+                    <a:bodyPr/>
+                    <a:lstStyle/>
+                    <a:p>
+                      <a:pPr indent="288290" algn="ctr">
+                        <a:lnSpc>
+                          <a:spcPts val="1700"/>
+                        </a:lnSpc>
+                        <a:spcAft>
+                          <a:spcPts val="600"/>
+                        </a:spcAft>
+                      </a:pPr>
+                      <a:r>
+                        <a:rPr lang="pt-PT" sz="1800" dirty="0">
+                          <a:effectLst/>
+                        </a:rPr>
+                        <a:t>1h14min</a:t>
+                      </a:r>
+                      <a:endParaRPr lang="pt-PT" sz="1800" dirty="0">
+                        <a:effectLst/>
+                        <a:latin typeface="Times" panose="02020603050405020304" pitchFamily="18" charset="0"/>
+                        <a:ea typeface="Nimbus Sans L"/>
+                        <a:cs typeface="Times New Roman" panose="02020603050405020304" pitchFamily="18" charset="0"/>
+                      </a:endParaRPr>
+                    </a:p>
+                  </a:txBody>
+                  <a:tcPr marL="68580" marR="68580" marT="0" marB="0" anchor="ctr"/>
+                </a:tc>
+                <a:extLst>
+                  <a:ext uri="{0D108BD9-81ED-4DB2-BD59-A6C34878D82A}">
+                    <a16:rowId xmlns:a16="http://schemas.microsoft.com/office/drawing/2014/main" val="590309817"/>
+                  </a:ext>
+                </a:extLst>
+              </a:tr>
+            </a:tbl>
+          </a:graphicData>
+        </a:graphic>
+      </p:graphicFrame>
+    </p:spTree>
+    <p:extLst>
+      <p:ext uri="{BB962C8B-B14F-4D97-AF65-F5344CB8AC3E}">
+        <p14:creationId xmlns:p14="http://schemas.microsoft.com/office/powerpoint/2010/main" val="2965183767"/>
+      </p:ext>
+    </p:extLst>
+  </p:cSld>
+  <p:clrMapOvr>
+    <a:masterClrMapping/>
+  </p:clrMapOvr>
+</p:sld>
+</file>
+
+<file path=ppt/slides/slide25.xml><?xml version="1.0" encoding="utf-8"?>
+<p:sld xmlns:a="http://schemas.openxmlformats.org/drawingml/2006/main" xmlns:r="http://schemas.openxmlformats.org/officeDocument/2006/relationships" xmlns:p="http://schemas.openxmlformats.org/presentationml/2006/main">
+  <p:cSld>
+    <p:spTree>
+      <p:nvGrpSpPr>
+        <p:cNvPr id="1" name=""/>
+        <p:cNvGrpSpPr/>
+        <p:nvPr/>
+      </p:nvGrpSpPr>
+      <p:grpSpPr>
+        <a:xfrm>
+          <a:off x="0" y="0"/>
+          <a:ext cx="0" cy="0"/>
+          <a:chOff x="0" y="0"/>
+          <a:chExt cx="0" cy="0"/>
+        </a:xfrm>
+      </p:grpSpPr>
+      <p:sp>
+        <p:nvSpPr>
+          <p:cNvPr id="2" name="Título 1"/>
+          <p:cNvSpPr>
+            <a:spLocks noGrp="1"/>
+          </p:cNvSpPr>
+          <p:nvPr>
+            <p:ph type="title"/>
+          </p:nvPr>
+        </p:nvSpPr>
+        <p:spPr/>
+        <p:txBody>
+          <a:bodyPr/>
+          <a:lstStyle/>
+          <a:p>
+            <a:r>
+              <a:rPr lang="pt-PT" dirty="0"/>
+              <a:t>Conclusões e Satisfação dos Objetivos</a:t>
+            </a:r>
+          </a:p>
+        </p:txBody>
+      </p:sp>
+    </p:spTree>
+    <p:extLst>
+      <p:ext uri="{BB962C8B-B14F-4D97-AF65-F5344CB8AC3E}">
+        <p14:creationId xmlns:p14="http://schemas.microsoft.com/office/powerpoint/2010/main" val="265096303"/>
+      </p:ext>
+    </p:extLst>
+  </p:cSld>
+  <p:clrMapOvr>
+    <a:masterClrMapping/>
+  </p:clrMapOvr>
+</p:sld>
+</file>
+
+<file path=ppt/slides/slide26.xml><?xml version="1.0" encoding="utf-8"?>
+<p:sld xmlns:a="http://schemas.openxmlformats.org/drawingml/2006/main" xmlns:r="http://schemas.openxmlformats.org/officeDocument/2006/relationships" xmlns:p="http://schemas.openxmlformats.org/presentationml/2006/main">
+  <p:cSld>
+    <p:spTree>
+      <p:nvGrpSpPr>
+        <p:cNvPr id="1" name=""/>
+        <p:cNvGrpSpPr/>
+        <p:nvPr/>
+      </p:nvGrpSpPr>
+      <p:grpSpPr>
+        <a:xfrm>
+          <a:off x="0" y="0"/>
+          <a:ext cx="0" cy="0"/>
+          <a:chOff x="0" y="0"/>
+          <a:chExt cx="0" cy="0"/>
+        </a:xfrm>
+      </p:grpSpPr>
+      <p:sp>
+        <p:nvSpPr>
+          <p:cNvPr id="2" name="Título 1"/>
+          <p:cNvSpPr>
+            <a:spLocks noGrp="1"/>
+          </p:cNvSpPr>
+          <p:nvPr>
+            <p:ph type="title"/>
+          </p:nvPr>
+        </p:nvSpPr>
+        <p:spPr/>
+        <p:txBody>
+          <a:bodyPr/>
+          <a:lstStyle/>
+          <a:p>
+            <a:r>
+              <a:rPr lang="pt-PT" dirty="0"/>
+              <a:t>Trabalho Futuro</a:t>
+            </a:r>
           </a:p>
         </p:txBody>
       </p:sp>
@@ -13322,7 +16468,68 @@
           <a:bodyPr/>
           <a:lstStyle/>
           <a:p>
-            <a:endParaRPr lang="pt-PT"/>
+            <a:endParaRPr lang="en-GB" dirty="0">
+              <a:solidFill>
+                <a:schemeClr val="bg1"/>
+              </a:solidFill>
+            </a:endParaRPr>
+          </a:p>
+          <a:p>
+            <a:r>
+              <a:rPr lang="pt-PT" dirty="0">
+                <a:solidFill>
+                  <a:schemeClr val="bg1"/>
+                </a:solidFill>
+              </a:rPr>
+              <a:t>Pesquisa por hierarquia de doenças</a:t>
+            </a:r>
+          </a:p>
+          <a:p>
+            <a:endParaRPr lang="pt-PT" dirty="0">
+              <a:solidFill>
+                <a:schemeClr val="bg1"/>
+              </a:solidFill>
+            </a:endParaRPr>
+          </a:p>
+          <a:p>
+            <a:r>
+              <a:rPr lang="pt-PT" dirty="0">
+                <a:solidFill>
+                  <a:schemeClr val="bg1"/>
+                </a:solidFill>
+              </a:rPr>
+              <a:t>Dicionários de sinónimos e </a:t>
+            </a:r>
+            <a:r>
+              <a:rPr lang="pt-PT" i="1" dirty="0" err="1">
+                <a:solidFill>
+                  <a:schemeClr val="bg1"/>
+                </a:solidFill>
+              </a:rPr>
+              <a:t>spellcheck</a:t>
+            </a:r>
+            <a:endParaRPr lang="pt-PT" i="1" dirty="0">
+              <a:solidFill>
+                <a:schemeClr val="bg1"/>
+              </a:solidFill>
+            </a:endParaRPr>
+          </a:p>
+          <a:p>
+            <a:endParaRPr lang="pt-PT" dirty="0">
+              <a:solidFill>
+                <a:schemeClr val="bg1"/>
+              </a:solidFill>
+            </a:endParaRPr>
+          </a:p>
+          <a:p>
+            <a:r>
+              <a:rPr lang="pt-PT" dirty="0">
+                <a:solidFill>
+                  <a:schemeClr val="bg1"/>
+                </a:solidFill>
+              </a:rPr>
+              <a:t>Dividir o arquétipo existente em outros, para poder ser reaproveitado</a:t>
+            </a:r>
           </a:p>
         </p:txBody>
       </p:sp>
@@ -13330,6 +16537,107 @@
     <p:extLst>
       <p:ext uri="{BB962C8B-B14F-4D97-AF65-F5344CB8AC3E}">
         <p14:creationId xmlns:p14="http://schemas.microsoft.com/office/powerpoint/2010/main" val="1916820639"/>
+      </p:ext>
+    </p:extLst>
+  </p:cSld>
+  <p:clrMapOvr>
+    <a:masterClrMapping/>
+  </p:clrMapOvr>
+</p:sld>
+</file>
+
+<file path=ppt/slides/slide27.xml><?xml version="1.0" encoding="utf-8"?>
+<p:sld xmlns:a="http://schemas.openxmlformats.org/drawingml/2006/main" xmlns:r="http://schemas.openxmlformats.org/officeDocument/2006/relationships" xmlns:p="http://schemas.openxmlformats.org/presentationml/2006/main">
+  <p:cSld>
+    <p:spTree>
+      <p:nvGrpSpPr>
+        <p:cNvPr id="1" name=""/>
+        <p:cNvGrpSpPr/>
+        <p:nvPr/>
+      </p:nvGrpSpPr>
+      <p:grpSpPr>
+        <a:xfrm>
+          <a:off x="0" y="0"/>
+          <a:ext cx="0" cy="0"/>
+          <a:chOff x="0" y="0"/>
+          <a:chExt cx="0" cy="0"/>
+        </a:xfrm>
+      </p:grpSpPr>
+      <p:sp>
+        <p:nvSpPr>
+          <p:cNvPr id="2" name="Título 1"/>
+          <p:cNvSpPr>
+            <a:spLocks noGrp="1"/>
+          </p:cNvSpPr>
+          <p:nvPr>
+            <p:ph type="title"/>
+          </p:nvPr>
+        </p:nvSpPr>
+        <p:spPr/>
+        <p:txBody>
+          <a:bodyPr/>
+          <a:lstStyle/>
+          <a:p>
+            <a:endParaRPr lang="pt-PT" dirty="0"/>
+          </a:p>
+        </p:txBody>
+      </p:sp>
+      <p:pic>
+        <p:nvPicPr>
+          <p:cNvPr id="1026" name="Picture 2" descr="http://www.sepaloya.com/wp-content/uploads/2015/12/10243219_l-3.jpg"/>
+          <p:cNvPicPr>
+            <a:picLocks noGrp="1" noChangeAspect="1" noChangeArrowheads="1"/>
+          </p:cNvPicPr>
+          <p:nvPr>
+            <p:ph idx="1"/>
+          </p:nvPr>
+        </p:nvPicPr>
+        <p:blipFill>
+          <a:blip r:embed="rId3">
+            <a:extLst>
+              <a:ext uri="{28A0092B-C50C-407E-A947-70E740481C1C}">
+                <a14:useLocalDpi xmlns:a14="http://schemas.microsoft.com/office/drawing/2010/main" val="0"/>
+              </a:ext>
+            </a:extLst>
+          </a:blip>
+          <a:srcRect/>
+          <a:stretch>
+            <a:fillRect/>
+          </a:stretch>
+        </p:blipFill>
+        <p:spPr bwMode="auto">
+          <a:xfrm>
+            <a:off x="-477673" y="0"/>
+            <a:ext cx="13028352" cy="6858000"/>
+          </a:xfrm>
+          <a:prstGeom prst="rect">
+            <a:avLst/>
+          </a:prstGeom>
+          <a:ln>
+            <a:noFill/>
+          </a:ln>
+          <a:effectLst>
+            <a:outerShdw blurRad="292100" dist="139700" dir="2700000" algn="tl" rotWithShape="0">
+              <a:srgbClr val="333333">
+                <a:alpha val="65000"/>
+              </a:srgbClr>
+            </a:outerShdw>
+          </a:effectLst>
+          <a:extLst>
+            <a:ext uri="{909E8E84-426E-40DD-AFC4-6F175D3DCCD1}">
+              <a14:hiddenFill xmlns:a14="http://schemas.microsoft.com/office/drawing/2010/main">
+                <a:solidFill>
+                  <a:srgbClr val="FFFFFF"/>
+                </a:solidFill>
+              </a14:hiddenFill>
+            </a:ext>
+          </a:extLst>
+        </p:spPr>
+      </p:pic>
+    </p:spTree>
+    <p:extLst>
+      <p:ext uri="{BB962C8B-B14F-4D97-AF65-F5344CB8AC3E}">
+        <p14:creationId xmlns:p14="http://schemas.microsoft.com/office/powerpoint/2010/main" val="2350535860"/>
       </p:ext>
     </p:extLst>
   </p:cSld>
@@ -14261,6 +17569,52 @@
           </a:p>
         </p:txBody>
       </p:sp>
+      <p:sp>
+        <p:nvSpPr>
+          <p:cNvPr id="8" name="Oval 7"/>
+          <p:cNvSpPr/>
+          <p:nvPr/>
+        </p:nvSpPr>
+        <p:spPr>
+          <a:xfrm>
+            <a:off x="10972457" y="875957"/>
+            <a:ext cx="828000" cy="828000"/>
+          </a:xfrm>
+          <a:prstGeom prst="ellipse">
+            <a:avLst/>
+          </a:prstGeom>
+          <a:noFill/>
+          <a:ln w="50800">
+            <a:solidFill>
+              <a:schemeClr val="tx1"/>
+            </a:solidFill>
+          </a:ln>
+        </p:spPr>
+        <p:style>
+          <a:lnRef idx="2">
+            <a:schemeClr val="accent1">
+              <a:shade val="50000"/>
+            </a:schemeClr>
+          </a:lnRef>
+          <a:fillRef idx="1">
+            <a:schemeClr val="accent1"/>
+          </a:fillRef>
+          <a:effectRef idx="0">
+            <a:schemeClr val="accent1"/>
+          </a:effectRef>
+          <a:fontRef idx="minor">
+            <a:schemeClr val="lt1"/>
+          </a:fontRef>
+        </p:style>
+        <p:txBody>
+          <a:bodyPr rtlCol="0" anchor="ctr"/>
+          <a:lstStyle/>
+          <a:p>
+            <a:pPr algn="ctr"/>
+            <a:endParaRPr lang="pt-PT"/>
+          </a:p>
+        </p:txBody>
+      </p:sp>
     </p:spTree>
     <p:extLst>
       <p:ext uri="{BB962C8B-B14F-4D97-AF65-F5344CB8AC3E}">
@@ -14442,6 +17796,52 @@
               <a:t>1</a:t>
             </a:r>
             <a:endParaRPr lang="pt-PT" sz="3200" dirty="0"/>
+          </a:p>
+        </p:txBody>
+      </p:sp>
+      <p:sp>
+        <p:nvSpPr>
+          <p:cNvPr id="6" name="Oval 5"/>
+          <p:cNvSpPr/>
+          <p:nvPr/>
+        </p:nvSpPr>
+        <p:spPr>
+          <a:xfrm>
+            <a:off x="10972457" y="875957"/>
+            <a:ext cx="828000" cy="828000"/>
+          </a:xfrm>
+          <a:prstGeom prst="ellipse">
+            <a:avLst/>
+          </a:prstGeom>
+          <a:noFill/>
+          <a:ln w="50800">
+            <a:solidFill>
+              <a:schemeClr val="tx1"/>
+            </a:solidFill>
+          </a:ln>
+        </p:spPr>
+        <p:style>
+          <a:lnRef idx="2">
+            <a:schemeClr val="accent1">
+              <a:shade val="50000"/>
+            </a:schemeClr>
+          </a:lnRef>
+          <a:fillRef idx="1">
+            <a:schemeClr val="accent1"/>
+          </a:fillRef>
+          <a:effectRef idx="0">
+            <a:schemeClr val="accent1"/>
+          </a:effectRef>
+          <a:fontRef idx="minor">
+            <a:schemeClr val="lt1"/>
+          </a:fontRef>
+        </p:style>
+        <p:txBody>
+          <a:bodyPr rtlCol="0" anchor="ctr"/>
+          <a:lstStyle/>
+          <a:p>
+            <a:pPr algn="ctr"/>
+            <a:endParaRPr lang="pt-PT"/>
           </a:p>
         </p:txBody>
       </p:sp>

--- a/Dissertacao/4. Defesa da dissertação.pptx
+++ b/Dissertacao/4. Defesa da dissertação.pptx
@@ -5,16 +5,16 @@
     <p:sldMasterId id="2147484007" r:id="rId1"/>
   </p:sldMasterIdLst>
   <p:notesMasterIdLst>
-    <p:notesMasterId r:id="rId29"/>
+    <p:notesMasterId r:id="rId30"/>
   </p:notesMasterIdLst>
   <p:sldIdLst>
     <p:sldId id="264" r:id="rId2"/>
-    <p:sldId id="265" r:id="rId3"/>
-    <p:sldId id="267" r:id="rId4"/>
-    <p:sldId id="290" r:id="rId5"/>
-    <p:sldId id="280" r:id="rId6"/>
-    <p:sldId id="283" r:id="rId7"/>
-    <p:sldId id="300" r:id="rId8"/>
+    <p:sldId id="317" r:id="rId3"/>
+    <p:sldId id="265" r:id="rId4"/>
+    <p:sldId id="267" r:id="rId5"/>
+    <p:sldId id="290" r:id="rId6"/>
+    <p:sldId id="280" r:id="rId7"/>
+    <p:sldId id="283" r:id="rId8"/>
     <p:sldId id="296" r:id="rId9"/>
     <p:sldId id="301" r:id="rId10"/>
     <p:sldId id="302" r:id="rId11"/>
@@ -22,12 +22,12 @@
     <p:sldId id="313" r:id="rId13"/>
     <p:sldId id="312" r:id="rId14"/>
     <p:sldId id="297" r:id="rId15"/>
-    <p:sldId id="304" r:id="rId16"/>
-    <p:sldId id="305" r:id="rId17"/>
-    <p:sldId id="306" r:id="rId18"/>
-    <p:sldId id="298" r:id="rId19"/>
+    <p:sldId id="305" r:id="rId16"/>
+    <p:sldId id="306" r:id="rId17"/>
+    <p:sldId id="298" r:id="rId18"/>
+    <p:sldId id="318" r:id="rId19"/>
     <p:sldId id="293" r:id="rId20"/>
-    <p:sldId id="294" r:id="rId21"/>
+    <p:sldId id="319" r:id="rId21"/>
     <p:sldId id="295" r:id="rId22"/>
     <p:sldId id="316" r:id="rId23"/>
     <p:sldId id="309" r:id="rId24"/>
@@ -35,6 +35,7 @@
     <p:sldId id="314" r:id="rId26"/>
     <p:sldId id="311" r:id="rId27"/>
     <p:sldId id="315" r:id="rId28"/>
+    <p:sldId id="294" r:id="rId29"/>
   </p:sldIdLst>
   <p:sldSz cx="12192000" cy="6858000"/>
   <p:notesSz cx="6858000" cy="9144000"/>
@@ -223,7 +224,7 @@
           <a:p>
             <a:fld id="{3C35305E-D46C-4326-9A29-B8B50EE59D60}" type="datetimeFigureOut">
               <a:rPr lang="pt-PT" smtClean="0"/>
-              <a:t>29/06/2016</a:t>
+              <a:t>30/06/2016</a:t>
             </a:fld>
             <a:endParaRPr lang="pt-PT"/>
           </a:p>
@@ -555,7 +556,7 @@
           <a:p>
             <a:fld id="{A37DC0E3-D7D0-4B7C-A327-D399D589CBC5}" type="slidenum">
               <a:rPr lang="pt-PT" smtClean="0"/>
-              <a:t>2</a:t>
+              <a:t>3</a:t>
             </a:fld>
             <a:endParaRPr lang="pt-PT"/>
           </a:p>
@@ -639,7 +640,7 @@
           <a:p>
             <a:fld id="{A37DC0E3-D7D0-4B7C-A327-D399D589CBC5}" type="slidenum">
               <a:rPr lang="pt-PT" smtClean="0"/>
-              <a:t>3</a:t>
+              <a:t>4</a:t>
             </a:fld>
             <a:endParaRPr lang="pt-PT"/>
           </a:p>
@@ -723,7 +724,7 @@
           <a:p>
             <a:fld id="{A37DC0E3-D7D0-4B7C-A327-D399D589CBC5}" type="slidenum">
               <a:rPr lang="pt-PT" smtClean="0"/>
-              <a:t>4</a:t>
+              <a:t>5</a:t>
             </a:fld>
             <a:endParaRPr lang="pt-PT"/>
           </a:p>
@@ -807,7 +808,7 @@
           <a:p>
             <a:fld id="{A37DC0E3-D7D0-4B7C-A327-D399D589CBC5}" type="slidenum">
               <a:rPr lang="pt-PT" smtClean="0"/>
-              <a:t>5</a:t>
+              <a:t>6</a:t>
             </a:fld>
             <a:endParaRPr lang="pt-PT"/>
           </a:p>
@@ -891,7 +892,7 @@
           <a:p>
             <a:fld id="{A37DC0E3-D7D0-4B7C-A327-D399D589CBC5}" type="slidenum">
               <a:rPr lang="pt-PT" smtClean="0"/>
-              <a:t>6</a:t>
+              <a:t>7</a:t>
             </a:fld>
             <a:endParaRPr lang="pt-PT"/>
           </a:p>
@@ -1436,7 +1437,7 @@
           <a:p>
             <a:fld id="{B8C1D41B-FD9D-477E-A7D3-2D0500536254}" type="datetimeFigureOut">
               <a:rPr lang="pt-PT" smtClean="0"/>
-              <a:t>29/06/2016</a:t>
+              <a:t>30/06/2016</a:t>
             </a:fld>
             <a:endParaRPr lang="pt-PT"/>
           </a:p>
@@ -1850,7 +1851,7 @@
           <a:p>
             <a:fld id="{B8C1D41B-FD9D-477E-A7D3-2D0500536254}" type="datetimeFigureOut">
               <a:rPr lang="pt-PT" smtClean="0"/>
-              <a:t>29/06/2016</a:t>
+              <a:t>30/06/2016</a:t>
             </a:fld>
             <a:endParaRPr lang="pt-PT"/>
           </a:p>
@@ -2186,7 +2187,7 @@
           <a:p>
             <a:fld id="{B8C1D41B-FD9D-477E-A7D3-2D0500536254}" type="datetimeFigureOut">
               <a:rPr lang="pt-PT" smtClean="0"/>
-              <a:t>29/06/2016</a:t>
+              <a:t>30/06/2016</a:t>
             </a:fld>
             <a:endParaRPr lang="pt-PT"/>
           </a:p>
@@ -2591,7 +2592,7 @@
           <a:p>
             <a:fld id="{B8C1D41B-FD9D-477E-A7D3-2D0500536254}" type="datetimeFigureOut">
               <a:rPr lang="pt-PT" smtClean="0"/>
-              <a:t>29/06/2016</a:t>
+              <a:t>30/06/2016</a:t>
             </a:fld>
             <a:endParaRPr lang="pt-PT"/>
           </a:p>
@@ -3159,7 +3160,7 @@
           <a:p>
             <a:fld id="{B8C1D41B-FD9D-477E-A7D3-2D0500536254}" type="datetimeFigureOut">
               <a:rPr lang="pt-PT" smtClean="0"/>
-              <a:t>29/06/2016</a:t>
+              <a:t>30/06/2016</a:t>
             </a:fld>
             <a:endParaRPr lang="pt-PT"/>
           </a:p>
@@ -3840,7 +3841,7 @@
           <a:p>
             <a:fld id="{B8C1D41B-FD9D-477E-A7D3-2D0500536254}" type="datetimeFigureOut">
               <a:rPr lang="pt-PT" smtClean="0"/>
-              <a:t>29/06/2016</a:t>
+              <a:t>30/06/2016</a:t>
             </a:fld>
             <a:endParaRPr lang="pt-PT"/>
           </a:p>
@@ -4753,7 +4754,7 @@
           <a:p>
             <a:fld id="{B8C1D41B-FD9D-477E-A7D3-2D0500536254}" type="datetimeFigureOut">
               <a:rPr lang="pt-PT" smtClean="0"/>
-              <a:t>29/06/2016</a:t>
+              <a:t>30/06/2016</a:t>
             </a:fld>
             <a:endParaRPr lang="pt-PT"/>
           </a:p>
@@ -5066,7 +5067,7 @@
           <a:p>
             <a:fld id="{B8C1D41B-FD9D-477E-A7D3-2D0500536254}" type="datetimeFigureOut">
               <a:rPr lang="pt-PT" smtClean="0"/>
-              <a:t>29/06/2016</a:t>
+              <a:t>30/06/2016</a:t>
             </a:fld>
             <a:endParaRPr lang="pt-PT"/>
           </a:p>
@@ -5330,7 +5331,7 @@
           <a:p>
             <a:fld id="{B8C1D41B-FD9D-477E-A7D3-2D0500536254}" type="datetimeFigureOut">
               <a:rPr lang="pt-PT" smtClean="0"/>
-              <a:t>29/06/2016</a:t>
+              <a:t>30/06/2016</a:t>
             </a:fld>
             <a:endParaRPr lang="pt-PT"/>
           </a:p>
@@ -5653,7 +5654,7 @@
           <a:p>
             <a:fld id="{B8C1D41B-FD9D-477E-A7D3-2D0500536254}" type="datetimeFigureOut">
               <a:rPr lang="pt-PT" smtClean="0"/>
-              <a:t>29/06/2016</a:t>
+              <a:t>30/06/2016</a:t>
             </a:fld>
             <a:endParaRPr lang="pt-PT"/>
           </a:p>
@@ -6042,7 +6043,7 @@
           <a:p>
             <a:fld id="{B8C1D41B-FD9D-477E-A7D3-2D0500536254}" type="datetimeFigureOut">
               <a:rPr lang="pt-PT" smtClean="0"/>
-              <a:t>29/06/2016</a:t>
+              <a:t>30/06/2016</a:t>
             </a:fld>
             <a:endParaRPr lang="pt-PT"/>
           </a:p>
@@ -6418,7 +6419,7 @@
           <a:p>
             <a:fld id="{B8C1D41B-FD9D-477E-A7D3-2D0500536254}" type="datetimeFigureOut">
               <a:rPr lang="pt-PT" smtClean="0"/>
-              <a:t>29/06/2016</a:t>
+              <a:t>30/06/2016</a:t>
             </a:fld>
             <a:endParaRPr lang="pt-PT"/>
           </a:p>
@@ -6924,7 +6925,7 @@
           <a:p>
             <a:fld id="{B8C1D41B-FD9D-477E-A7D3-2D0500536254}" type="datetimeFigureOut">
               <a:rPr lang="pt-PT" smtClean="0"/>
-              <a:t>29/06/2016</a:t>
+              <a:t>30/06/2016</a:t>
             </a:fld>
             <a:endParaRPr lang="pt-PT"/>
           </a:p>
@@ -7181,7 +7182,7 @@
           <a:p>
             <a:fld id="{B8C1D41B-FD9D-477E-A7D3-2D0500536254}" type="datetimeFigureOut">
               <a:rPr lang="pt-PT" smtClean="0"/>
-              <a:t>29/06/2016</a:t>
+              <a:t>30/06/2016</a:t>
             </a:fld>
             <a:endParaRPr lang="pt-PT"/>
           </a:p>
@@ -7344,7 +7345,7 @@
           <a:p>
             <a:fld id="{B8C1D41B-FD9D-477E-A7D3-2D0500536254}" type="datetimeFigureOut">
               <a:rPr lang="pt-PT" smtClean="0"/>
-              <a:t>29/06/2016</a:t>
+              <a:t>30/06/2016</a:t>
             </a:fld>
             <a:endParaRPr lang="pt-PT"/>
           </a:p>
@@ -7734,7 +7735,7 @@
           <a:p>
             <a:fld id="{B8C1D41B-FD9D-477E-A7D3-2D0500536254}" type="datetimeFigureOut">
               <a:rPr lang="pt-PT" smtClean="0"/>
-              <a:t>29/06/2016</a:t>
+              <a:t>30/06/2016</a:t>
             </a:fld>
             <a:endParaRPr lang="pt-PT"/>
           </a:p>
@@ -8143,7 +8144,7 @@
           <a:p>
             <a:fld id="{B8C1D41B-FD9D-477E-A7D3-2D0500536254}" type="datetimeFigureOut">
               <a:rPr lang="pt-PT" smtClean="0"/>
-              <a:t>29/06/2016</a:t>
+              <a:t>30/06/2016</a:t>
             </a:fld>
             <a:endParaRPr lang="pt-PT"/>
           </a:p>
@@ -8390,7 +8391,7 @@
           <a:p>
             <a:fld id="{B8C1D41B-FD9D-477E-A7D3-2D0500536254}" type="datetimeFigureOut">
               <a:rPr lang="pt-PT" smtClean="0"/>
-              <a:t>29/06/2016</a:t>
+              <a:t>30/06/2016</a:t>
             </a:fld>
             <a:endParaRPr lang="pt-PT"/>
           </a:p>
@@ -8899,32 +8900,56 @@
           <a:lstStyle/>
           <a:p>
             <a:r>
+              <a:rPr lang="pt-PT" b="1" dirty="0">
+                <a:solidFill>
+                  <a:schemeClr val="bg1"/>
+                </a:solidFill>
+              </a:rPr>
+              <a:t>Estudante</a:t>
+            </a:r>
+            <a:r>
               <a:rPr lang="pt-PT" dirty="0">
                 <a:solidFill>
                   <a:schemeClr val="bg1"/>
                 </a:solidFill>
               </a:rPr>
-              <a:t>Estudante: João Correia</a:t>
-            </a:r>
-          </a:p>
-          <a:p>
+              <a:t>: João Correia</a:t>
+            </a:r>
+          </a:p>
+          <a:p>
+            <a:r>
+              <a:rPr lang="pt-PT" b="1" dirty="0">
+                <a:solidFill>
+                  <a:schemeClr val="bg1"/>
+                </a:solidFill>
+              </a:rPr>
+              <a:t>Orientador</a:t>
+            </a:r>
             <a:r>
               <a:rPr lang="pt-PT" dirty="0">
                 <a:solidFill>
                   <a:schemeClr val="bg1"/>
                 </a:solidFill>
               </a:rPr>
-              <a:t>Orientador: Prof. Gabriel David</a:t>
-            </a:r>
-          </a:p>
-          <a:p>
+              <a:t>: Prof. Gabriel David</a:t>
+            </a:r>
+          </a:p>
+          <a:p>
+            <a:r>
+              <a:rPr lang="pt-PT" b="1" dirty="0">
+                <a:solidFill>
+                  <a:schemeClr val="bg1"/>
+                </a:solidFill>
+              </a:rPr>
+              <a:t>Proponente</a:t>
+            </a:r>
             <a:r>
               <a:rPr lang="pt-PT" dirty="0">
                 <a:solidFill>
                   <a:schemeClr val="bg1"/>
                 </a:solidFill>
               </a:rPr>
-              <a:t>Proponente: </a:t>
+              <a:t>: </a:t>
             </a:r>
             <a:r>
               <a:rPr lang="pt-PT" dirty="0" err="1">
@@ -9219,22 +9244,24 @@
       </p:sp>
       <p:sp>
         <p:nvSpPr>
-          <p:cNvPr id="8" name="Oval 7"/>
+          <p:cNvPr id="9" name="Retângulo 8"/>
           <p:cNvSpPr/>
           <p:nvPr/>
         </p:nvSpPr>
         <p:spPr>
           <a:xfrm>
-            <a:off x="10972457" y="875957"/>
-            <a:ext cx="828000" cy="828000"/>
+            <a:off x="10580914" y="604157"/>
+            <a:ext cx="1611086" cy="1371600"/>
           </a:xfrm>
-          <a:prstGeom prst="ellipse">
+          <a:prstGeom prst="rect">
             <a:avLst/>
           </a:prstGeom>
           <a:noFill/>
           <a:ln w="50800">
             <a:solidFill>
-              <a:schemeClr val="tx1"/>
+              <a:schemeClr val="tx2">
+                <a:lumMod val="25000"/>
+              </a:schemeClr>
             </a:solidFill>
           </a:ln>
         </p:spPr>
@@ -9379,22 +9406,24 @@
       </p:sp>
       <p:sp>
         <p:nvSpPr>
-          <p:cNvPr id="4" name="Oval 3"/>
+          <p:cNvPr id="7" name="Retângulo 6"/>
           <p:cNvSpPr/>
           <p:nvPr/>
         </p:nvSpPr>
         <p:spPr>
           <a:xfrm>
-            <a:off x="10972457" y="875957"/>
-            <a:ext cx="828000" cy="828000"/>
+            <a:off x="10580914" y="604157"/>
+            <a:ext cx="1611086" cy="1371600"/>
           </a:xfrm>
-          <a:prstGeom prst="ellipse">
+          <a:prstGeom prst="rect">
             <a:avLst/>
           </a:prstGeom>
           <a:noFill/>
           <a:ln w="50800">
             <a:solidFill>
-              <a:schemeClr val="tx1"/>
+              <a:schemeClr val="tx2">
+                <a:lumMod val="25000"/>
+              </a:schemeClr>
             </a:solidFill>
           </a:ln>
         </p:spPr>
@@ -9617,22 +9646,24 @@
       </p:pic>
       <p:sp>
         <p:nvSpPr>
-          <p:cNvPr id="10" name="Oval 9"/>
+          <p:cNvPr id="7" name="Retângulo 6"/>
           <p:cNvSpPr/>
           <p:nvPr/>
         </p:nvSpPr>
         <p:spPr>
           <a:xfrm>
-            <a:off x="10972457" y="875957"/>
-            <a:ext cx="828000" cy="828000"/>
+            <a:off x="10580914" y="604157"/>
+            <a:ext cx="1611086" cy="1371600"/>
           </a:xfrm>
-          <a:prstGeom prst="ellipse">
+          <a:prstGeom prst="rect">
             <a:avLst/>
           </a:prstGeom>
           <a:noFill/>
           <a:ln w="50800">
             <a:solidFill>
-              <a:schemeClr val="tx1"/>
+              <a:schemeClr val="tx2">
+                <a:lumMod val="25000"/>
+              </a:schemeClr>
             </a:solidFill>
           </a:ln>
         </p:spPr>
@@ -9953,22 +9984,24 @@
       </p:grpSp>
       <p:sp>
         <p:nvSpPr>
-          <p:cNvPr id="16" name="Oval 15"/>
+          <p:cNvPr id="10" name="Retângulo 9"/>
           <p:cNvSpPr/>
           <p:nvPr/>
         </p:nvSpPr>
         <p:spPr>
           <a:xfrm>
-            <a:off x="10972457" y="875957"/>
-            <a:ext cx="828000" cy="828000"/>
+            <a:off x="10584667" y="604157"/>
+            <a:ext cx="1611086" cy="1371600"/>
           </a:xfrm>
-          <a:prstGeom prst="ellipse">
+          <a:prstGeom prst="rect">
             <a:avLst/>
           </a:prstGeom>
           <a:noFill/>
           <a:ln w="50800">
             <a:solidFill>
-              <a:schemeClr val="tx1"/>
+              <a:schemeClr val="tx2">
+                <a:lumMod val="25000"/>
+              </a:schemeClr>
             </a:solidFill>
           </a:ln>
         </p:spPr>
@@ -10053,6 +10086,104 @@
       </p:sp>
       <p:sp>
         <p:nvSpPr>
+          <p:cNvPr id="8" name="Marcador de Posição de Conteúdo 7"/>
+          <p:cNvSpPr>
+            <a:spLocks noGrp="1"/>
+          </p:cNvSpPr>
+          <p:nvPr>
+            <p:ph sz="half" idx="2"/>
+          </p:nvPr>
+        </p:nvSpPr>
+        <p:spPr>
+          <a:xfrm>
+            <a:off x="5594124" y="2696102"/>
+            <a:ext cx="4700058" cy="3599316"/>
+          </a:xfrm>
+        </p:spPr>
+        <p:txBody>
+          <a:bodyPr/>
+          <a:lstStyle/>
+          <a:p>
+            <a:r>
+              <a:rPr lang="en-GB" dirty="0">
+                <a:solidFill>
+                  <a:schemeClr val="bg1"/>
+                </a:solidFill>
+              </a:rPr>
+              <a:t>solrconfig.xml</a:t>
+            </a:r>
+          </a:p>
+          <a:p>
+            <a:pPr lvl="1"/>
+            <a:r>
+              <a:rPr lang="pt-PT" dirty="0">
+                <a:solidFill>
+                  <a:schemeClr val="bg1"/>
+                </a:solidFill>
+              </a:rPr>
+              <a:t>Inclui as bibliotecas necessárias</a:t>
+            </a:r>
+          </a:p>
+          <a:p>
+            <a:pPr lvl="1"/>
+            <a:endParaRPr lang="en-GB" dirty="0">
+              <a:solidFill>
+                <a:schemeClr val="bg1"/>
+              </a:solidFill>
+            </a:endParaRPr>
+          </a:p>
+          <a:p>
+            <a:r>
+              <a:rPr lang="en-GB" dirty="0">
+                <a:solidFill>
+                  <a:schemeClr val="bg1"/>
+                </a:solidFill>
+              </a:rPr>
+              <a:t>schema.xml</a:t>
+            </a:r>
+          </a:p>
+          <a:p>
+            <a:pPr lvl="1"/>
+            <a:r>
+              <a:rPr lang="pt-PT" dirty="0">
+                <a:solidFill>
+                  <a:schemeClr val="bg1"/>
+                </a:solidFill>
+              </a:rPr>
+              <a:t>Estrutura dos dados a serem tratados pelo </a:t>
+            </a:r>
+            <a:r>
+              <a:rPr lang="pt-PT" dirty="0" err="1">
+                <a:solidFill>
+                  <a:schemeClr val="bg1"/>
+                </a:solidFill>
+              </a:rPr>
+              <a:t>Solr</a:t>
+            </a:r>
+            <a:endParaRPr lang="pt-PT" dirty="0">
+              <a:solidFill>
+                <a:schemeClr val="bg1"/>
+              </a:solidFill>
+            </a:endParaRPr>
+          </a:p>
+          <a:p>
+            <a:pPr lvl="1"/>
+            <a:r>
+              <a:rPr lang="pt-PT" dirty="0">
+                <a:solidFill>
+                  <a:schemeClr val="bg1"/>
+                </a:solidFill>
+              </a:rPr>
+              <a:t>Definição dos parâmetros de indexação e pesquisa</a:t>
+            </a:r>
+          </a:p>
+          <a:p>
+            <a:endParaRPr lang="pt-PT" dirty="0"/>
+          </a:p>
+        </p:txBody>
+      </p:sp>
+      <p:sp>
+        <p:nvSpPr>
           <p:cNvPr id="4" name="Retângulo 3"/>
           <p:cNvSpPr/>
           <p:nvPr/>
@@ -10099,65 +10230,26 @@
           </a:p>
         </p:txBody>
       </p:sp>
-      <p:pic>
-        <p:nvPicPr>
-          <p:cNvPr id="5" name="Picture 2" descr="https://lucene.apache.org/images/mantle-lucene-solr.png"/>
-          <p:cNvPicPr>
-            <a:picLocks noGrp="1" noChangeAspect="1" noChangeArrowheads="1"/>
-          </p:cNvPicPr>
-          <p:nvPr>
-            <p:ph idx="1"/>
-          </p:nvPr>
-        </p:nvPicPr>
-        <p:blipFill rotWithShape="1">
-          <a:blip r:embed="rId2">
-            <a:extLst>
-              <a:ext uri="{28A0092B-C50C-407E-A947-70E740481C1C}">
-                <a14:useLocalDpi xmlns:a14="http://schemas.microsoft.com/office/drawing/2010/main" val="0"/>
-              </a:ext>
-            </a:extLst>
-          </a:blip>
-          <a:srcRect l="60162"/>
-          <a:stretch/>
-        </p:blipFill>
-        <p:spPr bwMode="auto">
+      <p:sp>
+        <p:nvSpPr>
+          <p:cNvPr id="7" name="Retângulo 6"/>
+          <p:cNvSpPr/>
+          <p:nvPr/>
+        </p:nvSpPr>
+        <p:spPr>
           <a:xfrm>
-            <a:off x="3914243" y="2825110"/>
-            <a:ext cx="4690913" cy="2457388"/>
+            <a:off x="10580914" y="604157"/>
+            <a:ext cx="1611086" cy="1371600"/>
           </a:xfrm>
           <a:prstGeom prst="rect">
             <a:avLst/>
           </a:prstGeom>
           <a:noFill/>
-          <a:extLst>
-            <a:ext uri="{909E8E84-426E-40DD-AFC4-6F175D3DCCD1}">
-              <a14:hiddenFill xmlns:a14="http://schemas.microsoft.com/office/drawing/2010/main">
-                <a:solidFill>
-                  <a:srgbClr val="FFFFFF"/>
-                </a:solidFill>
-              </a14:hiddenFill>
-            </a:ext>
-          </a:extLst>
-        </p:spPr>
-      </p:pic>
-      <p:sp>
-        <p:nvSpPr>
-          <p:cNvPr id="6" name="Oval 5"/>
-          <p:cNvSpPr/>
-          <p:nvPr/>
-        </p:nvSpPr>
-        <p:spPr>
-          <a:xfrm>
-            <a:off x="10972457" y="875957"/>
-            <a:ext cx="828000" cy="828000"/>
-          </a:xfrm>
-          <a:prstGeom prst="ellipse">
-            <a:avLst/>
-          </a:prstGeom>
-          <a:noFill/>
           <a:ln w="50800">
             <a:solidFill>
-              <a:schemeClr val="tx1"/>
+              <a:schemeClr val="tx2">
+                <a:lumMod val="25000"/>
+              </a:schemeClr>
             </a:solidFill>
           </a:ln>
         </p:spPr>
@@ -10186,6 +10278,47 @@
           </a:p>
         </p:txBody>
       </p:sp>
+      <p:pic>
+        <p:nvPicPr>
+          <p:cNvPr id="10" name="Picture 2" descr="https://lucene.apache.org/images/mantle-lucene-solr.png"/>
+          <p:cNvPicPr>
+            <a:picLocks noGrp="1" noChangeAspect="1" noChangeArrowheads="1"/>
+          </p:cNvPicPr>
+          <p:nvPr>
+            <p:ph sz="half" idx="1"/>
+          </p:nvPr>
+        </p:nvPicPr>
+        <p:blipFill rotWithShape="1">
+          <a:blip r:embed="rId2">
+            <a:extLst>
+              <a:ext uri="{28A0092B-C50C-407E-A947-70E740481C1C}">
+                <a14:useLocalDpi xmlns:a14="http://schemas.microsoft.com/office/drawing/2010/main" val="0"/>
+              </a:ext>
+            </a:extLst>
+          </a:blip>
+          <a:srcRect l="60568" t="-1898" r="-1824" b="1898"/>
+          <a:stretch/>
+        </p:blipFill>
+        <p:spPr bwMode="auto">
+          <a:xfrm>
+            <a:off x="1704830" y="3118758"/>
+            <a:ext cx="3212177" cy="1624898"/>
+          </a:xfrm>
+          <a:prstGeom prst="rect">
+            <a:avLst/>
+          </a:prstGeom>
+          <a:noFill/>
+          <a:extLst>
+            <a:ext uri="{909E8E84-426E-40DD-AFC4-6F175D3DCCD1}">
+              <a14:hiddenFill xmlns:a14="http://schemas.microsoft.com/office/drawing/2010/main">
+                <a:solidFill>
+                  <a:srgbClr val="FFFFFF"/>
+                </a:solidFill>
+              </a14:hiddenFill>
+            </a:ext>
+          </a:extLst>
+        </p:spPr>
+      </p:pic>
     </p:spTree>
     <p:extLst>
       <p:ext uri="{BB962C8B-B14F-4D97-AF65-F5344CB8AC3E}">
@@ -10234,8 +10367,12 @@
           <a:lstStyle/>
           <a:p>
             <a:r>
+              <a:rPr lang="pt-PT" sz="3300" dirty="0" err="1"/>
+              <a:t>Schema</a:t>
+            </a:r>
+            <a:r>
               <a:rPr lang="pt-PT" sz="3300" dirty="0"/>
-              <a:t>Configuração dos parâmetros de indexação</a:t>
+              <a:t> – estrutura dos dados</a:t>
             </a:r>
           </a:p>
         </p:txBody>
@@ -10252,53 +10389,2246 @@
         </p:nvSpPr>
         <p:spPr/>
         <p:txBody>
-          <a:bodyPr/>
+          <a:bodyPr>
+            <a:normAutofit fontScale="55000" lnSpcReduction="20000"/>
+          </a:bodyPr>
           <a:lstStyle/>
           <a:p>
-            <a:endParaRPr lang="en-GB" dirty="0">
-              <a:solidFill>
-                <a:schemeClr val="bg1"/>
-              </a:solidFill>
-            </a:endParaRPr>
-          </a:p>
-          <a:p>
-            <a:endParaRPr lang="en-GB" dirty="0">
-              <a:solidFill>
-                <a:schemeClr val="bg1"/>
-              </a:solidFill>
-            </a:endParaRPr>
-          </a:p>
-          <a:p>
-            <a:r>
-              <a:rPr lang="en-GB" dirty="0">
-                <a:solidFill>
-                  <a:schemeClr val="bg1"/>
-                </a:solidFill>
-              </a:rPr>
-              <a:t>solrconfig.xml</a:t>
-            </a:r>
-          </a:p>
-          <a:p>
-            <a:endParaRPr lang="en-GB" dirty="0">
-              <a:solidFill>
-                <a:schemeClr val="bg1"/>
-              </a:solidFill>
-            </a:endParaRPr>
-          </a:p>
-          <a:p>
-            <a:r>
-              <a:rPr lang="en-GB" dirty="0">
-                <a:solidFill>
-                  <a:schemeClr val="bg1"/>
-                </a:solidFill>
-              </a:rPr>
-              <a:t>schema.xml</a:t>
-            </a:r>
-            <a:endParaRPr lang="pt-PT" dirty="0">
-              <a:solidFill>
-                <a:schemeClr val="bg1"/>
-              </a:solidFill>
-            </a:endParaRPr>
+            <a:r>
+              <a:rPr lang="en-US" dirty="0">
+                <a:solidFill>
+                  <a:srgbClr val="0000FF"/>
+                </a:solidFill>
+                <a:latin typeface="Courier New" panose="02070309020205020404" pitchFamily="49" charset="0"/>
+              </a:rPr>
+              <a:t>&lt;field</a:t>
+            </a:r>
+            <a:r>
+              <a:rPr lang="en-US" dirty="0">
+                <a:solidFill>
+                  <a:srgbClr val="000000"/>
+                </a:solidFill>
+                <a:latin typeface="Courier New" panose="02070309020205020404" pitchFamily="49" charset="0"/>
+              </a:rPr>
+              <a:t> </a:t>
+            </a:r>
+            <a:r>
+              <a:rPr lang="en-US" dirty="0">
+                <a:solidFill>
+                  <a:srgbClr val="FF0000"/>
+                </a:solidFill>
+                <a:latin typeface="Courier New" panose="02070309020205020404" pitchFamily="49" charset="0"/>
+              </a:rPr>
+              <a:t>name</a:t>
+            </a:r>
+            <a:r>
+              <a:rPr lang="en-US" dirty="0">
+                <a:solidFill>
+                  <a:srgbClr val="000000"/>
+                </a:solidFill>
+                <a:latin typeface="Courier New" panose="02070309020205020404" pitchFamily="49" charset="0"/>
+              </a:rPr>
+              <a:t>=</a:t>
+            </a:r>
+            <a:r>
+              <a:rPr lang="en-US" b="1" dirty="0">
+                <a:solidFill>
+                  <a:srgbClr val="8000FF"/>
+                </a:solidFill>
+                <a:latin typeface="Courier New" panose="02070309020205020404" pitchFamily="49" charset="0"/>
+              </a:rPr>
+              <a:t>"</a:t>
+            </a:r>
+            <a:r>
+              <a:rPr lang="en-US" b="1" dirty="0" err="1">
+                <a:solidFill>
+                  <a:srgbClr val="8000FF"/>
+                </a:solidFill>
+                <a:latin typeface="Courier New" panose="02070309020205020404" pitchFamily="49" charset="0"/>
+              </a:rPr>
+              <a:t>uid</a:t>
+            </a:r>
+            <a:r>
+              <a:rPr lang="en-US" b="1" dirty="0">
+                <a:solidFill>
+                  <a:srgbClr val="8000FF"/>
+                </a:solidFill>
+                <a:latin typeface="Courier New" panose="02070309020205020404" pitchFamily="49" charset="0"/>
+              </a:rPr>
+              <a:t>"</a:t>
+            </a:r>
+            <a:r>
+              <a:rPr lang="en-US" dirty="0">
+                <a:solidFill>
+                  <a:srgbClr val="000000"/>
+                </a:solidFill>
+                <a:latin typeface="Courier New" panose="02070309020205020404" pitchFamily="49" charset="0"/>
+              </a:rPr>
+              <a:t> </a:t>
+            </a:r>
+            <a:r>
+              <a:rPr lang="en-US" dirty="0">
+                <a:solidFill>
+                  <a:srgbClr val="FF0000"/>
+                </a:solidFill>
+                <a:latin typeface="Courier New" panose="02070309020205020404" pitchFamily="49" charset="0"/>
+              </a:rPr>
+              <a:t>type</a:t>
+            </a:r>
+            <a:r>
+              <a:rPr lang="en-US" dirty="0">
+                <a:solidFill>
+                  <a:srgbClr val="000000"/>
+                </a:solidFill>
+                <a:latin typeface="Courier New" panose="02070309020205020404" pitchFamily="49" charset="0"/>
+              </a:rPr>
+              <a:t>=</a:t>
+            </a:r>
+            <a:r>
+              <a:rPr lang="en-US" b="1" dirty="0">
+                <a:solidFill>
+                  <a:srgbClr val="8000FF"/>
+                </a:solidFill>
+                <a:latin typeface="Courier New" panose="02070309020205020404" pitchFamily="49" charset="0"/>
+              </a:rPr>
+              <a:t>"string"</a:t>
+            </a:r>
+            <a:r>
+              <a:rPr lang="en-US" dirty="0">
+                <a:solidFill>
+                  <a:srgbClr val="000000"/>
+                </a:solidFill>
+                <a:latin typeface="Courier New" panose="02070309020205020404" pitchFamily="49" charset="0"/>
+              </a:rPr>
+              <a:t> </a:t>
+            </a:r>
+            <a:r>
+              <a:rPr lang="en-US" dirty="0">
+                <a:solidFill>
+                  <a:srgbClr val="FF0000"/>
+                </a:solidFill>
+                <a:latin typeface="Courier New" panose="02070309020205020404" pitchFamily="49" charset="0"/>
+              </a:rPr>
+              <a:t>indexed</a:t>
+            </a:r>
+            <a:r>
+              <a:rPr lang="en-US" dirty="0">
+                <a:solidFill>
+                  <a:srgbClr val="000000"/>
+                </a:solidFill>
+                <a:latin typeface="Courier New" panose="02070309020205020404" pitchFamily="49" charset="0"/>
+              </a:rPr>
+              <a:t>=</a:t>
+            </a:r>
+            <a:r>
+              <a:rPr lang="en-US" b="1" dirty="0">
+                <a:solidFill>
+                  <a:srgbClr val="8000FF"/>
+                </a:solidFill>
+                <a:latin typeface="Courier New" panose="02070309020205020404" pitchFamily="49" charset="0"/>
+              </a:rPr>
+              <a:t>"true"</a:t>
+            </a:r>
+            <a:r>
+              <a:rPr lang="en-US" dirty="0">
+                <a:solidFill>
+                  <a:srgbClr val="000000"/>
+                </a:solidFill>
+                <a:latin typeface="Courier New" panose="02070309020205020404" pitchFamily="49" charset="0"/>
+              </a:rPr>
+              <a:t> </a:t>
+            </a:r>
+            <a:r>
+              <a:rPr lang="en-US" dirty="0">
+                <a:solidFill>
+                  <a:srgbClr val="FF0000"/>
+                </a:solidFill>
+                <a:latin typeface="Courier New" panose="02070309020205020404" pitchFamily="49" charset="0"/>
+              </a:rPr>
+              <a:t>stored</a:t>
+            </a:r>
+            <a:r>
+              <a:rPr lang="en-US" dirty="0">
+                <a:solidFill>
+                  <a:srgbClr val="000000"/>
+                </a:solidFill>
+                <a:latin typeface="Courier New" panose="02070309020205020404" pitchFamily="49" charset="0"/>
+              </a:rPr>
+              <a:t>=</a:t>
+            </a:r>
+            <a:r>
+              <a:rPr lang="en-US" b="1" dirty="0">
+                <a:solidFill>
+                  <a:srgbClr val="8000FF"/>
+                </a:solidFill>
+                <a:latin typeface="Courier New" panose="02070309020205020404" pitchFamily="49" charset="0"/>
+              </a:rPr>
+              <a:t>"true"</a:t>
+            </a:r>
+            <a:r>
+              <a:rPr lang="en-US" dirty="0">
+                <a:solidFill>
+                  <a:srgbClr val="0000FF"/>
+                </a:solidFill>
+                <a:latin typeface="Courier New" panose="02070309020205020404" pitchFamily="49" charset="0"/>
+              </a:rPr>
+              <a:t>/&gt;</a:t>
+            </a:r>
+            <a:r>
+              <a:rPr lang="en-US" b="1" dirty="0">
+                <a:solidFill>
+                  <a:srgbClr val="000000"/>
+                </a:solidFill>
+                <a:latin typeface="Courier New" panose="02070309020205020404" pitchFamily="49" charset="0"/>
+              </a:rPr>
+              <a:t> </a:t>
+            </a:r>
+          </a:p>
+          <a:p>
+            <a:r>
+              <a:rPr lang="en-US" dirty="0">
+                <a:solidFill>
+                  <a:srgbClr val="0000FF"/>
+                </a:solidFill>
+                <a:latin typeface="Courier New" panose="02070309020205020404" pitchFamily="49" charset="0"/>
+              </a:rPr>
+              <a:t>&lt;field</a:t>
+            </a:r>
+            <a:r>
+              <a:rPr lang="en-US" dirty="0">
+                <a:solidFill>
+                  <a:srgbClr val="000000"/>
+                </a:solidFill>
+                <a:latin typeface="Courier New" panose="02070309020205020404" pitchFamily="49" charset="0"/>
+              </a:rPr>
+              <a:t> </a:t>
+            </a:r>
+            <a:r>
+              <a:rPr lang="en-US" dirty="0">
+                <a:solidFill>
+                  <a:srgbClr val="FF0000"/>
+                </a:solidFill>
+                <a:latin typeface="Courier New" panose="02070309020205020404" pitchFamily="49" charset="0"/>
+              </a:rPr>
+              <a:t>name</a:t>
+            </a:r>
+            <a:r>
+              <a:rPr lang="en-US" dirty="0">
+                <a:solidFill>
+                  <a:srgbClr val="000000"/>
+                </a:solidFill>
+                <a:latin typeface="Courier New" panose="02070309020205020404" pitchFamily="49" charset="0"/>
+              </a:rPr>
+              <a:t>=</a:t>
+            </a:r>
+            <a:r>
+              <a:rPr lang="en-US" b="1" dirty="0">
+                <a:solidFill>
+                  <a:srgbClr val="8000FF"/>
+                </a:solidFill>
+                <a:latin typeface="Courier New" panose="02070309020205020404" pitchFamily="49" charset="0"/>
+              </a:rPr>
+              <a:t>"</a:t>
+            </a:r>
+            <a:r>
+              <a:rPr lang="en-US" b="1" dirty="0" err="1">
+                <a:solidFill>
+                  <a:srgbClr val="8000FF"/>
+                </a:solidFill>
+                <a:latin typeface="Courier New" panose="02070309020205020404" pitchFamily="49" charset="0"/>
+              </a:rPr>
+              <a:t>version_uid</a:t>
+            </a:r>
+            <a:r>
+              <a:rPr lang="en-US" b="1" dirty="0">
+                <a:solidFill>
+                  <a:srgbClr val="8000FF"/>
+                </a:solidFill>
+                <a:latin typeface="Courier New" panose="02070309020205020404" pitchFamily="49" charset="0"/>
+              </a:rPr>
+              <a:t>"</a:t>
+            </a:r>
+            <a:r>
+              <a:rPr lang="en-US" dirty="0">
+                <a:solidFill>
+                  <a:srgbClr val="000000"/>
+                </a:solidFill>
+                <a:latin typeface="Courier New" panose="02070309020205020404" pitchFamily="49" charset="0"/>
+              </a:rPr>
+              <a:t> </a:t>
+            </a:r>
+            <a:r>
+              <a:rPr lang="en-US" dirty="0">
+                <a:solidFill>
+                  <a:srgbClr val="FF0000"/>
+                </a:solidFill>
+                <a:latin typeface="Courier New" panose="02070309020205020404" pitchFamily="49" charset="0"/>
+              </a:rPr>
+              <a:t>type</a:t>
+            </a:r>
+            <a:r>
+              <a:rPr lang="en-US" dirty="0">
+                <a:solidFill>
+                  <a:srgbClr val="000000"/>
+                </a:solidFill>
+                <a:latin typeface="Courier New" panose="02070309020205020404" pitchFamily="49" charset="0"/>
+              </a:rPr>
+              <a:t>=</a:t>
+            </a:r>
+            <a:r>
+              <a:rPr lang="en-US" b="1" dirty="0">
+                <a:solidFill>
+                  <a:srgbClr val="8000FF"/>
+                </a:solidFill>
+                <a:latin typeface="Courier New" panose="02070309020205020404" pitchFamily="49" charset="0"/>
+              </a:rPr>
+              <a:t>"string"</a:t>
+            </a:r>
+            <a:r>
+              <a:rPr lang="en-US" dirty="0">
+                <a:solidFill>
+                  <a:srgbClr val="000000"/>
+                </a:solidFill>
+                <a:latin typeface="Courier New" panose="02070309020205020404" pitchFamily="49" charset="0"/>
+              </a:rPr>
+              <a:t> </a:t>
+            </a:r>
+            <a:r>
+              <a:rPr lang="en-US" dirty="0">
+                <a:solidFill>
+                  <a:srgbClr val="FF0000"/>
+                </a:solidFill>
+                <a:latin typeface="Courier New" panose="02070309020205020404" pitchFamily="49" charset="0"/>
+              </a:rPr>
+              <a:t>indexed</a:t>
+            </a:r>
+            <a:r>
+              <a:rPr lang="en-US" dirty="0">
+                <a:solidFill>
+                  <a:srgbClr val="000000"/>
+                </a:solidFill>
+                <a:latin typeface="Courier New" panose="02070309020205020404" pitchFamily="49" charset="0"/>
+              </a:rPr>
+              <a:t>=</a:t>
+            </a:r>
+            <a:r>
+              <a:rPr lang="en-US" b="1" dirty="0">
+                <a:solidFill>
+                  <a:srgbClr val="8000FF"/>
+                </a:solidFill>
+                <a:latin typeface="Courier New" panose="02070309020205020404" pitchFamily="49" charset="0"/>
+              </a:rPr>
+              <a:t>"false"</a:t>
+            </a:r>
+            <a:r>
+              <a:rPr lang="en-US" dirty="0">
+                <a:solidFill>
+                  <a:srgbClr val="000000"/>
+                </a:solidFill>
+                <a:latin typeface="Courier New" panose="02070309020205020404" pitchFamily="49" charset="0"/>
+              </a:rPr>
+              <a:t> </a:t>
+            </a:r>
+            <a:r>
+              <a:rPr lang="en-US" dirty="0">
+                <a:solidFill>
+                  <a:srgbClr val="FF0000"/>
+                </a:solidFill>
+                <a:latin typeface="Courier New" panose="02070309020205020404" pitchFamily="49" charset="0"/>
+              </a:rPr>
+              <a:t>stored</a:t>
+            </a:r>
+            <a:r>
+              <a:rPr lang="en-US" dirty="0">
+                <a:solidFill>
+                  <a:srgbClr val="000000"/>
+                </a:solidFill>
+                <a:latin typeface="Courier New" panose="02070309020205020404" pitchFamily="49" charset="0"/>
+              </a:rPr>
+              <a:t>=</a:t>
+            </a:r>
+            <a:r>
+              <a:rPr lang="en-US" b="1" dirty="0">
+                <a:solidFill>
+                  <a:srgbClr val="8000FF"/>
+                </a:solidFill>
+                <a:latin typeface="Courier New" panose="02070309020205020404" pitchFamily="49" charset="0"/>
+              </a:rPr>
+              <a:t>"true"</a:t>
+            </a:r>
+            <a:r>
+              <a:rPr lang="en-US" dirty="0">
+                <a:solidFill>
+                  <a:srgbClr val="0000FF"/>
+                </a:solidFill>
+                <a:latin typeface="Courier New" panose="02070309020205020404" pitchFamily="49" charset="0"/>
+              </a:rPr>
+              <a:t>/&gt;</a:t>
+            </a:r>
+            <a:r>
+              <a:rPr lang="en-US" b="1" dirty="0">
+                <a:solidFill>
+                  <a:srgbClr val="000000"/>
+                </a:solidFill>
+                <a:latin typeface="Courier New" panose="02070309020205020404" pitchFamily="49" charset="0"/>
+              </a:rPr>
+              <a:t> </a:t>
+            </a:r>
+          </a:p>
+          <a:p>
+            <a:r>
+              <a:rPr lang="en-US" dirty="0">
+                <a:solidFill>
+                  <a:srgbClr val="0000FF"/>
+                </a:solidFill>
+                <a:latin typeface="Courier New" panose="02070309020205020404" pitchFamily="49" charset="0"/>
+              </a:rPr>
+              <a:t>&lt;field</a:t>
+            </a:r>
+            <a:r>
+              <a:rPr lang="en-US" dirty="0">
+                <a:solidFill>
+                  <a:srgbClr val="000000"/>
+                </a:solidFill>
+                <a:latin typeface="Courier New" panose="02070309020205020404" pitchFamily="49" charset="0"/>
+              </a:rPr>
+              <a:t> </a:t>
+            </a:r>
+            <a:r>
+              <a:rPr lang="en-US" dirty="0">
+                <a:solidFill>
+                  <a:srgbClr val="FF0000"/>
+                </a:solidFill>
+                <a:latin typeface="Courier New" panose="02070309020205020404" pitchFamily="49" charset="0"/>
+              </a:rPr>
+              <a:t>name</a:t>
+            </a:r>
+            <a:r>
+              <a:rPr lang="en-US" dirty="0">
+                <a:solidFill>
+                  <a:srgbClr val="000000"/>
+                </a:solidFill>
+                <a:latin typeface="Courier New" panose="02070309020205020404" pitchFamily="49" charset="0"/>
+              </a:rPr>
+              <a:t>=</a:t>
+            </a:r>
+            <a:r>
+              <a:rPr lang="en-US" b="1" dirty="0">
+                <a:solidFill>
+                  <a:srgbClr val="8000FF"/>
+                </a:solidFill>
+                <a:latin typeface="Courier New" panose="02070309020205020404" pitchFamily="49" charset="0"/>
+              </a:rPr>
+              <a:t>"value"</a:t>
+            </a:r>
+            <a:r>
+              <a:rPr lang="en-US" dirty="0">
+                <a:solidFill>
+                  <a:srgbClr val="000000"/>
+                </a:solidFill>
+                <a:latin typeface="Courier New" panose="02070309020205020404" pitchFamily="49" charset="0"/>
+              </a:rPr>
+              <a:t> </a:t>
+            </a:r>
+            <a:r>
+              <a:rPr lang="en-US" dirty="0">
+                <a:solidFill>
+                  <a:srgbClr val="FF0000"/>
+                </a:solidFill>
+                <a:latin typeface="Courier New" panose="02070309020205020404" pitchFamily="49" charset="0"/>
+              </a:rPr>
+              <a:t>type</a:t>
+            </a:r>
+            <a:r>
+              <a:rPr lang="en-US" dirty="0">
+                <a:solidFill>
+                  <a:srgbClr val="000000"/>
+                </a:solidFill>
+                <a:latin typeface="Courier New" panose="02070309020205020404" pitchFamily="49" charset="0"/>
+              </a:rPr>
+              <a:t>=</a:t>
+            </a:r>
+            <a:r>
+              <a:rPr lang="en-US" b="1" dirty="0">
+                <a:solidFill>
+                  <a:srgbClr val="8000FF"/>
+                </a:solidFill>
+                <a:latin typeface="Courier New" panose="02070309020205020404" pitchFamily="49" charset="0"/>
+              </a:rPr>
+              <a:t>"</a:t>
+            </a:r>
+            <a:r>
+              <a:rPr lang="en-US" b="1" dirty="0" err="1">
+                <a:solidFill>
+                  <a:srgbClr val="8000FF"/>
+                </a:solidFill>
+                <a:latin typeface="Courier New" panose="02070309020205020404" pitchFamily="49" charset="0"/>
+              </a:rPr>
+              <a:t>text_general</a:t>
+            </a:r>
+            <a:r>
+              <a:rPr lang="en-US" b="1" dirty="0">
+                <a:solidFill>
+                  <a:srgbClr val="8000FF"/>
+                </a:solidFill>
+                <a:latin typeface="Courier New" panose="02070309020205020404" pitchFamily="49" charset="0"/>
+              </a:rPr>
+              <a:t>"</a:t>
+            </a:r>
+            <a:r>
+              <a:rPr lang="en-US" dirty="0">
+                <a:solidFill>
+                  <a:srgbClr val="000000"/>
+                </a:solidFill>
+                <a:latin typeface="Courier New" panose="02070309020205020404" pitchFamily="49" charset="0"/>
+              </a:rPr>
+              <a:t> </a:t>
+            </a:r>
+            <a:r>
+              <a:rPr lang="en-US" dirty="0">
+                <a:solidFill>
+                  <a:srgbClr val="FF0000"/>
+                </a:solidFill>
+                <a:latin typeface="Courier New" panose="02070309020205020404" pitchFamily="49" charset="0"/>
+              </a:rPr>
+              <a:t>indexed</a:t>
+            </a:r>
+            <a:r>
+              <a:rPr lang="en-US" dirty="0">
+                <a:solidFill>
+                  <a:srgbClr val="000000"/>
+                </a:solidFill>
+                <a:latin typeface="Courier New" panose="02070309020205020404" pitchFamily="49" charset="0"/>
+              </a:rPr>
+              <a:t>=</a:t>
+            </a:r>
+            <a:r>
+              <a:rPr lang="en-US" b="1" dirty="0">
+                <a:solidFill>
+                  <a:srgbClr val="8000FF"/>
+                </a:solidFill>
+                <a:latin typeface="Courier New" panose="02070309020205020404" pitchFamily="49" charset="0"/>
+              </a:rPr>
+              <a:t>"true"</a:t>
+            </a:r>
+            <a:r>
+              <a:rPr lang="en-US" dirty="0">
+                <a:solidFill>
+                  <a:srgbClr val="000000"/>
+                </a:solidFill>
+                <a:latin typeface="Courier New" panose="02070309020205020404" pitchFamily="49" charset="0"/>
+              </a:rPr>
+              <a:t> </a:t>
+            </a:r>
+            <a:r>
+              <a:rPr lang="en-US" dirty="0">
+                <a:solidFill>
+                  <a:srgbClr val="FF0000"/>
+                </a:solidFill>
+                <a:latin typeface="Courier New" panose="02070309020205020404" pitchFamily="49" charset="0"/>
+              </a:rPr>
+              <a:t>stored</a:t>
+            </a:r>
+            <a:r>
+              <a:rPr lang="en-US" dirty="0">
+                <a:solidFill>
+                  <a:srgbClr val="000000"/>
+                </a:solidFill>
+                <a:latin typeface="Courier New" panose="02070309020205020404" pitchFamily="49" charset="0"/>
+              </a:rPr>
+              <a:t>=</a:t>
+            </a:r>
+            <a:r>
+              <a:rPr lang="en-US" b="1" dirty="0">
+                <a:solidFill>
+                  <a:srgbClr val="8000FF"/>
+                </a:solidFill>
+                <a:latin typeface="Courier New" panose="02070309020205020404" pitchFamily="49" charset="0"/>
+              </a:rPr>
+              <a:t>"true"</a:t>
+            </a:r>
+            <a:r>
+              <a:rPr lang="en-US" dirty="0">
+                <a:solidFill>
+                  <a:srgbClr val="000000"/>
+                </a:solidFill>
+                <a:latin typeface="Courier New" panose="02070309020205020404" pitchFamily="49" charset="0"/>
+              </a:rPr>
+              <a:t> </a:t>
+            </a:r>
+            <a:r>
+              <a:rPr lang="en-US" dirty="0" err="1">
+                <a:solidFill>
+                  <a:srgbClr val="FF0000"/>
+                </a:solidFill>
+                <a:latin typeface="Courier New" panose="02070309020205020404" pitchFamily="49" charset="0"/>
+              </a:rPr>
+              <a:t>multiValued</a:t>
+            </a:r>
+            <a:r>
+              <a:rPr lang="en-US" dirty="0">
+                <a:solidFill>
+                  <a:srgbClr val="000000"/>
+                </a:solidFill>
+                <a:latin typeface="Courier New" panose="02070309020205020404" pitchFamily="49" charset="0"/>
+              </a:rPr>
+              <a:t>=</a:t>
+            </a:r>
+            <a:r>
+              <a:rPr lang="en-US" b="1" dirty="0">
+                <a:solidFill>
+                  <a:srgbClr val="8000FF"/>
+                </a:solidFill>
+                <a:latin typeface="Courier New" panose="02070309020205020404" pitchFamily="49" charset="0"/>
+              </a:rPr>
+              <a:t>"true"</a:t>
+            </a:r>
+            <a:r>
+              <a:rPr lang="en-US" dirty="0">
+                <a:solidFill>
+                  <a:srgbClr val="0000FF"/>
+                </a:solidFill>
+                <a:latin typeface="Courier New" panose="02070309020205020404" pitchFamily="49" charset="0"/>
+              </a:rPr>
+              <a:t>/&gt;</a:t>
+            </a:r>
+            <a:r>
+              <a:rPr lang="en-US" b="1" dirty="0">
+                <a:solidFill>
+                  <a:srgbClr val="000000"/>
+                </a:solidFill>
+                <a:latin typeface="Courier New" panose="02070309020205020404" pitchFamily="49" charset="0"/>
+              </a:rPr>
+              <a:t> </a:t>
+            </a:r>
+          </a:p>
+          <a:p>
+            <a:r>
+              <a:rPr lang="en-US" dirty="0">
+                <a:solidFill>
+                  <a:srgbClr val="0000FF"/>
+                </a:solidFill>
+                <a:latin typeface="Courier New" panose="02070309020205020404" pitchFamily="49" charset="0"/>
+              </a:rPr>
+              <a:t>&lt;field</a:t>
+            </a:r>
+            <a:r>
+              <a:rPr lang="en-US" dirty="0">
+                <a:solidFill>
+                  <a:srgbClr val="000000"/>
+                </a:solidFill>
+                <a:latin typeface="Courier New" panose="02070309020205020404" pitchFamily="49" charset="0"/>
+              </a:rPr>
+              <a:t> </a:t>
+            </a:r>
+            <a:r>
+              <a:rPr lang="en-US" dirty="0">
+                <a:solidFill>
+                  <a:srgbClr val="FF0000"/>
+                </a:solidFill>
+                <a:latin typeface="Courier New" panose="02070309020205020404" pitchFamily="49" charset="0"/>
+              </a:rPr>
+              <a:t>name</a:t>
+            </a:r>
+            <a:r>
+              <a:rPr lang="en-US" dirty="0">
+                <a:solidFill>
+                  <a:srgbClr val="000000"/>
+                </a:solidFill>
+                <a:latin typeface="Courier New" panose="02070309020205020404" pitchFamily="49" charset="0"/>
+              </a:rPr>
+              <a:t>=</a:t>
+            </a:r>
+            <a:r>
+              <a:rPr lang="en-US" b="1" dirty="0">
+                <a:solidFill>
+                  <a:srgbClr val="8000FF"/>
+                </a:solidFill>
+                <a:latin typeface="Courier New" panose="02070309020205020404" pitchFamily="49" charset="0"/>
+              </a:rPr>
+              <a:t>"dates"</a:t>
+            </a:r>
+            <a:r>
+              <a:rPr lang="en-US" dirty="0">
+                <a:solidFill>
+                  <a:srgbClr val="000000"/>
+                </a:solidFill>
+                <a:latin typeface="Courier New" panose="02070309020205020404" pitchFamily="49" charset="0"/>
+              </a:rPr>
+              <a:t> </a:t>
+            </a:r>
+            <a:r>
+              <a:rPr lang="en-US" dirty="0">
+                <a:solidFill>
+                  <a:srgbClr val="FF0000"/>
+                </a:solidFill>
+                <a:latin typeface="Courier New" panose="02070309020205020404" pitchFamily="49" charset="0"/>
+              </a:rPr>
+              <a:t>type</a:t>
+            </a:r>
+            <a:r>
+              <a:rPr lang="en-US" dirty="0">
+                <a:solidFill>
+                  <a:srgbClr val="000000"/>
+                </a:solidFill>
+                <a:latin typeface="Courier New" panose="02070309020205020404" pitchFamily="49" charset="0"/>
+              </a:rPr>
+              <a:t>=</a:t>
+            </a:r>
+            <a:r>
+              <a:rPr lang="en-US" b="1" dirty="0">
+                <a:solidFill>
+                  <a:srgbClr val="8000FF"/>
+                </a:solidFill>
+                <a:latin typeface="Courier New" panose="02070309020205020404" pitchFamily="49" charset="0"/>
+              </a:rPr>
+              <a:t>"date"</a:t>
+            </a:r>
+            <a:r>
+              <a:rPr lang="en-US" dirty="0">
+                <a:solidFill>
+                  <a:srgbClr val="000000"/>
+                </a:solidFill>
+                <a:latin typeface="Courier New" panose="02070309020205020404" pitchFamily="49" charset="0"/>
+              </a:rPr>
+              <a:t> </a:t>
+            </a:r>
+            <a:r>
+              <a:rPr lang="en-US" dirty="0">
+                <a:solidFill>
+                  <a:srgbClr val="FF0000"/>
+                </a:solidFill>
+                <a:latin typeface="Courier New" panose="02070309020205020404" pitchFamily="49" charset="0"/>
+              </a:rPr>
+              <a:t>indexed</a:t>
+            </a:r>
+            <a:r>
+              <a:rPr lang="en-US" dirty="0">
+                <a:solidFill>
+                  <a:srgbClr val="000000"/>
+                </a:solidFill>
+                <a:latin typeface="Courier New" panose="02070309020205020404" pitchFamily="49" charset="0"/>
+              </a:rPr>
+              <a:t>=</a:t>
+            </a:r>
+            <a:r>
+              <a:rPr lang="en-US" b="1" dirty="0">
+                <a:solidFill>
+                  <a:srgbClr val="8000FF"/>
+                </a:solidFill>
+                <a:latin typeface="Courier New" panose="02070309020205020404" pitchFamily="49" charset="0"/>
+              </a:rPr>
+              <a:t>"true"</a:t>
+            </a:r>
+            <a:r>
+              <a:rPr lang="en-US" dirty="0">
+                <a:solidFill>
+                  <a:srgbClr val="000000"/>
+                </a:solidFill>
+                <a:latin typeface="Courier New" panose="02070309020205020404" pitchFamily="49" charset="0"/>
+              </a:rPr>
+              <a:t> </a:t>
+            </a:r>
+            <a:r>
+              <a:rPr lang="en-US" dirty="0">
+                <a:solidFill>
+                  <a:srgbClr val="FF0000"/>
+                </a:solidFill>
+                <a:latin typeface="Courier New" panose="02070309020205020404" pitchFamily="49" charset="0"/>
+              </a:rPr>
+              <a:t>stored</a:t>
+            </a:r>
+            <a:r>
+              <a:rPr lang="en-US" dirty="0">
+                <a:solidFill>
+                  <a:srgbClr val="000000"/>
+                </a:solidFill>
+                <a:latin typeface="Courier New" panose="02070309020205020404" pitchFamily="49" charset="0"/>
+              </a:rPr>
+              <a:t>=</a:t>
+            </a:r>
+            <a:r>
+              <a:rPr lang="en-US" b="1" dirty="0">
+                <a:solidFill>
+                  <a:srgbClr val="8000FF"/>
+                </a:solidFill>
+                <a:latin typeface="Courier New" panose="02070309020205020404" pitchFamily="49" charset="0"/>
+              </a:rPr>
+              <a:t>"true"</a:t>
+            </a:r>
+            <a:r>
+              <a:rPr lang="en-US" dirty="0">
+                <a:solidFill>
+                  <a:srgbClr val="000000"/>
+                </a:solidFill>
+                <a:latin typeface="Courier New" panose="02070309020205020404" pitchFamily="49" charset="0"/>
+              </a:rPr>
+              <a:t> </a:t>
+            </a:r>
+            <a:r>
+              <a:rPr lang="en-US" dirty="0" err="1">
+                <a:solidFill>
+                  <a:srgbClr val="FF0000"/>
+                </a:solidFill>
+                <a:latin typeface="Courier New" panose="02070309020205020404" pitchFamily="49" charset="0"/>
+              </a:rPr>
+              <a:t>multiValued</a:t>
+            </a:r>
+            <a:r>
+              <a:rPr lang="en-US" dirty="0">
+                <a:solidFill>
+                  <a:srgbClr val="000000"/>
+                </a:solidFill>
+                <a:latin typeface="Courier New" panose="02070309020205020404" pitchFamily="49" charset="0"/>
+              </a:rPr>
+              <a:t>=</a:t>
+            </a:r>
+            <a:r>
+              <a:rPr lang="en-US" b="1" dirty="0">
+                <a:solidFill>
+                  <a:srgbClr val="8000FF"/>
+                </a:solidFill>
+                <a:latin typeface="Courier New" panose="02070309020205020404" pitchFamily="49" charset="0"/>
+              </a:rPr>
+              <a:t>"true"</a:t>
+            </a:r>
+            <a:r>
+              <a:rPr lang="en-US" dirty="0">
+                <a:solidFill>
+                  <a:srgbClr val="0000FF"/>
+                </a:solidFill>
+                <a:latin typeface="Courier New" panose="02070309020205020404" pitchFamily="49" charset="0"/>
+              </a:rPr>
+              <a:t>/&gt;</a:t>
+            </a:r>
+            <a:r>
+              <a:rPr lang="en-US" b="1" dirty="0">
+                <a:solidFill>
+                  <a:srgbClr val="000000"/>
+                </a:solidFill>
+                <a:latin typeface="Courier New" panose="02070309020205020404" pitchFamily="49" charset="0"/>
+              </a:rPr>
+              <a:t> </a:t>
+            </a:r>
+          </a:p>
+          <a:p>
+            <a:r>
+              <a:rPr lang="en-US" dirty="0">
+                <a:solidFill>
+                  <a:srgbClr val="0000FF"/>
+                </a:solidFill>
+                <a:latin typeface="Courier New" panose="02070309020205020404" pitchFamily="49" charset="0"/>
+              </a:rPr>
+              <a:t>&lt;field</a:t>
+            </a:r>
+            <a:r>
+              <a:rPr lang="en-US" dirty="0">
+                <a:solidFill>
+                  <a:srgbClr val="000000"/>
+                </a:solidFill>
+                <a:latin typeface="Courier New" panose="02070309020205020404" pitchFamily="49" charset="0"/>
+              </a:rPr>
+              <a:t> </a:t>
+            </a:r>
+            <a:r>
+              <a:rPr lang="en-US" dirty="0">
+                <a:solidFill>
+                  <a:srgbClr val="FF0000"/>
+                </a:solidFill>
+                <a:latin typeface="Courier New" panose="02070309020205020404" pitchFamily="49" charset="0"/>
+              </a:rPr>
+              <a:t>name</a:t>
+            </a:r>
+            <a:r>
+              <a:rPr lang="en-US" dirty="0">
+                <a:solidFill>
+                  <a:srgbClr val="000000"/>
+                </a:solidFill>
+                <a:latin typeface="Courier New" panose="02070309020205020404" pitchFamily="49" charset="0"/>
+              </a:rPr>
+              <a:t>=</a:t>
+            </a:r>
+            <a:r>
+              <a:rPr lang="en-US" b="1" dirty="0">
+                <a:solidFill>
+                  <a:srgbClr val="8000FF"/>
+                </a:solidFill>
+                <a:latin typeface="Courier New" panose="02070309020205020404" pitchFamily="49" charset="0"/>
+              </a:rPr>
+              <a:t>"</a:t>
+            </a:r>
+            <a:r>
+              <a:rPr lang="en-US" b="1" dirty="0" err="1">
+                <a:solidFill>
+                  <a:srgbClr val="8000FF"/>
+                </a:solidFill>
+                <a:latin typeface="Courier New" panose="02070309020205020404" pitchFamily="49" charset="0"/>
+              </a:rPr>
+              <a:t>first_name</a:t>
+            </a:r>
+            <a:r>
+              <a:rPr lang="en-US" b="1" dirty="0">
+                <a:solidFill>
+                  <a:srgbClr val="8000FF"/>
+                </a:solidFill>
+                <a:latin typeface="Courier New" panose="02070309020205020404" pitchFamily="49" charset="0"/>
+              </a:rPr>
+              <a:t>"</a:t>
+            </a:r>
+            <a:r>
+              <a:rPr lang="en-US" dirty="0">
+                <a:solidFill>
+                  <a:srgbClr val="000000"/>
+                </a:solidFill>
+                <a:latin typeface="Courier New" panose="02070309020205020404" pitchFamily="49" charset="0"/>
+              </a:rPr>
+              <a:t> </a:t>
+            </a:r>
+            <a:r>
+              <a:rPr lang="en-US" dirty="0">
+                <a:solidFill>
+                  <a:srgbClr val="FF0000"/>
+                </a:solidFill>
+                <a:latin typeface="Courier New" panose="02070309020205020404" pitchFamily="49" charset="0"/>
+              </a:rPr>
+              <a:t>type</a:t>
+            </a:r>
+            <a:r>
+              <a:rPr lang="en-US" dirty="0">
+                <a:solidFill>
+                  <a:srgbClr val="000000"/>
+                </a:solidFill>
+                <a:latin typeface="Courier New" panose="02070309020205020404" pitchFamily="49" charset="0"/>
+              </a:rPr>
+              <a:t>=</a:t>
+            </a:r>
+            <a:r>
+              <a:rPr lang="en-US" b="1" dirty="0">
+                <a:solidFill>
+                  <a:srgbClr val="8000FF"/>
+                </a:solidFill>
+                <a:latin typeface="Courier New" panose="02070309020205020404" pitchFamily="49" charset="0"/>
+              </a:rPr>
+              <a:t>"string"</a:t>
+            </a:r>
+            <a:r>
+              <a:rPr lang="en-US" dirty="0">
+                <a:solidFill>
+                  <a:srgbClr val="000000"/>
+                </a:solidFill>
+                <a:latin typeface="Courier New" panose="02070309020205020404" pitchFamily="49" charset="0"/>
+              </a:rPr>
+              <a:t> </a:t>
+            </a:r>
+            <a:r>
+              <a:rPr lang="en-US" dirty="0">
+                <a:solidFill>
+                  <a:srgbClr val="FF0000"/>
+                </a:solidFill>
+                <a:latin typeface="Courier New" panose="02070309020205020404" pitchFamily="49" charset="0"/>
+              </a:rPr>
+              <a:t>indexed</a:t>
+            </a:r>
+            <a:r>
+              <a:rPr lang="en-US" dirty="0">
+                <a:solidFill>
+                  <a:srgbClr val="000000"/>
+                </a:solidFill>
+                <a:latin typeface="Courier New" panose="02070309020205020404" pitchFamily="49" charset="0"/>
+              </a:rPr>
+              <a:t>=</a:t>
+            </a:r>
+            <a:r>
+              <a:rPr lang="en-US" b="1" dirty="0">
+                <a:solidFill>
+                  <a:srgbClr val="8000FF"/>
+                </a:solidFill>
+                <a:latin typeface="Courier New" panose="02070309020205020404" pitchFamily="49" charset="0"/>
+              </a:rPr>
+              <a:t>"false"</a:t>
+            </a:r>
+            <a:r>
+              <a:rPr lang="en-US" dirty="0">
+                <a:solidFill>
+                  <a:srgbClr val="000000"/>
+                </a:solidFill>
+                <a:latin typeface="Courier New" panose="02070309020205020404" pitchFamily="49" charset="0"/>
+              </a:rPr>
+              <a:t> </a:t>
+            </a:r>
+            <a:r>
+              <a:rPr lang="en-US" dirty="0">
+                <a:solidFill>
+                  <a:srgbClr val="FF0000"/>
+                </a:solidFill>
+                <a:latin typeface="Courier New" panose="02070309020205020404" pitchFamily="49" charset="0"/>
+              </a:rPr>
+              <a:t>stored</a:t>
+            </a:r>
+            <a:r>
+              <a:rPr lang="en-US" dirty="0">
+                <a:solidFill>
+                  <a:srgbClr val="000000"/>
+                </a:solidFill>
+                <a:latin typeface="Courier New" panose="02070309020205020404" pitchFamily="49" charset="0"/>
+              </a:rPr>
+              <a:t>=</a:t>
+            </a:r>
+            <a:r>
+              <a:rPr lang="en-US" b="1" dirty="0">
+                <a:solidFill>
+                  <a:srgbClr val="8000FF"/>
+                </a:solidFill>
+                <a:latin typeface="Courier New" panose="02070309020205020404" pitchFamily="49" charset="0"/>
+              </a:rPr>
+              <a:t>"true"</a:t>
+            </a:r>
+            <a:r>
+              <a:rPr lang="en-US" dirty="0">
+                <a:solidFill>
+                  <a:srgbClr val="0000FF"/>
+                </a:solidFill>
+                <a:latin typeface="Courier New" panose="02070309020205020404" pitchFamily="49" charset="0"/>
+              </a:rPr>
+              <a:t>/&gt;</a:t>
+            </a:r>
+            <a:r>
+              <a:rPr lang="en-US" b="1" dirty="0">
+                <a:solidFill>
+                  <a:srgbClr val="000000"/>
+                </a:solidFill>
+                <a:latin typeface="Courier New" panose="02070309020205020404" pitchFamily="49" charset="0"/>
+              </a:rPr>
+              <a:t> </a:t>
+            </a:r>
+          </a:p>
+          <a:p>
+            <a:r>
+              <a:rPr lang="en-US" dirty="0">
+                <a:solidFill>
+                  <a:srgbClr val="0000FF"/>
+                </a:solidFill>
+                <a:latin typeface="Courier New" panose="02070309020205020404" pitchFamily="49" charset="0"/>
+              </a:rPr>
+              <a:t>&lt;field</a:t>
+            </a:r>
+            <a:r>
+              <a:rPr lang="en-US" dirty="0">
+                <a:solidFill>
+                  <a:srgbClr val="000000"/>
+                </a:solidFill>
+                <a:latin typeface="Courier New" panose="02070309020205020404" pitchFamily="49" charset="0"/>
+              </a:rPr>
+              <a:t> </a:t>
+            </a:r>
+            <a:r>
+              <a:rPr lang="en-US" dirty="0">
+                <a:solidFill>
+                  <a:srgbClr val="FF0000"/>
+                </a:solidFill>
+                <a:latin typeface="Courier New" panose="02070309020205020404" pitchFamily="49" charset="0"/>
+              </a:rPr>
+              <a:t>name</a:t>
+            </a:r>
+            <a:r>
+              <a:rPr lang="en-US" dirty="0">
+                <a:solidFill>
+                  <a:srgbClr val="000000"/>
+                </a:solidFill>
+                <a:latin typeface="Courier New" panose="02070309020205020404" pitchFamily="49" charset="0"/>
+              </a:rPr>
+              <a:t>=</a:t>
+            </a:r>
+            <a:r>
+              <a:rPr lang="en-US" b="1" dirty="0">
+                <a:solidFill>
+                  <a:srgbClr val="8000FF"/>
+                </a:solidFill>
+                <a:latin typeface="Courier New" panose="02070309020205020404" pitchFamily="49" charset="0"/>
+              </a:rPr>
+              <a:t>"</a:t>
+            </a:r>
+            <a:r>
+              <a:rPr lang="en-US" b="1" dirty="0" err="1">
+                <a:solidFill>
+                  <a:srgbClr val="8000FF"/>
+                </a:solidFill>
+                <a:latin typeface="Courier New" panose="02070309020205020404" pitchFamily="49" charset="0"/>
+              </a:rPr>
+              <a:t>last_name</a:t>
+            </a:r>
+            <a:r>
+              <a:rPr lang="en-US" b="1" dirty="0">
+                <a:solidFill>
+                  <a:srgbClr val="8000FF"/>
+                </a:solidFill>
+                <a:latin typeface="Courier New" panose="02070309020205020404" pitchFamily="49" charset="0"/>
+              </a:rPr>
+              <a:t>"</a:t>
+            </a:r>
+            <a:r>
+              <a:rPr lang="en-US" dirty="0">
+                <a:solidFill>
+                  <a:srgbClr val="000000"/>
+                </a:solidFill>
+                <a:latin typeface="Courier New" panose="02070309020205020404" pitchFamily="49" charset="0"/>
+              </a:rPr>
+              <a:t> </a:t>
+            </a:r>
+            <a:r>
+              <a:rPr lang="en-US" dirty="0">
+                <a:solidFill>
+                  <a:srgbClr val="FF0000"/>
+                </a:solidFill>
+                <a:latin typeface="Courier New" panose="02070309020205020404" pitchFamily="49" charset="0"/>
+              </a:rPr>
+              <a:t>type</a:t>
+            </a:r>
+            <a:r>
+              <a:rPr lang="en-US" dirty="0">
+                <a:solidFill>
+                  <a:srgbClr val="000000"/>
+                </a:solidFill>
+                <a:latin typeface="Courier New" panose="02070309020205020404" pitchFamily="49" charset="0"/>
+              </a:rPr>
+              <a:t>=</a:t>
+            </a:r>
+            <a:r>
+              <a:rPr lang="en-US" b="1" dirty="0">
+                <a:solidFill>
+                  <a:srgbClr val="8000FF"/>
+                </a:solidFill>
+                <a:latin typeface="Courier New" panose="02070309020205020404" pitchFamily="49" charset="0"/>
+              </a:rPr>
+              <a:t>"string"</a:t>
+            </a:r>
+            <a:r>
+              <a:rPr lang="en-US" dirty="0">
+                <a:solidFill>
+                  <a:srgbClr val="000000"/>
+                </a:solidFill>
+                <a:latin typeface="Courier New" panose="02070309020205020404" pitchFamily="49" charset="0"/>
+              </a:rPr>
+              <a:t> </a:t>
+            </a:r>
+            <a:r>
+              <a:rPr lang="en-US" dirty="0">
+                <a:solidFill>
+                  <a:srgbClr val="FF0000"/>
+                </a:solidFill>
+                <a:latin typeface="Courier New" panose="02070309020205020404" pitchFamily="49" charset="0"/>
+              </a:rPr>
+              <a:t>indexed</a:t>
+            </a:r>
+            <a:r>
+              <a:rPr lang="en-US" dirty="0">
+                <a:solidFill>
+                  <a:srgbClr val="000000"/>
+                </a:solidFill>
+                <a:latin typeface="Courier New" panose="02070309020205020404" pitchFamily="49" charset="0"/>
+              </a:rPr>
+              <a:t>=</a:t>
+            </a:r>
+            <a:r>
+              <a:rPr lang="en-US" b="1" dirty="0">
+                <a:solidFill>
+                  <a:srgbClr val="8000FF"/>
+                </a:solidFill>
+                <a:latin typeface="Courier New" panose="02070309020205020404" pitchFamily="49" charset="0"/>
+              </a:rPr>
+              <a:t>"false"</a:t>
+            </a:r>
+            <a:r>
+              <a:rPr lang="en-US" dirty="0">
+                <a:solidFill>
+                  <a:srgbClr val="000000"/>
+                </a:solidFill>
+                <a:latin typeface="Courier New" panose="02070309020205020404" pitchFamily="49" charset="0"/>
+              </a:rPr>
+              <a:t> </a:t>
+            </a:r>
+            <a:r>
+              <a:rPr lang="en-US" dirty="0">
+                <a:solidFill>
+                  <a:srgbClr val="FF0000"/>
+                </a:solidFill>
+                <a:latin typeface="Courier New" panose="02070309020205020404" pitchFamily="49" charset="0"/>
+              </a:rPr>
+              <a:t>stored</a:t>
+            </a:r>
+            <a:r>
+              <a:rPr lang="en-US" dirty="0">
+                <a:solidFill>
+                  <a:srgbClr val="000000"/>
+                </a:solidFill>
+                <a:latin typeface="Courier New" panose="02070309020205020404" pitchFamily="49" charset="0"/>
+              </a:rPr>
+              <a:t>=</a:t>
+            </a:r>
+            <a:r>
+              <a:rPr lang="en-US" b="1" dirty="0">
+                <a:solidFill>
+                  <a:srgbClr val="8000FF"/>
+                </a:solidFill>
+                <a:latin typeface="Courier New" panose="02070309020205020404" pitchFamily="49" charset="0"/>
+              </a:rPr>
+              <a:t>"true"</a:t>
+            </a:r>
+            <a:r>
+              <a:rPr lang="en-US" dirty="0">
+                <a:solidFill>
+                  <a:srgbClr val="0000FF"/>
+                </a:solidFill>
+                <a:latin typeface="Courier New" panose="02070309020205020404" pitchFamily="49" charset="0"/>
+              </a:rPr>
+              <a:t>/&gt;</a:t>
+            </a:r>
+            <a:r>
+              <a:rPr lang="en-US" b="1" dirty="0">
+                <a:solidFill>
+                  <a:srgbClr val="000000"/>
+                </a:solidFill>
+                <a:latin typeface="Courier New" panose="02070309020205020404" pitchFamily="49" charset="0"/>
+              </a:rPr>
+              <a:t> </a:t>
+            </a:r>
+          </a:p>
+          <a:p>
+            <a:r>
+              <a:rPr lang="en-US" dirty="0">
+                <a:solidFill>
+                  <a:srgbClr val="0000FF"/>
+                </a:solidFill>
+                <a:latin typeface="Courier New" panose="02070309020205020404" pitchFamily="49" charset="0"/>
+              </a:rPr>
+              <a:t>&lt;field</a:t>
+            </a:r>
+            <a:r>
+              <a:rPr lang="en-US" dirty="0">
+                <a:solidFill>
+                  <a:srgbClr val="000000"/>
+                </a:solidFill>
+                <a:latin typeface="Courier New" panose="02070309020205020404" pitchFamily="49" charset="0"/>
+              </a:rPr>
+              <a:t> </a:t>
+            </a:r>
+            <a:r>
+              <a:rPr lang="en-US" dirty="0">
+                <a:solidFill>
+                  <a:srgbClr val="FF0000"/>
+                </a:solidFill>
+                <a:latin typeface="Courier New" panose="02070309020205020404" pitchFamily="49" charset="0"/>
+              </a:rPr>
+              <a:t>name</a:t>
+            </a:r>
+            <a:r>
+              <a:rPr lang="en-US" dirty="0">
+                <a:solidFill>
+                  <a:srgbClr val="000000"/>
+                </a:solidFill>
+                <a:latin typeface="Courier New" panose="02070309020205020404" pitchFamily="49" charset="0"/>
+              </a:rPr>
+              <a:t>=</a:t>
+            </a:r>
+            <a:r>
+              <a:rPr lang="en-US" b="1" dirty="0">
+                <a:solidFill>
+                  <a:srgbClr val="8000FF"/>
+                </a:solidFill>
+                <a:latin typeface="Courier New" panose="02070309020205020404" pitchFamily="49" charset="0"/>
+              </a:rPr>
+              <a:t>"</a:t>
+            </a:r>
+            <a:r>
+              <a:rPr lang="en-US" b="1" dirty="0" err="1">
+                <a:solidFill>
+                  <a:srgbClr val="8000FF"/>
+                </a:solidFill>
+                <a:latin typeface="Courier New" panose="02070309020205020404" pitchFamily="49" charset="0"/>
+              </a:rPr>
+              <a:t>dob</a:t>
+            </a:r>
+            <a:r>
+              <a:rPr lang="en-US" b="1" dirty="0">
+                <a:solidFill>
+                  <a:srgbClr val="8000FF"/>
+                </a:solidFill>
+                <a:latin typeface="Courier New" panose="02070309020205020404" pitchFamily="49" charset="0"/>
+              </a:rPr>
+              <a:t>"</a:t>
+            </a:r>
+            <a:r>
+              <a:rPr lang="en-US" dirty="0">
+                <a:solidFill>
+                  <a:srgbClr val="000000"/>
+                </a:solidFill>
+                <a:latin typeface="Courier New" panose="02070309020205020404" pitchFamily="49" charset="0"/>
+              </a:rPr>
+              <a:t> </a:t>
+            </a:r>
+            <a:r>
+              <a:rPr lang="en-US" dirty="0">
+                <a:solidFill>
+                  <a:srgbClr val="FF0000"/>
+                </a:solidFill>
+                <a:latin typeface="Courier New" panose="02070309020205020404" pitchFamily="49" charset="0"/>
+              </a:rPr>
+              <a:t>type</a:t>
+            </a:r>
+            <a:r>
+              <a:rPr lang="en-US" dirty="0">
+                <a:solidFill>
+                  <a:srgbClr val="000000"/>
+                </a:solidFill>
+                <a:latin typeface="Courier New" panose="02070309020205020404" pitchFamily="49" charset="0"/>
+              </a:rPr>
+              <a:t>=</a:t>
+            </a:r>
+            <a:r>
+              <a:rPr lang="en-US" b="1" dirty="0">
+                <a:solidFill>
+                  <a:srgbClr val="8000FF"/>
+                </a:solidFill>
+                <a:latin typeface="Courier New" panose="02070309020205020404" pitchFamily="49" charset="0"/>
+              </a:rPr>
+              <a:t>"date"</a:t>
+            </a:r>
+            <a:r>
+              <a:rPr lang="en-US" dirty="0">
+                <a:solidFill>
+                  <a:srgbClr val="000000"/>
+                </a:solidFill>
+                <a:latin typeface="Courier New" panose="02070309020205020404" pitchFamily="49" charset="0"/>
+              </a:rPr>
+              <a:t> </a:t>
+            </a:r>
+            <a:r>
+              <a:rPr lang="en-US" dirty="0">
+                <a:solidFill>
+                  <a:srgbClr val="FF0000"/>
+                </a:solidFill>
+                <a:latin typeface="Courier New" panose="02070309020205020404" pitchFamily="49" charset="0"/>
+              </a:rPr>
+              <a:t>indexed</a:t>
+            </a:r>
+            <a:r>
+              <a:rPr lang="en-US" dirty="0">
+                <a:solidFill>
+                  <a:srgbClr val="000000"/>
+                </a:solidFill>
+                <a:latin typeface="Courier New" panose="02070309020205020404" pitchFamily="49" charset="0"/>
+              </a:rPr>
+              <a:t>=</a:t>
+            </a:r>
+            <a:r>
+              <a:rPr lang="en-US" b="1" dirty="0">
+                <a:solidFill>
+                  <a:srgbClr val="8000FF"/>
+                </a:solidFill>
+                <a:latin typeface="Courier New" panose="02070309020205020404" pitchFamily="49" charset="0"/>
+              </a:rPr>
+              <a:t>"false"</a:t>
+            </a:r>
+            <a:r>
+              <a:rPr lang="en-US" dirty="0">
+                <a:solidFill>
+                  <a:srgbClr val="000000"/>
+                </a:solidFill>
+                <a:latin typeface="Courier New" panose="02070309020205020404" pitchFamily="49" charset="0"/>
+              </a:rPr>
+              <a:t> </a:t>
+            </a:r>
+            <a:r>
+              <a:rPr lang="en-US" dirty="0">
+                <a:solidFill>
+                  <a:srgbClr val="FF0000"/>
+                </a:solidFill>
+                <a:latin typeface="Courier New" panose="02070309020205020404" pitchFamily="49" charset="0"/>
+              </a:rPr>
+              <a:t>stored</a:t>
+            </a:r>
+            <a:r>
+              <a:rPr lang="en-US" dirty="0">
+                <a:solidFill>
+                  <a:srgbClr val="000000"/>
+                </a:solidFill>
+                <a:latin typeface="Courier New" panose="02070309020205020404" pitchFamily="49" charset="0"/>
+              </a:rPr>
+              <a:t>=</a:t>
+            </a:r>
+            <a:r>
+              <a:rPr lang="en-US" b="1" dirty="0">
+                <a:solidFill>
+                  <a:srgbClr val="8000FF"/>
+                </a:solidFill>
+                <a:latin typeface="Courier New" panose="02070309020205020404" pitchFamily="49" charset="0"/>
+              </a:rPr>
+              <a:t>"true"</a:t>
+            </a:r>
+            <a:r>
+              <a:rPr lang="en-US" dirty="0">
+                <a:solidFill>
+                  <a:srgbClr val="0000FF"/>
+                </a:solidFill>
+                <a:latin typeface="Courier New" panose="02070309020205020404" pitchFamily="49" charset="0"/>
+              </a:rPr>
+              <a:t>/&gt;</a:t>
+            </a:r>
+            <a:r>
+              <a:rPr lang="en-US" b="1" dirty="0">
+                <a:solidFill>
+                  <a:srgbClr val="000000"/>
+                </a:solidFill>
+                <a:latin typeface="Courier New" panose="02070309020205020404" pitchFamily="49" charset="0"/>
+              </a:rPr>
+              <a:t> </a:t>
+            </a:r>
+          </a:p>
+          <a:p>
+            <a:r>
+              <a:rPr lang="en-US" dirty="0">
+                <a:solidFill>
+                  <a:srgbClr val="0000FF"/>
+                </a:solidFill>
+                <a:latin typeface="Courier New" panose="02070309020205020404" pitchFamily="49" charset="0"/>
+              </a:rPr>
+              <a:t>&lt;field</a:t>
+            </a:r>
+            <a:r>
+              <a:rPr lang="en-US" dirty="0">
+                <a:solidFill>
+                  <a:srgbClr val="000000"/>
+                </a:solidFill>
+                <a:latin typeface="Courier New" panose="02070309020205020404" pitchFamily="49" charset="0"/>
+              </a:rPr>
+              <a:t> </a:t>
+            </a:r>
+            <a:r>
+              <a:rPr lang="en-US" dirty="0">
+                <a:solidFill>
+                  <a:srgbClr val="FF0000"/>
+                </a:solidFill>
+                <a:latin typeface="Courier New" panose="02070309020205020404" pitchFamily="49" charset="0"/>
+              </a:rPr>
+              <a:t>name</a:t>
+            </a:r>
+            <a:r>
+              <a:rPr lang="en-US" dirty="0">
+                <a:solidFill>
+                  <a:srgbClr val="000000"/>
+                </a:solidFill>
+                <a:latin typeface="Courier New" panose="02070309020205020404" pitchFamily="49" charset="0"/>
+              </a:rPr>
+              <a:t>=</a:t>
+            </a:r>
+            <a:r>
+              <a:rPr lang="en-US" b="1" dirty="0">
+                <a:solidFill>
+                  <a:srgbClr val="8000FF"/>
+                </a:solidFill>
+                <a:latin typeface="Courier New" panose="02070309020205020404" pitchFamily="49" charset="0"/>
+              </a:rPr>
+              <a:t>"</a:t>
+            </a:r>
+            <a:r>
+              <a:rPr lang="en-US" b="1" dirty="0" err="1">
+                <a:solidFill>
+                  <a:srgbClr val="8000FF"/>
+                </a:solidFill>
+                <a:latin typeface="Courier New" panose="02070309020205020404" pitchFamily="49" charset="0"/>
+              </a:rPr>
+              <a:t>elemento_id</a:t>
+            </a:r>
+            <a:r>
+              <a:rPr lang="en-US" b="1" dirty="0">
+                <a:solidFill>
+                  <a:srgbClr val="8000FF"/>
+                </a:solidFill>
+                <a:latin typeface="Courier New" panose="02070309020205020404" pitchFamily="49" charset="0"/>
+              </a:rPr>
+              <a:t>"</a:t>
+            </a:r>
+            <a:r>
+              <a:rPr lang="en-US" dirty="0">
+                <a:solidFill>
+                  <a:srgbClr val="000000"/>
+                </a:solidFill>
+                <a:latin typeface="Courier New" panose="02070309020205020404" pitchFamily="49" charset="0"/>
+              </a:rPr>
+              <a:t> </a:t>
+            </a:r>
+            <a:r>
+              <a:rPr lang="en-US" dirty="0">
+                <a:solidFill>
+                  <a:srgbClr val="FF0000"/>
+                </a:solidFill>
+                <a:latin typeface="Courier New" panose="02070309020205020404" pitchFamily="49" charset="0"/>
+              </a:rPr>
+              <a:t>type</a:t>
+            </a:r>
+            <a:r>
+              <a:rPr lang="en-US" dirty="0">
+                <a:solidFill>
+                  <a:srgbClr val="000000"/>
+                </a:solidFill>
+                <a:latin typeface="Courier New" panose="02070309020205020404" pitchFamily="49" charset="0"/>
+              </a:rPr>
+              <a:t>=</a:t>
+            </a:r>
+            <a:r>
+              <a:rPr lang="en-US" b="1" dirty="0">
+                <a:solidFill>
+                  <a:srgbClr val="8000FF"/>
+                </a:solidFill>
+                <a:latin typeface="Courier New" panose="02070309020205020404" pitchFamily="49" charset="0"/>
+              </a:rPr>
+              <a:t>"</a:t>
+            </a:r>
+            <a:r>
+              <a:rPr lang="en-US" b="1" dirty="0" err="1">
+                <a:solidFill>
+                  <a:srgbClr val="8000FF"/>
+                </a:solidFill>
+                <a:latin typeface="Courier New" panose="02070309020205020404" pitchFamily="49" charset="0"/>
+              </a:rPr>
+              <a:t>int</a:t>
+            </a:r>
+            <a:r>
+              <a:rPr lang="en-US" b="1" dirty="0">
+                <a:solidFill>
+                  <a:srgbClr val="8000FF"/>
+                </a:solidFill>
+                <a:latin typeface="Courier New" panose="02070309020205020404" pitchFamily="49" charset="0"/>
+              </a:rPr>
+              <a:t>"</a:t>
+            </a:r>
+            <a:r>
+              <a:rPr lang="en-US" dirty="0">
+                <a:solidFill>
+                  <a:srgbClr val="000000"/>
+                </a:solidFill>
+                <a:latin typeface="Courier New" panose="02070309020205020404" pitchFamily="49" charset="0"/>
+              </a:rPr>
+              <a:t> </a:t>
+            </a:r>
+            <a:r>
+              <a:rPr lang="en-US" dirty="0">
+                <a:solidFill>
+                  <a:srgbClr val="FF0000"/>
+                </a:solidFill>
+                <a:latin typeface="Courier New" panose="02070309020205020404" pitchFamily="49" charset="0"/>
+              </a:rPr>
+              <a:t>indexed</a:t>
+            </a:r>
+            <a:r>
+              <a:rPr lang="en-US" dirty="0">
+                <a:solidFill>
+                  <a:srgbClr val="000000"/>
+                </a:solidFill>
+                <a:latin typeface="Courier New" panose="02070309020205020404" pitchFamily="49" charset="0"/>
+              </a:rPr>
+              <a:t>=</a:t>
+            </a:r>
+            <a:r>
+              <a:rPr lang="en-US" b="1" dirty="0">
+                <a:solidFill>
+                  <a:srgbClr val="8000FF"/>
+                </a:solidFill>
+                <a:latin typeface="Courier New" panose="02070309020205020404" pitchFamily="49" charset="0"/>
+              </a:rPr>
+              <a:t>"false"</a:t>
+            </a:r>
+            <a:r>
+              <a:rPr lang="en-US" dirty="0">
+                <a:solidFill>
+                  <a:srgbClr val="000000"/>
+                </a:solidFill>
+                <a:latin typeface="Courier New" panose="02070309020205020404" pitchFamily="49" charset="0"/>
+              </a:rPr>
+              <a:t> </a:t>
+            </a:r>
+            <a:r>
+              <a:rPr lang="en-US" dirty="0">
+                <a:solidFill>
+                  <a:srgbClr val="FF0000"/>
+                </a:solidFill>
+                <a:latin typeface="Courier New" panose="02070309020205020404" pitchFamily="49" charset="0"/>
+              </a:rPr>
+              <a:t>stored</a:t>
+            </a:r>
+            <a:r>
+              <a:rPr lang="en-US" dirty="0">
+                <a:solidFill>
+                  <a:srgbClr val="000000"/>
+                </a:solidFill>
+                <a:latin typeface="Courier New" panose="02070309020205020404" pitchFamily="49" charset="0"/>
+              </a:rPr>
+              <a:t>=</a:t>
+            </a:r>
+            <a:r>
+              <a:rPr lang="en-US" b="1" dirty="0">
+                <a:solidFill>
+                  <a:srgbClr val="8000FF"/>
+                </a:solidFill>
+                <a:latin typeface="Courier New" panose="02070309020205020404" pitchFamily="49" charset="0"/>
+              </a:rPr>
+              <a:t>"true"</a:t>
+            </a:r>
+            <a:r>
+              <a:rPr lang="en-US" dirty="0">
+                <a:solidFill>
+                  <a:srgbClr val="000000"/>
+                </a:solidFill>
+                <a:latin typeface="Courier New" panose="02070309020205020404" pitchFamily="49" charset="0"/>
+              </a:rPr>
+              <a:t> </a:t>
+            </a:r>
+            <a:r>
+              <a:rPr lang="en-US" dirty="0">
+                <a:solidFill>
+                  <a:srgbClr val="0000FF"/>
+                </a:solidFill>
+                <a:latin typeface="Courier New" panose="02070309020205020404" pitchFamily="49" charset="0"/>
+              </a:rPr>
+              <a:t>/&gt;</a:t>
+            </a:r>
+            <a:r>
+              <a:rPr lang="en-US" b="1" dirty="0">
+                <a:solidFill>
+                  <a:srgbClr val="000000"/>
+                </a:solidFill>
+                <a:latin typeface="Courier New" panose="02070309020205020404" pitchFamily="49" charset="0"/>
+              </a:rPr>
+              <a:t> </a:t>
+            </a:r>
+          </a:p>
+          <a:p>
+            <a:r>
+              <a:rPr lang="en-US" dirty="0">
+                <a:solidFill>
+                  <a:srgbClr val="0000FF"/>
+                </a:solidFill>
+                <a:latin typeface="Courier New" panose="02070309020205020404" pitchFamily="49" charset="0"/>
+              </a:rPr>
+              <a:t>&lt;field</a:t>
+            </a:r>
+            <a:r>
+              <a:rPr lang="en-US" dirty="0">
+                <a:solidFill>
+                  <a:srgbClr val="000000"/>
+                </a:solidFill>
+                <a:latin typeface="Courier New" panose="02070309020205020404" pitchFamily="49" charset="0"/>
+              </a:rPr>
+              <a:t> </a:t>
+            </a:r>
+            <a:r>
+              <a:rPr lang="en-US" dirty="0">
+                <a:solidFill>
+                  <a:srgbClr val="FF0000"/>
+                </a:solidFill>
+                <a:latin typeface="Courier New" panose="02070309020205020404" pitchFamily="49" charset="0"/>
+              </a:rPr>
+              <a:t>name</a:t>
+            </a:r>
+            <a:r>
+              <a:rPr lang="en-US" dirty="0">
+                <a:solidFill>
+                  <a:srgbClr val="000000"/>
+                </a:solidFill>
+                <a:latin typeface="Courier New" panose="02070309020205020404" pitchFamily="49" charset="0"/>
+              </a:rPr>
+              <a:t>=</a:t>
+            </a:r>
+            <a:r>
+              <a:rPr lang="en-US" b="1" dirty="0">
+                <a:solidFill>
+                  <a:srgbClr val="8000FF"/>
+                </a:solidFill>
+                <a:latin typeface="Courier New" panose="02070309020205020404" pitchFamily="49" charset="0"/>
+              </a:rPr>
+              <a:t>"</a:t>
+            </a:r>
+            <a:r>
+              <a:rPr lang="en-US" b="1" dirty="0" err="1">
+                <a:solidFill>
+                  <a:srgbClr val="8000FF"/>
+                </a:solidFill>
+                <a:latin typeface="Courier New" panose="02070309020205020404" pitchFamily="49" charset="0"/>
+              </a:rPr>
+              <a:t>documento_id</a:t>
+            </a:r>
+            <a:r>
+              <a:rPr lang="en-US" b="1" dirty="0">
+                <a:solidFill>
+                  <a:srgbClr val="8000FF"/>
+                </a:solidFill>
+                <a:latin typeface="Courier New" panose="02070309020205020404" pitchFamily="49" charset="0"/>
+              </a:rPr>
+              <a:t>"</a:t>
+            </a:r>
+            <a:r>
+              <a:rPr lang="en-US" dirty="0">
+                <a:solidFill>
+                  <a:srgbClr val="000000"/>
+                </a:solidFill>
+                <a:latin typeface="Courier New" panose="02070309020205020404" pitchFamily="49" charset="0"/>
+              </a:rPr>
+              <a:t> </a:t>
+            </a:r>
+            <a:r>
+              <a:rPr lang="en-US" dirty="0">
+                <a:solidFill>
+                  <a:srgbClr val="FF0000"/>
+                </a:solidFill>
+                <a:latin typeface="Courier New" panose="02070309020205020404" pitchFamily="49" charset="0"/>
+              </a:rPr>
+              <a:t>type</a:t>
+            </a:r>
+            <a:r>
+              <a:rPr lang="en-US" dirty="0">
+                <a:solidFill>
+                  <a:srgbClr val="000000"/>
+                </a:solidFill>
+                <a:latin typeface="Courier New" panose="02070309020205020404" pitchFamily="49" charset="0"/>
+              </a:rPr>
+              <a:t>=</a:t>
+            </a:r>
+            <a:r>
+              <a:rPr lang="en-US" b="1" dirty="0">
+                <a:solidFill>
+                  <a:srgbClr val="8000FF"/>
+                </a:solidFill>
+                <a:latin typeface="Courier New" panose="02070309020205020404" pitchFamily="49" charset="0"/>
+              </a:rPr>
+              <a:t>"</a:t>
+            </a:r>
+            <a:r>
+              <a:rPr lang="en-US" b="1" dirty="0" err="1">
+                <a:solidFill>
+                  <a:srgbClr val="8000FF"/>
+                </a:solidFill>
+                <a:latin typeface="Courier New" panose="02070309020205020404" pitchFamily="49" charset="0"/>
+              </a:rPr>
+              <a:t>int</a:t>
+            </a:r>
+            <a:r>
+              <a:rPr lang="en-US" b="1" dirty="0">
+                <a:solidFill>
+                  <a:srgbClr val="8000FF"/>
+                </a:solidFill>
+                <a:latin typeface="Courier New" panose="02070309020205020404" pitchFamily="49" charset="0"/>
+              </a:rPr>
+              <a:t>"</a:t>
+            </a:r>
+            <a:r>
+              <a:rPr lang="en-US" dirty="0">
+                <a:solidFill>
+                  <a:srgbClr val="000000"/>
+                </a:solidFill>
+                <a:latin typeface="Courier New" panose="02070309020205020404" pitchFamily="49" charset="0"/>
+              </a:rPr>
+              <a:t> </a:t>
+            </a:r>
+            <a:r>
+              <a:rPr lang="en-US" dirty="0">
+                <a:solidFill>
+                  <a:srgbClr val="FF0000"/>
+                </a:solidFill>
+                <a:latin typeface="Courier New" panose="02070309020205020404" pitchFamily="49" charset="0"/>
+              </a:rPr>
+              <a:t>indexed</a:t>
+            </a:r>
+            <a:r>
+              <a:rPr lang="en-US" dirty="0">
+                <a:solidFill>
+                  <a:srgbClr val="000000"/>
+                </a:solidFill>
+                <a:latin typeface="Courier New" panose="02070309020205020404" pitchFamily="49" charset="0"/>
+              </a:rPr>
+              <a:t>=</a:t>
+            </a:r>
+            <a:r>
+              <a:rPr lang="en-US" b="1" dirty="0">
+                <a:solidFill>
+                  <a:srgbClr val="8000FF"/>
+                </a:solidFill>
+                <a:latin typeface="Courier New" panose="02070309020205020404" pitchFamily="49" charset="0"/>
+              </a:rPr>
+              <a:t>"false"</a:t>
+            </a:r>
+            <a:r>
+              <a:rPr lang="en-US" dirty="0">
+                <a:solidFill>
+                  <a:srgbClr val="000000"/>
+                </a:solidFill>
+                <a:latin typeface="Courier New" panose="02070309020205020404" pitchFamily="49" charset="0"/>
+              </a:rPr>
+              <a:t> </a:t>
+            </a:r>
+            <a:r>
+              <a:rPr lang="en-US" dirty="0">
+                <a:solidFill>
+                  <a:srgbClr val="FF0000"/>
+                </a:solidFill>
+                <a:latin typeface="Courier New" panose="02070309020205020404" pitchFamily="49" charset="0"/>
+              </a:rPr>
+              <a:t>stored</a:t>
+            </a:r>
+            <a:r>
+              <a:rPr lang="en-US" dirty="0">
+                <a:solidFill>
+                  <a:srgbClr val="000000"/>
+                </a:solidFill>
+                <a:latin typeface="Courier New" panose="02070309020205020404" pitchFamily="49" charset="0"/>
+              </a:rPr>
+              <a:t>=</a:t>
+            </a:r>
+            <a:r>
+              <a:rPr lang="en-US" b="1" dirty="0">
+                <a:solidFill>
+                  <a:srgbClr val="8000FF"/>
+                </a:solidFill>
+                <a:latin typeface="Courier New" panose="02070309020205020404" pitchFamily="49" charset="0"/>
+              </a:rPr>
+              <a:t>"true"</a:t>
+            </a:r>
+            <a:r>
+              <a:rPr lang="en-US" dirty="0">
+                <a:solidFill>
+                  <a:srgbClr val="000000"/>
+                </a:solidFill>
+                <a:latin typeface="Courier New" panose="02070309020205020404" pitchFamily="49" charset="0"/>
+              </a:rPr>
+              <a:t> </a:t>
+            </a:r>
+            <a:r>
+              <a:rPr lang="en-US" dirty="0">
+                <a:solidFill>
+                  <a:srgbClr val="0000FF"/>
+                </a:solidFill>
+                <a:latin typeface="Courier New" panose="02070309020205020404" pitchFamily="49" charset="0"/>
+              </a:rPr>
+              <a:t>/&gt;</a:t>
+            </a:r>
+            <a:r>
+              <a:rPr lang="en-US" b="1" dirty="0">
+                <a:solidFill>
+                  <a:srgbClr val="000000"/>
+                </a:solidFill>
+                <a:latin typeface="Courier New" panose="02070309020205020404" pitchFamily="49" charset="0"/>
+              </a:rPr>
+              <a:t> </a:t>
+            </a:r>
+          </a:p>
+          <a:p>
+            <a:r>
+              <a:rPr lang="en-US" dirty="0">
+                <a:solidFill>
+                  <a:srgbClr val="0000FF"/>
+                </a:solidFill>
+                <a:latin typeface="Courier New" panose="02070309020205020404" pitchFamily="49" charset="0"/>
+              </a:rPr>
+              <a:t>&lt;field</a:t>
+            </a:r>
+            <a:r>
+              <a:rPr lang="en-US" dirty="0">
+                <a:solidFill>
+                  <a:srgbClr val="000000"/>
+                </a:solidFill>
+                <a:latin typeface="Courier New" panose="02070309020205020404" pitchFamily="49" charset="0"/>
+              </a:rPr>
+              <a:t> </a:t>
+            </a:r>
+            <a:r>
+              <a:rPr lang="en-US" dirty="0">
+                <a:solidFill>
+                  <a:srgbClr val="FF0000"/>
+                </a:solidFill>
+                <a:latin typeface="Courier New" panose="02070309020205020404" pitchFamily="49" charset="0"/>
+              </a:rPr>
+              <a:t>name</a:t>
+            </a:r>
+            <a:r>
+              <a:rPr lang="en-US" dirty="0">
+                <a:solidFill>
+                  <a:srgbClr val="000000"/>
+                </a:solidFill>
+                <a:latin typeface="Courier New" panose="02070309020205020404" pitchFamily="49" charset="0"/>
+              </a:rPr>
+              <a:t>=</a:t>
+            </a:r>
+            <a:r>
+              <a:rPr lang="en-US" b="1" dirty="0">
+                <a:solidFill>
+                  <a:srgbClr val="8000FF"/>
+                </a:solidFill>
+                <a:latin typeface="Courier New" panose="02070309020205020404" pitchFamily="49" charset="0"/>
+              </a:rPr>
+              <a:t>"content"</a:t>
+            </a:r>
+            <a:r>
+              <a:rPr lang="en-US" dirty="0">
+                <a:solidFill>
+                  <a:srgbClr val="000000"/>
+                </a:solidFill>
+                <a:latin typeface="Courier New" panose="02070309020205020404" pitchFamily="49" charset="0"/>
+              </a:rPr>
+              <a:t> </a:t>
+            </a:r>
+            <a:r>
+              <a:rPr lang="en-US" dirty="0">
+                <a:solidFill>
+                  <a:srgbClr val="FF0000"/>
+                </a:solidFill>
+                <a:latin typeface="Courier New" panose="02070309020205020404" pitchFamily="49" charset="0"/>
+              </a:rPr>
+              <a:t>type</a:t>
+            </a:r>
+            <a:r>
+              <a:rPr lang="en-US" dirty="0">
+                <a:solidFill>
+                  <a:srgbClr val="000000"/>
+                </a:solidFill>
+                <a:latin typeface="Courier New" panose="02070309020205020404" pitchFamily="49" charset="0"/>
+              </a:rPr>
+              <a:t>=</a:t>
+            </a:r>
+            <a:r>
+              <a:rPr lang="en-US" b="1" dirty="0">
+                <a:solidFill>
+                  <a:srgbClr val="8000FF"/>
+                </a:solidFill>
+                <a:latin typeface="Courier New" panose="02070309020205020404" pitchFamily="49" charset="0"/>
+              </a:rPr>
+              <a:t>"</a:t>
+            </a:r>
+            <a:r>
+              <a:rPr lang="en-US" b="1" dirty="0" err="1">
+                <a:solidFill>
+                  <a:srgbClr val="8000FF"/>
+                </a:solidFill>
+                <a:latin typeface="Courier New" panose="02070309020205020404" pitchFamily="49" charset="0"/>
+              </a:rPr>
+              <a:t>text_general</a:t>
+            </a:r>
+            <a:r>
+              <a:rPr lang="en-US" b="1" dirty="0">
+                <a:solidFill>
+                  <a:srgbClr val="8000FF"/>
+                </a:solidFill>
+                <a:latin typeface="Courier New" panose="02070309020205020404" pitchFamily="49" charset="0"/>
+              </a:rPr>
+              <a:t>"</a:t>
+            </a:r>
+            <a:r>
+              <a:rPr lang="en-US" dirty="0">
+                <a:solidFill>
+                  <a:srgbClr val="000000"/>
+                </a:solidFill>
+                <a:latin typeface="Courier New" panose="02070309020205020404" pitchFamily="49" charset="0"/>
+              </a:rPr>
+              <a:t> </a:t>
+            </a:r>
+            <a:r>
+              <a:rPr lang="en-US" dirty="0">
+                <a:solidFill>
+                  <a:srgbClr val="FF0000"/>
+                </a:solidFill>
+                <a:latin typeface="Courier New" panose="02070309020205020404" pitchFamily="49" charset="0"/>
+              </a:rPr>
+              <a:t>indexed</a:t>
+            </a:r>
+            <a:r>
+              <a:rPr lang="en-US" dirty="0">
+                <a:solidFill>
+                  <a:srgbClr val="000000"/>
+                </a:solidFill>
+                <a:latin typeface="Courier New" panose="02070309020205020404" pitchFamily="49" charset="0"/>
+              </a:rPr>
+              <a:t>=</a:t>
+            </a:r>
+            <a:r>
+              <a:rPr lang="en-US" b="1" dirty="0">
+                <a:solidFill>
+                  <a:srgbClr val="8000FF"/>
+                </a:solidFill>
+                <a:latin typeface="Courier New" panose="02070309020205020404" pitchFamily="49" charset="0"/>
+              </a:rPr>
+              <a:t>"true"</a:t>
+            </a:r>
+            <a:r>
+              <a:rPr lang="en-US" dirty="0">
+                <a:solidFill>
+                  <a:srgbClr val="000000"/>
+                </a:solidFill>
+                <a:latin typeface="Courier New" panose="02070309020205020404" pitchFamily="49" charset="0"/>
+              </a:rPr>
+              <a:t> </a:t>
+            </a:r>
+            <a:r>
+              <a:rPr lang="en-US" dirty="0">
+                <a:solidFill>
+                  <a:srgbClr val="FF0000"/>
+                </a:solidFill>
+                <a:latin typeface="Courier New" panose="02070309020205020404" pitchFamily="49" charset="0"/>
+              </a:rPr>
+              <a:t>stored</a:t>
+            </a:r>
+            <a:r>
+              <a:rPr lang="en-US" dirty="0">
+                <a:solidFill>
+                  <a:srgbClr val="000000"/>
+                </a:solidFill>
+                <a:latin typeface="Courier New" panose="02070309020205020404" pitchFamily="49" charset="0"/>
+              </a:rPr>
+              <a:t>=</a:t>
+            </a:r>
+            <a:r>
+              <a:rPr lang="en-US" b="1" dirty="0">
+                <a:solidFill>
+                  <a:srgbClr val="8000FF"/>
+                </a:solidFill>
+                <a:latin typeface="Courier New" panose="02070309020205020404" pitchFamily="49" charset="0"/>
+              </a:rPr>
+              <a:t>"true"</a:t>
+            </a:r>
+            <a:r>
+              <a:rPr lang="en-US" dirty="0">
+                <a:solidFill>
+                  <a:srgbClr val="0000FF"/>
+                </a:solidFill>
+                <a:latin typeface="Courier New" panose="02070309020205020404" pitchFamily="49" charset="0"/>
+              </a:rPr>
+              <a:t>/&gt;</a:t>
+            </a:r>
+          </a:p>
+          <a:p>
+            <a:r>
+              <a:rPr lang="en-US" dirty="0">
+                <a:solidFill>
+                  <a:srgbClr val="0000FF"/>
+                </a:solidFill>
+                <a:latin typeface="Courier New" panose="02070309020205020404" pitchFamily="49" charset="0"/>
+              </a:rPr>
+              <a:t>&lt;field</a:t>
+            </a:r>
+            <a:r>
+              <a:rPr lang="en-US" dirty="0">
+                <a:solidFill>
+                  <a:srgbClr val="000000"/>
+                </a:solidFill>
+                <a:latin typeface="Courier New" panose="02070309020205020404" pitchFamily="49" charset="0"/>
+              </a:rPr>
+              <a:t> </a:t>
+            </a:r>
+            <a:r>
+              <a:rPr lang="en-US" dirty="0">
+                <a:solidFill>
+                  <a:srgbClr val="FF0000"/>
+                </a:solidFill>
+                <a:latin typeface="Courier New" panose="02070309020205020404" pitchFamily="49" charset="0"/>
+              </a:rPr>
+              <a:t>name</a:t>
+            </a:r>
+            <a:r>
+              <a:rPr lang="en-US" dirty="0">
+                <a:solidFill>
+                  <a:srgbClr val="000000"/>
+                </a:solidFill>
+                <a:latin typeface="Courier New" panose="02070309020205020404" pitchFamily="49" charset="0"/>
+              </a:rPr>
+              <a:t>=</a:t>
+            </a:r>
+            <a:r>
+              <a:rPr lang="en-US" b="1" dirty="0">
+                <a:solidFill>
+                  <a:srgbClr val="8000FF"/>
+                </a:solidFill>
+                <a:latin typeface="Courier New" panose="02070309020205020404" pitchFamily="49" charset="0"/>
+              </a:rPr>
+              <a:t>"text"</a:t>
+            </a:r>
+            <a:r>
+              <a:rPr lang="en-US" dirty="0">
+                <a:solidFill>
+                  <a:srgbClr val="000000"/>
+                </a:solidFill>
+                <a:latin typeface="Courier New" panose="02070309020205020404" pitchFamily="49" charset="0"/>
+              </a:rPr>
+              <a:t> </a:t>
+            </a:r>
+            <a:r>
+              <a:rPr lang="en-US" dirty="0">
+                <a:solidFill>
+                  <a:srgbClr val="FF0000"/>
+                </a:solidFill>
+                <a:latin typeface="Courier New" panose="02070309020205020404" pitchFamily="49" charset="0"/>
+              </a:rPr>
+              <a:t>type</a:t>
+            </a:r>
+            <a:r>
+              <a:rPr lang="en-US" dirty="0">
+                <a:solidFill>
+                  <a:srgbClr val="000000"/>
+                </a:solidFill>
+                <a:latin typeface="Courier New" panose="02070309020205020404" pitchFamily="49" charset="0"/>
+              </a:rPr>
+              <a:t>=</a:t>
+            </a:r>
+            <a:r>
+              <a:rPr lang="en-US" b="1" dirty="0">
+                <a:solidFill>
+                  <a:srgbClr val="8000FF"/>
+                </a:solidFill>
+                <a:latin typeface="Courier New" panose="02070309020205020404" pitchFamily="49" charset="0"/>
+              </a:rPr>
+              <a:t>"</a:t>
+            </a:r>
+            <a:r>
+              <a:rPr lang="en-US" b="1" dirty="0" err="1">
+                <a:solidFill>
+                  <a:srgbClr val="8000FF"/>
+                </a:solidFill>
+                <a:latin typeface="Courier New" panose="02070309020205020404" pitchFamily="49" charset="0"/>
+              </a:rPr>
+              <a:t>text_general</a:t>
+            </a:r>
+            <a:r>
+              <a:rPr lang="en-US" b="1" dirty="0">
+                <a:solidFill>
+                  <a:srgbClr val="8000FF"/>
+                </a:solidFill>
+                <a:latin typeface="Courier New" panose="02070309020205020404" pitchFamily="49" charset="0"/>
+              </a:rPr>
+              <a:t>"</a:t>
+            </a:r>
+            <a:r>
+              <a:rPr lang="en-US" dirty="0">
+                <a:solidFill>
+                  <a:srgbClr val="000000"/>
+                </a:solidFill>
+                <a:latin typeface="Courier New" panose="02070309020205020404" pitchFamily="49" charset="0"/>
+              </a:rPr>
+              <a:t> </a:t>
+            </a:r>
+            <a:r>
+              <a:rPr lang="en-US" dirty="0">
+                <a:solidFill>
+                  <a:srgbClr val="FF0000"/>
+                </a:solidFill>
+                <a:latin typeface="Courier New" panose="02070309020205020404" pitchFamily="49" charset="0"/>
+              </a:rPr>
+              <a:t>indexed</a:t>
+            </a:r>
+            <a:r>
+              <a:rPr lang="en-US" dirty="0">
+                <a:solidFill>
+                  <a:srgbClr val="000000"/>
+                </a:solidFill>
+                <a:latin typeface="Courier New" panose="02070309020205020404" pitchFamily="49" charset="0"/>
+              </a:rPr>
+              <a:t>=</a:t>
+            </a:r>
+            <a:r>
+              <a:rPr lang="en-US" b="1" dirty="0">
+                <a:solidFill>
+                  <a:srgbClr val="8000FF"/>
+                </a:solidFill>
+                <a:latin typeface="Courier New" panose="02070309020205020404" pitchFamily="49" charset="0"/>
+              </a:rPr>
+              <a:t>"true"</a:t>
+            </a:r>
+            <a:r>
+              <a:rPr lang="en-US" dirty="0">
+                <a:solidFill>
+                  <a:srgbClr val="000000"/>
+                </a:solidFill>
+                <a:latin typeface="Courier New" panose="02070309020205020404" pitchFamily="49" charset="0"/>
+              </a:rPr>
+              <a:t> </a:t>
+            </a:r>
+            <a:r>
+              <a:rPr lang="en-US" dirty="0">
+                <a:solidFill>
+                  <a:srgbClr val="FF0000"/>
+                </a:solidFill>
+                <a:latin typeface="Courier New" panose="02070309020205020404" pitchFamily="49" charset="0"/>
+              </a:rPr>
+              <a:t>stored</a:t>
+            </a:r>
+            <a:r>
+              <a:rPr lang="en-US" dirty="0">
+                <a:solidFill>
+                  <a:srgbClr val="000000"/>
+                </a:solidFill>
+                <a:latin typeface="Courier New" panose="02070309020205020404" pitchFamily="49" charset="0"/>
+              </a:rPr>
+              <a:t>=</a:t>
+            </a:r>
+            <a:r>
+              <a:rPr lang="en-US" b="1" dirty="0">
+                <a:solidFill>
+                  <a:srgbClr val="8000FF"/>
+                </a:solidFill>
+                <a:latin typeface="Courier New" panose="02070309020205020404" pitchFamily="49" charset="0"/>
+              </a:rPr>
+              <a:t>"false"</a:t>
+            </a:r>
+            <a:r>
+              <a:rPr lang="en-US" dirty="0">
+                <a:solidFill>
+                  <a:srgbClr val="000000"/>
+                </a:solidFill>
+                <a:latin typeface="Courier New" panose="02070309020205020404" pitchFamily="49" charset="0"/>
+              </a:rPr>
+              <a:t> </a:t>
+            </a:r>
+            <a:r>
+              <a:rPr lang="en-US" dirty="0" err="1">
+                <a:solidFill>
+                  <a:srgbClr val="FF0000"/>
+                </a:solidFill>
+                <a:latin typeface="Courier New" panose="02070309020205020404" pitchFamily="49" charset="0"/>
+              </a:rPr>
+              <a:t>multiValued</a:t>
+            </a:r>
+            <a:r>
+              <a:rPr lang="en-US" dirty="0">
+                <a:solidFill>
+                  <a:srgbClr val="000000"/>
+                </a:solidFill>
+                <a:latin typeface="Courier New" panose="02070309020205020404" pitchFamily="49" charset="0"/>
+              </a:rPr>
+              <a:t>=</a:t>
+            </a:r>
+            <a:r>
+              <a:rPr lang="en-US" b="1" dirty="0">
+                <a:solidFill>
+                  <a:srgbClr val="8000FF"/>
+                </a:solidFill>
+                <a:latin typeface="Courier New" panose="02070309020205020404" pitchFamily="49" charset="0"/>
+              </a:rPr>
+              <a:t>"true"</a:t>
+            </a:r>
+            <a:r>
+              <a:rPr lang="en-US" dirty="0">
+                <a:solidFill>
+                  <a:srgbClr val="000000"/>
+                </a:solidFill>
+                <a:latin typeface="Courier New" panose="02070309020205020404" pitchFamily="49" charset="0"/>
+              </a:rPr>
+              <a:t> </a:t>
+            </a:r>
+            <a:r>
+              <a:rPr lang="en-US" dirty="0">
+                <a:solidFill>
+                  <a:srgbClr val="0000FF"/>
+                </a:solidFill>
+                <a:latin typeface="Courier New" panose="02070309020205020404" pitchFamily="49" charset="0"/>
+              </a:rPr>
+              <a:t>/&gt;</a:t>
+            </a:r>
+            <a:endParaRPr lang="en-US" dirty="0"/>
           </a:p>
         </p:txBody>
       </p:sp>
@@ -10352,22 +12682,24 @@
       </p:sp>
       <p:sp>
         <p:nvSpPr>
-          <p:cNvPr id="5" name="Oval 4"/>
+          <p:cNvPr id="7" name="Retângulo 6"/>
           <p:cNvSpPr/>
           <p:nvPr/>
         </p:nvSpPr>
         <p:spPr>
           <a:xfrm>
-            <a:off x="10972457" y="875957"/>
-            <a:ext cx="828000" cy="828000"/>
+            <a:off x="10580914" y="606271"/>
+            <a:ext cx="1611086" cy="1371600"/>
           </a:xfrm>
-          <a:prstGeom prst="ellipse">
+          <a:prstGeom prst="rect">
             <a:avLst/>
           </a:prstGeom>
           <a:noFill/>
           <a:ln w="50800">
             <a:solidFill>
-              <a:schemeClr val="tx1"/>
+              <a:schemeClr val="tx2">
+                <a:lumMod val="25000"/>
+              </a:schemeClr>
             </a:solidFill>
           </a:ln>
         </p:spPr>
@@ -10399,7 +12731,7 @@
     </p:spTree>
     <p:extLst>
       <p:ext uri="{BB962C8B-B14F-4D97-AF65-F5344CB8AC3E}">
-        <p14:creationId xmlns:p14="http://schemas.microsoft.com/office/powerpoint/2010/main" val="1678575019"/>
+        <p14:creationId xmlns:p14="http://schemas.microsoft.com/office/powerpoint/2010/main" val="879303406"/>
       </p:ext>
     </p:extLst>
   </p:cSld>
@@ -10447,7 +12779,10 @@
               <a:rPr lang="pt-PT" sz="3300" dirty="0" err="1"/>
               <a:t>Schema</a:t>
             </a:r>
-            <a:endParaRPr lang="pt-PT" sz="3300" dirty="0"/>
+            <a:r>
+              <a:rPr lang="pt-PT" sz="3300" dirty="0"/>
+              <a:t> – parâmetros de indexação e pesquisa</a:t>
+            </a:r>
           </a:p>
         </p:txBody>
       </p:sp>
@@ -10461,29 +12796,41 @@
             <p:ph idx="1"/>
           </p:nvPr>
         </p:nvSpPr>
-        <p:spPr>
-          <a:xfrm>
-            <a:off x="680321" y="2336872"/>
-            <a:ext cx="9613861" cy="4521128"/>
-          </a:xfrm>
-        </p:spPr>
+        <p:spPr/>
         <p:txBody>
           <a:bodyPr>
-            <a:normAutofit fontScale="70000" lnSpcReduction="20000"/>
+            <a:normAutofit fontScale="85000" lnSpcReduction="10000"/>
           </a:bodyPr>
           <a:lstStyle/>
           <a:p>
-            <a:r>
-              <a:rPr lang="en-US" dirty="0">
+            <a:endParaRPr lang="pt-PT" dirty="0">
+              <a:solidFill>
+                <a:srgbClr val="0000FF"/>
+              </a:solidFill>
+              <a:latin typeface="Courier New" panose="02070309020205020404" pitchFamily="49" charset="0"/>
+            </a:endParaRPr>
+          </a:p>
+          <a:p>
+            <a:r>
+              <a:rPr lang="pt-PT" dirty="0">
                 <a:solidFill>
                   <a:srgbClr val="0000FF"/>
                 </a:solidFill>
                 <a:latin typeface="Courier New" panose="02070309020205020404" pitchFamily="49" charset="0"/>
               </a:rPr>
-              <a:t>&lt;field</a:t>
-            </a:r>
-            <a:r>
-              <a:rPr lang="en-US" dirty="0">
+              <a:t>&lt;</a:t>
+            </a:r>
+            <a:r>
+              <a:rPr lang="pt-PT" dirty="0" err="1">
+                <a:solidFill>
+                  <a:srgbClr val="0000FF"/>
+                </a:solidFill>
+                <a:latin typeface="Courier New" panose="02070309020205020404" pitchFamily="49" charset="0"/>
+              </a:rPr>
+              <a:t>tokenizer</a:t>
+            </a:r>
+            <a:r>
+              <a:rPr lang="pt-PT" dirty="0">
                 <a:solidFill>
                   <a:srgbClr val="000000"/>
                 </a:solidFill>
@@ -10492,16 +12839,16 @@
               <a:t> </a:t>
             </a:r>
             <a:r>
-              <a:rPr lang="en-US" dirty="0">
+              <a:rPr lang="pt-PT" dirty="0" err="1">
                 <a:solidFill>
                   <a:srgbClr val="FF0000"/>
                 </a:solidFill>
                 <a:latin typeface="Courier New" panose="02070309020205020404" pitchFamily="49" charset="0"/>
               </a:rPr>
-              <a:t>name</a:t>
-            </a:r>
-            <a:r>
-              <a:rPr lang="en-US" dirty="0">
+              <a:t>class</a:t>
+            </a:r>
+            <a:r>
+              <a:rPr lang="pt-PT" dirty="0">
                 <a:solidFill>
                   <a:srgbClr val="000000"/>
                 </a:solidFill>
@@ -10510,7 +12857,7 @@
               <a:t>=</a:t>
             </a:r>
             <a:r>
-              <a:rPr lang="en-US" b="1" dirty="0">
+              <a:rPr lang="pt-PT" dirty="0">
                 <a:solidFill>
                   <a:srgbClr val="8000FF"/>
                 </a:solidFill>
@@ -10519,16 +12866,16 @@
               <a:t>"</a:t>
             </a:r>
             <a:r>
-              <a:rPr lang="en-US" b="1" dirty="0" err="1">
+              <a:rPr lang="pt-PT" dirty="0" err="1">
                 <a:solidFill>
                   <a:srgbClr val="8000FF"/>
                 </a:solidFill>
                 <a:latin typeface="Courier New" panose="02070309020205020404" pitchFamily="49" charset="0"/>
               </a:rPr>
-              <a:t>uid</a:t>
-            </a:r>
-            <a:r>
-              <a:rPr lang="en-US" b="1" dirty="0">
+              <a:t>solr.StandardTokenizerFactory</a:t>
+            </a:r>
+            <a:r>
+              <a:rPr lang="pt-PT" dirty="0">
                 <a:solidFill>
                   <a:srgbClr val="8000FF"/>
                 </a:solidFill>
@@ -10537,7 +12884,16 @@
               <a:t>"</a:t>
             </a:r>
             <a:r>
-              <a:rPr lang="en-US" dirty="0">
+              <a:rPr lang="pt-PT" dirty="0">
+                <a:solidFill>
+                  <a:srgbClr val="0000FF"/>
+                </a:solidFill>
+                <a:latin typeface="Courier New" panose="02070309020205020404" pitchFamily="49" charset="0"/>
+              </a:rPr>
+              <a:t>/&gt;</a:t>
+            </a:r>
+            <a:r>
+              <a:rPr lang="pt-PT" dirty="0">
                 <a:solidFill>
                   <a:srgbClr val="000000"/>
                 </a:solidFill>
@@ -10545,17 +12901,46 @@
               </a:rPr>
               <a:t> </a:t>
             </a:r>
-            <a:r>
-              <a:rPr lang="en-US" dirty="0">
+          </a:p>
+          <a:p>
+            <a:r>
+              <a:rPr lang="pt-PT" dirty="0">
+                <a:solidFill>
+                  <a:srgbClr val="0000FF"/>
+                </a:solidFill>
+                <a:latin typeface="Courier New" panose="02070309020205020404" pitchFamily="49" charset="0"/>
+              </a:rPr>
+              <a:t>&lt;</a:t>
+            </a:r>
+            <a:r>
+              <a:rPr lang="pt-PT" dirty="0" err="1">
+                <a:solidFill>
+                  <a:srgbClr val="0000FF"/>
+                </a:solidFill>
+                <a:latin typeface="Courier New" panose="02070309020205020404" pitchFamily="49" charset="0"/>
+              </a:rPr>
+              <a:t>filter</a:t>
+            </a:r>
+            <a:r>
+              <a:rPr lang="pt-PT" dirty="0">
+                <a:solidFill>
+                  <a:srgbClr val="000000"/>
+                </a:solidFill>
+                <a:latin typeface="Courier New" panose="02070309020205020404" pitchFamily="49" charset="0"/>
+              </a:rPr>
+              <a:t> </a:t>
+            </a:r>
+            <a:r>
+              <a:rPr lang="pt-PT" dirty="0" err="1">
                 <a:solidFill>
                   <a:srgbClr val="FF0000"/>
                 </a:solidFill>
                 <a:latin typeface="Courier New" panose="02070309020205020404" pitchFamily="49" charset="0"/>
               </a:rPr>
-              <a:t>type</a:t>
-            </a:r>
-            <a:r>
-              <a:rPr lang="en-US" dirty="0">
+              <a:t>class</a:t>
+            </a:r>
+            <a:r>
+              <a:rPr lang="pt-PT" dirty="0">
                 <a:solidFill>
                   <a:srgbClr val="000000"/>
                 </a:solidFill>
@@ -10564,16 +12949,34 @@
               <a:t>=</a:t>
             </a:r>
             <a:r>
-              <a:rPr lang="en-US" b="1" dirty="0">
+              <a:rPr lang="pt-PT" dirty="0">
                 <a:solidFill>
                   <a:srgbClr val="8000FF"/>
                 </a:solidFill>
                 <a:latin typeface="Courier New" panose="02070309020205020404" pitchFamily="49" charset="0"/>
               </a:rPr>
-              <a:t>"string"</a:t>
-            </a:r>
-            <a:r>
-              <a:rPr lang="en-US" dirty="0">
+              <a:t>"</a:t>
+            </a:r>
+            <a:r>
+              <a:rPr lang="pt-PT" dirty="0" err="1">
+                <a:solidFill>
+                  <a:srgbClr val="8000FF"/>
+                </a:solidFill>
+                <a:latin typeface="Courier New" panose="02070309020205020404" pitchFamily="49" charset="0"/>
+              </a:rPr>
+              <a:t>solr.StopFilterFactory</a:t>
+            </a:r>
+            <a:r>
+              <a:rPr lang="pt-PT" dirty="0">
+                <a:solidFill>
+                  <a:srgbClr val="8000FF"/>
+                </a:solidFill>
+                <a:latin typeface="Courier New" panose="02070309020205020404" pitchFamily="49" charset="0"/>
+              </a:rPr>
+              <a:t>"</a:t>
+            </a:r>
+            <a:r>
+              <a:rPr lang="pt-PT" dirty="0">
                 <a:solidFill>
                   <a:srgbClr val="000000"/>
                 </a:solidFill>
@@ -10582,16 +12985,16 @@
               <a:t> </a:t>
             </a:r>
             <a:r>
-              <a:rPr lang="en-US" dirty="0">
+              <a:rPr lang="pt-PT" dirty="0" err="1">
                 <a:solidFill>
                   <a:srgbClr val="FF0000"/>
                 </a:solidFill>
                 <a:latin typeface="Courier New" panose="02070309020205020404" pitchFamily="49" charset="0"/>
               </a:rPr>
-              <a:t>indexed</a:t>
-            </a:r>
-            <a:r>
-              <a:rPr lang="en-US" dirty="0">
+              <a:t>ignoreCase</a:t>
+            </a:r>
+            <a:r>
+              <a:rPr lang="pt-PT" dirty="0">
                 <a:solidFill>
                   <a:srgbClr val="000000"/>
                 </a:solidFill>
@@ -10600,16 +13003,34 @@
               <a:t>=</a:t>
             </a:r>
             <a:r>
-              <a:rPr lang="en-US" b="1" dirty="0">
+              <a:rPr lang="pt-PT" dirty="0">
                 <a:solidFill>
                   <a:srgbClr val="8000FF"/>
                 </a:solidFill>
                 <a:latin typeface="Courier New" panose="02070309020205020404" pitchFamily="49" charset="0"/>
               </a:rPr>
-              <a:t>"true"</a:t>
-            </a:r>
-            <a:r>
-              <a:rPr lang="en-US" dirty="0">
+              <a:t>"</a:t>
+            </a:r>
+            <a:r>
+              <a:rPr lang="pt-PT" dirty="0" err="1">
+                <a:solidFill>
+                  <a:srgbClr val="8000FF"/>
+                </a:solidFill>
+                <a:latin typeface="Courier New" panose="02070309020205020404" pitchFamily="49" charset="0"/>
+              </a:rPr>
+              <a:t>true</a:t>
+            </a:r>
+            <a:r>
+              <a:rPr lang="pt-PT" dirty="0">
+                <a:solidFill>
+                  <a:srgbClr val="8000FF"/>
+                </a:solidFill>
+                <a:latin typeface="Courier New" panose="02070309020205020404" pitchFamily="49" charset="0"/>
+              </a:rPr>
+              <a:t>"</a:t>
+            </a:r>
+            <a:r>
+              <a:rPr lang="pt-PT" dirty="0">
                 <a:solidFill>
                   <a:srgbClr val="000000"/>
                 </a:solidFill>
@@ -10618,16 +13039,16 @@
               <a:t> </a:t>
             </a:r>
             <a:r>
-              <a:rPr lang="en-US" dirty="0">
+              <a:rPr lang="pt-PT" dirty="0" err="1">
                 <a:solidFill>
                   <a:srgbClr val="FF0000"/>
                 </a:solidFill>
                 <a:latin typeface="Courier New" panose="02070309020205020404" pitchFamily="49" charset="0"/>
               </a:rPr>
-              <a:t>stored</a:t>
-            </a:r>
-            <a:r>
-              <a:rPr lang="en-US" dirty="0">
+              <a:t>words</a:t>
+            </a:r>
+            <a:r>
+              <a:rPr lang="pt-PT" dirty="0">
                 <a:solidFill>
                   <a:srgbClr val="000000"/>
                 </a:solidFill>
@@ -10636,16 +13057,25 @@
               <a:t>=</a:t>
             </a:r>
             <a:r>
-              <a:rPr lang="en-US" b="1" dirty="0">
+              <a:rPr lang="pt-PT" dirty="0">
                 <a:solidFill>
                   <a:srgbClr val="8000FF"/>
                 </a:solidFill>
                 <a:latin typeface="Courier New" panose="02070309020205020404" pitchFamily="49" charset="0"/>
               </a:rPr>
-              <a:t>"true"</a:t>
-            </a:r>
-            <a:r>
-              <a:rPr lang="en-US" dirty="0">
+              <a:t>"stopwords.txt"</a:t>
+            </a:r>
+            <a:r>
+              <a:rPr lang="pt-PT" dirty="0">
+                <a:solidFill>
+                  <a:srgbClr val="000000"/>
+                </a:solidFill>
+                <a:latin typeface="Courier New" panose="02070309020205020404" pitchFamily="49" charset="0"/>
+              </a:rPr>
+              <a:t> </a:t>
+            </a:r>
+            <a:r>
+              <a:rPr lang="pt-PT" dirty="0">
                 <a:solidFill>
                   <a:srgbClr val="0000FF"/>
                 </a:solidFill>
@@ -10654,7 +13084,7 @@
               <a:t>/&gt;</a:t>
             </a:r>
             <a:r>
-              <a:rPr lang="en-US" b="1" dirty="0">
+              <a:rPr lang="pt-PT" dirty="0">
                 <a:solidFill>
                   <a:srgbClr val="000000"/>
                 </a:solidFill>
@@ -10665,16 +13095,25 @@
           </a:p>
           <a:p>
             <a:r>
-              <a:rPr lang="en-US" dirty="0">
+              <a:rPr lang="pt-PT" dirty="0">
                 <a:solidFill>
                   <a:srgbClr val="0000FF"/>
                 </a:solidFill>
                 <a:latin typeface="Courier New" panose="02070309020205020404" pitchFamily="49" charset="0"/>
               </a:rPr>
-              <a:t>&lt;field</a:t>
-            </a:r>
-            <a:r>
-              <a:rPr lang="en-US" dirty="0">
+              <a:t>&lt;</a:t>
+            </a:r>
+            <a:r>
+              <a:rPr lang="pt-PT" dirty="0" err="1">
+                <a:solidFill>
+                  <a:srgbClr val="0000FF"/>
+                </a:solidFill>
+                <a:latin typeface="Courier New" panose="02070309020205020404" pitchFamily="49" charset="0"/>
+              </a:rPr>
+              <a:t>filter</a:t>
+            </a:r>
+            <a:r>
+              <a:rPr lang="pt-PT" dirty="0">
                 <a:solidFill>
                   <a:srgbClr val="000000"/>
                 </a:solidFill>
@@ -10683,16 +13122,16 @@
               <a:t> </a:t>
             </a:r>
             <a:r>
-              <a:rPr lang="en-US" dirty="0">
+              <a:rPr lang="pt-PT" dirty="0" err="1">
                 <a:solidFill>
                   <a:srgbClr val="FF0000"/>
                 </a:solidFill>
                 <a:latin typeface="Courier New" panose="02070309020205020404" pitchFamily="49" charset="0"/>
               </a:rPr>
-              <a:t>name</a:t>
-            </a:r>
-            <a:r>
-              <a:rPr lang="en-US" dirty="0">
+              <a:t>class</a:t>
+            </a:r>
+            <a:r>
+              <a:rPr lang="pt-PT" dirty="0">
                 <a:solidFill>
                   <a:srgbClr val="000000"/>
                 </a:solidFill>
@@ -10701,7 +13140,7 @@
               <a:t>=</a:t>
             </a:r>
             <a:r>
-              <a:rPr lang="en-US" b="1" dirty="0">
+              <a:rPr lang="pt-PT" dirty="0">
                 <a:solidFill>
                   <a:srgbClr val="8000FF"/>
                 </a:solidFill>
@@ -10710,16 +13149,16 @@
               <a:t>"</a:t>
             </a:r>
             <a:r>
-              <a:rPr lang="en-US" b="1" dirty="0" err="1">
+              <a:rPr lang="pt-PT" dirty="0" err="1">
                 <a:solidFill>
                   <a:srgbClr val="8000FF"/>
                 </a:solidFill>
                 <a:latin typeface="Courier New" panose="02070309020205020404" pitchFamily="49" charset="0"/>
               </a:rPr>
-              <a:t>version_uid</a:t>
-            </a:r>
-            <a:r>
-              <a:rPr lang="en-US" b="1" dirty="0">
+              <a:t>solr.SynonymFilterFactory</a:t>
+            </a:r>
+            <a:r>
+              <a:rPr lang="pt-PT" dirty="0">
                 <a:solidFill>
                   <a:srgbClr val="8000FF"/>
                 </a:solidFill>
@@ -10728,7 +13167,7 @@
               <a:t>"</a:t>
             </a:r>
             <a:r>
-              <a:rPr lang="en-US" dirty="0">
+              <a:rPr lang="pt-PT" dirty="0">
                 <a:solidFill>
                   <a:srgbClr val="000000"/>
                 </a:solidFill>
@@ -10737,16 +13176,16 @@
               <a:t> </a:t>
             </a:r>
             <a:r>
-              <a:rPr lang="en-US" dirty="0">
+              <a:rPr lang="pt-PT" dirty="0" err="1">
                 <a:solidFill>
                   <a:srgbClr val="FF0000"/>
                 </a:solidFill>
                 <a:latin typeface="Courier New" panose="02070309020205020404" pitchFamily="49" charset="0"/>
               </a:rPr>
-              <a:t>type</a:t>
-            </a:r>
-            <a:r>
-              <a:rPr lang="en-US" dirty="0">
+              <a:t>synonyms</a:t>
+            </a:r>
+            <a:r>
+              <a:rPr lang="pt-PT" dirty="0">
                 <a:solidFill>
                   <a:srgbClr val="000000"/>
                 </a:solidFill>
@@ -10755,16 +13194,16 @@
               <a:t>=</a:t>
             </a:r>
             <a:r>
-              <a:rPr lang="en-US" b="1" dirty="0">
+              <a:rPr lang="pt-PT" dirty="0">
                 <a:solidFill>
                   <a:srgbClr val="8000FF"/>
                 </a:solidFill>
                 <a:latin typeface="Courier New" panose="02070309020205020404" pitchFamily="49" charset="0"/>
               </a:rPr>
-              <a:t>"string"</a:t>
-            </a:r>
-            <a:r>
-              <a:rPr lang="en-US" dirty="0">
+              <a:t>"synonyms.txt"</a:t>
+            </a:r>
+            <a:r>
+              <a:rPr lang="pt-PT" dirty="0">
                 <a:solidFill>
                   <a:srgbClr val="000000"/>
                 </a:solidFill>
@@ -10773,16 +13212,16 @@
               <a:t> </a:t>
             </a:r>
             <a:r>
-              <a:rPr lang="en-US" dirty="0">
+              <a:rPr lang="pt-PT" dirty="0" err="1">
                 <a:solidFill>
                   <a:srgbClr val="FF0000"/>
                 </a:solidFill>
                 <a:latin typeface="Courier New" panose="02070309020205020404" pitchFamily="49" charset="0"/>
               </a:rPr>
-              <a:t>indexed</a:t>
-            </a:r>
-            <a:r>
-              <a:rPr lang="en-US" dirty="0">
+              <a:t>ignoreCase</a:t>
+            </a:r>
+            <a:r>
+              <a:rPr lang="pt-PT" dirty="0">
                 <a:solidFill>
                   <a:srgbClr val="000000"/>
                 </a:solidFill>
@@ -10791,16 +13230,34 @@
               <a:t>=</a:t>
             </a:r>
             <a:r>
-              <a:rPr lang="en-US" b="1" dirty="0">
+              <a:rPr lang="pt-PT" dirty="0">
                 <a:solidFill>
                   <a:srgbClr val="8000FF"/>
                 </a:solidFill>
                 <a:latin typeface="Courier New" panose="02070309020205020404" pitchFamily="49" charset="0"/>
               </a:rPr>
-              <a:t>"false"</a:t>
-            </a:r>
-            <a:r>
-              <a:rPr lang="en-US" dirty="0">
+              <a:t>"</a:t>
+            </a:r>
+            <a:r>
+              <a:rPr lang="pt-PT" dirty="0" err="1">
+                <a:solidFill>
+                  <a:srgbClr val="8000FF"/>
+                </a:solidFill>
+                <a:latin typeface="Courier New" panose="02070309020205020404" pitchFamily="49" charset="0"/>
+              </a:rPr>
+              <a:t>true</a:t>
+            </a:r>
+            <a:r>
+              <a:rPr lang="pt-PT" dirty="0">
+                <a:solidFill>
+                  <a:srgbClr val="8000FF"/>
+                </a:solidFill>
+                <a:latin typeface="Courier New" panose="02070309020205020404" pitchFamily="49" charset="0"/>
+              </a:rPr>
+              <a:t>"</a:t>
+            </a:r>
+            <a:r>
+              <a:rPr lang="pt-PT" dirty="0">
                 <a:solidFill>
                   <a:srgbClr val="000000"/>
                 </a:solidFill>
@@ -10809,16 +13266,16 @@
               <a:t> </a:t>
             </a:r>
             <a:r>
-              <a:rPr lang="en-US" dirty="0">
+              <a:rPr lang="pt-PT" dirty="0" err="1">
                 <a:solidFill>
                   <a:srgbClr val="FF0000"/>
                 </a:solidFill>
                 <a:latin typeface="Courier New" panose="02070309020205020404" pitchFamily="49" charset="0"/>
               </a:rPr>
-              <a:t>stored</a:t>
-            </a:r>
-            <a:r>
-              <a:rPr lang="en-US" dirty="0">
+              <a:t>expand</a:t>
+            </a:r>
+            <a:r>
+              <a:rPr lang="pt-PT" dirty="0">
                 <a:solidFill>
                   <a:srgbClr val="000000"/>
                 </a:solidFill>
@@ -10827,16 +13284,34 @@
               <a:t>=</a:t>
             </a:r>
             <a:r>
-              <a:rPr lang="en-US" b="1" dirty="0">
+              <a:rPr lang="pt-PT" dirty="0">
                 <a:solidFill>
                   <a:srgbClr val="8000FF"/>
                 </a:solidFill>
                 <a:latin typeface="Courier New" panose="02070309020205020404" pitchFamily="49" charset="0"/>
               </a:rPr>
-              <a:t>"true"</a:t>
-            </a:r>
-            <a:r>
-              <a:rPr lang="en-US" dirty="0">
+              <a:t>"</a:t>
+            </a:r>
+            <a:r>
+              <a:rPr lang="pt-PT" dirty="0" err="1">
+                <a:solidFill>
+                  <a:srgbClr val="8000FF"/>
+                </a:solidFill>
+                <a:latin typeface="Courier New" panose="02070309020205020404" pitchFamily="49" charset="0"/>
+              </a:rPr>
+              <a:t>true</a:t>
+            </a:r>
+            <a:r>
+              <a:rPr lang="pt-PT" dirty="0">
+                <a:solidFill>
+                  <a:srgbClr val="8000FF"/>
+                </a:solidFill>
+                <a:latin typeface="Courier New" panose="02070309020205020404" pitchFamily="49" charset="0"/>
+              </a:rPr>
+              <a:t>"</a:t>
+            </a:r>
+            <a:r>
+              <a:rPr lang="pt-PT" dirty="0">
                 <a:solidFill>
                   <a:srgbClr val="0000FF"/>
                 </a:solidFill>
@@ -10845,7 +13320,7 @@
               <a:t>/&gt;</a:t>
             </a:r>
             <a:r>
-              <a:rPr lang="en-US" b="1" dirty="0">
+              <a:rPr lang="pt-PT" dirty="0">
                 <a:solidFill>
                   <a:srgbClr val="000000"/>
                 </a:solidFill>
@@ -10856,16 +13331,25 @@
           </a:p>
           <a:p>
             <a:r>
-              <a:rPr lang="en-US" dirty="0">
+              <a:rPr lang="pt-PT" dirty="0">
                 <a:solidFill>
                   <a:srgbClr val="0000FF"/>
                 </a:solidFill>
                 <a:latin typeface="Courier New" panose="02070309020205020404" pitchFamily="49" charset="0"/>
               </a:rPr>
-              <a:t>&lt;field</a:t>
-            </a:r>
-            <a:r>
-              <a:rPr lang="en-US" dirty="0">
+              <a:t>&lt;</a:t>
+            </a:r>
+            <a:r>
+              <a:rPr lang="pt-PT" dirty="0" err="1">
+                <a:solidFill>
+                  <a:srgbClr val="0000FF"/>
+                </a:solidFill>
+                <a:latin typeface="Courier New" panose="02070309020205020404" pitchFamily="49" charset="0"/>
+              </a:rPr>
+              <a:t>filter</a:t>
+            </a:r>
+            <a:r>
+              <a:rPr lang="pt-PT" dirty="0">
                 <a:solidFill>
                   <a:srgbClr val="000000"/>
                 </a:solidFill>
@@ -10874,16 +13358,16 @@
               <a:t> </a:t>
             </a:r>
             <a:r>
-              <a:rPr lang="en-US" dirty="0">
+              <a:rPr lang="pt-PT" dirty="0" err="1">
                 <a:solidFill>
                   <a:srgbClr val="FF0000"/>
                 </a:solidFill>
                 <a:latin typeface="Courier New" panose="02070309020205020404" pitchFamily="49" charset="0"/>
               </a:rPr>
-              <a:t>name</a:t>
-            </a:r>
-            <a:r>
-              <a:rPr lang="en-US" dirty="0">
+              <a:t>class</a:t>
+            </a:r>
+            <a:r>
+              <a:rPr lang="pt-PT" dirty="0">
                 <a:solidFill>
                   <a:srgbClr val="000000"/>
                 </a:solidFill>
@@ -10892,16 +13376,43 @@
               <a:t>=</a:t>
             </a:r>
             <a:r>
-              <a:rPr lang="en-US" b="1" dirty="0">
+              <a:rPr lang="pt-PT" dirty="0">
                 <a:solidFill>
                   <a:srgbClr val="8000FF"/>
                 </a:solidFill>
                 <a:latin typeface="Courier New" panose="02070309020205020404" pitchFamily="49" charset="0"/>
               </a:rPr>
-              <a:t>"value"</a:t>
-            </a:r>
-            <a:r>
-              <a:rPr lang="en-US" dirty="0">
+              <a:t>"</a:t>
+            </a:r>
+            <a:r>
+              <a:rPr lang="pt-PT" dirty="0" err="1">
+                <a:solidFill>
+                  <a:srgbClr val="8000FF"/>
+                </a:solidFill>
+                <a:latin typeface="Courier New" panose="02070309020205020404" pitchFamily="49" charset="0"/>
+              </a:rPr>
+              <a:t>solr.LowerCaseFilterFactory</a:t>
+            </a:r>
+            <a:r>
+              <a:rPr lang="pt-PT" dirty="0">
+                <a:solidFill>
+                  <a:srgbClr val="8000FF"/>
+                </a:solidFill>
+                <a:latin typeface="Courier New" panose="02070309020205020404" pitchFamily="49" charset="0"/>
+              </a:rPr>
+              <a:t>"</a:t>
+            </a:r>
+            <a:r>
+              <a:rPr lang="pt-PT" dirty="0">
+                <a:solidFill>
+                  <a:srgbClr val="0000FF"/>
+                </a:solidFill>
+                <a:latin typeface="Courier New" panose="02070309020205020404" pitchFamily="49" charset="0"/>
+              </a:rPr>
+              <a:t>/&gt;</a:t>
+            </a:r>
+            <a:r>
+              <a:rPr lang="pt-PT" dirty="0">
                 <a:solidFill>
                   <a:srgbClr val="000000"/>
                 </a:solidFill>
@@ -10909,17 +13420,46 @@
               </a:rPr>
               <a:t> </a:t>
             </a:r>
-            <a:r>
-              <a:rPr lang="en-US" dirty="0">
+          </a:p>
+          <a:p>
+            <a:r>
+              <a:rPr lang="pt-PT" dirty="0">
+                <a:solidFill>
+                  <a:srgbClr val="0000FF"/>
+                </a:solidFill>
+                <a:latin typeface="Courier New" panose="02070309020205020404" pitchFamily="49" charset="0"/>
+              </a:rPr>
+              <a:t>&lt;</a:t>
+            </a:r>
+            <a:r>
+              <a:rPr lang="pt-PT" dirty="0" err="1">
+                <a:solidFill>
+                  <a:srgbClr val="0000FF"/>
+                </a:solidFill>
+                <a:latin typeface="Courier New" panose="02070309020205020404" pitchFamily="49" charset="0"/>
+              </a:rPr>
+              <a:t>filter</a:t>
+            </a:r>
+            <a:r>
+              <a:rPr lang="pt-PT" dirty="0">
+                <a:solidFill>
+                  <a:srgbClr val="000000"/>
+                </a:solidFill>
+                <a:latin typeface="Courier New" panose="02070309020205020404" pitchFamily="49" charset="0"/>
+              </a:rPr>
+              <a:t> </a:t>
+            </a:r>
+            <a:r>
+              <a:rPr lang="pt-PT" dirty="0" err="1">
                 <a:solidFill>
                   <a:srgbClr val="FF0000"/>
                 </a:solidFill>
                 <a:latin typeface="Courier New" panose="02070309020205020404" pitchFamily="49" charset="0"/>
               </a:rPr>
-              <a:t>type</a:t>
-            </a:r>
-            <a:r>
-              <a:rPr lang="en-US" dirty="0">
+              <a:t>class</a:t>
+            </a:r>
+            <a:r>
+              <a:rPr lang="pt-PT" dirty="0">
                 <a:solidFill>
                   <a:srgbClr val="000000"/>
                 </a:solidFill>
@@ -10928,7 +13468,7 @@
               <a:t>=</a:t>
             </a:r>
             <a:r>
-              <a:rPr lang="en-US" b="1" dirty="0">
+              <a:rPr lang="pt-PT" dirty="0">
                 <a:solidFill>
                   <a:srgbClr val="8000FF"/>
                 </a:solidFill>
@@ -10937,16 +13477,16 @@
               <a:t>"</a:t>
             </a:r>
             <a:r>
-              <a:rPr lang="en-US" b="1" dirty="0" err="1">
+              <a:rPr lang="pt-PT" dirty="0" err="1">
                 <a:solidFill>
                   <a:srgbClr val="8000FF"/>
                 </a:solidFill>
                 <a:latin typeface="Courier New" panose="02070309020205020404" pitchFamily="49" charset="0"/>
               </a:rPr>
-              <a:t>text_general</a:t>
-            </a:r>
-            <a:r>
-              <a:rPr lang="en-US" b="1" dirty="0">
+              <a:t>solr.SnowballPorterFilterFactory</a:t>
+            </a:r>
+            <a:r>
+              <a:rPr lang="pt-PT" dirty="0">
                 <a:solidFill>
                   <a:srgbClr val="8000FF"/>
                 </a:solidFill>
@@ -10955,7 +13495,7 @@
               <a:t>"</a:t>
             </a:r>
             <a:r>
-              <a:rPr lang="en-US" dirty="0">
+              <a:rPr lang="pt-PT" dirty="0">
                 <a:solidFill>
                   <a:srgbClr val="000000"/>
                 </a:solidFill>
@@ -10964,16 +13504,16 @@
               <a:t> </a:t>
             </a:r>
             <a:r>
-              <a:rPr lang="en-US" dirty="0">
+              <a:rPr lang="pt-PT" dirty="0" err="1">
                 <a:solidFill>
                   <a:srgbClr val="FF0000"/>
                 </a:solidFill>
                 <a:latin typeface="Courier New" panose="02070309020205020404" pitchFamily="49" charset="0"/>
               </a:rPr>
-              <a:t>indexed</a:t>
-            </a:r>
-            <a:r>
-              <a:rPr lang="en-US" dirty="0">
+              <a:t>language</a:t>
+            </a:r>
+            <a:r>
+              <a:rPr lang="pt-PT" dirty="0">
                 <a:solidFill>
                   <a:srgbClr val="000000"/>
                 </a:solidFill>
@@ -10982,16 +13522,25 @@
               <a:t>=</a:t>
             </a:r>
             <a:r>
-              <a:rPr lang="en-US" b="1" dirty="0">
+              <a:rPr lang="pt-PT" dirty="0">
                 <a:solidFill>
                   <a:srgbClr val="8000FF"/>
                 </a:solidFill>
                 <a:latin typeface="Courier New" panose="02070309020205020404" pitchFamily="49" charset="0"/>
               </a:rPr>
-              <a:t>"true"</a:t>
-            </a:r>
-            <a:r>
-              <a:rPr lang="en-US" dirty="0">
+              <a:t>"Portuguese"</a:t>
+            </a:r>
+            <a:r>
+              <a:rPr lang="pt-PT" dirty="0">
+                <a:solidFill>
+                  <a:srgbClr val="0000FF"/>
+                </a:solidFill>
+                <a:latin typeface="Courier New" panose="02070309020205020404" pitchFamily="49" charset="0"/>
+              </a:rPr>
+              <a:t>/&gt;</a:t>
+            </a:r>
+            <a:r>
+              <a:rPr lang="pt-PT" dirty="0">
                 <a:solidFill>
                   <a:srgbClr val="000000"/>
                 </a:solidFill>
@@ -10999,17 +13548,46 @@
               </a:rPr>
               <a:t> </a:t>
             </a:r>
-            <a:r>
-              <a:rPr lang="en-US" dirty="0">
+          </a:p>
+          <a:p>
+            <a:r>
+              <a:rPr lang="pt-PT" dirty="0">
+                <a:solidFill>
+                  <a:srgbClr val="0000FF"/>
+                </a:solidFill>
+                <a:latin typeface="Courier New" panose="02070309020205020404" pitchFamily="49" charset="0"/>
+              </a:rPr>
+              <a:t>&lt;</a:t>
+            </a:r>
+            <a:r>
+              <a:rPr lang="pt-PT" dirty="0" err="1">
+                <a:solidFill>
+                  <a:srgbClr val="0000FF"/>
+                </a:solidFill>
+                <a:latin typeface="Courier New" panose="02070309020205020404" pitchFamily="49" charset="0"/>
+              </a:rPr>
+              <a:t>filter</a:t>
+            </a:r>
+            <a:r>
+              <a:rPr lang="pt-PT" dirty="0">
+                <a:solidFill>
+                  <a:srgbClr val="000000"/>
+                </a:solidFill>
+                <a:latin typeface="Courier New" panose="02070309020205020404" pitchFamily="49" charset="0"/>
+              </a:rPr>
+              <a:t> </a:t>
+            </a:r>
+            <a:r>
+              <a:rPr lang="pt-PT" dirty="0" err="1">
                 <a:solidFill>
                   <a:srgbClr val="FF0000"/>
                 </a:solidFill>
                 <a:latin typeface="Courier New" panose="02070309020205020404" pitchFamily="49" charset="0"/>
               </a:rPr>
-              <a:t>stored</a:t>
-            </a:r>
-            <a:r>
-              <a:rPr lang="en-US" dirty="0">
+              <a:t>class</a:t>
+            </a:r>
+            <a:r>
+              <a:rPr lang="pt-PT" dirty="0">
                 <a:solidFill>
                   <a:srgbClr val="000000"/>
                 </a:solidFill>
@@ -11018,16 +13596,34 @@
               <a:t>=</a:t>
             </a:r>
             <a:r>
-              <a:rPr lang="en-US" b="1" dirty="0">
+              <a:rPr lang="pt-PT" dirty="0">
                 <a:solidFill>
                   <a:srgbClr val="8000FF"/>
                 </a:solidFill>
                 <a:latin typeface="Courier New" panose="02070309020205020404" pitchFamily="49" charset="0"/>
               </a:rPr>
-              <a:t>"true"</a:t>
-            </a:r>
-            <a:r>
-              <a:rPr lang="en-US" dirty="0">
+              <a:t>"</a:t>
+            </a:r>
+            <a:r>
+              <a:rPr lang="pt-PT" dirty="0" err="1">
+                <a:solidFill>
+                  <a:srgbClr val="8000FF"/>
+                </a:solidFill>
+                <a:latin typeface="Courier New" panose="02070309020205020404" pitchFamily="49" charset="0"/>
+              </a:rPr>
+              <a:t>solr.RemoveDuplicatesTokenFilterFactory</a:t>
+            </a:r>
+            <a:r>
+              <a:rPr lang="pt-PT" dirty="0">
+                <a:solidFill>
+                  <a:srgbClr val="8000FF"/>
+                </a:solidFill>
+                <a:latin typeface="Courier New" panose="02070309020205020404" pitchFamily="49" charset="0"/>
+              </a:rPr>
+              <a:t>"</a:t>
+            </a:r>
+            <a:r>
+              <a:rPr lang="pt-PT" dirty="0">
                 <a:solidFill>
                   <a:srgbClr val="000000"/>
                 </a:solidFill>
@@ -11036,34 +13632,7 @@
               <a:t> </a:t>
             </a:r>
             <a:r>
-              <a:rPr lang="en-US" dirty="0" err="1">
-                <a:solidFill>
-                  <a:srgbClr val="FF0000"/>
-                </a:solidFill>
-                <a:latin typeface="Courier New" panose="02070309020205020404" pitchFamily="49" charset="0"/>
-              </a:rPr>
-              <a:t>multiValued</a:t>
-            </a:r>
-            <a:r>
-              <a:rPr lang="en-US" dirty="0">
-                <a:solidFill>
-                  <a:srgbClr val="000000"/>
-                </a:solidFill>
-                <a:latin typeface="Courier New" panose="02070309020205020404" pitchFamily="49" charset="0"/>
-              </a:rPr>
-              <a:t>=</a:t>
-            </a:r>
-            <a:r>
-              <a:rPr lang="en-US" b="1" dirty="0">
-                <a:solidFill>
-                  <a:srgbClr val="8000FF"/>
-                </a:solidFill>
-                <a:latin typeface="Courier New" panose="02070309020205020404" pitchFamily="49" charset="0"/>
-              </a:rPr>
-              <a:t>"true"</a:t>
-            </a:r>
-            <a:r>
-              <a:rPr lang="en-US" dirty="0">
+              <a:rPr lang="pt-PT" dirty="0">
                 <a:solidFill>
                   <a:srgbClr val="0000FF"/>
                 </a:solidFill>
@@ -11071,1643 +13640,15 @@
               </a:rPr>
               <a:t>/&gt;</a:t>
             </a:r>
-            <a:r>
-              <a:rPr lang="en-US" b="1" dirty="0">
-                <a:solidFill>
-                  <a:srgbClr val="000000"/>
-                </a:solidFill>
-                <a:latin typeface="Courier New" panose="02070309020205020404" pitchFamily="49" charset="0"/>
-              </a:rPr>
-              <a:t> </a:t>
-            </a:r>
-          </a:p>
-          <a:p>
-            <a:r>
-              <a:rPr lang="en-US" dirty="0">
-                <a:solidFill>
-                  <a:srgbClr val="0000FF"/>
-                </a:solidFill>
-                <a:latin typeface="Courier New" panose="02070309020205020404" pitchFamily="49" charset="0"/>
-              </a:rPr>
-              <a:t>&lt;field</a:t>
-            </a:r>
-            <a:r>
-              <a:rPr lang="en-US" dirty="0">
-                <a:solidFill>
-                  <a:srgbClr val="000000"/>
-                </a:solidFill>
-                <a:latin typeface="Courier New" panose="02070309020205020404" pitchFamily="49" charset="0"/>
-              </a:rPr>
-              <a:t> </a:t>
-            </a:r>
-            <a:r>
-              <a:rPr lang="en-US" dirty="0">
-                <a:solidFill>
-                  <a:srgbClr val="FF0000"/>
-                </a:solidFill>
-                <a:latin typeface="Courier New" panose="02070309020205020404" pitchFamily="49" charset="0"/>
-              </a:rPr>
-              <a:t>name</a:t>
-            </a:r>
-            <a:r>
-              <a:rPr lang="en-US" dirty="0">
-                <a:solidFill>
-                  <a:srgbClr val="000000"/>
-                </a:solidFill>
-                <a:latin typeface="Courier New" panose="02070309020205020404" pitchFamily="49" charset="0"/>
-              </a:rPr>
-              <a:t>=</a:t>
-            </a:r>
-            <a:r>
-              <a:rPr lang="en-US" b="1" dirty="0">
-                <a:solidFill>
-                  <a:srgbClr val="8000FF"/>
-                </a:solidFill>
-                <a:latin typeface="Courier New" panose="02070309020205020404" pitchFamily="49" charset="0"/>
-              </a:rPr>
-              <a:t>"dates"</a:t>
-            </a:r>
-            <a:r>
-              <a:rPr lang="en-US" dirty="0">
-                <a:solidFill>
-                  <a:srgbClr val="000000"/>
-                </a:solidFill>
-                <a:latin typeface="Courier New" panose="02070309020205020404" pitchFamily="49" charset="0"/>
-              </a:rPr>
-              <a:t> </a:t>
-            </a:r>
-            <a:r>
-              <a:rPr lang="en-US" dirty="0">
-                <a:solidFill>
-                  <a:srgbClr val="FF0000"/>
-                </a:solidFill>
-                <a:latin typeface="Courier New" panose="02070309020205020404" pitchFamily="49" charset="0"/>
-              </a:rPr>
-              <a:t>type</a:t>
-            </a:r>
-            <a:r>
-              <a:rPr lang="en-US" dirty="0">
-                <a:solidFill>
-                  <a:srgbClr val="000000"/>
-                </a:solidFill>
-                <a:latin typeface="Courier New" panose="02070309020205020404" pitchFamily="49" charset="0"/>
-              </a:rPr>
-              <a:t>=</a:t>
-            </a:r>
-            <a:r>
-              <a:rPr lang="en-US" b="1" dirty="0">
-                <a:solidFill>
-                  <a:srgbClr val="8000FF"/>
-                </a:solidFill>
-                <a:latin typeface="Courier New" panose="02070309020205020404" pitchFamily="49" charset="0"/>
-              </a:rPr>
-              <a:t>"date"</a:t>
-            </a:r>
-            <a:r>
-              <a:rPr lang="en-US" dirty="0">
-                <a:solidFill>
-                  <a:srgbClr val="000000"/>
-                </a:solidFill>
-                <a:latin typeface="Courier New" panose="02070309020205020404" pitchFamily="49" charset="0"/>
-              </a:rPr>
-              <a:t> </a:t>
-            </a:r>
-            <a:r>
-              <a:rPr lang="en-US" dirty="0">
-                <a:solidFill>
-                  <a:srgbClr val="FF0000"/>
-                </a:solidFill>
-                <a:latin typeface="Courier New" panose="02070309020205020404" pitchFamily="49" charset="0"/>
-              </a:rPr>
-              <a:t>indexed</a:t>
-            </a:r>
-            <a:r>
-              <a:rPr lang="en-US" dirty="0">
-                <a:solidFill>
-                  <a:srgbClr val="000000"/>
-                </a:solidFill>
-                <a:latin typeface="Courier New" panose="02070309020205020404" pitchFamily="49" charset="0"/>
-              </a:rPr>
-              <a:t>=</a:t>
-            </a:r>
-            <a:r>
-              <a:rPr lang="en-US" b="1" dirty="0">
-                <a:solidFill>
-                  <a:srgbClr val="8000FF"/>
-                </a:solidFill>
-                <a:latin typeface="Courier New" panose="02070309020205020404" pitchFamily="49" charset="0"/>
-              </a:rPr>
-              <a:t>"true"</a:t>
-            </a:r>
-            <a:r>
-              <a:rPr lang="en-US" dirty="0">
-                <a:solidFill>
-                  <a:srgbClr val="000000"/>
-                </a:solidFill>
-                <a:latin typeface="Courier New" panose="02070309020205020404" pitchFamily="49" charset="0"/>
-              </a:rPr>
-              <a:t> </a:t>
-            </a:r>
-            <a:r>
-              <a:rPr lang="en-US" dirty="0">
-                <a:solidFill>
-                  <a:srgbClr val="FF0000"/>
-                </a:solidFill>
-                <a:latin typeface="Courier New" panose="02070309020205020404" pitchFamily="49" charset="0"/>
-              </a:rPr>
-              <a:t>stored</a:t>
-            </a:r>
-            <a:r>
-              <a:rPr lang="en-US" dirty="0">
-                <a:solidFill>
-                  <a:srgbClr val="000000"/>
-                </a:solidFill>
-                <a:latin typeface="Courier New" panose="02070309020205020404" pitchFamily="49" charset="0"/>
-              </a:rPr>
-              <a:t>=</a:t>
-            </a:r>
-            <a:r>
-              <a:rPr lang="en-US" b="1" dirty="0">
-                <a:solidFill>
-                  <a:srgbClr val="8000FF"/>
-                </a:solidFill>
-                <a:latin typeface="Courier New" panose="02070309020205020404" pitchFamily="49" charset="0"/>
-              </a:rPr>
-              <a:t>"true"</a:t>
-            </a:r>
-            <a:r>
-              <a:rPr lang="en-US" dirty="0">
-                <a:solidFill>
-                  <a:srgbClr val="000000"/>
-                </a:solidFill>
-                <a:latin typeface="Courier New" panose="02070309020205020404" pitchFamily="49" charset="0"/>
-              </a:rPr>
-              <a:t> </a:t>
-            </a:r>
-            <a:r>
-              <a:rPr lang="en-US" dirty="0" err="1">
-                <a:solidFill>
-                  <a:srgbClr val="FF0000"/>
-                </a:solidFill>
-                <a:latin typeface="Courier New" panose="02070309020205020404" pitchFamily="49" charset="0"/>
-              </a:rPr>
-              <a:t>multiValued</a:t>
-            </a:r>
-            <a:r>
-              <a:rPr lang="en-US" dirty="0">
-                <a:solidFill>
-                  <a:srgbClr val="000000"/>
-                </a:solidFill>
-                <a:latin typeface="Courier New" panose="02070309020205020404" pitchFamily="49" charset="0"/>
-              </a:rPr>
-              <a:t>=</a:t>
-            </a:r>
-            <a:r>
-              <a:rPr lang="en-US" b="1" dirty="0">
-                <a:solidFill>
-                  <a:srgbClr val="8000FF"/>
-                </a:solidFill>
-                <a:latin typeface="Courier New" panose="02070309020205020404" pitchFamily="49" charset="0"/>
-              </a:rPr>
-              <a:t>"true"</a:t>
-            </a:r>
-            <a:r>
-              <a:rPr lang="en-US" dirty="0">
-                <a:solidFill>
-                  <a:srgbClr val="0000FF"/>
-                </a:solidFill>
-                <a:latin typeface="Courier New" panose="02070309020205020404" pitchFamily="49" charset="0"/>
-              </a:rPr>
-              <a:t>/&gt;</a:t>
-            </a:r>
-            <a:r>
-              <a:rPr lang="en-US" b="1" dirty="0">
-                <a:solidFill>
-                  <a:srgbClr val="000000"/>
-                </a:solidFill>
-                <a:latin typeface="Courier New" panose="02070309020205020404" pitchFamily="49" charset="0"/>
-              </a:rPr>
-              <a:t> </a:t>
-            </a:r>
-          </a:p>
-          <a:p>
-            <a:r>
-              <a:rPr lang="en-US" dirty="0">
-                <a:solidFill>
-                  <a:srgbClr val="0000FF"/>
-                </a:solidFill>
-                <a:latin typeface="Courier New" panose="02070309020205020404" pitchFamily="49" charset="0"/>
-              </a:rPr>
-              <a:t>&lt;field</a:t>
-            </a:r>
-            <a:r>
-              <a:rPr lang="en-US" dirty="0">
-                <a:solidFill>
-                  <a:srgbClr val="000000"/>
-                </a:solidFill>
-                <a:latin typeface="Courier New" panose="02070309020205020404" pitchFamily="49" charset="0"/>
-              </a:rPr>
-              <a:t> </a:t>
-            </a:r>
-            <a:r>
-              <a:rPr lang="en-US" dirty="0">
-                <a:solidFill>
-                  <a:srgbClr val="FF0000"/>
-                </a:solidFill>
-                <a:latin typeface="Courier New" panose="02070309020205020404" pitchFamily="49" charset="0"/>
-              </a:rPr>
-              <a:t>name</a:t>
-            </a:r>
-            <a:r>
-              <a:rPr lang="en-US" dirty="0">
-                <a:solidFill>
-                  <a:srgbClr val="000000"/>
-                </a:solidFill>
-                <a:latin typeface="Courier New" panose="02070309020205020404" pitchFamily="49" charset="0"/>
-              </a:rPr>
-              <a:t>=</a:t>
-            </a:r>
-            <a:r>
-              <a:rPr lang="en-US" b="1" dirty="0">
-                <a:solidFill>
-                  <a:srgbClr val="8000FF"/>
-                </a:solidFill>
-                <a:latin typeface="Courier New" panose="02070309020205020404" pitchFamily="49" charset="0"/>
-              </a:rPr>
-              <a:t>"</a:t>
-            </a:r>
-            <a:r>
-              <a:rPr lang="en-US" b="1" dirty="0" err="1">
-                <a:solidFill>
-                  <a:srgbClr val="8000FF"/>
-                </a:solidFill>
-                <a:latin typeface="Courier New" panose="02070309020205020404" pitchFamily="49" charset="0"/>
-              </a:rPr>
-              <a:t>first_name</a:t>
-            </a:r>
-            <a:r>
-              <a:rPr lang="en-US" b="1" dirty="0">
-                <a:solidFill>
-                  <a:srgbClr val="8000FF"/>
-                </a:solidFill>
-                <a:latin typeface="Courier New" panose="02070309020205020404" pitchFamily="49" charset="0"/>
-              </a:rPr>
-              <a:t>"</a:t>
-            </a:r>
-            <a:r>
-              <a:rPr lang="en-US" dirty="0">
-                <a:solidFill>
-                  <a:srgbClr val="000000"/>
-                </a:solidFill>
-                <a:latin typeface="Courier New" panose="02070309020205020404" pitchFamily="49" charset="0"/>
-              </a:rPr>
-              <a:t> </a:t>
-            </a:r>
-            <a:r>
-              <a:rPr lang="en-US" dirty="0">
-                <a:solidFill>
-                  <a:srgbClr val="FF0000"/>
-                </a:solidFill>
-                <a:latin typeface="Courier New" panose="02070309020205020404" pitchFamily="49" charset="0"/>
-              </a:rPr>
-              <a:t>type</a:t>
-            </a:r>
-            <a:r>
-              <a:rPr lang="en-US" dirty="0">
-                <a:solidFill>
-                  <a:srgbClr val="000000"/>
-                </a:solidFill>
-                <a:latin typeface="Courier New" panose="02070309020205020404" pitchFamily="49" charset="0"/>
-              </a:rPr>
-              <a:t>=</a:t>
-            </a:r>
-            <a:r>
-              <a:rPr lang="en-US" b="1" dirty="0">
-                <a:solidFill>
-                  <a:srgbClr val="8000FF"/>
-                </a:solidFill>
-                <a:latin typeface="Courier New" panose="02070309020205020404" pitchFamily="49" charset="0"/>
-              </a:rPr>
-              <a:t>"string"</a:t>
-            </a:r>
-            <a:r>
-              <a:rPr lang="en-US" dirty="0">
-                <a:solidFill>
-                  <a:srgbClr val="000000"/>
-                </a:solidFill>
-                <a:latin typeface="Courier New" panose="02070309020205020404" pitchFamily="49" charset="0"/>
-              </a:rPr>
-              <a:t> </a:t>
-            </a:r>
-            <a:r>
-              <a:rPr lang="en-US" dirty="0">
-                <a:solidFill>
-                  <a:srgbClr val="FF0000"/>
-                </a:solidFill>
-                <a:latin typeface="Courier New" panose="02070309020205020404" pitchFamily="49" charset="0"/>
-              </a:rPr>
-              <a:t>indexed</a:t>
-            </a:r>
-            <a:r>
-              <a:rPr lang="en-US" dirty="0">
-                <a:solidFill>
-                  <a:srgbClr val="000000"/>
-                </a:solidFill>
-                <a:latin typeface="Courier New" panose="02070309020205020404" pitchFamily="49" charset="0"/>
-              </a:rPr>
-              <a:t>=</a:t>
-            </a:r>
-            <a:r>
-              <a:rPr lang="en-US" b="1" dirty="0">
-                <a:solidFill>
-                  <a:srgbClr val="8000FF"/>
-                </a:solidFill>
-                <a:latin typeface="Courier New" panose="02070309020205020404" pitchFamily="49" charset="0"/>
-              </a:rPr>
-              <a:t>"false"</a:t>
-            </a:r>
-            <a:r>
-              <a:rPr lang="en-US" dirty="0">
-                <a:solidFill>
-                  <a:srgbClr val="000000"/>
-                </a:solidFill>
-                <a:latin typeface="Courier New" panose="02070309020205020404" pitchFamily="49" charset="0"/>
-              </a:rPr>
-              <a:t> </a:t>
-            </a:r>
-            <a:r>
-              <a:rPr lang="en-US" dirty="0">
-                <a:solidFill>
-                  <a:srgbClr val="FF0000"/>
-                </a:solidFill>
-                <a:latin typeface="Courier New" panose="02070309020205020404" pitchFamily="49" charset="0"/>
-              </a:rPr>
-              <a:t>stored</a:t>
-            </a:r>
-            <a:r>
-              <a:rPr lang="en-US" dirty="0">
-                <a:solidFill>
-                  <a:srgbClr val="000000"/>
-                </a:solidFill>
-                <a:latin typeface="Courier New" panose="02070309020205020404" pitchFamily="49" charset="0"/>
-              </a:rPr>
-              <a:t>=</a:t>
-            </a:r>
-            <a:r>
-              <a:rPr lang="en-US" b="1" dirty="0">
-                <a:solidFill>
-                  <a:srgbClr val="8000FF"/>
-                </a:solidFill>
-                <a:latin typeface="Courier New" panose="02070309020205020404" pitchFamily="49" charset="0"/>
-              </a:rPr>
-              <a:t>"true"</a:t>
-            </a:r>
-            <a:r>
-              <a:rPr lang="en-US" dirty="0">
-                <a:solidFill>
-                  <a:srgbClr val="0000FF"/>
-                </a:solidFill>
-                <a:latin typeface="Courier New" panose="02070309020205020404" pitchFamily="49" charset="0"/>
-              </a:rPr>
-              <a:t>/&gt;</a:t>
-            </a:r>
-            <a:r>
-              <a:rPr lang="en-US" b="1" dirty="0">
-                <a:solidFill>
-                  <a:srgbClr val="000000"/>
-                </a:solidFill>
-                <a:latin typeface="Courier New" panose="02070309020205020404" pitchFamily="49" charset="0"/>
-              </a:rPr>
-              <a:t> </a:t>
-            </a:r>
-          </a:p>
-          <a:p>
-            <a:r>
-              <a:rPr lang="en-US" dirty="0">
-                <a:solidFill>
-                  <a:srgbClr val="0000FF"/>
-                </a:solidFill>
-                <a:latin typeface="Courier New" panose="02070309020205020404" pitchFamily="49" charset="0"/>
-              </a:rPr>
-              <a:t>&lt;field</a:t>
-            </a:r>
-            <a:r>
-              <a:rPr lang="en-US" dirty="0">
-                <a:solidFill>
-                  <a:srgbClr val="000000"/>
-                </a:solidFill>
-                <a:latin typeface="Courier New" panose="02070309020205020404" pitchFamily="49" charset="0"/>
-              </a:rPr>
-              <a:t> </a:t>
-            </a:r>
-            <a:r>
-              <a:rPr lang="en-US" dirty="0">
-                <a:solidFill>
-                  <a:srgbClr val="FF0000"/>
-                </a:solidFill>
-                <a:latin typeface="Courier New" panose="02070309020205020404" pitchFamily="49" charset="0"/>
-              </a:rPr>
-              <a:t>name</a:t>
-            </a:r>
-            <a:r>
-              <a:rPr lang="en-US" dirty="0">
-                <a:solidFill>
-                  <a:srgbClr val="000000"/>
-                </a:solidFill>
-                <a:latin typeface="Courier New" panose="02070309020205020404" pitchFamily="49" charset="0"/>
-              </a:rPr>
-              <a:t>=</a:t>
-            </a:r>
-            <a:r>
-              <a:rPr lang="en-US" b="1" dirty="0">
-                <a:solidFill>
-                  <a:srgbClr val="8000FF"/>
-                </a:solidFill>
-                <a:latin typeface="Courier New" panose="02070309020205020404" pitchFamily="49" charset="0"/>
-              </a:rPr>
-              <a:t>"</a:t>
-            </a:r>
-            <a:r>
-              <a:rPr lang="en-US" b="1" dirty="0" err="1">
-                <a:solidFill>
-                  <a:srgbClr val="8000FF"/>
-                </a:solidFill>
-                <a:latin typeface="Courier New" panose="02070309020205020404" pitchFamily="49" charset="0"/>
-              </a:rPr>
-              <a:t>last_name</a:t>
-            </a:r>
-            <a:r>
-              <a:rPr lang="en-US" b="1" dirty="0">
-                <a:solidFill>
-                  <a:srgbClr val="8000FF"/>
-                </a:solidFill>
-                <a:latin typeface="Courier New" panose="02070309020205020404" pitchFamily="49" charset="0"/>
-              </a:rPr>
-              <a:t>"</a:t>
-            </a:r>
-            <a:r>
-              <a:rPr lang="en-US" dirty="0">
-                <a:solidFill>
-                  <a:srgbClr val="000000"/>
-                </a:solidFill>
-                <a:latin typeface="Courier New" panose="02070309020205020404" pitchFamily="49" charset="0"/>
-              </a:rPr>
-              <a:t> </a:t>
-            </a:r>
-            <a:r>
-              <a:rPr lang="en-US" dirty="0">
-                <a:solidFill>
-                  <a:srgbClr val="FF0000"/>
-                </a:solidFill>
-                <a:latin typeface="Courier New" panose="02070309020205020404" pitchFamily="49" charset="0"/>
-              </a:rPr>
-              <a:t>type</a:t>
-            </a:r>
-            <a:r>
-              <a:rPr lang="en-US" dirty="0">
-                <a:solidFill>
-                  <a:srgbClr val="000000"/>
-                </a:solidFill>
-                <a:latin typeface="Courier New" panose="02070309020205020404" pitchFamily="49" charset="0"/>
-              </a:rPr>
-              <a:t>=</a:t>
-            </a:r>
-            <a:r>
-              <a:rPr lang="en-US" b="1" dirty="0">
-                <a:solidFill>
-                  <a:srgbClr val="8000FF"/>
-                </a:solidFill>
-                <a:latin typeface="Courier New" panose="02070309020205020404" pitchFamily="49" charset="0"/>
-              </a:rPr>
-              <a:t>"string"</a:t>
-            </a:r>
-            <a:r>
-              <a:rPr lang="en-US" dirty="0">
-                <a:solidFill>
-                  <a:srgbClr val="000000"/>
-                </a:solidFill>
-                <a:latin typeface="Courier New" panose="02070309020205020404" pitchFamily="49" charset="0"/>
-              </a:rPr>
-              <a:t> </a:t>
-            </a:r>
-            <a:r>
-              <a:rPr lang="en-US" dirty="0">
-                <a:solidFill>
-                  <a:srgbClr val="FF0000"/>
-                </a:solidFill>
-                <a:latin typeface="Courier New" panose="02070309020205020404" pitchFamily="49" charset="0"/>
-              </a:rPr>
-              <a:t>indexed</a:t>
-            </a:r>
-            <a:r>
-              <a:rPr lang="en-US" dirty="0">
-                <a:solidFill>
-                  <a:srgbClr val="000000"/>
-                </a:solidFill>
-                <a:latin typeface="Courier New" panose="02070309020205020404" pitchFamily="49" charset="0"/>
-              </a:rPr>
-              <a:t>=</a:t>
-            </a:r>
-            <a:r>
-              <a:rPr lang="en-US" b="1" dirty="0">
-                <a:solidFill>
-                  <a:srgbClr val="8000FF"/>
-                </a:solidFill>
-                <a:latin typeface="Courier New" panose="02070309020205020404" pitchFamily="49" charset="0"/>
-              </a:rPr>
-              <a:t>"false"</a:t>
-            </a:r>
-            <a:r>
-              <a:rPr lang="en-US" dirty="0">
-                <a:solidFill>
-                  <a:srgbClr val="000000"/>
-                </a:solidFill>
-                <a:latin typeface="Courier New" panose="02070309020205020404" pitchFamily="49" charset="0"/>
-              </a:rPr>
-              <a:t> </a:t>
-            </a:r>
-            <a:r>
-              <a:rPr lang="en-US" dirty="0">
-                <a:solidFill>
-                  <a:srgbClr val="FF0000"/>
-                </a:solidFill>
-                <a:latin typeface="Courier New" panose="02070309020205020404" pitchFamily="49" charset="0"/>
-              </a:rPr>
-              <a:t>stored</a:t>
-            </a:r>
-            <a:r>
-              <a:rPr lang="en-US" dirty="0">
-                <a:solidFill>
-                  <a:srgbClr val="000000"/>
-                </a:solidFill>
-                <a:latin typeface="Courier New" panose="02070309020205020404" pitchFamily="49" charset="0"/>
-              </a:rPr>
-              <a:t>=</a:t>
-            </a:r>
-            <a:r>
-              <a:rPr lang="en-US" b="1" dirty="0">
-                <a:solidFill>
-                  <a:srgbClr val="8000FF"/>
-                </a:solidFill>
-                <a:latin typeface="Courier New" panose="02070309020205020404" pitchFamily="49" charset="0"/>
-              </a:rPr>
-              <a:t>"true"</a:t>
-            </a:r>
-            <a:r>
-              <a:rPr lang="en-US" dirty="0">
-                <a:solidFill>
-                  <a:srgbClr val="0000FF"/>
-                </a:solidFill>
-                <a:latin typeface="Courier New" panose="02070309020205020404" pitchFamily="49" charset="0"/>
-              </a:rPr>
-              <a:t>/&gt;</a:t>
-            </a:r>
-            <a:r>
-              <a:rPr lang="en-US" b="1" dirty="0">
-                <a:solidFill>
-                  <a:srgbClr val="000000"/>
-                </a:solidFill>
-                <a:latin typeface="Courier New" panose="02070309020205020404" pitchFamily="49" charset="0"/>
-              </a:rPr>
-              <a:t> </a:t>
-            </a:r>
-          </a:p>
-          <a:p>
-            <a:r>
-              <a:rPr lang="en-US" dirty="0">
-                <a:solidFill>
-                  <a:srgbClr val="0000FF"/>
-                </a:solidFill>
-                <a:latin typeface="Courier New" panose="02070309020205020404" pitchFamily="49" charset="0"/>
-              </a:rPr>
-              <a:t>&lt;field</a:t>
-            </a:r>
-            <a:r>
-              <a:rPr lang="en-US" dirty="0">
-                <a:solidFill>
-                  <a:srgbClr val="000000"/>
-                </a:solidFill>
-                <a:latin typeface="Courier New" panose="02070309020205020404" pitchFamily="49" charset="0"/>
-              </a:rPr>
-              <a:t> </a:t>
-            </a:r>
-            <a:r>
-              <a:rPr lang="en-US" dirty="0">
-                <a:solidFill>
-                  <a:srgbClr val="FF0000"/>
-                </a:solidFill>
-                <a:latin typeface="Courier New" panose="02070309020205020404" pitchFamily="49" charset="0"/>
-              </a:rPr>
-              <a:t>name</a:t>
-            </a:r>
-            <a:r>
-              <a:rPr lang="en-US" dirty="0">
-                <a:solidFill>
-                  <a:srgbClr val="000000"/>
-                </a:solidFill>
-                <a:latin typeface="Courier New" panose="02070309020205020404" pitchFamily="49" charset="0"/>
-              </a:rPr>
-              <a:t>=</a:t>
-            </a:r>
-            <a:r>
-              <a:rPr lang="en-US" b="1" dirty="0">
-                <a:solidFill>
-                  <a:srgbClr val="8000FF"/>
-                </a:solidFill>
-                <a:latin typeface="Courier New" panose="02070309020205020404" pitchFamily="49" charset="0"/>
-              </a:rPr>
-              <a:t>"</a:t>
-            </a:r>
-            <a:r>
-              <a:rPr lang="en-US" b="1" dirty="0" err="1">
-                <a:solidFill>
-                  <a:srgbClr val="8000FF"/>
-                </a:solidFill>
-                <a:latin typeface="Courier New" panose="02070309020205020404" pitchFamily="49" charset="0"/>
-              </a:rPr>
-              <a:t>dob</a:t>
-            </a:r>
-            <a:r>
-              <a:rPr lang="en-US" b="1" dirty="0">
-                <a:solidFill>
-                  <a:srgbClr val="8000FF"/>
-                </a:solidFill>
-                <a:latin typeface="Courier New" panose="02070309020205020404" pitchFamily="49" charset="0"/>
-              </a:rPr>
-              <a:t>"</a:t>
-            </a:r>
-            <a:r>
-              <a:rPr lang="en-US" dirty="0">
-                <a:solidFill>
-                  <a:srgbClr val="000000"/>
-                </a:solidFill>
-                <a:latin typeface="Courier New" panose="02070309020205020404" pitchFamily="49" charset="0"/>
-              </a:rPr>
-              <a:t> </a:t>
-            </a:r>
-            <a:r>
-              <a:rPr lang="en-US" dirty="0">
-                <a:solidFill>
-                  <a:srgbClr val="FF0000"/>
-                </a:solidFill>
-                <a:latin typeface="Courier New" panose="02070309020205020404" pitchFamily="49" charset="0"/>
-              </a:rPr>
-              <a:t>type</a:t>
-            </a:r>
-            <a:r>
-              <a:rPr lang="en-US" dirty="0">
-                <a:solidFill>
-                  <a:srgbClr val="000000"/>
-                </a:solidFill>
-                <a:latin typeface="Courier New" panose="02070309020205020404" pitchFamily="49" charset="0"/>
-              </a:rPr>
-              <a:t>=</a:t>
-            </a:r>
-            <a:r>
-              <a:rPr lang="en-US" b="1" dirty="0">
-                <a:solidFill>
-                  <a:srgbClr val="8000FF"/>
-                </a:solidFill>
-                <a:latin typeface="Courier New" panose="02070309020205020404" pitchFamily="49" charset="0"/>
-              </a:rPr>
-              <a:t>"date"</a:t>
-            </a:r>
-            <a:r>
-              <a:rPr lang="en-US" dirty="0">
-                <a:solidFill>
-                  <a:srgbClr val="000000"/>
-                </a:solidFill>
-                <a:latin typeface="Courier New" panose="02070309020205020404" pitchFamily="49" charset="0"/>
-              </a:rPr>
-              <a:t> </a:t>
-            </a:r>
-            <a:r>
-              <a:rPr lang="en-US" dirty="0">
-                <a:solidFill>
-                  <a:srgbClr val="FF0000"/>
-                </a:solidFill>
-                <a:latin typeface="Courier New" panose="02070309020205020404" pitchFamily="49" charset="0"/>
-              </a:rPr>
-              <a:t>indexed</a:t>
-            </a:r>
-            <a:r>
-              <a:rPr lang="en-US" dirty="0">
-                <a:solidFill>
-                  <a:srgbClr val="000000"/>
-                </a:solidFill>
-                <a:latin typeface="Courier New" panose="02070309020205020404" pitchFamily="49" charset="0"/>
-              </a:rPr>
-              <a:t>=</a:t>
-            </a:r>
-            <a:r>
-              <a:rPr lang="en-US" b="1" dirty="0">
-                <a:solidFill>
-                  <a:srgbClr val="8000FF"/>
-                </a:solidFill>
-                <a:latin typeface="Courier New" panose="02070309020205020404" pitchFamily="49" charset="0"/>
-              </a:rPr>
-              <a:t>"false"</a:t>
-            </a:r>
-            <a:r>
-              <a:rPr lang="en-US" dirty="0">
-                <a:solidFill>
-                  <a:srgbClr val="000000"/>
-                </a:solidFill>
-                <a:latin typeface="Courier New" panose="02070309020205020404" pitchFamily="49" charset="0"/>
-              </a:rPr>
-              <a:t> </a:t>
-            </a:r>
-            <a:r>
-              <a:rPr lang="en-US" dirty="0">
-                <a:solidFill>
-                  <a:srgbClr val="FF0000"/>
-                </a:solidFill>
-                <a:latin typeface="Courier New" panose="02070309020205020404" pitchFamily="49" charset="0"/>
-              </a:rPr>
-              <a:t>stored</a:t>
-            </a:r>
-            <a:r>
-              <a:rPr lang="en-US" dirty="0">
-                <a:solidFill>
-                  <a:srgbClr val="000000"/>
-                </a:solidFill>
-                <a:latin typeface="Courier New" panose="02070309020205020404" pitchFamily="49" charset="0"/>
-              </a:rPr>
-              <a:t>=</a:t>
-            </a:r>
-            <a:r>
-              <a:rPr lang="en-US" b="1" dirty="0">
-                <a:solidFill>
-                  <a:srgbClr val="8000FF"/>
-                </a:solidFill>
-                <a:latin typeface="Courier New" panose="02070309020205020404" pitchFamily="49" charset="0"/>
-              </a:rPr>
-              <a:t>"true"</a:t>
-            </a:r>
-            <a:r>
-              <a:rPr lang="en-US" dirty="0">
-                <a:solidFill>
-                  <a:srgbClr val="0000FF"/>
-                </a:solidFill>
-                <a:latin typeface="Courier New" panose="02070309020205020404" pitchFamily="49" charset="0"/>
-              </a:rPr>
-              <a:t>/&gt;</a:t>
-            </a:r>
-            <a:r>
-              <a:rPr lang="en-US" b="1" dirty="0">
-                <a:solidFill>
-                  <a:srgbClr val="000000"/>
-                </a:solidFill>
-                <a:latin typeface="Courier New" panose="02070309020205020404" pitchFamily="49" charset="0"/>
-              </a:rPr>
-              <a:t> </a:t>
-            </a:r>
-          </a:p>
-          <a:p>
-            <a:r>
-              <a:rPr lang="en-US" dirty="0">
-                <a:solidFill>
-                  <a:srgbClr val="0000FF"/>
-                </a:solidFill>
-                <a:latin typeface="Courier New" panose="02070309020205020404" pitchFamily="49" charset="0"/>
-              </a:rPr>
-              <a:t>&lt;field</a:t>
-            </a:r>
-            <a:r>
-              <a:rPr lang="en-US" dirty="0">
-                <a:solidFill>
-                  <a:srgbClr val="000000"/>
-                </a:solidFill>
-                <a:latin typeface="Courier New" panose="02070309020205020404" pitchFamily="49" charset="0"/>
-              </a:rPr>
-              <a:t> </a:t>
-            </a:r>
-            <a:r>
-              <a:rPr lang="en-US" dirty="0">
-                <a:solidFill>
-                  <a:srgbClr val="FF0000"/>
-                </a:solidFill>
-                <a:latin typeface="Courier New" panose="02070309020205020404" pitchFamily="49" charset="0"/>
-              </a:rPr>
-              <a:t>name</a:t>
-            </a:r>
-            <a:r>
-              <a:rPr lang="en-US" dirty="0">
-                <a:solidFill>
-                  <a:srgbClr val="000000"/>
-                </a:solidFill>
-                <a:latin typeface="Courier New" panose="02070309020205020404" pitchFamily="49" charset="0"/>
-              </a:rPr>
-              <a:t>=</a:t>
-            </a:r>
-            <a:r>
-              <a:rPr lang="en-US" b="1" dirty="0">
-                <a:solidFill>
-                  <a:srgbClr val="8000FF"/>
-                </a:solidFill>
-                <a:latin typeface="Courier New" panose="02070309020205020404" pitchFamily="49" charset="0"/>
-              </a:rPr>
-              <a:t>"</a:t>
-            </a:r>
-            <a:r>
-              <a:rPr lang="en-US" b="1" dirty="0" err="1">
-                <a:solidFill>
-                  <a:srgbClr val="8000FF"/>
-                </a:solidFill>
-                <a:latin typeface="Courier New" panose="02070309020205020404" pitchFamily="49" charset="0"/>
-              </a:rPr>
-              <a:t>elemento_id</a:t>
-            </a:r>
-            <a:r>
-              <a:rPr lang="en-US" b="1" dirty="0">
-                <a:solidFill>
-                  <a:srgbClr val="8000FF"/>
-                </a:solidFill>
-                <a:latin typeface="Courier New" panose="02070309020205020404" pitchFamily="49" charset="0"/>
-              </a:rPr>
-              <a:t>"</a:t>
-            </a:r>
-            <a:r>
-              <a:rPr lang="en-US" dirty="0">
-                <a:solidFill>
-                  <a:srgbClr val="000000"/>
-                </a:solidFill>
-                <a:latin typeface="Courier New" panose="02070309020205020404" pitchFamily="49" charset="0"/>
-              </a:rPr>
-              <a:t> </a:t>
-            </a:r>
-            <a:r>
-              <a:rPr lang="en-US" dirty="0">
-                <a:solidFill>
-                  <a:srgbClr val="FF0000"/>
-                </a:solidFill>
-                <a:latin typeface="Courier New" panose="02070309020205020404" pitchFamily="49" charset="0"/>
-              </a:rPr>
-              <a:t>type</a:t>
-            </a:r>
-            <a:r>
-              <a:rPr lang="en-US" dirty="0">
-                <a:solidFill>
-                  <a:srgbClr val="000000"/>
-                </a:solidFill>
-                <a:latin typeface="Courier New" panose="02070309020205020404" pitchFamily="49" charset="0"/>
-              </a:rPr>
-              <a:t>=</a:t>
-            </a:r>
-            <a:r>
-              <a:rPr lang="en-US" b="1" dirty="0">
-                <a:solidFill>
-                  <a:srgbClr val="8000FF"/>
-                </a:solidFill>
-                <a:latin typeface="Courier New" panose="02070309020205020404" pitchFamily="49" charset="0"/>
-              </a:rPr>
-              <a:t>"</a:t>
-            </a:r>
-            <a:r>
-              <a:rPr lang="en-US" b="1" dirty="0" err="1">
-                <a:solidFill>
-                  <a:srgbClr val="8000FF"/>
-                </a:solidFill>
-                <a:latin typeface="Courier New" panose="02070309020205020404" pitchFamily="49" charset="0"/>
-              </a:rPr>
-              <a:t>int</a:t>
-            </a:r>
-            <a:r>
-              <a:rPr lang="en-US" b="1" dirty="0">
-                <a:solidFill>
-                  <a:srgbClr val="8000FF"/>
-                </a:solidFill>
-                <a:latin typeface="Courier New" panose="02070309020205020404" pitchFamily="49" charset="0"/>
-              </a:rPr>
-              <a:t>"</a:t>
-            </a:r>
-            <a:r>
-              <a:rPr lang="en-US" dirty="0">
-                <a:solidFill>
-                  <a:srgbClr val="000000"/>
-                </a:solidFill>
-                <a:latin typeface="Courier New" panose="02070309020205020404" pitchFamily="49" charset="0"/>
-              </a:rPr>
-              <a:t> </a:t>
-            </a:r>
-            <a:r>
-              <a:rPr lang="en-US" dirty="0">
-                <a:solidFill>
-                  <a:srgbClr val="FF0000"/>
-                </a:solidFill>
-                <a:latin typeface="Courier New" panose="02070309020205020404" pitchFamily="49" charset="0"/>
-              </a:rPr>
-              <a:t>indexed</a:t>
-            </a:r>
-            <a:r>
-              <a:rPr lang="en-US" dirty="0">
-                <a:solidFill>
-                  <a:srgbClr val="000000"/>
-                </a:solidFill>
-                <a:latin typeface="Courier New" panose="02070309020205020404" pitchFamily="49" charset="0"/>
-              </a:rPr>
-              <a:t>=</a:t>
-            </a:r>
-            <a:r>
-              <a:rPr lang="en-US" b="1" dirty="0">
-                <a:solidFill>
-                  <a:srgbClr val="8000FF"/>
-                </a:solidFill>
-                <a:latin typeface="Courier New" panose="02070309020205020404" pitchFamily="49" charset="0"/>
-              </a:rPr>
-              <a:t>"false"</a:t>
-            </a:r>
-            <a:r>
-              <a:rPr lang="en-US" dirty="0">
-                <a:solidFill>
-                  <a:srgbClr val="000000"/>
-                </a:solidFill>
-                <a:latin typeface="Courier New" panose="02070309020205020404" pitchFamily="49" charset="0"/>
-              </a:rPr>
-              <a:t> </a:t>
-            </a:r>
-            <a:r>
-              <a:rPr lang="en-US" dirty="0">
-                <a:solidFill>
-                  <a:srgbClr val="FF0000"/>
-                </a:solidFill>
-                <a:latin typeface="Courier New" panose="02070309020205020404" pitchFamily="49" charset="0"/>
-              </a:rPr>
-              <a:t>stored</a:t>
-            </a:r>
-            <a:r>
-              <a:rPr lang="en-US" dirty="0">
-                <a:solidFill>
-                  <a:srgbClr val="000000"/>
-                </a:solidFill>
-                <a:latin typeface="Courier New" panose="02070309020205020404" pitchFamily="49" charset="0"/>
-              </a:rPr>
-              <a:t>=</a:t>
-            </a:r>
-            <a:r>
-              <a:rPr lang="en-US" b="1" dirty="0">
-                <a:solidFill>
-                  <a:srgbClr val="8000FF"/>
-                </a:solidFill>
-                <a:latin typeface="Courier New" panose="02070309020205020404" pitchFamily="49" charset="0"/>
-              </a:rPr>
-              <a:t>"true"</a:t>
-            </a:r>
-            <a:r>
-              <a:rPr lang="en-US" dirty="0">
-                <a:solidFill>
-                  <a:srgbClr val="000000"/>
-                </a:solidFill>
-                <a:latin typeface="Courier New" panose="02070309020205020404" pitchFamily="49" charset="0"/>
-              </a:rPr>
-              <a:t> </a:t>
-            </a:r>
-            <a:r>
-              <a:rPr lang="en-US" dirty="0">
-                <a:solidFill>
-                  <a:srgbClr val="0000FF"/>
-                </a:solidFill>
-                <a:latin typeface="Courier New" panose="02070309020205020404" pitchFamily="49" charset="0"/>
-              </a:rPr>
-              <a:t>/&gt;</a:t>
-            </a:r>
-            <a:r>
-              <a:rPr lang="en-US" b="1" dirty="0">
-                <a:solidFill>
-                  <a:srgbClr val="000000"/>
-                </a:solidFill>
-                <a:latin typeface="Courier New" panose="02070309020205020404" pitchFamily="49" charset="0"/>
-              </a:rPr>
-              <a:t> </a:t>
-            </a:r>
-          </a:p>
-          <a:p>
-            <a:r>
-              <a:rPr lang="en-US" dirty="0">
-                <a:solidFill>
-                  <a:srgbClr val="0000FF"/>
-                </a:solidFill>
-                <a:latin typeface="Courier New" panose="02070309020205020404" pitchFamily="49" charset="0"/>
-              </a:rPr>
-              <a:t>&lt;field</a:t>
-            </a:r>
-            <a:r>
-              <a:rPr lang="en-US" dirty="0">
-                <a:solidFill>
-                  <a:srgbClr val="000000"/>
-                </a:solidFill>
-                <a:latin typeface="Courier New" panose="02070309020205020404" pitchFamily="49" charset="0"/>
-              </a:rPr>
-              <a:t> </a:t>
-            </a:r>
-            <a:r>
-              <a:rPr lang="en-US" dirty="0">
-                <a:solidFill>
-                  <a:srgbClr val="FF0000"/>
-                </a:solidFill>
-                <a:latin typeface="Courier New" panose="02070309020205020404" pitchFamily="49" charset="0"/>
-              </a:rPr>
-              <a:t>name</a:t>
-            </a:r>
-            <a:r>
-              <a:rPr lang="en-US" dirty="0">
-                <a:solidFill>
-                  <a:srgbClr val="000000"/>
-                </a:solidFill>
-                <a:latin typeface="Courier New" panose="02070309020205020404" pitchFamily="49" charset="0"/>
-              </a:rPr>
-              <a:t>=</a:t>
-            </a:r>
-            <a:r>
-              <a:rPr lang="en-US" b="1" dirty="0">
-                <a:solidFill>
-                  <a:srgbClr val="8000FF"/>
-                </a:solidFill>
-                <a:latin typeface="Courier New" panose="02070309020205020404" pitchFamily="49" charset="0"/>
-              </a:rPr>
-              <a:t>"</a:t>
-            </a:r>
-            <a:r>
-              <a:rPr lang="en-US" b="1" dirty="0" err="1">
-                <a:solidFill>
-                  <a:srgbClr val="8000FF"/>
-                </a:solidFill>
-                <a:latin typeface="Courier New" panose="02070309020205020404" pitchFamily="49" charset="0"/>
-              </a:rPr>
-              <a:t>documento_id</a:t>
-            </a:r>
-            <a:r>
-              <a:rPr lang="en-US" b="1" dirty="0">
-                <a:solidFill>
-                  <a:srgbClr val="8000FF"/>
-                </a:solidFill>
-                <a:latin typeface="Courier New" panose="02070309020205020404" pitchFamily="49" charset="0"/>
-              </a:rPr>
-              <a:t>"</a:t>
-            </a:r>
-            <a:r>
-              <a:rPr lang="en-US" dirty="0">
-                <a:solidFill>
-                  <a:srgbClr val="000000"/>
-                </a:solidFill>
-                <a:latin typeface="Courier New" panose="02070309020205020404" pitchFamily="49" charset="0"/>
-              </a:rPr>
-              <a:t> </a:t>
-            </a:r>
-            <a:r>
-              <a:rPr lang="en-US" dirty="0">
-                <a:solidFill>
-                  <a:srgbClr val="FF0000"/>
-                </a:solidFill>
-                <a:latin typeface="Courier New" panose="02070309020205020404" pitchFamily="49" charset="0"/>
-              </a:rPr>
-              <a:t>type</a:t>
-            </a:r>
-            <a:r>
-              <a:rPr lang="en-US" dirty="0">
-                <a:solidFill>
-                  <a:srgbClr val="000000"/>
-                </a:solidFill>
-                <a:latin typeface="Courier New" panose="02070309020205020404" pitchFamily="49" charset="0"/>
-              </a:rPr>
-              <a:t>=</a:t>
-            </a:r>
-            <a:r>
-              <a:rPr lang="en-US" b="1" dirty="0">
-                <a:solidFill>
-                  <a:srgbClr val="8000FF"/>
-                </a:solidFill>
-                <a:latin typeface="Courier New" panose="02070309020205020404" pitchFamily="49" charset="0"/>
-              </a:rPr>
-              <a:t>"</a:t>
-            </a:r>
-            <a:r>
-              <a:rPr lang="en-US" b="1" dirty="0" err="1">
-                <a:solidFill>
-                  <a:srgbClr val="8000FF"/>
-                </a:solidFill>
-                <a:latin typeface="Courier New" panose="02070309020205020404" pitchFamily="49" charset="0"/>
-              </a:rPr>
-              <a:t>int</a:t>
-            </a:r>
-            <a:r>
-              <a:rPr lang="en-US" b="1" dirty="0">
-                <a:solidFill>
-                  <a:srgbClr val="8000FF"/>
-                </a:solidFill>
-                <a:latin typeface="Courier New" panose="02070309020205020404" pitchFamily="49" charset="0"/>
-              </a:rPr>
-              <a:t>"</a:t>
-            </a:r>
-            <a:r>
-              <a:rPr lang="en-US" dirty="0">
-                <a:solidFill>
-                  <a:srgbClr val="000000"/>
-                </a:solidFill>
-                <a:latin typeface="Courier New" panose="02070309020205020404" pitchFamily="49" charset="0"/>
-              </a:rPr>
-              <a:t> </a:t>
-            </a:r>
-            <a:r>
-              <a:rPr lang="en-US" dirty="0">
-                <a:solidFill>
-                  <a:srgbClr val="FF0000"/>
-                </a:solidFill>
-                <a:latin typeface="Courier New" panose="02070309020205020404" pitchFamily="49" charset="0"/>
-              </a:rPr>
-              <a:t>indexed</a:t>
-            </a:r>
-            <a:r>
-              <a:rPr lang="en-US" dirty="0">
-                <a:solidFill>
-                  <a:srgbClr val="000000"/>
-                </a:solidFill>
-                <a:latin typeface="Courier New" panose="02070309020205020404" pitchFamily="49" charset="0"/>
-              </a:rPr>
-              <a:t>=</a:t>
-            </a:r>
-            <a:r>
-              <a:rPr lang="en-US" b="1" dirty="0">
-                <a:solidFill>
-                  <a:srgbClr val="8000FF"/>
-                </a:solidFill>
-                <a:latin typeface="Courier New" panose="02070309020205020404" pitchFamily="49" charset="0"/>
-              </a:rPr>
-              <a:t>"false"</a:t>
-            </a:r>
-            <a:r>
-              <a:rPr lang="en-US" dirty="0">
-                <a:solidFill>
-                  <a:srgbClr val="000000"/>
-                </a:solidFill>
-                <a:latin typeface="Courier New" panose="02070309020205020404" pitchFamily="49" charset="0"/>
-              </a:rPr>
-              <a:t> </a:t>
-            </a:r>
-            <a:r>
-              <a:rPr lang="en-US" dirty="0">
-                <a:solidFill>
-                  <a:srgbClr val="FF0000"/>
-                </a:solidFill>
-                <a:latin typeface="Courier New" panose="02070309020205020404" pitchFamily="49" charset="0"/>
-              </a:rPr>
-              <a:t>stored</a:t>
-            </a:r>
-            <a:r>
-              <a:rPr lang="en-US" dirty="0">
-                <a:solidFill>
-                  <a:srgbClr val="000000"/>
-                </a:solidFill>
-                <a:latin typeface="Courier New" panose="02070309020205020404" pitchFamily="49" charset="0"/>
-              </a:rPr>
-              <a:t>=</a:t>
-            </a:r>
-            <a:r>
-              <a:rPr lang="en-US" b="1" dirty="0">
-                <a:solidFill>
-                  <a:srgbClr val="8000FF"/>
-                </a:solidFill>
-                <a:latin typeface="Courier New" panose="02070309020205020404" pitchFamily="49" charset="0"/>
-              </a:rPr>
-              <a:t>"true"</a:t>
-            </a:r>
-            <a:r>
-              <a:rPr lang="en-US" dirty="0">
-                <a:solidFill>
-                  <a:srgbClr val="000000"/>
-                </a:solidFill>
-                <a:latin typeface="Courier New" panose="02070309020205020404" pitchFamily="49" charset="0"/>
-              </a:rPr>
-              <a:t> </a:t>
-            </a:r>
-            <a:r>
-              <a:rPr lang="en-US" dirty="0">
-                <a:solidFill>
-                  <a:srgbClr val="0000FF"/>
-                </a:solidFill>
-                <a:latin typeface="Courier New" panose="02070309020205020404" pitchFamily="49" charset="0"/>
-              </a:rPr>
-              <a:t>/&gt;</a:t>
-            </a:r>
-            <a:r>
-              <a:rPr lang="en-US" b="1" dirty="0">
-                <a:solidFill>
-                  <a:srgbClr val="000000"/>
-                </a:solidFill>
-                <a:latin typeface="Courier New" panose="02070309020205020404" pitchFamily="49" charset="0"/>
-              </a:rPr>
-              <a:t> </a:t>
-            </a:r>
-          </a:p>
-          <a:p>
-            <a:r>
-              <a:rPr lang="en-US" dirty="0">
-                <a:solidFill>
-                  <a:srgbClr val="0000FF"/>
-                </a:solidFill>
-                <a:latin typeface="Courier New" panose="02070309020205020404" pitchFamily="49" charset="0"/>
-              </a:rPr>
-              <a:t>&lt;field</a:t>
-            </a:r>
-            <a:r>
-              <a:rPr lang="en-US" dirty="0">
-                <a:solidFill>
-                  <a:srgbClr val="000000"/>
-                </a:solidFill>
-                <a:latin typeface="Courier New" panose="02070309020205020404" pitchFamily="49" charset="0"/>
-              </a:rPr>
-              <a:t> </a:t>
-            </a:r>
-            <a:r>
-              <a:rPr lang="en-US" dirty="0">
-                <a:solidFill>
-                  <a:srgbClr val="FF0000"/>
-                </a:solidFill>
-                <a:latin typeface="Courier New" panose="02070309020205020404" pitchFamily="49" charset="0"/>
-              </a:rPr>
-              <a:t>name</a:t>
-            </a:r>
-            <a:r>
-              <a:rPr lang="en-US" dirty="0">
-                <a:solidFill>
-                  <a:srgbClr val="000000"/>
-                </a:solidFill>
-                <a:latin typeface="Courier New" panose="02070309020205020404" pitchFamily="49" charset="0"/>
-              </a:rPr>
-              <a:t>=</a:t>
-            </a:r>
-            <a:r>
-              <a:rPr lang="en-US" b="1" dirty="0">
-                <a:solidFill>
-                  <a:srgbClr val="8000FF"/>
-                </a:solidFill>
-                <a:latin typeface="Courier New" panose="02070309020205020404" pitchFamily="49" charset="0"/>
-              </a:rPr>
-              <a:t>"content"</a:t>
-            </a:r>
-            <a:r>
-              <a:rPr lang="en-US" dirty="0">
-                <a:solidFill>
-                  <a:srgbClr val="000000"/>
-                </a:solidFill>
-                <a:latin typeface="Courier New" panose="02070309020205020404" pitchFamily="49" charset="0"/>
-              </a:rPr>
-              <a:t> </a:t>
-            </a:r>
-            <a:r>
-              <a:rPr lang="en-US" dirty="0">
-                <a:solidFill>
-                  <a:srgbClr val="FF0000"/>
-                </a:solidFill>
-                <a:latin typeface="Courier New" panose="02070309020205020404" pitchFamily="49" charset="0"/>
-              </a:rPr>
-              <a:t>type</a:t>
-            </a:r>
-            <a:r>
-              <a:rPr lang="en-US" dirty="0">
-                <a:solidFill>
-                  <a:srgbClr val="000000"/>
-                </a:solidFill>
-                <a:latin typeface="Courier New" panose="02070309020205020404" pitchFamily="49" charset="0"/>
-              </a:rPr>
-              <a:t>=</a:t>
-            </a:r>
-            <a:r>
-              <a:rPr lang="en-US" b="1" dirty="0">
-                <a:solidFill>
-                  <a:srgbClr val="8000FF"/>
-                </a:solidFill>
-                <a:latin typeface="Courier New" panose="02070309020205020404" pitchFamily="49" charset="0"/>
-              </a:rPr>
-              <a:t>"</a:t>
-            </a:r>
-            <a:r>
-              <a:rPr lang="en-US" b="1" dirty="0" err="1">
-                <a:solidFill>
-                  <a:srgbClr val="8000FF"/>
-                </a:solidFill>
-                <a:latin typeface="Courier New" panose="02070309020205020404" pitchFamily="49" charset="0"/>
-              </a:rPr>
-              <a:t>text_general</a:t>
-            </a:r>
-            <a:r>
-              <a:rPr lang="en-US" b="1" dirty="0">
-                <a:solidFill>
-                  <a:srgbClr val="8000FF"/>
-                </a:solidFill>
-                <a:latin typeface="Courier New" panose="02070309020205020404" pitchFamily="49" charset="0"/>
-              </a:rPr>
-              <a:t>"</a:t>
-            </a:r>
-            <a:r>
-              <a:rPr lang="en-US" dirty="0">
-                <a:solidFill>
-                  <a:srgbClr val="000000"/>
-                </a:solidFill>
-                <a:latin typeface="Courier New" panose="02070309020205020404" pitchFamily="49" charset="0"/>
-              </a:rPr>
-              <a:t> </a:t>
-            </a:r>
-            <a:r>
-              <a:rPr lang="en-US" dirty="0">
-                <a:solidFill>
-                  <a:srgbClr val="FF0000"/>
-                </a:solidFill>
-                <a:latin typeface="Courier New" panose="02070309020205020404" pitchFamily="49" charset="0"/>
-              </a:rPr>
-              <a:t>indexed</a:t>
-            </a:r>
-            <a:r>
-              <a:rPr lang="en-US" dirty="0">
-                <a:solidFill>
-                  <a:srgbClr val="000000"/>
-                </a:solidFill>
-                <a:latin typeface="Courier New" panose="02070309020205020404" pitchFamily="49" charset="0"/>
-              </a:rPr>
-              <a:t>=</a:t>
-            </a:r>
-            <a:r>
-              <a:rPr lang="en-US" b="1" dirty="0">
-                <a:solidFill>
-                  <a:srgbClr val="8000FF"/>
-                </a:solidFill>
-                <a:latin typeface="Courier New" panose="02070309020205020404" pitchFamily="49" charset="0"/>
-              </a:rPr>
-              <a:t>"true"</a:t>
-            </a:r>
-            <a:r>
-              <a:rPr lang="en-US" dirty="0">
-                <a:solidFill>
-                  <a:srgbClr val="000000"/>
-                </a:solidFill>
-                <a:latin typeface="Courier New" panose="02070309020205020404" pitchFamily="49" charset="0"/>
-              </a:rPr>
-              <a:t> </a:t>
-            </a:r>
-            <a:r>
-              <a:rPr lang="en-US" dirty="0">
-                <a:solidFill>
-                  <a:srgbClr val="FF0000"/>
-                </a:solidFill>
-                <a:latin typeface="Courier New" panose="02070309020205020404" pitchFamily="49" charset="0"/>
-              </a:rPr>
-              <a:t>stored</a:t>
-            </a:r>
-            <a:r>
-              <a:rPr lang="en-US" dirty="0">
-                <a:solidFill>
-                  <a:srgbClr val="000000"/>
-                </a:solidFill>
-                <a:latin typeface="Courier New" panose="02070309020205020404" pitchFamily="49" charset="0"/>
-              </a:rPr>
-              <a:t>=</a:t>
-            </a:r>
-            <a:r>
-              <a:rPr lang="en-US" b="1" dirty="0">
-                <a:solidFill>
-                  <a:srgbClr val="8000FF"/>
-                </a:solidFill>
-                <a:latin typeface="Courier New" panose="02070309020205020404" pitchFamily="49" charset="0"/>
-              </a:rPr>
-              <a:t>"true"</a:t>
-            </a:r>
-            <a:r>
-              <a:rPr lang="en-US" dirty="0">
-                <a:solidFill>
-                  <a:srgbClr val="0000FF"/>
-                </a:solidFill>
-                <a:latin typeface="Courier New" panose="02070309020205020404" pitchFamily="49" charset="0"/>
-              </a:rPr>
-              <a:t>/&gt;</a:t>
-            </a:r>
-          </a:p>
-          <a:p>
-            <a:r>
-              <a:rPr lang="en-US" dirty="0">
-                <a:solidFill>
-                  <a:srgbClr val="0000FF"/>
-                </a:solidFill>
-                <a:latin typeface="Courier New" panose="02070309020205020404" pitchFamily="49" charset="0"/>
-              </a:rPr>
-              <a:t>&lt;field</a:t>
-            </a:r>
-            <a:r>
-              <a:rPr lang="en-US" dirty="0">
-                <a:solidFill>
-                  <a:srgbClr val="000000"/>
-                </a:solidFill>
-                <a:latin typeface="Courier New" panose="02070309020205020404" pitchFamily="49" charset="0"/>
-              </a:rPr>
-              <a:t> </a:t>
-            </a:r>
-            <a:r>
-              <a:rPr lang="en-US" dirty="0">
-                <a:solidFill>
-                  <a:srgbClr val="FF0000"/>
-                </a:solidFill>
-                <a:latin typeface="Courier New" panose="02070309020205020404" pitchFamily="49" charset="0"/>
-              </a:rPr>
-              <a:t>name</a:t>
-            </a:r>
-            <a:r>
-              <a:rPr lang="en-US" dirty="0">
-                <a:solidFill>
-                  <a:srgbClr val="000000"/>
-                </a:solidFill>
-                <a:latin typeface="Courier New" panose="02070309020205020404" pitchFamily="49" charset="0"/>
-              </a:rPr>
-              <a:t>=</a:t>
-            </a:r>
-            <a:r>
-              <a:rPr lang="en-US" b="1" dirty="0">
-                <a:solidFill>
-                  <a:srgbClr val="8000FF"/>
-                </a:solidFill>
-                <a:latin typeface="Courier New" panose="02070309020205020404" pitchFamily="49" charset="0"/>
-              </a:rPr>
-              <a:t>"text"</a:t>
-            </a:r>
-            <a:r>
-              <a:rPr lang="en-US" dirty="0">
-                <a:solidFill>
-                  <a:srgbClr val="000000"/>
-                </a:solidFill>
-                <a:latin typeface="Courier New" panose="02070309020205020404" pitchFamily="49" charset="0"/>
-              </a:rPr>
-              <a:t> </a:t>
-            </a:r>
-            <a:r>
-              <a:rPr lang="en-US" dirty="0">
-                <a:solidFill>
-                  <a:srgbClr val="FF0000"/>
-                </a:solidFill>
-                <a:latin typeface="Courier New" panose="02070309020205020404" pitchFamily="49" charset="0"/>
-              </a:rPr>
-              <a:t>type</a:t>
-            </a:r>
-            <a:r>
-              <a:rPr lang="en-US" dirty="0">
-                <a:solidFill>
-                  <a:srgbClr val="000000"/>
-                </a:solidFill>
-                <a:latin typeface="Courier New" panose="02070309020205020404" pitchFamily="49" charset="0"/>
-              </a:rPr>
-              <a:t>=</a:t>
-            </a:r>
-            <a:r>
-              <a:rPr lang="en-US" b="1" dirty="0">
-                <a:solidFill>
-                  <a:srgbClr val="8000FF"/>
-                </a:solidFill>
-                <a:latin typeface="Courier New" panose="02070309020205020404" pitchFamily="49" charset="0"/>
-              </a:rPr>
-              <a:t>"</a:t>
-            </a:r>
-            <a:r>
-              <a:rPr lang="en-US" b="1" dirty="0" err="1">
-                <a:solidFill>
-                  <a:srgbClr val="8000FF"/>
-                </a:solidFill>
-                <a:latin typeface="Courier New" panose="02070309020205020404" pitchFamily="49" charset="0"/>
-              </a:rPr>
-              <a:t>text_general</a:t>
-            </a:r>
-            <a:r>
-              <a:rPr lang="en-US" b="1" dirty="0">
-                <a:solidFill>
-                  <a:srgbClr val="8000FF"/>
-                </a:solidFill>
-                <a:latin typeface="Courier New" panose="02070309020205020404" pitchFamily="49" charset="0"/>
-              </a:rPr>
-              <a:t>"</a:t>
-            </a:r>
-            <a:r>
-              <a:rPr lang="en-US" dirty="0">
-                <a:solidFill>
-                  <a:srgbClr val="000000"/>
-                </a:solidFill>
-                <a:latin typeface="Courier New" panose="02070309020205020404" pitchFamily="49" charset="0"/>
-              </a:rPr>
-              <a:t> </a:t>
-            </a:r>
-            <a:r>
-              <a:rPr lang="en-US" dirty="0">
-                <a:solidFill>
-                  <a:srgbClr val="FF0000"/>
-                </a:solidFill>
-                <a:latin typeface="Courier New" panose="02070309020205020404" pitchFamily="49" charset="0"/>
-              </a:rPr>
-              <a:t>indexed</a:t>
-            </a:r>
-            <a:r>
-              <a:rPr lang="en-US" dirty="0">
-                <a:solidFill>
-                  <a:srgbClr val="000000"/>
-                </a:solidFill>
-                <a:latin typeface="Courier New" panose="02070309020205020404" pitchFamily="49" charset="0"/>
-              </a:rPr>
-              <a:t>=</a:t>
-            </a:r>
-            <a:r>
-              <a:rPr lang="en-US" b="1" dirty="0">
-                <a:solidFill>
-                  <a:srgbClr val="8000FF"/>
-                </a:solidFill>
-                <a:latin typeface="Courier New" panose="02070309020205020404" pitchFamily="49" charset="0"/>
-              </a:rPr>
-              <a:t>"true"</a:t>
-            </a:r>
-            <a:r>
-              <a:rPr lang="en-US" dirty="0">
-                <a:solidFill>
-                  <a:srgbClr val="000000"/>
-                </a:solidFill>
-                <a:latin typeface="Courier New" panose="02070309020205020404" pitchFamily="49" charset="0"/>
-              </a:rPr>
-              <a:t> </a:t>
-            </a:r>
-            <a:r>
-              <a:rPr lang="en-US" dirty="0">
-                <a:solidFill>
-                  <a:srgbClr val="FF0000"/>
-                </a:solidFill>
-                <a:latin typeface="Courier New" panose="02070309020205020404" pitchFamily="49" charset="0"/>
-              </a:rPr>
-              <a:t>stored</a:t>
-            </a:r>
-            <a:r>
-              <a:rPr lang="en-US" dirty="0">
-                <a:solidFill>
-                  <a:srgbClr val="000000"/>
-                </a:solidFill>
-                <a:latin typeface="Courier New" panose="02070309020205020404" pitchFamily="49" charset="0"/>
-              </a:rPr>
-              <a:t>=</a:t>
-            </a:r>
-            <a:r>
-              <a:rPr lang="en-US" b="1" dirty="0">
-                <a:solidFill>
-                  <a:srgbClr val="8000FF"/>
-                </a:solidFill>
-                <a:latin typeface="Courier New" panose="02070309020205020404" pitchFamily="49" charset="0"/>
-              </a:rPr>
-              <a:t>"false"</a:t>
-            </a:r>
-            <a:r>
-              <a:rPr lang="en-US" dirty="0">
-                <a:solidFill>
-                  <a:srgbClr val="000000"/>
-                </a:solidFill>
-                <a:latin typeface="Courier New" panose="02070309020205020404" pitchFamily="49" charset="0"/>
-              </a:rPr>
-              <a:t> </a:t>
-            </a:r>
-            <a:r>
-              <a:rPr lang="en-US" dirty="0" err="1">
-                <a:solidFill>
-                  <a:srgbClr val="FF0000"/>
-                </a:solidFill>
-                <a:latin typeface="Courier New" panose="02070309020205020404" pitchFamily="49" charset="0"/>
-              </a:rPr>
-              <a:t>multiValued</a:t>
-            </a:r>
-            <a:r>
-              <a:rPr lang="en-US" dirty="0">
-                <a:solidFill>
-                  <a:srgbClr val="000000"/>
-                </a:solidFill>
-                <a:latin typeface="Courier New" panose="02070309020205020404" pitchFamily="49" charset="0"/>
-              </a:rPr>
-              <a:t>=</a:t>
-            </a:r>
-            <a:r>
-              <a:rPr lang="en-US" b="1" dirty="0">
-                <a:solidFill>
-                  <a:srgbClr val="8000FF"/>
-                </a:solidFill>
-                <a:latin typeface="Courier New" panose="02070309020205020404" pitchFamily="49" charset="0"/>
-              </a:rPr>
-              <a:t>"true"</a:t>
-            </a:r>
-            <a:r>
-              <a:rPr lang="en-US" dirty="0">
-                <a:solidFill>
-                  <a:srgbClr val="000000"/>
-                </a:solidFill>
-                <a:latin typeface="Courier New" panose="02070309020205020404" pitchFamily="49" charset="0"/>
-              </a:rPr>
-              <a:t> </a:t>
-            </a:r>
-            <a:r>
-              <a:rPr lang="en-US" dirty="0">
-                <a:solidFill>
-                  <a:srgbClr val="0000FF"/>
-                </a:solidFill>
-                <a:latin typeface="Courier New" panose="02070309020205020404" pitchFamily="49" charset="0"/>
-              </a:rPr>
-              <a:t>/&gt;</a:t>
-            </a:r>
-            <a:endParaRPr lang="en-US" dirty="0"/>
+            <a:endParaRPr lang="pt-PT" dirty="0">
+              <a:solidFill>
+                <a:srgbClr val="000000"/>
+              </a:solidFill>
+              <a:latin typeface="Courier New" panose="02070309020205020404" pitchFamily="49" charset="0"/>
+            </a:endParaRPr>
+          </a:p>
+          <a:p>
+            <a:endParaRPr lang="pt-PT" dirty="0"/>
           </a:p>
         </p:txBody>
       </p:sp>
@@ -12761,22 +13702,24 @@
       </p:sp>
       <p:sp>
         <p:nvSpPr>
-          <p:cNvPr id="5" name="Oval 4"/>
+          <p:cNvPr id="6" name="Retângulo 5"/>
           <p:cNvSpPr/>
           <p:nvPr/>
         </p:nvSpPr>
         <p:spPr>
           <a:xfrm>
-            <a:off x="10972457" y="875957"/>
-            <a:ext cx="828000" cy="828000"/>
+            <a:off x="10580914" y="604157"/>
+            <a:ext cx="1611086" cy="1371600"/>
           </a:xfrm>
-          <a:prstGeom prst="ellipse">
+          <a:prstGeom prst="rect">
             <a:avLst/>
           </a:prstGeom>
           <a:noFill/>
           <a:ln w="50800">
             <a:solidFill>
-              <a:schemeClr val="tx1"/>
+              <a:schemeClr val="tx2">
+                <a:lumMod val="25000"/>
+              </a:schemeClr>
             </a:solidFill>
           </a:ln>
         </p:spPr>
@@ -12808,7 +13751,7 @@
     </p:spTree>
     <p:extLst>
       <p:ext uri="{BB962C8B-B14F-4D97-AF65-F5344CB8AC3E}">
-        <p14:creationId xmlns:p14="http://schemas.microsoft.com/office/powerpoint/2010/main" val="879303406"/>
+        <p14:creationId xmlns:p14="http://schemas.microsoft.com/office/powerpoint/2010/main" val="1015532975"/>
       </p:ext>
     </p:extLst>
   </p:cSld>
@@ -12847,18 +13790,12 @@
         </p:nvSpPr>
         <p:spPr/>
         <p:txBody>
-          <a:bodyPr>
-            <a:normAutofit/>
-          </a:bodyPr>
+          <a:bodyPr/>
           <a:lstStyle/>
           <a:p>
             <a:r>
-              <a:rPr lang="pt-PT" sz="3300" dirty="0" err="1"/>
-              <a:t>Schema</a:t>
-            </a:r>
-            <a:r>
-              <a:rPr lang="pt-PT" sz="3300" dirty="0"/>
-              <a:t> – Parâmetros de Indexação</a:t>
+              <a:rPr lang="pt-PT" dirty="0"/>
+              <a:t>Apresentar os resultados tipo Google </a:t>
             </a:r>
           </a:p>
         </p:txBody>
@@ -12875,857 +13812,68 @@
         </p:nvSpPr>
         <p:spPr/>
         <p:txBody>
-          <a:bodyPr>
-            <a:normAutofit fontScale="85000" lnSpcReduction="10000"/>
-          </a:bodyPr>
+          <a:bodyPr/>
           <a:lstStyle/>
+          <a:p>
+            <a:endParaRPr lang="en-GB" dirty="0">
+              <a:solidFill>
+                <a:schemeClr val="bg1"/>
+              </a:solidFill>
+            </a:endParaRPr>
+          </a:p>
           <a:p>
             <a:endParaRPr lang="pt-PT" dirty="0">
               <a:solidFill>
-                <a:srgbClr val="0000FF"/>
+                <a:schemeClr val="bg1"/>
               </a:solidFill>
-              <a:latin typeface="Courier New" panose="02070309020205020404" pitchFamily="49" charset="0"/>
             </a:endParaRPr>
           </a:p>
           <a:p>
             <a:r>
               <a:rPr lang="pt-PT" dirty="0">
                 <a:solidFill>
-                  <a:srgbClr val="0000FF"/>
-                </a:solidFill>
-                <a:latin typeface="Courier New" panose="02070309020205020404" pitchFamily="49" charset="0"/>
-              </a:rPr>
-              <a:t>&lt;</a:t>
-            </a:r>
-            <a:r>
-              <a:rPr lang="pt-PT" dirty="0" err="1">
-                <a:solidFill>
-                  <a:srgbClr val="0000FF"/>
-                </a:solidFill>
-                <a:latin typeface="Courier New" panose="02070309020205020404" pitchFamily="49" charset="0"/>
-              </a:rPr>
-              <a:t>tokenizer</a:t>
-            </a:r>
-            <a:r>
-              <a:rPr lang="pt-PT" dirty="0">
-                <a:solidFill>
-                  <a:srgbClr val="000000"/>
-                </a:solidFill>
-                <a:latin typeface="Courier New" panose="02070309020205020404" pitchFamily="49" charset="0"/>
-              </a:rPr>
-              <a:t> </a:t>
-            </a:r>
-            <a:r>
-              <a:rPr lang="pt-PT" dirty="0" err="1">
-                <a:solidFill>
-                  <a:srgbClr val="FF0000"/>
-                </a:solidFill>
-                <a:latin typeface="Courier New" panose="02070309020205020404" pitchFamily="49" charset="0"/>
-              </a:rPr>
-              <a:t>class</a:t>
-            </a:r>
-            <a:r>
-              <a:rPr lang="pt-PT" dirty="0">
-                <a:solidFill>
-                  <a:srgbClr val="000000"/>
-                </a:solidFill>
-                <a:latin typeface="Courier New" panose="02070309020205020404" pitchFamily="49" charset="0"/>
-              </a:rPr>
-              <a:t>=</a:t>
-            </a:r>
-            <a:r>
-              <a:rPr lang="pt-PT" dirty="0">
-                <a:solidFill>
-                  <a:srgbClr val="8000FF"/>
-                </a:solidFill>
-                <a:latin typeface="Courier New" panose="02070309020205020404" pitchFamily="49" charset="0"/>
-              </a:rPr>
-              <a:t>"</a:t>
-            </a:r>
-            <a:r>
-              <a:rPr lang="pt-PT" dirty="0" err="1">
-                <a:solidFill>
-                  <a:srgbClr val="8000FF"/>
-                </a:solidFill>
-                <a:latin typeface="Courier New" panose="02070309020205020404" pitchFamily="49" charset="0"/>
-              </a:rPr>
-              <a:t>solr.StandardTokenizerFactory</a:t>
-            </a:r>
-            <a:r>
-              <a:rPr lang="pt-PT" dirty="0">
-                <a:solidFill>
-                  <a:srgbClr val="8000FF"/>
-                </a:solidFill>
-                <a:latin typeface="Courier New" panose="02070309020205020404" pitchFamily="49" charset="0"/>
-              </a:rPr>
-              <a:t>"</a:t>
-            </a:r>
-            <a:r>
-              <a:rPr lang="pt-PT" dirty="0">
-                <a:solidFill>
-                  <a:srgbClr val="0000FF"/>
-                </a:solidFill>
-                <a:latin typeface="Courier New" panose="02070309020205020404" pitchFamily="49" charset="0"/>
-              </a:rPr>
-              <a:t>/&gt;</a:t>
-            </a:r>
-            <a:r>
-              <a:rPr lang="pt-PT" dirty="0">
-                <a:solidFill>
-                  <a:srgbClr val="000000"/>
-                </a:solidFill>
-                <a:latin typeface="Courier New" panose="02070309020205020404" pitchFamily="49" charset="0"/>
-              </a:rPr>
-              <a:t> </a:t>
-            </a:r>
-          </a:p>
-          <a:p>
-            <a:r>
-              <a:rPr lang="pt-PT" dirty="0">
-                <a:solidFill>
-                  <a:srgbClr val="0000FF"/>
-                </a:solidFill>
-                <a:latin typeface="Courier New" panose="02070309020205020404" pitchFamily="49" charset="0"/>
-              </a:rPr>
-              <a:t>&lt;</a:t>
-            </a:r>
-            <a:r>
-              <a:rPr lang="pt-PT" dirty="0" err="1">
-                <a:solidFill>
-                  <a:srgbClr val="0000FF"/>
-                </a:solidFill>
-                <a:latin typeface="Courier New" panose="02070309020205020404" pitchFamily="49" charset="0"/>
-              </a:rPr>
-              <a:t>filter</a:t>
-            </a:r>
-            <a:r>
-              <a:rPr lang="pt-PT" dirty="0">
-                <a:solidFill>
-                  <a:srgbClr val="000000"/>
-                </a:solidFill>
-                <a:latin typeface="Courier New" panose="02070309020205020404" pitchFamily="49" charset="0"/>
-              </a:rPr>
-              <a:t> </a:t>
-            </a:r>
-            <a:r>
-              <a:rPr lang="pt-PT" dirty="0" err="1">
-                <a:solidFill>
-                  <a:srgbClr val="FF0000"/>
-                </a:solidFill>
-                <a:latin typeface="Courier New" panose="02070309020205020404" pitchFamily="49" charset="0"/>
-              </a:rPr>
-              <a:t>class</a:t>
-            </a:r>
-            <a:r>
-              <a:rPr lang="pt-PT" dirty="0">
-                <a:solidFill>
-                  <a:srgbClr val="000000"/>
-                </a:solidFill>
-                <a:latin typeface="Courier New" panose="02070309020205020404" pitchFamily="49" charset="0"/>
-              </a:rPr>
-              <a:t>=</a:t>
-            </a:r>
-            <a:r>
-              <a:rPr lang="pt-PT" dirty="0">
-                <a:solidFill>
-                  <a:srgbClr val="8000FF"/>
-                </a:solidFill>
-                <a:latin typeface="Courier New" panose="02070309020205020404" pitchFamily="49" charset="0"/>
-              </a:rPr>
-              <a:t>"</a:t>
-            </a:r>
-            <a:r>
-              <a:rPr lang="pt-PT" dirty="0" err="1">
-                <a:solidFill>
-                  <a:srgbClr val="8000FF"/>
-                </a:solidFill>
-                <a:latin typeface="Courier New" panose="02070309020205020404" pitchFamily="49" charset="0"/>
-              </a:rPr>
-              <a:t>solr.StopFilterFactory</a:t>
-            </a:r>
-            <a:r>
-              <a:rPr lang="pt-PT" dirty="0">
-                <a:solidFill>
-                  <a:srgbClr val="8000FF"/>
-                </a:solidFill>
-                <a:latin typeface="Courier New" panose="02070309020205020404" pitchFamily="49" charset="0"/>
-              </a:rPr>
-              <a:t>"</a:t>
-            </a:r>
-            <a:r>
-              <a:rPr lang="pt-PT" dirty="0">
-                <a:solidFill>
-                  <a:srgbClr val="000000"/>
-                </a:solidFill>
-                <a:latin typeface="Courier New" panose="02070309020205020404" pitchFamily="49" charset="0"/>
-              </a:rPr>
-              <a:t> </a:t>
-            </a:r>
-            <a:r>
-              <a:rPr lang="pt-PT" dirty="0" err="1">
-                <a:solidFill>
-                  <a:srgbClr val="FF0000"/>
-                </a:solidFill>
-                <a:latin typeface="Courier New" panose="02070309020205020404" pitchFamily="49" charset="0"/>
-              </a:rPr>
-              <a:t>ignoreCase</a:t>
-            </a:r>
-            <a:r>
-              <a:rPr lang="pt-PT" dirty="0">
-                <a:solidFill>
-                  <a:srgbClr val="000000"/>
-                </a:solidFill>
-                <a:latin typeface="Courier New" panose="02070309020205020404" pitchFamily="49" charset="0"/>
-              </a:rPr>
-              <a:t>=</a:t>
-            </a:r>
-            <a:r>
-              <a:rPr lang="pt-PT" dirty="0">
-                <a:solidFill>
-                  <a:srgbClr val="8000FF"/>
-                </a:solidFill>
-                <a:latin typeface="Courier New" panose="02070309020205020404" pitchFamily="49" charset="0"/>
-              </a:rPr>
-              <a:t>"</a:t>
-            </a:r>
-            <a:r>
-              <a:rPr lang="pt-PT" dirty="0" err="1">
-                <a:solidFill>
-                  <a:srgbClr val="8000FF"/>
-                </a:solidFill>
-                <a:latin typeface="Courier New" panose="02070309020205020404" pitchFamily="49" charset="0"/>
-              </a:rPr>
-              <a:t>true</a:t>
-            </a:r>
-            <a:r>
-              <a:rPr lang="pt-PT" dirty="0">
-                <a:solidFill>
-                  <a:srgbClr val="8000FF"/>
-                </a:solidFill>
-                <a:latin typeface="Courier New" panose="02070309020205020404" pitchFamily="49" charset="0"/>
-              </a:rPr>
-              <a:t>"</a:t>
-            </a:r>
-            <a:r>
-              <a:rPr lang="pt-PT" dirty="0">
-                <a:solidFill>
-                  <a:srgbClr val="000000"/>
-                </a:solidFill>
-                <a:latin typeface="Courier New" panose="02070309020205020404" pitchFamily="49" charset="0"/>
-              </a:rPr>
-              <a:t> </a:t>
-            </a:r>
-            <a:r>
-              <a:rPr lang="pt-PT" dirty="0" err="1">
-                <a:solidFill>
-                  <a:srgbClr val="FF0000"/>
-                </a:solidFill>
-                <a:latin typeface="Courier New" panose="02070309020205020404" pitchFamily="49" charset="0"/>
-              </a:rPr>
-              <a:t>words</a:t>
-            </a:r>
-            <a:r>
-              <a:rPr lang="pt-PT" dirty="0">
-                <a:solidFill>
-                  <a:srgbClr val="000000"/>
-                </a:solidFill>
-                <a:latin typeface="Courier New" panose="02070309020205020404" pitchFamily="49" charset="0"/>
-              </a:rPr>
-              <a:t>=</a:t>
-            </a:r>
-            <a:r>
-              <a:rPr lang="pt-PT" dirty="0">
-                <a:solidFill>
-                  <a:srgbClr val="8000FF"/>
-                </a:solidFill>
-                <a:latin typeface="Courier New" panose="02070309020205020404" pitchFamily="49" charset="0"/>
-              </a:rPr>
-              <a:t>"stopwords.txt"</a:t>
-            </a:r>
-            <a:r>
-              <a:rPr lang="pt-PT" dirty="0">
-                <a:solidFill>
-                  <a:srgbClr val="000000"/>
-                </a:solidFill>
-                <a:latin typeface="Courier New" panose="02070309020205020404" pitchFamily="49" charset="0"/>
-              </a:rPr>
-              <a:t> </a:t>
-            </a:r>
-            <a:r>
-              <a:rPr lang="pt-PT" dirty="0">
-                <a:solidFill>
-                  <a:srgbClr val="0000FF"/>
-                </a:solidFill>
-                <a:latin typeface="Courier New" panose="02070309020205020404" pitchFamily="49" charset="0"/>
-              </a:rPr>
-              <a:t>/&gt;</a:t>
-            </a:r>
-            <a:r>
-              <a:rPr lang="pt-PT" dirty="0">
-                <a:solidFill>
-                  <a:srgbClr val="000000"/>
-                </a:solidFill>
-                <a:latin typeface="Courier New" panose="02070309020205020404" pitchFamily="49" charset="0"/>
-              </a:rPr>
-              <a:t> </a:t>
-            </a:r>
-          </a:p>
-          <a:p>
-            <a:r>
-              <a:rPr lang="pt-PT" dirty="0">
-                <a:solidFill>
-                  <a:srgbClr val="0000FF"/>
-                </a:solidFill>
-                <a:latin typeface="Courier New" panose="02070309020205020404" pitchFamily="49" charset="0"/>
-              </a:rPr>
-              <a:t>&lt;</a:t>
-            </a:r>
-            <a:r>
-              <a:rPr lang="pt-PT" dirty="0" err="1">
-                <a:solidFill>
-                  <a:srgbClr val="0000FF"/>
-                </a:solidFill>
-                <a:latin typeface="Courier New" panose="02070309020205020404" pitchFamily="49" charset="0"/>
-              </a:rPr>
-              <a:t>filter</a:t>
-            </a:r>
-            <a:r>
-              <a:rPr lang="pt-PT" dirty="0">
-                <a:solidFill>
-                  <a:srgbClr val="000000"/>
-                </a:solidFill>
-                <a:latin typeface="Courier New" panose="02070309020205020404" pitchFamily="49" charset="0"/>
-              </a:rPr>
-              <a:t> </a:t>
-            </a:r>
-            <a:r>
-              <a:rPr lang="pt-PT" dirty="0" err="1">
-                <a:solidFill>
-                  <a:srgbClr val="FF0000"/>
-                </a:solidFill>
-                <a:latin typeface="Courier New" panose="02070309020205020404" pitchFamily="49" charset="0"/>
-              </a:rPr>
-              <a:t>class</a:t>
-            </a:r>
-            <a:r>
-              <a:rPr lang="pt-PT" dirty="0">
-                <a:solidFill>
-                  <a:srgbClr val="000000"/>
-                </a:solidFill>
-                <a:latin typeface="Courier New" panose="02070309020205020404" pitchFamily="49" charset="0"/>
-              </a:rPr>
-              <a:t>=</a:t>
-            </a:r>
-            <a:r>
-              <a:rPr lang="pt-PT" dirty="0">
-                <a:solidFill>
-                  <a:srgbClr val="8000FF"/>
-                </a:solidFill>
-                <a:latin typeface="Courier New" panose="02070309020205020404" pitchFamily="49" charset="0"/>
-              </a:rPr>
-              <a:t>"</a:t>
-            </a:r>
-            <a:r>
-              <a:rPr lang="pt-PT" dirty="0" err="1">
-                <a:solidFill>
-                  <a:srgbClr val="8000FF"/>
-                </a:solidFill>
-                <a:latin typeface="Courier New" panose="02070309020205020404" pitchFamily="49" charset="0"/>
-              </a:rPr>
-              <a:t>solr.SynonymFilterFactory</a:t>
-            </a:r>
-            <a:r>
-              <a:rPr lang="pt-PT" dirty="0">
-                <a:solidFill>
-                  <a:srgbClr val="8000FF"/>
-                </a:solidFill>
-                <a:latin typeface="Courier New" panose="02070309020205020404" pitchFamily="49" charset="0"/>
-              </a:rPr>
-              <a:t>"</a:t>
-            </a:r>
-            <a:r>
-              <a:rPr lang="pt-PT" dirty="0">
-                <a:solidFill>
-                  <a:srgbClr val="000000"/>
-                </a:solidFill>
-                <a:latin typeface="Courier New" panose="02070309020205020404" pitchFamily="49" charset="0"/>
-              </a:rPr>
-              <a:t> </a:t>
-            </a:r>
-            <a:r>
-              <a:rPr lang="pt-PT" dirty="0" err="1">
-                <a:solidFill>
-                  <a:srgbClr val="FF0000"/>
-                </a:solidFill>
-                <a:latin typeface="Courier New" panose="02070309020205020404" pitchFamily="49" charset="0"/>
-              </a:rPr>
-              <a:t>synonyms</a:t>
-            </a:r>
-            <a:r>
-              <a:rPr lang="pt-PT" dirty="0">
-                <a:solidFill>
-                  <a:srgbClr val="000000"/>
-                </a:solidFill>
-                <a:latin typeface="Courier New" panose="02070309020205020404" pitchFamily="49" charset="0"/>
-              </a:rPr>
-              <a:t>=</a:t>
-            </a:r>
-            <a:r>
-              <a:rPr lang="pt-PT" dirty="0">
-                <a:solidFill>
-                  <a:srgbClr val="8000FF"/>
-                </a:solidFill>
-                <a:latin typeface="Courier New" panose="02070309020205020404" pitchFamily="49" charset="0"/>
-              </a:rPr>
-              <a:t>"synonyms.txt"</a:t>
-            </a:r>
-            <a:r>
-              <a:rPr lang="pt-PT" dirty="0">
-                <a:solidFill>
-                  <a:srgbClr val="000000"/>
-                </a:solidFill>
-                <a:latin typeface="Courier New" panose="02070309020205020404" pitchFamily="49" charset="0"/>
-              </a:rPr>
-              <a:t> </a:t>
-            </a:r>
-            <a:r>
-              <a:rPr lang="pt-PT" dirty="0" err="1">
-                <a:solidFill>
-                  <a:srgbClr val="FF0000"/>
-                </a:solidFill>
-                <a:latin typeface="Courier New" panose="02070309020205020404" pitchFamily="49" charset="0"/>
-              </a:rPr>
-              <a:t>ignoreCase</a:t>
-            </a:r>
-            <a:r>
-              <a:rPr lang="pt-PT" dirty="0">
-                <a:solidFill>
-                  <a:srgbClr val="000000"/>
-                </a:solidFill>
-                <a:latin typeface="Courier New" panose="02070309020205020404" pitchFamily="49" charset="0"/>
-              </a:rPr>
-              <a:t>=</a:t>
-            </a:r>
-            <a:r>
-              <a:rPr lang="pt-PT" dirty="0">
-                <a:solidFill>
-                  <a:srgbClr val="8000FF"/>
-                </a:solidFill>
-                <a:latin typeface="Courier New" panose="02070309020205020404" pitchFamily="49" charset="0"/>
-              </a:rPr>
-              <a:t>"</a:t>
-            </a:r>
-            <a:r>
-              <a:rPr lang="pt-PT" dirty="0" err="1">
-                <a:solidFill>
-                  <a:srgbClr val="8000FF"/>
-                </a:solidFill>
-                <a:latin typeface="Courier New" panose="02070309020205020404" pitchFamily="49" charset="0"/>
-              </a:rPr>
-              <a:t>true</a:t>
-            </a:r>
-            <a:r>
-              <a:rPr lang="pt-PT" dirty="0">
-                <a:solidFill>
-                  <a:srgbClr val="8000FF"/>
-                </a:solidFill>
-                <a:latin typeface="Courier New" panose="02070309020205020404" pitchFamily="49" charset="0"/>
-              </a:rPr>
-              <a:t>"</a:t>
-            </a:r>
-            <a:r>
-              <a:rPr lang="pt-PT" dirty="0">
-                <a:solidFill>
-                  <a:srgbClr val="000000"/>
-                </a:solidFill>
-                <a:latin typeface="Courier New" panose="02070309020205020404" pitchFamily="49" charset="0"/>
-              </a:rPr>
-              <a:t> </a:t>
-            </a:r>
-            <a:r>
-              <a:rPr lang="pt-PT" dirty="0" err="1">
-                <a:solidFill>
-                  <a:srgbClr val="FF0000"/>
-                </a:solidFill>
-                <a:latin typeface="Courier New" panose="02070309020205020404" pitchFamily="49" charset="0"/>
-              </a:rPr>
-              <a:t>expand</a:t>
-            </a:r>
-            <a:r>
-              <a:rPr lang="pt-PT" dirty="0">
-                <a:solidFill>
-                  <a:srgbClr val="000000"/>
-                </a:solidFill>
-                <a:latin typeface="Courier New" panose="02070309020205020404" pitchFamily="49" charset="0"/>
-              </a:rPr>
-              <a:t>=</a:t>
-            </a:r>
-            <a:r>
-              <a:rPr lang="pt-PT" dirty="0">
-                <a:solidFill>
-                  <a:srgbClr val="8000FF"/>
-                </a:solidFill>
-                <a:latin typeface="Courier New" panose="02070309020205020404" pitchFamily="49" charset="0"/>
-              </a:rPr>
-              <a:t>"</a:t>
-            </a:r>
-            <a:r>
-              <a:rPr lang="pt-PT" dirty="0" err="1">
-                <a:solidFill>
-                  <a:srgbClr val="8000FF"/>
-                </a:solidFill>
-                <a:latin typeface="Courier New" panose="02070309020205020404" pitchFamily="49" charset="0"/>
-              </a:rPr>
-              <a:t>true</a:t>
-            </a:r>
-            <a:r>
-              <a:rPr lang="pt-PT" dirty="0">
-                <a:solidFill>
-                  <a:srgbClr val="8000FF"/>
-                </a:solidFill>
-                <a:latin typeface="Courier New" panose="02070309020205020404" pitchFamily="49" charset="0"/>
-              </a:rPr>
-              <a:t>"</a:t>
-            </a:r>
-            <a:r>
-              <a:rPr lang="pt-PT" dirty="0">
-                <a:solidFill>
-                  <a:srgbClr val="0000FF"/>
-                </a:solidFill>
-                <a:latin typeface="Courier New" panose="02070309020205020404" pitchFamily="49" charset="0"/>
-              </a:rPr>
-              <a:t>/&gt;</a:t>
-            </a:r>
-            <a:r>
-              <a:rPr lang="pt-PT" dirty="0">
-                <a:solidFill>
-                  <a:srgbClr val="000000"/>
-                </a:solidFill>
-                <a:latin typeface="Courier New" panose="02070309020205020404" pitchFamily="49" charset="0"/>
-              </a:rPr>
-              <a:t> </a:t>
-            </a:r>
-          </a:p>
-          <a:p>
-            <a:r>
-              <a:rPr lang="pt-PT" dirty="0">
-                <a:solidFill>
-                  <a:srgbClr val="0000FF"/>
-                </a:solidFill>
-                <a:latin typeface="Courier New" panose="02070309020205020404" pitchFamily="49" charset="0"/>
-              </a:rPr>
-              <a:t>&lt;</a:t>
-            </a:r>
-            <a:r>
-              <a:rPr lang="pt-PT" dirty="0" err="1">
-                <a:solidFill>
-                  <a:srgbClr val="0000FF"/>
-                </a:solidFill>
-                <a:latin typeface="Courier New" panose="02070309020205020404" pitchFamily="49" charset="0"/>
-              </a:rPr>
-              <a:t>filter</a:t>
-            </a:r>
-            <a:r>
-              <a:rPr lang="pt-PT" dirty="0">
-                <a:solidFill>
-                  <a:srgbClr val="000000"/>
-                </a:solidFill>
-                <a:latin typeface="Courier New" panose="02070309020205020404" pitchFamily="49" charset="0"/>
-              </a:rPr>
-              <a:t> </a:t>
-            </a:r>
-            <a:r>
-              <a:rPr lang="pt-PT" dirty="0" err="1">
-                <a:solidFill>
-                  <a:srgbClr val="FF0000"/>
-                </a:solidFill>
-                <a:latin typeface="Courier New" panose="02070309020205020404" pitchFamily="49" charset="0"/>
-              </a:rPr>
-              <a:t>class</a:t>
-            </a:r>
-            <a:r>
-              <a:rPr lang="pt-PT" dirty="0">
-                <a:solidFill>
-                  <a:srgbClr val="000000"/>
-                </a:solidFill>
-                <a:latin typeface="Courier New" panose="02070309020205020404" pitchFamily="49" charset="0"/>
-              </a:rPr>
-              <a:t>=</a:t>
-            </a:r>
-            <a:r>
-              <a:rPr lang="pt-PT" dirty="0">
-                <a:solidFill>
-                  <a:srgbClr val="8000FF"/>
-                </a:solidFill>
-                <a:latin typeface="Courier New" panose="02070309020205020404" pitchFamily="49" charset="0"/>
-              </a:rPr>
-              <a:t>"</a:t>
-            </a:r>
-            <a:r>
-              <a:rPr lang="pt-PT" dirty="0" err="1">
-                <a:solidFill>
-                  <a:srgbClr val="8000FF"/>
-                </a:solidFill>
-                <a:latin typeface="Courier New" panose="02070309020205020404" pitchFamily="49" charset="0"/>
-              </a:rPr>
-              <a:t>solr.LowerCaseFilterFactory</a:t>
-            </a:r>
-            <a:r>
-              <a:rPr lang="pt-PT" dirty="0">
-                <a:solidFill>
-                  <a:srgbClr val="8000FF"/>
-                </a:solidFill>
-                <a:latin typeface="Courier New" panose="02070309020205020404" pitchFamily="49" charset="0"/>
-              </a:rPr>
-              <a:t>"</a:t>
-            </a:r>
-            <a:r>
-              <a:rPr lang="pt-PT" dirty="0">
-                <a:solidFill>
-                  <a:srgbClr val="0000FF"/>
-                </a:solidFill>
-                <a:latin typeface="Courier New" panose="02070309020205020404" pitchFamily="49" charset="0"/>
-              </a:rPr>
-              <a:t>/&gt;</a:t>
-            </a:r>
-            <a:r>
-              <a:rPr lang="pt-PT" dirty="0">
-                <a:solidFill>
-                  <a:srgbClr val="000000"/>
-                </a:solidFill>
-                <a:latin typeface="Courier New" panose="02070309020205020404" pitchFamily="49" charset="0"/>
-              </a:rPr>
-              <a:t> </a:t>
-            </a:r>
-          </a:p>
-          <a:p>
-            <a:r>
-              <a:rPr lang="pt-PT" dirty="0">
-                <a:solidFill>
-                  <a:srgbClr val="0000FF"/>
-                </a:solidFill>
-                <a:latin typeface="Courier New" panose="02070309020205020404" pitchFamily="49" charset="0"/>
-              </a:rPr>
-              <a:t>&lt;</a:t>
-            </a:r>
-            <a:r>
-              <a:rPr lang="pt-PT" dirty="0" err="1">
-                <a:solidFill>
-                  <a:srgbClr val="0000FF"/>
-                </a:solidFill>
-                <a:latin typeface="Courier New" panose="02070309020205020404" pitchFamily="49" charset="0"/>
-              </a:rPr>
-              <a:t>filter</a:t>
-            </a:r>
-            <a:r>
-              <a:rPr lang="pt-PT" dirty="0">
-                <a:solidFill>
-                  <a:srgbClr val="000000"/>
-                </a:solidFill>
-                <a:latin typeface="Courier New" panose="02070309020205020404" pitchFamily="49" charset="0"/>
-              </a:rPr>
-              <a:t> </a:t>
-            </a:r>
-            <a:r>
-              <a:rPr lang="pt-PT" dirty="0" err="1">
-                <a:solidFill>
-                  <a:srgbClr val="FF0000"/>
-                </a:solidFill>
-                <a:latin typeface="Courier New" panose="02070309020205020404" pitchFamily="49" charset="0"/>
-              </a:rPr>
-              <a:t>class</a:t>
-            </a:r>
-            <a:r>
-              <a:rPr lang="pt-PT" dirty="0">
-                <a:solidFill>
-                  <a:srgbClr val="000000"/>
-                </a:solidFill>
-                <a:latin typeface="Courier New" panose="02070309020205020404" pitchFamily="49" charset="0"/>
-              </a:rPr>
-              <a:t>=</a:t>
-            </a:r>
-            <a:r>
-              <a:rPr lang="pt-PT" dirty="0">
-                <a:solidFill>
-                  <a:srgbClr val="8000FF"/>
-                </a:solidFill>
-                <a:latin typeface="Courier New" panose="02070309020205020404" pitchFamily="49" charset="0"/>
-              </a:rPr>
-              <a:t>"</a:t>
-            </a:r>
-            <a:r>
-              <a:rPr lang="pt-PT" dirty="0" err="1">
-                <a:solidFill>
-                  <a:srgbClr val="8000FF"/>
-                </a:solidFill>
-                <a:latin typeface="Courier New" panose="02070309020205020404" pitchFamily="49" charset="0"/>
-              </a:rPr>
-              <a:t>solr.SnowballPorterFilterFactory</a:t>
-            </a:r>
-            <a:r>
-              <a:rPr lang="pt-PT" dirty="0">
-                <a:solidFill>
-                  <a:srgbClr val="8000FF"/>
-                </a:solidFill>
-                <a:latin typeface="Courier New" panose="02070309020205020404" pitchFamily="49" charset="0"/>
-              </a:rPr>
-              <a:t>"</a:t>
-            </a:r>
-            <a:r>
-              <a:rPr lang="pt-PT" dirty="0">
-                <a:solidFill>
-                  <a:srgbClr val="000000"/>
-                </a:solidFill>
-                <a:latin typeface="Courier New" panose="02070309020205020404" pitchFamily="49" charset="0"/>
-              </a:rPr>
-              <a:t> </a:t>
-            </a:r>
-            <a:r>
-              <a:rPr lang="pt-PT" dirty="0" err="1">
-                <a:solidFill>
-                  <a:srgbClr val="FF0000"/>
-                </a:solidFill>
-                <a:latin typeface="Courier New" panose="02070309020205020404" pitchFamily="49" charset="0"/>
-              </a:rPr>
-              <a:t>language</a:t>
-            </a:r>
-            <a:r>
-              <a:rPr lang="pt-PT" dirty="0">
-                <a:solidFill>
-                  <a:srgbClr val="000000"/>
-                </a:solidFill>
-                <a:latin typeface="Courier New" panose="02070309020205020404" pitchFamily="49" charset="0"/>
-              </a:rPr>
-              <a:t>=</a:t>
-            </a:r>
-            <a:r>
-              <a:rPr lang="pt-PT" dirty="0">
-                <a:solidFill>
-                  <a:srgbClr val="8000FF"/>
-                </a:solidFill>
-                <a:latin typeface="Courier New" panose="02070309020205020404" pitchFamily="49" charset="0"/>
-              </a:rPr>
-              <a:t>"Portuguese"</a:t>
-            </a:r>
-            <a:r>
-              <a:rPr lang="pt-PT" dirty="0">
-                <a:solidFill>
-                  <a:srgbClr val="0000FF"/>
-                </a:solidFill>
-                <a:latin typeface="Courier New" panose="02070309020205020404" pitchFamily="49" charset="0"/>
-              </a:rPr>
-              <a:t>/&gt;</a:t>
-            </a:r>
-            <a:r>
-              <a:rPr lang="pt-PT" dirty="0">
-                <a:solidFill>
-                  <a:srgbClr val="000000"/>
-                </a:solidFill>
-                <a:latin typeface="Courier New" panose="02070309020205020404" pitchFamily="49" charset="0"/>
-              </a:rPr>
-              <a:t> </a:t>
-            </a:r>
-          </a:p>
-          <a:p>
-            <a:r>
-              <a:rPr lang="pt-PT" dirty="0">
-                <a:solidFill>
-                  <a:srgbClr val="0000FF"/>
-                </a:solidFill>
-                <a:latin typeface="Courier New" panose="02070309020205020404" pitchFamily="49" charset="0"/>
-              </a:rPr>
-              <a:t>&lt;</a:t>
-            </a:r>
-            <a:r>
-              <a:rPr lang="pt-PT" dirty="0" err="1">
-                <a:solidFill>
-                  <a:srgbClr val="0000FF"/>
-                </a:solidFill>
-                <a:latin typeface="Courier New" panose="02070309020205020404" pitchFamily="49" charset="0"/>
-              </a:rPr>
-              <a:t>filter</a:t>
-            </a:r>
-            <a:r>
-              <a:rPr lang="pt-PT" dirty="0">
-                <a:solidFill>
-                  <a:srgbClr val="000000"/>
-                </a:solidFill>
-                <a:latin typeface="Courier New" panose="02070309020205020404" pitchFamily="49" charset="0"/>
-              </a:rPr>
-              <a:t> </a:t>
-            </a:r>
-            <a:r>
-              <a:rPr lang="pt-PT" dirty="0" err="1">
-                <a:solidFill>
-                  <a:srgbClr val="FF0000"/>
-                </a:solidFill>
-                <a:latin typeface="Courier New" panose="02070309020205020404" pitchFamily="49" charset="0"/>
-              </a:rPr>
-              <a:t>class</a:t>
-            </a:r>
-            <a:r>
-              <a:rPr lang="pt-PT" dirty="0">
-                <a:solidFill>
-                  <a:srgbClr val="000000"/>
-                </a:solidFill>
-                <a:latin typeface="Courier New" panose="02070309020205020404" pitchFamily="49" charset="0"/>
-              </a:rPr>
-              <a:t>=</a:t>
-            </a:r>
-            <a:r>
-              <a:rPr lang="pt-PT" dirty="0">
-                <a:solidFill>
-                  <a:srgbClr val="8000FF"/>
-                </a:solidFill>
-                <a:latin typeface="Courier New" panose="02070309020205020404" pitchFamily="49" charset="0"/>
-              </a:rPr>
-              <a:t>"</a:t>
-            </a:r>
-            <a:r>
-              <a:rPr lang="pt-PT" dirty="0" err="1">
-                <a:solidFill>
-                  <a:srgbClr val="8000FF"/>
-                </a:solidFill>
-                <a:latin typeface="Courier New" panose="02070309020205020404" pitchFamily="49" charset="0"/>
-              </a:rPr>
-              <a:t>solr.RemoveDuplicatesTokenFilterFactory</a:t>
-            </a:r>
-            <a:r>
-              <a:rPr lang="pt-PT" dirty="0">
-                <a:solidFill>
-                  <a:srgbClr val="8000FF"/>
-                </a:solidFill>
-                <a:latin typeface="Courier New" panose="02070309020205020404" pitchFamily="49" charset="0"/>
-              </a:rPr>
-              <a:t>"</a:t>
-            </a:r>
-            <a:r>
-              <a:rPr lang="pt-PT" dirty="0">
-                <a:solidFill>
-                  <a:srgbClr val="000000"/>
-                </a:solidFill>
-                <a:latin typeface="Courier New" panose="02070309020205020404" pitchFamily="49" charset="0"/>
-              </a:rPr>
-              <a:t> </a:t>
-            </a:r>
-            <a:r>
-              <a:rPr lang="pt-PT" dirty="0">
-                <a:solidFill>
-                  <a:srgbClr val="0000FF"/>
-                </a:solidFill>
-                <a:latin typeface="Courier New" panose="02070309020205020404" pitchFamily="49" charset="0"/>
-              </a:rPr>
-              <a:t>/&gt;</a:t>
-            </a:r>
+                  <a:schemeClr val="bg1"/>
+                </a:solidFill>
+              </a:rPr>
+              <a:t>Por ordem de relevância</a:t>
+            </a:r>
+          </a:p>
+          <a:p>
             <a:endParaRPr lang="pt-PT" dirty="0">
               <a:solidFill>
-                <a:srgbClr val="000000"/>
+                <a:schemeClr val="bg1"/>
               </a:solidFill>
-              <a:latin typeface="Courier New" panose="02070309020205020404" pitchFamily="49" charset="0"/>
             </a:endParaRPr>
           </a:p>
           <a:p>
-            <a:endParaRPr lang="pt-PT" dirty="0"/>
+            <a:pPr lvl="1"/>
+            <a:r>
+              <a:rPr lang="pt-PT" dirty="0">
+                <a:solidFill>
+                  <a:schemeClr val="bg1"/>
+                </a:solidFill>
+              </a:rPr>
+              <a:t>Modelo Vetorial</a:t>
+            </a:r>
+          </a:p>
+          <a:p>
+            <a:pPr lvl="1"/>
+            <a:endParaRPr lang="pt-PT" dirty="0">
+              <a:solidFill>
+                <a:schemeClr val="bg1"/>
+              </a:solidFill>
+            </a:endParaRPr>
+          </a:p>
+          <a:p>
+            <a:pPr lvl="1"/>
+            <a:r>
+              <a:rPr lang="pt-PT" dirty="0">
+                <a:solidFill>
+                  <a:schemeClr val="bg1"/>
+                </a:solidFill>
+              </a:rPr>
+              <a:t>Modelo Booleano</a:t>
+            </a:r>
           </a:p>
         </p:txBody>
       </p:sp>
@@ -13771,7 +13919,7 @@
             <a:pPr algn="ctr"/>
             <a:r>
               <a:rPr lang="en-GB" sz="3200" dirty="0"/>
-              <a:t>2</a:t>
+              <a:t>3</a:t>
             </a:r>
             <a:endParaRPr lang="pt-PT" sz="3200" dirty="0"/>
           </a:p>
@@ -13779,22 +13927,24 @@
       </p:sp>
       <p:sp>
         <p:nvSpPr>
-          <p:cNvPr id="5" name="Oval 4"/>
+          <p:cNvPr id="6" name="Retângulo 5"/>
           <p:cNvSpPr/>
           <p:nvPr/>
         </p:nvSpPr>
         <p:spPr>
           <a:xfrm>
-            <a:off x="10972457" y="875957"/>
-            <a:ext cx="828000" cy="828000"/>
+            <a:off x="10580914" y="604157"/>
+            <a:ext cx="1611086" cy="1371600"/>
           </a:xfrm>
-          <a:prstGeom prst="ellipse">
+          <a:prstGeom prst="rect">
             <a:avLst/>
           </a:prstGeom>
           <a:noFill/>
           <a:ln w="50800">
             <a:solidFill>
-              <a:schemeClr val="tx1"/>
+              <a:schemeClr val="tx2">
+                <a:lumMod val="25000"/>
+              </a:schemeClr>
             </a:solidFill>
           </a:ln>
         </p:spPr>
@@ -13826,7 +13976,7 @@
     </p:spTree>
     <p:extLst>
       <p:ext uri="{BB962C8B-B14F-4D97-AF65-F5344CB8AC3E}">
-        <p14:creationId xmlns:p14="http://schemas.microsoft.com/office/powerpoint/2010/main" val="1015532975"/>
+        <p14:creationId xmlns:p14="http://schemas.microsoft.com/office/powerpoint/2010/main" val="28181812"/>
       </p:ext>
     </p:extLst>
   </p:cSld>
@@ -13855,7 +14005,7 @@
       </p:grpSpPr>
       <p:sp>
         <p:nvSpPr>
-          <p:cNvPr id="2" name="Título 1"/>
+          <p:cNvPr id="4" name="Título 3"/>
           <p:cNvSpPr>
             <a:spLocks noGrp="1"/>
           </p:cNvSpPr>
@@ -13870,208 +14020,15 @@
           <a:p>
             <a:r>
               <a:rPr lang="pt-PT" dirty="0"/>
-              <a:t>Apresentar os resultados tipo Google </a:t>
-            </a:r>
-          </a:p>
-        </p:txBody>
-      </p:sp>
-      <p:sp>
-        <p:nvSpPr>
-          <p:cNvPr id="3" name="Marcador de Posição de Conteúdo 2"/>
-          <p:cNvSpPr>
-            <a:spLocks noGrp="1"/>
-          </p:cNvSpPr>
-          <p:nvPr>
-            <p:ph idx="1"/>
-          </p:nvPr>
-        </p:nvSpPr>
-        <p:spPr/>
-        <p:txBody>
-          <a:bodyPr/>
-          <a:lstStyle/>
-          <a:p>
-            <a:endParaRPr lang="en-GB" dirty="0">
-              <a:solidFill>
-                <a:schemeClr val="bg1"/>
-              </a:solidFill>
-            </a:endParaRPr>
-          </a:p>
-          <a:p>
-            <a:endParaRPr lang="en-GB" dirty="0">
-              <a:solidFill>
-                <a:schemeClr val="bg1"/>
-              </a:solidFill>
-            </a:endParaRPr>
-          </a:p>
-          <a:p>
-            <a:r>
-              <a:rPr lang="en-GB" dirty="0" err="1">
-                <a:solidFill>
-                  <a:schemeClr val="bg1"/>
-                </a:solidFill>
-              </a:rPr>
-              <a:t>Modelo</a:t>
-            </a:r>
-            <a:r>
-              <a:rPr lang="en-GB" dirty="0">
-                <a:solidFill>
-                  <a:schemeClr val="bg1"/>
-                </a:solidFill>
-              </a:rPr>
-              <a:t> </a:t>
-            </a:r>
-            <a:r>
-              <a:rPr lang="en-GB" dirty="0" err="1">
-                <a:solidFill>
-                  <a:schemeClr val="bg1"/>
-                </a:solidFill>
-              </a:rPr>
-              <a:t>Vetorial</a:t>
-            </a:r>
-            <a:endParaRPr lang="en-GB" dirty="0">
-              <a:solidFill>
-                <a:schemeClr val="bg1"/>
-              </a:solidFill>
-            </a:endParaRPr>
-          </a:p>
-          <a:p>
-            <a:endParaRPr lang="en-GB" dirty="0">
-              <a:solidFill>
-                <a:schemeClr val="bg1"/>
-              </a:solidFill>
-            </a:endParaRPr>
-          </a:p>
-          <a:p>
-            <a:r>
-              <a:rPr lang="en-GB" dirty="0" err="1">
-                <a:solidFill>
-                  <a:schemeClr val="bg1"/>
-                </a:solidFill>
-              </a:rPr>
-              <a:t>Modelo</a:t>
-            </a:r>
-            <a:r>
-              <a:rPr lang="en-GB" dirty="0">
-                <a:solidFill>
-                  <a:schemeClr val="bg1"/>
-                </a:solidFill>
-              </a:rPr>
-              <a:t> </a:t>
-            </a:r>
-            <a:r>
-              <a:rPr lang="en-GB" dirty="0" err="1">
-                <a:solidFill>
-                  <a:schemeClr val="bg1"/>
-                </a:solidFill>
-              </a:rPr>
-              <a:t>Booleano</a:t>
-            </a:r>
-            <a:endParaRPr lang="pt-PT" dirty="0">
-              <a:solidFill>
-                <a:schemeClr val="bg1"/>
-              </a:solidFill>
-            </a:endParaRPr>
-          </a:p>
-        </p:txBody>
-      </p:sp>
-      <p:sp>
-        <p:nvSpPr>
-          <p:cNvPr id="4" name="Retângulo 3"/>
-          <p:cNvSpPr/>
-          <p:nvPr/>
-        </p:nvSpPr>
-        <p:spPr>
-          <a:xfrm>
-            <a:off x="10580914" y="604157"/>
-            <a:ext cx="1611086" cy="1371600"/>
-          </a:xfrm>
-          <a:prstGeom prst="rect">
-            <a:avLst/>
-          </a:prstGeom>
-          <a:noFill/>
-          <a:ln>
-            <a:noFill/>
-          </a:ln>
-        </p:spPr>
-        <p:style>
-          <a:lnRef idx="2">
-            <a:schemeClr val="accent1">
-              <a:shade val="50000"/>
-            </a:schemeClr>
-          </a:lnRef>
-          <a:fillRef idx="1">
-            <a:schemeClr val="accent1"/>
-          </a:fillRef>
-          <a:effectRef idx="0">
-            <a:schemeClr val="accent1"/>
-          </a:effectRef>
-          <a:fontRef idx="minor">
-            <a:schemeClr val="lt1"/>
-          </a:fontRef>
-        </p:style>
-        <p:txBody>
-          <a:bodyPr rtlCol="0" anchor="ctr"/>
-          <a:lstStyle/>
-          <a:p>
-            <a:pPr algn="ctr"/>
-            <a:r>
-              <a:rPr lang="en-GB" sz="3200" dirty="0"/>
-              <a:t>3</a:t>
-            </a:r>
-            <a:endParaRPr lang="pt-PT" sz="3200" dirty="0"/>
-          </a:p>
-        </p:txBody>
-      </p:sp>
-      <p:sp>
-        <p:nvSpPr>
-          <p:cNvPr id="5" name="Oval 4"/>
-          <p:cNvSpPr/>
-          <p:nvPr/>
-        </p:nvSpPr>
-        <p:spPr>
-          <a:xfrm>
-            <a:off x="10972457" y="875957"/>
-            <a:ext cx="828000" cy="828000"/>
-          </a:xfrm>
-          <a:prstGeom prst="ellipse">
-            <a:avLst/>
-          </a:prstGeom>
-          <a:noFill/>
-          <a:ln w="50800">
-            <a:solidFill>
-              <a:schemeClr val="tx1"/>
-            </a:solidFill>
-          </a:ln>
-        </p:spPr>
-        <p:style>
-          <a:lnRef idx="2">
-            <a:schemeClr val="accent1">
-              <a:shade val="50000"/>
-            </a:schemeClr>
-          </a:lnRef>
-          <a:fillRef idx="1">
-            <a:schemeClr val="accent1"/>
-          </a:fillRef>
-          <a:effectRef idx="0">
-            <a:schemeClr val="accent1"/>
-          </a:effectRef>
-          <a:fontRef idx="minor">
-            <a:schemeClr val="lt1"/>
-          </a:fontRef>
-        </p:style>
-        <p:txBody>
-          <a:bodyPr rtlCol="0" anchor="ctr"/>
-          <a:lstStyle/>
-          <a:p>
-            <a:pPr algn="ctr"/>
-            <a:endParaRPr lang="pt-PT"/>
+              <a:t>Arquitetura</a:t>
+            </a:r>
           </a:p>
         </p:txBody>
       </p:sp>
     </p:spTree>
     <p:extLst>
       <p:ext uri="{BB962C8B-B14F-4D97-AF65-F5344CB8AC3E}">
-        <p14:creationId xmlns:p14="http://schemas.microsoft.com/office/powerpoint/2010/main" val="28181812"/>
+        <p14:creationId xmlns:p14="http://schemas.microsoft.com/office/powerpoint/2010/main" val="3079776174"/>
       </p:ext>
     </p:extLst>
   </p:cSld>
@@ -14180,7 +14137,7 @@
           <a:p>
             <a:r>
               <a:rPr lang="pt-PT" dirty="0"/>
-              <a:t>Contexto</a:t>
+              <a:t>Sumário</a:t>
             </a:r>
           </a:p>
         </p:txBody>
@@ -14198,9 +14155,113 @@
         <p:spPr/>
         <p:txBody>
           <a:bodyPr>
-            <a:normAutofit/>
+            <a:normAutofit fontScale="92500" lnSpcReduction="10000"/>
           </a:bodyPr>
           <a:lstStyle/>
+          <a:p>
+            <a:r>
+              <a:rPr lang="pt-PT" dirty="0">
+                <a:solidFill>
+                  <a:schemeClr val="bg1"/>
+                </a:solidFill>
+              </a:rPr>
+              <a:t>Contexto</a:t>
+            </a:r>
+          </a:p>
+          <a:p>
+            <a:r>
+              <a:rPr lang="pt-PT" dirty="0">
+                <a:solidFill>
+                  <a:schemeClr val="bg1"/>
+                </a:solidFill>
+              </a:rPr>
+              <a:t>Problema</a:t>
+            </a:r>
+          </a:p>
+          <a:p>
+            <a:r>
+              <a:rPr lang="pt-PT" dirty="0">
+                <a:solidFill>
+                  <a:schemeClr val="bg1"/>
+                </a:solidFill>
+              </a:rPr>
+              <a:t>Objetivo</a:t>
+            </a:r>
+          </a:p>
+          <a:p>
+            <a:r>
+              <a:rPr lang="pt-PT" dirty="0">
+                <a:solidFill>
+                  <a:schemeClr val="bg1"/>
+                </a:solidFill>
+              </a:rPr>
+              <a:t>Solução</a:t>
+            </a:r>
+          </a:p>
+          <a:p>
+            <a:r>
+              <a:rPr lang="pt-PT" dirty="0">
+                <a:solidFill>
+                  <a:schemeClr val="bg1"/>
+                </a:solidFill>
+              </a:rPr>
+              <a:t>Implementação</a:t>
+            </a:r>
+          </a:p>
+          <a:p>
+            <a:r>
+              <a:rPr lang="pt-PT" dirty="0">
+                <a:solidFill>
+                  <a:schemeClr val="bg1"/>
+                </a:solidFill>
+              </a:rPr>
+              <a:t>Arquitetura</a:t>
+            </a:r>
+          </a:p>
+          <a:p>
+            <a:r>
+              <a:rPr lang="pt-PT" dirty="0">
+                <a:solidFill>
+                  <a:schemeClr val="bg1"/>
+                </a:solidFill>
+              </a:rPr>
+              <a:t>Interface</a:t>
+            </a:r>
+          </a:p>
+          <a:p>
+            <a:r>
+              <a:rPr lang="pt-PT" dirty="0">
+                <a:solidFill>
+                  <a:schemeClr val="bg1"/>
+                </a:solidFill>
+              </a:rPr>
+              <a:t>Simulação e Testes</a:t>
+            </a:r>
+          </a:p>
+          <a:p>
+            <a:r>
+              <a:rPr lang="pt-PT" dirty="0">
+                <a:solidFill>
+                  <a:schemeClr val="bg1"/>
+                </a:solidFill>
+              </a:rPr>
+              <a:t>Trabalho Futuro</a:t>
+            </a:r>
+          </a:p>
+          <a:p>
+            <a:endParaRPr lang="en-GB" dirty="0">
+              <a:solidFill>
+                <a:schemeClr val="bg1"/>
+              </a:solidFill>
+            </a:endParaRPr>
+          </a:p>
+          <a:p>
+            <a:endParaRPr lang="en-GB" dirty="0">
+              <a:solidFill>
+                <a:schemeClr val="bg1"/>
+              </a:solidFill>
+            </a:endParaRPr>
+          </a:p>
           <a:p>
             <a:endParaRPr lang="pt-PT" dirty="0">
               <a:solidFill>
@@ -14208,113 +14269,12 @@
               </a:solidFill>
             </a:endParaRPr>
           </a:p>
-          <a:p>
-            <a:r>
-              <a:rPr lang="pt-PT" dirty="0">
-                <a:solidFill>
-                  <a:schemeClr val="bg1"/>
-                </a:solidFill>
-              </a:rPr>
-              <a:t>Numa perspetiva clínica</a:t>
-            </a:r>
-            <a:r>
-              <a:rPr lang="en-GB" dirty="0">
-                <a:solidFill>
-                  <a:schemeClr val="bg1"/>
-                </a:solidFill>
-              </a:rPr>
-              <a:t>: </a:t>
-            </a:r>
-            <a:endParaRPr lang="pt-PT" dirty="0">
-              <a:solidFill>
-                <a:schemeClr val="bg1"/>
-              </a:solidFill>
-            </a:endParaRPr>
-          </a:p>
-          <a:p>
-            <a:pPr lvl="1"/>
-            <a:r>
-              <a:rPr lang="pt-PT" dirty="0">
-                <a:solidFill>
-                  <a:schemeClr val="bg1"/>
-                </a:solidFill>
-              </a:rPr>
-              <a:t>Existe muita informação, muitos dados</a:t>
-            </a:r>
-          </a:p>
-          <a:p>
-            <a:pPr lvl="2"/>
-            <a:r>
-              <a:rPr lang="pt-PT" dirty="0">
-                <a:solidFill>
-                  <a:schemeClr val="bg1"/>
-                </a:solidFill>
-              </a:rPr>
-              <a:t>Em documentos não estruturados </a:t>
-            </a:r>
-          </a:p>
-          <a:p>
-            <a:pPr lvl="2"/>
-            <a:r>
-              <a:rPr lang="pt-PT" dirty="0">
-                <a:solidFill>
-                  <a:schemeClr val="bg1"/>
-                </a:solidFill>
-              </a:rPr>
-              <a:t>e estruturados em bases de dados</a:t>
-            </a:r>
-          </a:p>
-          <a:p>
-            <a:pPr lvl="1"/>
-            <a:endParaRPr lang="pt-PT" dirty="0">
-              <a:solidFill>
-                <a:schemeClr val="bg1"/>
-              </a:solidFill>
-            </a:endParaRPr>
-          </a:p>
-          <a:p>
-            <a:pPr lvl="1"/>
-            <a:r>
-              <a:rPr lang="pt-PT" dirty="0">
-                <a:solidFill>
-                  <a:schemeClr val="bg1"/>
-                </a:solidFill>
-              </a:rPr>
-              <a:t>É necessário organizar e melhorar o acesso integrado da informação</a:t>
-            </a:r>
-          </a:p>
-          <a:p>
-            <a:pPr lvl="1"/>
-            <a:endParaRPr lang="pt-PT" dirty="0">
-              <a:solidFill>
-                <a:schemeClr val="bg1"/>
-              </a:solidFill>
-            </a:endParaRPr>
-          </a:p>
-          <a:p>
-            <a:pPr lvl="1"/>
-            <a:r>
-              <a:rPr lang="pt-PT" dirty="0">
-                <a:solidFill>
-                  <a:schemeClr val="bg1"/>
-                </a:solidFill>
-              </a:rPr>
-              <a:t>Surgem ferramentas indexação e pesquisa de informação</a:t>
-            </a:r>
-          </a:p>
-          <a:p>
-            <a:endParaRPr lang="pt-PT" dirty="0">
-              <a:solidFill>
-                <a:schemeClr val="bg1"/>
-              </a:solidFill>
-            </a:endParaRPr>
-          </a:p>
         </p:txBody>
       </p:sp>
     </p:spTree>
     <p:extLst>
       <p:ext uri="{BB962C8B-B14F-4D97-AF65-F5344CB8AC3E}">
-        <p14:creationId xmlns:p14="http://schemas.microsoft.com/office/powerpoint/2010/main" val="373284507"/>
+        <p14:creationId xmlns:p14="http://schemas.microsoft.com/office/powerpoint/2010/main" val="3694176080"/>
       </p:ext>
     </p:extLst>
   </p:cSld>
@@ -14341,45 +14301,33 @@
           <a:chExt cx="0" cy="0"/>
         </a:xfrm>
       </p:grpSpPr>
-      <p:pic>
-        <p:nvPicPr>
-          <p:cNvPr id="4" name="Imagem 3"/>
-          <p:cNvPicPr>
-            <a:picLocks noChangeAspect="1"/>
-          </p:cNvPicPr>
-          <p:nvPr/>
-        </p:nvPicPr>
-        <p:blipFill rotWithShape="1">
-          <a:blip r:embed="rId2">
-            <a:extLst>
-              <a:ext uri="{28A0092B-C50C-407E-A947-70E740481C1C}">
-                <a14:useLocalDpi xmlns:a14="http://schemas.microsoft.com/office/drawing/2010/main" val="0"/>
-              </a:ext>
-            </a:extLst>
-          </a:blip>
-          <a:srcRect t="2857"/>
-          <a:stretch/>
-        </p:blipFill>
-        <p:spPr>
-          <a:xfrm>
-            <a:off x="4261755" y="-93616"/>
-            <a:ext cx="3592285" cy="7047720"/>
-          </a:xfrm>
-          <a:prstGeom prst="rect">
-            <a:avLst/>
-          </a:prstGeom>
-          <a:ln>
-            <a:noFill/>
-          </a:ln>
-          <a:effectLst>
-            <a:softEdge rad="112500"/>
-          </a:effectLst>
-        </p:spPr>
-      </p:pic>
+      <p:sp>
+        <p:nvSpPr>
+          <p:cNvPr id="2" name="Título 1"/>
+          <p:cNvSpPr>
+            <a:spLocks noGrp="1"/>
+          </p:cNvSpPr>
+          <p:nvPr>
+            <p:ph type="title"/>
+          </p:nvPr>
+        </p:nvSpPr>
+        <p:spPr/>
+        <p:txBody>
+          <a:bodyPr/>
+          <a:lstStyle/>
+          <a:p>
+            <a:r>
+              <a:rPr lang="en-GB" dirty="0"/>
+              <a:t>Interface</a:t>
+            </a:r>
+            <a:endParaRPr lang="pt-PT" dirty="0"/>
+          </a:p>
+        </p:txBody>
+      </p:sp>
     </p:spTree>
     <p:extLst>
       <p:ext uri="{BB962C8B-B14F-4D97-AF65-F5344CB8AC3E}">
-        <p14:creationId xmlns:p14="http://schemas.microsoft.com/office/powerpoint/2010/main" val="3128663420"/>
+        <p14:creationId xmlns:p14="http://schemas.microsoft.com/office/powerpoint/2010/main" val="67048409"/>
       </p:ext>
     </p:extLst>
   </p:cSld>
@@ -14523,7 +14471,7 @@
           </p:nvSpPr>
           <p:spPr>
             <a:xfrm>
-              <a:off x="3390900" y="3341688"/>
+              <a:off x="3390900" y="3357164"/>
               <a:ext cx="1123950" cy="45085"/>
             </a:xfrm>
             <a:prstGeom prst="rect">
@@ -14581,7 +14529,7 @@
           </p:nvSpPr>
           <p:spPr>
             <a:xfrm>
-              <a:off x="3390900" y="3979863"/>
+              <a:off x="3390900" y="3995339"/>
               <a:ext cx="1095375" cy="45085"/>
             </a:xfrm>
             <a:prstGeom prst="rect">
@@ -16647,6 +16595,155 @@
 </p:sld>
 </file>
 
+<file path=ppt/slides/slide28.xml><?xml version="1.0" encoding="utf-8"?>
+<p:sld xmlns:a="http://schemas.openxmlformats.org/drawingml/2006/main" xmlns:r="http://schemas.openxmlformats.org/officeDocument/2006/relationships" xmlns:p="http://schemas.openxmlformats.org/presentationml/2006/main">
+  <p:cSld>
+    <p:spTree>
+      <p:nvGrpSpPr>
+        <p:cNvPr id="1" name=""/>
+        <p:cNvGrpSpPr/>
+        <p:nvPr/>
+      </p:nvGrpSpPr>
+      <p:grpSpPr>
+        <a:xfrm>
+          <a:off x="0" y="0"/>
+          <a:ext cx="0" cy="0"/>
+          <a:chOff x="0" y="0"/>
+          <a:chExt cx="0" cy="0"/>
+        </a:xfrm>
+      </p:grpSpPr>
+      <p:pic>
+        <p:nvPicPr>
+          <p:cNvPr id="4" name="Imagem 3"/>
+          <p:cNvPicPr>
+            <a:picLocks noChangeAspect="1"/>
+          </p:cNvPicPr>
+          <p:nvPr/>
+        </p:nvPicPr>
+        <p:blipFill rotWithShape="1">
+          <a:blip r:embed="rId2">
+            <a:extLst>
+              <a:ext uri="{28A0092B-C50C-407E-A947-70E740481C1C}">
+                <a14:useLocalDpi xmlns:a14="http://schemas.microsoft.com/office/drawing/2010/main" val="0"/>
+              </a:ext>
+            </a:extLst>
+          </a:blip>
+          <a:srcRect t="2857"/>
+          <a:stretch/>
+        </p:blipFill>
+        <p:spPr>
+          <a:xfrm>
+            <a:off x="1224638" y="-93616"/>
+            <a:ext cx="3592285" cy="7047720"/>
+          </a:xfrm>
+          <a:prstGeom prst="rect">
+            <a:avLst/>
+          </a:prstGeom>
+          <a:ln>
+            <a:noFill/>
+          </a:ln>
+          <a:effectLst>
+            <a:softEdge rad="112500"/>
+          </a:effectLst>
+        </p:spPr>
+      </p:pic>
+      <p:pic>
+        <p:nvPicPr>
+          <p:cNvPr id="2" name="Imagem 1"/>
+          <p:cNvPicPr>
+            <a:picLocks noChangeAspect="1"/>
+          </p:cNvPicPr>
+          <p:nvPr/>
+        </p:nvPicPr>
+        <p:blipFill>
+          <a:blip r:embed="rId3">
+            <a:extLst>
+              <a:ext uri="{28A0092B-C50C-407E-A947-70E740481C1C}">
+                <a14:useLocalDpi xmlns:a14="http://schemas.microsoft.com/office/drawing/2010/main" val="0"/>
+              </a:ext>
+            </a:extLst>
+          </a:blip>
+          <a:stretch>
+            <a:fillRect/>
+          </a:stretch>
+        </p:blipFill>
+        <p:spPr>
+          <a:xfrm>
+            <a:off x="5151664" y="2249261"/>
+            <a:ext cx="5905500" cy="4286250"/>
+          </a:xfrm>
+          <a:prstGeom prst="rect">
+            <a:avLst/>
+          </a:prstGeom>
+          <a:ln>
+            <a:noFill/>
+          </a:ln>
+          <a:effectLst>
+            <a:softEdge rad="112500"/>
+          </a:effectLst>
+        </p:spPr>
+      </p:pic>
+      <p:sp>
+        <p:nvSpPr>
+          <p:cNvPr id="3" name="Retângulo 2"/>
+          <p:cNvSpPr/>
+          <p:nvPr/>
+        </p:nvSpPr>
+        <p:spPr>
+          <a:xfrm flipH="1" flipV="1">
+            <a:off x="10461173" y="4310744"/>
+            <a:ext cx="152398" cy="97970"/>
+          </a:xfrm>
+          <a:prstGeom prst="rect">
+            <a:avLst/>
+          </a:prstGeom>
+          <a:solidFill>
+            <a:schemeClr val="tx1"/>
+          </a:solidFill>
+          <a:ln>
+            <a:solidFill>
+              <a:schemeClr val="tx1"/>
+            </a:solidFill>
+          </a:ln>
+        </p:spPr>
+        <p:style>
+          <a:lnRef idx="2">
+            <a:schemeClr val="accent1">
+              <a:shade val="50000"/>
+            </a:schemeClr>
+          </a:lnRef>
+          <a:fillRef idx="1">
+            <a:schemeClr val="accent1"/>
+          </a:fillRef>
+          <a:effectRef idx="0">
+            <a:schemeClr val="accent1"/>
+          </a:effectRef>
+          <a:fontRef idx="minor">
+            <a:schemeClr val="lt1"/>
+          </a:fontRef>
+        </p:style>
+        <p:txBody>
+          <a:bodyPr rtlCol="0" anchor="ctr"/>
+          <a:lstStyle/>
+          <a:p>
+            <a:pPr algn="ctr"/>
+            <a:endParaRPr lang="pt-PT"/>
+          </a:p>
+        </p:txBody>
+      </p:sp>
+    </p:spTree>
+    <p:extLst>
+      <p:ext uri="{BB962C8B-B14F-4D97-AF65-F5344CB8AC3E}">
+        <p14:creationId xmlns:p14="http://schemas.microsoft.com/office/powerpoint/2010/main" val="3128663420"/>
+      </p:ext>
+    </p:extLst>
+  </p:cSld>
+  <p:clrMapOvr>
+    <a:masterClrMapping/>
+  </p:clrMapOvr>
+</p:sld>
+</file>
+
 <file path=ppt/slides/slide3.xml><?xml version="1.0" encoding="utf-8"?>
 <p:sld xmlns:a="http://schemas.openxmlformats.org/drawingml/2006/main" xmlns:r="http://schemas.openxmlformats.org/officeDocument/2006/relationships" xmlns:p="http://schemas.openxmlformats.org/presentationml/2006/main">
   <p:cSld>
@@ -16681,7 +16778,7 @@
           <a:p>
             <a:r>
               <a:rPr lang="pt-PT" dirty="0"/>
-              <a:t>Problema</a:t>
+              <a:t>Contexto</a:t>
             </a:r>
           </a:p>
         </p:txBody>
@@ -16696,45 +16793,12 @@
             <p:ph idx="1"/>
           </p:nvPr>
         </p:nvSpPr>
-        <p:spPr>
-          <a:xfrm>
-            <a:off x="680321" y="2336872"/>
-            <a:ext cx="9613861" cy="4282292"/>
-          </a:xfrm>
-        </p:spPr>
+        <p:spPr/>
         <p:txBody>
           <a:bodyPr>
             <a:normAutofit/>
           </a:bodyPr>
           <a:lstStyle/>
-          <a:p>
-            <a:endParaRPr lang="en-GB" dirty="0">
-              <a:solidFill>
-                <a:schemeClr val="bg1"/>
-              </a:solidFill>
-            </a:endParaRPr>
-          </a:p>
-          <a:p>
-            <a:r>
-              <a:rPr lang="pt-PT" dirty="0">
-                <a:solidFill>
-                  <a:schemeClr val="bg1"/>
-                </a:solidFill>
-              </a:rPr>
-              <a:t>Para quem?</a:t>
-            </a:r>
-          </a:p>
-          <a:p>
-            <a:pPr lvl="1"/>
-            <a:r>
-              <a:rPr lang="pt-PT" dirty="0">
-                <a:solidFill>
-                  <a:schemeClr val="bg1"/>
-                </a:solidFill>
-              </a:rPr>
-              <a:t>Médicos</a:t>
-            </a:r>
-          </a:p>
           <a:p>
             <a:endParaRPr lang="pt-PT" dirty="0">
               <a:solidFill>
@@ -16749,8 +16813,21 @@
                   <a:schemeClr val="bg1"/>
                 </a:solidFill>
               </a:rPr>
-              <a:t>Porquê?</a:t>
-            </a:r>
+              <a:t>Numa perspetiva clínica</a:t>
+            </a:r>
+            <a:r>
+              <a:rPr lang="en-GB" dirty="0">
+                <a:solidFill>
+                  <a:schemeClr val="bg1"/>
+                </a:solidFill>
+              </a:rPr>
+              <a:t>: </a:t>
+            </a:r>
+            <a:endParaRPr lang="pt-PT" dirty="0">
+              <a:solidFill>
+                <a:schemeClr val="bg1"/>
+              </a:solidFill>
+            </a:endParaRPr>
           </a:p>
           <a:p>
             <a:pPr lvl="1"/>
@@ -16760,7 +16837,7 @@
                   <a:schemeClr val="bg1"/>
                 </a:solidFill>
               </a:rPr>
-              <a:t>A informação está:</a:t>
+              <a:t>Existe muita informação, muitos dados</a:t>
             </a:r>
           </a:p>
           <a:p>
@@ -16771,7 +16848,7 @@
                   <a:schemeClr val="bg1"/>
                 </a:solidFill>
               </a:rPr>
-              <a:t>Desorganizada</a:t>
+              <a:t>Em documentos não estruturados </a:t>
             </a:r>
           </a:p>
           <a:p>
@@ -16782,29 +16859,7 @@
                   <a:schemeClr val="bg1"/>
                 </a:solidFill>
               </a:rPr>
-              <a:t>Dispersa por várias fontes</a:t>
-            </a:r>
-          </a:p>
-          <a:p>
-            <a:pPr lvl="1"/>
-            <a:r>
-              <a:rPr lang="pt-PT" dirty="0">
-                <a:solidFill>
-                  <a:schemeClr val="bg1"/>
-                </a:solidFill>
-              </a:rPr>
-              <a:t>Atrasa os médicos</a:t>
-            </a:r>
-          </a:p>
-          <a:p>
-            <a:pPr lvl="1"/>
-            <a:r>
-              <a:rPr lang="pt-PT" dirty="0">
-                <a:solidFill>
-                  <a:schemeClr val="bg1"/>
-                </a:solidFill>
-              </a:rPr>
-              <a:t>Dificulta o acesso à informação</a:t>
+              <a:t>e estruturados em bases de dados</a:t>
             </a:r>
           </a:p>
           <a:p>
@@ -16815,62 +16870,49 @@
               </a:solidFill>
             </a:endParaRPr>
           </a:p>
-        </p:txBody>
-      </p:sp>
-      <p:pic>
-        <p:nvPicPr>
-          <p:cNvPr id="4098" name="Picture 2" descr="http://subtleyoga.com/wp-content/uploads/2015/08/young-female-doctor.jpg"/>
-          <p:cNvPicPr>
-            <a:picLocks noChangeAspect="1" noChangeArrowheads="1"/>
-          </p:cNvPicPr>
-          <p:nvPr/>
-        </p:nvPicPr>
-        <p:blipFill>
-          <a:blip r:embed="rId3" cstate="print">
-            <a:extLst>
-              <a:ext uri="{28A0092B-C50C-407E-A947-70E740481C1C}">
-                <a14:useLocalDpi xmlns:a14="http://schemas.microsoft.com/office/drawing/2010/main" val="0"/>
-              </a:ext>
-            </a:extLst>
-          </a:blip>
-          <a:srcRect/>
-          <a:stretch>
-            <a:fillRect/>
-          </a:stretch>
-        </p:blipFill>
-        <p:spPr bwMode="auto">
-          <a:xfrm>
-            <a:off x="6690417" y="2813539"/>
-            <a:ext cx="4062820" cy="2882063"/>
-          </a:xfrm>
-          <a:prstGeom prst="rect">
-            <a:avLst/>
-          </a:prstGeom>
-          <a:ln>
-            <a:noFill/>
-          </a:ln>
-          <a:effectLst>
-            <a:outerShdw blurRad="190500" algn="tl" rotWithShape="0">
-              <a:srgbClr val="000000">
-                <a:alpha val="70000"/>
-              </a:srgbClr>
-            </a:outerShdw>
-          </a:effectLst>
-          <a:extLst>
-            <a:ext uri="{909E8E84-426E-40DD-AFC4-6F175D3DCCD1}">
-              <a14:hiddenFill xmlns:a14="http://schemas.microsoft.com/office/drawing/2010/main">
-                <a:solidFill>
-                  <a:srgbClr val="FFFFFF"/>
-                </a:solidFill>
-              </a14:hiddenFill>
-            </a:ext>
-          </a:extLst>
-        </p:spPr>
-      </p:pic>
+          <a:p>
+            <a:pPr lvl="1"/>
+            <a:r>
+              <a:rPr lang="pt-PT" dirty="0">
+                <a:solidFill>
+                  <a:schemeClr val="bg1"/>
+                </a:solidFill>
+              </a:rPr>
+              <a:t>É necessário organizar e melhorar o acesso integrado da informação</a:t>
+            </a:r>
+          </a:p>
+          <a:p>
+            <a:pPr lvl="1"/>
+            <a:endParaRPr lang="pt-PT" dirty="0">
+              <a:solidFill>
+                <a:schemeClr val="bg1"/>
+              </a:solidFill>
+            </a:endParaRPr>
+          </a:p>
+          <a:p>
+            <a:pPr lvl="1"/>
+            <a:r>
+              <a:rPr lang="pt-PT" dirty="0">
+                <a:solidFill>
+                  <a:schemeClr val="bg1"/>
+                </a:solidFill>
+              </a:rPr>
+              <a:t>Surgem ferramentas indexação e pesquisa de informação</a:t>
+            </a:r>
+          </a:p>
+          <a:p>
+            <a:endParaRPr lang="pt-PT" dirty="0">
+              <a:solidFill>
+                <a:schemeClr val="bg1"/>
+              </a:solidFill>
+            </a:endParaRPr>
+          </a:p>
+        </p:txBody>
+      </p:sp>
     </p:spTree>
     <p:extLst>
       <p:ext uri="{BB962C8B-B14F-4D97-AF65-F5344CB8AC3E}">
-        <p14:creationId xmlns:p14="http://schemas.microsoft.com/office/powerpoint/2010/main" val="2094456340"/>
+        <p14:creationId xmlns:p14="http://schemas.microsoft.com/office/powerpoint/2010/main" val="373284507"/>
       </p:ext>
     </p:extLst>
   </p:cSld>
@@ -16914,7 +16956,7 @@
           <a:p>
             <a:r>
               <a:rPr lang="pt-PT" dirty="0"/>
-              <a:t>Dados Clínicos</a:t>
+              <a:t>Problema</a:t>
             </a:r>
           </a:p>
         </p:txBody>
@@ -16926,20 +16968,43 @@
             <a:spLocks noGrp="1"/>
           </p:cNvSpPr>
           <p:nvPr>
-            <p:ph idx="1"/>
+            <p:ph sz="half" idx="1"/>
           </p:nvPr>
         </p:nvSpPr>
-        <p:spPr>
-          <a:xfrm>
-            <a:off x="680321" y="2336872"/>
-            <a:ext cx="9613861" cy="3869055"/>
-          </a:xfrm>
-        </p:spPr>
+        <p:spPr/>
         <p:txBody>
           <a:bodyPr>
-            <a:normAutofit/>
+            <a:normAutofit lnSpcReduction="10000"/>
           </a:bodyPr>
           <a:lstStyle/>
+          <a:p>
+            <a:endParaRPr lang="en-GB" dirty="0">
+              <a:solidFill>
+                <a:schemeClr val="bg1"/>
+              </a:solidFill>
+            </a:endParaRPr>
+          </a:p>
+          <a:p>
+            <a:r>
+              <a:rPr lang="pt-PT" dirty="0">
+                <a:solidFill>
+                  <a:schemeClr val="bg1"/>
+                </a:solidFill>
+              </a:rPr>
+              <a:t>Para quem?</a:t>
+            </a:r>
+          </a:p>
+          <a:p>
+            <a:pPr lvl="1"/>
+            <a:r>
+              <a:rPr lang="pt-PT" dirty="0">
+                <a:solidFill>
+                  <a:schemeClr val="bg1"/>
+                </a:solidFill>
+              </a:rPr>
+              <a:t>Médicos</a:t>
+            </a:r>
+          </a:p>
           <a:p>
             <a:endParaRPr lang="pt-PT" dirty="0">
               <a:solidFill>
@@ -16954,75 +17019,130 @@
                   <a:schemeClr val="bg1"/>
                 </a:solidFill>
               </a:rPr>
-              <a:t>Resultados analíticos laboratoriais</a:t>
-            </a:r>
-          </a:p>
-          <a:p>
+              <a:t>Porquê?</a:t>
+            </a:r>
+          </a:p>
+          <a:p>
+            <a:pPr lvl="1"/>
             <a:r>
               <a:rPr lang="pt-PT" dirty="0">
                 <a:solidFill>
                   <a:schemeClr val="bg1"/>
                 </a:solidFill>
               </a:rPr>
-              <a:t>Relatórios  de imagiologia, cardiologia, etc…</a:t>
-            </a:r>
-          </a:p>
-          <a:p>
+              <a:t>A informação está:</a:t>
+            </a:r>
+          </a:p>
+          <a:p>
+            <a:pPr lvl="2"/>
             <a:r>
               <a:rPr lang="pt-PT" dirty="0">
                 <a:solidFill>
                   <a:schemeClr val="bg1"/>
                 </a:solidFill>
               </a:rPr>
-              <a:t>Diagnósticos codificados por exemplo em ICD9</a:t>
-            </a:r>
-          </a:p>
-          <a:p>
+              <a:t>Desorganizada</a:t>
+            </a:r>
+          </a:p>
+          <a:p>
+            <a:pPr lvl="2"/>
             <a:r>
               <a:rPr lang="pt-PT" dirty="0">
                 <a:solidFill>
                   <a:schemeClr val="bg1"/>
                 </a:solidFill>
               </a:rPr>
-              <a:t>Notas clínicas dos médicos</a:t>
-            </a:r>
-          </a:p>
-          <a:p>
+              <a:t>Dispersa por várias fontes</a:t>
+            </a:r>
+          </a:p>
+          <a:p>
+            <a:pPr lvl="1"/>
             <a:r>
               <a:rPr lang="pt-PT" dirty="0">
                 <a:solidFill>
                   <a:schemeClr val="bg1"/>
                 </a:solidFill>
               </a:rPr>
-              <a:t>Requisições de exames</a:t>
-            </a:r>
-          </a:p>
-          <a:p>
+              <a:t>Atrasa os médicos</a:t>
+            </a:r>
+          </a:p>
+          <a:p>
+            <a:pPr lvl="1"/>
             <a:r>
               <a:rPr lang="pt-PT" dirty="0">
                 <a:solidFill>
                   <a:schemeClr val="bg1"/>
                 </a:solidFill>
               </a:rPr>
-              <a:t>Prescrições de medicamentos</a:t>
-            </a:r>
-          </a:p>
-          <a:p>
-            <a:r>
-              <a:rPr lang="pt-PT" dirty="0">
-                <a:solidFill>
-                  <a:schemeClr val="bg1"/>
-                </a:solidFill>
-              </a:rPr>
-              <a:t>Informação demográfica de pacientes</a:t>
-            </a:r>
-          </a:p>
-        </p:txBody>
-      </p:sp>
+              <a:t>Dificulta o acesso à informação</a:t>
+            </a:r>
+          </a:p>
+          <a:p>
+            <a:pPr lvl="1"/>
+            <a:endParaRPr lang="pt-PT" dirty="0">
+              <a:solidFill>
+                <a:schemeClr val="bg1"/>
+              </a:solidFill>
+            </a:endParaRPr>
+          </a:p>
+        </p:txBody>
+      </p:sp>
+      <p:pic>
+        <p:nvPicPr>
+          <p:cNvPr id="6" name="Picture 2" descr="http://subtleyoga.com/wp-content/uploads/2015/08/young-female-doctor.jpg"/>
+          <p:cNvPicPr>
+            <a:picLocks noGrp="1" noChangeAspect="1" noChangeArrowheads="1"/>
+          </p:cNvPicPr>
+          <p:nvPr>
+            <p:ph sz="half" idx="2"/>
+          </p:nvPr>
+        </p:nvPicPr>
+        <p:blipFill>
+          <a:blip r:embed="rId3" cstate="print">
+            <a:extLst>
+              <a:ext uri="{28A0092B-C50C-407E-A947-70E740481C1C}">
+                <a14:useLocalDpi xmlns:a14="http://schemas.microsoft.com/office/drawing/2010/main" val="0"/>
+              </a:ext>
+            </a:extLst>
+          </a:blip>
+          <a:srcRect/>
+          <a:stretch>
+            <a:fillRect/>
+          </a:stretch>
+        </p:blipFill>
+        <p:spPr bwMode="auto">
+          <a:xfrm>
+            <a:off x="5912182" y="2693973"/>
+            <a:ext cx="4064924" cy="2884516"/>
+          </a:xfrm>
+          <a:prstGeom prst="rect">
+            <a:avLst/>
+          </a:prstGeom>
+          <a:ln>
+            <a:noFill/>
+          </a:ln>
+          <a:effectLst>
+            <a:outerShdw blurRad="190500" algn="tl" rotWithShape="0">
+              <a:srgbClr val="000000">
+                <a:alpha val="70000"/>
+              </a:srgbClr>
+            </a:outerShdw>
+          </a:effectLst>
+          <a:extLst>
+            <a:ext uri="{909E8E84-426E-40DD-AFC4-6F175D3DCCD1}">
+              <a14:hiddenFill xmlns:a14="http://schemas.microsoft.com/office/drawing/2010/main">
+                <a:solidFill>
+                  <a:srgbClr val="FFFFFF"/>
+                </a:solidFill>
+              </a14:hiddenFill>
+            </a:ext>
+          </a:extLst>
+        </p:spPr>
+      </p:pic>
     </p:spTree>
     <p:extLst>
       <p:ext uri="{BB962C8B-B14F-4D97-AF65-F5344CB8AC3E}">
-        <p14:creationId xmlns:p14="http://schemas.microsoft.com/office/powerpoint/2010/main" val="2252079774"/>
+        <p14:creationId xmlns:p14="http://schemas.microsoft.com/office/powerpoint/2010/main" val="2094456340"/>
       </p:ext>
     </p:extLst>
   </p:cSld>
@@ -17066,7 +17186,7 @@
           <a:p>
             <a:r>
               <a:rPr lang="pt-PT" dirty="0"/>
-              <a:t>Objetivo</a:t>
+              <a:t>Dados Clínicos</a:t>
             </a:r>
           </a:p>
         </p:txBody>
@@ -17081,25 +17201,12 @@
             <p:ph idx="1"/>
           </p:nvPr>
         </p:nvSpPr>
-        <p:spPr>
-          <a:xfrm>
-            <a:off x="680321" y="2906485"/>
-            <a:ext cx="9613861" cy="3029703"/>
-          </a:xfrm>
-        </p:spPr>
-        <p:txBody>
-          <a:bodyPr/>
+        <p:spPr/>
+        <p:txBody>
+          <a:bodyPr>
+            <a:normAutofit lnSpcReduction="10000"/>
+          </a:bodyPr>
           <a:lstStyle/>
-          <a:p>
-            <a:r>
-              <a:rPr lang="pt-PT" dirty="0">
-                <a:solidFill>
-                  <a:schemeClr val="bg1"/>
-                </a:solidFill>
-              </a:rPr>
-              <a:t>O objetivo desta solução é:</a:t>
-            </a:r>
-          </a:p>
           <a:p>
             <a:endParaRPr lang="pt-PT" dirty="0">
               <a:solidFill>
@@ -17108,52 +17215,73 @@
             </a:endParaRPr>
           </a:p>
           <a:p>
-            <a:pPr lvl="1"/>
             <a:r>
               <a:rPr lang="pt-PT" dirty="0">
                 <a:solidFill>
                   <a:schemeClr val="bg1"/>
                 </a:solidFill>
               </a:rPr>
-              <a:t>Proporcionar melhores condições de acesso e pesquisa de informação clínica</a:t>
-            </a:r>
-          </a:p>
-          <a:p>
-            <a:pPr lvl="1"/>
-            <a:endParaRPr lang="pt-PT" dirty="0">
-              <a:solidFill>
-                <a:schemeClr val="bg1"/>
-              </a:solidFill>
-            </a:endParaRPr>
-          </a:p>
-          <a:p>
-            <a:pPr lvl="1"/>
+              <a:t>Resultados analíticos laboratoriais</a:t>
+            </a:r>
+          </a:p>
+          <a:p>
             <a:r>
               <a:rPr lang="pt-PT" dirty="0">
                 <a:solidFill>
                   <a:schemeClr val="bg1"/>
                 </a:solidFill>
               </a:rPr>
-              <a:t>Aglomerando a informação num só local</a:t>
-            </a:r>
-          </a:p>
-          <a:p>
-            <a:pPr lvl="1"/>
-            <a:endParaRPr lang="pt-PT" dirty="0">
-              <a:solidFill>
-                <a:schemeClr val="bg1"/>
-              </a:solidFill>
-            </a:endParaRPr>
-          </a:p>
-          <a:p>
-            <a:pPr lvl="1"/>
+              <a:t>Relatórios  de imagiologia, cardiologia, etc…</a:t>
+            </a:r>
+          </a:p>
+          <a:p>
             <a:r>
               <a:rPr lang="pt-PT" dirty="0">
                 <a:solidFill>
                   <a:schemeClr val="bg1"/>
                 </a:solidFill>
               </a:rPr>
-              <a:t>Relacionando a informação</a:t>
+              <a:t>Diagnósticos codificados por exemplo em ICD9</a:t>
+            </a:r>
+          </a:p>
+          <a:p>
+            <a:r>
+              <a:rPr lang="pt-PT" dirty="0">
+                <a:solidFill>
+                  <a:schemeClr val="bg1"/>
+                </a:solidFill>
+              </a:rPr>
+              <a:t>Notas clínicas dos médicos</a:t>
+            </a:r>
+          </a:p>
+          <a:p>
+            <a:r>
+              <a:rPr lang="pt-PT" dirty="0">
+                <a:solidFill>
+                  <a:schemeClr val="bg1"/>
+                </a:solidFill>
+              </a:rPr>
+              <a:t>Requisições de exames</a:t>
+            </a:r>
+          </a:p>
+          <a:p>
+            <a:r>
+              <a:rPr lang="pt-PT" dirty="0">
+                <a:solidFill>
+                  <a:schemeClr val="bg1"/>
+                </a:solidFill>
+              </a:rPr>
+              <a:t>Prescrições de medicamentos</a:t>
+            </a:r>
+          </a:p>
+          <a:p>
+            <a:r>
+              <a:rPr lang="pt-PT" dirty="0">
+                <a:solidFill>
+                  <a:schemeClr val="bg1"/>
+                </a:solidFill>
+              </a:rPr>
+              <a:t>Informação demográfica de pacientes</a:t>
             </a:r>
           </a:p>
         </p:txBody>
@@ -17161,7 +17289,7 @@
     </p:spTree>
     <p:extLst>
       <p:ext uri="{BB962C8B-B14F-4D97-AF65-F5344CB8AC3E}">
-        <p14:creationId xmlns:p14="http://schemas.microsoft.com/office/powerpoint/2010/main" val="221105073"/>
+        <p14:creationId xmlns:p14="http://schemas.microsoft.com/office/powerpoint/2010/main" val="2252079774"/>
       </p:ext>
     </p:extLst>
   </p:cSld>
@@ -17205,7 +17333,7 @@
           <a:p>
             <a:r>
               <a:rPr lang="pt-PT" dirty="0"/>
-              <a:t>Solução proposta</a:t>
+              <a:t>Objetivo</a:t>
             </a:r>
           </a:p>
         </p:txBody>
@@ -17220,17 +17348,20 @@
             <p:ph idx="1"/>
           </p:nvPr>
         </p:nvSpPr>
-        <p:spPr>
-          <a:xfrm>
-            <a:off x="680321" y="2336873"/>
-            <a:ext cx="10035805" cy="3958996"/>
-          </a:xfrm>
-        </p:spPr>
-        <p:txBody>
-          <a:bodyPr>
-            <a:normAutofit/>
-          </a:bodyPr>
+        <p:spPr/>
+        <p:txBody>
+          <a:bodyPr/>
           <a:lstStyle/>
+          <a:p>
+            <a:r>
+              <a:rPr lang="pt-PT" dirty="0">
+                <a:solidFill>
+                  <a:schemeClr val="bg1"/>
+                </a:solidFill>
+              </a:rPr>
+              <a:t>O objetivo desta solução é:</a:t>
+            </a:r>
+          </a:p>
           <a:p>
             <a:endParaRPr lang="pt-PT" dirty="0">
               <a:solidFill>
@@ -17239,24 +17370,18 @@
             </a:endParaRPr>
           </a:p>
           <a:p>
-            <a:pPr marL="457200" indent="-457200">
-              <a:buFont typeface="+mj-lt"/>
-              <a:buAutoNum type="arabicPeriod"/>
-            </a:pPr>
+            <a:pPr lvl="1"/>
             <a:r>
               <a:rPr lang="pt-PT" dirty="0">
                 <a:solidFill>
                   <a:schemeClr val="bg1"/>
                 </a:solidFill>
               </a:rPr>
-              <a:t>Agregar a informação numa só estrutura</a:t>
-            </a:r>
-          </a:p>
-          <a:p>
-            <a:pPr marL="457200" indent="-457200">
-              <a:buFont typeface="+mj-lt"/>
-              <a:buAutoNum type="arabicPeriod"/>
-            </a:pPr>
+              <a:t>Proporcionar melhores condições de acesso e pesquisa de informação clínica</a:t>
+            </a:r>
+          </a:p>
+          <a:p>
+            <a:pPr lvl="1"/>
             <a:endParaRPr lang="pt-PT" dirty="0">
               <a:solidFill>
                 <a:schemeClr val="bg1"/>
@@ -17264,24 +17389,18 @@
             </a:endParaRPr>
           </a:p>
           <a:p>
-            <a:pPr marL="457200" indent="-457200">
-              <a:buFont typeface="+mj-lt"/>
-              <a:buAutoNum type="arabicPeriod"/>
-            </a:pPr>
+            <a:pPr lvl="1"/>
             <a:r>
               <a:rPr lang="pt-PT" dirty="0">
                 <a:solidFill>
                   <a:schemeClr val="bg1"/>
                 </a:solidFill>
               </a:rPr>
-              <a:t>Indexar a informação proveniente dessa estrutura</a:t>
-            </a:r>
-          </a:p>
-          <a:p>
-            <a:pPr marL="457200" indent="-457200">
-              <a:buFont typeface="+mj-lt"/>
-              <a:buAutoNum type="arabicPeriod"/>
-            </a:pPr>
+              <a:t>Aglomerando a informação num só local</a:t>
+            </a:r>
+          </a:p>
+          <a:p>
+            <a:pPr lvl="1"/>
             <a:endParaRPr lang="pt-PT" dirty="0">
               <a:solidFill>
                 <a:schemeClr val="bg1"/>
@@ -17289,17 +17408,14 @@
             </a:endParaRPr>
           </a:p>
           <a:p>
-            <a:pPr marL="457200" indent="-457200">
-              <a:buFont typeface="+mj-lt"/>
-              <a:buAutoNum type="arabicPeriod"/>
-            </a:pPr>
+            <a:pPr lvl="1"/>
             <a:r>
               <a:rPr lang="pt-PT" dirty="0">
                 <a:solidFill>
                   <a:schemeClr val="bg1"/>
                 </a:solidFill>
               </a:rPr>
-              <a:t>Apresentar os resultados tipo Google (por ordem de relevância)</a:t>
+              <a:t>Relacionando a informação</a:t>
             </a:r>
           </a:p>
         </p:txBody>
@@ -17307,7 +17423,7 @@
     </p:spTree>
     <p:extLst>
       <p:ext uri="{BB962C8B-B14F-4D97-AF65-F5344CB8AC3E}">
-        <p14:creationId xmlns:p14="http://schemas.microsoft.com/office/powerpoint/2010/main" val="3624255152"/>
+        <p14:creationId xmlns:p14="http://schemas.microsoft.com/office/powerpoint/2010/main" val="221105073"/>
       </p:ext>
     </p:extLst>
   </p:cSld>
@@ -17336,7 +17452,7 @@
       </p:grpSpPr>
       <p:sp>
         <p:nvSpPr>
-          <p:cNvPr id="4" name="Título 3"/>
+          <p:cNvPr id="2" name="Título 1"/>
           <p:cNvSpPr>
             <a:spLocks noGrp="1"/>
           </p:cNvSpPr>
@@ -17350,17 +17466,105 @@
           <a:lstStyle/>
           <a:p>
             <a:r>
-              <a:rPr lang="en-GB" dirty="0"/>
-              <a:t>Como?</a:t>
-            </a:r>
-            <a:endParaRPr lang="pt-PT" dirty="0"/>
+              <a:rPr lang="pt-PT" dirty="0"/>
+              <a:t>Solução proposta</a:t>
+            </a:r>
+          </a:p>
+        </p:txBody>
+      </p:sp>
+      <p:sp>
+        <p:nvSpPr>
+          <p:cNvPr id="3" name="Marcador de Posição de Conteúdo 2"/>
+          <p:cNvSpPr>
+            <a:spLocks noGrp="1"/>
+          </p:cNvSpPr>
+          <p:nvPr>
+            <p:ph idx="1"/>
+          </p:nvPr>
+        </p:nvSpPr>
+        <p:spPr/>
+        <p:txBody>
+          <a:bodyPr>
+            <a:normAutofit/>
+          </a:bodyPr>
+          <a:lstStyle/>
+          <a:p>
+            <a:endParaRPr lang="pt-PT" dirty="0">
+              <a:solidFill>
+                <a:schemeClr val="bg1"/>
+              </a:solidFill>
+            </a:endParaRPr>
+          </a:p>
+          <a:p>
+            <a:pPr marL="457200" indent="-457200">
+              <a:buFont typeface="+mj-lt"/>
+              <a:buAutoNum type="arabicPeriod"/>
+            </a:pPr>
+            <a:r>
+              <a:rPr lang="pt-PT" dirty="0">
+                <a:solidFill>
+                  <a:schemeClr val="bg1"/>
+                </a:solidFill>
+              </a:rPr>
+              <a:t>Agregar a informação numa só estrutura</a:t>
+            </a:r>
+          </a:p>
+          <a:p>
+            <a:pPr marL="457200" indent="-457200">
+              <a:buFont typeface="+mj-lt"/>
+              <a:buAutoNum type="arabicPeriod"/>
+            </a:pPr>
+            <a:endParaRPr lang="pt-PT" dirty="0">
+              <a:solidFill>
+                <a:schemeClr val="bg1"/>
+              </a:solidFill>
+            </a:endParaRPr>
+          </a:p>
+          <a:p>
+            <a:pPr marL="457200" indent="-457200">
+              <a:buFont typeface="+mj-lt"/>
+              <a:buAutoNum type="arabicPeriod"/>
+            </a:pPr>
+            <a:r>
+              <a:rPr lang="pt-PT" dirty="0">
+                <a:solidFill>
+                  <a:schemeClr val="bg1"/>
+                </a:solidFill>
+              </a:rPr>
+              <a:t>Indexar a informação proveniente dessa estrutura</a:t>
+            </a:r>
+          </a:p>
+          <a:p>
+            <a:pPr marL="457200" indent="-457200">
+              <a:buFont typeface="+mj-lt"/>
+              <a:buAutoNum type="arabicPeriod"/>
+            </a:pPr>
+            <a:endParaRPr lang="pt-PT" dirty="0">
+              <a:solidFill>
+                <a:schemeClr val="bg1"/>
+              </a:solidFill>
+            </a:endParaRPr>
+          </a:p>
+          <a:p>
+            <a:pPr marL="457200" indent="-457200">
+              <a:buFont typeface="+mj-lt"/>
+              <a:buAutoNum type="arabicPeriod"/>
+            </a:pPr>
+            <a:r>
+              <a:rPr lang="pt-PT" dirty="0">
+                <a:solidFill>
+                  <a:schemeClr val="bg1"/>
+                </a:solidFill>
+              </a:rPr>
+              <a:t>Apresentar os resultados tipo Google (por ordem de relevância)</a:t>
+            </a:r>
           </a:p>
         </p:txBody>
       </p:sp>
     </p:spTree>
     <p:extLst>
       <p:ext uri="{BB962C8B-B14F-4D97-AF65-F5344CB8AC3E}">
-        <p14:creationId xmlns:p14="http://schemas.microsoft.com/office/powerpoint/2010/main" val="746704467"/>
+        <p14:creationId xmlns:p14="http://schemas.microsoft.com/office/powerpoint/2010/main" val="3624255152"/>
       </p:ext>
     </p:extLst>
   </p:cSld>
@@ -17389,6 +17593,54 @@
       </p:grpSpPr>
       <p:sp>
         <p:nvSpPr>
+          <p:cNvPr id="3" name="Retângulo 2"/>
+          <p:cNvSpPr/>
+          <p:nvPr/>
+        </p:nvSpPr>
+        <p:spPr>
+          <a:xfrm>
+            <a:off x="10580914" y="604157"/>
+            <a:ext cx="1611086" cy="1371600"/>
+          </a:xfrm>
+          <a:prstGeom prst="rect">
+            <a:avLst/>
+          </a:prstGeom>
+          <a:noFill/>
+          <a:ln w="50800">
+            <a:solidFill>
+              <a:schemeClr val="tx2">
+                <a:lumMod val="25000"/>
+              </a:schemeClr>
+            </a:solidFill>
+          </a:ln>
+        </p:spPr>
+        <p:style>
+          <a:lnRef idx="2">
+            <a:schemeClr val="accent1">
+              <a:shade val="50000"/>
+            </a:schemeClr>
+          </a:lnRef>
+          <a:fillRef idx="1">
+            <a:schemeClr val="accent1"/>
+          </a:fillRef>
+          <a:effectRef idx="0">
+            <a:schemeClr val="accent1"/>
+          </a:effectRef>
+          <a:fontRef idx="minor">
+            <a:schemeClr val="lt1"/>
+          </a:fontRef>
+        </p:style>
+        <p:txBody>
+          <a:bodyPr rtlCol="0" anchor="ctr"/>
+          <a:lstStyle/>
+          <a:p>
+            <a:pPr algn="ctr"/>
+            <a:endParaRPr lang="pt-PT"/>
+          </a:p>
+        </p:txBody>
+      </p:sp>
+      <p:sp>
+        <p:nvSpPr>
           <p:cNvPr id="2" name="Título 1"/>
           <p:cNvSpPr>
             <a:spLocks noGrp="1"/>
@@ -17409,15 +17661,152 @@
           </a:p>
         </p:txBody>
       </p:sp>
+      <p:sp>
+        <p:nvSpPr>
+          <p:cNvPr id="4" name="Marcador de Posição de Conteúdo 3"/>
+          <p:cNvSpPr>
+            <a:spLocks noGrp="1"/>
+          </p:cNvSpPr>
+          <p:nvPr>
+            <p:ph sz="half" idx="2"/>
+          </p:nvPr>
+        </p:nvSpPr>
+        <p:spPr>
+          <a:xfrm>
+            <a:off x="6851423" y="2875716"/>
+            <a:ext cx="4700058" cy="3599316"/>
+          </a:xfrm>
+        </p:spPr>
+        <p:txBody>
+          <a:bodyPr/>
+          <a:lstStyle/>
+          <a:p>
+            <a:r>
+              <a:rPr lang="en-GB" dirty="0">
+                <a:solidFill>
+                  <a:schemeClr val="bg1"/>
+                </a:solidFill>
+              </a:rPr>
+              <a:t>REST API</a:t>
+            </a:r>
+          </a:p>
+          <a:p>
+            <a:endParaRPr lang="en-GB" dirty="0">
+              <a:solidFill>
+                <a:schemeClr val="bg1"/>
+              </a:solidFill>
+            </a:endParaRPr>
+          </a:p>
+          <a:p>
+            <a:r>
+              <a:rPr lang="en-GB" dirty="0">
+                <a:solidFill>
+                  <a:schemeClr val="bg1"/>
+                </a:solidFill>
+              </a:rPr>
+              <a:t>Segue a </a:t>
+            </a:r>
+            <a:r>
+              <a:rPr lang="en-GB" dirty="0" err="1">
+                <a:solidFill>
+                  <a:schemeClr val="bg1"/>
+                </a:solidFill>
+              </a:rPr>
+              <a:t>norma</a:t>
+            </a:r>
+            <a:r>
+              <a:rPr lang="en-GB" dirty="0">
+                <a:solidFill>
+                  <a:schemeClr val="bg1"/>
+                </a:solidFill>
+              </a:rPr>
+              <a:t> EHR</a:t>
+            </a:r>
+          </a:p>
+          <a:p>
+            <a:endParaRPr lang="en-GB" dirty="0">
+              <a:solidFill>
+                <a:schemeClr val="bg1"/>
+              </a:solidFill>
+            </a:endParaRPr>
+          </a:p>
+          <a:p>
+            <a:r>
+              <a:rPr lang="en-GB" dirty="0">
+                <a:solidFill>
+                  <a:schemeClr val="bg1"/>
+                </a:solidFill>
+              </a:rPr>
+              <a:t>Open Source</a:t>
+            </a:r>
+            <a:endParaRPr lang="pt-PT" dirty="0">
+              <a:solidFill>
+                <a:schemeClr val="bg1"/>
+              </a:solidFill>
+            </a:endParaRPr>
+          </a:p>
+          <a:p>
+            <a:endParaRPr lang="pt-PT" dirty="0"/>
+          </a:p>
+        </p:txBody>
+      </p:sp>
+      <p:sp>
+        <p:nvSpPr>
+          <p:cNvPr id="7" name="Retângulo 6"/>
+          <p:cNvSpPr/>
+          <p:nvPr/>
+        </p:nvSpPr>
+        <p:spPr>
+          <a:xfrm>
+            <a:off x="10580914" y="604157"/>
+            <a:ext cx="1611086" cy="1371600"/>
+          </a:xfrm>
+          <a:prstGeom prst="rect">
+            <a:avLst/>
+          </a:prstGeom>
+          <a:noFill/>
+          <a:ln>
+            <a:noFill/>
+          </a:ln>
+        </p:spPr>
+        <p:style>
+          <a:lnRef idx="2">
+            <a:schemeClr val="accent1">
+              <a:shade val="50000"/>
+            </a:schemeClr>
+          </a:lnRef>
+          <a:fillRef idx="1">
+            <a:schemeClr val="accent1"/>
+          </a:fillRef>
+          <a:effectRef idx="0">
+            <a:schemeClr val="accent1"/>
+          </a:effectRef>
+          <a:fontRef idx="minor">
+            <a:schemeClr val="lt1"/>
+          </a:fontRef>
+        </p:style>
+        <p:txBody>
+          <a:bodyPr rtlCol="0" anchor="ctr"/>
+          <a:lstStyle/>
+          <a:p>
+            <a:pPr algn="ctr"/>
+            <a:r>
+              <a:rPr lang="en-GB" sz="3200" dirty="0"/>
+              <a:t>1</a:t>
+            </a:r>
+            <a:endParaRPr lang="pt-PT" sz="3200" dirty="0"/>
+          </a:p>
+        </p:txBody>
+      </p:sp>
       <p:grpSp>
         <p:nvGrpSpPr>
-          <p:cNvPr id="4" name="Grupo 3"/>
+          <p:cNvPr id="10" name="Grupo 9"/>
           <p:cNvGrpSpPr/>
           <p:nvPr/>
         </p:nvGrpSpPr>
         <p:grpSpPr>
           <a:xfrm>
-            <a:off x="2879824" y="3325366"/>
+            <a:off x="1103583" y="3504980"/>
             <a:ext cx="5214854" cy="1622329"/>
             <a:chOff x="1331493" y="3798608"/>
             <a:chExt cx="5214854" cy="1622329"/>
@@ -17425,7 +17814,7 @@
         </p:grpSpPr>
         <p:pic>
           <p:nvPicPr>
-            <p:cNvPr id="5" name="Picture 2" descr="http://www.cabolabs.com/CaboLabs%20New%20Logo%20Horizontal%20300dpi%20421.png"/>
+            <p:cNvPr id="12" name="Picture 2" descr="http://www.cabolabs.com/CaboLabs%20New%20Logo%20Horizontal%20300dpi%20421.png"/>
             <p:cNvPicPr>
               <a:picLocks noChangeAspect="1" noChangeArrowheads="1"/>
             </p:cNvPicPr>
@@ -17466,7 +17855,7 @@
         </p:pic>
         <p:sp>
           <p:nvSpPr>
-            <p:cNvPr id="6" name="Rectangle 6"/>
+            <p:cNvPr id="13" name="Rectangle 6"/>
             <p:cNvSpPr/>
             <p:nvPr/>
           </p:nvSpPr>
@@ -17521,100 +17910,6 @@
           </p:txBody>
         </p:sp>
       </p:grpSp>
-      <p:sp>
-        <p:nvSpPr>
-          <p:cNvPr id="7" name="Retângulo 6"/>
-          <p:cNvSpPr/>
-          <p:nvPr/>
-        </p:nvSpPr>
-        <p:spPr>
-          <a:xfrm>
-            <a:off x="10580914" y="604157"/>
-            <a:ext cx="1611086" cy="1371600"/>
-          </a:xfrm>
-          <a:prstGeom prst="rect">
-            <a:avLst/>
-          </a:prstGeom>
-          <a:noFill/>
-          <a:ln>
-            <a:noFill/>
-          </a:ln>
-        </p:spPr>
-        <p:style>
-          <a:lnRef idx="2">
-            <a:schemeClr val="accent1">
-              <a:shade val="50000"/>
-            </a:schemeClr>
-          </a:lnRef>
-          <a:fillRef idx="1">
-            <a:schemeClr val="accent1"/>
-          </a:fillRef>
-          <a:effectRef idx="0">
-            <a:schemeClr val="accent1"/>
-          </a:effectRef>
-          <a:fontRef idx="minor">
-            <a:schemeClr val="lt1"/>
-          </a:fontRef>
-        </p:style>
-        <p:txBody>
-          <a:bodyPr rtlCol="0" anchor="ctr"/>
-          <a:lstStyle/>
-          <a:p>
-            <a:pPr algn="ctr"/>
-            <a:r>
-              <a:rPr lang="en-GB" sz="3200" dirty="0"/>
-              <a:t>1</a:t>
-            </a:r>
-            <a:endParaRPr lang="pt-PT" sz="3200" dirty="0"/>
-          </a:p>
-        </p:txBody>
-      </p:sp>
-      <p:sp>
-        <p:nvSpPr>
-          <p:cNvPr id="8" name="Oval 7"/>
-          <p:cNvSpPr/>
-          <p:nvPr/>
-        </p:nvSpPr>
-        <p:spPr>
-          <a:xfrm>
-            <a:off x="10972457" y="875957"/>
-            <a:ext cx="828000" cy="828000"/>
-          </a:xfrm>
-          <a:prstGeom prst="ellipse">
-            <a:avLst/>
-          </a:prstGeom>
-          <a:noFill/>
-          <a:ln w="50800">
-            <a:solidFill>
-              <a:schemeClr val="tx1"/>
-            </a:solidFill>
-          </a:ln>
-        </p:spPr>
-        <p:style>
-          <a:lnRef idx="2">
-            <a:schemeClr val="accent1">
-              <a:shade val="50000"/>
-            </a:schemeClr>
-          </a:lnRef>
-          <a:fillRef idx="1">
-            <a:schemeClr val="accent1"/>
-          </a:fillRef>
-          <a:effectRef idx="0">
-            <a:schemeClr val="accent1"/>
-          </a:effectRef>
-          <a:fontRef idx="minor">
-            <a:schemeClr val="lt1"/>
-          </a:fontRef>
-        </p:style>
-        <p:txBody>
-          <a:bodyPr rtlCol="0" anchor="ctr"/>
-          <a:lstStyle/>
-          <a:p>
-            <a:pPr algn="ctr"/>
-            <a:endParaRPr lang="pt-PT"/>
-          </a:p>
-        </p:txBody>
-      </p:sp>
     </p:spTree>
     <p:extLst>
       <p:ext uri="{BB962C8B-B14F-4D97-AF65-F5344CB8AC3E}">
@@ -17677,12 +17972,7 @@
             <p:ph idx="1"/>
           </p:nvPr>
         </p:nvSpPr>
-        <p:spPr>
-          <a:xfrm>
-            <a:off x="680321" y="2906485"/>
-            <a:ext cx="9613861" cy="3029703"/>
-          </a:xfrm>
-        </p:spPr>
+        <p:spPr/>
         <p:txBody>
           <a:bodyPr/>
           <a:lstStyle/>
@@ -17801,22 +18091,24 @@
       </p:sp>
       <p:sp>
         <p:nvSpPr>
-          <p:cNvPr id="6" name="Oval 5"/>
+          <p:cNvPr id="9" name="Retângulo 8"/>
           <p:cNvSpPr/>
           <p:nvPr/>
         </p:nvSpPr>
         <p:spPr>
           <a:xfrm>
-            <a:off x="10972457" y="875957"/>
-            <a:ext cx="828000" cy="828000"/>
+            <a:off x="10580914" y="604157"/>
+            <a:ext cx="1611086" cy="1371600"/>
           </a:xfrm>
-          <a:prstGeom prst="ellipse">
+          <a:prstGeom prst="rect">
             <a:avLst/>
           </a:prstGeom>
           <a:noFill/>
           <a:ln w="50800">
             <a:solidFill>
-              <a:schemeClr val="tx1"/>
+              <a:schemeClr val="tx2">
+                <a:lumMod val="25000"/>
+              </a:schemeClr>
             </a:solidFill>
           </a:ln>
         </p:spPr>

--- a/Dissertacao/4. Defesa da dissertação.pptx
+++ b/Dissertacao/4. Defesa da dissertação.pptx
@@ -5,7 +5,7 @@
     <p:sldMasterId id="2147484007" r:id="rId1"/>
   </p:sldMasterIdLst>
   <p:notesMasterIdLst>
-    <p:notesMasterId r:id="rId30"/>
+    <p:notesMasterId r:id="rId29"/>
   </p:notesMasterIdLst>
   <p:sldIdLst>
     <p:sldId id="264" r:id="rId2"/>
@@ -19,23 +19,22 @@
     <p:sldId id="301" r:id="rId10"/>
     <p:sldId id="302" r:id="rId11"/>
     <p:sldId id="292" r:id="rId12"/>
-    <p:sldId id="313" r:id="rId13"/>
-    <p:sldId id="312" r:id="rId14"/>
-    <p:sldId id="297" r:id="rId15"/>
-    <p:sldId id="305" r:id="rId16"/>
-    <p:sldId id="306" r:id="rId17"/>
-    <p:sldId id="298" r:id="rId18"/>
-    <p:sldId id="318" r:id="rId19"/>
-    <p:sldId id="293" r:id="rId20"/>
-    <p:sldId id="319" r:id="rId21"/>
-    <p:sldId id="295" r:id="rId22"/>
-    <p:sldId id="316" r:id="rId23"/>
-    <p:sldId id="309" r:id="rId24"/>
-    <p:sldId id="310" r:id="rId25"/>
-    <p:sldId id="314" r:id="rId26"/>
-    <p:sldId id="311" r:id="rId27"/>
-    <p:sldId id="315" r:id="rId28"/>
-    <p:sldId id="294" r:id="rId29"/>
+    <p:sldId id="297" r:id="rId13"/>
+    <p:sldId id="305" r:id="rId14"/>
+    <p:sldId id="306" r:id="rId15"/>
+    <p:sldId id="298" r:id="rId16"/>
+    <p:sldId id="318" r:id="rId17"/>
+    <p:sldId id="293" r:id="rId18"/>
+    <p:sldId id="319" r:id="rId19"/>
+    <p:sldId id="295" r:id="rId20"/>
+    <p:sldId id="316" r:id="rId21"/>
+    <p:sldId id="309" r:id="rId22"/>
+    <p:sldId id="310" r:id="rId23"/>
+    <p:sldId id="314" r:id="rId24"/>
+    <p:sldId id="311" r:id="rId25"/>
+    <p:sldId id="315" r:id="rId26"/>
+    <p:sldId id="294" r:id="rId27"/>
+    <p:sldId id="320" r:id="rId28"/>
   </p:sldIdLst>
   <p:sldSz cx="12192000" cy="6858000"/>
   <p:notesSz cx="6858000" cy="9144000"/>
@@ -224,7 +223,7 @@
           <a:p>
             <a:fld id="{3C35305E-D46C-4326-9A29-B8B50EE59D60}" type="datetimeFigureOut">
               <a:rPr lang="pt-PT" smtClean="0"/>
-              <a:t>30/06/2016</a:t>
+              <a:t>06/07/2016</a:t>
             </a:fld>
             <a:endParaRPr lang="pt-PT"/>
           </a:p>
@@ -955,6 +954,46 @@
           <a:bodyPr/>
           <a:lstStyle/>
           <a:p>
+            <a:pPr marL="171450" indent="-171450">
+              <a:buFont typeface="Arial" panose="020B0604020202020204" pitchFamily="34" charset="0"/>
+              <a:buChar char="•"/>
+            </a:pPr>
+            <a:r>
+              <a:rPr lang="en-GB" dirty="0"/>
+              <a:t>Um</a:t>
+            </a:r>
+            <a:r>
+              <a:rPr lang="en-GB" baseline="0" dirty="0"/>
+              <a:t> </a:t>
+            </a:r>
+            <a:r>
+              <a:rPr lang="en-GB" baseline="0" dirty="0" err="1"/>
+              <a:t>arquétipo</a:t>
+            </a:r>
+            <a:r>
+              <a:rPr lang="en-GB" baseline="0" dirty="0"/>
+              <a:t> </a:t>
+            </a:r>
+            <a:r>
+              <a:rPr lang="en-GB" baseline="0" dirty="0" err="1"/>
+              <a:t>representa</a:t>
+            </a:r>
+            <a:r>
+              <a:rPr lang="en-GB" baseline="0" dirty="0"/>
+              <a:t> um </a:t>
+            </a:r>
+            <a:r>
+              <a:rPr lang="en-GB" baseline="0" dirty="0" err="1"/>
+              <a:t>conceito</a:t>
+            </a:r>
+            <a:r>
+              <a:rPr lang="en-GB" baseline="0" dirty="0"/>
+              <a:t> </a:t>
+            </a:r>
+            <a:r>
+              <a:rPr lang="en-GB" baseline="0" dirty="0" err="1"/>
+              <a:t>clínico</a:t>
+            </a:r>
             <a:endParaRPr lang="pt-PT" dirty="0"/>
           </a:p>
         </p:txBody>
@@ -976,7 +1015,7 @@
           <a:p>
             <a:fld id="{A37DC0E3-D7D0-4B7C-A327-D399D589CBC5}" type="slidenum">
               <a:rPr lang="pt-PT" smtClean="0"/>
-              <a:t>12</a:t>
+              <a:t>9</a:t>
             </a:fld>
             <a:endParaRPr lang="pt-PT"/>
           </a:p>
@@ -985,7 +1024,7 @@
     </p:spTree>
     <p:extLst>
       <p:ext uri="{BB962C8B-B14F-4D97-AF65-F5344CB8AC3E}">
-        <p14:creationId xmlns:p14="http://schemas.microsoft.com/office/powerpoint/2010/main" val="3718984149"/>
+        <p14:creationId xmlns:p14="http://schemas.microsoft.com/office/powerpoint/2010/main" val="1014455387"/>
       </p:ext>
     </p:extLst>
   </p:cSld>
@@ -1060,91 +1099,7 @@
           <a:p>
             <a:fld id="{A37DC0E3-D7D0-4B7C-A327-D399D589CBC5}" type="slidenum">
               <a:rPr lang="pt-PT" smtClean="0"/>
-              <a:t>13</a:t>
-            </a:fld>
-            <a:endParaRPr lang="pt-PT"/>
-          </a:p>
-        </p:txBody>
-      </p:sp>
-    </p:spTree>
-    <p:extLst>
-      <p:ext uri="{BB962C8B-B14F-4D97-AF65-F5344CB8AC3E}">
-        <p14:creationId xmlns:p14="http://schemas.microsoft.com/office/powerpoint/2010/main" val="49506229"/>
-      </p:ext>
-    </p:extLst>
-  </p:cSld>
-  <p:clrMapOvr>
-    <a:masterClrMapping/>
-  </p:clrMapOvr>
-</p:notes>
-</file>
-
-<file path=ppt/notesSlides/notesSlide8.xml><?xml version="1.0" encoding="utf-8"?>
-<p:notes xmlns:a="http://schemas.openxmlformats.org/drawingml/2006/main" xmlns:r="http://schemas.openxmlformats.org/officeDocument/2006/relationships" xmlns:p="http://schemas.openxmlformats.org/presentationml/2006/main">
-  <p:cSld>
-    <p:spTree>
-      <p:nvGrpSpPr>
-        <p:cNvPr id="1" name=""/>
-        <p:cNvGrpSpPr/>
-        <p:nvPr/>
-      </p:nvGrpSpPr>
-      <p:grpSpPr>
-        <a:xfrm>
-          <a:off x="0" y="0"/>
-          <a:ext cx="0" cy="0"/>
-          <a:chOff x="0" y="0"/>
-          <a:chExt cx="0" cy="0"/>
-        </a:xfrm>
-      </p:grpSpPr>
-      <p:sp>
-        <p:nvSpPr>
-          <p:cNvPr id="2" name="Marcador de Posição da Imagem do Diapositivo 1"/>
-          <p:cNvSpPr>
-            <a:spLocks noGrp="1" noRot="1" noChangeAspect="1"/>
-          </p:cNvSpPr>
-          <p:nvPr>
-            <p:ph type="sldImg"/>
-          </p:nvPr>
-        </p:nvSpPr>
-        <p:spPr/>
-      </p:sp>
-      <p:sp>
-        <p:nvSpPr>
-          <p:cNvPr id="3" name="Marcador de Posição de Notas 2"/>
-          <p:cNvSpPr>
-            <a:spLocks noGrp="1"/>
-          </p:cNvSpPr>
-          <p:nvPr>
-            <p:ph type="body" idx="1"/>
-          </p:nvPr>
-        </p:nvSpPr>
-        <p:spPr/>
-        <p:txBody>
-          <a:bodyPr/>
-          <a:lstStyle/>
-          <a:p>
-            <a:endParaRPr lang="pt-PT" dirty="0"/>
-          </a:p>
-        </p:txBody>
-      </p:sp>
-      <p:sp>
-        <p:nvSpPr>
-          <p:cNvPr id="4" name="Marcador de Posição do Número do Diapositivo 3"/>
-          <p:cNvSpPr>
-            <a:spLocks noGrp="1"/>
-          </p:cNvSpPr>
-          <p:nvPr>
-            <p:ph type="sldNum" sz="quarter" idx="10"/>
-          </p:nvPr>
-        </p:nvSpPr>
-        <p:spPr/>
-        <p:txBody>
-          <a:bodyPr/>
-          <a:lstStyle/>
-          <a:p>
-            <a:fld id="{A37DC0E3-D7D0-4B7C-A327-D399D589CBC5}" type="slidenum">
-              <a:rPr lang="pt-PT" smtClean="0"/>
-              <a:t>27</a:t>
+              <a:t>25</a:t>
             </a:fld>
             <a:endParaRPr lang="pt-PT"/>
           </a:p>
@@ -1437,7 +1392,7 @@
           <a:p>
             <a:fld id="{B8C1D41B-FD9D-477E-A7D3-2D0500536254}" type="datetimeFigureOut">
               <a:rPr lang="pt-PT" smtClean="0"/>
-              <a:t>30/06/2016</a:t>
+              <a:t>06/07/2016</a:t>
             </a:fld>
             <a:endParaRPr lang="pt-PT"/>
           </a:p>
@@ -1851,7 +1806,7 @@
           <a:p>
             <a:fld id="{B8C1D41B-FD9D-477E-A7D3-2D0500536254}" type="datetimeFigureOut">
               <a:rPr lang="pt-PT" smtClean="0"/>
-              <a:t>30/06/2016</a:t>
+              <a:t>06/07/2016</a:t>
             </a:fld>
             <a:endParaRPr lang="pt-PT"/>
           </a:p>
@@ -2187,7 +2142,7 @@
           <a:p>
             <a:fld id="{B8C1D41B-FD9D-477E-A7D3-2D0500536254}" type="datetimeFigureOut">
               <a:rPr lang="pt-PT" smtClean="0"/>
-              <a:t>30/06/2016</a:t>
+              <a:t>06/07/2016</a:t>
             </a:fld>
             <a:endParaRPr lang="pt-PT"/>
           </a:p>
@@ -2592,7 +2547,7 @@
           <a:p>
             <a:fld id="{B8C1D41B-FD9D-477E-A7D3-2D0500536254}" type="datetimeFigureOut">
               <a:rPr lang="pt-PT" smtClean="0"/>
-              <a:t>30/06/2016</a:t>
+              <a:t>06/07/2016</a:t>
             </a:fld>
             <a:endParaRPr lang="pt-PT"/>
           </a:p>
@@ -3160,7 +3115,7 @@
           <a:p>
             <a:fld id="{B8C1D41B-FD9D-477E-A7D3-2D0500536254}" type="datetimeFigureOut">
               <a:rPr lang="pt-PT" smtClean="0"/>
-              <a:t>30/06/2016</a:t>
+              <a:t>06/07/2016</a:t>
             </a:fld>
             <a:endParaRPr lang="pt-PT"/>
           </a:p>
@@ -3841,7 +3796,7 @@
           <a:p>
             <a:fld id="{B8C1D41B-FD9D-477E-A7D3-2D0500536254}" type="datetimeFigureOut">
               <a:rPr lang="pt-PT" smtClean="0"/>
-              <a:t>30/06/2016</a:t>
+              <a:t>06/07/2016</a:t>
             </a:fld>
             <a:endParaRPr lang="pt-PT"/>
           </a:p>
@@ -4754,7 +4709,7 @@
           <a:p>
             <a:fld id="{B8C1D41B-FD9D-477E-A7D3-2D0500536254}" type="datetimeFigureOut">
               <a:rPr lang="pt-PT" smtClean="0"/>
-              <a:t>30/06/2016</a:t>
+              <a:t>06/07/2016</a:t>
             </a:fld>
             <a:endParaRPr lang="pt-PT"/>
           </a:p>
@@ -5067,7 +5022,7 @@
           <a:p>
             <a:fld id="{B8C1D41B-FD9D-477E-A7D3-2D0500536254}" type="datetimeFigureOut">
               <a:rPr lang="pt-PT" smtClean="0"/>
-              <a:t>30/06/2016</a:t>
+              <a:t>06/07/2016</a:t>
             </a:fld>
             <a:endParaRPr lang="pt-PT"/>
           </a:p>
@@ -5331,7 +5286,7 @@
           <a:p>
             <a:fld id="{B8C1D41B-FD9D-477E-A7D3-2D0500536254}" type="datetimeFigureOut">
               <a:rPr lang="pt-PT" smtClean="0"/>
-              <a:t>30/06/2016</a:t>
+              <a:t>06/07/2016</a:t>
             </a:fld>
             <a:endParaRPr lang="pt-PT"/>
           </a:p>
@@ -5654,7 +5609,7 @@
           <a:p>
             <a:fld id="{B8C1D41B-FD9D-477E-A7D3-2D0500536254}" type="datetimeFigureOut">
               <a:rPr lang="pt-PT" smtClean="0"/>
-              <a:t>30/06/2016</a:t>
+              <a:t>06/07/2016</a:t>
             </a:fld>
             <a:endParaRPr lang="pt-PT"/>
           </a:p>
@@ -6043,7 +5998,7 @@
           <a:p>
             <a:fld id="{B8C1D41B-FD9D-477E-A7D3-2D0500536254}" type="datetimeFigureOut">
               <a:rPr lang="pt-PT" smtClean="0"/>
-              <a:t>30/06/2016</a:t>
+              <a:t>06/07/2016</a:t>
             </a:fld>
             <a:endParaRPr lang="pt-PT"/>
           </a:p>
@@ -6419,7 +6374,7 @@
           <a:p>
             <a:fld id="{B8C1D41B-FD9D-477E-A7D3-2D0500536254}" type="datetimeFigureOut">
               <a:rPr lang="pt-PT" smtClean="0"/>
-              <a:t>30/06/2016</a:t>
+              <a:t>06/07/2016</a:t>
             </a:fld>
             <a:endParaRPr lang="pt-PT"/>
           </a:p>
@@ -6925,7 +6880,7 @@
           <a:p>
             <a:fld id="{B8C1D41B-FD9D-477E-A7D3-2D0500536254}" type="datetimeFigureOut">
               <a:rPr lang="pt-PT" smtClean="0"/>
-              <a:t>30/06/2016</a:t>
+              <a:t>06/07/2016</a:t>
             </a:fld>
             <a:endParaRPr lang="pt-PT"/>
           </a:p>
@@ -7182,7 +7137,7 @@
           <a:p>
             <a:fld id="{B8C1D41B-FD9D-477E-A7D3-2D0500536254}" type="datetimeFigureOut">
               <a:rPr lang="pt-PT" smtClean="0"/>
-              <a:t>30/06/2016</a:t>
+              <a:t>06/07/2016</a:t>
             </a:fld>
             <a:endParaRPr lang="pt-PT"/>
           </a:p>
@@ -7345,7 +7300,7 @@
           <a:p>
             <a:fld id="{B8C1D41B-FD9D-477E-A7D3-2D0500536254}" type="datetimeFigureOut">
               <a:rPr lang="pt-PT" smtClean="0"/>
-              <a:t>30/06/2016</a:t>
+              <a:t>06/07/2016</a:t>
             </a:fld>
             <a:endParaRPr lang="pt-PT"/>
           </a:p>
@@ -7735,7 +7690,7 @@
           <a:p>
             <a:fld id="{B8C1D41B-FD9D-477E-A7D3-2D0500536254}" type="datetimeFigureOut">
               <a:rPr lang="pt-PT" smtClean="0"/>
-              <a:t>30/06/2016</a:t>
+              <a:t>06/07/2016</a:t>
             </a:fld>
             <a:endParaRPr lang="pt-PT"/>
           </a:p>
@@ -8144,7 +8099,7 @@
           <a:p>
             <a:fld id="{B8C1D41B-FD9D-477E-A7D3-2D0500536254}" type="datetimeFigureOut">
               <a:rPr lang="pt-PT" smtClean="0"/>
-              <a:t>30/06/2016</a:t>
+              <a:t>06/07/2016</a:t>
             </a:fld>
             <a:endParaRPr lang="pt-PT"/>
           </a:p>
@@ -8391,7 +8346,7 @@
           <a:p>
             <a:fld id="{B8C1D41B-FD9D-477E-A7D3-2D0500536254}" type="datetimeFigureOut">
               <a:rPr lang="pt-PT" smtClean="0"/>
-              <a:t>30/06/2016</a:t>
+              <a:t>06/07/2016</a:t>
             </a:fld>
             <a:endParaRPr lang="pt-PT"/>
           </a:p>
@@ -9484,7 +9439,129 @@
       </p:grpSpPr>
       <p:sp>
         <p:nvSpPr>
-          <p:cNvPr id="6" name="Retângulo 5"/>
+          <p:cNvPr id="2" name="Título 1"/>
+          <p:cNvSpPr>
+            <a:spLocks noGrp="1"/>
+          </p:cNvSpPr>
+          <p:nvPr>
+            <p:ph type="title"/>
+          </p:nvPr>
+        </p:nvSpPr>
+        <p:spPr/>
+        <p:txBody>
+          <a:bodyPr>
+            <a:normAutofit/>
+          </a:bodyPr>
+          <a:lstStyle/>
+          <a:p>
+            <a:r>
+              <a:rPr lang="pt-PT" sz="3300" dirty="0"/>
+              <a:t>Indexar a informação proveniente dessa estrutura</a:t>
+            </a:r>
+          </a:p>
+        </p:txBody>
+      </p:sp>
+      <p:sp>
+        <p:nvSpPr>
+          <p:cNvPr id="8" name="Marcador de Posição de Conteúdo 7"/>
+          <p:cNvSpPr>
+            <a:spLocks noGrp="1"/>
+          </p:cNvSpPr>
+          <p:nvPr>
+            <p:ph sz="half" idx="2"/>
+          </p:nvPr>
+        </p:nvSpPr>
+        <p:spPr>
+          <a:xfrm>
+            <a:off x="5594124" y="2696102"/>
+            <a:ext cx="4700058" cy="3599316"/>
+          </a:xfrm>
+        </p:spPr>
+        <p:txBody>
+          <a:bodyPr/>
+          <a:lstStyle/>
+          <a:p>
+            <a:r>
+              <a:rPr lang="en-GB" dirty="0">
+                <a:solidFill>
+                  <a:schemeClr val="bg1"/>
+                </a:solidFill>
+              </a:rPr>
+              <a:t>solrconfig.xml</a:t>
+            </a:r>
+          </a:p>
+          <a:p>
+            <a:pPr lvl="1"/>
+            <a:r>
+              <a:rPr lang="pt-PT" dirty="0">
+                <a:solidFill>
+                  <a:schemeClr val="bg1"/>
+                </a:solidFill>
+              </a:rPr>
+              <a:t>Inclui as bibliotecas necessárias</a:t>
+            </a:r>
+          </a:p>
+          <a:p>
+            <a:pPr lvl="1"/>
+            <a:endParaRPr lang="en-GB" dirty="0">
+              <a:solidFill>
+                <a:schemeClr val="bg1"/>
+              </a:solidFill>
+            </a:endParaRPr>
+          </a:p>
+          <a:p>
+            <a:r>
+              <a:rPr lang="en-GB" dirty="0">
+                <a:solidFill>
+                  <a:schemeClr val="bg1"/>
+                </a:solidFill>
+              </a:rPr>
+              <a:t>schema.xml</a:t>
+            </a:r>
+          </a:p>
+          <a:p>
+            <a:pPr lvl="1"/>
+            <a:r>
+              <a:rPr lang="pt-PT" dirty="0">
+                <a:solidFill>
+                  <a:schemeClr val="bg1"/>
+                </a:solidFill>
+              </a:rPr>
+              <a:t>Estrutura dos dados a serem tratados pelo </a:t>
+            </a:r>
+            <a:r>
+              <a:rPr lang="pt-PT" dirty="0" err="1">
+                <a:solidFill>
+                  <a:schemeClr val="bg1"/>
+                </a:solidFill>
+              </a:rPr>
+              <a:t>Solr</a:t>
+            </a:r>
+            <a:endParaRPr lang="pt-PT" dirty="0">
+              <a:solidFill>
+                <a:schemeClr val="bg1"/>
+              </a:solidFill>
+            </a:endParaRPr>
+          </a:p>
+          <a:p>
+            <a:pPr lvl="1"/>
+            <a:r>
+              <a:rPr lang="pt-PT" dirty="0">
+                <a:solidFill>
+                  <a:schemeClr val="bg1"/>
+                </a:solidFill>
+              </a:rPr>
+              <a:t>Definição dos parâmetros de indexação e pesquisa</a:t>
+            </a:r>
+          </a:p>
+          <a:p>
+            <a:endParaRPr lang="pt-PT" dirty="0"/>
+          </a:p>
+        </p:txBody>
+      </p:sp>
+      <p:sp>
+        <p:nvSpPr>
+          <p:cNvPr id="4" name="Retângulo 3"/>
           <p:cNvSpPr/>
           <p:nvPr/>
         </p:nvSpPr>
@@ -9524,126 +9601,12 @@
             <a:pPr algn="ctr"/>
             <a:r>
               <a:rPr lang="en-GB" sz="3200" dirty="0"/>
-              <a:t>1</a:t>
+              <a:t>2</a:t>
             </a:r>
             <a:endParaRPr lang="pt-PT" sz="3200" dirty="0"/>
           </a:p>
         </p:txBody>
       </p:sp>
-      <p:pic>
-        <p:nvPicPr>
-          <p:cNvPr id="4" name="Imagem 3" descr="C:\Users\joo_c\Desktop\Indexacao-de-Documentos-Clinicos\Indexacao-de-Documentos-Clinicos\Dissertacao\images\eer_model.png"/>
-          <p:cNvPicPr>
-            <a:picLocks noChangeAspect="1"/>
-          </p:cNvPicPr>
-          <p:nvPr/>
-        </p:nvPicPr>
-        <p:blipFill rotWithShape="1">
-          <a:blip r:embed="rId3" cstate="print">
-            <a:extLst>
-              <a:ext uri="{28A0092B-C50C-407E-A947-70E740481C1C}">
-                <a14:useLocalDpi xmlns:a14="http://schemas.microsoft.com/office/drawing/2010/main" val="0"/>
-              </a:ext>
-            </a:extLst>
-          </a:blip>
-          <a:srcRect l="42795" t="18454" r="47150" b="71039"/>
-          <a:stretch/>
-        </p:blipFill>
-        <p:spPr bwMode="auto">
-          <a:xfrm>
-            <a:off x="808264" y="1975757"/>
-            <a:ext cx="2800350" cy="3522741"/>
-          </a:xfrm>
-          <a:prstGeom prst="rect">
-            <a:avLst/>
-          </a:prstGeom>
-          <a:noFill/>
-          <a:ln>
-            <a:noFill/>
-          </a:ln>
-          <a:extLst>
-            <a:ext uri="{53640926-AAD7-44D8-BBD7-CCE9431645EC}">
-              <a14:shadowObscured xmlns:a14="http://schemas.microsoft.com/office/drawing/2010/main"/>
-            </a:ext>
-          </a:extLst>
-        </p:spPr>
-      </p:pic>
-      <p:pic>
-        <p:nvPicPr>
-          <p:cNvPr id="8" name="Imagem 7" descr="C:\Users\joo_c\Desktop\Indexacao-de-Documentos-Clinicos\Indexacao-de-Documentos-Clinicos\Dissertacao\images\eer_model.png"/>
-          <p:cNvPicPr>
-            <a:picLocks noChangeAspect="1"/>
-          </p:cNvPicPr>
-          <p:nvPr/>
-        </p:nvPicPr>
-        <p:blipFill rotWithShape="1">
-          <a:blip r:embed="rId3" cstate="print">
-            <a:extLst>
-              <a:ext uri="{28A0092B-C50C-407E-A947-70E740481C1C}">
-                <a14:useLocalDpi xmlns:a14="http://schemas.microsoft.com/office/drawing/2010/main" val="0"/>
-              </a:ext>
-            </a:extLst>
-          </a:blip>
-          <a:srcRect l="42795" t="34651" r="46838" b="53150"/>
-          <a:stretch/>
-        </p:blipFill>
-        <p:spPr bwMode="auto">
-          <a:xfrm>
-            <a:off x="4440010" y="1856776"/>
-            <a:ext cx="2654754" cy="3760699"/>
-          </a:xfrm>
-          <a:prstGeom prst="rect">
-            <a:avLst/>
-          </a:prstGeom>
-          <a:noFill/>
-          <a:ln>
-            <a:noFill/>
-          </a:ln>
-          <a:extLst>
-            <a:ext uri="{53640926-AAD7-44D8-BBD7-CCE9431645EC}">
-              <a14:shadowObscured xmlns:a14="http://schemas.microsoft.com/office/drawing/2010/main"/>
-            </a:ext>
-          </a:extLst>
-        </p:spPr>
-      </p:pic>
-      <p:pic>
-        <p:nvPicPr>
-          <p:cNvPr id="9" name="Imagem 8" descr="C:\Users\joo_c\Desktop\Indexacao-de-Documentos-Clinicos\Indexacao-de-Documentos-Clinicos\Dissertacao\images\eer_model.png"/>
-          <p:cNvPicPr>
-            <a:picLocks noChangeAspect="1"/>
-          </p:cNvPicPr>
-          <p:nvPr/>
-        </p:nvPicPr>
-        <p:blipFill rotWithShape="1">
-          <a:blip r:embed="rId3">
-            <a:extLst>
-              <a:ext uri="{28A0092B-C50C-407E-A947-70E740481C1C}">
-                <a14:useLocalDpi xmlns:a14="http://schemas.microsoft.com/office/drawing/2010/main" val="0"/>
-              </a:ext>
-            </a:extLst>
-          </a:blip>
-          <a:srcRect l="43122" t="52959" r="47357" b="37210"/>
-          <a:stretch/>
-        </p:blipFill>
-        <p:spPr bwMode="auto">
-          <a:xfrm>
-            <a:off x="7708750" y="2085843"/>
-            <a:ext cx="2692550" cy="3302566"/>
-          </a:xfrm>
-          <a:prstGeom prst="rect">
-            <a:avLst/>
-          </a:prstGeom>
-          <a:noFill/>
-          <a:ln>
-            <a:noFill/>
-          </a:ln>
-          <a:extLst>
-            <a:ext uri="{53640926-AAD7-44D8-BBD7-CCE9431645EC}">
-              <a14:shadowObscured xmlns:a14="http://schemas.microsoft.com/office/drawing/2010/main"/>
-            </a:ext>
-          </a:extLst>
-        </p:spPr>
-      </p:pic>
       <p:sp>
         <p:nvSpPr>
           <p:cNvPr id="7" name="Retângulo 6"/>
@@ -9692,10 +9655,51 @@
           </a:p>
         </p:txBody>
       </p:sp>
+      <p:pic>
+        <p:nvPicPr>
+          <p:cNvPr id="10" name="Picture 2" descr="https://lucene.apache.org/images/mantle-lucene-solr.png"/>
+          <p:cNvPicPr>
+            <a:picLocks noGrp="1" noChangeAspect="1" noChangeArrowheads="1"/>
+          </p:cNvPicPr>
+          <p:nvPr>
+            <p:ph sz="half" idx="1"/>
+          </p:nvPr>
+        </p:nvPicPr>
+        <p:blipFill rotWithShape="1">
+          <a:blip r:embed="rId2">
+            <a:extLst>
+              <a:ext uri="{28A0092B-C50C-407E-A947-70E740481C1C}">
+                <a14:useLocalDpi xmlns:a14="http://schemas.microsoft.com/office/drawing/2010/main" val="0"/>
+              </a:ext>
+            </a:extLst>
+          </a:blip>
+          <a:srcRect l="60568" t="-1898" r="-1824" b="1898"/>
+          <a:stretch/>
+        </p:blipFill>
+        <p:spPr bwMode="auto">
+          <a:xfrm>
+            <a:off x="1704830" y="3118758"/>
+            <a:ext cx="3212177" cy="1624898"/>
+          </a:xfrm>
+          <a:prstGeom prst="rect">
+            <a:avLst/>
+          </a:prstGeom>
+          <a:noFill/>
+          <a:extLst>
+            <a:ext uri="{909E8E84-426E-40DD-AFC4-6F175D3DCCD1}">
+              <a14:hiddenFill xmlns:a14="http://schemas.microsoft.com/office/drawing/2010/main">
+                <a:solidFill>
+                  <a:srgbClr val="FFFFFF"/>
+                </a:solidFill>
+              </a14:hiddenFill>
+            </a:ext>
+          </a:extLst>
+        </p:spPr>
+      </p:pic>
     </p:spTree>
     <p:extLst>
       <p:ext uri="{BB962C8B-B14F-4D97-AF65-F5344CB8AC3E}">
-        <p14:creationId xmlns:p14="http://schemas.microsoft.com/office/powerpoint/2010/main" val="1630059629"/>
+        <p14:creationId xmlns:p14="http://schemas.microsoft.com/office/powerpoint/2010/main" val="3068901103"/>
       </p:ext>
     </p:extLst>
   </p:cSld>
@@ -9724,7 +9728,35 @@
       </p:grpSpPr>
       <p:sp>
         <p:nvSpPr>
-          <p:cNvPr id="6" name="Retângulo 5"/>
+          <p:cNvPr id="2" name="Título 1"/>
+          <p:cNvSpPr>
+            <a:spLocks noGrp="1"/>
+          </p:cNvSpPr>
+          <p:nvPr>
+            <p:ph type="title"/>
+          </p:nvPr>
+        </p:nvSpPr>
+        <p:spPr/>
+        <p:txBody>
+          <a:bodyPr>
+            <a:normAutofit/>
+          </a:bodyPr>
+          <a:lstStyle/>
+          <a:p>
+            <a:r>
+              <a:rPr lang="pt-PT" sz="3300" dirty="0" err="1"/>
+              <a:t>Schema</a:t>
+            </a:r>
+            <a:r>
+              <a:rPr lang="pt-PT" sz="3300" dirty="0"/>
+              <a:t> – estrutura dos dados</a:t>
+            </a:r>
+          </a:p>
+        </p:txBody>
+      </p:sp>
+      <p:sp>
+        <p:nvSpPr>
+          <p:cNvPr id="4" name="Retângulo 3"/>
           <p:cNvSpPr/>
           <p:nvPr/>
         </p:nvSpPr>
@@ -9764,233 +9796,21 @@
             <a:pPr algn="ctr"/>
             <a:r>
               <a:rPr lang="en-GB" sz="3200" dirty="0"/>
-              <a:t>1</a:t>
+              <a:t>2</a:t>
             </a:r>
             <a:endParaRPr lang="pt-PT" sz="3200" dirty="0"/>
           </a:p>
         </p:txBody>
       </p:sp>
-      <p:grpSp>
-        <p:nvGrpSpPr>
-          <p:cNvPr id="15" name="Grupo 14"/>
-          <p:cNvGrpSpPr/>
-          <p:nvPr/>
-        </p:nvGrpSpPr>
-        <p:grpSpPr>
-          <a:xfrm>
-            <a:off x="152400" y="933449"/>
-            <a:ext cx="10428514" cy="5303259"/>
-            <a:chOff x="152400" y="933449"/>
-            <a:chExt cx="10428514" cy="5303259"/>
-          </a:xfrm>
-        </p:grpSpPr>
-        <p:pic>
-          <p:nvPicPr>
-            <p:cNvPr id="7" name="Imagem 6" descr="C:\Users\joo_c\Desktop\Indexacao-de-Documentos-Clinicos\Indexacao-de-Documentos-Clinicos\Dissertacao\images\eer_model.png"/>
-            <p:cNvPicPr>
-              <a:picLocks noChangeAspect="1"/>
-            </p:cNvPicPr>
-            <p:nvPr/>
-          </p:nvPicPr>
-          <p:blipFill rotWithShape="1">
-            <a:blip r:embed="rId3">
-              <a:extLst>
-                <a:ext uri="{28A0092B-C50C-407E-A947-70E740481C1C}">
-                  <a14:useLocalDpi xmlns:a14="http://schemas.microsoft.com/office/drawing/2010/main" val="0"/>
-                </a:ext>
-              </a:extLst>
-            </a:blip>
-            <a:srcRect l="4959" t="65176" r="12893" b="-479"/>
-            <a:stretch/>
-          </p:blipFill>
-          <p:spPr bwMode="auto">
-            <a:xfrm>
-              <a:off x="192564" y="933449"/>
-              <a:ext cx="10388350" cy="5303259"/>
-            </a:xfrm>
-            <a:prstGeom prst="rect">
-              <a:avLst/>
-            </a:prstGeom>
-            <a:noFill/>
-            <a:ln>
-              <a:noFill/>
-            </a:ln>
-            <a:extLst>
-              <a:ext uri="{53640926-AAD7-44D8-BBD7-CCE9431645EC}">
-                <a14:shadowObscured xmlns:a14="http://schemas.microsoft.com/office/drawing/2010/main"/>
-              </a:ext>
-            </a:extLst>
-          </p:spPr>
-        </p:pic>
-        <p:grpSp>
-          <p:nvGrpSpPr>
-            <p:cNvPr id="13" name="Grupo 12"/>
-            <p:cNvGrpSpPr/>
-            <p:nvPr/>
-          </p:nvGrpSpPr>
-          <p:grpSpPr>
-            <a:xfrm>
-              <a:off x="152400" y="933450"/>
-              <a:ext cx="10408432" cy="1104900"/>
-              <a:chOff x="152400" y="933450"/>
-              <a:chExt cx="10408432" cy="1104900"/>
-            </a:xfrm>
-          </p:grpSpPr>
-          <p:sp>
-            <p:nvSpPr>
-              <p:cNvPr id="3" name="Retângulo 2"/>
-              <p:cNvSpPr/>
-              <p:nvPr/>
-            </p:nvSpPr>
-            <p:spPr>
-              <a:xfrm>
-                <a:off x="152400" y="933450"/>
-                <a:ext cx="3886200" cy="1042307"/>
-              </a:xfrm>
-              <a:prstGeom prst="rect">
-                <a:avLst/>
-              </a:prstGeom>
-              <a:solidFill>
-                <a:schemeClr val="tx1"/>
-              </a:solidFill>
-              <a:ln>
-                <a:solidFill>
-                  <a:schemeClr val="tx1"/>
-                </a:solidFill>
-              </a:ln>
-            </p:spPr>
-            <p:style>
-              <a:lnRef idx="2">
-                <a:schemeClr val="accent1">
-                  <a:shade val="50000"/>
-                </a:schemeClr>
-              </a:lnRef>
-              <a:fillRef idx="1">
-                <a:schemeClr val="accent1"/>
-              </a:fillRef>
-              <a:effectRef idx="0">
-                <a:schemeClr val="accent1"/>
-              </a:effectRef>
-              <a:fontRef idx="minor">
-                <a:schemeClr val="lt1"/>
-              </a:fontRef>
-            </p:style>
-            <p:txBody>
-              <a:bodyPr rtlCol="0" anchor="ctr"/>
-              <a:lstStyle/>
-              <a:p>
-                <a:pPr algn="ctr"/>
-                <a:endParaRPr lang="pt-PT"/>
-              </a:p>
-            </p:txBody>
-          </p:sp>
-          <p:sp>
-            <p:nvSpPr>
-              <p:cNvPr id="12" name="Retângulo 11"/>
-              <p:cNvSpPr/>
-              <p:nvPr/>
-            </p:nvSpPr>
-            <p:spPr>
-              <a:xfrm>
-                <a:off x="6674632" y="933450"/>
-                <a:ext cx="3886200" cy="1104900"/>
-              </a:xfrm>
-              <a:prstGeom prst="rect">
-                <a:avLst/>
-              </a:prstGeom>
-              <a:solidFill>
-                <a:schemeClr val="tx1"/>
-              </a:solidFill>
-              <a:ln>
-                <a:solidFill>
-                  <a:schemeClr val="tx1"/>
-                </a:solidFill>
-              </a:ln>
-            </p:spPr>
-            <p:style>
-              <a:lnRef idx="2">
-                <a:schemeClr val="accent1">
-                  <a:shade val="50000"/>
-                </a:schemeClr>
-              </a:lnRef>
-              <a:fillRef idx="1">
-                <a:schemeClr val="accent1"/>
-              </a:fillRef>
-              <a:effectRef idx="0">
-                <a:schemeClr val="accent1"/>
-              </a:effectRef>
-              <a:fontRef idx="minor">
-                <a:schemeClr val="lt1"/>
-              </a:fontRef>
-            </p:style>
-            <p:txBody>
-              <a:bodyPr rtlCol="0" anchor="ctr"/>
-              <a:lstStyle/>
-              <a:p>
-                <a:pPr algn="ctr"/>
-                <a:endParaRPr lang="pt-PT"/>
-              </a:p>
-            </p:txBody>
-          </p:sp>
-        </p:grpSp>
-        <p:sp>
-          <p:nvSpPr>
-            <p:cNvPr id="14" name="Retângulo 13"/>
-            <p:cNvSpPr/>
-            <p:nvPr/>
-          </p:nvSpPr>
-          <p:spPr>
-            <a:xfrm>
-              <a:off x="7694182" y="1423307"/>
-              <a:ext cx="1931182" cy="1104900"/>
-            </a:xfrm>
-            <a:prstGeom prst="rect">
-              <a:avLst/>
-            </a:prstGeom>
-            <a:solidFill>
-              <a:schemeClr val="tx1"/>
-            </a:solidFill>
-            <a:ln>
-              <a:solidFill>
-                <a:schemeClr val="tx1"/>
-              </a:solidFill>
-            </a:ln>
-          </p:spPr>
-          <p:style>
-            <a:lnRef idx="2">
-              <a:schemeClr val="accent1">
-                <a:shade val="50000"/>
-              </a:schemeClr>
-            </a:lnRef>
-            <a:fillRef idx="1">
-              <a:schemeClr val="accent1"/>
-            </a:fillRef>
-            <a:effectRef idx="0">
-              <a:schemeClr val="accent1"/>
-            </a:effectRef>
-            <a:fontRef idx="minor">
-              <a:schemeClr val="lt1"/>
-            </a:fontRef>
-          </p:style>
-          <p:txBody>
-            <a:bodyPr rtlCol="0" anchor="ctr"/>
-            <a:lstStyle/>
-            <a:p>
-              <a:pPr algn="ctr"/>
-              <a:endParaRPr lang="pt-PT"/>
-            </a:p>
-          </p:txBody>
-        </p:sp>
-      </p:grpSp>
-      <p:sp>
-        <p:nvSpPr>
-          <p:cNvPr id="10" name="Retângulo 9"/>
+      <p:sp>
+        <p:nvSpPr>
+          <p:cNvPr id="7" name="Retângulo 6"/>
           <p:cNvSpPr/>
           <p:nvPr/>
         </p:nvSpPr>
         <p:spPr>
           <a:xfrm>
-            <a:off x="10584667" y="604157"/>
+            <a:off x="10580914" y="606271"/>
             <a:ext cx="1611086" cy="1371600"/>
           </a:xfrm>
           <a:prstGeom prst="rect">
@@ -10030,10 +9850,44 @@
           </a:p>
         </p:txBody>
       </p:sp>
+      <p:pic>
+        <p:nvPicPr>
+          <p:cNvPr id="6" name="Marcador de Posição de Conteúdo 5"/>
+          <p:cNvPicPr>
+            <a:picLocks noGrp="1" noChangeAspect="1"/>
+          </p:cNvPicPr>
+          <p:nvPr>
+            <p:ph idx="1"/>
+          </p:nvPr>
+        </p:nvPicPr>
+        <p:blipFill>
+          <a:blip r:embed="rId2">
+            <a:extLst>
+              <a:ext uri="{28A0092B-C50C-407E-A947-70E740481C1C}">
+                <a14:useLocalDpi xmlns:a14="http://schemas.microsoft.com/office/drawing/2010/main" val="0"/>
+              </a:ext>
+            </a:extLst>
+          </a:blip>
+          <a:srcRect/>
+          <a:stretch>
+            <a:fillRect/>
+          </a:stretch>
+        </p:blipFill>
+        <p:spPr bwMode="auto">
+          <a:xfrm>
+            <a:off x="778295" y="2176628"/>
+            <a:ext cx="9733594" cy="4524065"/>
+          </a:xfrm>
+          <a:prstGeom prst="rect">
+            <a:avLst/>
+          </a:prstGeom>
+          <a:noFill/>
+        </p:spPr>
+      </p:pic>
     </p:spTree>
     <p:extLst>
       <p:ext uri="{BB962C8B-B14F-4D97-AF65-F5344CB8AC3E}">
-        <p14:creationId xmlns:p14="http://schemas.microsoft.com/office/powerpoint/2010/main" val="1550416118"/>
+        <p14:creationId xmlns:p14="http://schemas.microsoft.com/office/powerpoint/2010/main" val="879303406"/>
       </p:ext>
     </p:extLst>
   </p:cSld>
@@ -10078,107 +9932,13 @@
           <a:lstStyle/>
           <a:p>
             <a:r>
+              <a:rPr lang="pt-PT" sz="3300" dirty="0" err="1"/>
+              <a:t>Schema</a:t>
+            </a:r>
+            <a:r>
               <a:rPr lang="pt-PT" sz="3300" dirty="0"/>
-              <a:t>Indexar a informação proveniente dessa estrutura</a:t>
-            </a:r>
-          </a:p>
-        </p:txBody>
-      </p:sp>
-      <p:sp>
-        <p:nvSpPr>
-          <p:cNvPr id="8" name="Marcador de Posição de Conteúdo 7"/>
-          <p:cNvSpPr>
-            <a:spLocks noGrp="1"/>
-          </p:cNvSpPr>
-          <p:nvPr>
-            <p:ph sz="half" idx="2"/>
-          </p:nvPr>
-        </p:nvSpPr>
-        <p:spPr>
-          <a:xfrm>
-            <a:off x="5594124" y="2696102"/>
-            <a:ext cx="4700058" cy="3599316"/>
-          </a:xfrm>
-        </p:spPr>
-        <p:txBody>
-          <a:bodyPr/>
-          <a:lstStyle/>
-          <a:p>
-            <a:r>
-              <a:rPr lang="en-GB" dirty="0">
-                <a:solidFill>
-                  <a:schemeClr val="bg1"/>
-                </a:solidFill>
-              </a:rPr>
-              <a:t>solrconfig.xml</a:t>
-            </a:r>
-          </a:p>
-          <a:p>
-            <a:pPr lvl="1"/>
-            <a:r>
-              <a:rPr lang="pt-PT" dirty="0">
-                <a:solidFill>
-                  <a:schemeClr val="bg1"/>
-                </a:solidFill>
-              </a:rPr>
-              <a:t>Inclui as bibliotecas necessárias</a:t>
-            </a:r>
-          </a:p>
-          <a:p>
-            <a:pPr lvl="1"/>
-            <a:endParaRPr lang="en-GB" dirty="0">
-              <a:solidFill>
-                <a:schemeClr val="bg1"/>
-              </a:solidFill>
-            </a:endParaRPr>
-          </a:p>
-          <a:p>
-            <a:r>
-              <a:rPr lang="en-GB" dirty="0">
-                <a:solidFill>
-                  <a:schemeClr val="bg1"/>
-                </a:solidFill>
-              </a:rPr>
-              <a:t>schema.xml</a:t>
-            </a:r>
-          </a:p>
-          <a:p>
-            <a:pPr lvl="1"/>
-            <a:r>
-              <a:rPr lang="pt-PT" dirty="0">
-                <a:solidFill>
-                  <a:schemeClr val="bg1"/>
-                </a:solidFill>
-              </a:rPr>
-              <a:t>Estrutura dos dados a serem tratados pelo </a:t>
-            </a:r>
-            <a:r>
-              <a:rPr lang="pt-PT" dirty="0" err="1">
-                <a:solidFill>
-                  <a:schemeClr val="bg1"/>
-                </a:solidFill>
-              </a:rPr>
-              <a:t>Solr</a:t>
-            </a:r>
-            <a:endParaRPr lang="pt-PT" dirty="0">
-              <a:solidFill>
-                <a:schemeClr val="bg1"/>
-              </a:solidFill>
-            </a:endParaRPr>
-          </a:p>
-          <a:p>
-            <a:pPr lvl="1"/>
-            <a:r>
-              <a:rPr lang="pt-PT" dirty="0">
-                <a:solidFill>
-                  <a:schemeClr val="bg1"/>
-                </a:solidFill>
-              </a:rPr>
-              <a:t>Definição dos parâmetros de indexação e pesquisa</a:t>
-            </a:r>
-          </a:p>
-          <a:p>
-            <a:endParaRPr lang="pt-PT" dirty="0"/>
+              <a:t> – parâmetros de indexação e pesquisa</a:t>
+            </a:r>
           </a:p>
         </p:txBody>
       </p:sp>
@@ -10232,7 +9992,7 @@
       </p:sp>
       <p:sp>
         <p:nvSpPr>
-          <p:cNvPr id="7" name="Retângulo 6"/>
+          <p:cNvPr id="6" name="Retângulo 5"/>
           <p:cNvSpPr/>
           <p:nvPr/>
         </p:nvSpPr>
@@ -10280,49 +10040,34 @@
       </p:sp>
       <p:pic>
         <p:nvPicPr>
-          <p:cNvPr id="10" name="Picture 2" descr="https://lucene.apache.org/images/mantle-lucene-solr.png"/>
+          <p:cNvPr id="12" name="Marcador de Posição de Conteúdo 11"/>
           <p:cNvPicPr>
-            <a:picLocks noGrp="1" noChangeAspect="1" noChangeArrowheads="1"/>
+            <a:picLocks noGrp="1" noChangeAspect="1"/>
           </p:cNvPicPr>
           <p:nvPr>
-            <p:ph sz="half" idx="1"/>
+            <p:ph idx="1"/>
           </p:nvPr>
         </p:nvPicPr>
-        <p:blipFill rotWithShape="1">
-          <a:blip r:embed="rId2">
-            <a:extLst>
-              <a:ext uri="{28A0092B-C50C-407E-A947-70E740481C1C}">
-                <a14:useLocalDpi xmlns:a14="http://schemas.microsoft.com/office/drawing/2010/main" val="0"/>
-              </a:ext>
-            </a:extLst>
-          </a:blip>
-          <a:srcRect l="60568" t="-1898" r="-1824" b="1898"/>
-          <a:stretch/>
+        <p:blipFill>
+          <a:blip r:embed="rId2"/>
+          <a:stretch>
+            <a:fillRect/>
+          </a:stretch>
         </p:blipFill>
-        <p:spPr bwMode="auto">
-          <a:xfrm>
-            <a:off x="1704830" y="3118758"/>
-            <a:ext cx="3212177" cy="1624898"/>
+        <p:spPr>
+          <a:xfrm>
+            <a:off x="681038" y="2556603"/>
+            <a:ext cx="9613900" cy="3159257"/>
           </a:xfrm>
           <a:prstGeom prst="rect">
             <a:avLst/>
           </a:prstGeom>
-          <a:noFill/>
-          <a:extLst>
-            <a:ext uri="{909E8E84-426E-40DD-AFC4-6F175D3DCCD1}">
-              <a14:hiddenFill xmlns:a14="http://schemas.microsoft.com/office/drawing/2010/main">
-                <a:solidFill>
-                  <a:srgbClr val="FFFFFF"/>
-                </a:solidFill>
-              </a14:hiddenFill>
-            </a:ext>
-          </a:extLst>
         </p:spPr>
       </p:pic>
     </p:spTree>
     <p:extLst>
       <p:ext uri="{BB962C8B-B14F-4D97-AF65-F5344CB8AC3E}">
-        <p14:creationId xmlns:p14="http://schemas.microsoft.com/office/powerpoint/2010/main" val="3068901103"/>
+        <p14:creationId xmlns:p14="http://schemas.microsoft.com/office/powerpoint/2010/main" val="1015532975"/>
       </p:ext>
     </p:extLst>
   </p:cSld>
@@ -10361,18 +10106,12 @@
         </p:nvSpPr>
         <p:spPr/>
         <p:txBody>
-          <a:bodyPr>
-            <a:normAutofit/>
-          </a:bodyPr>
+          <a:bodyPr/>
           <a:lstStyle/>
           <a:p>
             <a:r>
-              <a:rPr lang="pt-PT" sz="3300" dirty="0" err="1"/>
-              <a:t>Schema</a:t>
-            </a:r>
-            <a:r>
-              <a:rPr lang="pt-PT" sz="3300" dirty="0"/>
-              <a:t> – estrutura dos dados</a:t>
+              <a:rPr lang="pt-PT" dirty="0"/>
+              <a:t>Apresentar os resultados tipo Google </a:t>
             </a:r>
           </a:p>
         </p:txBody>
@@ -10389,2246 +10128,68 @@
         </p:nvSpPr>
         <p:spPr/>
         <p:txBody>
-          <a:bodyPr>
-            <a:normAutofit fontScale="55000" lnSpcReduction="20000"/>
-          </a:bodyPr>
+          <a:bodyPr/>
           <a:lstStyle/>
           <a:p>
-            <a:r>
-              <a:rPr lang="en-US" dirty="0">
+            <a:endParaRPr lang="en-GB" dirty="0">
+              <a:solidFill>
+                <a:schemeClr val="bg1"/>
+              </a:solidFill>
+            </a:endParaRPr>
+          </a:p>
+          <a:p>
+            <a:endParaRPr lang="pt-PT" dirty="0">
+              <a:solidFill>
+                <a:schemeClr val="bg1"/>
+              </a:solidFill>
+            </a:endParaRPr>
+          </a:p>
+          <a:p>
+            <a:r>
+              <a:rPr lang="pt-PT" dirty="0">
                 <a:solidFill>
-                  <a:srgbClr val="0000FF"/>
+                  <a:schemeClr val="bg1"/>
                 </a:solidFill>
-                <a:latin typeface="Courier New" panose="02070309020205020404" pitchFamily="49" charset="0"/>
               </a:rPr>
-              <a:t>&lt;field</a:t>
-            </a:r>
-            <a:r>
-              <a:rPr lang="en-US" dirty="0">
+              <a:t>Por ordem de relevância</a:t>
+            </a:r>
+          </a:p>
+          <a:p>
+            <a:endParaRPr lang="pt-PT" dirty="0">
+              <a:solidFill>
+                <a:schemeClr val="bg1"/>
+              </a:solidFill>
+            </a:endParaRPr>
+          </a:p>
+          <a:p>
+            <a:pPr lvl="1"/>
+            <a:r>
+              <a:rPr lang="pt-PT" dirty="0">
                 <a:solidFill>
-                  <a:srgbClr val="000000"/>
+                  <a:schemeClr val="bg1"/>
                 </a:solidFill>
-                <a:latin typeface="Courier New" panose="02070309020205020404" pitchFamily="49" charset="0"/>
               </a:rPr>
-              <a:t> </a:t>
-            </a:r>
-            <a:r>
-              <a:rPr lang="en-US" dirty="0">
+              <a:t>Modelo Vetorial</a:t>
+            </a:r>
+          </a:p>
+          <a:p>
+            <a:pPr lvl="1"/>
+            <a:endParaRPr lang="pt-PT" dirty="0">
+              <a:solidFill>
+                <a:schemeClr val="bg1"/>
+              </a:solidFill>
+            </a:endParaRPr>
+          </a:p>
+          <a:p>
+            <a:pPr lvl="1"/>
+            <a:r>
+              <a:rPr lang="pt-PT" dirty="0">
                 <a:solidFill>
-                  <a:srgbClr val="FF0000"/>
+                  <a:schemeClr val="bg1"/>
                 </a:solidFill>
-                <a:latin typeface="Courier New" panose="02070309020205020404" pitchFamily="49" charset="0"/>
               </a:rPr>
-              <a:t>name</a:t>
-            </a:r>
-            <a:r>
-              <a:rPr lang="en-US" dirty="0">
-                <a:solidFill>
-                  <a:srgbClr val="000000"/>
-                </a:solidFill>
-                <a:latin typeface="Courier New" panose="02070309020205020404" pitchFamily="49" charset="0"/>
-              </a:rPr>
-              <a:t>=</a:t>
-            </a:r>
-            <a:r>
-              <a:rPr lang="en-US" b="1" dirty="0">
-                <a:solidFill>
-                  <a:srgbClr val="8000FF"/>
-                </a:solidFill>
-                <a:latin typeface="Courier New" panose="02070309020205020404" pitchFamily="49" charset="0"/>
-              </a:rPr>
-              <a:t>"</a:t>
-            </a:r>
-            <a:r>
-              <a:rPr lang="en-US" b="1" dirty="0" err="1">
-                <a:solidFill>
-                  <a:srgbClr val="8000FF"/>
-                </a:solidFill>
-                <a:latin typeface="Courier New" panose="02070309020205020404" pitchFamily="49" charset="0"/>
-              </a:rPr>
-              <a:t>uid</a:t>
-            </a:r>
-            <a:r>
-              <a:rPr lang="en-US" b="1" dirty="0">
-                <a:solidFill>
-                  <a:srgbClr val="8000FF"/>
-                </a:solidFill>
-                <a:latin typeface="Courier New" panose="02070309020205020404" pitchFamily="49" charset="0"/>
-              </a:rPr>
-              <a:t>"</a:t>
-            </a:r>
-            <a:r>
-              <a:rPr lang="en-US" dirty="0">
-                <a:solidFill>
-                  <a:srgbClr val="000000"/>
-                </a:solidFill>
-                <a:latin typeface="Courier New" panose="02070309020205020404" pitchFamily="49" charset="0"/>
-              </a:rPr>
-              <a:t> </a:t>
-            </a:r>
-            <a:r>
-              <a:rPr lang="en-US" dirty="0">
-                <a:solidFill>
-                  <a:srgbClr val="FF0000"/>
-                </a:solidFill>
-                <a:latin typeface="Courier New" panose="02070309020205020404" pitchFamily="49" charset="0"/>
-              </a:rPr>
-              <a:t>type</a:t>
-            </a:r>
-            <a:r>
-              <a:rPr lang="en-US" dirty="0">
-                <a:solidFill>
-                  <a:srgbClr val="000000"/>
-                </a:solidFill>
-                <a:latin typeface="Courier New" panose="02070309020205020404" pitchFamily="49" charset="0"/>
-              </a:rPr>
-              <a:t>=</a:t>
-            </a:r>
-            <a:r>
-              <a:rPr lang="en-US" b="1" dirty="0">
-                <a:solidFill>
-                  <a:srgbClr val="8000FF"/>
-                </a:solidFill>
-                <a:latin typeface="Courier New" panose="02070309020205020404" pitchFamily="49" charset="0"/>
-              </a:rPr>
-              <a:t>"string"</a:t>
-            </a:r>
-            <a:r>
-              <a:rPr lang="en-US" dirty="0">
-                <a:solidFill>
-                  <a:srgbClr val="000000"/>
-                </a:solidFill>
-                <a:latin typeface="Courier New" panose="02070309020205020404" pitchFamily="49" charset="0"/>
-              </a:rPr>
-              <a:t> </a:t>
-            </a:r>
-            <a:r>
-              <a:rPr lang="en-US" dirty="0">
-                <a:solidFill>
-                  <a:srgbClr val="FF0000"/>
-                </a:solidFill>
-                <a:latin typeface="Courier New" panose="02070309020205020404" pitchFamily="49" charset="0"/>
-              </a:rPr>
-              <a:t>indexed</a:t>
-            </a:r>
-            <a:r>
-              <a:rPr lang="en-US" dirty="0">
-                <a:solidFill>
-                  <a:srgbClr val="000000"/>
-                </a:solidFill>
-                <a:latin typeface="Courier New" panose="02070309020205020404" pitchFamily="49" charset="0"/>
-              </a:rPr>
-              <a:t>=</a:t>
-            </a:r>
-            <a:r>
-              <a:rPr lang="en-US" b="1" dirty="0">
-                <a:solidFill>
-                  <a:srgbClr val="8000FF"/>
-                </a:solidFill>
-                <a:latin typeface="Courier New" panose="02070309020205020404" pitchFamily="49" charset="0"/>
-              </a:rPr>
-              <a:t>"true"</a:t>
-            </a:r>
-            <a:r>
-              <a:rPr lang="en-US" dirty="0">
-                <a:solidFill>
-                  <a:srgbClr val="000000"/>
-                </a:solidFill>
-                <a:latin typeface="Courier New" panose="02070309020205020404" pitchFamily="49" charset="0"/>
-              </a:rPr>
-              <a:t> </a:t>
-            </a:r>
-            <a:r>
-              <a:rPr lang="en-US" dirty="0">
-                <a:solidFill>
-                  <a:srgbClr val="FF0000"/>
-                </a:solidFill>
-                <a:latin typeface="Courier New" panose="02070309020205020404" pitchFamily="49" charset="0"/>
-              </a:rPr>
-              <a:t>stored</a:t>
-            </a:r>
-            <a:r>
-              <a:rPr lang="en-US" dirty="0">
-                <a:solidFill>
-                  <a:srgbClr val="000000"/>
-                </a:solidFill>
-                <a:latin typeface="Courier New" panose="02070309020205020404" pitchFamily="49" charset="0"/>
-              </a:rPr>
-              <a:t>=</a:t>
-            </a:r>
-            <a:r>
-              <a:rPr lang="en-US" b="1" dirty="0">
-                <a:solidFill>
-                  <a:srgbClr val="8000FF"/>
-                </a:solidFill>
-                <a:latin typeface="Courier New" panose="02070309020205020404" pitchFamily="49" charset="0"/>
-              </a:rPr>
-              <a:t>"true"</a:t>
-            </a:r>
-            <a:r>
-              <a:rPr lang="en-US" dirty="0">
-                <a:solidFill>
-                  <a:srgbClr val="0000FF"/>
-                </a:solidFill>
-                <a:latin typeface="Courier New" panose="02070309020205020404" pitchFamily="49" charset="0"/>
-              </a:rPr>
-              <a:t>/&gt;</a:t>
-            </a:r>
-            <a:r>
-              <a:rPr lang="en-US" b="1" dirty="0">
-                <a:solidFill>
-                  <a:srgbClr val="000000"/>
-                </a:solidFill>
-                <a:latin typeface="Courier New" panose="02070309020205020404" pitchFamily="49" charset="0"/>
-              </a:rPr>
-              <a:t> </a:t>
-            </a:r>
-          </a:p>
-          <a:p>
-            <a:r>
-              <a:rPr lang="en-US" dirty="0">
-                <a:solidFill>
-                  <a:srgbClr val="0000FF"/>
-                </a:solidFill>
-                <a:latin typeface="Courier New" panose="02070309020205020404" pitchFamily="49" charset="0"/>
-              </a:rPr>
-              <a:t>&lt;field</a:t>
-            </a:r>
-            <a:r>
-              <a:rPr lang="en-US" dirty="0">
-                <a:solidFill>
-                  <a:srgbClr val="000000"/>
-                </a:solidFill>
-                <a:latin typeface="Courier New" panose="02070309020205020404" pitchFamily="49" charset="0"/>
-              </a:rPr>
-              <a:t> </a:t>
-            </a:r>
-            <a:r>
-              <a:rPr lang="en-US" dirty="0">
-                <a:solidFill>
-                  <a:srgbClr val="FF0000"/>
-                </a:solidFill>
-                <a:latin typeface="Courier New" panose="02070309020205020404" pitchFamily="49" charset="0"/>
-              </a:rPr>
-              <a:t>name</a:t>
-            </a:r>
-            <a:r>
-              <a:rPr lang="en-US" dirty="0">
-                <a:solidFill>
-                  <a:srgbClr val="000000"/>
-                </a:solidFill>
-                <a:latin typeface="Courier New" panose="02070309020205020404" pitchFamily="49" charset="0"/>
-              </a:rPr>
-              <a:t>=</a:t>
-            </a:r>
-            <a:r>
-              <a:rPr lang="en-US" b="1" dirty="0">
-                <a:solidFill>
-                  <a:srgbClr val="8000FF"/>
-                </a:solidFill>
-                <a:latin typeface="Courier New" panose="02070309020205020404" pitchFamily="49" charset="0"/>
-              </a:rPr>
-              <a:t>"</a:t>
-            </a:r>
-            <a:r>
-              <a:rPr lang="en-US" b="1" dirty="0" err="1">
-                <a:solidFill>
-                  <a:srgbClr val="8000FF"/>
-                </a:solidFill>
-                <a:latin typeface="Courier New" panose="02070309020205020404" pitchFamily="49" charset="0"/>
-              </a:rPr>
-              <a:t>version_uid</a:t>
-            </a:r>
-            <a:r>
-              <a:rPr lang="en-US" b="1" dirty="0">
-                <a:solidFill>
-                  <a:srgbClr val="8000FF"/>
-                </a:solidFill>
-                <a:latin typeface="Courier New" panose="02070309020205020404" pitchFamily="49" charset="0"/>
-              </a:rPr>
-              <a:t>"</a:t>
-            </a:r>
-            <a:r>
-              <a:rPr lang="en-US" dirty="0">
-                <a:solidFill>
-                  <a:srgbClr val="000000"/>
-                </a:solidFill>
-                <a:latin typeface="Courier New" panose="02070309020205020404" pitchFamily="49" charset="0"/>
-              </a:rPr>
-              <a:t> </a:t>
-            </a:r>
-            <a:r>
-              <a:rPr lang="en-US" dirty="0">
-                <a:solidFill>
-                  <a:srgbClr val="FF0000"/>
-                </a:solidFill>
-                <a:latin typeface="Courier New" panose="02070309020205020404" pitchFamily="49" charset="0"/>
-              </a:rPr>
-              <a:t>type</a:t>
-            </a:r>
-            <a:r>
-              <a:rPr lang="en-US" dirty="0">
-                <a:solidFill>
-                  <a:srgbClr val="000000"/>
-                </a:solidFill>
-                <a:latin typeface="Courier New" panose="02070309020205020404" pitchFamily="49" charset="0"/>
-              </a:rPr>
-              <a:t>=</a:t>
-            </a:r>
-            <a:r>
-              <a:rPr lang="en-US" b="1" dirty="0">
-                <a:solidFill>
-                  <a:srgbClr val="8000FF"/>
-                </a:solidFill>
-                <a:latin typeface="Courier New" panose="02070309020205020404" pitchFamily="49" charset="0"/>
-              </a:rPr>
-              <a:t>"string"</a:t>
-            </a:r>
-            <a:r>
-              <a:rPr lang="en-US" dirty="0">
-                <a:solidFill>
-                  <a:srgbClr val="000000"/>
-                </a:solidFill>
-                <a:latin typeface="Courier New" panose="02070309020205020404" pitchFamily="49" charset="0"/>
-              </a:rPr>
-              <a:t> </a:t>
-            </a:r>
-            <a:r>
-              <a:rPr lang="en-US" dirty="0">
-                <a:solidFill>
-                  <a:srgbClr val="FF0000"/>
-                </a:solidFill>
-                <a:latin typeface="Courier New" panose="02070309020205020404" pitchFamily="49" charset="0"/>
-              </a:rPr>
-              <a:t>indexed</a:t>
-            </a:r>
-            <a:r>
-              <a:rPr lang="en-US" dirty="0">
-                <a:solidFill>
-                  <a:srgbClr val="000000"/>
-                </a:solidFill>
-                <a:latin typeface="Courier New" panose="02070309020205020404" pitchFamily="49" charset="0"/>
-              </a:rPr>
-              <a:t>=</a:t>
-            </a:r>
-            <a:r>
-              <a:rPr lang="en-US" b="1" dirty="0">
-                <a:solidFill>
-                  <a:srgbClr val="8000FF"/>
-                </a:solidFill>
-                <a:latin typeface="Courier New" panose="02070309020205020404" pitchFamily="49" charset="0"/>
-              </a:rPr>
-              <a:t>"false"</a:t>
-            </a:r>
-            <a:r>
-              <a:rPr lang="en-US" dirty="0">
-                <a:solidFill>
-                  <a:srgbClr val="000000"/>
-                </a:solidFill>
-                <a:latin typeface="Courier New" panose="02070309020205020404" pitchFamily="49" charset="0"/>
-              </a:rPr>
-              <a:t> </a:t>
-            </a:r>
-            <a:r>
-              <a:rPr lang="en-US" dirty="0">
-                <a:solidFill>
-                  <a:srgbClr val="FF0000"/>
-                </a:solidFill>
-                <a:latin typeface="Courier New" panose="02070309020205020404" pitchFamily="49" charset="0"/>
-              </a:rPr>
-              <a:t>stored</a:t>
-            </a:r>
-            <a:r>
-              <a:rPr lang="en-US" dirty="0">
-                <a:solidFill>
-                  <a:srgbClr val="000000"/>
-                </a:solidFill>
-                <a:latin typeface="Courier New" panose="02070309020205020404" pitchFamily="49" charset="0"/>
-              </a:rPr>
-              <a:t>=</a:t>
-            </a:r>
-            <a:r>
-              <a:rPr lang="en-US" b="1" dirty="0">
-                <a:solidFill>
-                  <a:srgbClr val="8000FF"/>
-                </a:solidFill>
-                <a:latin typeface="Courier New" panose="02070309020205020404" pitchFamily="49" charset="0"/>
-              </a:rPr>
-              <a:t>"true"</a:t>
-            </a:r>
-            <a:r>
-              <a:rPr lang="en-US" dirty="0">
-                <a:solidFill>
-                  <a:srgbClr val="0000FF"/>
-                </a:solidFill>
-                <a:latin typeface="Courier New" panose="02070309020205020404" pitchFamily="49" charset="0"/>
-              </a:rPr>
-              <a:t>/&gt;</a:t>
-            </a:r>
-            <a:r>
-              <a:rPr lang="en-US" b="1" dirty="0">
-                <a:solidFill>
-                  <a:srgbClr val="000000"/>
-                </a:solidFill>
-                <a:latin typeface="Courier New" panose="02070309020205020404" pitchFamily="49" charset="0"/>
-              </a:rPr>
-              <a:t> </a:t>
-            </a:r>
-          </a:p>
-          <a:p>
-            <a:r>
-              <a:rPr lang="en-US" dirty="0">
-                <a:solidFill>
-                  <a:srgbClr val="0000FF"/>
-                </a:solidFill>
-                <a:latin typeface="Courier New" panose="02070309020205020404" pitchFamily="49" charset="0"/>
-              </a:rPr>
-              <a:t>&lt;field</a:t>
-            </a:r>
-            <a:r>
-              <a:rPr lang="en-US" dirty="0">
-                <a:solidFill>
-                  <a:srgbClr val="000000"/>
-                </a:solidFill>
-                <a:latin typeface="Courier New" panose="02070309020205020404" pitchFamily="49" charset="0"/>
-              </a:rPr>
-              <a:t> </a:t>
-            </a:r>
-            <a:r>
-              <a:rPr lang="en-US" dirty="0">
-                <a:solidFill>
-                  <a:srgbClr val="FF0000"/>
-                </a:solidFill>
-                <a:latin typeface="Courier New" panose="02070309020205020404" pitchFamily="49" charset="0"/>
-              </a:rPr>
-              <a:t>name</a:t>
-            </a:r>
-            <a:r>
-              <a:rPr lang="en-US" dirty="0">
-                <a:solidFill>
-                  <a:srgbClr val="000000"/>
-                </a:solidFill>
-                <a:latin typeface="Courier New" panose="02070309020205020404" pitchFamily="49" charset="0"/>
-              </a:rPr>
-              <a:t>=</a:t>
-            </a:r>
-            <a:r>
-              <a:rPr lang="en-US" b="1" dirty="0">
-                <a:solidFill>
-                  <a:srgbClr val="8000FF"/>
-                </a:solidFill>
-                <a:latin typeface="Courier New" panose="02070309020205020404" pitchFamily="49" charset="0"/>
-              </a:rPr>
-              <a:t>"value"</a:t>
-            </a:r>
-            <a:r>
-              <a:rPr lang="en-US" dirty="0">
-                <a:solidFill>
-                  <a:srgbClr val="000000"/>
-                </a:solidFill>
-                <a:latin typeface="Courier New" panose="02070309020205020404" pitchFamily="49" charset="0"/>
-              </a:rPr>
-              <a:t> </a:t>
-            </a:r>
-            <a:r>
-              <a:rPr lang="en-US" dirty="0">
-                <a:solidFill>
-                  <a:srgbClr val="FF0000"/>
-                </a:solidFill>
-                <a:latin typeface="Courier New" panose="02070309020205020404" pitchFamily="49" charset="0"/>
-              </a:rPr>
-              <a:t>type</a:t>
-            </a:r>
-            <a:r>
-              <a:rPr lang="en-US" dirty="0">
-                <a:solidFill>
-                  <a:srgbClr val="000000"/>
-                </a:solidFill>
-                <a:latin typeface="Courier New" panose="02070309020205020404" pitchFamily="49" charset="0"/>
-              </a:rPr>
-              <a:t>=</a:t>
-            </a:r>
-            <a:r>
-              <a:rPr lang="en-US" b="1" dirty="0">
-                <a:solidFill>
-                  <a:srgbClr val="8000FF"/>
-                </a:solidFill>
-                <a:latin typeface="Courier New" panose="02070309020205020404" pitchFamily="49" charset="0"/>
-              </a:rPr>
-              <a:t>"</a:t>
-            </a:r>
-            <a:r>
-              <a:rPr lang="en-US" b="1" dirty="0" err="1">
-                <a:solidFill>
-                  <a:srgbClr val="8000FF"/>
-                </a:solidFill>
-                <a:latin typeface="Courier New" panose="02070309020205020404" pitchFamily="49" charset="0"/>
-              </a:rPr>
-              <a:t>text_general</a:t>
-            </a:r>
-            <a:r>
-              <a:rPr lang="en-US" b="1" dirty="0">
-                <a:solidFill>
-                  <a:srgbClr val="8000FF"/>
-                </a:solidFill>
-                <a:latin typeface="Courier New" panose="02070309020205020404" pitchFamily="49" charset="0"/>
-              </a:rPr>
-              <a:t>"</a:t>
-            </a:r>
-            <a:r>
-              <a:rPr lang="en-US" dirty="0">
-                <a:solidFill>
-                  <a:srgbClr val="000000"/>
-                </a:solidFill>
-                <a:latin typeface="Courier New" panose="02070309020205020404" pitchFamily="49" charset="0"/>
-              </a:rPr>
-              <a:t> </a:t>
-            </a:r>
-            <a:r>
-              <a:rPr lang="en-US" dirty="0">
-                <a:solidFill>
-                  <a:srgbClr val="FF0000"/>
-                </a:solidFill>
-                <a:latin typeface="Courier New" panose="02070309020205020404" pitchFamily="49" charset="0"/>
-              </a:rPr>
-              <a:t>indexed</a:t>
-            </a:r>
-            <a:r>
-              <a:rPr lang="en-US" dirty="0">
-                <a:solidFill>
-                  <a:srgbClr val="000000"/>
-                </a:solidFill>
-                <a:latin typeface="Courier New" panose="02070309020205020404" pitchFamily="49" charset="0"/>
-              </a:rPr>
-              <a:t>=</a:t>
-            </a:r>
-            <a:r>
-              <a:rPr lang="en-US" b="1" dirty="0">
-                <a:solidFill>
-                  <a:srgbClr val="8000FF"/>
-                </a:solidFill>
-                <a:latin typeface="Courier New" panose="02070309020205020404" pitchFamily="49" charset="0"/>
-              </a:rPr>
-              <a:t>"true"</a:t>
-            </a:r>
-            <a:r>
-              <a:rPr lang="en-US" dirty="0">
-                <a:solidFill>
-                  <a:srgbClr val="000000"/>
-                </a:solidFill>
-                <a:latin typeface="Courier New" panose="02070309020205020404" pitchFamily="49" charset="0"/>
-              </a:rPr>
-              <a:t> </a:t>
-            </a:r>
-            <a:r>
-              <a:rPr lang="en-US" dirty="0">
-                <a:solidFill>
-                  <a:srgbClr val="FF0000"/>
-                </a:solidFill>
-                <a:latin typeface="Courier New" panose="02070309020205020404" pitchFamily="49" charset="0"/>
-              </a:rPr>
-              <a:t>stored</a:t>
-            </a:r>
-            <a:r>
-              <a:rPr lang="en-US" dirty="0">
-                <a:solidFill>
-                  <a:srgbClr val="000000"/>
-                </a:solidFill>
-                <a:latin typeface="Courier New" panose="02070309020205020404" pitchFamily="49" charset="0"/>
-              </a:rPr>
-              <a:t>=</a:t>
-            </a:r>
-            <a:r>
-              <a:rPr lang="en-US" b="1" dirty="0">
-                <a:solidFill>
-                  <a:srgbClr val="8000FF"/>
-                </a:solidFill>
-                <a:latin typeface="Courier New" panose="02070309020205020404" pitchFamily="49" charset="0"/>
-              </a:rPr>
-              <a:t>"true"</a:t>
-            </a:r>
-            <a:r>
-              <a:rPr lang="en-US" dirty="0">
-                <a:solidFill>
-                  <a:srgbClr val="000000"/>
-                </a:solidFill>
-                <a:latin typeface="Courier New" panose="02070309020205020404" pitchFamily="49" charset="0"/>
-              </a:rPr>
-              <a:t> </a:t>
-            </a:r>
-            <a:r>
-              <a:rPr lang="en-US" dirty="0" err="1">
-                <a:solidFill>
-                  <a:srgbClr val="FF0000"/>
-                </a:solidFill>
-                <a:latin typeface="Courier New" panose="02070309020205020404" pitchFamily="49" charset="0"/>
-              </a:rPr>
-              <a:t>multiValued</a:t>
-            </a:r>
-            <a:r>
-              <a:rPr lang="en-US" dirty="0">
-                <a:solidFill>
-                  <a:srgbClr val="000000"/>
-                </a:solidFill>
-                <a:latin typeface="Courier New" panose="02070309020205020404" pitchFamily="49" charset="0"/>
-              </a:rPr>
-              <a:t>=</a:t>
-            </a:r>
-            <a:r>
-              <a:rPr lang="en-US" b="1" dirty="0">
-                <a:solidFill>
-                  <a:srgbClr val="8000FF"/>
-                </a:solidFill>
-                <a:latin typeface="Courier New" panose="02070309020205020404" pitchFamily="49" charset="0"/>
-              </a:rPr>
-              <a:t>"true"</a:t>
-            </a:r>
-            <a:r>
-              <a:rPr lang="en-US" dirty="0">
-                <a:solidFill>
-                  <a:srgbClr val="0000FF"/>
-                </a:solidFill>
-                <a:latin typeface="Courier New" panose="02070309020205020404" pitchFamily="49" charset="0"/>
-              </a:rPr>
-              <a:t>/&gt;</a:t>
-            </a:r>
-            <a:r>
-              <a:rPr lang="en-US" b="1" dirty="0">
-                <a:solidFill>
-                  <a:srgbClr val="000000"/>
-                </a:solidFill>
-                <a:latin typeface="Courier New" panose="02070309020205020404" pitchFamily="49" charset="0"/>
-              </a:rPr>
-              <a:t> </a:t>
-            </a:r>
-          </a:p>
-          <a:p>
-            <a:r>
-              <a:rPr lang="en-US" dirty="0">
-                <a:solidFill>
-                  <a:srgbClr val="0000FF"/>
-                </a:solidFill>
-                <a:latin typeface="Courier New" panose="02070309020205020404" pitchFamily="49" charset="0"/>
-              </a:rPr>
-              <a:t>&lt;field</a:t>
-            </a:r>
-            <a:r>
-              <a:rPr lang="en-US" dirty="0">
-                <a:solidFill>
-                  <a:srgbClr val="000000"/>
-                </a:solidFill>
-                <a:latin typeface="Courier New" panose="02070309020205020404" pitchFamily="49" charset="0"/>
-              </a:rPr>
-              <a:t> </a:t>
-            </a:r>
-            <a:r>
-              <a:rPr lang="en-US" dirty="0">
-                <a:solidFill>
-                  <a:srgbClr val="FF0000"/>
-                </a:solidFill>
-                <a:latin typeface="Courier New" panose="02070309020205020404" pitchFamily="49" charset="0"/>
-              </a:rPr>
-              <a:t>name</a:t>
-            </a:r>
-            <a:r>
-              <a:rPr lang="en-US" dirty="0">
-                <a:solidFill>
-                  <a:srgbClr val="000000"/>
-                </a:solidFill>
-                <a:latin typeface="Courier New" panose="02070309020205020404" pitchFamily="49" charset="0"/>
-              </a:rPr>
-              <a:t>=</a:t>
-            </a:r>
-            <a:r>
-              <a:rPr lang="en-US" b="1" dirty="0">
-                <a:solidFill>
-                  <a:srgbClr val="8000FF"/>
-                </a:solidFill>
-                <a:latin typeface="Courier New" panose="02070309020205020404" pitchFamily="49" charset="0"/>
-              </a:rPr>
-              <a:t>"dates"</a:t>
-            </a:r>
-            <a:r>
-              <a:rPr lang="en-US" dirty="0">
-                <a:solidFill>
-                  <a:srgbClr val="000000"/>
-                </a:solidFill>
-                <a:latin typeface="Courier New" panose="02070309020205020404" pitchFamily="49" charset="0"/>
-              </a:rPr>
-              <a:t> </a:t>
-            </a:r>
-            <a:r>
-              <a:rPr lang="en-US" dirty="0">
-                <a:solidFill>
-                  <a:srgbClr val="FF0000"/>
-                </a:solidFill>
-                <a:latin typeface="Courier New" panose="02070309020205020404" pitchFamily="49" charset="0"/>
-              </a:rPr>
-              <a:t>type</a:t>
-            </a:r>
-            <a:r>
-              <a:rPr lang="en-US" dirty="0">
-                <a:solidFill>
-                  <a:srgbClr val="000000"/>
-                </a:solidFill>
-                <a:latin typeface="Courier New" panose="02070309020205020404" pitchFamily="49" charset="0"/>
-              </a:rPr>
-              <a:t>=</a:t>
-            </a:r>
-            <a:r>
-              <a:rPr lang="en-US" b="1" dirty="0">
-                <a:solidFill>
-                  <a:srgbClr val="8000FF"/>
-                </a:solidFill>
-                <a:latin typeface="Courier New" panose="02070309020205020404" pitchFamily="49" charset="0"/>
-              </a:rPr>
-              <a:t>"date"</a:t>
-            </a:r>
-            <a:r>
-              <a:rPr lang="en-US" dirty="0">
-                <a:solidFill>
-                  <a:srgbClr val="000000"/>
-                </a:solidFill>
-                <a:latin typeface="Courier New" panose="02070309020205020404" pitchFamily="49" charset="0"/>
-              </a:rPr>
-              <a:t> </a:t>
-            </a:r>
-            <a:r>
-              <a:rPr lang="en-US" dirty="0">
-                <a:solidFill>
-                  <a:srgbClr val="FF0000"/>
-                </a:solidFill>
-                <a:latin typeface="Courier New" panose="02070309020205020404" pitchFamily="49" charset="0"/>
-              </a:rPr>
-              <a:t>indexed</a:t>
-            </a:r>
-            <a:r>
-              <a:rPr lang="en-US" dirty="0">
-                <a:solidFill>
-                  <a:srgbClr val="000000"/>
-                </a:solidFill>
-                <a:latin typeface="Courier New" panose="02070309020205020404" pitchFamily="49" charset="0"/>
-              </a:rPr>
-              <a:t>=</a:t>
-            </a:r>
-            <a:r>
-              <a:rPr lang="en-US" b="1" dirty="0">
-                <a:solidFill>
-                  <a:srgbClr val="8000FF"/>
-                </a:solidFill>
-                <a:latin typeface="Courier New" panose="02070309020205020404" pitchFamily="49" charset="0"/>
-              </a:rPr>
-              <a:t>"true"</a:t>
-            </a:r>
-            <a:r>
-              <a:rPr lang="en-US" dirty="0">
-                <a:solidFill>
-                  <a:srgbClr val="000000"/>
-                </a:solidFill>
-                <a:latin typeface="Courier New" panose="02070309020205020404" pitchFamily="49" charset="0"/>
-              </a:rPr>
-              <a:t> </a:t>
-            </a:r>
-            <a:r>
-              <a:rPr lang="en-US" dirty="0">
-                <a:solidFill>
-                  <a:srgbClr val="FF0000"/>
-                </a:solidFill>
-                <a:latin typeface="Courier New" panose="02070309020205020404" pitchFamily="49" charset="0"/>
-              </a:rPr>
-              <a:t>stored</a:t>
-            </a:r>
-            <a:r>
-              <a:rPr lang="en-US" dirty="0">
-                <a:solidFill>
-                  <a:srgbClr val="000000"/>
-                </a:solidFill>
-                <a:latin typeface="Courier New" panose="02070309020205020404" pitchFamily="49" charset="0"/>
-              </a:rPr>
-              <a:t>=</a:t>
-            </a:r>
-            <a:r>
-              <a:rPr lang="en-US" b="1" dirty="0">
-                <a:solidFill>
-                  <a:srgbClr val="8000FF"/>
-                </a:solidFill>
-                <a:latin typeface="Courier New" panose="02070309020205020404" pitchFamily="49" charset="0"/>
-              </a:rPr>
-              <a:t>"true"</a:t>
-            </a:r>
-            <a:r>
-              <a:rPr lang="en-US" dirty="0">
-                <a:solidFill>
-                  <a:srgbClr val="000000"/>
-                </a:solidFill>
-                <a:latin typeface="Courier New" panose="02070309020205020404" pitchFamily="49" charset="0"/>
-              </a:rPr>
-              <a:t> </a:t>
-            </a:r>
-            <a:r>
-              <a:rPr lang="en-US" dirty="0" err="1">
-                <a:solidFill>
-                  <a:srgbClr val="FF0000"/>
-                </a:solidFill>
-                <a:latin typeface="Courier New" panose="02070309020205020404" pitchFamily="49" charset="0"/>
-              </a:rPr>
-              <a:t>multiValued</a:t>
-            </a:r>
-            <a:r>
-              <a:rPr lang="en-US" dirty="0">
-                <a:solidFill>
-                  <a:srgbClr val="000000"/>
-                </a:solidFill>
-                <a:latin typeface="Courier New" panose="02070309020205020404" pitchFamily="49" charset="0"/>
-              </a:rPr>
-              <a:t>=</a:t>
-            </a:r>
-            <a:r>
-              <a:rPr lang="en-US" b="1" dirty="0">
-                <a:solidFill>
-                  <a:srgbClr val="8000FF"/>
-                </a:solidFill>
-                <a:latin typeface="Courier New" panose="02070309020205020404" pitchFamily="49" charset="0"/>
-              </a:rPr>
-              <a:t>"true"</a:t>
-            </a:r>
-            <a:r>
-              <a:rPr lang="en-US" dirty="0">
-                <a:solidFill>
-                  <a:srgbClr val="0000FF"/>
-                </a:solidFill>
-                <a:latin typeface="Courier New" panose="02070309020205020404" pitchFamily="49" charset="0"/>
-              </a:rPr>
-              <a:t>/&gt;</a:t>
-            </a:r>
-            <a:r>
-              <a:rPr lang="en-US" b="1" dirty="0">
-                <a:solidFill>
-                  <a:srgbClr val="000000"/>
-                </a:solidFill>
-                <a:latin typeface="Courier New" panose="02070309020205020404" pitchFamily="49" charset="0"/>
-              </a:rPr>
-              <a:t> </a:t>
-            </a:r>
-          </a:p>
-          <a:p>
-            <a:r>
-              <a:rPr lang="en-US" dirty="0">
-                <a:solidFill>
-                  <a:srgbClr val="0000FF"/>
-                </a:solidFill>
-                <a:latin typeface="Courier New" panose="02070309020205020404" pitchFamily="49" charset="0"/>
-              </a:rPr>
-              <a:t>&lt;field</a:t>
-            </a:r>
-            <a:r>
-              <a:rPr lang="en-US" dirty="0">
-                <a:solidFill>
-                  <a:srgbClr val="000000"/>
-                </a:solidFill>
-                <a:latin typeface="Courier New" panose="02070309020205020404" pitchFamily="49" charset="0"/>
-              </a:rPr>
-              <a:t> </a:t>
-            </a:r>
-            <a:r>
-              <a:rPr lang="en-US" dirty="0">
-                <a:solidFill>
-                  <a:srgbClr val="FF0000"/>
-                </a:solidFill>
-                <a:latin typeface="Courier New" panose="02070309020205020404" pitchFamily="49" charset="0"/>
-              </a:rPr>
-              <a:t>name</a:t>
-            </a:r>
-            <a:r>
-              <a:rPr lang="en-US" dirty="0">
-                <a:solidFill>
-                  <a:srgbClr val="000000"/>
-                </a:solidFill>
-                <a:latin typeface="Courier New" panose="02070309020205020404" pitchFamily="49" charset="0"/>
-              </a:rPr>
-              <a:t>=</a:t>
-            </a:r>
-            <a:r>
-              <a:rPr lang="en-US" b="1" dirty="0">
-                <a:solidFill>
-                  <a:srgbClr val="8000FF"/>
-                </a:solidFill>
-                <a:latin typeface="Courier New" panose="02070309020205020404" pitchFamily="49" charset="0"/>
-              </a:rPr>
-              <a:t>"</a:t>
-            </a:r>
-            <a:r>
-              <a:rPr lang="en-US" b="1" dirty="0" err="1">
-                <a:solidFill>
-                  <a:srgbClr val="8000FF"/>
-                </a:solidFill>
-                <a:latin typeface="Courier New" panose="02070309020205020404" pitchFamily="49" charset="0"/>
-              </a:rPr>
-              <a:t>first_name</a:t>
-            </a:r>
-            <a:r>
-              <a:rPr lang="en-US" b="1" dirty="0">
-                <a:solidFill>
-                  <a:srgbClr val="8000FF"/>
-                </a:solidFill>
-                <a:latin typeface="Courier New" panose="02070309020205020404" pitchFamily="49" charset="0"/>
-              </a:rPr>
-              <a:t>"</a:t>
-            </a:r>
-            <a:r>
-              <a:rPr lang="en-US" dirty="0">
-                <a:solidFill>
-                  <a:srgbClr val="000000"/>
-                </a:solidFill>
-                <a:latin typeface="Courier New" panose="02070309020205020404" pitchFamily="49" charset="0"/>
-              </a:rPr>
-              <a:t> </a:t>
-            </a:r>
-            <a:r>
-              <a:rPr lang="en-US" dirty="0">
-                <a:solidFill>
-                  <a:srgbClr val="FF0000"/>
-                </a:solidFill>
-                <a:latin typeface="Courier New" panose="02070309020205020404" pitchFamily="49" charset="0"/>
-              </a:rPr>
-              <a:t>type</a:t>
-            </a:r>
-            <a:r>
-              <a:rPr lang="en-US" dirty="0">
-                <a:solidFill>
-                  <a:srgbClr val="000000"/>
-                </a:solidFill>
-                <a:latin typeface="Courier New" panose="02070309020205020404" pitchFamily="49" charset="0"/>
-              </a:rPr>
-              <a:t>=</a:t>
-            </a:r>
-            <a:r>
-              <a:rPr lang="en-US" b="1" dirty="0">
-                <a:solidFill>
-                  <a:srgbClr val="8000FF"/>
-                </a:solidFill>
-                <a:latin typeface="Courier New" panose="02070309020205020404" pitchFamily="49" charset="0"/>
-              </a:rPr>
-              <a:t>"string"</a:t>
-            </a:r>
-            <a:r>
-              <a:rPr lang="en-US" dirty="0">
-                <a:solidFill>
-                  <a:srgbClr val="000000"/>
-                </a:solidFill>
-                <a:latin typeface="Courier New" panose="02070309020205020404" pitchFamily="49" charset="0"/>
-              </a:rPr>
-              <a:t> </a:t>
-            </a:r>
-            <a:r>
-              <a:rPr lang="en-US" dirty="0">
-                <a:solidFill>
-                  <a:srgbClr val="FF0000"/>
-                </a:solidFill>
-                <a:latin typeface="Courier New" panose="02070309020205020404" pitchFamily="49" charset="0"/>
-              </a:rPr>
-              <a:t>indexed</a:t>
-            </a:r>
-            <a:r>
-              <a:rPr lang="en-US" dirty="0">
-                <a:solidFill>
-                  <a:srgbClr val="000000"/>
-                </a:solidFill>
-                <a:latin typeface="Courier New" panose="02070309020205020404" pitchFamily="49" charset="0"/>
-              </a:rPr>
-              <a:t>=</a:t>
-            </a:r>
-            <a:r>
-              <a:rPr lang="en-US" b="1" dirty="0">
-                <a:solidFill>
-                  <a:srgbClr val="8000FF"/>
-                </a:solidFill>
-                <a:latin typeface="Courier New" panose="02070309020205020404" pitchFamily="49" charset="0"/>
-              </a:rPr>
-              <a:t>"false"</a:t>
-            </a:r>
-            <a:r>
-              <a:rPr lang="en-US" dirty="0">
-                <a:solidFill>
-                  <a:srgbClr val="000000"/>
-                </a:solidFill>
-                <a:latin typeface="Courier New" panose="02070309020205020404" pitchFamily="49" charset="0"/>
-              </a:rPr>
-              <a:t> </a:t>
-            </a:r>
-            <a:r>
-              <a:rPr lang="en-US" dirty="0">
-                <a:solidFill>
-                  <a:srgbClr val="FF0000"/>
-                </a:solidFill>
-                <a:latin typeface="Courier New" panose="02070309020205020404" pitchFamily="49" charset="0"/>
-              </a:rPr>
-              <a:t>stored</a:t>
-            </a:r>
-            <a:r>
-              <a:rPr lang="en-US" dirty="0">
-                <a:solidFill>
-                  <a:srgbClr val="000000"/>
-                </a:solidFill>
-                <a:latin typeface="Courier New" panose="02070309020205020404" pitchFamily="49" charset="0"/>
-              </a:rPr>
-              <a:t>=</a:t>
-            </a:r>
-            <a:r>
-              <a:rPr lang="en-US" b="1" dirty="0">
-                <a:solidFill>
-                  <a:srgbClr val="8000FF"/>
-                </a:solidFill>
-                <a:latin typeface="Courier New" panose="02070309020205020404" pitchFamily="49" charset="0"/>
-              </a:rPr>
-              <a:t>"true"</a:t>
-            </a:r>
-            <a:r>
-              <a:rPr lang="en-US" dirty="0">
-                <a:solidFill>
-                  <a:srgbClr val="0000FF"/>
-                </a:solidFill>
-                <a:latin typeface="Courier New" panose="02070309020205020404" pitchFamily="49" charset="0"/>
-              </a:rPr>
-              <a:t>/&gt;</a:t>
-            </a:r>
-            <a:r>
-              <a:rPr lang="en-US" b="1" dirty="0">
-                <a:solidFill>
-                  <a:srgbClr val="000000"/>
-                </a:solidFill>
-                <a:latin typeface="Courier New" panose="02070309020205020404" pitchFamily="49" charset="0"/>
-              </a:rPr>
-              <a:t> </a:t>
-            </a:r>
-          </a:p>
-          <a:p>
-            <a:r>
-              <a:rPr lang="en-US" dirty="0">
-                <a:solidFill>
-                  <a:srgbClr val="0000FF"/>
-                </a:solidFill>
-                <a:latin typeface="Courier New" panose="02070309020205020404" pitchFamily="49" charset="0"/>
-              </a:rPr>
-              <a:t>&lt;field</a:t>
-            </a:r>
-            <a:r>
-              <a:rPr lang="en-US" dirty="0">
-                <a:solidFill>
-                  <a:srgbClr val="000000"/>
-                </a:solidFill>
-                <a:latin typeface="Courier New" panose="02070309020205020404" pitchFamily="49" charset="0"/>
-              </a:rPr>
-              <a:t> </a:t>
-            </a:r>
-            <a:r>
-              <a:rPr lang="en-US" dirty="0">
-                <a:solidFill>
-                  <a:srgbClr val="FF0000"/>
-                </a:solidFill>
-                <a:latin typeface="Courier New" panose="02070309020205020404" pitchFamily="49" charset="0"/>
-              </a:rPr>
-              <a:t>name</a:t>
-            </a:r>
-            <a:r>
-              <a:rPr lang="en-US" dirty="0">
-                <a:solidFill>
-                  <a:srgbClr val="000000"/>
-                </a:solidFill>
-                <a:latin typeface="Courier New" panose="02070309020205020404" pitchFamily="49" charset="0"/>
-              </a:rPr>
-              <a:t>=</a:t>
-            </a:r>
-            <a:r>
-              <a:rPr lang="en-US" b="1" dirty="0">
-                <a:solidFill>
-                  <a:srgbClr val="8000FF"/>
-                </a:solidFill>
-                <a:latin typeface="Courier New" panose="02070309020205020404" pitchFamily="49" charset="0"/>
-              </a:rPr>
-              <a:t>"</a:t>
-            </a:r>
-            <a:r>
-              <a:rPr lang="en-US" b="1" dirty="0" err="1">
-                <a:solidFill>
-                  <a:srgbClr val="8000FF"/>
-                </a:solidFill>
-                <a:latin typeface="Courier New" panose="02070309020205020404" pitchFamily="49" charset="0"/>
-              </a:rPr>
-              <a:t>last_name</a:t>
-            </a:r>
-            <a:r>
-              <a:rPr lang="en-US" b="1" dirty="0">
-                <a:solidFill>
-                  <a:srgbClr val="8000FF"/>
-                </a:solidFill>
-                <a:latin typeface="Courier New" panose="02070309020205020404" pitchFamily="49" charset="0"/>
-              </a:rPr>
-              <a:t>"</a:t>
-            </a:r>
-            <a:r>
-              <a:rPr lang="en-US" dirty="0">
-                <a:solidFill>
-                  <a:srgbClr val="000000"/>
-                </a:solidFill>
-                <a:latin typeface="Courier New" panose="02070309020205020404" pitchFamily="49" charset="0"/>
-              </a:rPr>
-              <a:t> </a:t>
-            </a:r>
-            <a:r>
-              <a:rPr lang="en-US" dirty="0">
-                <a:solidFill>
-                  <a:srgbClr val="FF0000"/>
-                </a:solidFill>
-                <a:latin typeface="Courier New" panose="02070309020205020404" pitchFamily="49" charset="0"/>
-              </a:rPr>
-              <a:t>type</a:t>
-            </a:r>
-            <a:r>
-              <a:rPr lang="en-US" dirty="0">
-                <a:solidFill>
-                  <a:srgbClr val="000000"/>
-                </a:solidFill>
-                <a:latin typeface="Courier New" panose="02070309020205020404" pitchFamily="49" charset="0"/>
-              </a:rPr>
-              <a:t>=</a:t>
-            </a:r>
-            <a:r>
-              <a:rPr lang="en-US" b="1" dirty="0">
-                <a:solidFill>
-                  <a:srgbClr val="8000FF"/>
-                </a:solidFill>
-                <a:latin typeface="Courier New" panose="02070309020205020404" pitchFamily="49" charset="0"/>
-              </a:rPr>
-              <a:t>"string"</a:t>
-            </a:r>
-            <a:r>
-              <a:rPr lang="en-US" dirty="0">
-                <a:solidFill>
-                  <a:srgbClr val="000000"/>
-                </a:solidFill>
-                <a:latin typeface="Courier New" panose="02070309020205020404" pitchFamily="49" charset="0"/>
-              </a:rPr>
-              <a:t> </a:t>
-            </a:r>
-            <a:r>
-              <a:rPr lang="en-US" dirty="0">
-                <a:solidFill>
-                  <a:srgbClr val="FF0000"/>
-                </a:solidFill>
-                <a:latin typeface="Courier New" panose="02070309020205020404" pitchFamily="49" charset="0"/>
-              </a:rPr>
-              <a:t>indexed</a:t>
-            </a:r>
-            <a:r>
-              <a:rPr lang="en-US" dirty="0">
-                <a:solidFill>
-                  <a:srgbClr val="000000"/>
-                </a:solidFill>
-                <a:latin typeface="Courier New" panose="02070309020205020404" pitchFamily="49" charset="0"/>
-              </a:rPr>
-              <a:t>=</a:t>
-            </a:r>
-            <a:r>
-              <a:rPr lang="en-US" b="1" dirty="0">
-                <a:solidFill>
-                  <a:srgbClr val="8000FF"/>
-                </a:solidFill>
-                <a:latin typeface="Courier New" panose="02070309020205020404" pitchFamily="49" charset="0"/>
-              </a:rPr>
-              <a:t>"false"</a:t>
-            </a:r>
-            <a:r>
-              <a:rPr lang="en-US" dirty="0">
-                <a:solidFill>
-                  <a:srgbClr val="000000"/>
-                </a:solidFill>
-                <a:latin typeface="Courier New" panose="02070309020205020404" pitchFamily="49" charset="0"/>
-              </a:rPr>
-              <a:t> </a:t>
-            </a:r>
-            <a:r>
-              <a:rPr lang="en-US" dirty="0">
-                <a:solidFill>
-                  <a:srgbClr val="FF0000"/>
-                </a:solidFill>
-                <a:latin typeface="Courier New" panose="02070309020205020404" pitchFamily="49" charset="0"/>
-              </a:rPr>
-              <a:t>stored</a:t>
-            </a:r>
-            <a:r>
-              <a:rPr lang="en-US" dirty="0">
-                <a:solidFill>
-                  <a:srgbClr val="000000"/>
-                </a:solidFill>
-                <a:latin typeface="Courier New" panose="02070309020205020404" pitchFamily="49" charset="0"/>
-              </a:rPr>
-              <a:t>=</a:t>
-            </a:r>
-            <a:r>
-              <a:rPr lang="en-US" b="1" dirty="0">
-                <a:solidFill>
-                  <a:srgbClr val="8000FF"/>
-                </a:solidFill>
-                <a:latin typeface="Courier New" panose="02070309020205020404" pitchFamily="49" charset="0"/>
-              </a:rPr>
-              <a:t>"true"</a:t>
-            </a:r>
-            <a:r>
-              <a:rPr lang="en-US" dirty="0">
-                <a:solidFill>
-                  <a:srgbClr val="0000FF"/>
-                </a:solidFill>
-                <a:latin typeface="Courier New" panose="02070309020205020404" pitchFamily="49" charset="0"/>
-              </a:rPr>
-              <a:t>/&gt;</a:t>
-            </a:r>
-            <a:r>
-              <a:rPr lang="en-US" b="1" dirty="0">
-                <a:solidFill>
-                  <a:srgbClr val="000000"/>
-                </a:solidFill>
-                <a:latin typeface="Courier New" panose="02070309020205020404" pitchFamily="49" charset="0"/>
-              </a:rPr>
-              <a:t> </a:t>
-            </a:r>
-          </a:p>
-          <a:p>
-            <a:r>
-              <a:rPr lang="en-US" dirty="0">
-                <a:solidFill>
-                  <a:srgbClr val="0000FF"/>
-                </a:solidFill>
-                <a:latin typeface="Courier New" panose="02070309020205020404" pitchFamily="49" charset="0"/>
-              </a:rPr>
-              <a:t>&lt;field</a:t>
-            </a:r>
-            <a:r>
-              <a:rPr lang="en-US" dirty="0">
-                <a:solidFill>
-                  <a:srgbClr val="000000"/>
-                </a:solidFill>
-                <a:latin typeface="Courier New" panose="02070309020205020404" pitchFamily="49" charset="0"/>
-              </a:rPr>
-              <a:t> </a:t>
-            </a:r>
-            <a:r>
-              <a:rPr lang="en-US" dirty="0">
-                <a:solidFill>
-                  <a:srgbClr val="FF0000"/>
-                </a:solidFill>
-                <a:latin typeface="Courier New" panose="02070309020205020404" pitchFamily="49" charset="0"/>
-              </a:rPr>
-              <a:t>name</a:t>
-            </a:r>
-            <a:r>
-              <a:rPr lang="en-US" dirty="0">
-                <a:solidFill>
-                  <a:srgbClr val="000000"/>
-                </a:solidFill>
-                <a:latin typeface="Courier New" panose="02070309020205020404" pitchFamily="49" charset="0"/>
-              </a:rPr>
-              <a:t>=</a:t>
-            </a:r>
-            <a:r>
-              <a:rPr lang="en-US" b="1" dirty="0">
-                <a:solidFill>
-                  <a:srgbClr val="8000FF"/>
-                </a:solidFill>
-                <a:latin typeface="Courier New" panose="02070309020205020404" pitchFamily="49" charset="0"/>
-              </a:rPr>
-              <a:t>"</a:t>
-            </a:r>
-            <a:r>
-              <a:rPr lang="en-US" b="1" dirty="0" err="1">
-                <a:solidFill>
-                  <a:srgbClr val="8000FF"/>
-                </a:solidFill>
-                <a:latin typeface="Courier New" panose="02070309020205020404" pitchFamily="49" charset="0"/>
-              </a:rPr>
-              <a:t>dob</a:t>
-            </a:r>
-            <a:r>
-              <a:rPr lang="en-US" b="1" dirty="0">
-                <a:solidFill>
-                  <a:srgbClr val="8000FF"/>
-                </a:solidFill>
-                <a:latin typeface="Courier New" panose="02070309020205020404" pitchFamily="49" charset="0"/>
-              </a:rPr>
-              <a:t>"</a:t>
-            </a:r>
-            <a:r>
-              <a:rPr lang="en-US" dirty="0">
-                <a:solidFill>
-                  <a:srgbClr val="000000"/>
-                </a:solidFill>
-                <a:latin typeface="Courier New" panose="02070309020205020404" pitchFamily="49" charset="0"/>
-              </a:rPr>
-              <a:t> </a:t>
-            </a:r>
-            <a:r>
-              <a:rPr lang="en-US" dirty="0">
-                <a:solidFill>
-                  <a:srgbClr val="FF0000"/>
-                </a:solidFill>
-                <a:latin typeface="Courier New" panose="02070309020205020404" pitchFamily="49" charset="0"/>
-              </a:rPr>
-              <a:t>type</a:t>
-            </a:r>
-            <a:r>
-              <a:rPr lang="en-US" dirty="0">
-                <a:solidFill>
-                  <a:srgbClr val="000000"/>
-                </a:solidFill>
-                <a:latin typeface="Courier New" panose="02070309020205020404" pitchFamily="49" charset="0"/>
-              </a:rPr>
-              <a:t>=</a:t>
-            </a:r>
-            <a:r>
-              <a:rPr lang="en-US" b="1" dirty="0">
-                <a:solidFill>
-                  <a:srgbClr val="8000FF"/>
-                </a:solidFill>
-                <a:latin typeface="Courier New" panose="02070309020205020404" pitchFamily="49" charset="0"/>
-              </a:rPr>
-              <a:t>"date"</a:t>
-            </a:r>
-            <a:r>
-              <a:rPr lang="en-US" dirty="0">
-                <a:solidFill>
-                  <a:srgbClr val="000000"/>
-                </a:solidFill>
-                <a:latin typeface="Courier New" panose="02070309020205020404" pitchFamily="49" charset="0"/>
-              </a:rPr>
-              <a:t> </a:t>
-            </a:r>
-            <a:r>
-              <a:rPr lang="en-US" dirty="0">
-                <a:solidFill>
-                  <a:srgbClr val="FF0000"/>
-                </a:solidFill>
-                <a:latin typeface="Courier New" panose="02070309020205020404" pitchFamily="49" charset="0"/>
-              </a:rPr>
-              <a:t>indexed</a:t>
-            </a:r>
-            <a:r>
-              <a:rPr lang="en-US" dirty="0">
-                <a:solidFill>
-                  <a:srgbClr val="000000"/>
-                </a:solidFill>
-                <a:latin typeface="Courier New" panose="02070309020205020404" pitchFamily="49" charset="0"/>
-              </a:rPr>
-              <a:t>=</a:t>
-            </a:r>
-            <a:r>
-              <a:rPr lang="en-US" b="1" dirty="0">
-                <a:solidFill>
-                  <a:srgbClr val="8000FF"/>
-                </a:solidFill>
-                <a:latin typeface="Courier New" panose="02070309020205020404" pitchFamily="49" charset="0"/>
-              </a:rPr>
-              <a:t>"false"</a:t>
-            </a:r>
-            <a:r>
-              <a:rPr lang="en-US" dirty="0">
-                <a:solidFill>
-                  <a:srgbClr val="000000"/>
-                </a:solidFill>
-                <a:latin typeface="Courier New" panose="02070309020205020404" pitchFamily="49" charset="0"/>
-              </a:rPr>
-              <a:t> </a:t>
-            </a:r>
-            <a:r>
-              <a:rPr lang="en-US" dirty="0">
-                <a:solidFill>
-                  <a:srgbClr val="FF0000"/>
-                </a:solidFill>
-                <a:latin typeface="Courier New" panose="02070309020205020404" pitchFamily="49" charset="0"/>
-              </a:rPr>
-              <a:t>stored</a:t>
-            </a:r>
-            <a:r>
-              <a:rPr lang="en-US" dirty="0">
-                <a:solidFill>
-                  <a:srgbClr val="000000"/>
-                </a:solidFill>
-                <a:latin typeface="Courier New" panose="02070309020205020404" pitchFamily="49" charset="0"/>
-              </a:rPr>
-              <a:t>=</a:t>
-            </a:r>
-            <a:r>
-              <a:rPr lang="en-US" b="1" dirty="0">
-                <a:solidFill>
-                  <a:srgbClr val="8000FF"/>
-                </a:solidFill>
-                <a:latin typeface="Courier New" panose="02070309020205020404" pitchFamily="49" charset="0"/>
-              </a:rPr>
-              <a:t>"true"</a:t>
-            </a:r>
-            <a:r>
-              <a:rPr lang="en-US" dirty="0">
-                <a:solidFill>
-                  <a:srgbClr val="0000FF"/>
-                </a:solidFill>
-                <a:latin typeface="Courier New" panose="02070309020205020404" pitchFamily="49" charset="0"/>
-              </a:rPr>
-              <a:t>/&gt;</a:t>
-            </a:r>
-            <a:r>
-              <a:rPr lang="en-US" b="1" dirty="0">
-                <a:solidFill>
-                  <a:srgbClr val="000000"/>
-                </a:solidFill>
-                <a:latin typeface="Courier New" panose="02070309020205020404" pitchFamily="49" charset="0"/>
-              </a:rPr>
-              <a:t> </a:t>
-            </a:r>
-          </a:p>
-          <a:p>
-            <a:r>
-              <a:rPr lang="en-US" dirty="0">
-                <a:solidFill>
-                  <a:srgbClr val="0000FF"/>
-                </a:solidFill>
-                <a:latin typeface="Courier New" panose="02070309020205020404" pitchFamily="49" charset="0"/>
-              </a:rPr>
-              <a:t>&lt;field</a:t>
-            </a:r>
-            <a:r>
-              <a:rPr lang="en-US" dirty="0">
-                <a:solidFill>
-                  <a:srgbClr val="000000"/>
-                </a:solidFill>
-                <a:latin typeface="Courier New" panose="02070309020205020404" pitchFamily="49" charset="0"/>
-              </a:rPr>
-              <a:t> </a:t>
-            </a:r>
-            <a:r>
-              <a:rPr lang="en-US" dirty="0">
-                <a:solidFill>
-                  <a:srgbClr val="FF0000"/>
-                </a:solidFill>
-                <a:latin typeface="Courier New" panose="02070309020205020404" pitchFamily="49" charset="0"/>
-              </a:rPr>
-              <a:t>name</a:t>
-            </a:r>
-            <a:r>
-              <a:rPr lang="en-US" dirty="0">
-                <a:solidFill>
-                  <a:srgbClr val="000000"/>
-                </a:solidFill>
-                <a:latin typeface="Courier New" panose="02070309020205020404" pitchFamily="49" charset="0"/>
-              </a:rPr>
-              <a:t>=</a:t>
-            </a:r>
-            <a:r>
-              <a:rPr lang="en-US" b="1" dirty="0">
-                <a:solidFill>
-                  <a:srgbClr val="8000FF"/>
-                </a:solidFill>
-                <a:latin typeface="Courier New" panose="02070309020205020404" pitchFamily="49" charset="0"/>
-              </a:rPr>
-              <a:t>"</a:t>
-            </a:r>
-            <a:r>
-              <a:rPr lang="en-US" b="1" dirty="0" err="1">
-                <a:solidFill>
-                  <a:srgbClr val="8000FF"/>
-                </a:solidFill>
-                <a:latin typeface="Courier New" panose="02070309020205020404" pitchFamily="49" charset="0"/>
-              </a:rPr>
-              <a:t>elemento_id</a:t>
-            </a:r>
-            <a:r>
-              <a:rPr lang="en-US" b="1" dirty="0">
-                <a:solidFill>
-                  <a:srgbClr val="8000FF"/>
-                </a:solidFill>
-                <a:latin typeface="Courier New" panose="02070309020205020404" pitchFamily="49" charset="0"/>
-              </a:rPr>
-              <a:t>"</a:t>
-            </a:r>
-            <a:r>
-              <a:rPr lang="en-US" dirty="0">
-                <a:solidFill>
-                  <a:srgbClr val="000000"/>
-                </a:solidFill>
-                <a:latin typeface="Courier New" panose="02070309020205020404" pitchFamily="49" charset="0"/>
-              </a:rPr>
-              <a:t> </a:t>
-            </a:r>
-            <a:r>
-              <a:rPr lang="en-US" dirty="0">
-                <a:solidFill>
-                  <a:srgbClr val="FF0000"/>
-                </a:solidFill>
-                <a:latin typeface="Courier New" panose="02070309020205020404" pitchFamily="49" charset="0"/>
-              </a:rPr>
-              <a:t>type</a:t>
-            </a:r>
-            <a:r>
-              <a:rPr lang="en-US" dirty="0">
-                <a:solidFill>
-                  <a:srgbClr val="000000"/>
-                </a:solidFill>
-                <a:latin typeface="Courier New" panose="02070309020205020404" pitchFamily="49" charset="0"/>
-              </a:rPr>
-              <a:t>=</a:t>
-            </a:r>
-            <a:r>
-              <a:rPr lang="en-US" b="1" dirty="0">
-                <a:solidFill>
-                  <a:srgbClr val="8000FF"/>
-                </a:solidFill>
-                <a:latin typeface="Courier New" panose="02070309020205020404" pitchFamily="49" charset="0"/>
-              </a:rPr>
-              <a:t>"</a:t>
-            </a:r>
-            <a:r>
-              <a:rPr lang="en-US" b="1" dirty="0" err="1">
-                <a:solidFill>
-                  <a:srgbClr val="8000FF"/>
-                </a:solidFill>
-                <a:latin typeface="Courier New" panose="02070309020205020404" pitchFamily="49" charset="0"/>
-              </a:rPr>
-              <a:t>int</a:t>
-            </a:r>
-            <a:r>
-              <a:rPr lang="en-US" b="1" dirty="0">
-                <a:solidFill>
-                  <a:srgbClr val="8000FF"/>
-                </a:solidFill>
-                <a:latin typeface="Courier New" panose="02070309020205020404" pitchFamily="49" charset="0"/>
-              </a:rPr>
-              <a:t>"</a:t>
-            </a:r>
-            <a:r>
-              <a:rPr lang="en-US" dirty="0">
-                <a:solidFill>
-                  <a:srgbClr val="000000"/>
-                </a:solidFill>
-                <a:latin typeface="Courier New" panose="02070309020205020404" pitchFamily="49" charset="0"/>
-              </a:rPr>
-              <a:t> </a:t>
-            </a:r>
-            <a:r>
-              <a:rPr lang="en-US" dirty="0">
-                <a:solidFill>
-                  <a:srgbClr val="FF0000"/>
-                </a:solidFill>
-                <a:latin typeface="Courier New" panose="02070309020205020404" pitchFamily="49" charset="0"/>
-              </a:rPr>
-              <a:t>indexed</a:t>
-            </a:r>
-            <a:r>
-              <a:rPr lang="en-US" dirty="0">
-                <a:solidFill>
-                  <a:srgbClr val="000000"/>
-                </a:solidFill>
-                <a:latin typeface="Courier New" panose="02070309020205020404" pitchFamily="49" charset="0"/>
-              </a:rPr>
-              <a:t>=</a:t>
-            </a:r>
-            <a:r>
-              <a:rPr lang="en-US" b="1" dirty="0">
-                <a:solidFill>
-                  <a:srgbClr val="8000FF"/>
-                </a:solidFill>
-                <a:latin typeface="Courier New" panose="02070309020205020404" pitchFamily="49" charset="0"/>
-              </a:rPr>
-              <a:t>"false"</a:t>
-            </a:r>
-            <a:r>
-              <a:rPr lang="en-US" dirty="0">
-                <a:solidFill>
-                  <a:srgbClr val="000000"/>
-                </a:solidFill>
-                <a:latin typeface="Courier New" panose="02070309020205020404" pitchFamily="49" charset="0"/>
-              </a:rPr>
-              <a:t> </a:t>
-            </a:r>
-            <a:r>
-              <a:rPr lang="en-US" dirty="0">
-                <a:solidFill>
-                  <a:srgbClr val="FF0000"/>
-                </a:solidFill>
-                <a:latin typeface="Courier New" panose="02070309020205020404" pitchFamily="49" charset="0"/>
-              </a:rPr>
-              <a:t>stored</a:t>
-            </a:r>
-            <a:r>
-              <a:rPr lang="en-US" dirty="0">
-                <a:solidFill>
-                  <a:srgbClr val="000000"/>
-                </a:solidFill>
-                <a:latin typeface="Courier New" panose="02070309020205020404" pitchFamily="49" charset="0"/>
-              </a:rPr>
-              <a:t>=</a:t>
-            </a:r>
-            <a:r>
-              <a:rPr lang="en-US" b="1" dirty="0">
-                <a:solidFill>
-                  <a:srgbClr val="8000FF"/>
-                </a:solidFill>
-                <a:latin typeface="Courier New" panose="02070309020205020404" pitchFamily="49" charset="0"/>
-              </a:rPr>
-              <a:t>"true"</a:t>
-            </a:r>
-            <a:r>
-              <a:rPr lang="en-US" dirty="0">
-                <a:solidFill>
-                  <a:srgbClr val="000000"/>
-                </a:solidFill>
-                <a:latin typeface="Courier New" panose="02070309020205020404" pitchFamily="49" charset="0"/>
-              </a:rPr>
-              <a:t> </a:t>
-            </a:r>
-            <a:r>
-              <a:rPr lang="en-US" dirty="0">
-                <a:solidFill>
-                  <a:srgbClr val="0000FF"/>
-                </a:solidFill>
-                <a:latin typeface="Courier New" panose="02070309020205020404" pitchFamily="49" charset="0"/>
-              </a:rPr>
-              <a:t>/&gt;</a:t>
-            </a:r>
-            <a:r>
-              <a:rPr lang="en-US" b="1" dirty="0">
-                <a:solidFill>
-                  <a:srgbClr val="000000"/>
-                </a:solidFill>
-                <a:latin typeface="Courier New" panose="02070309020205020404" pitchFamily="49" charset="0"/>
-              </a:rPr>
-              <a:t> </a:t>
-            </a:r>
-          </a:p>
-          <a:p>
-            <a:r>
-              <a:rPr lang="en-US" dirty="0">
-                <a:solidFill>
-                  <a:srgbClr val="0000FF"/>
-                </a:solidFill>
-                <a:latin typeface="Courier New" panose="02070309020205020404" pitchFamily="49" charset="0"/>
-              </a:rPr>
-              <a:t>&lt;field</a:t>
-            </a:r>
-            <a:r>
-              <a:rPr lang="en-US" dirty="0">
-                <a:solidFill>
-                  <a:srgbClr val="000000"/>
-                </a:solidFill>
-                <a:latin typeface="Courier New" panose="02070309020205020404" pitchFamily="49" charset="0"/>
-              </a:rPr>
-              <a:t> </a:t>
-            </a:r>
-            <a:r>
-              <a:rPr lang="en-US" dirty="0">
-                <a:solidFill>
-                  <a:srgbClr val="FF0000"/>
-                </a:solidFill>
-                <a:latin typeface="Courier New" panose="02070309020205020404" pitchFamily="49" charset="0"/>
-              </a:rPr>
-              <a:t>name</a:t>
-            </a:r>
-            <a:r>
-              <a:rPr lang="en-US" dirty="0">
-                <a:solidFill>
-                  <a:srgbClr val="000000"/>
-                </a:solidFill>
-                <a:latin typeface="Courier New" panose="02070309020205020404" pitchFamily="49" charset="0"/>
-              </a:rPr>
-              <a:t>=</a:t>
-            </a:r>
-            <a:r>
-              <a:rPr lang="en-US" b="1" dirty="0">
-                <a:solidFill>
-                  <a:srgbClr val="8000FF"/>
-                </a:solidFill>
-                <a:latin typeface="Courier New" panose="02070309020205020404" pitchFamily="49" charset="0"/>
-              </a:rPr>
-              <a:t>"</a:t>
-            </a:r>
-            <a:r>
-              <a:rPr lang="en-US" b="1" dirty="0" err="1">
-                <a:solidFill>
-                  <a:srgbClr val="8000FF"/>
-                </a:solidFill>
-                <a:latin typeface="Courier New" panose="02070309020205020404" pitchFamily="49" charset="0"/>
-              </a:rPr>
-              <a:t>documento_id</a:t>
-            </a:r>
-            <a:r>
-              <a:rPr lang="en-US" b="1" dirty="0">
-                <a:solidFill>
-                  <a:srgbClr val="8000FF"/>
-                </a:solidFill>
-                <a:latin typeface="Courier New" panose="02070309020205020404" pitchFamily="49" charset="0"/>
-              </a:rPr>
-              <a:t>"</a:t>
-            </a:r>
-            <a:r>
-              <a:rPr lang="en-US" dirty="0">
-                <a:solidFill>
-                  <a:srgbClr val="000000"/>
-                </a:solidFill>
-                <a:latin typeface="Courier New" panose="02070309020205020404" pitchFamily="49" charset="0"/>
-              </a:rPr>
-              <a:t> </a:t>
-            </a:r>
-            <a:r>
-              <a:rPr lang="en-US" dirty="0">
-                <a:solidFill>
-                  <a:srgbClr val="FF0000"/>
-                </a:solidFill>
-                <a:latin typeface="Courier New" panose="02070309020205020404" pitchFamily="49" charset="0"/>
-              </a:rPr>
-              <a:t>type</a:t>
-            </a:r>
-            <a:r>
-              <a:rPr lang="en-US" dirty="0">
-                <a:solidFill>
-                  <a:srgbClr val="000000"/>
-                </a:solidFill>
-                <a:latin typeface="Courier New" panose="02070309020205020404" pitchFamily="49" charset="0"/>
-              </a:rPr>
-              <a:t>=</a:t>
-            </a:r>
-            <a:r>
-              <a:rPr lang="en-US" b="1" dirty="0">
-                <a:solidFill>
-                  <a:srgbClr val="8000FF"/>
-                </a:solidFill>
-                <a:latin typeface="Courier New" panose="02070309020205020404" pitchFamily="49" charset="0"/>
-              </a:rPr>
-              <a:t>"</a:t>
-            </a:r>
-            <a:r>
-              <a:rPr lang="en-US" b="1" dirty="0" err="1">
-                <a:solidFill>
-                  <a:srgbClr val="8000FF"/>
-                </a:solidFill>
-                <a:latin typeface="Courier New" panose="02070309020205020404" pitchFamily="49" charset="0"/>
-              </a:rPr>
-              <a:t>int</a:t>
-            </a:r>
-            <a:r>
-              <a:rPr lang="en-US" b="1" dirty="0">
-                <a:solidFill>
-                  <a:srgbClr val="8000FF"/>
-                </a:solidFill>
-                <a:latin typeface="Courier New" panose="02070309020205020404" pitchFamily="49" charset="0"/>
-              </a:rPr>
-              <a:t>"</a:t>
-            </a:r>
-            <a:r>
-              <a:rPr lang="en-US" dirty="0">
-                <a:solidFill>
-                  <a:srgbClr val="000000"/>
-                </a:solidFill>
-                <a:latin typeface="Courier New" panose="02070309020205020404" pitchFamily="49" charset="0"/>
-              </a:rPr>
-              <a:t> </a:t>
-            </a:r>
-            <a:r>
-              <a:rPr lang="en-US" dirty="0">
-                <a:solidFill>
-                  <a:srgbClr val="FF0000"/>
-                </a:solidFill>
-                <a:latin typeface="Courier New" panose="02070309020205020404" pitchFamily="49" charset="0"/>
-              </a:rPr>
-              <a:t>indexed</a:t>
-            </a:r>
-            <a:r>
-              <a:rPr lang="en-US" dirty="0">
-                <a:solidFill>
-                  <a:srgbClr val="000000"/>
-                </a:solidFill>
-                <a:latin typeface="Courier New" panose="02070309020205020404" pitchFamily="49" charset="0"/>
-              </a:rPr>
-              <a:t>=</a:t>
-            </a:r>
-            <a:r>
-              <a:rPr lang="en-US" b="1" dirty="0">
-                <a:solidFill>
-                  <a:srgbClr val="8000FF"/>
-                </a:solidFill>
-                <a:latin typeface="Courier New" panose="02070309020205020404" pitchFamily="49" charset="0"/>
-              </a:rPr>
-              <a:t>"false"</a:t>
-            </a:r>
-            <a:r>
-              <a:rPr lang="en-US" dirty="0">
-                <a:solidFill>
-                  <a:srgbClr val="000000"/>
-                </a:solidFill>
-                <a:latin typeface="Courier New" panose="02070309020205020404" pitchFamily="49" charset="0"/>
-              </a:rPr>
-              <a:t> </a:t>
-            </a:r>
-            <a:r>
-              <a:rPr lang="en-US" dirty="0">
-                <a:solidFill>
-                  <a:srgbClr val="FF0000"/>
-                </a:solidFill>
-                <a:latin typeface="Courier New" panose="02070309020205020404" pitchFamily="49" charset="0"/>
-              </a:rPr>
-              <a:t>stored</a:t>
-            </a:r>
-            <a:r>
-              <a:rPr lang="en-US" dirty="0">
-                <a:solidFill>
-                  <a:srgbClr val="000000"/>
-                </a:solidFill>
-                <a:latin typeface="Courier New" panose="02070309020205020404" pitchFamily="49" charset="0"/>
-              </a:rPr>
-              <a:t>=</a:t>
-            </a:r>
-            <a:r>
-              <a:rPr lang="en-US" b="1" dirty="0">
-                <a:solidFill>
-                  <a:srgbClr val="8000FF"/>
-                </a:solidFill>
-                <a:latin typeface="Courier New" panose="02070309020205020404" pitchFamily="49" charset="0"/>
-              </a:rPr>
-              <a:t>"true"</a:t>
-            </a:r>
-            <a:r>
-              <a:rPr lang="en-US" dirty="0">
-                <a:solidFill>
-                  <a:srgbClr val="000000"/>
-                </a:solidFill>
-                <a:latin typeface="Courier New" panose="02070309020205020404" pitchFamily="49" charset="0"/>
-              </a:rPr>
-              <a:t> </a:t>
-            </a:r>
-            <a:r>
-              <a:rPr lang="en-US" dirty="0">
-                <a:solidFill>
-                  <a:srgbClr val="0000FF"/>
-                </a:solidFill>
-                <a:latin typeface="Courier New" panose="02070309020205020404" pitchFamily="49" charset="0"/>
-              </a:rPr>
-              <a:t>/&gt;</a:t>
-            </a:r>
-            <a:r>
-              <a:rPr lang="en-US" b="1" dirty="0">
-                <a:solidFill>
-                  <a:srgbClr val="000000"/>
-                </a:solidFill>
-                <a:latin typeface="Courier New" panose="02070309020205020404" pitchFamily="49" charset="0"/>
-              </a:rPr>
-              <a:t> </a:t>
-            </a:r>
-          </a:p>
-          <a:p>
-            <a:r>
-              <a:rPr lang="en-US" dirty="0">
-                <a:solidFill>
-                  <a:srgbClr val="0000FF"/>
-                </a:solidFill>
-                <a:latin typeface="Courier New" panose="02070309020205020404" pitchFamily="49" charset="0"/>
-              </a:rPr>
-              <a:t>&lt;field</a:t>
-            </a:r>
-            <a:r>
-              <a:rPr lang="en-US" dirty="0">
-                <a:solidFill>
-                  <a:srgbClr val="000000"/>
-                </a:solidFill>
-                <a:latin typeface="Courier New" panose="02070309020205020404" pitchFamily="49" charset="0"/>
-              </a:rPr>
-              <a:t> </a:t>
-            </a:r>
-            <a:r>
-              <a:rPr lang="en-US" dirty="0">
-                <a:solidFill>
-                  <a:srgbClr val="FF0000"/>
-                </a:solidFill>
-                <a:latin typeface="Courier New" panose="02070309020205020404" pitchFamily="49" charset="0"/>
-              </a:rPr>
-              <a:t>name</a:t>
-            </a:r>
-            <a:r>
-              <a:rPr lang="en-US" dirty="0">
-                <a:solidFill>
-                  <a:srgbClr val="000000"/>
-                </a:solidFill>
-                <a:latin typeface="Courier New" panose="02070309020205020404" pitchFamily="49" charset="0"/>
-              </a:rPr>
-              <a:t>=</a:t>
-            </a:r>
-            <a:r>
-              <a:rPr lang="en-US" b="1" dirty="0">
-                <a:solidFill>
-                  <a:srgbClr val="8000FF"/>
-                </a:solidFill>
-                <a:latin typeface="Courier New" panose="02070309020205020404" pitchFamily="49" charset="0"/>
-              </a:rPr>
-              <a:t>"content"</a:t>
-            </a:r>
-            <a:r>
-              <a:rPr lang="en-US" dirty="0">
-                <a:solidFill>
-                  <a:srgbClr val="000000"/>
-                </a:solidFill>
-                <a:latin typeface="Courier New" panose="02070309020205020404" pitchFamily="49" charset="0"/>
-              </a:rPr>
-              <a:t> </a:t>
-            </a:r>
-            <a:r>
-              <a:rPr lang="en-US" dirty="0">
-                <a:solidFill>
-                  <a:srgbClr val="FF0000"/>
-                </a:solidFill>
-                <a:latin typeface="Courier New" panose="02070309020205020404" pitchFamily="49" charset="0"/>
-              </a:rPr>
-              <a:t>type</a:t>
-            </a:r>
-            <a:r>
-              <a:rPr lang="en-US" dirty="0">
-                <a:solidFill>
-                  <a:srgbClr val="000000"/>
-                </a:solidFill>
-                <a:latin typeface="Courier New" panose="02070309020205020404" pitchFamily="49" charset="0"/>
-              </a:rPr>
-              <a:t>=</a:t>
-            </a:r>
-            <a:r>
-              <a:rPr lang="en-US" b="1" dirty="0">
-                <a:solidFill>
-                  <a:srgbClr val="8000FF"/>
-                </a:solidFill>
-                <a:latin typeface="Courier New" panose="02070309020205020404" pitchFamily="49" charset="0"/>
-              </a:rPr>
-              <a:t>"</a:t>
-            </a:r>
-            <a:r>
-              <a:rPr lang="en-US" b="1" dirty="0" err="1">
-                <a:solidFill>
-                  <a:srgbClr val="8000FF"/>
-                </a:solidFill>
-                <a:latin typeface="Courier New" panose="02070309020205020404" pitchFamily="49" charset="0"/>
-              </a:rPr>
-              <a:t>text_general</a:t>
-            </a:r>
-            <a:r>
-              <a:rPr lang="en-US" b="1" dirty="0">
-                <a:solidFill>
-                  <a:srgbClr val="8000FF"/>
-                </a:solidFill>
-                <a:latin typeface="Courier New" panose="02070309020205020404" pitchFamily="49" charset="0"/>
-              </a:rPr>
-              <a:t>"</a:t>
-            </a:r>
-            <a:r>
-              <a:rPr lang="en-US" dirty="0">
-                <a:solidFill>
-                  <a:srgbClr val="000000"/>
-                </a:solidFill>
-                <a:latin typeface="Courier New" panose="02070309020205020404" pitchFamily="49" charset="0"/>
-              </a:rPr>
-              <a:t> </a:t>
-            </a:r>
-            <a:r>
-              <a:rPr lang="en-US" dirty="0">
-                <a:solidFill>
-                  <a:srgbClr val="FF0000"/>
-                </a:solidFill>
-                <a:latin typeface="Courier New" panose="02070309020205020404" pitchFamily="49" charset="0"/>
-              </a:rPr>
-              <a:t>indexed</a:t>
-            </a:r>
-            <a:r>
-              <a:rPr lang="en-US" dirty="0">
-                <a:solidFill>
-                  <a:srgbClr val="000000"/>
-                </a:solidFill>
-                <a:latin typeface="Courier New" panose="02070309020205020404" pitchFamily="49" charset="0"/>
-              </a:rPr>
-              <a:t>=</a:t>
-            </a:r>
-            <a:r>
-              <a:rPr lang="en-US" b="1" dirty="0">
-                <a:solidFill>
-                  <a:srgbClr val="8000FF"/>
-                </a:solidFill>
-                <a:latin typeface="Courier New" panose="02070309020205020404" pitchFamily="49" charset="0"/>
-              </a:rPr>
-              <a:t>"true"</a:t>
-            </a:r>
-            <a:r>
-              <a:rPr lang="en-US" dirty="0">
-                <a:solidFill>
-                  <a:srgbClr val="000000"/>
-                </a:solidFill>
-                <a:latin typeface="Courier New" panose="02070309020205020404" pitchFamily="49" charset="0"/>
-              </a:rPr>
-              <a:t> </a:t>
-            </a:r>
-            <a:r>
-              <a:rPr lang="en-US" dirty="0">
-                <a:solidFill>
-                  <a:srgbClr val="FF0000"/>
-                </a:solidFill>
-                <a:latin typeface="Courier New" panose="02070309020205020404" pitchFamily="49" charset="0"/>
-              </a:rPr>
-              <a:t>stored</a:t>
-            </a:r>
-            <a:r>
-              <a:rPr lang="en-US" dirty="0">
-                <a:solidFill>
-                  <a:srgbClr val="000000"/>
-                </a:solidFill>
-                <a:latin typeface="Courier New" panose="02070309020205020404" pitchFamily="49" charset="0"/>
-              </a:rPr>
-              <a:t>=</a:t>
-            </a:r>
-            <a:r>
-              <a:rPr lang="en-US" b="1" dirty="0">
-                <a:solidFill>
-                  <a:srgbClr val="8000FF"/>
-                </a:solidFill>
-                <a:latin typeface="Courier New" panose="02070309020205020404" pitchFamily="49" charset="0"/>
-              </a:rPr>
-              <a:t>"true"</a:t>
-            </a:r>
-            <a:r>
-              <a:rPr lang="en-US" dirty="0">
-                <a:solidFill>
-                  <a:srgbClr val="0000FF"/>
-                </a:solidFill>
-                <a:latin typeface="Courier New" panose="02070309020205020404" pitchFamily="49" charset="0"/>
-              </a:rPr>
-              <a:t>/&gt;</a:t>
-            </a:r>
-          </a:p>
-          <a:p>
-            <a:r>
-              <a:rPr lang="en-US" dirty="0">
-                <a:solidFill>
-                  <a:srgbClr val="0000FF"/>
-                </a:solidFill>
-                <a:latin typeface="Courier New" panose="02070309020205020404" pitchFamily="49" charset="0"/>
-              </a:rPr>
-              <a:t>&lt;field</a:t>
-            </a:r>
-            <a:r>
-              <a:rPr lang="en-US" dirty="0">
-                <a:solidFill>
-                  <a:srgbClr val="000000"/>
-                </a:solidFill>
-                <a:latin typeface="Courier New" panose="02070309020205020404" pitchFamily="49" charset="0"/>
-              </a:rPr>
-              <a:t> </a:t>
-            </a:r>
-            <a:r>
-              <a:rPr lang="en-US" dirty="0">
-                <a:solidFill>
-                  <a:srgbClr val="FF0000"/>
-                </a:solidFill>
-                <a:latin typeface="Courier New" panose="02070309020205020404" pitchFamily="49" charset="0"/>
-              </a:rPr>
-              <a:t>name</a:t>
-            </a:r>
-            <a:r>
-              <a:rPr lang="en-US" dirty="0">
-                <a:solidFill>
-                  <a:srgbClr val="000000"/>
-                </a:solidFill>
-                <a:latin typeface="Courier New" panose="02070309020205020404" pitchFamily="49" charset="0"/>
-              </a:rPr>
-              <a:t>=</a:t>
-            </a:r>
-            <a:r>
-              <a:rPr lang="en-US" b="1" dirty="0">
-                <a:solidFill>
-                  <a:srgbClr val="8000FF"/>
-                </a:solidFill>
-                <a:latin typeface="Courier New" panose="02070309020205020404" pitchFamily="49" charset="0"/>
-              </a:rPr>
-              <a:t>"text"</a:t>
-            </a:r>
-            <a:r>
-              <a:rPr lang="en-US" dirty="0">
-                <a:solidFill>
-                  <a:srgbClr val="000000"/>
-                </a:solidFill>
-                <a:latin typeface="Courier New" panose="02070309020205020404" pitchFamily="49" charset="0"/>
-              </a:rPr>
-              <a:t> </a:t>
-            </a:r>
-            <a:r>
-              <a:rPr lang="en-US" dirty="0">
-                <a:solidFill>
-                  <a:srgbClr val="FF0000"/>
-                </a:solidFill>
-                <a:latin typeface="Courier New" panose="02070309020205020404" pitchFamily="49" charset="0"/>
-              </a:rPr>
-              <a:t>type</a:t>
-            </a:r>
-            <a:r>
-              <a:rPr lang="en-US" dirty="0">
-                <a:solidFill>
-                  <a:srgbClr val="000000"/>
-                </a:solidFill>
-                <a:latin typeface="Courier New" panose="02070309020205020404" pitchFamily="49" charset="0"/>
-              </a:rPr>
-              <a:t>=</a:t>
-            </a:r>
-            <a:r>
-              <a:rPr lang="en-US" b="1" dirty="0">
-                <a:solidFill>
-                  <a:srgbClr val="8000FF"/>
-                </a:solidFill>
-                <a:latin typeface="Courier New" panose="02070309020205020404" pitchFamily="49" charset="0"/>
-              </a:rPr>
-              <a:t>"</a:t>
-            </a:r>
-            <a:r>
-              <a:rPr lang="en-US" b="1" dirty="0" err="1">
-                <a:solidFill>
-                  <a:srgbClr val="8000FF"/>
-                </a:solidFill>
-                <a:latin typeface="Courier New" panose="02070309020205020404" pitchFamily="49" charset="0"/>
-              </a:rPr>
-              <a:t>text_general</a:t>
-            </a:r>
-            <a:r>
-              <a:rPr lang="en-US" b="1" dirty="0">
-                <a:solidFill>
-                  <a:srgbClr val="8000FF"/>
-                </a:solidFill>
-                <a:latin typeface="Courier New" panose="02070309020205020404" pitchFamily="49" charset="0"/>
-              </a:rPr>
-              <a:t>"</a:t>
-            </a:r>
-            <a:r>
-              <a:rPr lang="en-US" dirty="0">
-                <a:solidFill>
-                  <a:srgbClr val="000000"/>
-                </a:solidFill>
-                <a:latin typeface="Courier New" panose="02070309020205020404" pitchFamily="49" charset="0"/>
-              </a:rPr>
-              <a:t> </a:t>
-            </a:r>
-            <a:r>
-              <a:rPr lang="en-US" dirty="0">
-                <a:solidFill>
-                  <a:srgbClr val="FF0000"/>
-                </a:solidFill>
-                <a:latin typeface="Courier New" panose="02070309020205020404" pitchFamily="49" charset="0"/>
-              </a:rPr>
-              <a:t>indexed</a:t>
-            </a:r>
-            <a:r>
-              <a:rPr lang="en-US" dirty="0">
-                <a:solidFill>
-                  <a:srgbClr val="000000"/>
-                </a:solidFill>
-                <a:latin typeface="Courier New" panose="02070309020205020404" pitchFamily="49" charset="0"/>
-              </a:rPr>
-              <a:t>=</a:t>
-            </a:r>
-            <a:r>
-              <a:rPr lang="en-US" b="1" dirty="0">
-                <a:solidFill>
-                  <a:srgbClr val="8000FF"/>
-                </a:solidFill>
-                <a:latin typeface="Courier New" panose="02070309020205020404" pitchFamily="49" charset="0"/>
-              </a:rPr>
-              <a:t>"true"</a:t>
-            </a:r>
-            <a:r>
-              <a:rPr lang="en-US" dirty="0">
-                <a:solidFill>
-                  <a:srgbClr val="000000"/>
-                </a:solidFill>
-                <a:latin typeface="Courier New" panose="02070309020205020404" pitchFamily="49" charset="0"/>
-              </a:rPr>
-              <a:t> </a:t>
-            </a:r>
-            <a:r>
-              <a:rPr lang="en-US" dirty="0">
-                <a:solidFill>
-                  <a:srgbClr val="FF0000"/>
-                </a:solidFill>
-                <a:latin typeface="Courier New" panose="02070309020205020404" pitchFamily="49" charset="0"/>
-              </a:rPr>
-              <a:t>stored</a:t>
-            </a:r>
-            <a:r>
-              <a:rPr lang="en-US" dirty="0">
-                <a:solidFill>
-                  <a:srgbClr val="000000"/>
-                </a:solidFill>
-                <a:latin typeface="Courier New" panose="02070309020205020404" pitchFamily="49" charset="0"/>
-              </a:rPr>
-              <a:t>=</a:t>
-            </a:r>
-            <a:r>
-              <a:rPr lang="en-US" b="1" dirty="0">
-                <a:solidFill>
-                  <a:srgbClr val="8000FF"/>
-                </a:solidFill>
-                <a:latin typeface="Courier New" panose="02070309020205020404" pitchFamily="49" charset="0"/>
-              </a:rPr>
-              <a:t>"false"</a:t>
-            </a:r>
-            <a:r>
-              <a:rPr lang="en-US" dirty="0">
-                <a:solidFill>
-                  <a:srgbClr val="000000"/>
-                </a:solidFill>
-                <a:latin typeface="Courier New" panose="02070309020205020404" pitchFamily="49" charset="0"/>
-              </a:rPr>
-              <a:t> </a:t>
-            </a:r>
-            <a:r>
-              <a:rPr lang="en-US" dirty="0" err="1">
-                <a:solidFill>
-                  <a:srgbClr val="FF0000"/>
-                </a:solidFill>
-                <a:latin typeface="Courier New" panose="02070309020205020404" pitchFamily="49" charset="0"/>
-              </a:rPr>
-              <a:t>multiValued</a:t>
-            </a:r>
-            <a:r>
-              <a:rPr lang="en-US" dirty="0">
-                <a:solidFill>
-                  <a:srgbClr val="000000"/>
-                </a:solidFill>
-                <a:latin typeface="Courier New" panose="02070309020205020404" pitchFamily="49" charset="0"/>
-              </a:rPr>
-              <a:t>=</a:t>
-            </a:r>
-            <a:r>
-              <a:rPr lang="en-US" b="1" dirty="0">
-                <a:solidFill>
-                  <a:srgbClr val="8000FF"/>
-                </a:solidFill>
-                <a:latin typeface="Courier New" panose="02070309020205020404" pitchFamily="49" charset="0"/>
-              </a:rPr>
-              <a:t>"true"</a:t>
-            </a:r>
-            <a:r>
-              <a:rPr lang="en-US" dirty="0">
-                <a:solidFill>
-                  <a:srgbClr val="000000"/>
-                </a:solidFill>
-                <a:latin typeface="Courier New" panose="02070309020205020404" pitchFamily="49" charset="0"/>
-              </a:rPr>
-              <a:t> </a:t>
-            </a:r>
-            <a:r>
-              <a:rPr lang="en-US" dirty="0">
-                <a:solidFill>
-                  <a:srgbClr val="0000FF"/>
-                </a:solidFill>
-                <a:latin typeface="Courier New" panose="02070309020205020404" pitchFamily="49" charset="0"/>
-              </a:rPr>
-              <a:t>/&gt;</a:t>
-            </a:r>
-            <a:endParaRPr lang="en-US" dirty="0"/>
+              <a:t>Modelo Booleano</a:t>
+            </a:r>
           </a:p>
         </p:txBody>
       </p:sp>
@@ -12674,7 +10235,7 @@
             <a:pPr algn="ctr"/>
             <a:r>
               <a:rPr lang="en-GB" sz="3200" dirty="0"/>
-              <a:t>2</a:t>
+              <a:t>3</a:t>
             </a:r>
             <a:endParaRPr lang="pt-PT" sz="3200" dirty="0"/>
           </a:p>
@@ -12682,13 +10243,13 @@
       </p:sp>
       <p:sp>
         <p:nvSpPr>
-          <p:cNvPr id="7" name="Retângulo 6"/>
+          <p:cNvPr id="6" name="Retângulo 5"/>
           <p:cNvSpPr/>
           <p:nvPr/>
         </p:nvSpPr>
         <p:spPr>
           <a:xfrm>
-            <a:off x="10580914" y="606271"/>
+            <a:off x="10580914" y="604157"/>
             <a:ext cx="1611086" cy="1371600"/>
           </a:xfrm>
           <a:prstGeom prst="rect">
@@ -12731,7 +10292,7 @@
     </p:spTree>
     <p:extLst>
       <p:ext uri="{BB962C8B-B14F-4D97-AF65-F5344CB8AC3E}">
-        <p14:creationId xmlns:p14="http://schemas.microsoft.com/office/powerpoint/2010/main" val="879303406"/>
+        <p14:creationId xmlns:p14="http://schemas.microsoft.com/office/powerpoint/2010/main" val="28181812"/>
       </p:ext>
     </p:extLst>
   </p:cSld>
@@ -12760,1251 +10321,6 @@
       </p:grpSpPr>
       <p:sp>
         <p:nvSpPr>
-          <p:cNvPr id="2" name="Título 1"/>
-          <p:cNvSpPr>
-            <a:spLocks noGrp="1"/>
-          </p:cNvSpPr>
-          <p:nvPr>
-            <p:ph type="title"/>
-          </p:nvPr>
-        </p:nvSpPr>
-        <p:spPr/>
-        <p:txBody>
-          <a:bodyPr>
-            <a:normAutofit/>
-          </a:bodyPr>
-          <a:lstStyle/>
-          <a:p>
-            <a:r>
-              <a:rPr lang="pt-PT" sz="3300" dirty="0" err="1"/>
-              <a:t>Schema</a:t>
-            </a:r>
-            <a:r>
-              <a:rPr lang="pt-PT" sz="3300" dirty="0"/>
-              <a:t> – parâmetros de indexação e pesquisa</a:t>
-            </a:r>
-          </a:p>
-        </p:txBody>
-      </p:sp>
-      <p:sp>
-        <p:nvSpPr>
-          <p:cNvPr id="3" name="Marcador de Posição de Conteúdo 2"/>
-          <p:cNvSpPr>
-            <a:spLocks noGrp="1"/>
-          </p:cNvSpPr>
-          <p:nvPr>
-            <p:ph idx="1"/>
-          </p:nvPr>
-        </p:nvSpPr>
-        <p:spPr/>
-        <p:txBody>
-          <a:bodyPr>
-            <a:normAutofit fontScale="85000" lnSpcReduction="10000"/>
-          </a:bodyPr>
-          <a:lstStyle/>
-          <a:p>
-            <a:endParaRPr lang="pt-PT" dirty="0">
-              <a:solidFill>
-                <a:srgbClr val="0000FF"/>
-              </a:solidFill>
-              <a:latin typeface="Courier New" panose="02070309020205020404" pitchFamily="49" charset="0"/>
-            </a:endParaRPr>
-          </a:p>
-          <a:p>
-            <a:r>
-              <a:rPr lang="pt-PT" dirty="0">
-                <a:solidFill>
-                  <a:srgbClr val="0000FF"/>
-                </a:solidFill>
-                <a:latin typeface="Courier New" panose="02070309020205020404" pitchFamily="49" charset="0"/>
-              </a:rPr>
-              <a:t>&lt;</a:t>
-            </a:r>
-            <a:r>
-              <a:rPr lang="pt-PT" dirty="0" err="1">
-                <a:solidFill>
-                  <a:srgbClr val="0000FF"/>
-                </a:solidFill>
-                <a:latin typeface="Courier New" panose="02070309020205020404" pitchFamily="49" charset="0"/>
-              </a:rPr>
-              <a:t>tokenizer</a:t>
-            </a:r>
-            <a:r>
-              <a:rPr lang="pt-PT" dirty="0">
-                <a:solidFill>
-                  <a:srgbClr val="000000"/>
-                </a:solidFill>
-                <a:latin typeface="Courier New" panose="02070309020205020404" pitchFamily="49" charset="0"/>
-              </a:rPr>
-              <a:t> </a:t>
-            </a:r>
-            <a:r>
-              <a:rPr lang="pt-PT" dirty="0" err="1">
-                <a:solidFill>
-                  <a:srgbClr val="FF0000"/>
-                </a:solidFill>
-                <a:latin typeface="Courier New" panose="02070309020205020404" pitchFamily="49" charset="0"/>
-              </a:rPr>
-              <a:t>class</a:t>
-            </a:r>
-            <a:r>
-              <a:rPr lang="pt-PT" dirty="0">
-                <a:solidFill>
-                  <a:srgbClr val="000000"/>
-                </a:solidFill>
-                <a:latin typeface="Courier New" panose="02070309020205020404" pitchFamily="49" charset="0"/>
-              </a:rPr>
-              <a:t>=</a:t>
-            </a:r>
-            <a:r>
-              <a:rPr lang="pt-PT" dirty="0">
-                <a:solidFill>
-                  <a:srgbClr val="8000FF"/>
-                </a:solidFill>
-                <a:latin typeface="Courier New" panose="02070309020205020404" pitchFamily="49" charset="0"/>
-              </a:rPr>
-              <a:t>"</a:t>
-            </a:r>
-            <a:r>
-              <a:rPr lang="pt-PT" dirty="0" err="1">
-                <a:solidFill>
-                  <a:srgbClr val="8000FF"/>
-                </a:solidFill>
-                <a:latin typeface="Courier New" panose="02070309020205020404" pitchFamily="49" charset="0"/>
-              </a:rPr>
-              <a:t>solr.StandardTokenizerFactory</a:t>
-            </a:r>
-            <a:r>
-              <a:rPr lang="pt-PT" dirty="0">
-                <a:solidFill>
-                  <a:srgbClr val="8000FF"/>
-                </a:solidFill>
-                <a:latin typeface="Courier New" panose="02070309020205020404" pitchFamily="49" charset="0"/>
-              </a:rPr>
-              <a:t>"</a:t>
-            </a:r>
-            <a:r>
-              <a:rPr lang="pt-PT" dirty="0">
-                <a:solidFill>
-                  <a:srgbClr val="0000FF"/>
-                </a:solidFill>
-                <a:latin typeface="Courier New" panose="02070309020205020404" pitchFamily="49" charset="0"/>
-              </a:rPr>
-              <a:t>/&gt;</a:t>
-            </a:r>
-            <a:r>
-              <a:rPr lang="pt-PT" dirty="0">
-                <a:solidFill>
-                  <a:srgbClr val="000000"/>
-                </a:solidFill>
-                <a:latin typeface="Courier New" panose="02070309020205020404" pitchFamily="49" charset="0"/>
-              </a:rPr>
-              <a:t> </a:t>
-            </a:r>
-          </a:p>
-          <a:p>
-            <a:r>
-              <a:rPr lang="pt-PT" dirty="0">
-                <a:solidFill>
-                  <a:srgbClr val="0000FF"/>
-                </a:solidFill>
-                <a:latin typeface="Courier New" panose="02070309020205020404" pitchFamily="49" charset="0"/>
-              </a:rPr>
-              <a:t>&lt;</a:t>
-            </a:r>
-            <a:r>
-              <a:rPr lang="pt-PT" dirty="0" err="1">
-                <a:solidFill>
-                  <a:srgbClr val="0000FF"/>
-                </a:solidFill>
-                <a:latin typeface="Courier New" panose="02070309020205020404" pitchFamily="49" charset="0"/>
-              </a:rPr>
-              <a:t>filter</a:t>
-            </a:r>
-            <a:r>
-              <a:rPr lang="pt-PT" dirty="0">
-                <a:solidFill>
-                  <a:srgbClr val="000000"/>
-                </a:solidFill>
-                <a:latin typeface="Courier New" panose="02070309020205020404" pitchFamily="49" charset="0"/>
-              </a:rPr>
-              <a:t> </a:t>
-            </a:r>
-            <a:r>
-              <a:rPr lang="pt-PT" dirty="0" err="1">
-                <a:solidFill>
-                  <a:srgbClr val="FF0000"/>
-                </a:solidFill>
-                <a:latin typeface="Courier New" panose="02070309020205020404" pitchFamily="49" charset="0"/>
-              </a:rPr>
-              <a:t>class</a:t>
-            </a:r>
-            <a:r>
-              <a:rPr lang="pt-PT" dirty="0">
-                <a:solidFill>
-                  <a:srgbClr val="000000"/>
-                </a:solidFill>
-                <a:latin typeface="Courier New" panose="02070309020205020404" pitchFamily="49" charset="0"/>
-              </a:rPr>
-              <a:t>=</a:t>
-            </a:r>
-            <a:r>
-              <a:rPr lang="pt-PT" dirty="0">
-                <a:solidFill>
-                  <a:srgbClr val="8000FF"/>
-                </a:solidFill>
-                <a:latin typeface="Courier New" panose="02070309020205020404" pitchFamily="49" charset="0"/>
-              </a:rPr>
-              <a:t>"</a:t>
-            </a:r>
-            <a:r>
-              <a:rPr lang="pt-PT" dirty="0" err="1">
-                <a:solidFill>
-                  <a:srgbClr val="8000FF"/>
-                </a:solidFill>
-                <a:latin typeface="Courier New" panose="02070309020205020404" pitchFamily="49" charset="0"/>
-              </a:rPr>
-              <a:t>solr.StopFilterFactory</a:t>
-            </a:r>
-            <a:r>
-              <a:rPr lang="pt-PT" dirty="0">
-                <a:solidFill>
-                  <a:srgbClr val="8000FF"/>
-                </a:solidFill>
-                <a:latin typeface="Courier New" panose="02070309020205020404" pitchFamily="49" charset="0"/>
-              </a:rPr>
-              <a:t>"</a:t>
-            </a:r>
-            <a:r>
-              <a:rPr lang="pt-PT" dirty="0">
-                <a:solidFill>
-                  <a:srgbClr val="000000"/>
-                </a:solidFill>
-                <a:latin typeface="Courier New" panose="02070309020205020404" pitchFamily="49" charset="0"/>
-              </a:rPr>
-              <a:t> </a:t>
-            </a:r>
-            <a:r>
-              <a:rPr lang="pt-PT" dirty="0" err="1">
-                <a:solidFill>
-                  <a:srgbClr val="FF0000"/>
-                </a:solidFill>
-                <a:latin typeface="Courier New" panose="02070309020205020404" pitchFamily="49" charset="0"/>
-              </a:rPr>
-              <a:t>ignoreCase</a:t>
-            </a:r>
-            <a:r>
-              <a:rPr lang="pt-PT" dirty="0">
-                <a:solidFill>
-                  <a:srgbClr val="000000"/>
-                </a:solidFill>
-                <a:latin typeface="Courier New" panose="02070309020205020404" pitchFamily="49" charset="0"/>
-              </a:rPr>
-              <a:t>=</a:t>
-            </a:r>
-            <a:r>
-              <a:rPr lang="pt-PT" dirty="0">
-                <a:solidFill>
-                  <a:srgbClr val="8000FF"/>
-                </a:solidFill>
-                <a:latin typeface="Courier New" panose="02070309020205020404" pitchFamily="49" charset="0"/>
-              </a:rPr>
-              <a:t>"</a:t>
-            </a:r>
-            <a:r>
-              <a:rPr lang="pt-PT" dirty="0" err="1">
-                <a:solidFill>
-                  <a:srgbClr val="8000FF"/>
-                </a:solidFill>
-                <a:latin typeface="Courier New" panose="02070309020205020404" pitchFamily="49" charset="0"/>
-              </a:rPr>
-              <a:t>true</a:t>
-            </a:r>
-            <a:r>
-              <a:rPr lang="pt-PT" dirty="0">
-                <a:solidFill>
-                  <a:srgbClr val="8000FF"/>
-                </a:solidFill>
-                <a:latin typeface="Courier New" panose="02070309020205020404" pitchFamily="49" charset="0"/>
-              </a:rPr>
-              <a:t>"</a:t>
-            </a:r>
-            <a:r>
-              <a:rPr lang="pt-PT" dirty="0">
-                <a:solidFill>
-                  <a:srgbClr val="000000"/>
-                </a:solidFill>
-                <a:latin typeface="Courier New" panose="02070309020205020404" pitchFamily="49" charset="0"/>
-              </a:rPr>
-              <a:t> </a:t>
-            </a:r>
-            <a:r>
-              <a:rPr lang="pt-PT" dirty="0" err="1">
-                <a:solidFill>
-                  <a:srgbClr val="FF0000"/>
-                </a:solidFill>
-                <a:latin typeface="Courier New" panose="02070309020205020404" pitchFamily="49" charset="0"/>
-              </a:rPr>
-              <a:t>words</a:t>
-            </a:r>
-            <a:r>
-              <a:rPr lang="pt-PT" dirty="0">
-                <a:solidFill>
-                  <a:srgbClr val="000000"/>
-                </a:solidFill>
-                <a:latin typeface="Courier New" panose="02070309020205020404" pitchFamily="49" charset="0"/>
-              </a:rPr>
-              <a:t>=</a:t>
-            </a:r>
-            <a:r>
-              <a:rPr lang="pt-PT" dirty="0">
-                <a:solidFill>
-                  <a:srgbClr val="8000FF"/>
-                </a:solidFill>
-                <a:latin typeface="Courier New" panose="02070309020205020404" pitchFamily="49" charset="0"/>
-              </a:rPr>
-              <a:t>"stopwords.txt"</a:t>
-            </a:r>
-            <a:r>
-              <a:rPr lang="pt-PT" dirty="0">
-                <a:solidFill>
-                  <a:srgbClr val="000000"/>
-                </a:solidFill>
-                <a:latin typeface="Courier New" panose="02070309020205020404" pitchFamily="49" charset="0"/>
-              </a:rPr>
-              <a:t> </a:t>
-            </a:r>
-            <a:r>
-              <a:rPr lang="pt-PT" dirty="0">
-                <a:solidFill>
-                  <a:srgbClr val="0000FF"/>
-                </a:solidFill>
-                <a:latin typeface="Courier New" panose="02070309020205020404" pitchFamily="49" charset="0"/>
-              </a:rPr>
-              <a:t>/&gt;</a:t>
-            </a:r>
-            <a:r>
-              <a:rPr lang="pt-PT" dirty="0">
-                <a:solidFill>
-                  <a:srgbClr val="000000"/>
-                </a:solidFill>
-                <a:latin typeface="Courier New" panose="02070309020205020404" pitchFamily="49" charset="0"/>
-              </a:rPr>
-              <a:t> </a:t>
-            </a:r>
-          </a:p>
-          <a:p>
-            <a:r>
-              <a:rPr lang="pt-PT" dirty="0">
-                <a:solidFill>
-                  <a:srgbClr val="0000FF"/>
-                </a:solidFill>
-                <a:latin typeface="Courier New" panose="02070309020205020404" pitchFamily="49" charset="0"/>
-              </a:rPr>
-              <a:t>&lt;</a:t>
-            </a:r>
-            <a:r>
-              <a:rPr lang="pt-PT" dirty="0" err="1">
-                <a:solidFill>
-                  <a:srgbClr val="0000FF"/>
-                </a:solidFill>
-                <a:latin typeface="Courier New" panose="02070309020205020404" pitchFamily="49" charset="0"/>
-              </a:rPr>
-              <a:t>filter</a:t>
-            </a:r>
-            <a:r>
-              <a:rPr lang="pt-PT" dirty="0">
-                <a:solidFill>
-                  <a:srgbClr val="000000"/>
-                </a:solidFill>
-                <a:latin typeface="Courier New" panose="02070309020205020404" pitchFamily="49" charset="0"/>
-              </a:rPr>
-              <a:t> </a:t>
-            </a:r>
-            <a:r>
-              <a:rPr lang="pt-PT" dirty="0" err="1">
-                <a:solidFill>
-                  <a:srgbClr val="FF0000"/>
-                </a:solidFill>
-                <a:latin typeface="Courier New" panose="02070309020205020404" pitchFamily="49" charset="0"/>
-              </a:rPr>
-              <a:t>class</a:t>
-            </a:r>
-            <a:r>
-              <a:rPr lang="pt-PT" dirty="0">
-                <a:solidFill>
-                  <a:srgbClr val="000000"/>
-                </a:solidFill>
-                <a:latin typeface="Courier New" panose="02070309020205020404" pitchFamily="49" charset="0"/>
-              </a:rPr>
-              <a:t>=</a:t>
-            </a:r>
-            <a:r>
-              <a:rPr lang="pt-PT" dirty="0">
-                <a:solidFill>
-                  <a:srgbClr val="8000FF"/>
-                </a:solidFill>
-                <a:latin typeface="Courier New" panose="02070309020205020404" pitchFamily="49" charset="0"/>
-              </a:rPr>
-              <a:t>"</a:t>
-            </a:r>
-            <a:r>
-              <a:rPr lang="pt-PT" dirty="0" err="1">
-                <a:solidFill>
-                  <a:srgbClr val="8000FF"/>
-                </a:solidFill>
-                <a:latin typeface="Courier New" panose="02070309020205020404" pitchFamily="49" charset="0"/>
-              </a:rPr>
-              <a:t>solr.SynonymFilterFactory</a:t>
-            </a:r>
-            <a:r>
-              <a:rPr lang="pt-PT" dirty="0">
-                <a:solidFill>
-                  <a:srgbClr val="8000FF"/>
-                </a:solidFill>
-                <a:latin typeface="Courier New" panose="02070309020205020404" pitchFamily="49" charset="0"/>
-              </a:rPr>
-              <a:t>"</a:t>
-            </a:r>
-            <a:r>
-              <a:rPr lang="pt-PT" dirty="0">
-                <a:solidFill>
-                  <a:srgbClr val="000000"/>
-                </a:solidFill>
-                <a:latin typeface="Courier New" panose="02070309020205020404" pitchFamily="49" charset="0"/>
-              </a:rPr>
-              <a:t> </a:t>
-            </a:r>
-            <a:r>
-              <a:rPr lang="pt-PT" dirty="0" err="1">
-                <a:solidFill>
-                  <a:srgbClr val="FF0000"/>
-                </a:solidFill>
-                <a:latin typeface="Courier New" panose="02070309020205020404" pitchFamily="49" charset="0"/>
-              </a:rPr>
-              <a:t>synonyms</a:t>
-            </a:r>
-            <a:r>
-              <a:rPr lang="pt-PT" dirty="0">
-                <a:solidFill>
-                  <a:srgbClr val="000000"/>
-                </a:solidFill>
-                <a:latin typeface="Courier New" panose="02070309020205020404" pitchFamily="49" charset="0"/>
-              </a:rPr>
-              <a:t>=</a:t>
-            </a:r>
-            <a:r>
-              <a:rPr lang="pt-PT" dirty="0">
-                <a:solidFill>
-                  <a:srgbClr val="8000FF"/>
-                </a:solidFill>
-                <a:latin typeface="Courier New" panose="02070309020205020404" pitchFamily="49" charset="0"/>
-              </a:rPr>
-              <a:t>"synonyms.txt"</a:t>
-            </a:r>
-            <a:r>
-              <a:rPr lang="pt-PT" dirty="0">
-                <a:solidFill>
-                  <a:srgbClr val="000000"/>
-                </a:solidFill>
-                <a:latin typeface="Courier New" panose="02070309020205020404" pitchFamily="49" charset="0"/>
-              </a:rPr>
-              <a:t> </a:t>
-            </a:r>
-            <a:r>
-              <a:rPr lang="pt-PT" dirty="0" err="1">
-                <a:solidFill>
-                  <a:srgbClr val="FF0000"/>
-                </a:solidFill>
-                <a:latin typeface="Courier New" panose="02070309020205020404" pitchFamily="49" charset="0"/>
-              </a:rPr>
-              <a:t>ignoreCase</a:t>
-            </a:r>
-            <a:r>
-              <a:rPr lang="pt-PT" dirty="0">
-                <a:solidFill>
-                  <a:srgbClr val="000000"/>
-                </a:solidFill>
-                <a:latin typeface="Courier New" panose="02070309020205020404" pitchFamily="49" charset="0"/>
-              </a:rPr>
-              <a:t>=</a:t>
-            </a:r>
-            <a:r>
-              <a:rPr lang="pt-PT" dirty="0">
-                <a:solidFill>
-                  <a:srgbClr val="8000FF"/>
-                </a:solidFill>
-                <a:latin typeface="Courier New" panose="02070309020205020404" pitchFamily="49" charset="0"/>
-              </a:rPr>
-              <a:t>"</a:t>
-            </a:r>
-            <a:r>
-              <a:rPr lang="pt-PT" dirty="0" err="1">
-                <a:solidFill>
-                  <a:srgbClr val="8000FF"/>
-                </a:solidFill>
-                <a:latin typeface="Courier New" panose="02070309020205020404" pitchFamily="49" charset="0"/>
-              </a:rPr>
-              <a:t>true</a:t>
-            </a:r>
-            <a:r>
-              <a:rPr lang="pt-PT" dirty="0">
-                <a:solidFill>
-                  <a:srgbClr val="8000FF"/>
-                </a:solidFill>
-                <a:latin typeface="Courier New" panose="02070309020205020404" pitchFamily="49" charset="0"/>
-              </a:rPr>
-              <a:t>"</a:t>
-            </a:r>
-            <a:r>
-              <a:rPr lang="pt-PT" dirty="0">
-                <a:solidFill>
-                  <a:srgbClr val="000000"/>
-                </a:solidFill>
-                <a:latin typeface="Courier New" panose="02070309020205020404" pitchFamily="49" charset="0"/>
-              </a:rPr>
-              <a:t> </a:t>
-            </a:r>
-            <a:r>
-              <a:rPr lang="pt-PT" dirty="0" err="1">
-                <a:solidFill>
-                  <a:srgbClr val="FF0000"/>
-                </a:solidFill>
-                <a:latin typeface="Courier New" panose="02070309020205020404" pitchFamily="49" charset="0"/>
-              </a:rPr>
-              <a:t>expand</a:t>
-            </a:r>
-            <a:r>
-              <a:rPr lang="pt-PT" dirty="0">
-                <a:solidFill>
-                  <a:srgbClr val="000000"/>
-                </a:solidFill>
-                <a:latin typeface="Courier New" panose="02070309020205020404" pitchFamily="49" charset="0"/>
-              </a:rPr>
-              <a:t>=</a:t>
-            </a:r>
-            <a:r>
-              <a:rPr lang="pt-PT" dirty="0">
-                <a:solidFill>
-                  <a:srgbClr val="8000FF"/>
-                </a:solidFill>
-                <a:latin typeface="Courier New" panose="02070309020205020404" pitchFamily="49" charset="0"/>
-              </a:rPr>
-              <a:t>"</a:t>
-            </a:r>
-            <a:r>
-              <a:rPr lang="pt-PT" dirty="0" err="1">
-                <a:solidFill>
-                  <a:srgbClr val="8000FF"/>
-                </a:solidFill>
-                <a:latin typeface="Courier New" panose="02070309020205020404" pitchFamily="49" charset="0"/>
-              </a:rPr>
-              <a:t>true</a:t>
-            </a:r>
-            <a:r>
-              <a:rPr lang="pt-PT" dirty="0">
-                <a:solidFill>
-                  <a:srgbClr val="8000FF"/>
-                </a:solidFill>
-                <a:latin typeface="Courier New" panose="02070309020205020404" pitchFamily="49" charset="0"/>
-              </a:rPr>
-              <a:t>"</a:t>
-            </a:r>
-            <a:r>
-              <a:rPr lang="pt-PT" dirty="0">
-                <a:solidFill>
-                  <a:srgbClr val="0000FF"/>
-                </a:solidFill>
-                <a:latin typeface="Courier New" panose="02070309020205020404" pitchFamily="49" charset="0"/>
-              </a:rPr>
-              <a:t>/&gt;</a:t>
-            </a:r>
-            <a:r>
-              <a:rPr lang="pt-PT" dirty="0">
-                <a:solidFill>
-                  <a:srgbClr val="000000"/>
-                </a:solidFill>
-                <a:latin typeface="Courier New" panose="02070309020205020404" pitchFamily="49" charset="0"/>
-              </a:rPr>
-              <a:t> </a:t>
-            </a:r>
-          </a:p>
-          <a:p>
-            <a:r>
-              <a:rPr lang="pt-PT" dirty="0">
-                <a:solidFill>
-                  <a:srgbClr val="0000FF"/>
-                </a:solidFill>
-                <a:latin typeface="Courier New" panose="02070309020205020404" pitchFamily="49" charset="0"/>
-              </a:rPr>
-              <a:t>&lt;</a:t>
-            </a:r>
-            <a:r>
-              <a:rPr lang="pt-PT" dirty="0" err="1">
-                <a:solidFill>
-                  <a:srgbClr val="0000FF"/>
-                </a:solidFill>
-                <a:latin typeface="Courier New" panose="02070309020205020404" pitchFamily="49" charset="0"/>
-              </a:rPr>
-              <a:t>filter</a:t>
-            </a:r>
-            <a:r>
-              <a:rPr lang="pt-PT" dirty="0">
-                <a:solidFill>
-                  <a:srgbClr val="000000"/>
-                </a:solidFill>
-                <a:latin typeface="Courier New" panose="02070309020205020404" pitchFamily="49" charset="0"/>
-              </a:rPr>
-              <a:t> </a:t>
-            </a:r>
-            <a:r>
-              <a:rPr lang="pt-PT" dirty="0" err="1">
-                <a:solidFill>
-                  <a:srgbClr val="FF0000"/>
-                </a:solidFill>
-                <a:latin typeface="Courier New" panose="02070309020205020404" pitchFamily="49" charset="0"/>
-              </a:rPr>
-              <a:t>class</a:t>
-            </a:r>
-            <a:r>
-              <a:rPr lang="pt-PT" dirty="0">
-                <a:solidFill>
-                  <a:srgbClr val="000000"/>
-                </a:solidFill>
-                <a:latin typeface="Courier New" panose="02070309020205020404" pitchFamily="49" charset="0"/>
-              </a:rPr>
-              <a:t>=</a:t>
-            </a:r>
-            <a:r>
-              <a:rPr lang="pt-PT" dirty="0">
-                <a:solidFill>
-                  <a:srgbClr val="8000FF"/>
-                </a:solidFill>
-                <a:latin typeface="Courier New" panose="02070309020205020404" pitchFamily="49" charset="0"/>
-              </a:rPr>
-              <a:t>"</a:t>
-            </a:r>
-            <a:r>
-              <a:rPr lang="pt-PT" dirty="0" err="1">
-                <a:solidFill>
-                  <a:srgbClr val="8000FF"/>
-                </a:solidFill>
-                <a:latin typeface="Courier New" panose="02070309020205020404" pitchFamily="49" charset="0"/>
-              </a:rPr>
-              <a:t>solr.LowerCaseFilterFactory</a:t>
-            </a:r>
-            <a:r>
-              <a:rPr lang="pt-PT" dirty="0">
-                <a:solidFill>
-                  <a:srgbClr val="8000FF"/>
-                </a:solidFill>
-                <a:latin typeface="Courier New" panose="02070309020205020404" pitchFamily="49" charset="0"/>
-              </a:rPr>
-              <a:t>"</a:t>
-            </a:r>
-            <a:r>
-              <a:rPr lang="pt-PT" dirty="0">
-                <a:solidFill>
-                  <a:srgbClr val="0000FF"/>
-                </a:solidFill>
-                <a:latin typeface="Courier New" panose="02070309020205020404" pitchFamily="49" charset="0"/>
-              </a:rPr>
-              <a:t>/&gt;</a:t>
-            </a:r>
-            <a:r>
-              <a:rPr lang="pt-PT" dirty="0">
-                <a:solidFill>
-                  <a:srgbClr val="000000"/>
-                </a:solidFill>
-                <a:latin typeface="Courier New" panose="02070309020205020404" pitchFamily="49" charset="0"/>
-              </a:rPr>
-              <a:t> </a:t>
-            </a:r>
-          </a:p>
-          <a:p>
-            <a:r>
-              <a:rPr lang="pt-PT" dirty="0">
-                <a:solidFill>
-                  <a:srgbClr val="0000FF"/>
-                </a:solidFill>
-                <a:latin typeface="Courier New" panose="02070309020205020404" pitchFamily="49" charset="0"/>
-              </a:rPr>
-              <a:t>&lt;</a:t>
-            </a:r>
-            <a:r>
-              <a:rPr lang="pt-PT" dirty="0" err="1">
-                <a:solidFill>
-                  <a:srgbClr val="0000FF"/>
-                </a:solidFill>
-                <a:latin typeface="Courier New" panose="02070309020205020404" pitchFamily="49" charset="0"/>
-              </a:rPr>
-              <a:t>filter</a:t>
-            </a:r>
-            <a:r>
-              <a:rPr lang="pt-PT" dirty="0">
-                <a:solidFill>
-                  <a:srgbClr val="000000"/>
-                </a:solidFill>
-                <a:latin typeface="Courier New" panose="02070309020205020404" pitchFamily="49" charset="0"/>
-              </a:rPr>
-              <a:t> </a:t>
-            </a:r>
-            <a:r>
-              <a:rPr lang="pt-PT" dirty="0" err="1">
-                <a:solidFill>
-                  <a:srgbClr val="FF0000"/>
-                </a:solidFill>
-                <a:latin typeface="Courier New" panose="02070309020205020404" pitchFamily="49" charset="0"/>
-              </a:rPr>
-              <a:t>class</a:t>
-            </a:r>
-            <a:r>
-              <a:rPr lang="pt-PT" dirty="0">
-                <a:solidFill>
-                  <a:srgbClr val="000000"/>
-                </a:solidFill>
-                <a:latin typeface="Courier New" panose="02070309020205020404" pitchFamily="49" charset="0"/>
-              </a:rPr>
-              <a:t>=</a:t>
-            </a:r>
-            <a:r>
-              <a:rPr lang="pt-PT" dirty="0">
-                <a:solidFill>
-                  <a:srgbClr val="8000FF"/>
-                </a:solidFill>
-                <a:latin typeface="Courier New" panose="02070309020205020404" pitchFamily="49" charset="0"/>
-              </a:rPr>
-              <a:t>"</a:t>
-            </a:r>
-            <a:r>
-              <a:rPr lang="pt-PT" dirty="0" err="1">
-                <a:solidFill>
-                  <a:srgbClr val="8000FF"/>
-                </a:solidFill>
-                <a:latin typeface="Courier New" panose="02070309020205020404" pitchFamily="49" charset="0"/>
-              </a:rPr>
-              <a:t>solr.SnowballPorterFilterFactory</a:t>
-            </a:r>
-            <a:r>
-              <a:rPr lang="pt-PT" dirty="0">
-                <a:solidFill>
-                  <a:srgbClr val="8000FF"/>
-                </a:solidFill>
-                <a:latin typeface="Courier New" panose="02070309020205020404" pitchFamily="49" charset="0"/>
-              </a:rPr>
-              <a:t>"</a:t>
-            </a:r>
-            <a:r>
-              <a:rPr lang="pt-PT" dirty="0">
-                <a:solidFill>
-                  <a:srgbClr val="000000"/>
-                </a:solidFill>
-                <a:latin typeface="Courier New" panose="02070309020205020404" pitchFamily="49" charset="0"/>
-              </a:rPr>
-              <a:t> </a:t>
-            </a:r>
-            <a:r>
-              <a:rPr lang="pt-PT" dirty="0" err="1">
-                <a:solidFill>
-                  <a:srgbClr val="FF0000"/>
-                </a:solidFill>
-                <a:latin typeface="Courier New" panose="02070309020205020404" pitchFamily="49" charset="0"/>
-              </a:rPr>
-              <a:t>language</a:t>
-            </a:r>
-            <a:r>
-              <a:rPr lang="pt-PT" dirty="0">
-                <a:solidFill>
-                  <a:srgbClr val="000000"/>
-                </a:solidFill>
-                <a:latin typeface="Courier New" panose="02070309020205020404" pitchFamily="49" charset="0"/>
-              </a:rPr>
-              <a:t>=</a:t>
-            </a:r>
-            <a:r>
-              <a:rPr lang="pt-PT" dirty="0">
-                <a:solidFill>
-                  <a:srgbClr val="8000FF"/>
-                </a:solidFill>
-                <a:latin typeface="Courier New" panose="02070309020205020404" pitchFamily="49" charset="0"/>
-              </a:rPr>
-              <a:t>"Portuguese"</a:t>
-            </a:r>
-            <a:r>
-              <a:rPr lang="pt-PT" dirty="0">
-                <a:solidFill>
-                  <a:srgbClr val="0000FF"/>
-                </a:solidFill>
-                <a:latin typeface="Courier New" panose="02070309020205020404" pitchFamily="49" charset="0"/>
-              </a:rPr>
-              <a:t>/&gt;</a:t>
-            </a:r>
-            <a:r>
-              <a:rPr lang="pt-PT" dirty="0">
-                <a:solidFill>
-                  <a:srgbClr val="000000"/>
-                </a:solidFill>
-                <a:latin typeface="Courier New" panose="02070309020205020404" pitchFamily="49" charset="0"/>
-              </a:rPr>
-              <a:t> </a:t>
-            </a:r>
-          </a:p>
-          <a:p>
-            <a:r>
-              <a:rPr lang="pt-PT" dirty="0">
-                <a:solidFill>
-                  <a:srgbClr val="0000FF"/>
-                </a:solidFill>
-                <a:latin typeface="Courier New" panose="02070309020205020404" pitchFamily="49" charset="0"/>
-              </a:rPr>
-              <a:t>&lt;</a:t>
-            </a:r>
-            <a:r>
-              <a:rPr lang="pt-PT" dirty="0" err="1">
-                <a:solidFill>
-                  <a:srgbClr val="0000FF"/>
-                </a:solidFill>
-                <a:latin typeface="Courier New" panose="02070309020205020404" pitchFamily="49" charset="0"/>
-              </a:rPr>
-              <a:t>filter</a:t>
-            </a:r>
-            <a:r>
-              <a:rPr lang="pt-PT" dirty="0">
-                <a:solidFill>
-                  <a:srgbClr val="000000"/>
-                </a:solidFill>
-                <a:latin typeface="Courier New" panose="02070309020205020404" pitchFamily="49" charset="0"/>
-              </a:rPr>
-              <a:t> </a:t>
-            </a:r>
-            <a:r>
-              <a:rPr lang="pt-PT" dirty="0" err="1">
-                <a:solidFill>
-                  <a:srgbClr val="FF0000"/>
-                </a:solidFill>
-                <a:latin typeface="Courier New" panose="02070309020205020404" pitchFamily="49" charset="0"/>
-              </a:rPr>
-              <a:t>class</a:t>
-            </a:r>
-            <a:r>
-              <a:rPr lang="pt-PT" dirty="0">
-                <a:solidFill>
-                  <a:srgbClr val="000000"/>
-                </a:solidFill>
-                <a:latin typeface="Courier New" panose="02070309020205020404" pitchFamily="49" charset="0"/>
-              </a:rPr>
-              <a:t>=</a:t>
-            </a:r>
-            <a:r>
-              <a:rPr lang="pt-PT" dirty="0">
-                <a:solidFill>
-                  <a:srgbClr val="8000FF"/>
-                </a:solidFill>
-                <a:latin typeface="Courier New" panose="02070309020205020404" pitchFamily="49" charset="0"/>
-              </a:rPr>
-              <a:t>"</a:t>
-            </a:r>
-            <a:r>
-              <a:rPr lang="pt-PT" dirty="0" err="1">
-                <a:solidFill>
-                  <a:srgbClr val="8000FF"/>
-                </a:solidFill>
-                <a:latin typeface="Courier New" panose="02070309020205020404" pitchFamily="49" charset="0"/>
-              </a:rPr>
-              <a:t>solr.RemoveDuplicatesTokenFilterFactory</a:t>
-            </a:r>
-            <a:r>
-              <a:rPr lang="pt-PT" dirty="0">
-                <a:solidFill>
-                  <a:srgbClr val="8000FF"/>
-                </a:solidFill>
-                <a:latin typeface="Courier New" panose="02070309020205020404" pitchFamily="49" charset="0"/>
-              </a:rPr>
-              <a:t>"</a:t>
-            </a:r>
-            <a:r>
-              <a:rPr lang="pt-PT" dirty="0">
-                <a:solidFill>
-                  <a:srgbClr val="000000"/>
-                </a:solidFill>
-                <a:latin typeface="Courier New" panose="02070309020205020404" pitchFamily="49" charset="0"/>
-              </a:rPr>
-              <a:t> </a:t>
-            </a:r>
-            <a:r>
-              <a:rPr lang="pt-PT" dirty="0">
-                <a:solidFill>
-                  <a:srgbClr val="0000FF"/>
-                </a:solidFill>
-                <a:latin typeface="Courier New" panose="02070309020205020404" pitchFamily="49" charset="0"/>
-              </a:rPr>
-              <a:t>/&gt;</a:t>
-            </a:r>
-            <a:endParaRPr lang="pt-PT" dirty="0">
-              <a:solidFill>
-                <a:srgbClr val="000000"/>
-              </a:solidFill>
-              <a:latin typeface="Courier New" panose="02070309020205020404" pitchFamily="49" charset="0"/>
-            </a:endParaRPr>
-          </a:p>
-          <a:p>
-            <a:endParaRPr lang="pt-PT" dirty="0"/>
-          </a:p>
-        </p:txBody>
-      </p:sp>
-      <p:sp>
-        <p:nvSpPr>
-          <p:cNvPr id="4" name="Retângulo 3"/>
-          <p:cNvSpPr/>
-          <p:nvPr/>
-        </p:nvSpPr>
-        <p:spPr>
-          <a:xfrm>
-            <a:off x="10580914" y="604157"/>
-            <a:ext cx="1611086" cy="1371600"/>
-          </a:xfrm>
-          <a:prstGeom prst="rect">
-            <a:avLst/>
-          </a:prstGeom>
-          <a:noFill/>
-          <a:ln>
-            <a:noFill/>
-          </a:ln>
-        </p:spPr>
-        <p:style>
-          <a:lnRef idx="2">
-            <a:schemeClr val="accent1">
-              <a:shade val="50000"/>
-            </a:schemeClr>
-          </a:lnRef>
-          <a:fillRef idx="1">
-            <a:schemeClr val="accent1"/>
-          </a:fillRef>
-          <a:effectRef idx="0">
-            <a:schemeClr val="accent1"/>
-          </a:effectRef>
-          <a:fontRef idx="minor">
-            <a:schemeClr val="lt1"/>
-          </a:fontRef>
-        </p:style>
-        <p:txBody>
-          <a:bodyPr rtlCol="0" anchor="ctr"/>
-          <a:lstStyle/>
-          <a:p>
-            <a:pPr algn="ctr"/>
-            <a:r>
-              <a:rPr lang="en-GB" sz="3200" dirty="0"/>
-              <a:t>2</a:t>
-            </a:r>
-            <a:endParaRPr lang="pt-PT" sz="3200" dirty="0"/>
-          </a:p>
-        </p:txBody>
-      </p:sp>
-      <p:sp>
-        <p:nvSpPr>
-          <p:cNvPr id="6" name="Retângulo 5"/>
-          <p:cNvSpPr/>
-          <p:nvPr/>
-        </p:nvSpPr>
-        <p:spPr>
-          <a:xfrm>
-            <a:off x="10580914" y="604157"/>
-            <a:ext cx="1611086" cy="1371600"/>
-          </a:xfrm>
-          <a:prstGeom prst="rect">
-            <a:avLst/>
-          </a:prstGeom>
-          <a:noFill/>
-          <a:ln w="50800">
-            <a:solidFill>
-              <a:schemeClr val="tx2">
-                <a:lumMod val="25000"/>
-              </a:schemeClr>
-            </a:solidFill>
-          </a:ln>
-        </p:spPr>
-        <p:style>
-          <a:lnRef idx="2">
-            <a:schemeClr val="accent1">
-              <a:shade val="50000"/>
-            </a:schemeClr>
-          </a:lnRef>
-          <a:fillRef idx="1">
-            <a:schemeClr val="accent1"/>
-          </a:fillRef>
-          <a:effectRef idx="0">
-            <a:schemeClr val="accent1"/>
-          </a:effectRef>
-          <a:fontRef idx="minor">
-            <a:schemeClr val="lt1"/>
-          </a:fontRef>
-        </p:style>
-        <p:txBody>
-          <a:bodyPr rtlCol="0" anchor="ctr"/>
-          <a:lstStyle/>
-          <a:p>
-            <a:pPr algn="ctr"/>
-            <a:endParaRPr lang="pt-PT"/>
-          </a:p>
-        </p:txBody>
-      </p:sp>
-    </p:spTree>
-    <p:extLst>
-      <p:ext uri="{BB962C8B-B14F-4D97-AF65-F5344CB8AC3E}">
-        <p14:creationId xmlns:p14="http://schemas.microsoft.com/office/powerpoint/2010/main" val="1015532975"/>
-      </p:ext>
-    </p:extLst>
-  </p:cSld>
-  <p:clrMapOvr>
-    <a:masterClrMapping/>
-  </p:clrMapOvr>
-</p:sld>
-</file>
-
-<file path=ppt/slides/slide17.xml><?xml version="1.0" encoding="utf-8"?>
-<p:sld xmlns:a="http://schemas.openxmlformats.org/drawingml/2006/main" xmlns:r="http://schemas.openxmlformats.org/officeDocument/2006/relationships" xmlns:p="http://schemas.openxmlformats.org/presentationml/2006/main">
-  <p:cSld>
-    <p:spTree>
-      <p:nvGrpSpPr>
-        <p:cNvPr id="1" name=""/>
-        <p:cNvGrpSpPr/>
-        <p:nvPr/>
-      </p:nvGrpSpPr>
-      <p:grpSpPr>
-        <a:xfrm>
-          <a:off x="0" y="0"/>
-          <a:ext cx="0" cy="0"/>
-          <a:chOff x="0" y="0"/>
-          <a:chExt cx="0" cy="0"/>
-        </a:xfrm>
-      </p:grpSpPr>
-      <p:sp>
-        <p:nvSpPr>
-          <p:cNvPr id="2" name="Título 1"/>
-          <p:cNvSpPr>
-            <a:spLocks noGrp="1"/>
-          </p:cNvSpPr>
-          <p:nvPr>
-            <p:ph type="title"/>
-          </p:nvPr>
-        </p:nvSpPr>
-        <p:spPr/>
-        <p:txBody>
-          <a:bodyPr/>
-          <a:lstStyle/>
-          <a:p>
-            <a:r>
-              <a:rPr lang="pt-PT" dirty="0"/>
-              <a:t>Apresentar os resultados tipo Google </a:t>
-            </a:r>
-          </a:p>
-        </p:txBody>
-      </p:sp>
-      <p:sp>
-        <p:nvSpPr>
-          <p:cNvPr id="3" name="Marcador de Posição de Conteúdo 2"/>
-          <p:cNvSpPr>
-            <a:spLocks noGrp="1"/>
-          </p:cNvSpPr>
-          <p:nvPr>
-            <p:ph idx="1"/>
-          </p:nvPr>
-        </p:nvSpPr>
-        <p:spPr/>
-        <p:txBody>
-          <a:bodyPr/>
-          <a:lstStyle/>
-          <a:p>
-            <a:endParaRPr lang="en-GB" dirty="0">
-              <a:solidFill>
-                <a:schemeClr val="bg1"/>
-              </a:solidFill>
-            </a:endParaRPr>
-          </a:p>
-          <a:p>
-            <a:endParaRPr lang="pt-PT" dirty="0">
-              <a:solidFill>
-                <a:schemeClr val="bg1"/>
-              </a:solidFill>
-            </a:endParaRPr>
-          </a:p>
-          <a:p>
-            <a:r>
-              <a:rPr lang="pt-PT" dirty="0">
-                <a:solidFill>
-                  <a:schemeClr val="bg1"/>
-                </a:solidFill>
-              </a:rPr>
-              <a:t>Por ordem de relevância</a:t>
-            </a:r>
-          </a:p>
-          <a:p>
-            <a:endParaRPr lang="pt-PT" dirty="0">
-              <a:solidFill>
-                <a:schemeClr val="bg1"/>
-              </a:solidFill>
-            </a:endParaRPr>
-          </a:p>
-          <a:p>
-            <a:pPr lvl="1"/>
-            <a:r>
-              <a:rPr lang="pt-PT" dirty="0">
-                <a:solidFill>
-                  <a:schemeClr val="bg1"/>
-                </a:solidFill>
-              </a:rPr>
-              <a:t>Modelo Vetorial</a:t>
-            </a:r>
-          </a:p>
-          <a:p>
-            <a:pPr lvl="1"/>
-            <a:endParaRPr lang="pt-PT" dirty="0">
-              <a:solidFill>
-                <a:schemeClr val="bg1"/>
-              </a:solidFill>
-            </a:endParaRPr>
-          </a:p>
-          <a:p>
-            <a:pPr lvl="1"/>
-            <a:r>
-              <a:rPr lang="pt-PT" dirty="0">
-                <a:solidFill>
-                  <a:schemeClr val="bg1"/>
-                </a:solidFill>
-              </a:rPr>
-              <a:t>Modelo Booleano</a:t>
-            </a:r>
-          </a:p>
-        </p:txBody>
-      </p:sp>
-      <p:sp>
-        <p:nvSpPr>
-          <p:cNvPr id="4" name="Retângulo 3"/>
-          <p:cNvSpPr/>
-          <p:nvPr/>
-        </p:nvSpPr>
-        <p:spPr>
-          <a:xfrm>
-            <a:off x="10580914" y="604157"/>
-            <a:ext cx="1611086" cy="1371600"/>
-          </a:xfrm>
-          <a:prstGeom prst="rect">
-            <a:avLst/>
-          </a:prstGeom>
-          <a:noFill/>
-          <a:ln>
-            <a:noFill/>
-          </a:ln>
-        </p:spPr>
-        <p:style>
-          <a:lnRef idx="2">
-            <a:schemeClr val="accent1">
-              <a:shade val="50000"/>
-            </a:schemeClr>
-          </a:lnRef>
-          <a:fillRef idx="1">
-            <a:schemeClr val="accent1"/>
-          </a:fillRef>
-          <a:effectRef idx="0">
-            <a:schemeClr val="accent1"/>
-          </a:effectRef>
-          <a:fontRef idx="minor">
-            <a:schemeClr val="lt1"/>
-          </a:fontRef>
-        </p:style>
-        <p:txBody>
-          <a:bodyPr rtlCol="0" anchor="ctr"/>
-          <a:lstStyle/>
-          <a:p>
-            <a:pPr algn="ctr"/>
-            <a:r>
-              <a:rPr lang="en-GB" sz="3200" dirty="0"/>
-              <a:t>3</a:t>
-            </a:r>
-            <a:endParaRPr lang="pt-PT" sz="3200" dirty="0"/>
-          </a:p>
-        </p:txBody>
-      </p:sp>
-      <p:sp>
-        <p:nvSpPr>
-          <p:cNvPr id="6" name="Retângulo 5"/>
-          <p:cNvSpPr/>
-          <p:nvPr/>
-        </p:nvSpPr>
-        <p:spPr>
-          <a:xfrm>
-            <a:off x="10580914" y="604157"/>
-            <a:ext cx="1611086" cy="1371600"/>
-          </a:xfrm>
-          <a:prstGeom prst="rect">
-            <a:avLst/>
-          </a:prstGeom>
-          <a:noFill/>
-          <a:ln w="50800">
-            <a:solidFill>
-              <a:schemeClr val="tx2">
-                <a:lumMod val="25000"/>
-              </a:schemeClr>
-            </a:solidFill>
-          </a:ln>
-        </p:spPr>
-        <p:style>
-          <a:lnRef idx="2">
-            <a:schemeClr val="accent1">
-              <a:shade val="50000"/>
-            </a:schemeClr>
-          </a:lnRef>
-          <a:fillRef idx="1">
-            <a:schemeClr val="accent1"/>
-          </a:fillRef>
-          <a:effectRef idx="0">
-            <a:schemeClr val="accent1"/>
-          </a:effectRef>
-          <a:fontRef idx="minor">
-            <a:schemeClr val="lt1"/>
-          </a:fontRef>
-        </p:style>
-        <p:txBody>
-          <a:bodyPr rtlCol="0" anchor="ctr"/>
-          <a:lstStyle/>
-          <a:p>
-            <a:pPr algn="ctr"/>
-            <a:endParaRPr lang="pt-PT"/>
-          </a:p>
-        </p:txBody>
-      </p:sp>
-    </p:spTree>
-    <p:extLst>
-      <p:ext uri="{BB962C8B-B14F-4D97-AF65-F5344CB8AC3E}">
-        <p14:creationId xmlns:p14="http://schemas.microsoft.com/office/powerpoint/2010/main" val="28181812"/>
-      </p:ext>
-    </p:extLst>
-  </p:cSld>
-  <p:clrMapOvr>
-    <a:masterClrMapping/>
-  </p:clrMapOvr>
-</p:sld>
-</file>
-
-<file path=ppt/slides/slide18.xml><?xml version="1.0" encoding="utf-8"?>
-<p:sld xmlns:a="http://schemas.openxmlformats.org/drawingml/2006/main" xmlns:r="http://schemas.openxmlformats.org/officeDocument/2006/relationships" xmlns:p="http://schemas.openxmlformats.org/presentationml/2006/main">
-  <p:cSld>
-    <p:spTree>
-      <p:nvGrpSpPr>
-        <p:cNvPr id="1" name=""/>
-        <p:cNvGrpSpPr/>
-        <p:nvPr/>
-      </p:nvGrpSpPr>
-      <p:grpSpPr>
-        <a:xfrm>
-          <a:off x="0" y="0"/>
-          <a:ext cx="0" cy="0"/>
-          <a:chOff x="0" y="0"/>
-          <a:chExt cx="0" cy="0"/>
-        </a:xfrm>
-      </p:grpSpPr>
-      <p:sp>
-        <p:nvSpPr>
           <p:cNvPr id="4" name="Título 3"/>
           <p:cNvSpPr>
             <a:spLocks noGrp="1"/>
@@ -14038,7 +10354,7 @@
 </p:sld>
 </file>
 
-<file path=ppt/slides/slide19.xml><?xml version="1.0" encoding="utf-8"?>
+<file path=ppt/slides/slide17.xml><?xml version="1.0" encoding="utf-8"?>
 <p:sld xmlns:a="http://schemas.openxmlformats.org/drawingml/2006/main" xmlns:r="http://schemas.openxmlformats.org/officeDocument/2006/relationships" xmlns:p="http://schemas.openxmlformats.org/presentationml/2006/main">
   <p:cSld>
     <p:spTree>
@@ -14103,7 +10419,7 @@
 </p:sld>
 </file>
 
-<file path=ppt/slides/slide2.xml><?xml version="1.0" encoding="utf-8"?>
+<file path=ppt/slides/slide18.xml><?xml version="1.0" encoding="utf-8"?>
 <p:sld xmlns:a="http://schemas.openxmlformats.org/drawingml/2006/main" xmlns:r="http://schemas.openxmlformats.org/officeDocument/2006/relationships" xmlns:p="http://schemas.openxmlformats.org/presentationml/2006/main">
   <p:cSld>
     <p:spTree>
@@ -14136,187 +10452,6 @@
           <a:lstStyle/>
           <a:p>
             <a:r>
-              <a:rPr lang="pt-PT" dirty="0"/>
-              <a:t>Sumário</a:t>
-            </a:r>
-          </a:p>
-        </p:txBody>
-      </p:sp>
-      <p:sp>
-        <p:nvSpPr>
-          <p:cNvPr id="3" name="Marcador de Posição de Conteúdo 2"/>
-          <p:cNvSpPr>
-            <a:spLocks noGrp="1"/>
-          </p:cNvSpPr>
-          <p:nvPr>
-            <p:ph idx="1"/>
-          </p:nvPr>
-        </p:nvSpPr>
-        <p:spPr/>
-        <p:txBody>
-          <a:bodyPr>
-            <a:normAutofit fontScale="92500" lnSpcReduction="10000"/>
-          </a:bodyPr>
-          <a:lstStyle/>
-          <a:p>
-            <a:r>
-              <a:rPr lang="pt-PT" dirty="0">
-                <a:solidFill>
-                  <a:schemeClr val="bg1"/>
-                </a:solidFill>
-              </a:rPr>
-              <a:t>Contexto</a:t>
-            </a:r>
-          </a:p>
-          <a:p>
-            <a:r>
-              <a:rPr lang="pt-PT" dirty="0">
-                <a:solidFill>
-                  <a:schemeClr val="bg1"/>
-                </a:solidFill>
-              </a:rPr>
-              <a:t>Problema</a:t>
-            </a:r>
-          </a:p>
-          <a:p>
-            <a:r>
-              <a:rPr lang="pt-PT" dirty="0">
-                <a:solidFill>
-                  <a:schemeClr val="bg1"/>
-                </a:solidFill>
-              </a:rPr>
-              <a:t>Objetivo</a:t>
-            </a:r>
-          </a:p>
-          <a:p>
-            <a:r>
-              <a:rPr lang="pt-PT" dirty="0">
-                <a:solidFill>
-                  <a:schemeClr val="bg1"/>
-                </a:solidFill>
-              </a:rPr>
-              <a:t>Solução</a:t>
-            </a:r>
-          </a:p>
-          <a:p>
-            <a:r>
-              <a:rPr lang="pt-PT" dirty="0">
-                <a:solidFill>
-                  <a:schemeClr val="bg1"/>
-                </a:solidFill>
-              </a:rPr>
-              <a:t>Implementação</a:t>
-            </a:r>
-          </a:p>
-          <a:p>
-            <a:r>
-              <a:rPr lang="pt-PT" dirty="0">
-                <a:solidFill>
-                  <a:schemeClr val="bg1"/>
-                </a:solidFill>
-              </a:rPr>
-              <a:t>Arquitetura</a:t>
-            </a:r>
-          </a:p>
-          <a:p>
-            <a:r>
-              <a:rPr lang="pt-PT" dirty="0">
-                <a:solidFill>
-                  <a:schemeClr val="bg1"/>
-                </a:solidFill>
-              </a:rPr>
-              <a:t>Interface</a:t>
-            </a:r>
-          </a:p>
-          <a:p>
-            <a:r>
-              <a:rPr lang="pt-PT" dirty="0">
-                <a:solidFill>
-                  <a:schemeClr val="bg1"/>
-                </a:solidFill>
-              </a:rPr>
-              <a:t>Simulação e Testes</a:t>
-            </a:r>
-          </a:p>
-          <a:p>
-            <a:r>
-              <a:rPr lang="pt-PT" dirty="0">
-                <a:solidFill>
-                  <a:schemeClr val="bg1"/>
-                </a:solidFill>
-              </a:rPr>
-              <a:t>Trabalho Futuro</a:t>
-            </a:r>
-          </a:p>
-          <a:p>
-            <a:endParaRPr lang="en-GB" dirty="0">
-              <a:solidFill>
-                <a:schemeClr val="bg1"/>
-              </a:solidFill>
-            </a:endParaRPr>
-          </a:p>
-          <a:p>
-            <a:endParaRPr lang="en-GB" dirty="0">
-              <a:solidFill>
-                <a:schemeClr val="bg1"/>
-              </a:solidFill>
-            </a:endParaRPr>
-          </a:p>
-          <a:p>
-            <a:endParaRPr lang="pt-PT" dirty="0">
-              <a:solidFill>
-                <a:schemeClr val="bg1"/>
-              </a:solidFill>
-            </a:endParaRPr>
-          </a:p>
-        </p:txBody>
-      </p:sp>
-    </p:spTree>
-    <p:extLst>
-      <p:ext uri="{BB962C8B-B14F-4D97-AF65-F5344CB8AC3E}">
-        <p14:creationId xmlns:p14="http://schemas.microsoft.com/office/powerpoint/2010/main" val="3694176080"/>
-      </p:ext>
-    </p:extLst>
-  </p:cSld>
-  <p:clrMapOvr>
-    <a:masterClrMapping/>
-  </p:clrMapOvr>
-</p:sld>
-</file>
-
-<file path=ppt/slides/slide20.xml><?xml version="1.0" encoding="utf-8"?>
-<p:sld xmlns:a="http://schemas.openxmlformats.org/drawingml/2006/main" xmlns:r="http://schemas.openxmlformats.org/officeDocument/2006/relationships" xmlns:p="http://schemas.openxmlformats.org/presentationml/2006/main">
-  <p:cSld>
-    <p:spTree>
-      <p:nvGrpSpPr>
-        <p:cNvPr id="1" name=""/>
-        <p:cNvGrpSpPr/>
-        <p:nvPr/>
-      </p:nvGrpSpPr>
-      <p:grpSpPr>
-        <a:xfrm>
-          <a:off x="0" y="0"/>
-          <a:ext cx="0" cy="0"/>
-          <a:chOff x="0" y="0"/>
-          <a:chExt cx="0" cy="0"/>
-        </a:xfrm>
-      </p:grpSpPr>
-      <p:sp>
-        <p:nvSpPr>
-          <p:cNvPr id="2" name="Título 1"/>
-          <p:cNvSpPr>
-            <a:spLocks noGrp="1"/>
-          </p:cNvSpPr>
-          <p:nvPr>
-            <p:ph type="title"/>
-          </p:nvPr>
-        </p:nvSpPr>
-        <p:spPr/>
-        <p:txBody>
-          <a:bodyPr/>
-          <a:lstStyle/>
-          <a:p>
-            <a:r>
               <a:rPr lang="en-GB" dirty="0"/>
               <a:t>Interface</a:t>
             </a:r>
@@ -14337,7 +10472,7 @@
 </p:sld>
 </file>
 
-<file path=ppt/slides/slide21.xml><?xml version="1.0" encoding="utf-8"?>
+<file path=ppt/slides/slide19.xml><?xml version="1.0" encoding="utf-8"?>
 <p:sld xmlns:a="http://schemas.openxmlformats.org/drawingml/2006/main" xmlns:r="http://schemas.openxmlformats.org/officeDocument/2006/relationships" xmlns:p="http://schemas.openxmlformats.org/presentationml/2006/main">
   <p:cSld>
     <p:spTree>
@@ -14651,7 +10786,188 @@
 </p:sld>
 </file>
 
-<file path=ppt/slides/slide22.xml><?xml version="1.0" encoding="utf-8"?>
+<file path=ppt/slides/slide2.xml><?xml version="1.0" encoding="utf-8"?>
+<p:sld xmlns:a="http://schemas.openxmlformats.org/drawingml/2006/main" xmlns:r="http://schemas.openxmlformats.org/officeDocument/2006/relationships" xmlns:p="http://schemas.openxmlformats.org/presentationml/2006/main">
+  <p:cSld>
+    <p:spTree>
+      <p:nvGrpSpPr>
+        <p:cNvPr id="1" name=""/>
+        <p:cNvGrpSpPr/>
+        <p:nvPr/>
+      </p:nvGrpSpPr>
+      <p:grpSpPr>
+        <a:xfrm>
+          <a:off x="0" y="0"/>
+          <a:ext cx="0" cy="0"/>
+          <a:chOff x="0" y="0"/>
+          <a:chExt cx="0" cy="0"/>
+        </a:xfrm>
+      </p:grpSpPr>
+      <p:sp>
+        <p:nvSpPr>
+          <p:cNvPr id="2" name="Título 1"/>
+          <p:cNvSpPr>
+            <a:spLocks noGrp="1"/>
+          </p:cNvSpPr>
+          <p:nvPr>
+            <p:ph type="title"/>
+          </p:nvPr>
+        </p:nvSpPr>
+        <p:spPr/>
+        <p:txBody>
+          <a:bodyPr/>
+          <a:lstStyle/>
+          <a:p>
+            <a:r>
+              <a:rPr lang="pt-PT" dirty="0"/>
+              <a:t>Sumário</a:t>
+            </a:r>
+          </a:p>
+        </p:txBody>
+      </p:sp>
+      <p:sp>
+        <p:nvSpPr>
+          <p:cNvPr id="3" name="Marcador de Posição de Conteúdo 2"/>
+          <p:cNvSpPr>
+            <a:spLocks noGrp="1"/>
+          </p:cNvSpPr>
+          <p:nvPr>
+            <p:ph idx="1"/>
+          </p:nvPr>
+        </p:nvSpPr>
+        <p:spPr/>
+        <p:txBody>
+          <a:bodyPr>
+            <a:normAutofit fontScale="92500" lnSpcReduction="10000"/>
+          </a:bodyPr>
+          <a:lstStyle/>
+          <a:p>
+            <a:r>
+              <a:rPr lang="pt-PT" dirty="0">
+                <a:solidFill>
+                  <a:schemeClr val="bg1"/>
+                </a:solidFill>
+              </a:rPr>
+              <a:t>Contexto</a:t>
+            </a:r>
+          </a:p>
+          <a:p>
+            <a:r>
+              <a:rPr lang="pt-PT" dirty="0">
+                <a:solidFill>
+                  <a:schemeClr val="bg1"/>
+                </a:solidFill>
+              </a:rPr>
+              <a:t>Problema</a:t>
+            </a:r>
+          </a:p>
+          <a:p>
+            <a:r>
+              <a:rPr lang="pt-PT" dirty="0">
+                <a:solidFill>
+                  <a:schemeClr val="bg1"/>
+                </a:solidFill>
+              </a:rPr>
+              <a:t>Objetivo</a:t>
+            </a:r>
+          </a:p>
+          <a:p>
+            <a:r>
+              <a:rPr lang="pt-PT" dirty="0">
+                <a:solidFill>
+                  <a:schemeClr val="bg1"/>
+                </a:solidFill>
+              </a:rPr>
+              <a:t>Solução</a:t>
+            </a:r>
+          </a:p>
+          <a:p>
+            <a:r>
+              <a:rPr lang="pt-PT" dirty="0">
+                <a:solidFill>
+                  <a:schemeClr val="bg1"/>
+                </a:solidFill>
+              </a:rPr>
+              <a:t>Implementação</a:t>
+            </a:r>
+          </a:p>
+          <a:p>
+            <a:r>
+              <a:rPr lang="pt-PT" dirty="0">
+                <a:solidFill>
+                  <a:schemeClr val="bg1"/>
+                </a:solidFill>
+              </a:rPr>
+              <a:t>Arquitetura</a:t>
+            </a:r>
+          </a:p>
+          <a:p>
+            <a:r>
+              <a:rPr lang="pt-PT" dirty="0">
+                <a:solidFill>
+                  <a:schemeClr val="bg1"/>
+                </a:solidFill>
+              </a:rPr>
+              <a:t>Interface</a:t>
+            </a:r>
+          </a:p>
+          <a:p>
+            <a:r>
+              <a:rPr lang="pt-PT" dirty="0">
+                <a:solidFill>
+                  <a:schemeClr val="bg1"/>
+                </a:solidFill>
+              </a:rPr>
+              <a:t>Simulação e Testes</a:t>
+            </a:r>
+          </a:p>
+          <a:p>
+            <a:r>
+              <a:rPr lang="pt-PT" dirty="0">
+                <a:solidFill>
+                  <a:schemeClr val="bg1"/>
+                </a:solidFill>
+              </a:rPr>
+              <a:t>Trabalho Futuro</a:t>
+            </a:r>
+          </a:p>
+          <a:p>
+            <a:endParaRPr lang="en-GB" dirty="0">
+              <a:solidFill>
+                <a:schemeClr val="bg1"/>
+              </a:solidFill>
+            </a:endParaRPr>
+          </a:p>
+          <a:p>
+            <a:endParaRPr lang="en-GB" dirty="0">
+              <a:solidFill>
+                <a:schemeClr val="bg1"/>
+              </a:solidFill>
+            </a:endParaRPr>
+          </a:p>
+          <a:p>
+            <a:endParaRPr lang="pt-PT" dirty="0">
+              <a:solidFill>
+                <a:schemeClr val="bg1"/>
+              </a:solidFill>
+            </a:endParaRPr>
+          </a:p>
+        </p:txBody>
+      </p:sp>
+    </p:spTree>
+    <p:extLst>
+      <p:ext uri="{BB962C8B-B14F-4D97-AF65-F5344CB8AC3E}">
+        <p14:creationId xmlns:p14="http://schemas.microsoft.com/office/powerpoint/2010/main" val="3694176080"/>
+      </p:ext>
+    </p:extLst>
+  </p:cSld>
+  <p:clrMapOvr>
+    <a:masterClrMapping/>
+  </p:clrMapOvr>
+</p:sld>
+</file>
+
+<file path=ppt/slides/slide20.xml><?xml version="1.0" encoding="utf-8"?>
 <p:sld xmlns:a="http://schemas.openxmlformats.org/drawingml/2006/main" xmlns:r="http://schemas.openxmlformats.org/officeDocument/2006/relationships" xmlns:p="http://schemas.openxmlformats.org/presentationml/2006/main">
   <p:cSld>
     <p:spTree>
@@ -14718,7 +11034,7 @@
 </p:sld>
 </file>
 
-<file path=ppt/slides/slide23.xml><?xml version="1.0" encoding="utf-8"?>
+<file path=ppt/slides/slide21.xml><?xml version="1.0" encoding="utf-8"?>
 <p:sld xmlns:a="http://schemas.openxmlformats.org/drawingml/2006/main" xmlns:r="http://schemas.openxmlformats.org/officeDocument/2006/relationships" xmlns:p="http://schemas.openxmlformats.org/presentationml/2006/main">
   <p:cSld>
     <p:spTree>
@@ -15204,7 +11520,7 @@
 </p:sld>
 </file>
 
-<file path=ppt/slides/slide24.xml><?xml version="1.0" encoding="utf-8"?>
+<file path=ppt/slides/slide22.xml><?xml version="1.0" encoding="utf-8"?>
 <p:sld xmlns:a="http://schemas.openxmlformats.org/drawingml/2006/main" xmlns:r="http://schemas.openxmlformats.org/officeDocument/2006/relationships" xmlns:p="http://schemas.openxmlformats.org/presentationml/2006/main">
   <p:cSld>
     <p:spTree>
@@ -16310,7 +12626,7 @@
 </p:sld>
 </file>
 
-<file path=ppt/slides/slide25.xml><?xml version="1.0" encoding="utf-8"?>
+<file path=ppt/slides/slide23.xml><?xml version="1.0" encoding="utf-8"?>
 <p:sld xmlns:a="http://schemas.openxmlformats.org/drawingml/2006/main" xmlns:r="http://schemas.openxmlformats.org/officeDocument/2006/relationships" xmlns:p="http://schemas.openxmlformats.org/presentationml/2006/main">
   <p:cSld>
     <p:spTree>
@@ -16362,7 +12678,7 @@
 </p:sld>
 </file>
 
-<file path=ppt/slides/slide26.xml><?xml version="1.0" encoding="utf-8"?>
+<file path=ppt/slides/slide24.xml><?xml version="1.0" encoding="utf-8"?>
 <p:sld xmlns:a="http://schemas.openxmlformats.org/drawingml/2006/main" xmlns:r="http://schemas.openxmlformats.org/officeDocument/2006/relationships" xmlns:p="http://schemas.openxmlformats.org/presentationml/2006/main">
   <p:cSld>
     <p:spTree>
@@ -16494,7 +12810,7 @@
 </p:sld>
 </file>
 
-<file path=ppt/slides/slide27.xml><?xml version="1.0" encoding="utf-8"?>
+<file path=ppt/slides/slide25.xml><?xml version="1.0" encoding="utf-8"?>
 <p:sld xmlns:a="http://schemas.openxmlformats.org/drawingml/2006/main" xmlns:r="http://schemas.openxmlformats.org/officeDocument/2006/relationships" xmlns:p="http://schemas.openxmlformats.org/presentationml/2006/main">
   <p:cSld>
     <p:spTree>
@@ -16595,7 +12911,7 @@
 </p:sld>
 </file>
 
-<file path=ppt/slides/slide28.xml><?xml version="1.0" encoding="utf-8"?>
+<file path=ppt/slides/slide26.xml><?xml version="1.0" encoding="utf-8"?>
 <p:sld xmlns:a="http://schemas.openxmlformats.org/drawingml/2006/main" xmlns:r="http://schemas.openxmlformats.org/officeDocument/2006/relationships" xmlns:p="http://schemas.openxmlformats.org/presentationml/2006/main">
   <p:cSld>
     <p:spTree>
@@ -16744,6 +13060,649 @@
 </p:sld>
 </file>
 
+<file path=ppt/slides/slide27.xml><?xml version="1.0" encoding="utf-8"?>
+<p:sld xmlns:a="http://schemas.openxmlformats.org/drawingml/2006/main" xmlns:r="http://schemas.openxmlformats.org/officeDocument/2006/relationships" xmlns:p="http://schemas.openxmlformats.org/presentationml/2006/main">
+  <p:cSld>
+    <p:spTree>
+      <p:nvGrpSpPr>
+        <p:cNvPr id="1" name=""/>
+        <p:cNvGrpSpPr/>
+        <p:nvPr/>
+      </p:nvGrpSpPr>
+      <p:grpSpPr>
+        <a:xfrm>
+          <a:off x="0" y="0"/>
+          <a:ext cx="0" cy="0"/>
+          <a:chOff x="0" y="0"/>
+          <a:chExt cx="0" cy="0"/>
+        </a:xfrm>
+      </p:grpSpPr>
+      <p:sp>
+        <p:nvSpPr>
+          <p:cNvPr id="2" name="Título 1"/>
+          <p:cNvSpPr>
+            <a:spLocks noGrp="1"/>
+          </p:cNvSpPr>
+          <p:nvPr>
+            <p:ph type="title"/>
+          </p:nvPr>
+        </p:nvSpPr>
+        <p:spPr/>
+        <p:txBody>
+          <a:bodyPr/>
+          <a:lstStyle/>
+          <a:p>
+            <a:r>
+              <a:rPr lang="pt-PT" dirty="0"/>
+              <a:t>Modelo de Referência</a:t>
+            </a:r>
+          </a:p>
+        </p:txBody>
+      </p:sp>
+      <p:graphicFrame>
+        <p:nvGraphicFramePr>
+          <p:cNvPr id="4" name="Marcador de Posição de Conteúdo 3"/>
+          <p:cNvGraphicFramePr>
+            <a:graphicFrameLocks noGrp="1"/>
+          </p:cNvGraphicFramePr>
+          <p:nvPr>
+            <p:ph idx="1"/>
+            <p:extLst>
+              <p:ext uri="{D42A27DB-BD31-4B8C-83A1-F6EECF244321}">
+                <p14:modId xmlns:p14="http://schemas.microsoft.com/office/powerpoint/2010/main" val="2622639493"/>
+              </p:ext>
+            </p:extLst>
+          </p:nvPr>
+        </p:nvGraphicFramePr>
+        <p:xfrm>
+          <a:off x="455034" y="2155372"/>
+          <a:ext cx="10064433" cy="4239520"/>
+        </p:xfrm>
+        <a:graphic>
+          <a:graphicData uri="http://schemas.openxmlformats.org/drawingml/2006/table">
+            <a:tbl>
+              <a:tblPr firstRow="1" firstCol="1" bandRow="1">
+                <a:tableStyleId>{5C22544A-7EE6-4342-B048-85BDC9FD1C3A}</a:tableStyleId>
+              </a:tblPr>
+              <a:tblGrid>
+                <a:gridCol w="1870710">
+                  <a:extLst>
+                    <a:ext uri="{9D8B030D-6E8A-4147-A177-3AD203B41FA5}">
+                      <a16:colId xmlns:a16="http://schemas.microsoft.com/office/drawing/2014/main" val="869859381"/>
+                    </a:ext>
+                  </a:extLst>
+                </a:gridCol>
+                <a:gridCol w="8193723">
+                  <a:extLst>
+                    <a:ext uri="{9D8B030D-6E8A-4147-A177-3AD203B41FA5}">
+                      <a16:colId xmlns:a16="http://schemas.microsoft.com/office/drawing/2014/main" val="2014064148"/>
+                    </a:ext>
+                  </a:extLst>
+                </a:gridCol>
+              </a:tblGrid>
+              <a:tr h="0">
+                <a:tc>
+                  <a:txBody>
+                    <a:bodyPr/>
+                    <a:lstStyle/>
+                    <a:p>
+                      <a:pPr indent="288290" algn="l">
+                        <a:lnSpc>
+                          <a:spcPts val="1700"/>
+                        </a:lnSpc>
+                        <a:spcAft>
+                          <a:spcPts val="0"/>
+                        </a:spcAft>
+                      </a:pPr>
+                      <a:r>
+                        <a:rPr lang="pt-PT" sz="1600">
+                          <a:effectLst/>
+                        </a:rPr>
+                        <a:t>EHR</a:t>
+                      </a:r>
+                      <a:endParaRPr lang="pt-PT" sz="1600">
+                        <a:effectLst/>
+                        <a:latin typeface="Times" panose="02020603050405020304" pitchFamily="18" charset="0"/>
+                        <a:ea typeface="Nimbus Sans L"/>
+                        <a:cs typeface="Times New Roman" panose="02020603050405020304" pitchFamily="18" charset="0"/>
+                      </a:endParaRPr>
+                    </a:p>
+                  </a:txBody>
+                  <a:tcPr marL="137160" marR="137160" marT="137160" marB="137160" anchor="ctr"/>
+                </a:tc>
+                <a:tc>
+                  <a:txBody>
+                    <a:bodyPr/>
+                    <a:lstStyle/>
+                    <a:p>
+                      <a:pPr indent="288290" algn="l">
+                        <a:lnSpc>
+                          <a:spcPts val="1700"/>
+                        </a:lnSpc>
+                        <a:spcAft>
+                          <a:spcPts val="0"/>
+                        </a:spcAft>
+                      </a:pPr>
+                      <a:r>
+                        <a:rPr lang="pt-PT" sz="1600" b="0" dirty="0">
+                          <a:solidFill>
+                            <a:schemeClr val="bg1"/>
+                          </a:solidFill>
+                          <a:effectLst/>
+                        </a:rPr>
+                        <a:t>Registo clínico eletrónico por pessoa</a:t>
+                      </a:r>
+                      <a:endParaRPr lang="pt-PT" sz="1600" b="0" dirty="0">
+                        <a:solidFill>
+                          <a:schemeClr val="bg1"/>
+                        </a:solidFill>
+                        <a:effectLst/>
+                        <a:latin typeface="Times" panose="02020603050405020304" pitchFamily="18" charset="0"/>
+                        <a:ea typeface="Nimbus Sans L"/>
+                        <a:cs typeface="Times New Roman" panose="02020603050405020304" pitchFamily="18" charset="0"/>
+                      </a:endParaRPr>
+                    </a:p>
+                  </a:txBody>
+                  <a:tcPr marL="137160" marR="137160" marT="137160" marB="137160" anchor="ctr">
+                    <a:solidFill>
+                      <a:srgbClr val="FCEFE7"/>
+                    </a:solidFill>
+                  </a:tcPr>
+                </a:tc>
+                <a:extLst>
+                  <a:ext uri="{0D108BD9-81ED-4DB2-BD59-A6C34878D82A}">
+                    <a16:rowId xmlns:a16="http://schemas.microsoft.com/office/drawing/2014/main" val="4121962087"/>
+                  </a:ext>
+                </a:extLst>
+              </a:tr>
+              <a:tr h="543180">
+                <a:tc>
+                  <a:txBody>
+                    <a:bodyPr/>
+                    <a:lstStyle/>
+                    <a:p>
+                      <a:pPr indent="288290" algn="l">
+                        <a:lnSpc>
+                          <a:spcPts val="1700"/>
+                        </a:lnSpc>
+                        <a:spcAft>
+                          <a:spcPts val="0"/>
+                        </a:spcAft>
+                      </a:pPr>
+                      <a:r>
+                        <a:rPr lang="pt-PT" sz="1600" dirty="0" err="1">
+                          <a:effectLst/>
+                        </a:rPr>
+                        <a:t>Folders</a:t>
+                      </a:r>
+                      <a:endParaRPr lang="pt-PT" sz="1600" dirty="0">
+                        <a:effectLst/>
+                        <a:latin typeface="Times" panose="02020603050405020304" pitchFamily="18" charset="0"/>
+                        <a:ea typeface="Nimbus Sans L"/>
+                        <a:cs typeface="Times New Roman" panose="02020603050405020304" pitchFamily="18" charset="0"/>
+                      </a:endParaRPr>
+                    </a:p>
+                  </a:txBody>
+                  <a:tcPr marL="137160" marR="137160" marT="137160" marB="137160" anchor="ctr"/>
+                </a:tc>
+                <a:tc>
+                  <a:txBody>
+                    <a:bodyPr/>
+                    <a:lstStyle/>
+                    <a:p>
+                      <a:pPr indent="288290" algn="l">
+                        <a:lnSpc>
+                          <a:spcPts val="1700"/>
+                        </a:lnSpc>
+                        <a:spcAft>
+                          <a:spcPts val="0"/>
+                        </a:spcAft>
+                      </a:pPr>
+                      <a:r>
+                        <a:rPr lang="pt-PT" sz="1600" dirty="0">
+                          <a:effectLst/>
+                        </a:rPr>
+                        <a:t>Organização de alto nível do EHR (ex.: por episódio, por especialidade clínica)</a:t>
+                      </a:r>
+                      <a:endParaRPr lang="pt-PT" sz="1600" dirty="0">
+                        <a:effectLst/>
+                        <a:latin typeface="Times" panose="02020603050405020304" pitchFamily="18" charset="0"/>
+                        <a:ea typeface="Nimbus Sans L"/>
+                        <a:cs typeface="Times New Roman" panose="02020603050405020304" pitchFamily="18" charset="0"/>
+                      </a:endParaRPr>
+                    </a:p>
+                  </a:txBody>
+                  <a:tcPr marL="137160" marR="137160" marT="137160" marB="137160" anchor="ctr"/>
+                </a:tc>
+                <a:extLst>
+                  <a:ext uri="{0D108BD9-81ED-4DB2-BD59-A6C34878D82A}">
+                    <a16:rowId xmlns:a16="http://schemas.microsoft.com/office/drawing/2014/main" val="703749036"/>
+                  </a:ext>
+                </a:extLst>
+              </a:tr>
+              <a:tr h="543180">
+                <a:tc>
+                  <a:txBody>
+                    <a:bodyPr/>
+                    <a:lstStyle/>
+                    <a:p>
+                      <a:pPr indent="288290" algn="l">
+                        <a:lnSpc>
+                          <a:spcPts val="1700"/>
+                        </a:lnSpc>
+                        <a:spcAft>
+                          <a:spcPts val="0"/>
+                        </a:spcAft>
+                      </a:pPr>
+                      <a:r>
+                        <a:rPr lang="pt-PT" sz="1600">
+                          <a:effectLst/>
+                        </a:rPr>
+                        <a:t>Compositions</a:t>
+                      </a:r>
+                      <a:endParaRPr lang="pt-PT" sz="1600">
+                        <a:effectLst/>
+                        <a:latin typeface="Times" panose="02020603050405020304" pitchFamily="18" charset="0"/>
+                        <a:ea typeface="Nimbus Sans L"/>
+                        <a:cs typeface="Times New Roman" panose="02020603050405020304" pitchFamily="18" charset="0"/>
+                      </a:endParaRPr>
+                    </a:p>
+                  </a:txBody>
+                  <a:tcPr marL="137160" marR="137160" marT="137160" marB="137160" anchor="ctr"/>
+                </a:tc>
+                <a:tc>
+                  <a:txBody>
+                    <a:bodyPr/>
+                    <a:lstStyle/>
+                    <a:p>
+                      <a:pPr indent="288290" algn="l">
+                        <a:lnSpc>
+                          <a:spcPts val="1700"/>
+                        </a:lnSpc>
+                        <a:spcAft>
+                          <a:spcPts val="0"/>
+                        </a:spcAft>
+                      </a:pPr>
+                      <a:r>
+                        <a:rPr lang="pt-PT" sz="1600" dirty="0">
+                          <a:effectLst/>
+                        </a:rPr>
+                        <a:t>Conjunto de entradas (</a:t>
+                      </a:r>
+                      <a:r>
+                        <a:rPr lang="pt-PT" sz="1600" dirty="0" err="1">
+                          <a:effectLst/>
+                        </a:rPr>
+                        <a:t>Entries</a:t>
+                      </a:r>
+                      <a:r>
+                        <a:rPr lang="pt-PT" sz="1600" dirty="0">
+                          <a:effectLst/>
+                        </a:rPr>
+                        <a:t>) submetidas numa determinada data (ex.: relatório)</a:t>
+                      </a:r>
+                      <a:endParaRPr lang="pt-PT" sz="1600" dirty="0">
+                        <a:effectLst/>
+                        <a:latin typeface="Times" panose="02020603050405020304" pitchFamily="18" charset="0"/>
+                        <a:ea typeface="Nimbus Sans L"/>
+                        <a:cs typeface="Times New Roman" panose="02020603050405020304" pitchFamily="18" charset="0"/>
+                      </a:endParaRPr>
+                    </a:p>
+                  </a:txBody>
+                  <a:tcPr marL="137160" marR="137160" marT="137160" marB="137160" anchor="ctr">
+                    <a:solidFill>
+                      <a:srgbClr val="FCEFE7"/>
+                    </a:solidFill>
+                  </a:tcPr>
+                </a:tc>
+                <a:extLst>
+                  <a:ext uri="{0D108BD9-81ED-4DB2-BD59-A6C34878D82A}">
+                    <a16:rowId xmlns:a16="http://schemas.microsoft.com/office/drawing/2014/main" val="185048637"/>
+                  </a:ext>
+                </a:extLst>
+              </a:tr>
+              <a:tr h="543180">
+                <a:tc>
+                  <a:txBody>
+                    <a:bodyPr/>
+                    <a:lstStyle/>
+                    <a:p>
+                      <a:pPr indent="288290" algn="l">
+                        <a:lnSpc>
+                          <a:spcPts val="1700"/>
+                        </a:lnSpc>
+                        <a:spcAft>
+                          <a:spcPts val="0"/>
+                        </a:spcAft>
+                      </a:pPr>
+                      <a:r>
+                        <a:rPr lang="pt-PT" sz="1600">
+                          <a:effectLst/>
+                        </a:rPr>
+                        <a:t>Sections</a:t>
+                      </a:r>
+                      <a:endParaRPr lang="pt-PT" sz="1600">
+                        <a:effectLst/>
+                        <a:latin typeface="Times" panose="02020603050405020304" pitchFamily="18" charset="0"/>
+                        <a:ea typeface="Nimbus Sans L"/>
+                        <a:cs typeface="Times New Roman" panose="02020603050405020304" pitchFamily="18" charset="0"/>
+                      </a:endParaRPr>
+                    </a:p>
+                  </a:txBody>
+                  <a:tcPr marL="137160" marR="137160" marT="137160" marB="137160" anchor="ctr"/>
+                </a:tc>
+                <a:tc>
+                  <a:txBody>
+                    <a:bodyPr/>
+                    <a:lstStyle/>
+                    <a:p>
+                      <a:pPr indent="288290" algn="l">
+                        <a:lnSpc>
+                          <a:spcPts val="1700"/>
+                        </a:lnSpc>
+                        <a:spcAft>
+                          <a:spcPts val="0"/>
+                        </a:spcAft>
+                      </a:pPr>
+                      <a:r>
+                        <a:rPr lang="pt-PT" sz="1600" dirty="0">
+                          <a:effectLst/>
+                        </a:rPr>
+                        <a:t>Cabeçalhos clínicos que refletem o fluxo de trabalho</a:t>
+                      </a:r>
+                      <a:endParaRPr lang="pt-PT" sz="1600" dirty="0">
+                        <a:effectLst/>
+                        <a:latin typeface="Times" panose="02020603050405020304" pitchFamily="18" charset="0"/>
+                        <a:ea typeface="Nimbus Sans L"/>
+                        <a:cs typeface="Times New Roman" panose="02020603050405020304" pitchFamily="18" charset="0"/>
+                      </a:endParaRPr>
+                    </a:p>
+                  </a:txBody>
+                  <a:tcPr marL="137160" marR="137160" marT="137160" marB="137160" anchor="ctr"/>
+                </a:tc>
+                <a:extLst>
+                  <a:ext uri="{0D108BD9-81ED-4DB2-BD59-A6C34878D82A}">
+                    <a16:rowId xmlns:a16="http://schemas.microsoft.com/office/drawing/2014/main" val="583077888"/>
+                  </a:ext>
+                </a:extLst>
+              </a:tr>
+              <a:tr h="0">
+                <a:tc>
+                  <a:txBody>
+                    <a:bodyPr/>
+                    <a:lstStyle/>
+                    <a:p>
+                      <a:pPr indent="288290" algn="l">
+                        <a:lnSpc>
+                          <a:spcPts val="1700"/>
+                        </a:lnSpc>
+                        <a:spcAft>
+                          <a:spcPts val="0"/>
+                        </a:spcAft>
+                      </a:pPr>
+                      <a:r>
+                        <a:rPr lang="pt-PT" sz="1600">
+                          <a:effectLst/>
+                        </a:rPr>
+                        <a:t>Entries</a:t>
+                      </a:r>
+                      <a:endParaRPr lang="pt-PT" sz="1600">
+                        <a:effectLst/>
+                        <a:latin typeface="Times" panose="02020603050405020304" pitchFamily="18" charset="0"/>
+                        <a:ea typeface="Nimbus Sans L"/>
+                        <a:cs typeface="Times New Roman" panose="02020603050405020304" pitchFamily="18" charset="0"/>
+                      </a:endParaRPr>
+                    </a:p>
+                  </a:txBody>
+                  <a:tcPr marL="137160" marR="137160" marT="137160" marB="137160" anchor="ctr"/>
+                </a:tc>
+                <a:tc>
+                  <a:txBody>
+                    <a:bodyPr/>
+                    <a:lstStyle/>
+                    <a:p>
+                      <a:pPr indent="288290" algn="l">
+                        <a:lnSpc>
+                          <a:spcPts val="1700"/>
+                        </a:lnSpc>
+                        <a:spcAft>
+                          <a:spcPts val="0"/>
+                        </a:spcAft>
+                      </a:pPr>
+                      <a:r>
+                        <a:rPr lang="pt-PT" sz="1600">
+                          <a:effectLst/>
+                        </a:rPr>
+                        <a:t>Declarações clínicas sobre observações, avaliações e instruções</a:t>
+                      </a:r>
+                      <a:endParaRPr lang="pt-PT" sz="1600">
+                        <a:effectLst/>
+                        <a:latin typeface="Times" panose="02020603050405020304" pitchFamily="18" charset="0"/>
+                        <a:ea typeface="Nimbus Sans L"/>
+                        <a:cs typeface="Times New Roman" panose="02020603050405020304" pitchFamily="18" charset="0"/>
+                      </a:endParaRPr>
+                    </a:p>
+                  </a:txBody>
+                  <a:tcPr marL="137160" marR="137160" marT="137160" marB="137160" anchor="ctr"/>
+                </a:tc>
+                <a:extLst>
+                  <a:ext uri="{0D108BD9-81ED-4DB2-BD59-A6C34878D82A}">
+                    <a16:rowId xmlns:a16="http://schemas.microsoft.com/office/drawing/2014/main" val="773443813"/>
+                  </a:ext>
+                </a:extLst>
+              </a:tr>
+              <a:tr h="543180">
+                <a:tc>
+                  <a:txBody>
+                    <a:bodyPr/>
+                    <a:lstStyle/>
+                    <a:p>
+                      <a:pPr indent="288290" algn="l">
+                        <a:lnSpc>
+                          <a:spcPts val="1700"/>
+                        </a:lnSpc>
+                        <a:spcAft>
+                          <a:spcPts val="0"/>
+                        </a:spcAft>
+                      </a:pPr>
+                      <a:r>
+                        <a:rPr lang="pt-PT" sz="1600">
+                          <a:effectLst/>
+                        </a:rPr>
+                        <a:t>Clusters</a:t>
+                      </a:r>
+                      <a:endParaRPr lang="pt-PT" sz="1600">
+                        <a:effectLst/>
+                        <a:latin typeface="Times" panose="02020603050405020304" pitchFamily="18" charset="0"/>
+                        <a:ea typeface="Nimbus Sans L"/>
+                        <a:cs typeface="Times New Roman" panose="02020603050405020304" pitchFamily="18" charset="0"/>
+                      </a:endParaRPr>
+                    </a:p>
+                  </a:txBody>
+                  <a:tcPr marL="137160" marR="137160" marT="137160" marB="137160" anchor="ctr"/>
+                </a:tc>
+                <a:tc>
+                  <a:txBody>
+                    <a:bodyPr/>
+                    <a:lstStyle/>
+                    <a:p>
+                      <a:pPr indent="288290" algn="l">
+                        <a:lnSpc>
+                          <a:spcPts val="1700"/>
+                        </a:lnSpc>
+                        <a:spcAft>
+                          <a:spcPts val="0"/>
+                        </a:spcAft>
+                      </a:pPr>
+                      <a:r>
+                        <a:rPr lang="pt-PT" sz="1600">
+                          <a:effectLst/>
+                        </a:rPr>
+                        <a:t>Entradas compostas</a:t>
+                      </a:r>
+                      <a:endParaRPr lang="pt-PT" sz="1600">
+                        <a:effectLst/>
+                        <a:latin typeface="Times" panose="02020603050405020304" pitchFamily="18" charset="0"/>
+                        <a:ea typeface="Nimbus Sans L"/>
+                        <a:cs typeface="Times New Roman" panose="02020603050405020304" pitchFamily="18" charset="0"/>
+                      </a:endParaRPr>
+                    </a:p>
+                  </a:txBody>
+                  <a:tcPr marL="137160" marR="137160" marT="137160" marB="137160" anchor="ctr"/>
+                </a:tc>
+                <a:extLst>
+                  <a:ext uri="{0D108BD9-81ED-4DB2-BD59-A6C34878D82A}">
+                    <a16:rowId xmlns:a16="http://schemas.microsoft.com/office/drawing/2014/main" val="1355369096"/>
+                  </a:ext>
+                </a:extLst>
+              </a:tr>
+              <a:tr h="543180">
+                <a:tc>
+                  <a:txBody>
+                    <a:bodyPr/>
+                    <a:lstStyle/>
+                    <a:p>
+                      <a:pPr indent="288290" algn="l">
+                        <a:lnSpc>
+                          <a:spcPts val="1700"/>
+                        </a:lnSpc>
+                        <a:spcAft>
+                          <a:spcPts val="0"/>
+                        </a:spcAft>
+                      </a:pPr>
+                      <a:r>
+                        <a:rPr lang="pt-PT" sz="1600">
+                          <a:effectLst/>
+                        </a:rPr>
+                        <a:t>Elements</a:t>
+                      </a:r>
+                      <a:endParaRPr lang="pt-PT" sz="1600">
+                        <a:effectLst/>
+                        <a:latin typeface="Times" panose="02020603050405020304" pitchFamily="18" charset="0"/>
+                        <a:ea typeface="Nimbus Sans L"/>
+                        <a:cs typeface="Times New Roman" panose="02020603050405020304" pitchFamily="18" charset="0"/>
+                      </a:endParaRPr>
+                    </a:p>
+                  </a:txBody>
+                  <a:tcPr marL="137160" marR="137160" marT="137160" marB="137160" anchor="ctr"/>
+                </a:tc>
+                <a:tc>
+                  <a:txBody>
+                    <a:bodyPr/>
+                    <a:lstStyle/>
+                    <a:p>
+                      <a:pPr indent="288290" algn="l">
+                        <a:lnSpc>
+                          <a:spcPts val="1700"/>
+                        </a:lnSpc>
+                        <a:spcAft>
+                          <a:spcPts val="0"/>
+                        </a:spcAft>
+                      </a:pPr>
+                      <a:r>
+                        <a:rPr lang="pt-PT" sz="1600">
+                          <a:effectLst/>
+                        </a:rPr>
+                        <a:t>Entradas elementares</a:t>
+                      </a:r>
+                      <a:endParaRPr lang="pt-PT" sz="1600">
+                        <a:effectLst/>
+                        <a:latin typeface="Times" panose="02020603050405020304" pitchFamily="18" charset="0"/>
+                        <a:ea typeface="Nimbus Sans L"/>
+                        <a:cs typeface="Times New Roman" panose="02020603050405020304" pitchFamily="18" charset="0"/>
+                      </a:endParaRPr>
+                    </a:p>
+                  </a:txBody>
+                  <a:tcPr marL="137160" marR="137160" marT="137160" marB="137160" anchor="ctr"/>
+                </a:tc>
+                <a:extLst>
+                  <a:ext uri="{0D108BD9-81ED-4DB2-BD59-A6C34878D82A}">
+                    <a16:rowId xmlns:a16="http://schemas.microsoft.com/office/drawing/2014/main" val="1908589626"/>
+                  </a:ext>
+                </a:extLst>
+              </a:tr>
+              <a:tr h="543180">
+                <a:tc>
+                  <a:txBody>
+                    <a:bodyPr/>
+                    <a:lstStyle/>
+                    <a:p>
+                      <a:pPr indent="288290" algn="l">
+                        <a:lnSpc>
+                          <a:spcPts val="1700"/>
+                        </a:lnSpc>
+                        <a:spcAft>
+                          <a:spcPts val="0"/>
+                        </a:spcAft>
+                      </a:pPr>
+                      <a:r>
+                        <a:rPr lang="pt-PT" sz="1600">
+                          <a:effectLst/>
+                        </a:rPr>
+                        <a:t>Data values</a:t>
+                      </a:r>
+                      <a:endParaRPr lang="pt-PT" sz="1600">
+                        <a:effectLst/>
+                        <a:latin typeface="Times" panose="02020603050405020304" pitchFamily="18" charset="0"/>
+                        <a:ea typeface="Nimbus Sans L"/>
+                        <a:cs typeface="Times New Roman" panose="02020603050405020304" pitchFamily="18" charset="0"/>
+                      </a:endParaRPr>
+                    </a:p>
+                  </a:txBody>
+                  <a:tcPr marL="137160" marR="137160" marT="137160" marB="137160" anchor="ctr"/>
+                </a:tc>
+                <a:tc>
+                  <a:txBody>
+                    <a:bodyPr/>
+                    <a:lstStyle/>
+                    <a:p>
+                      <a:pPr indent="288290" algn="l">
+                        <a:lnSpc>
+                          <a:spcPts val="1700"/>
+                        </a:lnSpc>
+                        <a:spcAft>
+                          <a:spcPts val="0"/>
+                        </a:spcAft>
+                      </a:pPr>
+                      <a:r>
+                        <a:rPr lang="pt-PT" sz="1600" dirty="0">
+                          <a:effectLst/>
+                        </a:rPr>
+                        <a:t>Termos codificados do conjunto de termos</a:t>
+                      </a:r>
+                      <a:endParaRPr lang="pt-PT" sz="1600" dirty="0">
+                        <a:effectLst/>
+                        <a:latin typeface="Times" panose="02020603050405020304" pitchFamily="18" charset="0"/>
+                        <a:ea typeface="Nimbus Sans L"/>
+                        <a:cs typeface="Times New Roman" panose="02020603050405020304" pitchFamily="18" charset="0"/>
+                      </a:endParaRPr>
+                    </a:p>
+                  </a:txBody>
+                  <a:tcPr marL="137160" marR="137160" marT="137160" marB="137160" anchor="ctr"/>
+                </a:tc>
+                <a:extLst>
+                  <a:ext uri="{0D108BD9-81ED-4DB2-BD59-A6C34878D82A}">
+                    <a16:rowId xmlns:a16="http://schemas.microsoft.com/office/drawing/2014/main" val="962910753"/>
+                  </a:ext>
+                </a:extLst>
+              </a:tr>
+            </a:tbl>
+          </a:graphicData>
+        </a:graphic>
+      </p:graphicFrame>
+    </p:spTree>
+    <p:extLst>
+      <p:ext uri="{BB962C8B-B14F-4D97-AF65-F5344CB8AC3E}">
+        <p14:creationId xmlns:p14="http://schemas.microsoft.com/office/powerpoint/2010/main" val="2481760121"/>
+      </p:ext>
+    </p:extLst>
+  </p:cSld>
+  <p:clrMapOvr>
+    <a:masterClrMapping/>
+  </p:clrMapOvr>
+</p:sld>
+</file>
+
 <file path=ppt/slides/slide3.xml><?xml version="1.0" encoding="utf-8"?>
 <p:sld xmlns:a="http://schemas.openxmlformats.org/drawingml/2006/main" xmlns:r="http://schemas.openxmlformats.org/officeDocument/2006/relationships" xmlns:p="http://schemas.openxmlformats.org/presentationml/2006/main">
   <p:cSld>
@@ -17720,8 +14679,21 @@
                   <a:schemeClr val="bg1"/>
                 </a:solidFill>
               </a:rPr>
-              <a:t> EHR</a:t>
-            </a:r>
+              <a:t> </a:t>
+            </a:r>
+            <a:r>
+              <a:rPr lang="en-GB" dirty="0" err="1">
+                <a:solidFill>
+                  <a:schemeClr val="bg1"/>
+                </a:solidFill>
+              </a:rPr>
+              <a:t>openEHR</a:t>
+            </a:r>
+            <a:endParaRPr lang="en-GB" dirty="0">
+              <a:solidFill>
+                <a:schemeClr val="bg1"/>
+              </a:solidFill>
+            </a:endParaRPr>
           </a:p>
           <a:p>
             <a:endParaRPr lang="en-GB" dirty="0">
@@ -17957,8 +14929,13 @@
           <a:p>
             <a:r>
               <a:rPr lang="pt-PT" dirty="0"/>
-              <a:t>Norma EHR</a:t>
-            </a:r>
+              <a:t>Norma </a:t>
+            </a:r>
+            <a:r>
+              <a:rPr lang="pt-PT" dirty="0" err="1"/>
+              <a:t>openEHR</a:t>
+            </a:r>
+            <a:endParaRPr lang="pt-PT" dirty="0"/>
           </a:p>
         </p:txBody>
       </p:sp>
@@ -17974,8 +14951,51 @@
         </p:nvSpPr>
         <p:spPr/>
         <p:txBody>
-          <a:bodyPr/>
+          <a:bodyPr>
+            <a:normAutofit lnSpcReduction="10000"/>
+          </a:bodyPr>
           <a:lstStyle/>
+          <a:p>
+            <a:r>
+              <a:rPr lang="en-GB" dirty="0">
+                <a:solidFill>
+                  <a:schemeClr val="bg1"/>
+                </a:solidFill>
+              </a:rPr>
+              <a:t>Norma </a:t>
+            </a:r>
+            <a:r>
+              <a:rPr lang="pt-PT" dirty="0">
+                <a:solidFill>
+                  <a:schemeClr val="bg1"/>
+                </a:solidFill>
+              </a:rPr>
+              <a:t>utilizada</a:t>
+            </a:r>
+            <a:r>
+              <a:rPr lang="en-GB" dirty="0">
+                <a:solidFill>
+                  <a:schemeClr val="bg1"/>
+                </a:solidFill>
+              </a:rPr>
+              <a:t> para </a:t>
+            </a:r>
+            <a:r>
+              <a:rPr lang="pt-PT" dirty="0">
+                <a:solidFill>
+                  <a:schemeClr val="bg1"/>
+                </a:solidFill>
+              </a:rPr>
+              <a:t>registos clínicos</a:t>
+            </a:r>
+          </a:p>
+          <a:p>
+            <a:endParaRPr lang="pt-PT" dirty="0">
+              <a:solidFill>
+                <a:schemeClr val="bg1"/>
+              </a:solidFill>
+            </a:endParaRPr>
+          </a:p>
           <a:p>
             <a:r>
               <a:rPr lang="pt-PT" dirty="0">
@@ -18009,7 +15029,7 @@
                   <a:schemeClr val="bg1"/>
                 </a:solidFill>
               </a:rPr>
-              <a:t>: conceito mais pequeno nesta estrutura (equivalente a uma peça de LEGO), consiste em dados médicos, como por exemplo, altura, peso, sumário de gravidez e ecocardiograma;</a:t>
+              <a:t>: conceito mais elementar nesta estrutura (equivalente a uma peça de LEGO), consiste em dados clínicos, como por exemplo, altura, peso, sumário de gravidez e ecocardiograma;</a:t>
             </a:r>
           </a:p>
           <a:p>

--- a/Dissertacao/4. Defesa da dissertação.pptx
+++ b/Dissertacao/4. Defesa da dissertação.pptx
@@ -223,7 +223,7 @@
           <a:p>
             <a:fld id="{3C35305E-D46C-4326-9A29-B8B50EE59D60}" type="datetimeFigureOut">
               <a:rPr lang="pt-PT" smtClean="0"/>
-              <a:t>06/07/2016</a:t>
+              <a:t>10/07/2016</a:t>
             </a:fld>
             <a:endParaRPr lang="pt-PT"/>
           </a:p>
@@ -574,6 +574,174 @@
 </p:notes>
 </file>
 
+<file path=ppt/notesSlides/notesSlide10.xml><?xml version="1.0" encoding="utf-8"?>
+<p:notes xmlns:a="http://schemas.openxmlformats.org/drawingml/2006/main" xmlns:r="http://schemas.openxmlformats.org/officeDocument/2006/relationships" xmlns:p="http://schemas.openxmlformats.org/presentationml/2006/main">
+  <p:cSld>
+    <p:spTree>
+      <p:nvGrpSpPr>
+        <p:cNvPr id="1" name=""/>
+        <p:cNvGrpSpPr/>
+        <p:nvPr/>
+      </p:nvGrpSpPr>
+      <p:grpSpPr>
+        <a:xfrm>
+          <a:off x="0" y="0"/>
+          <a:ext cx="0" cy="0"/>
+          <a:chOff x="0" y="0"/>
+          <a:chExt cx="0" cy="0"/>
+        </a:xfrm>
+      </p:grpSpPr>
+      <p:sp>
+        <p:nvSpPr>
+          <p:cNvPr id="2" name="Marcador de Posição da Imagem do Diapositivo 1"/>
+          <p:cNvSpPr>
+            <a:spLocks noGrp="1" noRot="1" noChangeAspect="1"/>
+          </p:cNvSpPr>
+          <p:nvPr>
+            <p:ph type="sldImg"/>
+          </p:nvPr>
+        </p:nvSpPr>
+        <p:spPr/>
+      </p:sp>
+      <p:sp>
+        <p:nvSpPr>
+          <p:cNvPr id="3" name="Marcador de Posição de Notas 2"/>
+          <p:cNvSpPr>
+            <a:spLocks noGrp="1"/>
+          </p:cNvSpPr>
+          <p:nvPr>
+            <p:ph type="body" idx="1"/>
+          </p:nvPr>
+        </p:nvSpPr>
+        <p:spPr/>
+        <p:txBody>
+          <a:bodyPr/>
+          <a:lstStyle/>
+          <a:p>
+            <a:endParaRPr lang="pt-PT" dirty="0"/>
+          </a:p>
+        </p:txBody>
+      </p:sp>
+      <p:sp>
+        <p:nvSpPr>
+          <p:cNvPr id="4" name="Marcador de Posição do Número do Diapositivo 3"/>
+          <p:cNvSpPr>
+            <a:spLocks noGrp="1"/>
+          </p:cNvSpPr>
+          <p:nvPr>
+            <p:ph type="sldNum" sz="quarter" idx="10"/>
+          </p:nvPr>
+        </p:nvSpPr>
+        <p:spPr/>
+        <p:txBody>
+          <a:bodyPr/>
+          <a:lstStyle/>
+          <a:p>
+            <a:fld id="{A37DC0E3-D7D0-4B7C-A327-D399D589CBC5}" type="slidenum">
+              <a:rPr lang="pt-PT" smtClean="0"/>
+              <a:t>25</a:t>
+            </a:fld>
+            <a:endParaRPr lang="pt-PT"/>
+          </a:p>
+        </p:txBody>
+      </p:sp>
+    </p:spTree>
+    <p:extLst>
+      <p:ext uri="{BB962C8B-B14F-4D97-AF65-F5344CB8AC3E}">
+        <p14:creationId xmlns:p14="http://schemas.microsoft.com/office/powerpoint/2010/main" val="3986728422"/>
+      </p:ext>
+    </p:extLst>
+  </p:cSld>
+  <p:clrMapOvr>
+    <a:masterClrMapping/>
+  </p:clrMapOvr>
+</p:notes>
+</file>
+
+<file path=ppt/notesSlides/notesSlide11.xml><?xml version="1.0" encoding="utf-8"?>
+<p:notes xmlns:a="http://schemas.openxmlformats.org/drawingml/2006/main" xmlns:r="http://schemas.openxmlformats.org/officeDocument/2006/relationships" xmlns:p="http://schemas.openxmlformats.org/presentationml/2006/main">
+  <p:cSld>
+    <p:spTree>
+      <p:nvGrpSpPr>
+        <p:cNvPr id="1" name=""/>
+        <p:cNvGrpSpPr/>
+        <p:nvPr/>
+      </p:nvGrpSpPr>
+      <p:grpSpPr>
+        <a:xfrm>
+          <a:off x="0" y="0"/>
+          <a:ext cx="0" cy="0"/>
+          <a:chOff x="0" y="0"/>
+          <a:chExt cx="0" cy="0"/>
+        </a:xfrm>
+      </p:grpSpPr>
+      <p:sp>
+        <p:nvSpPr>
+          <p:cNvPr id="2" name="Marcador de Posição da Imagem do Diapositivo 1"/>
+          <p:cNvSpPr>
+            <a:spLocks noGrp="1" noRot="1" noChangeAspect="1"/>
+          </p:cNvSpPr>
+          <p:nvPr>
+            <p:ph type="sldImg"/>
+          </p:nvPr>
+        </p:nvSpPr>
+        <p:spPr/>
+      </p:sp>
+      <p:sp>
+        <p:nvSpPr>
+          <p:cNvPr id="3" name="Marcador de Posição de Notas 2"/>
+          <p:cNvSpPr>
+            <a:spLocks noGrp="1"/>
+          </p:cNvSpPr>
+          <p:nvPr>
+            <p:ph type="body" idx="1"/>
+          </p:nvPr>
+        </p:nvSpPr>
+        <p:spPr/>
+        <p:txBody>
+          <a:bodyPr/>
+          <a:lstStyle/>
+          <a:p>
+            <a:endParaRPr lang="pt-PT" dirty="0"/>
+          </a:p>
+        </p:txBody>
+      </p:sp>
+      <p:sp>
+        <p:nvSpPr>
+          <p:cNvPr id="4" name="Marcador de Posição do Número do Diapositivo 3"/>
+          <p:cNvSpPr>
+            <a:spLocks noGrp="1"/>
+          </p:cNvSpPr>
+          <p:nvPr>
+            <p:ph type="sldNum" sz="quarter" idx="10"/>
+          </p:nvPr>
+        </p:nvSpPr>
+        <p:spPr/>
+        <p:txBody>
+          <a:bodyPr/>
+          <a:lstStyle/>
+          <a:p>
+            <a:fld id="{A37DC0E3-D7D0-4B7C-A327-D399D589CBC5}" type="slidenum">
+              <a:rPr lang="pt-PT" smtClean="0"/>
+              <a:t>27</a:t>
+            </a:fld>
+            <a:endParaRPr lang="pt-PT"/>
+          </a:p>
+        </p:txBody>
+      </p:sp>
+    </p:spTree>
+    <p:extLst>
+      <p:ext uri="{BB962C8B-B14F-4D97-AF65-F5344CB8AC3E}">
+        <p14:creationId xmlns:p14="http://schemas.microsoft.com/office/powerpoint/2010/main" val="2087800455"/>
+      </p:ext>
+    </p:extLst>
+  </p:cSld>
+  <p:clrMapOvr>
+    <a:masterClrMapping/>
+  </p:clrMapOvr>
+</p:notes>
+</file>
+
 <file path=ppt/notesSlides/notesSlide2.xml><?xml version="1.0" encoding="utf-8"?>
 <p:notes xmlns:a="http://schemas.openxmlformats.org/drawingml/2006/main" xmlns:r="http://schemas.openxmlformats.org/officeDocument/2006/relationships" xmlns:p="http://schemas.openxmlformats.org/presentationml/2006/main">
   <p:cSld>
@@ -954,46 +1122,6 @@
           <a:bodyPr/>
           <a:lstStyle/>
           <a:p>
-            <a:pPr marL="171450" indent="-171450">
-              <a:buFont typeface="Arial" panose="020B0604020202020204" pitchFamily="34" charset="0"/>
-              <a:buChar char="•"/>
-            </a:pPr>
-            <a:r>
-              <a:rPr lang="en-GB" dirty="0"/>
-              <a:t>Um</a:t>
-            </a:r>
-            <a:r>
-              <a:rPr lang="en-GB" baseline="0" dirty="0"/>
-              <a:t> </a:t>
-            </a:r>
-            <a:r>
-              <a:rPr lang="en-GB" baseline="0" dirty="0" err="1"/>
-              <a:t>arquétipo</a:t>
-            </a:r>
-            <a:r>
-              <a:rPr lang="en-GB" baseline="0" dirty="0"/>
-              <a:t> </a:t>
-            </a:r>
-            <a:r>
-              <a:rPr lang="en-GB" baseline="0" dirty="0" err="1"/>
-              <a:t>representa</a:t>
-            </a:r>
-            <a:r>
-              <a:rPr lang="en-GB" baseline="0" dirty="0"/>
-              <a:t> um </a:t>
-            </a:r>
-            <a:r>
-              <a:rPr lang="en-GB" baseline="0" dirty="0" err="1"/>
-              <a:t>conceito</a:t>
-            </a:r>
-            <a:r>
-              <a:rPr lang="en-GB" baseline="0" dirty="0"/>
-              <a:t> </a:t>
-            </a:r>
-            <a:r>
-              <a:rPr lang="en-GB" baseline="0" dirty="0" err="1"/>
-              <a:t>clínico</a:t>
-            </a:r>
             <a:endParaRPr lang="pt-PT" dirty="0"/>
           </a:p>
         </p:txBody>
@@ -1015,7 +1143,7 @@
           <a:p>
             <a:fld id="{A37DC0E3-D7D0-4B7C-A327-D399D589CBC5}" type="slidenum">
               <a:rPr lang="pt-PT" smtClean="0"/>
-              <a:t>9</a:t>
+              <a:t>8</a:t>
             </a:fld>
             <a:endParaRPr lang="pt-PT"/>
           </a:p>
@@ -1024,7 +1152,7 @@
     </p:spTree>
     <p:extLst>
       <p:ext uri="{BB962C8B-B14F-4D97-AF65-F5344CB8AC3E}">
-        <p14:creationId xmlns:p14="http://schemas.microsoft.com/office/powerpoint/2010/main" val="1014455387"/>
+        <p14:creationId xmlns:p14="http://schemas.microsoft.com/office/powerpoint/2010/main" val="2669081870"/>
       </p:ext>
     </p:extLst>
   </p:cSld>
@@ -1078,6 +1206,46 @@
           <a:bodyPr/>
           <a:lstStyle/>
           <a:p>
+            <a:pPr marL="171450" indent="-171450">
+              <a:buFont typeface="Arial" panose="020B0604020202020204" pitchFamily="34" charset="0"/>
+              <a:buChar char="•"/>
+            </a:pPr>
+            <a:r>
+              <a:rPr lang="en-GB" dirty="0"/>
+              <a:t>Um</a:t>
+            </a:r>
+            <a:r>
+              <a:rPr lang="en-GB" baseline="0" dirty="0"/>
+              <a:t> </a:t>
+            </a:r>
+            <a:r>
+              <a:rPr lang="en-GB" baseline="0" dirty="0" err="1"/>
+              <a:t>arquétipo</a:t>
+            </a:r>
+            <a:r>
+              <a:rPr lang="en-GB" baseline="0" dirty="0"/>
+              <a:t> </a:t>
+            </a:r>
+            <a:r>
+              <a:rPr lang="en-GB" baseline="0" dirty="0" err="1"/>
+              <a:t>representa</a:t>
+            </a:r>
+            <a:r>
+              <a:rPr lang="en-GB" baseline="0" dirty="0"/>
+              <a:t> um </a:t>
+            </a:r>
+            <a:r>
+              <a:rPr lang="en-GB" baseline="0" dirty="0" err="1"/>
+              <a:t>conceito</a:t>
+            </a:r>
+            <a:r>
+              <a:rPr lang="en-GB" baseline="0" dirty="0"/>
+              <a:t> </a:t>
+            </a:r>
+            <a:r>
+              <a:rPr lang="en-GB" baseline="0" dirty="0" err="1"/>
+              <a:t>clínico</a:t>
+            </a:r>
             <a:endParaRPr lang="pt-PT" dirty="0"/>
           </a:p>
         </p:txBody>
@@ -1099,7 +1267,7 @@
           <a:p>
             <a:fld id="{A37DC0E3-D7D0-4B7C-A327-D399D589CBC5}" type="slidenum">
               <a:rPr lang="pt-PT" smtClean="0"/>
-              <a:t>25</a:t>
+              <a:t>9</a:t>
             </a:fld>
             <a:endParaRPr lang="pt-PT"/>
           </a:p>
@@ -1108,7 +1276,279 @@
     </p:spTree>
     <p:extLst>
       <p:ext uri="{BB962C8B-B14F-4D97-AF65-F5344CB8AC3E}">
-        <p14:creationId xmlns:p14="http://schemas.microsoft.com/office/powerpoint/2010/main" val="3986728422"/>
+        <p14:creationId xmlns:p14="http://schemas.microsoft.com/office/powerpoint/2010/main" val="1014455387"/>
+      </p:ext>
+    </p:extLst>
+  </p:cSld>
+  <p:clrMapOvr>
+    <a:masterClrMapping/>
+  </p:clrMapOvr>
+</p:notes>
+</file>
+
+<file path=ppt/notesSlides/notesSlide8.xml><?xml version="1.0" encoding="utf-8"?>
+<p:notes xmlns:a="http://schemas.openxmlformats.org/drawingml/2006/main" xmlns:r="http://schemas.openxmlformats.org/officeDocument/2006/relationships" xmlns:p="http://schemas.openxmlformats.org/presentationml/2006/main">
+  <p:cSld>
+    <p:spTree>
+      <p:nvGrpSpPr>
+        <p:cNvPr id="1" name=""/>
+        <p:cNvGrpSpPr/>
+        <p:nvPr/>
+      </p:nvGrpSpPr>
+      <p:grpSpPr>
+        <a:xfrm>
+          <a:off x="0" y="0"/>
+          <a:ext cx="0" cy="0"/>
+          <a:chOff x="0" y="0"/>
+          <a:chExt cx="0" cy="0"/>
+        </a:xfrm>
+      </p:grpSpPr>
+      <p:sp>
+        <p:nvSpPr>
+          <p:cNvPr id="2" name="Marcador de Posição da Imagem do Diapositivo 1"/>
+          <p:cNvSpPr>
+            <a:spLocks noGrp="1" noRot="1" noChangeAspect="1"/>
+          </p:cNvSpPr>
+          <p:nvPr>
+            <p:ph type="sldImg"/>
+          </p:nvPr>
+        </p:nvSpPr>
+        <p:spPr/>
+      </p:sp>
+      <p:sp>
+        <p:nvSpPr>
+          <p:cNvPr id="3" name="Marcador de Posição de Notas 2"/>
+          <p:cNvSpPr>
+            <a:spLocks noGrp="1"/>
+          </p:cNvSpPr>
+          <p:nvPr>
+            <p:ph type="body" idx="1"/>
+          </p:nvPr>
+        </p:nvSpPr>
+        <p:spPr/>
+        <p:txBody>
+          <a:bodyPr/>
+          <a:lstStyle/>
+          <a:p>
+            <a:endParaRPr lang="pt-PT" dirty="0"/>
+          </a:p>
+        </p:txBody>
+      </p:sp>
+      <p:sp>
+        <p:nvSpPr>
+          <p:cNvPr id="4" name="Marcador de Posição do Número do Diapositivo 3"/>
+          <p:cNvSpPr>
+            <a:spLocks noGrp="1"/>
+          </p:cNvSpPr>
+          <p:nvPr>
+            <p:ph type="sldNum" sz="quarter" idx="10"/>
+          </p:nvPr>
+        </p:nvSpPr>
+        <p:spPr/>
+        <p:txBody>
+          <a:bodyPr/>
+          <a:lstStyle/>
+          <a:p>
+            <a:fld id="{A37DC0E3-D7D0-4B7C-A327-D399D589CBC5}" type="slidenum">
+              <a:rPr lang="pt-PT" smtClean="0"/>
+              <a:t>13</a:t>
+            </a:fld>
+            <a:endParaRPr lang="pt-PT"/>
+          </a:p>
+        </p:txBody>
+      </p:sp>
+    </p:spTree>
+    <p:extLst>
+      <p:ext uri="{BB962C8B-B14F-4D97-AF65-F5344CB8AC3E}">
+        <p14:creationId xmlns:p14="http://schemas.microsoft.com/office/powerpoint/2010/main" val="3264918565"/>
+      </p:ext>
+    </p:extLst>
+  </p:cSld>
+  <p:clrMapOvr>
+    <a:masterClrMapping/>
+  </p:clrMapOvr>
+</p:notes>
+</file>
+
+<file path=ppt/notesSlides/notesSlide9.xml><?xml version="1.0" encoding="utf-8"?>
+<p:notes xmlns:a="http://schemas.openxmlformats.org/drawingml/2006/main" xmlns:r="http://schemas.openxmlformats.org/officeDocument/2006/relationships" xmlns:p="http://schemas.openxmlformats.org/presentationml/2006/main">
+  <p:cSld>
+    <p:spTree>
+      <p:nvGrpSpPr>
+        <p:cNvPr id="1" name=""/>
+        <p:cNvGrpSpPr/>
+        <p:nvPr/>
+      </p:nvGrpSpPr>
+      <p:grpSpPr>
+        <a:xfrm>
+          <a:off x="0" y="0"/>
+          <a:ext cx="0" cy="0"/>
+          <a:chOff x="0" y="0"/>
+          <a:chExt cx="0" cy="0"/>
+        </a:xfrm>
+      </p:grpSpPr>
+      <p:sp>
+        <p:nvSpPr>
+          <p:cNvPr id="2" name="Marcador de Posição da Imagem do Diapositivo 1"/>
+          <p:cNvSpPr>
+            <a:spLocks noGrp="1" noRot="1" noChangeAspect="1"/>
+          </p:cNvSpPr>
+          <p:nvPr>
+            <p:ph type="sldImg"/>
+          </p:nvPr>
+        </p:nvSpPr>
+        <p:spPr/>
+      </p:sp>
+      <p:sp>
+        <p:nvSpPr>
+          <p:cNvPr id="3" name="Marcador de Posição de Notas 2"/>
+          <p:cNvSpPr>
+            <a:spLocks noGrp="1"/>
+          </p:cNvSpPr>
+          <p:nvPr>
+            <p:ph type="body" idx="1"/>
+          </p:nvPr>
+        </p:nvSpPr>
+        <p:spPr/>
+        <p:txBody>
+          <a:bodyPr/>
+          <a:lstStyle/>
+          <a:p>
+            <a:pPr marL="171450" marR="0" lvl="0" indent="-171450" algn="l" defTabSz="914400" rtl="0" eaLnBrk="1" fontAlgn="auto" latinLnBrk="0" hangingPunct="1">
+              <a:lnSpc>
+                <a:spcPct val="100000"/>
+              </a:lnSpc>
+              <a:spcBef>
+                <a:spcPts val="0"/>
+              </a:spcBef>
+              <a:spcAft>
+                <a:spcPts val="0"/>
+              </a:spcAft>
+              <a:buClrTx/>
+              <a:buSzTx/>
+              <a:buFontTx/>
+              <a:buChar char="-"/>
+              <a:tabLst/>
+              <a:defRPr/>
+            </a:pPr>
+            <a:r>
+              <a:rPr lang="pt-PT" sz="1200" kern="1200" dirty="0">
+                <a:solidFill>
+                  <a:schemeClr val="tx1"/>
+                </a:solidFill>
+                <a:latin typeface="+mn-lt"/>
+                <a:ea typeface="+mn-ea"/>
+                <a:cs typeface="+mn-cs"/>
+              </a:rPr>
+              <a:t>A redução do tempo total ao passar de 100 para 500 poderá ser determinado pela existência de um tempo de </a:t>
+            </a:r>
+            <a:r>
+              <a:rPr lang="pt-PT" sz="1200" kern="1200" dirty="0" err="1">
+                <a:solidFill>
+                  <a:schemeClr val="tx1"/>
+                </a:solidFill>
+                <a:latin typeface="+mn-lt"/>
+                <a:ea typeface="+mn-ea"/>
+                <a:cs typeface="+mn-cs"/>
+              </a:rPr>
+              <a:t>setup</a:t>
+            </a:r>
+            <a:r>
+              <a:rPr lang="pt-PT" sz="1200" kern="1200" dirty="0">
+                <a:solidFill>
+                  <a:schemeClr val="tx1"/>
+                </a:solidFill>
+                <a:latin typeface="+mn-lt"/>
+                <a:ea typeface="+mn-ea"/>
+                <a:cs typeface="+mn-cs"/>
+              </a:rPr>
+              <a:t> grande nalgum dos processos invocados, o que pode fazer com que chamar muitas vezes dê um relevo grande a esse tempo; </a:t>
+            </a:r>
+          </a:p>
+          <a:p>
+            <a:pPr marL="171450" marR="0" lvl="0" indent="-171450" algn="l" defTabSz="914400" rtl="0" eaLnBrk="1" fontAlgn="auto" latinLnBrk="0" hangingPunct="1">
+              <a:lnSpc>
+                <a:spcPct val="100000"/>
+              </a:lnSpc>
+              <a:spcBef>
+                <a:spcPts val="0"/>
+              </a:spcBef>
+              <a:spcAft>
+                <a:spcPts val="0"/>
+              </a:spcAft>
+              <a:buClrTx/>
+              <a:buSzTx/>
+              <a:buFontTx/>
+              <a:buChar char="-"/>
+              <a:tabLst/>
+              <a:defRPr/>
+            </a:pPr>
+            <a:r>
+              <a:rPr lang="pt-PT" sz="1200" kern="1200">
+                <a:solidFill>
+                  <a:schemeClr val="tx1"/>
+                </a:solidFill>
+                <a:latin typeface="+mn-lt"/>
+                <a:ea typeface="+mn-ea"/>
+                <a:cs typeface="+mn-cs"/>
+              </a:rPr>
+              <a:t>o </a:t>
+            </a:r>
+            <a:r>
+              <a:rPr lang="pt-PT" sz="1200" kern="1200" dirty="0" err="1">
+                <a:solidFill>
+                  <a:schemeClr val="tx1"/>
+                </a:solidFill>
+                <a:latin typeface="+mn-lt"/>
+                <a:ea typeface="+mn-ea"/>
+                <a:cs typeface="+mn-cs"/>
+              </a:rPr>
+              <a:t>comportamnto</a:t>
+            </a:r>
+            <a:r>
+              <a:rPr lang="pt-PT" sz="1200" kern="1200" dirty="0">
+                <a:solidFill>
+                  <a:schemeClr val="tx1"/>
+                </a:solidFill>
+                <a:latin typeface="+mn-lt"/>
+                <a:ea typeface="+mn-ea"/>
+                <a:cs typeface="+mn-cs"/>
+              </a:rPr>
+              <a:t> ao passar de 500 para 1000 pode significar que se está a exceder a memória física e a entrar num processo de recurso à memória virtual, de facto guardada em disco.</a:t>
+            </a:r>
+          </a:p>
+          <a:p>
+            <a:endParaRPr lang="pt-PT" dirty="0"/>
+          </a:p>
+        </p:txBody>
+      </p:sp>
+      <p:sp>
+        <p:nvSpPr>
+          <p:cNvPr id="4" name="Marcador de Posição do Número do Diapositivo 3"/>
+          <p:cNvSpPr>
+            <a:spLocks noGrp="1"/>
+          </p:cNvSpPr>
+          <p:nvPr>
+            <p:ph type="sldNum" sz="quarter" idx="10"/>
+          </p:nvPr>
+        </p:nvSpPr>
+        <p:spPr/>
+        <p:txBody>
+          <a:bodyPr/>
+          <a:lstStyle/>
+          <a:p>
+            <a:fld id="{A37DC0E3-D7D0-4B7C-A327-D399D589CBC5}" type="slidenum">
+              <a:rPr lang="pt-PT" smtClean="0"/>
+              <a:t>22</a:t>
+            </a:fld>
+            <a:endParaRPr lang="pt-PT"/>
+          </a:p>
+        </p:txBody>
+      </p:sp>
+    </p:spTree>
+    <p:extLst>
+      <p:ext uri="{BB962C8B-B14F-4D97-AF65-F5344CB8AC3E}">
+        <p14:creationId xmlns:p14="http://schemas.microsoft.com/office/powerpoint/2010/main" val="2417754342"/>
       </p:ext>
     </p:extLst>
   </p:cSld>
@@ -1392,7 +1832,7 @@
           <a:p>
             <a:fld id="{B8C1D41B-FD9D-477E-A7D3-2D0500536254}" type="datetimeFigureOut">
               <a:rPr lang="pt-PT" smtClean="0"/>
-              <a:t>06/07/2016</a:t>
+              <a:t>10/07/2016</a:t>
             </a:fld>
             <a:endParaRPr lang="pt-PT"/>
           </a:p>
@@ -1806,7 +2246,7 @@
           <a:p>
             <a:fld id="{B8C1D41B-FD9D-477E-A7D3-2D0500536254}" type="datetimeFigureOut">
               <a:rPr lang="pt-PT" smtClean="0"/>
-              <a:t>06/07/2016</a:t>
+              <a:t>10/07/2016</a:t>
             </a:fld>
             <a:endParaRPr lang="pt-PT"/>
           </a:p>
@@ -2142,7 +2582,7 @@
           <a:p>
             <a:fld id="{B8C1D41B-FD9D-477E-A7D3-2D0500536254}" type="datetimeFigureOut">
               <a:rPr lang="pt-PT" smtClean="0"/>
-              <a:t>06/07/2016</a:t>
+              <a:t>10/07/2016</a:t>
             </a:fld>
             <a:endParaRPr lang="pt-PT"/>
           </a:p>
@@ -2547,7 +2987,7 @@
           <a:p>
             <a:fld id="{B8C1D41B-FD9D-477E-A7D3-2D0500536254}" type="datetimeFigureOut">
               <a:rPr lang="pt-PT" smtClean="0"/>
-              <a:t>06/07/2016</a:t>
+              <a:t>10/07/2016</a:t>
             </a:fld>
             <a:endParaRPr lang="pt-PT"/>
           </a:p>
@@ -3115,7 +3555,7 @@
           <a:p>
             <a:fld id="{B8C1D41B-FD9D-477E-A7D3-2D0500536254}" type="datetimeFigureOut">
               <a:rPr lang="pt-PT" smtClean="0"/>
-              <a:t>06/07/2016</a:t>
+              <a:t>10/07/2016</a:t>
             </a:fld>
             <a:endParaRPr lang="pt-PT"/>
           </a:p>
@@ -3796,7 +4236,7 @@
           <a:p>
             <a:fld id="{B8C1D41B-FD9D-477E-A7D3-2D0500536254}" type="datetimeFigureOut">
               <a:rPr lang="pt-PT" smtClean="0"/>
-              <a:t>06/07/2016</a:t>
+              <a:t>10/07/2016</a:t>
             </a:fld>
             <a:endParaRPr lang="pt-PT"/>
           </a:p>
@@ -4709,7 +5149,7 @@
           <a:p>
             <a:fld id="{B8C1D41B-FD9D-477E-A7D3-2D0500536254}" type="datetimeFigureOut">
               <a:rPr lang="pt-PT" smtClean="0"/>
-              <a:t>06/07/2016</a:t>
+              <a:t>10/07/2016</a:t>
             </a:fld>
             <a:endParaRPr lang="pt-PT"/>
           </a:p>
@@ -5022,7 +5462,7 @@
           <a:p>
             <a:fld id="{B8C1D41B-FD9D-477E-A7D3-2D0500536254}" type="datetimeFigureOut">
               <a:rPr lang="pt-PT" smtClean="0"/>
-              <a:t>06/07/2016</a:t>
+              <a:t>10/07/2016</a:t>
             </a:fld>
             <a:endParaRPr lang="pt-PT"/>
           </a:p>
@@ -5286,7 +5726,7 @@
           <a:p>
             <a:fld id="{B8C1D41B-FD9D-477E-A7D3-2D0500536254}" type="datetimeFigureOut">
               <a:rPr lang="pt-PT" smtClean="0"/>
-              <a:t>06/07/2016</a:t>
+              <a:t>10/07/2016</a:t>
             </a:fld>
             <a:endParaRPr lang="pt-PT"/>
           </a:p>
@@ -5609,7 +6049,7 @@
           <a:p>
             <a:fld id="{B8C1D41B-FD9D-477E-A7D3-2D0500536254}" type="datetimeFigureOut">
               <a:rPr lang="pt-PT" smtClean="0"/>
-              <a:t>06/07/2016</a:t>
+              <a:t>10/07/2016</a:t>
             </a:fld>
             <a:endParaRPr lang="pt-PT"/>
           </a:p>
@@ -5998,7 +6438,7 @@
           <a:p>
             <a:fld id="{B8C1D41B-FD9D-477E-A7D3-2D0500536254}" type="datetimeFigureOut">
               <a:rPr lang="pt-PT" smtClean="0"/>
-              <a:t>06/07/2016</a:t>
+              <a:t>10/07/2016</a:t>
             </a:fld>
             <a:endParaRPr lang="pt-PT"/>
           </a:p>
@@ -6374,7 +6814,7 @@
           <a:p>
             <a:fld id="{B8C1D41B-FD9D-477E-A7D3-2D0500536254}" type="datetimeFigureOut">
               <a:rPr lang="pt-PT" smtClean="0"/>
-              <a:t>06/07/2016</a:t>
+              <a:t>10/07/2016</a:t>
             </a:fld>
             <a:endParaRPr lang="pt-PT"/>
           </a:p>
@@ -6880,7 +7320,7 @@
           <a:p>
             <a:fld id="{B8C1D41B-FD9D-477E-A7D3-2D0500536254}" type="datetimeFigureOut">
               <a:rPr lang="pt-PT" smtClean="0"/>
-              <a:t>06/07/2016</a:t>
+              <a:t>10/07/2016</a:t>
             </a:fld>
             <a:endParaRPr lang="pt-PT"/>
           </a:p>
@@ -7137,7 +7577,7 @@
           <a:p>
             <a:fld id="{B8C1D41B-FD9D-477E-A7D3-2D0500536254}" type="datetimeFigureOut">
               <a:rPr lang="pt-PT" smtClean="0"/>
-              <a:t>06/07/2016</a:t>
+              <a:t>10/07/2016</a:t>
             </a:fld>
             <a:endParaRPr lang="pt-PT"/>
           </a:p>
@@ -7300,7 +7740,7 @@
           <a:p>
             <a:fld id="{B8C1D41B-FD9D-477E-A7D3-2D0500536254}" type="datetimeFigureOut">
               <a:rPr lang="pt-PT" smtClean="0"/>
-              <a:t>06/07/2016</a:t>
+              <a:t>10/07/2016</a:t>
             </a:fld>
             <a:endParaRPr lang="pt-PT"/>
           </a:p>
@@ -7690,7 +8130,7 @@
           <a:p>
             <a:fld id="{B8C1D41B-FD9D-477E-A7D3-2D0500536254}" type="datetimeFigureOut">
               <a:rPr lang="pt-PT" smtClean="0"/>
-              <a:t>06/07/2016</a:t>
+              <a:t>10/07/2016</a:t>
             </a:fld>
             <a:endParaRPr lang="pt-PT"/>
           </a:p>
@@ -8099,7 +8539,7 @@
           <a:p>
             <a:fld id="{B8C1D41B-FD9D-477E-A7D3-2D0500536254}" type="datetimeFigureOut">
               <a:rPr lang="pt-PT" smtClean="0"/>
-              <a:t>06/07/2016</a:t>
+              <a:t>10/07/2016</a:t>
             </a:fld>
             <a:endParaRPr lang="pt-PT"/>
           </a:p>
@@ -8346,7 +8786,7 @@
           <a:p>
             <a:fld id="{B8C1D41B-FD9D-477E-A7D3-2D0500536254}" type="datetimeFigureOut">
               <a:rPr lang="pt-PT" smtClean="0"/>
-              <a:t>06/07/2016</a:t>
+              <a:t>10/07/2016</a:t>
             </a:fld>
             <a:endParaRPr lang="pt-PT"/>
           </a:p>
@@ -9064,14 +9504,205 @@
           <a:p>
             <a:r>
               <a:rPr lang="pt-PT" dirty="0"/>
-              <a:t>Exemplos de arquétipos</a:t>
-            </a:r>
-          </a:p>
-        </p:txBody>
-      </p:sp>
+              <a:t>Estrutura </a:t>
+            </a:r>
+            <a:r>
+              <a:rPr lang="pt-PT" dirty="0" err="1"/>
+              <a:t>EHRServer</a:t>
+            </a:r>
+            <a:endParaRPr lang="pt-PT" dirty="0"/>
+          </a:p>
+        </p:txBody>
+      </p:sp>
+      <p:grpSp>
+        <p:nvGrpSpPr>
+          <p:cNvPr id="8" name="Grupo 7"/>
+          <p:cNvGrpSpPr/>
+          <p:nvPr/>
+        </p:nvGrpSpPr>
+        <p:grpSpPr>
+          <a:xfrm>
+            <a:off x="10579200" y="611939"/>
+            <a:ext cx="1612800" cy="4718464"/>
+            <a:chOff x="10579200" y="611939"/>
+            <a:chExt cx="1612800" cy="4718464"/>
+          </a:xfrm>
+        </p:grpSpPr>
+        <p:sp>
+          <p:nvSpPr>
+            <p:cNvPr id="10" name="Retângulo arredondado 9"/>
+            <p:cNvSpPr/>
+            <p:nvPr/>
+          </p:nvSpPr>
+          <p:spPr>
+            <a:xfrm>
+              <a:off x="10580914" y="611939"/>
+              <a:ext cx="1611086" cy="1363516"/>
+            </a:xfrm>
+            <a:prstGeom prst="roundRect">
+              <a:avLst>
+                <a:gd name="adj" fmla="val 0"/>
+              </a:avLst>
+            </a:prstGeom>
+            <a:solidFill>
+              <a:srgbClr val="F09415"/>
+            </a:solidFill>
+            <a:ln w="50800">
+              <a:solidFill>
+                <a:srgbClr val="F09415"/>
+              </a:solidFill>
+            </a:ln>
+          </p:spPr>
+          <p:style>
+            <a:lnRef idx="2">
+              <a:schemeClr val="accent1">
+                <a:shade val="50000"/>
+              </a:schemeClr>
+            </a:lnRef>
+            <a:fillRef idx="1">
+              <a:schemeClr val="accent1"/>
+            </a:fillRef>
+            <a:effectRef idx="0">
+              <a:schemeClr val="accent1"/>
+            </a:effectRef>
+            <a:fontRef idx="minor">
+              <a:schemeClr val="lt1"/>
+            </a:fontRef>
+          </p:style>
+          <p:txBody>
+            <a:bodyPr rtlCol="0" anchor="ctr"/>
+            <a:lstStyle/>
+            <a:p>
+              <a:pPr algn="ctr"/>
+              <a:r>
+                <a:rPr lang="pt-PT" b="1" dirty="0">
+                  <a:solidFill>
+                    <a:schemeClr val="tx1"/>
+                  </a:solidFill>
+                </a:rPr>
+                <a:t>Agregar a informação numa só estrutura</a:t>
+              </a:r>
+            </a:p>
+          </p:txBody>
+        </p:sp>
+        <p:sp>
+          <p:nvSpPr>
+            <p:cNvPr id="11" name="Retângulo arredondado 10"/>
+            <p:cNvSpPr/>
+            <p:nvPr/>
+          </p:nvSpPr>
+          <p:spPr>
+            <a:xfrm>
+              <a:off x="10579200" y="2288529"/>
+              <a:ext cx="1612800" cy="1364400"/>
+            </a:xfrm>
+            <a:prstGeom prst="roundRect">
+              <a:avLst>
+                <a:gd name="adj" fmla="val 0"/>
+              </a:avLst>
+            </a:prstGeom>
+            <a:solidFill>
+              <a:srgbClr val="262626"/>
+            </a:solidFill>
+            <a:ln w="50800">
+              <a:solidFill>
+                <a:srgbClr val="262626"/>
+              </a:solidFill>
+            </a:ln>
+          </p:spPr>
+          <p:style>
+            <a:lnRef idx="2">
+              <a:schemeClr val="accent1">
+                <a:shade val="50000"/>
+              </a:schemeClr>
+            </a:lnRef>
+            <a:fillRef idx="1">
+              <a:schemeClr val="accent1"/>
+            </a:fillRef>
+            <a:effectRef idx="0">
+              <a:schemeClr val="accent1"/>
+            </a:effectRef>
+            <a:fontRef idx="minor">
+              <a:schemeClr val="lt1"/>
+            </a:fontRef>
+          </p:style>
+          <p:txBody>
+            <a:bodyPr rtlCol="0" anchor="ctr"/>
+            <a:lstStyle/>
+            <a:p>
+              <a:pPr algn="ctr"/>
+              <a:r>
+                <a:rPr lang="pt-PT" b="1" dirty="0">
+                  <a:solidFill>
+                    <a:schemeClr val="tx1"/>
+                  </a:solidFill>
+                </a:rPr>
+                <a:t>Indexar a informação proveniente dessa estrutura</a:t>
+              </a:r>
+            </a:p>
+          </p:txBody>
+        </p:sp>
+        <p:sp>
+          <p:nvSpPr>
+            <p:cNvPr id="12" name="Retângulo arredondado 11"/>
+            <p:cNvSpPr/>
+            <p:nvPr/>
+          </p:nvSpPr>
+          <p:spPr>
+            <a:xfrm>
+              <a:off x="10579200" y="3966003"/>
+              <a:ext cx="1612800" cy="1364400"/>
+            </a:xfrm>
+            <a:prstGeom prst="roundRect">
+              <a:avLst>
+                <a:gd name="adj" fmla="val 0"/>
+              </a:avLst>
+            </a:prstGeom>
+            <a:solidFill>
+              <a:srgbClr val="262626"/>
+            </a:solidFill>
+            <a:ln w="50800">
+              <a:solidFill>
+                <a:srgbClr val="262626"/>
+              </a:solidFill>
+            </a:ln>
+          </p:spPr>
+          <p:style>
+            <a:lnRef idx="2">
+              <a:schemeClr val="accent1">
+                <a:shade val="50000"/>
+              </a:schemeClr>
+            </a:lnRef>
+            <a:fillRef idx="1">
+              <a:schemeClr val="accent1"/>
+            </a:fillRef>
+            <a:effectRef idx="0">
+              <a:schemeClr val="accent1"/>
+            </a:effectRef>
+            <a:fontRef idx="minor">
+              <a:schemeClr val="lt1"/>
+            </a:fontRef>
+          </p:style>
+          <p:txBody>
+            <a:bodyPr rtlCol="0" anchor="ctr"/>
+            <a:lstStyle/>
+            <a:p>
+              <a:pPr algn="ctr"/>
+              <a:r>
+                <a:rPr lang="pt-PT" b="1" dirty="0">
+                  <a:solidFill>
+                    <a:schemeClr val="tx1"/>
+                  </a:solidFill>
+                </a:rPr>
+                <a:t>Apresentar os resultados tipo Google</a:t>
+              </a:r>
+            </a:p>
+          </p:txBody>
+        </p:sp>
+      </p:grpSp>
       <p:pic>
         <p:nvPicPr>
-          <p:cNvPr id="4" name="Marcador de Posição de Conteúdo 3"/>
+          <p:cNvPr id="14" name="Marcador de Posição de Conteúdo 13"/>
           <p:cNvPicPr>
             <a:picLocks noGrp="1" noChangeAspect="1"/>
           </p:cNvPicPr>
@@ -9079,93 +9710,44 @@
             <p:ph idx="1"/>
           </p:nvPr>
         </p:nvPicPr>
-        <p:blipFill rotWithShape="1">
-          <a:blip r:embed="rId2"/>
-          <a:srcRect l="39007" t="55303" r="20179" b="30631"/>
-          <a:stretch/>
+        <p:blipFill>
+          <a:blip r:embed="rId2">
+            <a:extLst>
+              <a:ext uri="{28A0092B-C50C-407E-A947-70E740481C1C}">
+                <a14:useLocalDpi xmlns:a14="http://schemas.microsoft.com/office/drawing/2010/main" val="0"/>
+              </a:ext>
+            </a:extLst>
+          </a:blip>
+          <a:stretch>
+            <a:fillRect/>
+          </a:stretch>
         </p:blipFill>
         <p:spPr>
           <a:xfrm>
-            <a:off x="2498271" y="2416628"/>
-            <a:ext cx="7332054" cy="1420586"/>
+            <a:off x="681038" y="2374717"/>
+            <a:ext cx="9613900" cy="3523029"/>
           </a:xfrm>
-          <a:prstGeom prst="rect">
-            <a:avLst/>
-          </a:prstGeom>
         </p:spPr>
       </p:pic>
-      <p:pic>
-        <p:nvPicPr>
-          <p:cNvPr id="5" name="Imagem 4"/>
-          <p:cNvPicPr>
-            <a:picLocks noChangeAspect="1"/>
-          </p:cNvPicPr>
+      <p:sp>
+        <p:nvSpPr>
+          <p:cNvPr id="15" name="Retângulo 14"/>
+          <p:cNvSpPr/>
           <p:nvPr/>
-        </p:nvPicPr>
-        <p:blipFill rotWithShape="1">
-          <a:blip r:embed="rId3"/>
-          <a:srcRect l="35902" t="55580" r="21299" b="31697"/>
-          <a:stretch/>
-        </p:blipFill>
+        </p:nvSpPr>
         <p:spPr>
           <a:xfrm>
-            <a:off x="2015071" y="4579261"/>
-            <a:ext cx="8279111" cy="1383768"/>
-          </a:xfrm>
-          <a:prstGeom prst="rect">
-            <a:avLst/>
-          </a:prstGeom>
-        </p:spPr>
-      </p:pic>
-      <p:sp>
-        <p:nvSpPr>
-          <p:cNvPr id="6" name="Retângulo 5"/>
-          <p:cNvSpPr/>
-          <p:nvPr/>
-        </p:nvSpPr>
-        <p:spPr>
-          <a:xfrm>
-            <a:off x="8401014" y="6212977"/>
-            <a:ext cx="3423630" cy="369332"/>
-          </a:xfrm>
-          <a:prstGeom prst="rect">
-            <a:avLst/>
-          </a:prstGeom>
-        </p:spPr>
-        <p:txBody>
-          <a:bodyPr wrap="none">
-            <a:spAutoFit/>
-          </a:bodyPr>
-          <a:lstStyle/>
-          <a:p>
-            <a:r>
-              <a:rPr lang="pt-PT" dirty="0">
-                <a:solidFill>
-                  <a:schemeClr val="bg1"/>
-                </a:solidFill>
-              </a:rPr>
-              <a:t>http://www.openehr.org/ckm/</a:t>
-            </a:r>
-          </a:p>
-        </p:txBody>
-      </p:sp>
-      <p:sp>
-        <p:nvSpPr>
-          <p:cNvPr id="7" name="Retângulo 6"/>
-          <p:cNvSpPr/>
-          <p:nvPr/>
-        </p:nvSpPr>
-        <p:spPr>
-          <a:xfrm>
-            <a:off x="10580914" y="604157"/>
-            <a:ext cx="1611086" cy="1371600"/>
+            <a:off x="5250425" y="3973999"/>
+            <a:ext cx="973393" cy="155550"/>
           </a:xfrm>
           <a:prstGeom prst="rect">
             <a:avLst/>
           </a:prstGeom>
           <a:noFill/>
-          <a:ln>
-            <a:noFill/>
+          <a:ln w="25400">
+            <a:solidFill>
+              <a:srgbClr val="F09415"/>
+            </a:solidFill>
           </a:ln>
         </p:spPr>
         <p:style>
@@ -9189,34 +9771,28 @@
           <a:lstStyle/>
           <a:p>
             <a:pPr algn="ctr"/>
-            <a:r>
-              <a:rPr lang="en-GB" sz="3200" dirty="0"/>
-              <a:t>1</a:t>
-            </a:r>
-            <a:endParaRPr lang="pt-PT" sz="3200" dirty="0"/>
-          </a:p>
-        </p:txBody>
-      </p:sp>
-      <p:sp>
-        <p:nvSpPr>
-          <p:cNvPr id="9" name="Retângulo 8"/>
+            <a:endParaRPr lang="pt-PT"/>
+          </a:p>
+        </p:txBody>
+      </p:sp>
+      <p:sp>
+        <p:nvSpPr>
+          <p:cNvPr id="16" name="Retângulo 15"/>
           <p:cNvSpPr/>
           <p:nvPr/>
         </p:nvSpPr>
         <p:spPr>
           <a:xfrm>
-            <a:off x="10580914" y="604157"/>
-            <a:ext cx="1611086" cy="1371600"/>
+            <a:off x="5250425" y="4237011"/>
+            <a:ext cx="693176" cy="158007"/>
           </a:xfrm>
           <a:prstGeom prst="rect">
             <a:avLst/>
           </a:prstGeom>
           <a:noFill/>
-          <a:ln w="50800">
+          <a:ln w="25400">
             <a:solidFill>
-              <a:schemeClr val="tx2">
-                <a:lumMod val="25000"/>
-              </a:schemeClr>
+              <a:srgbClr val="F09415"/>
             </a:solidFill>
           </a:ln>
         </p:spPr>
@@ -9311,102 +9887,192 @@
           </a:effectLst>
         </p:spPr>
       </p:pic>
-      <p:sp>
-        <p:nvSpPr>
-          <p:cNvPr id="6" name="Retângulo 5"/>
-          <p:cNvSpPr/>
+      <p:grpSp>
+        <p:nvGrpSpPr>
+          <p:cNvPr id="8" name="Grupo 7"/>
+          <p:cNvGrpSpPr/>
           <p:nvPr/>
-        </p:nvSpPr>
-        <p:spPr>
+        </p:nvGrpSpPr>
+        <p:grpSpPr>
           <a:xfrm>
-            <a:off x="10580914" y="604157"/>
-            <a:ext cx="1611086" cy="1371600"/>
+            <a:off x="10579200" y="611939"/>
+            <a:ext cx="1612800" cy="4718464"/>
+            <a:chOff x="10579200" y="611939"/>
+            <a:chExt cx="1612800" cy="4718464"/>
           </a:xfrm>
-          <a:prstGeom prst="rect">
-            <a:avLst/>
-          </a:prstGeom>
-          <a:noFill/>
-          <a:ln>
-            <a:noFill/>
-          </a:ln>
-        </p:spPr>
-        <p:style>
-          <a:lnRef idx="2">
-            <a:schemeClr val="accent1">
-              <a:shade val="50000"/>
-            </a:schemeClr>
-          </a:lnRef>
-          <a:fillRef idx="1">
-            <a:schemeClr val="accent1"/>
-          </a:fillRef>
-          <a:effectRef idx="0">
-            <a:schemeClr val="accent1"/>
-          </a:effectRef>
-          <a:fontRef idx="minor">
-            <a:schemeClr val="lt1"/>
-          </a:fontRef>
-        </p:style>
-        <p:txBody>
-          <a:bodyPr rtlCol="0" anchor="ctr"/>
-          <a:lstStyle/>
-          <a:p>
-            <a:pPr algn="ctr"/>
-            <a:r>
-              <a:rPr lang="en-GB" sz="3200" dirty="0"/>
-              <a:t>1</a:t>
-            </a:r>
-            <a:endParaRPr lang="pt-PT" sz="3200" dirty="0"/>
-          </a:p>
-        </p:txBody>
-      </p:sp>
-      <p:sp>
-        <p:nvSpPr>
-          <p:cNvPr id="7" name="Retângulo 6"/>
-          <p:cNvSpPr/>
-          <p:nvPr/>
-        </p:nvSpPr>
-        <p:spPr>
-          <a:xfrm>
-            <a:off x="10580914" y="604157"/>
-            <a:ext cx="1611086" cy="1371600"/>
-          </a:xfrm>
-          <a:prstGeom prst="rect">
-            <a:avLst/>
-          </a:prstGeom>
-          <a:noFill/>
-          <a:ln w="50800">
+        </p:grpSpPr>
+        <p:sp>
+          <p:nvSpPr>
+            <p:cNvPr id="9" name="Retângulo arredondado 8"/>
+            <p:cNvSpPr/>
+            <p:nvPr/>
+          </p:nvSpPr>
+          <p:spPr>
+            <a:xfrm>
+              <a:off x="10580914" y="611939"/>
+              <a:ext cx="1611086" cy="1363516"/>
+            </a:xfrm>
+            <a:prstGeom prst="roundRect">
+              <a:avLst>
+                <a:gd name="adj" fmla="val 0"/>
+              </a:avLst>
+            </a:prstGeom>
             <a:solidFill>
-              <a:schemeClr val="tx2">
-                <a:lumMod val="25000"/>
+              <a:srgbClr val="F09415"/>
+            </a:solidFill>
+            <a:ln w="50800">
+              <a:solidFill>
+                <a:srgbClr val="F09415"/>
+              </a:solidFill>
+            </a:ln>
+          </p:spPr>
+          <p:style>
+            <a:lnRef idx="2">
+              <a:schemeClr val="accent1">
+                <a:shade val="50000"/>
               </a:schemeClr>
+            </a:lnRef>
+            <a:fillRef idx="1">
+              <a:schemeClr val="accent1"/>
+            </a:fillRef>
+            <a:effectRef idx="0">
+              <a:schemeClr val="accent1"/>
+            </a:effectRef>
+            <a:fontRef idx="minor">
+              <a:schemeClr val="lt1"/>
+            </a:fontRef>
+          </p:style>
+          <p:txBody>
+            <a:bodyPr rtlCol="0" anchor="ctr"/>
+            <a:lstStyle/>
+            <a:p>
+              <a:pPr algn="ctr"/>
+              <a:r>
+                <a:rPr lang="pt-PT" b="1" dirty="0">
+                  <a:solidFill>
+                    <a:schemeClr val="tx1"/>
+                  </a:solidFill>
+                </a:rPr>
+                <a:t>Agregar a informação numa só estrutura</a:t>
+              </a:r>
+            </a:p>
+          </p:txBody>
+        </p:sp>
+        <p:sp>
+          <p:nvSpPr>
+            <p:cNvPr id="10" name="Retângulo arredondado 9"/>
+            <p:cNvSpPr/>
+            <p:nvPr/>
+          </p:nvSpPr>
+          <p:spPr>
+            <a:xfrm>
+              <a:off x="10579200" y="2288529"/>
+              <a:ext cx="1612800" cy="1364400"/>
+            </a:xfrm>
+            <a:prstGeom prst="roundRect">
+              <a:avLst>
+                <a:gd name="adj" fmla="val 0"/>
+              </a:avLst>
+            </a:prstGeom>
+            <a:solidFill>
+              <a:srgbClr val="262626"/>
             </a:solidFill>
-          </a:ln>
-        </p:spPr>
-        <p:style>
-          <a:lnRef idx="2">
-            <a:schemeClr val="accent1">
-              <a:shade val="50000"/>
-            </a:schemeClr>
-          </a:lnRef>
-          <a:fillRef idx="1">
-            <a:schemeClr val="accent1"/>
-          </a:fillRef>
-          <a:effectRef idx="0">
-            <a:schemeClr val="accent1"/>
-          </a:effectRef>
-          <a:fontRef idx="minor">
-            <a:schemeClr val="lt1"/>
-          </a:fontRef>
-        </p:style>
-        <p:txBody>
-          <a:bodyPr rtlCol="0" anchor="ctr"/>
-          <a:lstStyle/>
-          <a:p>
-            <a:pPr algn="ctr"/>
-            <a:endParaRPr lang="pt-PT"/>
-          </a:p>
-        </p:txBody>
-      </p:sp>
+            <a:ln w="50800">
+              <a:solidFill>
+                <a:srgbClr val="262626"/>
+              </a:solidFill>
+            </a:ln>
+          </p:spPr>
+          <p:style>
+            <a:lnRef idx="2">
+              <a:schemeClr val="accent1">
+                <a:shade val="50000"/>
+              </a:schemeClr>
+            </a:lnRef>
+            <a:fillRef idx="1">
+              <a:schemeClr val="accent1"/>
+            </a:fillRef>
+            <a:effectRef idx="0">
+              <a:schemeClr val="accent1"/>
+            </a:effectRef>
+            <a:fontRef idx="minor">
+              <a:schemeClr val="lt1"/>
+            </a:fontRef>
+          </p:style>
+          <p:txBody>
+            <a:bodyPr rtlCol="0" anchor="ctr"/>
+            <a:lstStyle/>
+            <a:p>
+              <a:pPr algn="ctr"/>
+              <a:r>
+                <a:rPr lang="pt-PT" b="1" dirty="0">
+                  <a:solidFill>
+                    <a:schemeClr val="tx1"/>
+                  </a:solidFill>
+                </a:rPr>
+                <a:t>Indexar a informação proveniente dessa estrutura</a:t>
+              </a:r>
+            </a:p>
+          </p:txBody>
+        </p:sp>
+        <p:sp>
+          <p:nvSpPr>
+            <p:cNvPr id="11" name="Retângulo arredondado 10"/>
+            <p:cNvSpPr/>
+            <p:nvPr/>
+          </p:nvSpPr>
+          <p:spPr>
+            <a:xfrm>
+              <a:off x="10579200" y="3966003"/>
+              <a:ext cx="1612800" cy="1364400"/>
+            </a:xfrm>
+            <a:prstGeom prst="roundRect">
+              <a:avLst>
+                <a:gd name="adj" fmla="val 0"/>
+              </a:avLst>
+            </a:prstGeom>
+            <a:solidFill>
+              <a:srgbClr val="262626"/>
+            </a:solidFill>
+            <a:ln w="50800">
+              <a:solidFill>
+                <a:srgbClr val="262626"/>
+              </a:solidFill>
+            </a:ln>
+          </p:spPr>
+          <p:style>
+            <a:lnRef idx="2">
+              <a:schemeClr val="accent1">
+                <a:shade val="50000"/>
+              </a:schemeClr>
+            </a:lnRef>
+            <a:fillRef idx="1">
+              <a:schemeClr val="accent1"/>
+            </a:fillRef>
+            <a:effectRef idx="0">
+              <a:schemeClr val="accent1"/>
+            </a:effectRef>
+            <a:fontRef idx="minor">
+              <a:schemeClr val="lt1"/>
+            </a:fontRef>
+          </p:style>
+          <p:txBody>
+            <a:bodyPr rtlCol="0" anchor="ctr"/>
+            <a:lstStyle/>
+            <a:p>
+              <a:pPr algn="ctr"/>
+              <a:r>
+                <a:rPr lang="pt-PT" b="1" dirty="0">
+                  <a:solidFill>
+                    <a:schemeClr val="tx1"/>
+                  </a:solidFill>
+                </a:rPr>
+                <a:t>Apresentar os resultados tipo Google</a:t>
+              </a:r>
+            </a:p>
+          </p:txBody>
+        </p:sp>
+      </p:grpSp>
     </p:spTree>
     <p:extLst>
       <p:ext uri="{BB962C8B-B14F-4D97-AF65-F5344CB8AC3E}">
@@ -9556,102 +10222,6 @@
           </a:p>
           <a:p>
             <a:endParaRPr lang="pt-PT" dirty="0"/>
-          </a:p>
-        </p:txBody>
-      </p:sp>
-      <p:sp>
-        <p:nvSpPr>
-          <p:cNvPr id="4" name="Retângulo 3"/>
-          <p:cNvSpPr/>
-          <p:nvPr/>
-        </p:nvSpPr>
-        <p:spPr>
-          <a:xfrm>
-            <a:off x="10580914" y="604157"/>
-            <a:ext cx="1611086" cy="1371600"/>
-          </a:xfrm>
-          <a:prstGeom prst="rect">
-            <a:avLst/>
-          </a:prstGeom>
-          <a:noFill/>
-          <a:ln>
-            <a:noFill/>
-          </a:ln>
-        </p:spPr>
-        <p:style>
-          <a:lnRef idx="2">
-            <a:schemeClr val="accent1">
-              <a:shade val="50000"/>
-            </a:schemeClr>
-          </a:lnRef>
-          <a:fillRef idx="1">
-            <a:schemeClr val="accent1"/>
-          </a:fillRef>
-          <a:effectRef idx="0">
-            <a:schemeClr val="accent1"/>
-          </a:effectRef>
-          <a:fontRef idx="minor">
-            <a:schemeClr val="lt1"/>
-          </a:fontRef>
-        </p:style>
-        <p:txBody>
-          <a:bodyPr rtlCol="0" anchor="ctr"/>
-          <a:lstStyle/>
-          <a:p>
-            <a:pPr algn="ctr"/>
-            <a:r>
-              <a:rPr lang="en-GB" sz="3200" dirty="0"/>
-              <a:t>2</a:t>
-            </a:r>
-            <a:endParaRPr lang="pt-PT" sz="3200" dirty="0"/>
-          </a:p>
-        </p:txBody>
-      </p:sp>
-      <p:sp>
-        <p:nvSpPr>
-          <p:cNvPr id="7" name="Retângulo 6"/>
-          <p:cNvSpPr/>
-          <p:nvPr/>
-        </p:nvSpPr>
-        <p:spPr>
-          <a:xfrm>
-            <a:off x="10580914" y="604157"/>
-            <a:ext cx="1611086" cy="1371600"/>
-          </a:xfrm>
-          <a:prstGeom prst="rect">
-            <a:avLst/>
-          </a:prstGeom>
-          <a:noFill/>
-          <a:ln w="50800">
-            <a:solidFill>
-              <a:schemeClr val="tx2">
-                <a:lumMod val="25000"/>
-              </a:schemeClr>
-            </a:solidFill>
-          </a:ln>
-        </p:spPr>
-        <p:style>
-          <a:lnRef idx="2">
-            <a:schemeClr val="accent1">
-              <a:shade val="50000"/>
-            </a:schemeClr>
-          </a:lnRef>
-          <a:fillRef idx="1">
-            <a:schemeClr val="accent1"/>
-          </a:fillRef>
-          <a:effectRef idx="0">
-            <a:schemeClr val="accent1"/>
-          </a:effectRef>
-          <a:fontRef idx="minor">
-            <a:schemeClr val="lt1"/>
-          </a:fontRef>
-        </p:style>
-        <p:txBody>
-          <a:bodyPr rtlCol="0" anchor="ctr"/>
-          <a:lstStyle/>
-          <a:p>
-            <a:pPr algn="ctr"/>
-            <a:endParaRPr lang="pt-PT"/>
           </a:p>
         </p:txBody>
       </p:sp>
@@ -9696,6 +10266,192 @@
           </a:extLst>
         </p:spPr>
       </p:pic>
+      <p:grpSp>
+        <p:nvGrpSpPr>
+          <p:cNvPr id="9" name="Grupo 8"/>
+          <p:cNvGrpSpPr/>
+          <p:nvPr/>
+        </p:nvGrpSpPr>
+        <p:grpSpPr>
+          <a:xfrm>
+            <a:off x="10579200" y="611939"/>
+            <a:ext cx="1612800" cy="4718464"/>
+            <a:chOff x="10579200" y="611939"/>
+            <a:chExt cx="1612800" cy="4718464"/>
+          </a:xfrm>
+        </p:grpSpPr>
+        <p:sp>
+          <p:nvSpPr>
+            <p:cNvPr id="11" name="Retângulo arredondado 10"/>
+            <p:cNvSpPr/>
+            <p:nvPr/>
+          </p:nvSpPr>
+          <p:spPr>
+            <a:xfrm>
+              <a:off x="10580914" y="611939"/>
+              <a:ext cx="1611086" cy="1363516"/>
+            </a:xfrm>
+            <a:prstGeom prst="roundRect">
+              <a:avLst>
+                <a:gd name="adj" fmla="val 0"/>
+              </a:avLst>
+            </a:prstGeom>
+            <a:solidFill>
+              <a:srgbClr val="262626"/>
+            </a:solidFill>
+            <a:ln w="50800">
+              <a:solidFill>
+                <a:srgbClr val="262626"/>
+              </a:solidFill>
+            </a:ln>
+          </p:spPr>
+          <p:style>
+            <a:lnRef idx="2">
+              <a:schemeClr val="accent1">
+                <a:shade val="50000"/>
+              </a:schemeClr>
+            </a:lnRef>
+            <a:fillRef idx="1">
+              <a:schemeClr val="accent1"/>
+            </a:fillRef>
+            <a:effectRef idx="0">
+              <a:schemeClr val="accent1"/>
+            </a:effectRef>
+            <a:fontRef idx="minor">
+              <a:schemeClr val="lt1"/>
+            </a:fontRef>
+          </p:style>
+          <p:txBody>
+            <a:bodyPr rtlCol="0" anchor="ctr"/>
+            <a:lstStyle/>
+            <a:p>
+              <a:pPr algn="ctr"/>
+              <a:r>
+                <a:rPr lang="pt-PT" b="1" dirty="0">
+                  <a:solidFill>
+                    <a:schemeClr val="tx1"/>
+                  </a:solidFill>
+                </a:rPr>
+                <a:t>Agregar a informação numa só estrutura</a:t>
+              </a:r>
+            </a:p>
+          </p:txBody>
+        </p:sp>
+        <p:sp>
+          <p:nvSpPr>
+            <p:cNvPr id="12" name="Retângulo arredondado 11"/>
+            <p:cNvSpPr/>
+            <p:nvPr/>
+          </p:nvSpPr>
+          <p:spPr>
+            <a:xfrm>
+              <a:off x="10579200" y="2288529"/>
+              <a:ext cx="1612800" cy="1364400"/>
+            </a:xfrm>
+            <a:prstGeom prst="roundRect">
+              <a:avLst>
+                <a:gd name="adj" fmla="val 0"/>
+              </a:avLst>
+            </a:prstGeom>
+            <a:solidFill>
+              <a:srgbClr val="F09415"/>
+            </a:solidFill>
+            <a:ln w="50800">
+              <a:solidFill>
+                <a:srgbClr val="F09415"/>
+              </a:solidFill>
+            </a:ln>
+          </p:spPr>
+          <p:style>
+            <a:lnRef idx="2">
+              <a:schemeClr val="accent1">
+                <a:shade val="50000"/>
+              </a:schemeClr>
+            </a:lnRef>
+            <a:fillRef idx="1">
+              <a:schemeClr val="accent1"/>
+            </a:fillRef>
+            <a:effectRef idx="0">
+              <a:schemeClr val="accent1"/>
+            </a:effectRef>
+            <a:fontRef idx="minor">
+              <a:schemeClr val="lt1"/>
+            </a:fontRef>
+          </p:style>
+          <p:txBody>
+            <a:bodyPr rtlCol="0" anchor="ctr"/>
+            <a:lstStyle/>
+            <a:p>
+              <a:pPr algn="ctr"/>
+              <a:r>
+                <a:rPr lang="pt-PT" b="1" dirty="0">
+                  <a:solidFill>
+                    <a:schemeClr val="tx1"/>
+                  </a:solidFill>
+                </a:rPr>
+                <a:t>Indexar a informação proveniente dessa estrutura</a:t>
+              </a:r>
+            </a:p>
+          </p:txBody>
+        </p:sp>
+        <p:sp>
+          <p:nvSpPr>
+            <p:cNvPr id="13" name="Retângulo arredondado 12"/>
+            <p:cNvSpPr/>
+            <p:nvPr/>
+          </p:nvSpPr>
+          <p:spPr>
+            <a:xfrm>
+              <a:off x="10579200" y="3966003"/>
+              <a:ext cx="1612800" cy="1364400"/>
+            </a:xfrm>
+            <a:prstGeom prst="roundRect">
+              <a:avLst>
+                <a:gd name="adj" fmla="val 0"/>
+              </a:avLst>
+            </a:prstGeom>
+            <a:solidFill>
+              <a:srgbClr val="262626"/>
+            </a:solidFill>
+            <a:ln w="50800">
+              <a:solidFill>
+                <a:srgbClr val="262626"/>
+              </a:solidFill>
+            </a:ln>
+          </p:spPr>
+          <p:style>
+            <a:lnRef idx="2">
+              <a:schemeClr val="accent1">
+                <a:shade val="50000"/>
+              </a:schemeClr>
+            </a:lnRef>
+            <a:fillRef idx="1">
+              <a:schemeClr val="accent1"/>
+            </a:fillRef>
+            <a:effectRef idx="0">
+              <a:schemeClr val="accent1"/>
+            </a:effectRef>
+            <a:fontRef idx="minor">
+              <a:schemeClr val="lt1"/>
+            </a:fontRef>
+          </p:style>
+          <p:txBody>
+            <a:bodyPr rtlCol="0" anchor="ctr"/>
+            <a:lstStyle/>
+            <a:p>
+              <a:pPr algn="ctr"/>
+              <a:r>
+                <a:rPr lang="pt-PT" b="1" dirty="0">
+                  <a:solidFill>
+                    <a:schemeClr val="tx1"/>
+                  </a:solidFill>
+                </a:rPr>
+                <a:t>Apresentar os resultados tipo Google</a:t>
+              </a:r>
+            </a:p>
+          </p:txBody>
+        </p:sp>
+      </p:grpSp>
     </p:spTree>
     <p:extLst>
       <p:ext uri="{BB962C8B-B14F-4D97-AF65-F5344CB8AC3E}">
@@ -9754,102 +10510,6 @@
           </a:p>
         </p:txBody>
       </p:sp>
-      <p:sp>
-        <p:nvSpPr>
-          <p:cNvPr id="4" name="Retângulo 3"/>
-          <p:cNvSpPr/>
-          <p:nvPr/>
-        </p:nvSpPr>
-        <p:spPr>
-          <a:xfrm>
-            <a:off x="10580914" y="604157"/>
-            <a:ext cx="1611086" cy="1371600"/>
-          </a:xfrm>
-          <a:prstGeom prst="rect">
-            <a:avLst/>
-          </a:prstGeom>
-          <a:noFill/>
-          <a:ln>
-            <a:noFill/>
-          </a:ln>
-        </p:spPr>
-        <p:style>
-          <a:lnRef idx="2">
-            <a:schemeClr val="accent1">
-              <a:shade val="50000"/>
-            </a:schemeClr>
-          </a:lnRef>
-          <a:fillRef idx="1">
-            <a:schemeClr val="accent1"/>
-          </a:fillRef>
-          <a:effectRef idx="0">
-            <a:schemeClr val="accent1"/>
-          </a:effectRef>
-          <a:fontRef idx="minor">
-            <a:schemeClr val="lt1"/>
-          </a:fontRef>
-        </p:style>
-        <p:txBody>
-          <a:bodyPr rtlCol="0" anchor="ctr"/>
-          <a:lstStyle/>
-          <a:p>
-            <a:pPr algn="ctr"/>
-            <a:r>
-              <a:rPr lang="en-GB" sz="3200" dirty="0"/>
-              <a:t>2</a:t>
-            </a:r>
-            <a:endParaRPr lang="pt-PT" sz="3200" dirty="0"/>
-          </a:p>
-        </p:txBody>
-      </p:sp>
-      <p:sp>
-        <p:nvSpPr>
-          <p:cNvPr id="7" name="Retângulo 6"/>
-          <p:cNvSpPr/>
-          <p:nvPr/>
-        </p:nvSpPr>
-        <p:spPr>
-          <a:xfrm>
-            <a:off x="10580914" y="606271"/>
-            <a:ext cx="1611086" cy="1371600"/>
-          </a:xfrm>
-          <a:prstGeom prst="rect">
-            <a:avLst/>
-          </a:prstGeom>
-          <a:noFill/>
-          <a:ln w="50800">
-            <a:solidFill>
-              <a:schemeClr val="tx2">
-                <a:lumMod val="25000"/>
-              </a:schemeClr>
-            </a:solidFill>
-          </a:ln>
-        </p:spPr>
-        <p:style>
-          <a:lnRef idx="2">
-            <a:schemeClr val="accent1">
-              <a:shade val="50000"/>
-            </a:schemeClr>
-          </a:lnRef>
-          <a:fillRef idx="1">
-            <a:schemeClr val="accent1"/>
-          </a:fillRef>
-          <a:effectRef idx="0">
-            <a:schemeClr val="accent1"/>
-          </a:effectRef>
-          <a:fontRef idx="minor">
-            <a:schemeClr val="lt1"/>
-          </a:fontRef>
-        </p:style>
-        <p:txBody>
-          <a:bodyPr rtlCol="0" anchor="ctr"/>
-          <a:lstStyle/>
-          <a:p>
-            <a:pPr algn="ctr"/>
-            <a:endParaRPr lang="pt-PT"/>
-          </a:p>
-        </p:txBody>
-      </p:sp>
       <p:pic>
         <p:nvPicPr>
           <p:cNvPr id="6" name="Marcador de Posição de Conteúdo 5"/>
@@ -9861,7 +10521,7 @@
           </p:nvPr>
         </p:nvPicPr>
         <p:blipFill>
-          <a:blip r:embed="rId2">
+          <a:blip r:embed="rId3">
             <a:extLst>
               <a:ext uri="{28A0092B-C50C-407E-A947-70E740481C1C}">
                 <a14:useLocalDpi xmlns:a14="http://schemas.microsoft.com/office/drawing/2010/main" val="0"/>
@@ -9884,6 +10544,192 @@
           <a:noFill/>
         </p:spPr>
       </p:pic>
+      <p:grpSp>
+        <p:nvGrpSpPr>
+          <p:cNvPr id="8" name="Grupo 7"/>
+          <p:cNvGrpSpPr/>
+          <p:nvPr/>
+        </p:nvGrpSpPr>
+        <p:grpSpPr>
+          <a:xfrm>
+            <a:off x="10579200" y="611939"/>
+            <a:ext cx="1612800" cy="4718464"/>
+            <a:chOff x="10579200" y="611939"/>
+            <a:chExt cx="1612800" cy="4718464"/>
+          </a:xfrm>
+        </p:grpSpPr>
+        <p:sp>
+          <p:nvSpPr>
+            <p:cNvPr id="9" name="Retângulo arredondado 8"/>
+            <p:cNvSpPr/>
+            <p:nvPr/>
+          </p:nvSpPr>
+          <p:spPr>
+            <a:xfrm>
+              <a:off x="10580914" y="611939"/>
+              <a:ext cx="1611086" cy="1363516"/>
+            </a:xfrm>
+            <a:prstGeom prst="roundRect">
+              <a:avLst>
+                <a:gd name="adj" fmla="val 0"/>
+              </a:avLst>
+            </a:prstGeom>
+            <a:solidFill>
+              <a:srgbClr val="262626"/>
+            </a:solidFill>
+            <a:ln w="50800">
+              <a:solidFill>
+                <a:srgbClr val="262626"/>
+              </a:solidFill>
+            </a:ln>
+          </p:spPr>
+          <p:style>
+            <a:lnRef idx="2">
+              <a:schemeClr val="accent1">
+                <a:shade val="50000"/>
+              </a:schemeClr>
+            </a:lnRef>
+            <a:fillRef idx="1">
+              <a:schemeClr val="accent1"/>
+            </a:fillRef>
+            <a:effectRef idx="0">
+              <a:schemeClr val="accent1"/>
+            </a:effectRef>
+            <a:fontRef idx="minor">
+              <a:schemeClr val="lt1"/>
+            </a:fontRef>
+          </p:style>
+          <p:txBody>
+            <a:bodyPr rtlCol="0" anchor="ctr"/>
+            <a:lstStyle/>
+            <a:p>
+              <a:pPr algn="ctr"/>
+              <a:r>
+                <a:rPr lang="pt-PT" b="1" dirty="0">
+                  <a:solidFill>
+                    <a:schemeClr val="tx1"/>
+                  </a:solidFill>
+                </a:rPr>
+                <a:t>Agregar a informação numa só estrutura</a:t>
+              </a:r>
+            </a:p>
+          </p:txBody>
+        </p:sp>
+        <p:sp>
+          <p:nvSpPr>
+            <p:cNvPr id="10" name="Retângulo arredondado 9"/>
+            <p:cNvSpPr/>
+            <p:nvPr/>
+          </p:nvSpPr>
+          <p:spPr>
+            <a:xfrm>
+              <a:off x="10579200" y="2288529"/>
+              <a:ext cx="1612800" cy="1364400"/>
+            </a:xfrm>
+            <a:prstGeom prst="roundRect">
+              <a:avLst>
+                <a:gd name="adj" fmla="val 0"/>
+              </a:avLst>
+            </a:prstGeom>
+            <a:solidFill>
+              <a:srgbClr val="F09415"/>
+            </a:solidFill>
+            <a:ln w="50800">
+              <a:solidFill>
+                <a:srgbClr val="F09415"/>
+              </a:solidFill>
+            </a:ln>
+          </p:spPr>
+          <p:style>
+            <a:lnRef idx="2">
+              <a:schemeClr val="accent1">
+                <a:shade val="50000"/>
+              </a:schemeClr>
+            </a:lnRef>
+            <a:fillRef idx="1">
+              <a:schemeClr val="accent1"/>
+            </a:fillRef>
+            <a:effectRef idx="0">
+              <a:schemeClr val="accent1"/>
+            </a:effectRef>
+            <a:fontRef idx="minor">
+              <a:schemeClr val="lt1"/>
+            </a:fontRef>
+          </p:style>
+          <p:txBody>
+            <a:bodyPr rtlCol="0" anchor="ctr"/>
+            <a:lstStyle/>
+            <a:p>
+              <a:pPr algn="ctr"/>
+              <a:r>
+                <a:rPr lang="pt-PT" b="1" dirty="0">
+                  <a:solidFill>
+                    <a:schemeClr val="tx1"/>
+                  </a:solidFill>
+                </a:rPr>
+                <a:t>Indexar a informação proveniente dessa estrutura</a:t>
+              </a:r>
+            </a:p>
+          </p:txBody>
+        </p:sp>
+        <p:sp>
+          <p:nvSpPr>
+            <p:cNvPr id="11" name="Retângulo arredondado 10"/>
+            <p:cNvSpPr/>
+            <p:nvPr/>
+          </p:nvSpPr>
+          <p:spPr>
+            <a:xfrm>
+              <a:off x="10579200" y="3966003"/>
+              <a:ext cx="1612800" cy="1364400"/>
+            </a:xfrm>
+            <a:prstGeom prst="roundRect">
+              <a:avLst>
+                <a:gd name="adj" fmla="val 0"/>
+              </a:avLst>
+            </a:prstGeom>
+            <a:solidFill>
+              <a:srgbClr val="262626"/>
+            </a:solidFill>
+            <a:ln w="50800">
+              <a:solidFill>
+                <a:srgbClr val="262626"/>
+              </a:solidFill>
+            </a:ln>
+          </p:spPr>
+          <p:style>
+            <a:lnRef idx="2">
+              <a:schemeClr val="accent1">
+                <a:shade val="50000"/>
+              </a:schemeClr>
+            </a:lnRef>
+            <a:fillRef idx="1">
+              <a:schemeClr val="accent1"/>
+            </a:fillRef>
+            <a:effectRef idx="0">
+              <a:schemeClr val="accent1"/>
+            </a:effectRef>
+            <a:fontRef idx="minor">
+              <a:schemeClr val="lt1"/>
+            </a:fontRef>
+          </p:style>
+          <p:txBody>
+            <a:bodyPr rtlCol="0" anchor="ctr"/>
+            <a:lstStyle/>
+            <a:p>
+              <a:pPr algn="ctr"/>
+              <a:r>
+                <a:rPr lang="pt-PT" b="1" dirty="0">
+                  <a:solidFill>
+                    <a:schemeClr val="tx1"/>
+                  </a:solidFill>
+                </a:rPr>
+                <a:t>Apresentar os resultados tipo Google</a:t>
+              </a:r>
+            </a:p>
+          </p:txBody>
+        </p:sp>
+      </p:grpSp>
     </p:spTree>
     <p:extLst>
       <p:ext uri="{BB962C8B-B14F-4D97-AF65-F5344CB8AC3E}">
@@ -9942,102 +10788,6 @@
           </a:p>
         </p:txBody>
       </p:sp>
-      <p:sp>
-        <p:nvSpPr>
-          <p:cNvPr id="4" name="Retângulo 3"/>
-          <p:cNvSpPr/>
-          <p:nvPr/>
-        </p:nvSpPr>
-        <p:spPr>
-          <a:xfrm>
-            <a:off x="10580914" y="604157"/>
-            <a:ext cx="1611086" cy="1371600"/>
-          </a:xfrm>
-          <a:prstGeom prst="rect">
-            <a:avLst/>
-          </a:prstGeom>
-          <a:noFill/>
-          <a:ln>
-            <a:noFill/>
-          </a:ln>
-        </p:spPr>
-        <p:style>
-          <a:lnRef idx="2">
-            <a:schemeClr val="accent1">
-              <a:shade val="50000"/>
-            </a:schemeClr>
-          </a:lnRef>
-          <a:fillRef idx="1">
-            <a:schemeClr val="accent1"/>
-          </a:fillRef>
-          <a:effectRef idx="0">
-            <a:schemeClr val="accent1"/>
-          </a:effectRef>
-          <a:fontRef idx="minor">
-            <a:schemeClr val="lt1"/>
-          </a:fontRef>
-        </p:style>
-        <p:txBody>
-          <a:bodyPr rtlCol="0" anchor="ctr"/>
-          <a:lstStyle/>
-          <a:p>
-            <a:pPr algn="ctr"/>
-            <a:r>
-              <a:rPr lang="en-GB" sz="3200" dirty="0"/>
-              <a:t>2</a:t>
-            </a:r>
-            <a:endParaRPr lang="pt-PT" sz="3200" dirty="0"/>
-          </a:p>
-        </p:txBody>
-      </p:sp>
-      <p:sp>
-        <p:nvSpPr>
-          <p:cNvPr id="6" name="Retângulo 5"/>
-          <p:cNvSpPr/>
-          <p:nvPr/>
-        </p:nvSpPr>
-        <p:spPr>
-          <a:xfrm>
-            <a:off x="10580914" y="604157"/>
-            <a:ext cx="1611086" cy="1371600"/>
-          </a:xfrm>
-          <a:prstGeom prst="rect">
-            <a:avLst/>
-          </a:prstGeom>
-          <a:noFill/>
-          <a:ln w="50800">
-            <a:solidFill>
-              <a:schemeClr val="tx2">
-                <a:lumMod val="25000"/>
-              </a:schemeClr>
-            </a:solidFill>
-          </a:ln>
-        </p:spPr>
-        <p:style>
-          <a:lnRef idx="2">
-            <a:schemeClr val="accent1">
-              <a:shade val="50000"/>
-            </a:schemeClr>
-          </a:lnRef>
-          <a:fillRef idx="1">
-            <a:schemeClr val="accent1"/>
-          </a:fillRef>
-          <a:effectRef idx="0">
-            <a:schemeClr val="accent1"/>
-          </a:effectRef>
-          <a:fontRef idx="minor">
-            <a:schemeClr val="lt1"/>
-          </a:fontRef>
-        </p:style>
-        <p:txBody>
-          <a:bodyPr rtlCol="0" anchor="ctr"/>
-          <a:lstStyle/>
-          <a:p>
-            <a:pPr algn="ctr"/>
-            <a:endParaRPr lang="pt-PT"/>
-          </a:p>
-        </p:txBody>
-      </p:sp>
       <p:pic>
         <p:nvPicPr>
           <p:cNvPr id="12" name="Marcador de Posição de Conteúdo 11"/>
@@ -10064,6 +10814,192 @@
           </a:prstGeom>
         </p:spPr>
       </p:pic>
+      <p:grpSp>
+        <p:nvGrpSpPr>
+          <p:cNvPr id="7" name="Grupo 6"/>
+          <p:cNvGrpSpPr/>
+          <p:nvPr/>
+        </p:nvGrpSpPr>
+        <p:grpSpPr>
+          <a:xfrm>
+            <a:off x="10579200" y="611939"/>
+            <a:ext cx="1612800" cy="4718464"/>
+            <a:chOff x="10579200" y="611939"/>
+            <a:chExt cx="1612800" cy="4718464"/>
+          </a:xfrm>
+        </p:grpSpPr>
+        <p:sp>
+          <p:nvSpPr>
+            <p:cNvPr id="8" name="Retângulo arredondado 7"/>
+            <p:cNvSpPr/>
+            <p:nvPr/>
+          </p:nvSpPr>
+          <p:spPr>
+            <a:xfrm>
+              <a:off x="10580914" y="611939"/>
+              <a:ext cx="1611086" cy="1363516"/>
+            </a:xfrm>
+            <a:prstGeom prst="roundRect">
+              <a:avLst>
+                <a:gd name="adj" fmla="val 0"/>
+              </a:avLst>
+            </a:prstGeom>
+            <a:solidFill>
+              <a:srgbClr val="262626"/>
+            </a:solidFill>
+            <a:ln w="50800">
+              <a:solidFill>
+                <a:srgbClr val="262626"/>
+              </a:solidFill>
+            </a:ln>
+          </p:spPr>
+          <p:style>
+            <a:lnRef idx="2">
+              <a:schemeClr val="accent1">
+                <a:shade val="50000"/>
+              </a:schemeClr>
+            </a:lnRef>
+            <a:fillRef idx="1">
+              <a:schemeClr val="accent1"/>
+            </a:fillRef>
+            <a:effectRef idx="0">
+              <a:schemeClr val="accent1"/>
+            </a:effectRef>
+            <a:fontRef idx="minor">
+              <a:schemeClr val="lt1"/>
+            </a:fontRef>
+          </p:style>
+          <p:txBody>
+            <a:bodyPr rtlCol="0" anchor="ctr"/>
+            <a:lstStyle/>
+            <a:p>
+              <a:pPr algn="ctr"/>
+              <a:r>
+                <a:rPr lang="pt-PT" b="1" dirty="0">
+                  <a:solidFill>
+                    <a:schemeClr val="tx1"/>
+                  </a:solidFill>
+                </a:rPr>
+                <a:t>Agregar a informação numa só estrutura</a:t>
+              </a:r>
+            </a:p>
+          </p:txBody>
+        </p:sp>
+        <p:sp>
+          <p:nvSpPr>
+            <p:cNvPr id="9" name="Retângulo arredondado 8"/>
+            <p:cNvSpPr/>
+            <p:nvPr/>
+          </p:nvSpPr>
+          <p:spPr>
+            <a:xfrm>
+              <a:off x="10579200" y="2288529"/>
+              <a:ext cx="1612800" cy="1364400"/>
+            </a:xfrm>
+            <a:prstGeom prst="roundRect">
+              <a:avLst>
+                <a:gd name="adj" fmla="val 0"/>
+              </a:avLst>
+            </a:prstGeom>
+            <a:solidFill>
+              <a:srgbClr val="F09415"/>
+            </a:solidFill>
+            <a:ln w="50800">
+              <a:solidFill>
+                <a:srgbClr val="F09415"/>
+              </a:solidFill>
+            </a:ln>
+          </p:spPr>
+          <p:style>
+            <a:lnRef idx="2">
+              <a:schemeClr val="accent1">
+                <a:shade val="50000"/>
+              </a:schemeClr>
+            </a:lnRef>
+            <a:fillRef idx="1">
+              <a:schemeClr val="accent1"/>
+            </a:fillRef>
+            <a:effectRef idx="0">
+              <a:schemeClr val="accent1"/>
+            </a:effectRef>
+            <a:fontRef idx="minor">
+              <a:schemeClr val="lt1"/>
+            </a:fontRef>
+          </p:style>
+          <p:txBody>
+            <a:bodyPr rtlCol="0" anchor="ctr"/>
+            <a:lstStyle/>
+            <a:p>
+              <a:pPr algn="ctr"/>
+              <a:r>
+                <a:rPr lang="pt-PT" b="1" dirty="0">
+                  <a:solidFill>
+                    <a:schemeClr val="tx1"/>
+                  </a:solidFill>
+                </a:rPr>
+                <a:t>Indexar a informação proveniente dessa estrutura</a:t>
+              </a:r>
+            </a:p>
+          </p:txBody>
+        </p:sp>
+        <p:sp>
+          <p:nvSpPr>
+            <p:cNvPr id="10" name="Retângulo arredondado 9"/>
+            <p:cNvSpPr/>
+            <p:nvPr/>
+          </p:nvSpPr>
+          <p:spPr>
+            <a:xfrm>
+              <a:off x="10579200" y="3966003"/>
+              <a:ext cx="1612800" cy="1364400"/>
+            </a:xfrm>
+            <a:prstGeom prst="roundRect">
+              <a:avLst>
+                <a:gd name="adj" fmla="val 0"/>
+              </a:avLst>
+            </a:prstGeom>
+            <a:solidFill>
+              <a:srgbClr val="262626"/>
+            </a:solidFill>
+            <a:ln w="50800">
+              <a:solidFill>
+                <a:srgbClr val="262626"/>
+              </a:solidFill>
+            </a:ln>
+          </p:spPr>
+          <p:style>
+            <a:lnRef idx="2">
+              <a:schemeClr val="accent1">
+                <a:shade val="50000"/>
+              </a:schemeClr>
+            </a:lnRef>
+            <a:fillRef idx="1">
+              <a:schemeClr val="accent1"/>
+            </a:fillRef>
+            <a:effectRef idx="0">
+              <a:schemeClr val="accent1"/>
+            </a:effectRef>
+            <a:fontRef idx="minor">
+              <a:schemeClr val="lt1"/>
+            </a:fontRef>
+          </p:style>
+          <p:txBody>
+            <a:bodyPr rtlCol="0" anchor="ctr"/>
+            <a:lstStyle/>
+            <a:p>
+              <a:pPr algn="ctr"/>
+              <a:r>
+                <a:rPr lang="pt-PT" b="1" dirty="0">
+                  <a:solidFill>
+                    <a:schemeClr val="tx1"/>
+                  </a:solidFill>
+                </a:rPr>
+                <a:t>Apresentar os resultados tipo Google</a:t>
+              </a:r>
+            </a:p>
+          </p:txBody>
+        </p:sp>
+      </p:grpSp>
     </p:spTree>
     <p:extLst>
       <p:ext uri="{BB962C8B-B14F-4D97-AF65-F5344CB8AC3E}">
@@ -10193,102 +11129,192 @@
           </a:p>
         </p:txBody>
       </p:sp>
-      <p:sp>
-        <p:nvSpPr>
-          <p:cNvPr id="4" name="Retângulo 3"/>
-          <p:cNvSpPr/>
+      <p:grpSp>
+        <p:nvGrpSpPr>
+          <p:cNvPr id="7" name="Grupo 6"/>
+          <p:cNvGrpSpPr/>
           <p:nvPr/>
-        </p:nvSpPr>
-        <p:spPr>
+        </p:nvGrpSpPr>
+        <p:grpSpPr>
           <a:xfrm>
-            <a:off x="10580914" y="604157"/>
-            <a:ext cx="1611086" cy="1371600"/>
+            <a:off x="10579200" y="611939"/>
+            <a:ext cx="1612800" cy="4718464"/>
+            <a:chOff x="10579200" y="611939"/>
+            <a:chExt cx="1612800" cy="4718464"/>
           </a:xfrm>
-          <a:prstGeom prst="rect">
-            <a:avLst/>
-          </a:prstGeom>
-          <a:noFill/>
-          <a:ln>
-            <a:noFill/>
-          </a:ln>
-        </p:spPr>
-        <p:style>
-          <a:lnRef idx="2">
-            <a:schemeClr val="accent1">
-              <a:shade val="50000"/>
-            </a:schemeClr>
-          </a:lnRef>
-          <a:fillRef idx="1">
-            <a:schemeClr val="accent1"/>
-          </a:fillRef>
-          <a:effectRef idx="0">
-            <a:schemeClr val="accent1"/>
-          </a:effectRef>
-          <a:fontRef idx="minor">
-            <a:schemeClr val="lt1"/>
-          </a:fontRef>
-        </p:style>
-        <p:txBody>
-          <a:bodyPr rtlCol="0" anchor="ctr"/>
-          <a:lstStyle/>
-          <a:p>
-            <a:pPr algn="ctr"/>
-            <a:r>
-              <a:rPr lang="en-GB" sz="3200" dirty="0"/>
-              <a:t>3</a:t>
-            </a:r>
-            <a:endParaRPr lang="pt-PT" sz="3200" dirty="0"/>
-          </a:p>
-        </p:txBody>
-      </p:sp>
-      <p:sp>
-        <p:nvSpPr>
-          <p:cNvPr id="6" name="Retângulo 5"/>
-          <p:cNvSpPr/>
-          <p:nvPr/>
-        </p:nvSpPr>
-        <p:spPr>
-          <a:xfrm>
-            <a:off x="10580914" y="604157"/>
-            <a:ext cx="1611086" cy="1371600"/>
-          </a:xfrm>
-          <a:prstGeom prst="rect">
-            <a:avLst/>
-          </a:prstGeom>
-          <a:noFill/>
-          <a:ln w="50800">
+        </p:grpSpPr>
+        <p:sp>
+          <p:nvSpPr>
+            <p:cNvPr id="8" name="Retângulo arredondado 7"/>
+            <p:cNvSpPr/>
+            <p:nvPr/>
+          </p:nvSpPr>
+          <p:spPr>
+            <a:xfrm>
+              <a:off x="10580914" y="611939"/>
+              <a:ext cx="1611086" cy="1363516"/>
+            </a:xfrm>
+            <a:prstGeom prst="roundRect">
+              <a:avLst>
+                <a:gd name="adj" fmla="val 0"/>
+              </a:avLst>
+            </a:prstGeom>
             <a:solidFill>
-              <a:schemeClr val="tx2">
-                <a:lumMod val="25000"/>
+              <a:srgbClr val="262626"/>
+            </a:solidFill>
+            <a:ln w="50800">
+              <a:solidFill>
+                <a:srgbClr val="262626"/>
+              </a:solidFill>
+            </a:ln>
+          </p:spPr>
+          <p:style>
+            <a:lnRef idx="2">
+              <a:schemeClr val="accent1">
+                <a:shade val="50000"/>
               </a:schemeClr>
+            </a:lnRef>
+            <a:fillRef idx="1">
+              <a:schemeClr val="accent1"/>
+            </a:fillRef>
+            <a:effectRef idx="0">
+              <a:schemeClr val="accent1"/>
+            </a:effectRef>
+            <a:fontRef idx="minor">
+              <a:schemeClr val="lt1"/>
+            </a:fontRef>
+          </p:style>
+          <p:txBody>
+            <a:bodyPr rtlCol="0" anchor="ctr"/>
+            <a:lstStyle/>
+            <a:p>
+              <a:pPr algn="ctr"/>
+              <a:r>
+                <a:rPr lang="pt-PT" b="1" dirty="0">
+                  <a:solidFill>
+                    <a:schemeClr val="tx1"/>
+                  </a:solidFill>
+                </a:rPr>
+                <a:t>Agregar a informação numa só estrutura</a:t>
+              </a:r>
+            </a:p>
+          </p:txBody>
+        </p:sp>
+        <p:sp>
+          <p:nvSpPr>
+            <p:cNvPr id="9" name="Retângulo arredondado 8"/>
+            <p:cNvSpPr/>
+            <p:nvPr/>
+          </p:nvSpPr>
+          <p:spPr>
+            <a:xfrm>
+              <a:off x="10579200" y="2288529"/>
+              <a:ext cx="1612800" cy="1364400"/>
+            </a:xfrm>
+            <a:prstGeom prst="roundRect">
+              <a:avLst>
+                <a:gd name="adj" fmla="val 0"/>
+              </a:avLst>
+            </a:prstGeom>
+            <a:solidFill>
+              <a:srgbClr val="262626"/>
             </a:solidFill>
-          </a:ln>
-        </p:spPr>
-        <p:style>
-          <a:lnRef idx="2">
-            <a:schemeClr val="accent1">
-              <a:shade val="50000"/>
-            </a:schemeClr>
-          </a:lnRef>
-          <a:fillRef idx="1">
-            <a:schemeClr val="accent1"/>
-          </a:fillRef>
-          <a:effectRef idx="0">
-            <a:schemeClr val="accent1"/>
-          </a:effectRef>
-          <a:fontRef idx="minor">
-            <a:schemeClr val="lt1"/>
-          </a:fontRef>
-        </p:style>
-        <p:txBody>
-          <a:bodyPr rtlCol="0" anchor="ctr"/>
-          <a:lstStyle/>
-          <a:p>
-            <a:pPr algn="ctr"/>
-            <a:endParaRPr lang="pt-PT"/>
-          </a:p>
-        </p:txBody>
-      </p:sp>
+            <a:ln w="50800">
+              <a:solidFill>
+                <a:srgbClr val="262626"/>
+              </a:solidFill>
+            </a:ln>
+          </p:spPr>
+          <p:style>
+            <a:lnRef idx="2">
+              <a:schemeClr val="accent1">
+                <a:shade val="50000"/>
+              </a:schemeClr>
+            </a:lnRef>
+            <a:fillRef idx="1">
+              <a:schemeClr val="accent1"/>
+            </a:fillRef>
+            <a:effectRef idx="0">
+              <a:schemeClr val="accent1"/>
+            </a:effectRef>
+            <a:fontRef idx="minor">
+              <a:schemeClr val="lt1"/>
+            </a:fontRef>
+          </p:style>
+          <p:txBody>
+            <a:bodyPr rtlCol="0" anchor="ctr"/>
+            <a:lstStyle/>
+            <a:p>
+              <a:pPr algn="ctr"/>
+              <a:r>
+                <a:rPr lang="pt-PT" b="1" dirty="0">
+                  <a:solidFill>
+                    <a:schemeClr val="tx1"/>
+                  </a:solidFill>
+                </a:rPr>
+                <a:t>Indexar a informação proveniente dessa estrutura</a:t>
+              </a:r>
+            </a:p>
+          </p:txBody>
+        </p:sp>
+        <p:sp>
+          <p:nvSpPr>
+            <p:cNvPr id="10" name="Retângulo arredondado 9"/>
+            <p:cNvSpPr/>
+            <p:nvPr/>
+          </p:nvSpPr>
+          <p:spPr>
+            <a:xfrm>
+              <a:off x="10579200" y="3966003"/>
+              <a:ext cx="1612800" cy="1364400"/>
+            </a:xfrm>
+            <a:prstGeom prst="roundRect">
+              <a:avLst>
+                <a:gd name="adj" fmla="val 0"/>
+              </a:avLst>
+            </a:prstGeom>
+            <a:solidFill>
+              <a:srgbClr val="F09415"/>
+            </a:solidFill>
+            <a:ln w="50800">
+              <a:solidFill>
+                <a:srgbClr val="F09415"/>
+              </a:solidFill>
+            </a:ln>
+          </p:spPr>
+          <p:style>
+            <a:lnRef idx="2">
+              <a:schemeClr val="accent1">
+                <a:shade val="50000"/>
+              </a:schemeClr>
+            </a:lnRef>
+            <a:fillRef idx="1">
+              <a:schemeClr val="accent1"/>
+            </a:fillRef>
+            <a:effectRef idx="0">
+              <a:schemeClr val="accent1"/>
+            </a:effectRef>
+            <a:fontRef idx="minor">
+              <a:schemeClr val="lt1"/>
+            </a:fontRef>
+          </p:style>
+          <p:txBody>
+            <a:bodyPr rtlCol="0" anchor="ctr"/>
+            <a:lstStyle/>
+            <a:p>
+              <a:pPr algn="ctr"/>
+              <a:r>
+                <a:rPr lang="pt-PT" b="1" dirty="0">
+                  <a:solidFill>
+                    <a:schemeClr val="tx1"/>
+                  </a:solidFill>
+                </a:rPr>
+                <a:t>Apresentar os resultados tipo Google</a:t>
+              </a:r>
+            </a:p>
+          </p:txBody>
+        </p:sp>
+      </p:grpSp>
     </p:spTree>
     <p:extLst>
       <p:ext uri="{BB962C8B-B14F-4D97-AF65-F5344CB8AC3E}">
@@ -10918,12 +11944,20 @@
                   <a:schemeClr val="bg1"/>
                 </a:solidFill>
               </a:rPr>
-              <a:t>Simulação e Testes</a:t>
-            </a:r>
-          </a:p>
-          <a:p>
-            <a:r>
-              <a:rPr lang="pt-PT" dirty="0">
+              <a:t>Simulação </a:t>
+            </a:r>
+            <a:r>
+              <a:rPr lang="pt-PT">
+                <a:solidFill>
+                  <a:schemeClr val="bg1"/>
+                </a:solidFill>
+              </a:rPr>
+              <a:t>e Testes</a:t>
+            </a:r>
+          </a:p>
+          <a:p>
+            <a:r>
+              <a:rPr lang="pt-PT">
                 <a:solidFill>
                   <a:schemeClr val="bg1"/>
                 </a:solidFill>
@@ -10932,7 +11966,7 @@
             </a:r>
           </a:p>
           <a:p>
-            <a:endParaRPr lang="en-GB" dirty="0">
+            <a:endParaRPr lang="en-GB">
               <a:solidFill>
                 <a:schemeClr val="bg1"/>
               </a:solidFill>
@@ -11569,14 +12603,14 @@
             <p:ph idx="1"/>
             <p:extLst>
               <p:ext uri="{D42A27DB-BD31-4B8C-83A1-F6EECF244321}">
-                <p14:modId xmlns:p14="http://schemas.microsoft.com/office/powerpoint/2010/main" val="3486855429"/>
+                <p14:modId xmlns:p14="http://schemas.microsoft.com/office/powerpoint/2010/main" val="615416077"/>
               </p:ext>
             </p:extLst>
           </p:nvPr>
         </p:nvGraphicFramePr>
         <p:xfrm>
           <a:off x="511835" y="2628898"/>
-          <a:ext cx="11128374" cy="3390901"/>
+          <a:ext cx="11249024" cy="3390901"/>
         </p:xfrm>
         <a:graphic>
           <a:graphicData uri="http://schemas.openxmlformats.org/drawingml/2006/table">
@@ -11599,7 +12633,7 @@
                     </a:ext>
                   </a:extLst>
                 </a:gridCol>
-                <a:gridCol w="1230312">
+                <a:gridCol w="1350962">
                   <a:extLst>
                     <a:ext uri="{9D8B030D-6E8A-4147-A177-3AD203B41FA5}">
                       <a16:colId xmlns:a16="http://schemas.microsoft.com/office/drawing/2014/main" val="1191066584"/>
@@ -12262,12 +13296,12 @@
                         </a:spcAft>
                       </a:pPr>
                       <a:r>
-                        <a:rPr lang="pt-PT" sz="1800">
+                        <a:rPr lang="pt-PT" sz="1800" dirty="0">
                           <a:effectLst/>
                         </a:rPr>
-                        <a:t>2h4min</a:t>
+                        <a:t>2h04min</a:t>
                       </a:r>
-                      <a:endParaRPr lang="pt-PT" sz="1800">
+                      <a:endParaRPr lang="pt-PT" sz="1800" dirty="0">
                         <a:effectLst/>
                         <a:latin typeface="Times" panose="02020603050405020304" pitchFamily="18" charset="0"/>
                         <a:ea typeface="Nimbus Sans L"/>
@@ -12472,12 +13506,12 @@
                         </a:spcAft>
                       </a:pPr>
                       <a:r>
-                        <a:rPr lang="pt-PT" sz="1800">
+                        <a:rPr lang="pt-PT" sz="1800" dirty="0">
                           <a:effectLst/>
                         </a:rPr>
-                        <a:t>2h5min</a:t>
+                        <a:t>2h05min</a:t>
                       </a:r>
-                      <a:endParaRPr lang="pt-PT" sz="1800">
+                      <a:endParaRPr lang="pt-PT" sz="1800" dirty="0">
                         <a:effectLst/>
                         <a:latin typeface="Times" panose="02020603050405020304" pitchFamily="18" charset="0"/>
                         <a:ea typeface="Nimbus Sans L"/>
@@ -14552,87 +15586,40 @@
       </p:grpSpPr>
       <p:sp>
         <p:nvSpPr>
-          <p:cNvPr id="3" name="Retângulo 2"/>
-          <p:cNvSpPr/>
-          <p:nvPr/>
+          <p:cNvPr id="2" name="Título 1"/>
+          <p:cNvSpPr>
+            <a:spLocks noGrp="1"/>
+          </p:cNvSpPr>
+          <p:nvPr>
+            <p:ph type="title"/>
+          </p:nvPr>
+        </p:nvSpPr>
+        <p:spPr/>
+        <p:txBody>
+          <a:bodyPr/>
+          <a:lstStyle/>
+          <a:p>
+            <a:r>
+              <a:rPr lang="pt-PT" dirty="0" err="1"/>
+              <a:t>EHRServer</a:t>
+            </a:r>
+            <a:endParaRPr lang="pt-PT" dirty="0"/>
+          </a:p>
+        </p:txBody>
+      </p:sp>
+      <p:sp>
+        <p:nvSpPr>
+          <p:cNvPr id="83" name="Marcador de Posição de Conteúdo 82"/>
+          <p:cNvSpPr>
+            <a:spLocks noGrp="1"/>
+          </p:cNvSpPr>
+          <p:nvPr>
+            <p:ph sz="half" idx="2"/>
+          </p:nvPr>
         </p:nvSpPr>
         <p:spPr>
           <a:xfrm>
-            <a:off x="10580914" y="604157"/>
-            <a:ext cx="1611086" cy="1371600"/>
-          </a:xfrm>
-          <a:prstGeom prst="rect">
-            <a:avLst/>
-          </a:prstGeom>
-          <a:noFill/>
-          <a:ln w="50800">
-            <a:solidFill>
-              <a:schemeClr val="tx2">
-                <a:lumMod val="25000"/>
-              </a:schemeClr>
-            </a:solidFill>
-          </a:ln>
-        </p:spPr>
-        <p:style>
-          <a:lnRef idx="2">
-            <a:schemeClr val="accent1">
-              <a:shade val="50000"/>
-            </a:schemeClr>
-          </a:lnRef>
-          <a:fillRef idx="1">
-            <a:schemeClr val="accent1"/>
-          </a:fillRef>
-          <a:effectRef idx="0">
-            <a:schemeClr val="accent1"/>
-          </a:effectRef>
-          <a:fontRef idx="minor">
-            <a:schemeClr val="lt1"/>
-          </a:fontRef>
-        </p:style>
-        <p:txBody>
-          <a:bodyPr rtlCol="0" anchor="ctr"/>
-          <a:lstStyle/>
-          <a:p>
-            <a:pPr algn="ctr"/>
-            <a:endParaRPr lang="pt-PT"/>
-          </a:p>
-        </p:txBody>
-      </p:sp>
-      <p:sp>
-        <p:nvSpPr>
-          <p:cNvPr id="2" name="Título 1"/>
-          <p:cNvSpPr>
-            <a:spLocks noGrp="1"/>
-          </p:cNvSpPr>
-          <p:nvPr>
-            <p:ph type="title"/>
-          </p:nvPr>
-        </p:nvSpPr>
-        <p:spPr/>
-        <p:txBody>
-          <a:bodyPr/>
-          <a:lstStyle/>
-          <a:p>
-            <a:r>
-              <a:rPr lang="pt-PT" dirty="0"/>
-              <a:t>Agregar a informação numa só estrutura</a:t>
-            </a:r>
-          </a:p>
-        </p:txBody>
-      </p:sp>
-      <p:sp>
-        <p:nvSpPr>
-          <p:cNvPr id="4" name="Marcador de Posição de Conteúdo 3"/>
-          <p:cNvSpPr>
-            <a:spLocks noGrp="1"/>
-          </p:cNvSpPr>
-          <p:nvPr>
-            <p:ph sz="half" idx="2"/>
-          </p:nvPr>
-        </p:nvSpPr>
-        <p:spPr>
-          <a:xfrm>
-            <a:off x="6851423" y="2875716"/>
+            <a:off x="6036833" y="2685127"/>
             <a:ext cx="4700058" cy="3599316"/>
           </a:xfrm>
         </p:spPr>
@@ -14722,78 +15709,218 @@
           </a:p>
         </p:txBody>
       </p:sp>
-      <p:sp>
-        <p:nvSpPr>
-          <p:cNvPr id="7" name="Retângulo 6"/>
-          <p:cNvSpPr/>
-          <p:nvPr/>
-        </p:nvSpPr>
-        <p:spPr>
-          <a:xfrm>
-            <a:off x="10580914" y="604157"/>
-            <a:ext cx="1611086" cy="1371600"/>
-          </a:xfrm>
-          <a:prstGeom prst="rect">
-            <a:avLst/>
-          </a:prstGeom>
-          <a:noFill/>
-          <a:ln>
-            <a:noFill/>
-          </a:ln>
-        </p:spPr>
-        <p:style>
-          <a:lnRef idx="2">
-            <a:schemeClr val="accent1">
-              <a:shade val="50000"/>
-            </a:schemeClr>
-          </a:lnRef>
-          <a:fillRef idx="1">
-            <a:schemeClr val="accent1"/>
-          </a:fillRef>
-          <a:effectRef idx="0">
-            <a:schemeClr val="accent1"/>
-          </a:effectRef>
-          <a:fontRef idx="minor">
-            <a:schemeClr val="lt1"/>
-          </a:fontRef>
-        </p:style>
-        <p:txBody>
-          <a:bodyPr rtlCol="0" anchor="ctr"/>
-          <a:lstStyle/>
-          <a:p>
-            <a:pPr algn="ctr"/>
-            <a:r>
-              <a:rPr lang="en-GB" sz="3200" dirty="0"/>
-              <a:t>1</a:t>
-            </a:r>
-            <a:endParaRPr lang="pt-PT" sz="3200" dirty="0"/>
-          </a:p>
-        </p:txBody>
-      </p:sp>
       <p:grpSp>
         <p:nvGrpSpPr>
-          <p:cNvPr id="10" name="Grupo 9"/>
+          <p:cNvPr id="82" name="Grupo 81"/>
           <p:cNvGrpSpPr/>
           <p:nvPr/>
         </p:nvGrpSpPr>
         <p:grpSpPr>
           <a:xfrm>
-            <a:off x="1103583" y="3504980"/>
-            <a:ext cx="5214854" cy="1622329"/>
+            <a:off x="10579200" y="611939"/>
+            <a:ext cx="1612800" cy="4718464"/>
+            <a:chOff x="10579200" y="611939"/>
+            <a:chExt cx="1612800" cy="4718464"/>
+          </a:xfrm>
+        </p:grpSpPr>
+        <p:sp>
+          <p:nvSpPr>
+            <p:cNvPr id="5" name="Retângulo arredondado 4"/>
+            <p:cNvSpPr/>
+            <p:nvPr/>
+          </p:nvSpPr>
+          <p:spPr>
+            <a:xfrm>
+              <a:off x="10580914" y="611939"/>
+              <a:ext cx="1611086" cy="1363516"/>
+            </a:xfrm>
+            <a:prstGeom prst="roundRect">
+              <a:avLst>
+                <a:gd name="adj" fmla="val 0"/>
+              </a:avLst>
+            </a:prstGeom>
+            <a:solidFill>
+              <a:srgbClr val="F09415"/>
+            </a:solidFill>
+            <a:ln w="50800">
+              <a:solidFill>
+                <a:srgbClr val="F09415"/>
+              </a:solidFill>
+            </a:ln>
+          </p:spPr>
+          <p:style>
+            <a:lnRef idx="2">
+              <a:schemeClr val="accent1">
+                <a:shade val="50000"/>
+              </a:schemeClr>
+            </a:lnRef>
+            <a:fillRef idx="1">
+              <a:schemeClr val="accent1"/>
+            </a:fillRef>
+            <a:effectRef idx="0">
+              <a:schemeClr val="accent1"/>
+            </a:effectRef>
+            <a:fontRef idx="minor">
+              <a:schemeClr val="lt1"/>
+            </a:fontRef>
+          </p:style>
+          <p:txBody>
+            <a:bodyPr rtlCol="0" anchor="ctr"/>
+            <a:lstStyle/>
+            <a:p>
+              <a:pPr algn="ctr"/>
+              <a:r>
+                <a:rPr lang="pt-PT" b="1" dirty="0">
+                  <a:solidFill>
+                    <a:schemeClr val="tx1"/>
+                  </a:solidFill>
+                </a:rPr>
+                <a:t>Agregar a informação numa só estrutura</a:t>
+              </a:r>
+            </a:p>
+          </p:txBody>
+        </p:sp>
+        <p:sp>
+          <p:nvSpPr>
+            <p:cNvPr id="21" name="Retângulo arredondado 20"/>
+            <p:cNvSpPr/>
+            <p:nvPr/>
+          </p:nvSpPr>
+          <p:spPr>
+            <a:xfrm>
+              <a:off x="10579200" y="2288529"/>
+              <a:ext cx="1612800" cy="1364400"/>
+            </a:xfrm>
+            <a:prstGeom prst="roundRect">
+              <a:avLst>
+                <a:gd name="adj" fmla="val 0"/>
+              </a:avLst>
+            </a:prstGeom>
+            <a:solidFill>
+              <a:srgbClr val="262626"/>
+            </a:solidFill>
+            <a:ln w="50800">
+              <a:solidFill>
+                <a:srgbClr val="262626"/>
+              </a:solidFill>
+            </a:ln>
+          </p:spPr>
+          <p:style>
+            <a:lnRef idx="2">
+              <a:schemeClr val="accent1">
+                <a:shade val="50000"/>
+              </a:schemeClr>
+            </a:lnRef>
+            <a:fillRef idx="1">
+              <a:schemeClr val="accent1"/>
+            </a:fillRef>
+            <a:effectRef idx="0">
+              <a:schemeClr val="accent1"/>
+            </a:effectRef>
+            <a:fontRef idx="minor">
+              <a:schemeClr val="lt1"/>
+            </a:fontRef>
+          </p:style>
+          <p:txBody>
+            <a:bodyPr rtlCol="0" anchor="ctr"/>
+            <a:lstStyle/>
+            <a:p>
+              <a:pPr algn="ctr"/>
+              <a:r>
+                <a:rPr lang="pt-PT" b="1" dirty="0">
+                  <a:solidFill>
+                    <a:schemeClr val="tx1"/>
+                  </a:solidFill>
+                </a:rPr>
+                <a:t>Indexar a informação proveniente dessa estrutura</a:t>
+              </a:r>
+            </a:p>
+          </p:txBody>
+        </p:sp>
+        <p:sp>
+          <p:nvSpPr>
+            <p:cNvPr id="22" name="Retângulo arredondado 21"/>
+            <p:cNvSpPr/>
+            <p:nvPr/>
+          </p:nvSpPr>
+          <p:spPr>
+            <a:xfrm>
+              <a:off x="10579200" y="3966003"/>
+              <a:ext cx="1612800" cy="1364400"/>
+            </a:xfrm>
+            <a:prstGeom prst="roundRect">
+              <a:avLst>
+                <a:gd name="adj" fmla="val 0"/>
+              </a:avLst>
+            </a:prstGeom>
+            <a:solidFill>
+              <a:srgbClr val="262626"/>
+            </a:solidFill>
+            <a:ln w="50800">
+              <a:solidFill>
+                <a:srgbClr val="262626"/>
+              </a:solidFill>
+            </a:ln>
+          </p:spPr>
+          <p:style>
+            <a:lnRef idx="2">
+              <a:schemeClr val="accent1">
+                <a:shade val="50000"/>
+              </a:schemeClr>
+            </a:lnRef>
+            <a:fillRef idx="1">
+              <a:schemeClr val="accent1"/>
+            </a:fillRef>
+            <a:effectRef idx="0">
+              <a:schemeClr val="accent1"/>
+            </a:effectRef>
+            <a:fontRef idx="minor">
+              <a:schemeClr val="lt1"/>
+            </a:fontRef>
+          </p:style>
+          <p:txBody>
+            <a:bodyPr rtlCol="0" anchor="ctr"/>
+            <a:lstStyle/>
+            <a:p>
+              <a:pPr algn="ctr"/>
+              <a:r>
+                <a:rPr lang="pt-PT" b="1" dirty="0">
+                  <a:solidFill>
+                    <a:schemeClr val="tx1"/>
+                  </a:solidFill>
+                </a:rPr>
+                <a:t>Apresentar os resultados tipo Google</a:t>
+              </a:r>
+            </a:p>
+          </p:txBody>
+        </p:sp>
+      </p:grpSp>
+      <p:grpSp>
+        <p:nvGrpSpPr>
+          <p:cNvPr id="87" name="Grupo 86"/>
+          <p:cNvGrpSpPr>
+            <a:grpSpLocks noChangeAspect="1"/>
+          </p:cNvGrpSpPr>
+          <p:nvPr/>
+        </p:nvGrpSpPr>
+        <p:grpSpPr>
+          <a:xfrm>
+            <a:off x="680321" y="3429000"/>
+            <a:ext cx="4791428" cy="1490602"/>
             <a:chOff x="1331493" y="3798608"/>
             <a:chExt cx="5214854" cy="1622329"/>
           </a:xfrm>
         </p:grpSpPr>
         <p:pic>
           <p:nvPicPr>
-            <p:cNvPr id="12" name="Picture 2" descr="http://www.cabolabs.com/CaboLabs%20New%20Logo%20Horizontal%20300dpi%20421.png"/>
+            <p:cNvPr id="88" name="Picture 2" descr="http://www.cabolabs.com/CaboLabs%20New%20Logo%20Horizontal%20300dpi%20421.png"/>
             <p:cNvPicPr>
               <a:picLocks noChangeAspect="1" noChangeArrowheads="1"/>
             </p:cNvPicPr>
             <p:nvPr/>
           </p:nvPicPr>
           <p:blipFill>
-            <a:blip r:embed="rId2" cstate="print">
+            <a:blip r:embed="rId3" cstate="print">
               <a:extLst>
                 <a:ext uri="{28A0092B-C50C-407E-A947-70E740481C1C}">
                   <a14:useLocalDpi xmlns:a14="http://schemas.microsoft.com/office/drawing/2010/main" val="0"/>
@@ -14827,7 +15954,7 @@
         </p:pic>
         <p:sp>
           <p:nvSpPr>
-            <p:cNvPr id="13" name="Rectangle 6"/>
+            <p:cNvPr id="89" name="Rectangle 6"/>
             <p:cNvSpPr/>
             <p:nvPr/>
           </p:nvSpPr>
@@ -15061,102 +16188,192 @@
           </a:p>
         </p:txBody>
       </p:sp>
-      <p:sp>
-        <p:nvSpPr>
-          <p:cNvPr id="5" name="Retângulo 4"/>
-          <p:cNvSpPr/>
+      <p:grpSp>
+        <p:nvGrpSpPr>
+          <p:cNvPr id="6" name="Grupo 5"/>
+          <p:cNvGrpSpPr/>
           <p:nvPr/>
-        </p:nvSpPr>
-        <p:spPr>
+        </p:nvGrpSpPr>
+        <p:grpSpPr>
           <a:xfrm>
-            <a:off x="10580914" y="604157"/>
-            <a:ext cx="1611086" cy="1371600"/>
+            <a:off x="10579200" y="611939"/>
+            <a:ext cx="1612800" cy="4718464"/>
+            <a:chOff x="10579200" y="611939"/>
+            <a:chExt cx="1612800" cy="4718464"/>
           </a:xfrm>
-          <a:prstGeom prst="rect">
-            <a:avLst/>
-          </a:prstGeom>
-          <a:noFill/>
-          <a:ln>
-            <a:noFill/>
-          </a:ln>
-        </p:spPr>
-        <p:style>
-          <a:lnRef idx="2">
-            <a:schemeClr val="accent1">
-              <a:shade val="50000"/>
-            </a:schemeClr>
-          </a:lnRef>
-          <a:fillRef idx="1">
-            <a:schemeClr val="accent1"/>
-          </a:fillRef>
-          <a:effectRef idx="0">
-            <a:schemeClr val="accent1"/>
-          </a:effectRef>
-          <a:fontRef idx="minor">
-            <a:schemeClr val="lt1"/>
-          </a:fontRef>
-        </p:style>
-        <p:txBody>
-          <a:bodyPr rtlCol="0" anchor="ctr"/>
-          <a:lstStyle/>
-          <a:p>
-            <a:pPr algn="ctr"/>
-            <a:r>
-              <a:rPr lang="en-GB" sz="3200" dirty="0"/>
-              <a:t>1</a:t>
-            </a:r>
-            <a:endParaRPr lang="pt-PT" sz="3200" dirty="0"/>
-          </a:p>
-        </p:txBody>
-      </p:sp>
-      <p:sp>
-        <p:nvSpPr>
-          <p:cNvPr id="9" name="Retângulo 8"/>
-          <p:cNvSpPr/>
-          <p:nvPr/>
-        </p:nvSpPr>
-        <p:spPr>
-          <a:xfrm>
-            <a:off x="10580914" y="604157"/>
-            <a:ext cx="1611086" cy="1371600"/>
-          </a:xfrm>
-          <a:prstGeom prst="rect">
-            <a:avLst/>
-          </a:prstGeom>
-          <a:noFill/>
-          <a:ln w="50800">
+        </p:grpSpPr>
+        <p:sp>
+          <p:nvSpPr>
+            <p:cNvPr id="7" name="Retângulo arredondado 6"/>
+            <p:cNvSpPr/>
+            <p:nvPr/>
+          </p:nvSpPr>
+          <p:spPr>
+            <a:xfrm>
+              <a:off x="10580914" y="611939"/>
+              <a:ext cx="1611086" cy="1363516"/>
+            </a:xfrm>
+            <a:prstGeom prst="roundRect">
+              <a:avLst>
+                <a:gd name="adj" fmla="val 0"/>
+              </a:avLst>
+            </a:prstGeom>
             <a:solidFill>
-              <a:schemeClr val="tx2">
-                <a:lumMod val="25000"/>
+              <a:srgbClr val="F09415"/>
+            </a:solidFill>
+            <a:ln w="50800">
+              <a:solidFill>
+                <a:srgbClr val="F09415"/>
+              </a:solidFill>
+            </a:ln>
+          </p:spPr>
+          <p:style>
+            <a:lnRef idx="2">
+              <a:schemeClr val="accent1">
+                <a:shade val="50000"/>
               </a:schemeClr>
+            </a:lnRef>
+            <a:fillRef idx="1">
+              <a:schemeClr val="accent1"/>
+            </a:fillRef>
+            <a:effectRef idx="0">
+              <a:schemeClr val="accent1"/>
+            </a:effectRef>
+            <a:fontRef idx="minor">
+              <a:schemeClr val="lt1"/>
+            </a:fontRef>
+          </p:style>
+          <p:txBody>
+            <a:bodyPr rtlCol="0" anchor="ctr"/>
+            <a:lstStyle/>
+            <a:p>
+              <a:pPr algn="ctr"/>
+              <a:r>
+                <a:rPr lang="pt-PT" b="1" dirty="0">
+                  <a:solidFill>
+                    <a:schemeClr val="tx1"/>
+                  </a:solidFill>
+                </a:rPr>
+                <a:t>Agregar a informação numa só estrutura</a:t>
+              </a:r>
+            </a:p>
+          </p:txBody>
+        </p:sp>
+        <p:sp>
+          <p:nvSpPr>
+            <p:cNvPr id="8" name="Retângulo arredondado 7"/>
+            <p:cNvSpPr/>
+            <p:nvPr/>
+          </p:nvSpPr>
+          <p:spPr>
+            <a:xfrm>
+              <a:off x="10579200" y="2288529"/>
+              <a:ext cx="1612800" cy="1364400"/>
+            </a:xfrm>
+            <a:prstGeom prst="roundRect">
+              <a:avLst>
+                <a:gd name="adj" fmla="val 0"/>
+              </a:avLst>
+            </a:prstGeom>
+            <a:solidFill>
+              <a:srgbClr val="262626"/>
             </a:solidFill>
-          </a:ln>
-        </p:spPr>
-        <p:style>
-          <a:lnRef idx="2">
-            <a:schemeClr val="accent1">
-              <a:shade val="50000"/>
-            </a:schemeClr>
-          </a:lnRef>
-          <a:fillRef idx="1">
-            <a:schemeClr val="accent1"/>
-          </a:fillRef>
-          <a:effectRef idx="0">
-            <a:schemeClr val="accent1"/>
-          </a:effectRef>
-          <a:fontRef idx="minor">
-            <a:schemeClr val="lt1"/>
-          </a:fontRef>
-        </p:style>
-        <p:txBody>
-          <a:bodyPr rtlCol="0" anchor="ctr"/>
-          <a:lstStyle/>
-          <a:p>
-            <a:pPr algn="ctr"/>
-            <a:endParaRPr lang="pt-PT"/>
-          </a:p>
-        </p:txBody>
-      </p:sp>
+            <a:ln w="50800">
+              <a:solidFill>
+                <a:srgbClr val="262626"/>
+              </a:solidFill>
+            </a:ln>
+          </p:spPr>
+          <p:style>
+            <a:lnRef idx="2">
+              <a:schemeClr val="accent1">
+                <a:shade val="50000"/>
+              </a:schemeClr>
+            </a:lnRef>
+            <a:fillRef idx="1">
+              <a:schemeClr val="accent1"/>
+            </a:fillRef>
+            <a:effectRef idx="0">
+              <a:schemeClr val="accent1"/>
+            </a:effectRef>
+            <a:fontRef idx="minor">
+              <a:schemeClr val="lt1"/>
+            </a:fontRef>
+          </p:style>
+          <p:txBody>
+            <a:bodyPr rtlCol="0" anchor="ctr"/>
+            <a:lstStyle/>
+            <a:p>
+              <a:pPr algn="ctr"/>
+              <a:r>
+                <a:rPr lang="pt-PT" b="1" dirty="0">
+                  <a:solidFill>
+                    <a:schemeClr val="tx1"/>
+                  </a:solidFill>
+                </a:rPr>
+                <a:t>Indexar a informação proveniente dessa estrutura</a:t>
+              </a:r>
+            </a:p>
+          </p:txBody>
+        </p:sp>
+        <p:sp>
+          <p:nvSpPr>
+            <p:cNvPr id="10" name="Retângulo arredondado 9"/>
+            <p:cNvSpPr/>
+            <p:nvPr/>
+          </p:nvSpPr>
+          <p:spPr>
+            <a:xfrm>
+              <a:off x="10579200" y="3966003"/>
+              <a:ext cx="1612800" cy="1364400"/>
+            </a:xfrm>
+            <a:prstGeom prst="roundRect">
+              <a:avLst>
+                <a:gd name="adj" fmla="val 0"/>
+              </a:avLst>
+            </a:prstGeom>
+            <a:solidFill>
+              <a:srgbClr val="262626"/>
+            </a:solidFill>
+            <a:ln w="50800">
+              <a:solidFill>
+                <a:srgbClr val="262626"/>
+              </a:solidFill>
+            </a:ln>
+          </p:spPr>
+          <p:style>
+            <a:lnRef idx="2">
+              <a:schemeClr val="accent1">
+                <a:shade val="50000"/>
+              </a:schemeClr>
+            </a:lnRef>
+            <a:fillRef idx="1">
+              <a:schemeClr val="accent1"/>
+            </a:fillRef>
+            <a:effectRef idx="0">
+              <a:schemeClr val="accent1"/>
+            </a:effectRef>
+            <a:fontRef idx="minor">
+              <a:schemeClr val="lt1"/>
+            </a:fontRef>
+          </p:style>
+          <p:txBody>
+            <a:bodyPr rtlCol="0" anchor="ctr"/>
+            <a:lstStyle/>
+            <a:p>
+              <a:pPr algn="ctr"/>
+              <a:r>
+                <a:rPr lang="pt-PT" b="1" dirty="0">
+                  <a:solidFill>
+                    <a:schemeClr val="tx1"/>
+                  </a:solidFill>
+                </a:rPr>
+                <a:t>Apresentar os resultados tipo Google</a:t>
+              </a:r>
+            </a:p>
+          </p:txBody>
+        </p:sp>
+      </p:grpSp>
     </p:spTree>
     <p:extLst>
       <p:ext uri="{BB962C8B-B14F-4D97-AF65-F5344CB8AC3E}">

--- a/Dissertacao/4. Defesa da dissertação.pptx
+++ b/Dissertacao/4. Defesa da dissertação.pptx
@@ -5,7 +5,7 @@
     <p:sldMasterId id="2147484007" r:id="rId1"/>
   </p:sldMasterIdLst>
   <p:notesMasterIdLst>
-    <p:notesMasterId r:id="rId29"/>
+    <p:notesMasterId r:id="rId28"/>
   </p:notesMasterIdLst>
   <p:sldIdLst>
     <p:sldId id="264" r:id="rId2"/>
@@ -15,26 +15,25 @@
     <p:sldId id="290" r:id="rId6"/>
     <p:sldId id="280" r:id="rId7"/>
     <p:sldId id="283" r:id="rId8"/>
-    <p:sldId id="296" r:id="rId9"/>
-    <p:sldId id="301" r:id="rId10"/>
-    <p:sldId id="302" r:id="rId11"/>
-    <p:sldId id="292" r:id="rId12"/>
-    <p:sldId id="297" r:id="rId13"/>
-    <p:sldId id="305" r:id="rId14"/>
-    <p:sldId id="306" r:id="rId15"/>
+    <p:sldId id="322" r:id="rId9"/>
+    <p:sldId id="296" r:id="rId10"/>
+    <p:sldId id="301" r:id="rId11"/>
+    <p:sldId id="302" r:id="rId12"/>
+    <p:sldId id="292" r:id="rId13"/>
+    <p:sldId id="320" r:id="rId14"/>
+    <p:sldId id="297" r:id="rId15"/>
     <p:sldId id="298" r:id="rId16"/>
-    <p:sldId id="318" r:id="rId17"/>
-    <p:sldId id="293" r:id="rId18"/>
-    <p:sldId id="319" r:id="rId19"/>
-    <p:sldId id="295" r:id="rId20"/>
-    <p:sldId id="316" r:id="rId21"/>
-    <p:sldId id="309" r:id="rId22"/>
-    <p:sldId id="310" r:id="rId23"/>
-    <p:sldId id="314" r:id="rId24"/>
-    <p:sldId id="311" r:id="rId25"/>
-    <p:sldId id="315" r:id="rId26"/>
-    <p:sldId id="294" r:id="rId27"/>
-    <p:sldId id="320" r:id="rId28"/>
+    <p:sldId id="323" r:id="rId17"/>
+    <p:sldId id="324" r:id="rId18"/>
+    <p:sldId id="294" r:id="rId19"/>
+    <p:sldId id="319" r:id="rId20"/>
+    <p:sldId id="295" r:id="rId21"/>
+    <p:sldId id="316" r:id="rId22"/>
+    <p:sldId id="309" r:id="rId23"/>
+    <p:sldId id="310" r:id="rId24"/>
+    <p:sldId id="314" r:id="rId25"/>
+    <p:sldId id="311" r:id="rId26"/>
+    <p:sldId id="315" r:id="rId27"/>
   </p:sldIdLst>
   <p:sldSz cx="12192000" cy="6858000"/>
   <p:notesSz cx="6858000" cy="9144000"/>
@@ -223,7 +222,7 @@
           <a:p>
             <a:fld id="{3C35305E-D46C-4326-9A29-B8B50EE59D60}" type="datetimeFigureOut">
               <a:rPr lang="pt-PT" smtClean="0"/>
-              <a:t>10/07/2016</a:t>
+              <a:t>15/07/2016</a:t>
             </a:fld>
             <a:endParaRPr lang="pt-PT"/>
           </a:p>
@@ -639,7 +638,7 @@
           <a:p>
             <a:fld id="{A37DC0E3-D7D0-4B7C-A327-D399D589CBC5}" type="slidenum">
               <a:rPr lang="pt-PT" smtClean="0"/>
-              <a:t>25</a:t>
+              <a:t>14</a:t>
             </a:fld>
             <a:endParaRPr lang="pt-PT"/>
           </a:p>
@@ -648,7 +647,7 @@
     </p:spTree>
     <p:extLst>
       <p:ext uri="{BB962C8B-B14F-4D97-AF65-F5344CB8AC3E}">
-        <p14:creationId xmlns:p14="http://schemas.microsoft.com/office/powerpoint/2010/main" val="3986728422"/>
+        <p14:creationId xmlns:p14="http://schemas.microsoft.com/office/powerpoint/2010/main" val="82547730"/>
       </p:ext>
     </p:extLst>
   </p:cSld>
@@ -702,6 +701,30 @@
           <a:bodyPr/>
           <a:lstStyle/>
           <a:p>
+            <a:r>
+              <a:rPr lang="en-GB" dirty="0"/>
+              <a:t>-</a:t>
+            </a:r>
+            <a:r>
+              <a:rPr lang="en-GB" dirty="0" err="1"/>
+              <a:t>extrair</a:t>
+            </a:r>
+            <a:r>
+              <a:rPr lang="en-GB" baseline="0" dirty="0"/>
+              <a:t> dados </a:t>
+            </a:r>
+            <a:r>
+              <a:rPr lang="en-GB" baseline="0" dirty="0" err="1"/>
+              <a:t>demográficos</a:t>
+            </a:r>
+            <a:r>
+              <a:rPr lang="en-GB" baseline="0" dirty="0"/>
+              <a:t> do </a:t>
+            </a:r>
+            <a:r>
+              <a:rPr lang="en-GB" baseline="0" dirty="0" err="1"/>
+              <a:t>ehr</a:t>
+            </a:r>
             <a:endParaRPr lang="pt-PT" dirty="0"/>
           </a:p>
         </p:txBody>
@@ -723,7 +746,7 @@
           <a:p>
             <a:fld id="{A37DC0E3-D7D0-4B7C-A327-D399D589CBC5}" type="slidenum">
               <a:rPr lang="pt-PT" smtClean="0"/>
-              <a:t>27</a:t>
+              <a:t>17</a:t>
             </a:fld>
             <a:endParaRPr lang="pt-PT"/>
           </a:p>
@@ -732,7 +755,350 @@
     </p:spTree>
     <p:extLst>
       <p:ext uri="{BB962C8B-B14F-4D97-AF65-F5344CB8AC3E}">
-        <p14:creationId xmlns:p14="http://schemas.microsoft.com/office/powerpoint/2010/main" val="2087800455"/>
+        <p14:creationId xmlns:p14="http://schemas.microsoft.com/office/powerpoint/2010/main" val="2812681824"/>
+      </p:ext>
+    </p:extLst>
+  </p:cSld>
+  <p:clrMapOvr>
+    <a:masterClrMapping/>
+  </p:clrMapOvr>
+</p:notes>
+</file>
+
+<file path=ppt/notesSlides/notesSlide12.xml><?xml version="1.0" encoding="utf-8"?>
+<p:notes xmlns:a="http://schemas.openxmlformats.org/drawingml/2006/main" xmlns:r="http://schemas.openxmlformats.org/officeDocument/2006/relationships" xmlns:p="http://schemas.openxmlformats.org/presentationml/2006/main">
+  <p:cSld>
+    <p:spTree>
+      <p:nvGrpSpPr>
+        <p:cNvPr id="1" name=""/>
+        <p:cNvGrpSpPr/>
+        <p:nvPr/>
+      </p:nvGrpSpPr>
+      <p:grpSpPr>
+        <a:xfrm>
+          <a:off x="0" y="0"/>
+          <a:ext cx="0" cy="0"/>
+          <a:chOff x="0" y="0"/>
+          <a:chExt cx="0" cy="0"/>
+        </a:xfrm>
+      </p:grpSpPr>
+      <p:sp>
+        <p:nvSpPr>
+          <p:cNvPr id="2" name="Marcador de Posição da Imagem do Diapositivo 1"/>
+          <p:cNvSpPr>
+            <a:spLocks noGrp="1" noRot="1" noChangeAspect="1"/>
+          </p:cNvSpPr>
+          <p:nvPr>
+            <p:ph type="sldImg"/>
+          </p:nvPr>
+        </p:nvSpPr>
+        <p:spPr/>
+      </p:sp>
+      <p:sp>
+        <p:nvSpPr>
+          <p:cNvPr id="3" name="Marcador de Posição de Notas 2"/>
+          <p:cNvSpPr>
+            <a:spLocks noGrp="1"/>
+          </p:cNvSpPr>
+          <p:nvPr>
+            <p:ph type="body" idx="1"/>
+          </p:nvPr>
+        </p:nvSpPr>
+        <p:spPr/>
+        <p:txBody>
+          <a:bodyPr/>
+          <a:lstStyle/>
+          <a:p>
+            <a:pPr marL="171450" marR="0" lvl="0" indent="-171450" algn="l" defTabSz="914400" rtl="0" eaLnBrk="1" fontAlgn="auto" latinLnBrk="0" hangingPunct="1">
+              <a:lnSpc>
+                <a:spcPct val="100000"/>
+              </a:lnSpc>
+              <a:spcBef>
+                <a:spcPts val="0"/>
+              </a:spcBef>
+              <a:spcAft>
+                <a:spcPts val="0"/>
+              </a:spcAft>
+              <a:buClrTx/>
+              <a:buSzTx/>
+              <a:buFontTx/>
+              <a:buChar char="-"/>
+              <a:tabLst/>
+              <a:defRPr/>
+            </a:pPr>
+            <a:r>
+              <a:rPr lang="pt-PT" sz="1200" kern="1200" dirty="0">
+                <a:solidFill>
+                  <a:schemeClr val="tx1"/>
+                </a:solidFill>
+                <a:latin typeface="+mn-lt"/>
+                <a:ea typeface="+mn-ea"/>
+                <a:cs typeface="+mn-cs"/>
+              </a:rPr>
+              <a:t>A redução do tempo total ao passar de 100 para 500 poderá ser determinado pela existência de um tempo de </a:t>
+            </a:r>
+            <a:r>
+              <a:rPr lang="pt-PT" sz="1200" kern="1200" dirty="0" err="1">
+                <a:solidFill>
+                  <a:schemeClr val="tx1"/>
+                </a:solidFill>
+                <a:latin typeface="+mn-lt"/>
+                <a:ea typeface="+mn-ea"/>
+                <a:cs typeface="+mn-cs"/>
+              </a:rPr>
+              <a:t>setup</a:t>
+            </a:r>
+            <a:r>
+              <a:rPr lang="pt-PT" sz="1200" kern="1200" dirty="0">
+                <a:solidFill>
+                  <a:schemeClr val="tx1"/>
+                </a:solidFill>
+                <a:latin typeface="+mn-lt"/>
+                <a:ea typeface="+mn-ea"/>
+                <a:cs typeface="+mn-cs"/>
+              </a:rPr>
+              <a:t> grande nalgum dos processos invocados, o que pode fazer com que chamar muitas vezes dê um relevo grande a esse tempo; </a:t>
+            </a:r>
+          </a:p>
+          <a:p>
+            <a:pPr marL="171450" marR="0" lvl="0" indent="-171450" algn="l" defTabSz="914400" rtl="0" eaLnBrk="1" fontAlgn="auto" latinLnBrk="0" hangingPunct="1">
+              <a:lnSpc>
+                <a:spcPct val="100000"/>
+              </a:lnSpc>
+              <a:spcBef>
+                <a:spcPts val="0"/>
+              </a:spcBef>
+              <a:spcAft>
+                <a:spcPts val="0"/>
+              </a:spcAft>
+              <a:buClrTx/>
+              <a:buSzTx/>
+              <a:buFontTx/>
+              <a:buChar char="-"/>
+              <a:tabLst/>
+              <a:defRPr/>
+            </a:pPr>
+            <a:r>
+              <a:rPr lang="pt-PT" sz="1200" kern="1200" dirty="0">
+                <a:solidFill>
+                  <a:schemeClr val="tx1"/>
+                </a:solidFill>
+                <a:latin typeface="+mn-lt"/>
+                <a:ea typeface="+mn-ea"/>
+                <a:cs typeface="+mn-cs"/>
+              </a:rPr>
+              <a:t>o </a:t>
+            </a:r>
+            <a:r>
+              <a:rPr lang="pt-PT" sz="1200" kern="1200" dirty="0" err="1">
+                <a:solidFill>
+                  <a:schemeClr val="tx1"/>
+                </a:solidFill>
+                <a:latin typeface="+mn-lt"/>
+                <a:ea typeface="+mn-ea"/>
+                <a:cs typeface="+mn-cs"/>
+              </a:rPr>
+              <a:t>comportamnto</a:t>
+            </a:r>
+            <a:r>
+              <a:rPr lang="pt-PT" sz="1200" kern="1200" dirty="0">
+                <a:solidFill>
+                  <a:schemeClr val="tx1"/>
+                </a:solidFill>
+                <a:latin typeface="+mn-lt"/>
+                <a:ea typeface="+mn-ea"/>
+                <a:cs typeface="+mn-cs"/>
+              </a:rPr>
+              <a:t> ao passar de 500 para 1000 pode significar que se está a exceder a memória física e a entrar num processo de recurso à memória virtual, de facto guardada em disco.</a:t>
+            </a:r>
+          </a:p>
+          <a:p>
+            <a:pPr marL="171450" marR="0" lvl="0" indent="-171450" algn="l" defTabSz="914400" rtl="0" eaLnBrk="1" fontAlgn="auto" latinLnBrk="0" hangingPunct="1">
+              <a:lnSpc>
+                <a:spcPct val="100000"/>
+              </a:lnSpc>
+              <a:spcBef>
+                <a:spcPts val="0"/>
+              </a:spcBef>
+              <a:spcAft>
+                <a:spcPts val="0"/>
+              </a:spcAft>
+              <a:buClrTx/>
+              <a:buSzTx/>
+              <a:buFontTx/>
+              <a:buChar char="-"/>
+              <a:tabLst/>
+              <a:defRPr/>
+            </a:pPr>
+            <a:r>
+              <a:rPr lang="en-GB" sz="1200" kern="1200" dirty="0">
+                <a:solidFill>
+                  <a:schemeClr val="tx1"/>
+                </a:solidFill>
+                <a:latin typeface="+mn-lt"/>
+                <a:ea typeface="+mn-ea"/>
+                <a:cs typeface="+mn-cs"/>
+              </a:rPr>
+              <a:t>O tempo de </a:t>
+            </a:r>
+            <a:r>
+              <a:rPr lang="en-GB" sz="1200" kern="1200" dirty="0" err="1">
+                <a:solidFill>
+                  <a:schemeClr val="tx1"/>
+                </a:solidFill>
+                <a:latin typeface="+mn-lt"/>
+                <a:ea typeface="+mn-ea"/>
+                <a:cs typeface="+mn-cs"/>
+              </a:rPr>
+              <a:t>pesquisa</a:t>
+            </a:r>
+            <a:r>
+              <a:rPr lang="en-GB" sz="1200" kern="1200" dirty="0">
+                <a:solidFill>
+                  <a:schemeClr val="tx1"/>
+                </a:solidFill>
+                <a:latin typeface="+mn-lt"/>
+                <a:ea typeface="+mn-ea"/>
+                <a:cs typeface="+mn-cs"/>
+              </a:rPr>
+              <a:t> é </a:t>
+            </a:r>
+            <a:r>
+              <a:rPr lang="en-GB" sz="1200" kern="1200" dirty="0" err="1">
+                <a:solidFill>
+                  <a:schemeClr val="tx1"/>
+                </a:solidFill>
+                <a:latin typeface="+mn-lt"/>
+                <a:ea typeface="+mn-ea"/>
+                <a:cs typeface="+mn-cs"/>
+              </a:rPr>
+              <a:t>desprezavel</a:t>
+            </a:r>
+            <a:endParaRPr lang="pt-PT" sz="1200" kern="1200" dirty="0">
+              <a:solidFill>
+                <a:schemeClr val="tx1"/>
+              </a:solidFill>
+              <a:latin typeface="+mn-lt"/>
+              <a:ea typeface="+mn-ea"/>
+              <a:cs typeface="+mn-cs"/>
+            </a:endParaRPr>
+          </a:p>
+          <a:p>
+            <a:endParaRPr lang="pt-PT" dirty="0"/>
+          </a:p>
+        </p:txBody>
+      </p:sp>
+      <p:sp>
+        <p:nvSpPr>
+          <p:cNvPr id="4" name="Marcador de Posição do Número do Diapositivo 3"/>
+          <p:cNvSpPr>
+            <a:spLocks noGrp="1"/>
+          </p:cNvSpPr>
+          <p:nvPr>
+            <p:ph type="sldNum" sz="quarter" idx="10"/>
+          </p:nvPr>
+        </p:nvSpPr>
+        <p:spPr/>
+        <p:txBody>
+          <a:bodyPr/>
+          <a:lstStyle/>
+          <a:p>
+            <a:fld id="{A37DC0E3-D7D0-4B7C-A327-D399D589CBC5}" type="slidenum">
+              <a:rPr lang="pt-PT" smtClean="0"/>
+              <a:t>23</a:t>
+            </a:fld>
+            <a:endParaRPr lang="pt-PT"/>
+          </a:p>
+        </p:txBody>
+      </p:sp>
+    </p:spTree>
+    <p:extLst>
+      <p:ext uri="{BB962C8B-B14F-4D97-AF65-F5344CB8AC3E}">
+        <p14:creationId xmlns:p14="http://schemas.microsoft.com/office/powerpoint/2010/main" val="2417754342"/>
+      </p:ext>
+    </p:extLst>
+  </p:cSld>
+  <p:clrMapOvr>
+    <a:masterClrMapping/>
+  </p:clrMapOvr>
+</p:notes>
+</file>
+
+<file path=ppt/notesSlides/notesSlide13.xml><?xml version="1.0" encoding="utf-8"?>
+<p:notes xmlns:a="http://schemas.openxmlformats.org/drawingml/2006/main" xmlns:r="http://schemas.openxmlformats.org/officeDocument/2006/relationships" xmlns:p="http://schemas.openxmlformats.org/presentationml/2006/main">
+  <p:cSld>
+    <p:spTree>
+      <p:nvGrpSpPr>
+        <p:cNvPr id="1" name=""/>
+        <p:cNvGrpSpPr/>
+        <p:nvPr/>
+      </p:nvGrpSpPr>
+      <p:grpSpPr>
+        <a:xfrm>
+          <a:off x="0" y="0"/>
+          <a:ext cx="0" cy="0"/>
+          <a:chOff x="0" y="0"/>
+          <a:chExt cx="0" cy="0"/>
+        </a:xfrm>
+      </p:grpSpPr>
+      <p:sp>
+        <p:nvSpPr>
+          <p:cNvPr id="2" name="Marcador de Posição da Imagem do Diapositivo 1"/>
+          <p:cNvSpPr>
+            <a:spLocks noGrp="1" noRot="1" noChangeAspect="1"/>
+          </p:cNvSpPr>
+          <p:nvPr>
+            <p:ph type="sldImg"/>
+          </p:nvPr>
+        </p:nvSpPr>
+        <p:spPr/>
+      </p:sp>
+      <p:sp>
+        <p:nvSpPr>
+          <p:cNvPr id="3" name="Marcador de Posição de Notas 2"/>
+          <p:cNvSpPr>
+            <a:spLocks noGrp="1"/>
+          </p:cNvSpPr>
+          <p:nvPr>
+            <p:ph type="body" idx="1"/>
+          </p:nvPr>
+        </p:nvSpPr>
+        <p:spPr/>
+        <p:txBody>
+          <a:bodyPr/>
+          <a:lstStyle/>
+          <a:p>
+            <a:endParaRPr lang="pt-PT" dirty="0"/>
+          </a:p>
+        </p:txBody>
+      </p:sp>
+      <p:sp>
+        <p:nvSpPr>
+          <p:cNvPr id="4" name="Marcador de Posição do Número do Diapositivo 3"/>
+          <p:cNvSpPr>
+            <a:spLocks noGrp="1"/>
+          </p:cNvSpPr>
+          <p:nvPr>
+            <p:ph type="sldNum" sz="quarter" idx="10"/>
+          </p:nvPr>
+        </p:nvSpPr>
+        <p:spPr/>
+        <p:txBody>
+          <a:bodyPr/>
+          <a:lstStyle/>
+          <a:p>
+            <a:fld id="{A37DC0E3-D7D0-4B7C-A327-D399D589CBC5}" type="slidenum">
+              <a:rPr lang="pt-PT" smtClean="0"/>
+              <a:t>26</a:t>
+            </a:fld>
+            <a:endParaRPr lang="pt-PT"/>
+          </a:p>
+        </p:txBody>
+      </p:sp>
+    </p:spTree>
+    <p:extLst>
+      <p:ext uri="{BB962C8B-B14F-4D97-AF65-F5344CB8AC3E}">
+        <p14:creationId xmlns:p14="http://schemas.microsoft.com/office/powerpoint/2010/main" val="3986728422"/>
       </p:ext>
     </p:extLst>
   </p:cSld>
@@ -1152,7 +1518,7 @@
     </p:spTree>
     <p:extLst>
       <p:ext uri="{BB962C8B-B14F-4D97-AF65-F5344CB8AC3E}">
-        <p14:creationId xmlns:p14="http://schemas.microsoft.com/office/powerpoint/2010/main" val="2669081870"/>
+        <p14:creationId xmlns:p14="http://schemas.microsoft.com/office/powerpoint/2010/main" val="1121924791"/>
       </p:ext>
     </p:extLst>
   </p:cSld>
@@ -1206,46 +1572,6 @@
           <a:bodyPr/>
           <a:lstStyle/>
           <a:p>
-            <a:pPr marL="171450" indent="-171450">
-              <a:buFont typeface="Arial" panose="020B0604020202020204" pitchFamily="34" charset="0"/>
-              <a:buChar char="•"/>
-            </a:pPr>
-            <a:r>
-              <a:rPr lang="en-GB" dirty="0"/>
-              <a:t>Um</a:t>
-            </a:r>
-            <a:r>
-              <a:rPr lang="en-GB" baseline="0" dirty="0"/>
-              <a:t> </a:t>
-            </a:r>
-            <a:r>
-              <a:rPr lang="en-GB" baseline="0" dirty="0" err="1"/>
-              <a:t>arquétipo</a:t>
-            </a:r>
-            <a:r>
-              <a:rPr lang="en-GB" baseline="0" dirty="0"/>
-              <a:t> </a:t>
-            </a:r>
-            <a:r>
-              <a:rPr lang="en-GB" baseline="0" dirty="0" err="1"/>
-              <a:t>representa</a:t>
-            </a:r>
-            <a:r>
-              <a:rPr lang="en-GB" baseline="0" dirty="0"/>
-              <a:t> um </a:t>
-            </a:r>
-            <a:r>
-              <a:rPr lang="en-GB" baseline="0" dirty="0" err="1"/>
-              <a:t>conceito</a:t>
-            </a:r>
-            <a:r>
-              <a:rPr lang="en-GB" baseline="0" dirty="0"/>
-              <a:t> </a:t>
-            </a:r>
-            <a:r>
-              <a:rPr lang="en-GB" baseline="0" dirty="0" err="1"/>
-              <a:t>clínico</a:t>
-            </a:r>
             <a:endParaRPr lang="pt-PT" dirty="0"/>
           </a:p>
         </p:txBody>
@@ -1276,7 +1602,7 @@
     </p:spTree>
     <p:extLst>
       <p:ext uri="{BB962C8B-B14F-4D97-AF65-F5344CB8AC3E}">
-        <p14:creationId xmlns:p14="http://schemas.microsoft.com/office/powerpoint/2010/main" val="1014455387"/>
+        <p14:creationId xmlns:p14="http://schemas.microsoft.com/office/powerpoint/2010/main" val="2669081870"/>
       </p:ext>
     </p:extLst>
   </p:cSld>
@@ -1330,6 +1656,46 @@
           <a:bodyPr/>
           <a:lstStyle/>
           <a:p>
+            <a:pPr marL="171450" indent="-171450">
+              <a:buFont typeface="Arial" panose="020B0604020202020204" pitchFamily="34" charset="0"/>
+              <a:buChar char="•"/>
+            </a:pPr>
+            <a:r>
+              <a:rPr lang="en-GB" dirty="0"/>
+              <a:t>Um</a:t>
+            </a:r>
+            <a:r>
+              <a:rPr lang="en-GB" baseline="0" dirty="0"/>
+              <a:t> </a:t>
+            </a:r>
+            <a:r>
+              <a:rPr lang="en-GB" baseline="0" dirty="0" err="1"/>
+              <a:t>arquétipo</a:t>
+            </a:r>
+            <a:r>
+              <a:rPr lang="en-GB" baseline="0" dirty="0"/>
+              <a:t> </a:t>
+            </a:r>
+            <a:r>
+              <a:rPr lang="en-GB" baseline="0" dirty="0" err="1"/>
+              <a:t>representa</a:t>
+            </a:r>
+            <a:r>
+              <a:rPr lang="en-GB" baseline="0" dirty="0"/>
+              <a:t> um </a:t>
+            </a:r>
+            <a:r>
+              <a:rPr lang="en-GB" baseline="0" dirty="0" err="1"/>
+              <a:t>conceito</a:t>
+            </a:r>
+            <a:r>
+              <a:rPr lang="en-GB" baseline="0" dirty="0"/>
+              <a:t> </a:t>
+            </a:r>
+            <a:r>
+              <a:rPr lang="en-GB" baseline="0" dirty="0" err="1"/>
+              <a:t>clínico</a:t>
+            </a:r>
             <a:endParaRPr lang="pt-PT" dirty="0"/>
           </a:p>
         </p:txBody>
@@ -1351,7 +1717,7 @@
           <a:p>
             <a:fld id="{A37DC0E3-D7D0-4B7C-A327-D399D589CBC5}" type="slidenum">
               <a:rPr lang="pt-PT" smtClean="0"/>
-              <a:t>13</a:t>
+              <a:t>10</a:t>
             </a:fld>
             <a:endParaRPr lang="pt-PT"/>
           </a:p>
@@ -1360,7 +1726,7 @@
     </p:spTree>
     <p:extLst>
       <p:ext uri="{BB962C8B-B14F-4D97-AF65-F5344CB8AC3E}">
-        <p14:creationId xmlns:p14="http://schemas.microsoft.com/office/powerpoint/2010/main" val="3264918565"/>
+        <p14:creationId xmlns:p14="http://schemas.microsoft.com/office/powerpoint/2010/main" val="1014455387"/>
       </p:ext>
     </p:extLst>
   </p:cSld>
@@ -1414,110 +1780,6 @@
           <a:bodyPr/>
           <a:lstStyle/>
           <a:p>
-            <a:pPr marL="171450" marR="0" lvl="0" indent="-171450" algn="l" defTabSz="914400" rtl="0" eaLnBrk="1" fontAlgn="auto" latinLnBrk="0" hangingPunct="1">
-              <a:lnSpc>
-                <a:spcPct val="100000"/>
-              </a:lnSpc>
-              <a:spcBef>
-                <a:spcPts val="0"/>
-              </a:spcBef>
-              <a:spcAft>
-                <a:spcPts val="0"/>
-              </a:spcAft>
-              <a:buClrTx/>
-              <a:buSzTx/>
-              <a:buFontTx/>
-              <a:buChar char="-"/>
-              <a:tabLst/>
-              <a:defRPr/>
-            </a:pPr>
-            <a:r>
-              <a:rPr lang="pt-PT" sz="1200" kern="1200" dirty="0">
-                <a:solidFill>
-                  <a:schemeClr val="tx1"/>
-                </a:solidFill>
-                <a:latin typeface="+mn-lt"/>
-                <a:ea typeface="+mn-ea"/>
-                <a:cs typeface="+mn-cs"/>
-              </a:rPr>
-              <a:t>A redução do tempo total ao passar de 100 para 500 poderá ser determinado pela existência de um tempo de </a:t>
-            </a:r>
-            <a:r>
-              <a:rPr lang="pt-PT" sz="1200" kern="1200" dirty="0" err="1">
-                <a:solidFill>
-                  <a:schemeClr val="tx1"/>
-                </a:solidFill>
-                <a:latin typeface="+mn-lt"/>
-                <a:ea typeface="+mn-ea"/>
-                <a:cs typeface="+mn-cs"/>
-              </a:rPr>
-              <a:t>setup</a:t>
-            </a:r>
-            <a:r>
-              <a:rPr lang="pt-PT" sz="1200" kern="1200" dirty="0">
-                <a:solidFill>
-                  <a:schemeClr val="tx1"/>
-                </a:solidFill>
-                <a:latin typeface="+mn-lt"/>
-                <a:ea typeface="+mn-ea"/>
-                <a:cs typeface="+mn-cs"/>
-              </a:rPr>
-              <a:t> grande nalgum dos processos invocados, o que pode fazer com que chamar muitas vezes dê um relevo grande a esse tempo; </a:t>
-            </a:r>
-          </a:p>
-          <a:p>
-            <a:pPr marL="171450" marR="0" lvl="0" indent="-171450" algn="l" defTabSz="914400" rtl="0" eaLnBrk="1" fontAlgn="auto" latinLnBrk="0" hangingPunct="1">
-              <a:lnSpc>
-                <a:spcPct val="100000"/>
-              </a:lnSpc>
-              <a:spcBef>
-                <a:spcPts val="0"/>
-              </a:spcBef>
-              <a:spcAft>
-                <a:spcPts val="0"/>
-              </a:spcAft>
-              <a:buClrTx/>
-              <a:buSzTx/>
-              <a:buFontTx/>
-              <a:buChar char="-"/>
-              <a:tabLst/>
-              <a:defRPr/>
-            </a:pPr>
-            <a:r>
-              <a:rPr lang="pt-PT" sz="1200" kern="1200">
-                <a:solidFill>
-                  <a:schemeClr val="tx1"/>
-                </a:solidFill>
-                <a:latin typeface="+mn-lt"/>
-                <a:ea typeface="+mn-ea"/>
-                <a:cs typeface="+mn-cs"/>
-              </a:rPr>
-              <a:t>o </a:t>
-            </a:r>
-            <a:r>
-              <a:rPr lang="pt-PT" sz="1200" kern="1200" dirty="0" err="1">
-                <a:solidFill>
-                  <a:schemeClr val="tx1"/>
-                </a:solidFill>
-                <a:latin typeface="+mn-lt"/>
-                <a:ea typeface="+mn-ea"/>
-                <a:cs typeface="+mn-cs"/>
-              </a:rPr>
-              <a:t>comportamnto</a:t>
-            </a:r>
-            <a:r>
-              <a:rPr lang="pt-PT" sz="1200" kern="1200" dirty="0">
-                <a:solidFill>
-                  <a:schemeClr val="tx1"/>
-                </a:solidFill>
-                <a:latin typeface="+mn-lt"/>
-                <a:ea typeface="+mn-ea"/>
-                <a:cs typeface="+mn-cs"/>
-              </a:rPr>
-              <a:t> ao passar de 500 para 1000 pode significar que se está a exceder a memória física e a entrar num processo de recurso à memória virtual, de facto guardada em disco.</a:t>
-            </a:r>
-          </a:p>
-          <a:p>
             <a:endParaRPr lang="pt-PT" dirty="0"/>
           </a:p>
         </p:txBody>
@@ -1539,7 +1801,7 @@
           <a:p>
             <a:fld id="{A37DC0E3-D7D0-4B7C-A327-D399D589CBC5}" type="slidenum">
               <a:rPr lang="pt-PT" smtClean="0"/>
-              <a:t>22</a:t>
+              <a:t>13</a:t>
             </a:fld>
             <a:endParaRPr lang="pt-PT"/>
           </a:p>
@@ -1548,7 +1810,7 @@
     </p:spTree>
     <p:extLst>
       <p:ext uri="{BB962C8B-B14F-4D97-AF65-F5344CB8AC3E}">
-        <p14:creationId xmlns:p14="http://schemas.microsoft.com/office/powerpoint/2010/main" val="2417754342"/>
+        <p14:creationId xmlns:p14="http://schemas.microsoft.com/office/powerpoint/2010/main" val="2087800455"/>
       </p:ext>
     </p:extLst>
   </p:cSld>
@@ -1832,7 +2094,7 @@
           <a:p>
             <a:fld id="{B8C1D41B-FD9D-477E-A7D3-2D0500536254}" type="datetimeFigureOut">
               <a:rPr lang="pt-PT" smtClean="0"/>
-              <a:t>10/07/2016</a:t>
+              <a:t>15/07/2016</a:t>
             </a:fld>
             <a:endParaRPr lang="pt-PT"/>
           </a:p>
@@ -2246,7 +2508,7 @@
           <a:p>
             <a:fld id="{B8C1D41B-FD9D-477E-A7D3-2D0500536254}" type="datetimeFigureOut">
               <a:rPr lang="pt-PT" smtClean="0"/>
-              <a:t>10/07/2016</a:t>
+              <a:t>15/07/2016</a:t>
             </a:fld>
             <a:endParaRPr lang="pt-PT"/>
           </a:p>
@@ -2582,7 +2844,7 @@
           <a:p>
             <a:fld id="{B8C1D41B-FD9D-477E-A7D3-2D0500536254}" type="datetimeFigureOut">
               <a:rPr lang="pt-PT" smtClean="0"/>
-              <a:t>10/07/2016</a:t>
+              <a:t>15/07/2016</a:t>
             </a:fld>
             <a:endParaRPr lang="pt-PT"/>
           </a:p>
@@ -2987,7 +3249,7 @@
           <a:p>
             <a:fld id="{B8C1D41B-FD9D-477E-A7D3-2D0500536254}" type="datetimeFigureOut">
               <a:rPr lang="pt-PT" smtClean="0"/>
-              <a:t>10/07/2016</a:t>
+              <a:t>15/07/2016</a:t>
             </a:fld>
             <a:endParaRPr lang="pt-PT"/>
           </a:p>
@@ -3555,7 +3817,7 @@
           <a:p>
             <a:fld id="{B8C1D41B-FD9D-477E-A7D3-2D0500536254}" type="datetimeFigureOut">
               <a:rPr lang="pt-PT" smtClean="0"/>
-              <a:t>10/07/2016</a:t>
+              <a:t>15/07/2016</a:t>
             </a:fld>
             <a:endParaRPr lang="pt-PT"/>
           </a:p>
@@ -4236,7 +4498,7 @@
           <a:p>
             <a:fld id="{B8C1D41B-FD9D-477E-A7D3-2D0500536254}" type="datetimeFigureOut">
               <a:rPr lang="pt-PT" smtClean="0"/>
-              <a:t>10/07/2016</a:t>
+              <a:t>15/07/2016</a:t>
             </a:fld>
             <a:endParaRPr lang="pt-PT"/>
           </a:p>
@@ -5149,7 +5411,7 @@
           <a:p>
             <a:fld id="{B8C1D41B-FD9D-477E-A7D3-2D0500536254}" type="datetimeFigureOut">
               <a:rPr lang="pt-PT" smtClean="0"/>
-              <a:t>10/07/2016</a:t>
+              <a:t>15/07/2016</a:t>
             </a:fld>
             <a:endParaRPr lang="pt-PT"/>
           </a:p>
@@ -5462,7 +5724,7 @@
           <a:p>
             <a:fld id="{B8C1D41B-FD9D-477E-A7D3-2D0500536254}" type="datetimeFigureOut">
               <a:rPr lang="pt-PT" smtClean="0"/>
-              <a:t>10/07/2016</a:t>
+              <a:t>15/07/2016</a:t>
             </a:fld>
             <a:endParaRPr lang="pt-PT"/>
           </a:p>
@@ -5726,7 +5988,7 @@
           <a:p>
             <a:fld id="{B8C1D41B-FD9D-477E-A7D3-2D0500536254}" type="datetimeFigureOut">
               <a:rPr lang="pt-PT" smtClean="0"/>
-              <a:t>10/07/2016</a:t>
+              <a:t>15/07/2016</a:t>
             </a:fld>
             <a:endParaRPr lang="pt-PT"/>
           </a:p>
@@ -6049,7 +6311,7 @@
           <a:p>
             <a:fld id="{B8C1D41B-FD9D-477E-A7D3-2D0500536254}" type="datetimeFigureOut">
               <a:rPr lang="pt-PT" smtClean="0"/>
-              <a:t>10/07/2016</a:t>
+              <a:t>15/07/2016</a:t>
             </a:fld>
             <a:endParaRPr lang="pt-PT"/>
           </a:p>
@@ -6438,7 +6700,7 @@
           <a:p>
             <a:fld id="{B8C1D41B-FD9D-477E-A7D3-2D0500536254}" type="datetimeFigureOut">
               <a:rPr lang="pt-PT" smtClean="0"/>
-              <a:t>10/07/2016</a:t>
+              <a:t>15/07/2016</a:t>
             </a:fld>
             <a:endParaRPr lang="pt-PT"/>
           </a:p>
@@ -6814,7 +7076,7 @@
           <a:p>
             <a:fld id="{B8C1D41B-FD9D-477E-A7D3-2D0500536254}" type="datetimeFigureOut">
               <a:rPr lang="pt-PT" smtClean="0"/>
-              <a:t>10/07/2016</a:t>
+              <a:t>15/07/2016</a:t>
             </a:fld>
             <a:endParaRPr lang="pt-PT"/>
           </a:p>
@@ -7320,7 +7582,7 @@
           <a:p>
             <a:fld id="{B8C1D41B-FD9D-477E-A7D3-2D0500536254}" type="datetimeFigureOut">
               <a:rPr lang="pt-PT" smtClean="0"/>
-              <a:t>10/07/2016</a:t>
+              <a:t>15/07/2016</a:t>
             </a:fld>
             <a:endParaRPr lang="pt-PT"/>
           </a:p>
@@ -7577,7 +7839,7 @@
           <a:p>
             <a:fld id="{B8C1D41B-FD9D-477E-A7D3-2D0500536254}" type="datetimeFigureOut">
               <a:rPr lang="pt-PT" smtClean="0"/>
-              <a:t>10/07/2016</a:t>
+              <a:t>15/07/2016</a:t>
             </a:fld>
             <a:endParaRPr lang="pt-PT"/>
           </a:p>
@@ -7740,7 +8002,7 @@
           <a:p>
             <a:fld id="{B8C1D41B-FD9D-477E-A7D3-2D0500536254}" type="datetimeFigureOut">
               <a:rPr lang="pt-PT" smtClean="0"/>
-              <a:t>10/07/2016</a:t>
+              <a:t>15/07/2016</a:t>
             </a:fld>
             <a:endParaRPr lang="pt-PT"/>
           </a:p>
@@ -8130,7 +8392,7 @@
           <a:p>
             <a:fld id="{B8C1D41B-FD9D-477E-A7D3-2D0500536254}" type="datetimeFigureOut">
               <a:rPr lang="pt-PT" smtClean="0"/>
-              <a:t>10/07/2016</a:t>
+              <a:t>15/07/2016</a:t>
             </a:fld>
             <a:endParaRPr lang="pt-PT"/>
           </a:p>
@@ -8539,7 +8801,7 @@
           <a:p>
             <a:fld id="{B8C1D41B-FD9D-477E-A7D3-2D0500536254}" type="datetimeFigureOut">
               <a:rPr lang="pt-PT" smtClean="0"/>
-              <a:t>10/07/2016</a:t>
+              <a:t>15/07/2016</a:t>
             </a:fld>
             <a:endParaRPr lang="pt-PT"/>
           </a:p>
@@ -8786,7 +9048,7 @@
           <a:p>
             <a:fld id="{B8C1D41B-FD9D-477E-A7D3-2D0500536254}" type="datetimeFigureOut">
               <a:rPr lang="pt-PT" smtClean="0"/>
-              <a:t>10/07/2016</a:t>
+              <a:t>15/07/2016</a:t>
             </a:fld>
             <a:endParaRPr lang="pt-PT"/>
           </a:p>
@@ -9504,19 +9766,157 @@
           <a:p>
             <a:r>
               <a:rPr lang="pt-PT" dirty="0"/>
-              <a:t>Estrutura </a:t>
+              <a:t>Norma </a:t>
             </a:r>
             <a:r>
               <a:rPr lang="pt-PT" dirty="0" err="1"/>
-              <a:t>EHRServer</a:t>
+              <a:t>openEHR</a:t>
             </a:r>
             <a:endParaRPr lang="pt-PT" dirty="0"/>
+          </a:p>
+        </p:txBody>
+      </p:sp>
+      <p:sp>
+        <p:nvSpPr>
+          <p:cNvPr id="3" name="Marcador de Posição de Conteúdo 2"/>
+          <p:cNvSpPr>
+            <a:spLocks noGrp="1"/>
+          </p:cNvSpPr>
+          <p:nvPr>
+            <p:ph idx="1"/>
+          </p:nvPr>
+        </p:nvSpPr>
+        <p:spPr/>
+        <p:txBody>
+          <a:bodyPr>
+            <a:normAutofit lnSpcReduction="10000"/>
+          </a:bodyPr>
+          <a:lstStyle/>
+          <a:p>
+            <a:r>
+              <a:rPr lang="en-GB" dirty="0">
+                <a:solidFill>
+                  <a:schemeClr val="bg1"/>
+                </a:solidFill>
+              </a:rPr>
+              <a:t>Norma </a:t>
+            </a:r>
+            <a:r>
+              <a:rPr lang="pt-PT" dirty="0">
+                <a:solidFill>
+                  <a:schemeClr val="bg1"/>
+                </a:solidFill>
+              </a:rPr>
+              <a:t>utilizada</a:t>
+            </a:r>
+            <a:r>
+              <a:rPr lang="en-GB" dirty="0">
+                <a:solidFill>
+                  <a:schemeClr val="bg1"/>
+                </a:solidFill>
+              </a:rPr>
+              <a:t> para </a:t>
+            </a:r>
+            <a:r>
+              <a:rPr lang="pt-PT" dirty="0">
+                <a:solidFill>
+                  <a:schemeClr val="bg1"/>
+                </a:solidFill>
+              </a:rPr>
+              <a:t>registos clínicos digitais</a:t>
+            </a:r>
+          </a:p>
+          <a:p>
+            <a:endParaRPr lang="pt-PT" dirty="0">
+              <a:solidFill>
+                <a:schemeClr val="bg1"/>
+              </a:solidFill>
+            </a:endParaRPr>
+          </a:p>
+          <a:p>
+            <a:r>
+              <a:rPr lang="pt-PT" dirty="0">
+                <a:solidFill>
+                  <a:schemeClr val="bg1"/>
+                </a:solidFill>
+              </a:rPr>
+              <a:t>A norma </a:t>
+            </a:r>
+            <a:r>
+              <a:rPr lang="pt-PT" dirty="0" err="1">
+                <a:solidFill>
+                  <a:schemeClr val="bg1"/>
+                </a:solidFill>
+              </a:rPr>
+              <a:t>openEHR</a:t>
+            </a:r>
+            <a:r>
+              <a:rPr lang="pt-PT" dirty="0">
+                <a:solidFill>
+                  <a:schemeClr val="bg1"/>
+                </a:solidFill>
+              </a:rPr>
+              <a:t> está estruturada da seguinte forma:</a:t>
+            </a:r>
+          </a:p>
+          <a:p>
+            <a:endParaRPr lang="pt-PT" dirty="0">
+              <a:solidFill>
+                <a:schemeClr val="bg1"/>
+              </a:solidFill>
+            </a:endParaRPr>
+          </a:p>
+          <a:p>
+            <a:pPr lvl="1"/>
+            <a:r>
+              <a:rPr lang="pt-PT" b="1" dirty="0">
+                <a:solidFill>
+                  <a:schemeClr val="bg1"/>
+                </a:solidFill>
+              </a:rPr>
+              <a:t>Arquétipo</a:t>
+            </a:r>
+            <a:r>
+              <a:rPr lang="pt-PT" dirty="0">
+                <a:solidFill>
+                  <a:schemeClr val="bg1"/>
+                </a:solidFill>
+              </a:rPr>
+              <a:t>: conceito mais elementar nesta estrutura (equivalente a uma peça de LEGO), consiste em dados clínicos, como por exemplo, altura, peso, sumário de gravidez e ecocardiograma;</a:t>
+            </a:r>
+          </a:p>
+          <a:p>
+            <a:pPr lvl="1"/>
+            <a:endParaRPr lang="pt-PT" dirty="0">
+              <a:solidFill>
+                <a:schemeClr val="bg1"/>
+              </a:solidFill>
+            </a:endParaRPr>
+          </a:p>
+          <a:p>
+            <a:pPr lvl="1"/>
+            <a:r>
+              <a:rPr lang="pt-PT" b="1" dirty="0" err="1">
+                <a:solidFill>
+                  <a:schemeClr val="bg1"/>
+                </a:solidFill>
+              </a:rPr>
+              <a:t>Template</a:t>
+            </a:r>
+            <a:r>
+              <a:rPr lang="pt-PT" dirty="0">
+                <a:solidFill>
+                  <a:schemeClr val="bg1"/>
+                </a:solidFill>
+              </a:rPr>
+              <a:t>: consiste num conjunto de peças LEGO, isto é, num conjunto de arquétipos.</a:t>
+            </a:r>
           </a:p>
         </p:txBody>
       </p:sp>
       <p:grpSp>
         <p:nvGrpSpPr>
-          <p:cNvPr id="8" name="Grupo 7"/>
+          <p:cNvPr id="9" name="Grupo 8"/>
           <p:cNvGrpSpPr/>
           <p:nvPr/>
         </p:nvGrpSpPr>
@@ -9530,7 +9930,7 @@
         </p:grpSpPr>
         <p:sp>
           <p:nvSpPr>
-            <p:cNvPr id="10" name="Retângulo arredondado 9"/>
+            <p:cNvPr id="11" name="Retângulo arredondado 10"/>
             <p:cNvSpPr/>
             <p:nvPr/>
           </p:nvSpPr>
@@ -9575,19 +9975,64 @@
             <a:p>
               <a:pPr algn="ctr"/>
               <a:r>
-                <a:rPr lang="pt-PT" b="1" dirty="0">
+                <a:rPr lang="pt-PT" sz="1550" b="1" dirty="0">
                   <a:solidFill>
                     <a:schemeClr val="tx1"/>
                   </a:solidFill>
                 </a:rPr>
-                <a:t>Agregar a informação numa só estrutura</a:t>
+                <a:t>Converter os dados da BD fonte (</a:t>
               </a:r>
+              <a:r>
+                <a:rPr lang="pt-PT" sz="1550" b="1" dirty="0" err="1">
+                  <a:solidFill>
+                    <a:schemeClr val="tx1"/>
+                  </a:solidFill>
+                </a:rPr>
+                <a:t>EResults</a:t>
+              </a:r>
+              <a:r>
+                <a:rPr lang="pt-PT" sz="1550" b="1" dirty="0">
+                  <a:solidFill>
+                    <a:schemeClr val="tx1"/>
+                  </a:solidFill>
+                </a:rPr>
+                <a:t> da </a:t>
+              </a:r>
+              <a:r>
+                <a:rPr lang="pt-PT" sz="1550" b="1" dirty="0" err="1">
+                  <a:solidFill>
+                    <a:schemeClr val="tx1"/>
+                  </a:solidFill>
+                </a:rPr>
+                <a:t>Glintt</a:t>
+              </a:r>
+              <a:r>
+                <a:rPr lang="pt-PT" sz="1550" b="1" dirty="0">
+                  <a:solidFill>
+                    <a:schemeClr val="tx1"/>
+                  </a:solidFill>
+                </a:rPr>
+                <a:t>) para </a:t>
+              </a:r>
+              <a:r>
+                <a:rPr lang="pt-PT" sz="1550" b="1" dirty="0" err="1">
+                  <a:solidFill>
+                    <a:schemeClr val="tx1"/>
+                  </a:solidFill>
+                </a:rPr>
+                <a:t>openEHR</a:t>
+              </a:r>
+              <a:endParaRPr lang="pt-PT" sz="1550" b="1" dirty="0">
+                <a:solidFill>
+                  <a:schemeClr val="tx1"/>
+                </a:solidFill>
+              </a:endParaRPr>
             </a:p>
           </p:txBody>
         </p:sp>
         <p:sp>
           <p:nvSpPr>
-            <p:cNvPr id="11" name="Retângulo arredondado 10"/>
+            <p:cNvPr id="12" name="Retângulo arredondado 11"/>
             <p:cNvSpPr/>
             <p:nvPr/>
           </p:nvSpPr>
@@ -9637,760 +10082,21 @@
                     <a:schemeClr val="tx1"/>
                   </a:solidFill>
                 </a:rPr>
-                <a:t>Indexar a informação proveniente dessa estrutura</a:t>
+                <a:t>Indexar com o </a:t>
               </a:r>
-            </a:p>
-          </p:txBody>
-        </p:sp>
-        <p:sp>
-          <p:nvSpPr>
-            <p:cNvPr id="12" name="Retângulo arredondado 11"/>
-            <p:cNvSpPr/>
-            <p:nvPr/>
-          </p:nvSpPr>
-          <p:spPr>
-            <a:xfrm>
-              <a:off x="10579200" y="3966003"/>
-              <a:ext cx="1612800" cy="1364400"/>
-            </a:xfrm>
-            <a:prstGeom prst="roundRect">
-              <a:avLst>
-                <a:gd name="adj" fmla="val 0"/>
-              </a:avLst>
-            </a:prstGeom>
-            <a:solidFill>
-              <a:srgbClr val="262626"/>
-            </a:solidFill>
-            <a:ln w="50800">
-              <a:solidFill>
-                <a:srgbClr val="262626"/>
-              </a:solidFill>
-            </a:ln>
-          </p:spPr>
-          <p:style>
-            <a:lnRef idx="2">
-              <a:schemeClr val="accent1">
-                <a:shade val="50000"/>
-              </a:schemeClr>
-            </a:lnRef>
-            <a:fillRef idx="1">
-              <a:schemeClr val="accent1"/>
-            </a:fillRef>
-            <a:effectRef idx="0">
-              <a:schemeClr val="accent1"/>
-            </a:effectRef>
-            <a:fontRef idx="minor">
-              <a:schemeClr val="lt1"/>
-            </a:fontRef>
-          </p:style>
-          <p:txBody>
-            <a:bodyPr rtlCol="0" anchor="ctr"/>
-            <a:lstStyle/>
-            <a:p>
-              <a:pPr algn="ctr"/>
               <a:r>
-                <a:rPr lang="pt-PT" b="1" dirty="0">
+                <a:rPr lang="pt-PT" b="1" dirty="0" err="1">
                   <a:solidFill>
                     <a:schemeClr val="tx1"/>
                   </a:solidFill>
                 </a:rPr>
-                <a:t>Apresentar os resultados tipo Google</a:t>
+                <a:t>Solr</a:t>
               </a:r>
-            </a:p>
-          </p:txBody>
-        </p:sp>
-      </p:grpSp>
-      <p:pic>
-        <p:nvPicPr>
-          <p:cNvPr id="14" name="Marcador de Posição de Conteúdo 13"/>
-          <p:cNvPicPr>
-            <a:picLocks noGrp="1" noChangeAspect="1"/>
-          </p:cNvPicPr>
-          <p:nvPr>
-            <p:ph idx="1"/>
-          </p:nvPr>
-        </p:nvPicPr>
-        <p:blipFill>
-          <a:blip r:embed="rId2">
-            <a:extLst>
-              <a:ext uri="{28A0092B-C50C-407E-A947-70E740481C1C}">
-                <a14:useLocalDpi xmlns:a14="http://schemas.microsoft.com/office/drawing/2010/main" val="0"/>
-              </a:ext>
-            </a:extLst>
-          </a:blip>
-          <a:stretch>
-            <a:fillRect/>
-          </a:stretch>
-        </p:blipFill>
-        <p:spPr>
-          <a:xfrm>
-            <a:off x="681038" y="2374717"/>
-            <a:ext cx="9613900" cy="3523029"/>
-          </a:xfrm>
-        </p:spPr>
-      </p:pic>
-      <p:sp>
-        <p:nvSpPr>
-          <p:cNvPr id="15" name="Retângulo 14"/>
-          <p:cNvSpPr/>
-          <p:nvPr/>
-        </p:nvSpPr>
-        <p:spPr>
-          <a:xfrm>
-            <a:off x="5250425" y="3973999"/>
-            <a:ext cx="973393" cy="155550"/>
-          </a:xfrm>
-          <a:prstGeom prst="rect">
-            <a:avLst/>
-          </a:prstGeom>
-          <a:noFill/>
-          <a:ln w="25400">
-            <a:solidFill>
-              <a:srgbClr val="F09415"/>
-            </a:solidFill>
-          </a:ln>
-        </p:spPr>
-        <p:style>
-          <a:lnRef idx="2">
-            <a:schemeClr val="accent1">
-              <a:shade val="50000"/>
-            </a:schemeClr>
-          </a:lnRef>
-          <a:fillRef idx="1">
-            <a:schemeClr val="accent1"/>
-          </a:fillRef>
-          <a:effectRef idx="0">
-            <a:schemeClr val="accent1"/>
-          </a:effectRef>
-          <a:fontRef idx="minor">
-            <a:schemeClr val="lt1"/>
-          </a:fontRef>
-        </p:style>
-        <p:txBody>
-          <a:bodyPr rtlCol="0" anchor="ctr"/>
-          <a:lstStyle/>
-          <a:p>
-            <a:pPr algn="ctr"/>
-            <a:endParaRPr lang="pt-PT"/>
-          </a:p>
-        </p:txBody>
-      </p:sp>
-      <p:sp>
-        <p:nvSpPr>
-          <p:cNvPr id="16" name="Retângulo 15"/>
-          <p:cNvSpPr/>
-          <p:nvPr/>
-        </p:nvSpPr>
-        <p:spPr>
-          <a:xfrm>
-            <a:off x="5250425" y="4237011"/>
-            <a:ext cx="693176" cy="158007"/>
-          </a:xfrm>
-          <a:prstGeom prst="rect">
-            <a:avLst/>
-          </a:prstGeom>
-          <a:noFill/>
-          <a:ln w="25400">
-            <a:solidFill>
-              <a:srgbClr val="F09415"/>
-            </a:solidFill>
-          </a:ln>
-        </p:spPr>
-        <p:style>
-          <a:lnRef idx="2">
-            <a:schemeClr val="accent1">
-              <a:shade val="50000"/>
-            </a:schemeClr>
-          </a:lnRef>
-          <a:fillRef idx="1">
-            <a:schemeClr val="accent1"/>
-          </a:fillRef>
-          <a:effectRef idx="0">
-            <a:schemeClr val="accent1"/>
-          </a:effectRef>
-          <a:fontRef idx="minor">
-            <a:schemeClr val="lt1"/>
-          </a:fontRef>
-        </p:style>
-        <p:txBody>
-          <a:bodyPr rtlCol="0" anchor="ctr"/>
-          <a:lstStyle/>
-          <a:p>
-            <a:pPr algn="ctr"/>
-            <a:endParaRPr lang="pt-PT"/>
-          </a:p>
-        </p:txBody>
-      </p:sp>
-    </p:spTree>
-    <p:extLst>
-      <p:ext uri="{BB962C8B-B14F-4D97-AF65-F5344CB8AC3E}">
-        <p14:creationId xmlns:p14="http://schemas.microsoft.com/office/powerpoint/2010/main" val="2248656990"/>
-      </p:ext>
-    </p:extLst>
-  </p:cSld>
-  <p:clrMapOvr>
-    <a:masterClrMapping/>
-  </p:clrMapOvr>
-</p:sld>
-</file>
-
-<file path=ppt/slides/slide11.xml><?xml version="1.0" encoding="utf-8"?>
-<p:sld xmlns:a="http://schemas.openxmlformats.org/drawingml/2006/main" xmlns:r="http://schemas.openxmlformats.org/officeDocument/2006/relationships" xmlns:p="http://schemas.openxmlformats.org/presentationml/2006/main">
-  <p:cSld>
-    <p:spTree>
-      <p:nvGrpSpPr>
-        <p:cNvPr id="1" name=""/>
-        <p:cNvGrpSpPr/>
-        <p:nvPr/>
-      </p:nvGrpSpPr>
-      <p:grpSpPr>
-        <a:xfrm>
-          <a:off x="0" y="0"/>
-          <a:ext cx="0" cy="0"/>
-          <a:chOff x="0" y="0"/>
-          <a:chExt cx="0" cy="0"/>
-        </a:xfrm>
-      </p:grpSpPr>
-      <p:pic>
-        <p:nvPicPr>
-          <p:cNvPr id="5" name="Imagem 4"/>
-          <p:cNvPicPr>
-            <a:picLocks noChangeAspect="1"/>
-          </p:cNvPicPr>
-          <p:nvPr/>
-        </p:nvPicPr>
-        <p:blipFill>
-          <a:blip r:embed="rId2">
-            <a:extLst>
-              <a:ext uri="{28A0092B-C50C-407E-A947-70E740481C1C}">
-                <a14:useLocalDpi xmlns:a14="http://schemas.microsoft.com/office/drawing/2010/main" val="0"/>
-              </a:ext>
-            </a:extLst>
-          </a:blip>
-          <a:stretch>
-            <a:fillRect/>
-          </a:stretch>
-        </p:blipFill>
-        <p:spPr>
-          <a:xfrm>
-            <a:off x="3733569" y="65313"/>
-            <a:ext cx="4945380" cy="6743700"/>
-          </a:xfrm>
-          <a:prstGeom prst="rect">
-            <a:avLst/>
-          </a:prstGeom>
-          <a:ln>
-            <a:noFill/>
-          </a:ln>
-          <a:effectLst>
-            <a:softEdge rad="112500"/>
-          </a:effectLst>
-        </p:spPr>
-      </p:pic>
-      <p:grpSp>
-        <p:nvGrpSpPr>
-          <p:cNvPr id="8" name="Grupo 7"/>
-          <p:cNvGrpSpPr/>
-          <p:nvPr/>
-        </p:nvGrpSpPr>
-        <p:grpSpPr>
-          <a:xfrm>
-            <a:off x="10579200" y="611939"/>
-            <a:ext cx="1612800" cy="4718464"/>
-            <a:chOff x="10579200" y="611939"/>
-            <a:chExt cx="1612800" cy="4718464"/>
-          </a:xfrm>
-        </p:grpSpPr>
-        <p:sp>
-          <p:nvSpPr>
-            <p:cNvPr id="9" name="Retângulo arredondado 8"/>
-            <p:cNvSpPr/>
-            <p:nvPr/>
-          </p:nvSpPr>
-          <p:spPr>
-            <a:xfrm>
-              <a:off x="10580914" y="611939"/>
-              <a:ext cx="1611086" cy="1363516"/>
-            </a:xfrm>
-            <a:prstGeom prst="roundRect">
-              <a:avLst>
-                <a:gd name="adj" fmla="val 0"/>
-              </a:avLst>
-            </a:prstGeom>
-            <a:solidFill>
-              <a:srgbClr val="F09415"/>
-            </a:solidFill>
-            <a:ln w="50800">
-              <a:solidFill>
-                <a:srgbClr val="F09415"/>
-              </a:solidFill>
-            </a:ln>
-          </p:spPr>
-          <p:style>
-            <a:lnRef idx="2">
-              <a:schemeClr val="accent1">
-                <a:shade val="50000"/>
-              </a:schemeClr>
-            </a:lnRef>
-            <a:fillRef idx="1">
-              <a:schemeClr val="accent1"/>
-            </a:fillRef>
-            <a:effectRef idx="0">
-              <a:schemeClr val="accent1"/>
-            </a:effectRef>
-            <a:fontRef idx="minor">
-              <a:schemeClr val="lt1"/>
-            </a:fontRef>
-          </p:style>
-          <p:txBody>
-            <a:bodyPr rtlCol="0" anchor="ctr"/>
-            <a:lstStyle/>
-            <a:p>
-              <a:pPr algn="ctr"/>
-              <a:r>
-                <a:rPr lang="pt-PT" b="1" dirty="0">
-                  <a:solidFill>
-                    <a:schemeClr val="tx1"/>
-                  </a:solidFill>
-                </a:rPr>
-                <a:t>Agregar a informação numa só estrutura</a:t>
-              </a:r>
-            </a:p>
-          </p:txBody>
-        </p:sp>
-        <p:sp>
-          <p:nvSpPr>
-            <p:cNvPr id="10" name="Retângulo arredondado 9"/>
-            <p:cNvSpPr/>
-            <p:nvPr/>
-          </p:nvSpPr>
-          <p:spPr>
-            <a:xfrm>
-              <a:off x="10579200" y="2288529"/>
-              <a:ext cx="1612800" cy="1364400"/>
-            </a:xfrm>
-            <a:prstGeom prst="roundRect">
-              <a:avLst>
-                <a:gd name="adj" fmla="val 0"/>
-              </a:avLst>
-            </a:prstGeom>
-            <a:solidFill>
-              <a:srgbClr val="262626"/>
-            </a:solidFill>
-            <a:ln w="50800">
-              <a:solidFill>
-                <a:srgbClr val="262626"/>
-              </a:solidFill>
-            </a:ln>
-          </p:spPr>
-          <p:style>
-            <a:lnRef idx="2">
-              <a:schemeClr val="accent1">
-                <a:shade val="50000"/>
-              </a:schemeClr>
-            </a:lnRef>
-            <a:fillRef idx="1">
-              <a:schemeClr val="accent1"/>
-            </a:fillRef>
-            <a:effectRef idx="0">
-              <a:schemeClr val="accent1"/>
-            </a:effectRef>
-            <a:fontRef idx="minor">
-              <a:schemeClr val="lt1"/>
-            </a:fontRef>
-          </p:style>
-          <p:txBody>
-            <a:bodyPr rtlCol="0" anchor="ctr"/>
-            <a:lstStyle/>
-            <a:p>
-              <a:pPr algn="ctr"/>
-              <a:r>
-                <a:rPr lang="pt-PT" b="1" dirty="0">
-                  <a:solidFill>
-                    <a:schemeClr val="tx1"/>
-                  </a:solidFill>
-                </a:rPr>
-                <a:t>Indexar a informação proveniente dessa estrutura</a:t>
-              </a:r>
-            </a:p>
-          </p:txBody>
-        </p:sp>
-        <p:sp>
-          <p:nvSpPr>
-            <p:cNvPr id="11" name="Retângulo arredondado 10"/>
-            <p:cNvSpPr/>
-            <p:nvPr/>
-          </p:nvSpPr>
-          <p:spPr>
-            <a:xfrm>
-              <a:off x="10579200" y="3966003"/>
-              <a:ext cx="1612800" cy="1364400"/>
-            </a:xfrm>
-            <a:prstGeom prst="roundRect">
-              <a:avLst>
-                <a:gd name="adj" fmla="val 0"/>
-              </a:avLst>
-            </a:prstGeom>
-            <a:solidFill>
-              <a:srgbClr val="262626"/>
-            </a:solidFill>
-            <a:ln w="50800">
-              <a:solidFill>
-                <a:srgbClr val="262626"/>
-              </a:solidFill>
-            </a:ln>
-          </p:spPr>
-          <p:style>
-            <a:lnRef idx="2">
-              <a:schemeClr val="accent1">
-                <a:shade val="50000"/>
-              </a:schemeClr>
-            </a:lnRef>
-            <a:fillRef idx="1">
-              <a:schemeClr val="accent1"/>
-            </a:fillRef>
-            <a:effectRef idx="0">
-              <a:schemeClr val="accent1"/>
-            </a:effectRef>
-            <a:fontRef idx="minor">
-              <a:schemeClr val="lt1"/>
-            </a:fontRef>
-          </p:style>
-          <p:txBody>
-            <a:bodyPr rtlCol="0" anchor="ctr"/>
-            <a:lstStyle/>
-            <a:p>
-              <a:pPr algn="ctr"/>
-              <a:r>
-                <a:rPr lang="pt-PT" b="1" dirty="0">
-                  <a:solidFill>
-                    <a:schemeClr val="tx1"/>
-                  </a:solidFill>
-                </a:rPr>
-                <a:t>Apresentar os resultados tipo Google</a:t>
-              </a:r>
-            </a:p>
-          </p:txBody>
-        </p:sp>
-      </p:grpSp>
-    </p:spTree>
-    <p:extLst>
-      <p:ext uri="{BB962C8B-B14F-4D97-AF65-F5344CB8AC3E}">
-        <p14:creationId xmlns:p14="http://schemas.microsoft.com/office/powerpoint/2010/main" val="1049214111"/>
-      </p:ext>
-    </p:extLst>
-  </p:cSld>
-  <p:clrMapOvr>
-    <a:masterClrMapping/>
-  </p:clrMapOvr>
-</p:sld>
-</file>
-
-<file path=ppt/slides/slide12.xml><?xml version="1.0" encoding="utf-8"?>
-<p:sld xmlns:a="http://schemas.openxmlformats.org/drawingml/2006/main" xmlns:r="http://schemas.openxmlformats.org/officeDocument/2006/relationships" xmlns:p="http://schemas.openxmlformats.org/presentationml/2006/main">
-  <p:cSld>
-    <p:spTree>
-      <p:nvGrpSpPr>
-        <p:cNvPr id="1" name=""/>
-        <p:cNvGrpSpPr/>
-        <p:nvPr/>
-      </p:nvGrpSpPr>
-      <p:grpSpPr>
-        <a:xfrm>
-          <a:off x="0" y="0"/>
-          <a:ext cx="0" cy="0"/>
-          <a:chOff x="0" y="0"/>
-          <a:chExt cx="0" cy="0"/>
-        </a:xfrm>
-      </p:grpSpPr>
-      <p:sp>
-        <p:nvSpPr>
-          <p:cNvPr id="2" name="Título 1"/>
-          <p:cNvSpPr>
-            <a:spLocks noGrp="1"/>
-          </p:cNvSpPr>
-          <p:nvPr>
-            <p:ph type="title"/>
-          </p:nvPr>
-        </p:nvSpPr>
-        <p:spPr/>
-        <p:txBody>
-          <a:bodyPr>
-            <a:normAutofit/>
-          </a:bodyPr>
-          <a:lstStyle/>
-          <a:p>
-            <a:r>
-              <a:rPr lang="pt-PT" sz="3300" dirty="0"/>
-              <a:t>Indexar a informação proveniente dessa estrutura</a:t>
-            </a:r>
-          </a:p>
-        </p:txBody>
-      </p:sp>
-      <p:sp>
-        <p:nvSpPr>
-          <p:cNvPr id="8" name="Marcador de Posição de Conteúdo 7"/>
-          <p:cNvSpPr>
-            <a:spLocks noGrp="1"/>
-          </p:cNvSpPr>
-          <p:nvPr>
-            <p:ph sz="half" idx="2"/>
-          </p:nvPr>
-        </p:nvSpPr>
-        <p:spPr>
-          <a:xfrm>
-            <a:off x="5594124" y="2696102"/>
-            <a:ext cx="4700058" cy="3599316"/>
-          </a:xfrm>
-        </p:spPr>
-        <p:txBody>
-          <a:bodyPr/>
-          <a:lstStyle/>
-          <a:p>
-            <a:r>
-              <a:rPr lang="en-GB" dirty="0">
-                <a:solidFill>
-                  <a:schemeClr val="bg1"/>
-                </a:solidFill>
-              </a:rPr>
-              <a:t>solrconfig.xml</a:t>
-            </a:r>
-          </a:p>
-          <a:p>
-            <a:pPr lvl="1"/>
-            <a:r>
-              <a:rPr lang="pt-PT" dirty="0">
-                <a:solidFill>
-                  <a:schemeClr val="bg1"/>
-                </a:solidFill>
-              </a:rPr>
-              <a:t>Inclui as bibliotecas necessárias</a:t>
-            </a:r>
-          </a:p>
-          <a:p>
-            <a:pPr lvl="1"/>
-            <a:endParaRPr lang="en-GB" dirty="0">
-              <a:solidFill>
-                <a:schemeClr val="bg1"/>
-              </a:solidFill>
-            </a:endParaRPr>
-          </a:p>
-          <a:p>
-            <a:r>
-              <a:rPr lang="en-GB" dirty="0">
-                <a:solidFill>
-                  <a:schemeClr val="bg1"/>
-                </a:solidFill>
-              </a:rPr>
-              <a:t>schema.xml</a:t>
-            </a:r>
-          </a:p>
-          <a:p>
-            <a:pPr lvl="1"/>
-            <a:r>
-              <a:rPr lang="pt-PT" dirty="0">
-                <a:solidFill>
-                  <a:schemeClr val="bg1"/>
-                </a:solidFill>
-              </a:rPr>
-              <a:t>Estrutura dos dados a serem tratados pelo </a:t>
-            </a:r>
-            <a:r>
-              <a:rPr lang="pt-PT" dirty="0" err="1">
-                <a:solidFill>
-                  <a:schemeClr val="bg1"/>
-                </a:solidFill>
-              </a:rPr>
-              <a:t>Solr</a:t>
-            </a:r>
-            <a:endParaRPr lang="pt-PT" dirty="0">
-              <a:solidFill>
-                <a:schemeClr val="bg1"/>
-              </a:solidFill>
-            </a:endParaRPr>
-          </a:p>
-          <a:p>
-            <a:pPr lvl="1"/>
-            <a:r>
-              <a:rPr lang="pt-PT" dirty="0">
-                <a:solidFill>
-                  <a:schemeClr val="bg1"/>
-                </a:solidFill>
-              </a:rPr>
-              <a:t>Definição dos parâmetros de indexação e pesquisa</a:t>
-            </a:r>
-          </a:p>
-          <a:p>
-            <a:endParaRPr lang="pt-PT" dirty="0"/>
-          </a:p>
-        </p:txBody>
-      </p:sp>
-      <p:pic>
-        <p:nvPicPr>
-          <p:cNvPr id="10" name="Picture 2" descr="https://lucene.apache.org/images/mantle-lucene-solr.png"/>
-          <p:cNvPicPr>
-            <a:picLocks noGrp="1" noChangeAspect="1" noChangeArrowheads="1"/>
-          </p:cNvPicPr>
-          <p:nvPr>
-            <p:ph sz="half" idx="1"/>
-          </p:nvPr>
-        </p:nvPicPr>
-        <p:blipFill rotWithShape="1">
-          <a:blip r:embed="rId2">
-            <a:extLst>
-              <a:ext uri="{28A0092B-C50C-407E-A947-70E740481C1C}">
-                <a14:useLocalDpi xmlns:a14="http://schemas.microsoft.com/office/drawing/2010/main" val="0"/>
-              </a:ext>
-            </a:extLst>
-          </a:blip>
-          <a:srcRect l="60568" t="-1898" r="-1824" b="1898"/>
-          <a:stretch/>
-        </p:blipFill>
-        <p:spPr bwMode="auto">
-          <a:xfrm>
-            <a:off x="1704830" y="3118758"/>
-            <a:ext cx="3212177" cy="1624898"/>
-          </a:xfrm>
-          <a:prstGeom prst="rect">
-            <a:avLst/>
-          </a:prstGeom>
-          <a:noFill/>
-          <a:extLst>
-            <a:ext uri="{909E8E84-426E-40DD-AFC4-6F175D3DCCD1}">
-              <a14:hiddenFill xmlns:a14="http://schemas.microsoft.com/office/drawing/2010/main">
-                <a:solidFill>
-                  <a:srgbClr val="FFFFFF"/>
-                </a:solidFill>
-              </a14:hiddenFill>
-            </a:ext>
-          </a:extLst>
-        </p:spPr>
-      </p:pic>
-      <p:grpSp>
-        <p:nvGrpSpPr>
-          <p:cNvPr id="9" name="Grupo 8"/>
-          <p:cNvGrpSpPr/>
-          <p:nvPr/>
-        </p:nvGrpSpPr>
-        <p:grpSpPr>
-          <a:xfrm>
-            <a:off x="10579200" y="611939"/>
-            <a:ext cx="1612800" cy="4718464"/>
-            <a:chOff x="10579200" y="611939"/>
-            <a:chExt cx="1612800" cy="4718464"/>
-          </a:xfrm>
-        </p:grpSpPr>
-        <p:sp>
-          <p:nvSpPr>
-            <p:cNvPr id="11" name="Retângulo arredondado 10"/>
-            <p:cNvSpPr/>
-            <p:nvPr/>
-          </p:nvSpPr>
-          <p:spPr>
-            <a:xfrm>
-              <a:off x="10580914" y="611939"/>
-              <a:ext cx="1611086" cy="1363516"/>
-            </a:xfrm>
-            <a:prstGeom prst="roundRect">
-              <a:avLst>
-                <a:gd name="adj" fmla="val 0"/>
-              </a:avLst>
-            </a:prstGeom>
-            <a:solidFill>
-              <a:srgbClr val="262626"/>
-            </a:solidFill>
-            <a:ln w="50800">
-              <a:solidFill>
-                <a:srgbClr val="262626"/>
-              </a:solidFill>
-            </a:ln>
-          </p:spPr>
-          <p:style>
-            <a:lnRef idx="2">
-              <a:schemeClr val="accent1">
-                <a:shade val="50000"/>
-              </a:schemeClr>
-            </a:lnRef>
-            <a:fillRef idx="1">
-              <a:schemeClr val="accent1"/>
-            </a:fillRef>
-            <a:effectRef idx="0">
-              <a:schemeClr val="accent1"/>
-            </a:effectRef>
-            <a:fontRef idx="minor">
-              <a:schemeClr val="lt1"/>
-            </a:fontRef>
-          </p:style>
-          <p:txBody>
-            <a:bodyPr rtlCol="0" anchor="ctr"/>
-            <a:lstStyle/>
-            <a:p>
-              <a:pPr algn="ctr"/>
-              <a:r>
-                <a:rPr lang="pt-PT" b="1" dirty="0">
-                  <a:solidFill>
-                    <a:schemeClr val="tx1"/>
-                  </a:solidFill>
-                </a:rPr>
-                <a:t>Agregar a informação numa só estrutura</a:t>
-              </a:r>
-            </a:p>
-          </p:txBody>
-        </p:sp>
-        <p:sp>
-          <p:nvSpPr>
-            <p:cNvPr id="12" name="Retângulo arredondado 11"/>
-            <p:cNvSpPr/>
-            <p:nvPr/>
-          </p:nvSpPr>
-          <p:spPr>
-            <a:xfrm>
-              <a:off x="10579200" y="2288529"/>
-              <a:ext cx="1612800" cy="1364400"/>
-            </a:xfrm>
-            <a:prstGeom prst="roundRect">
-              <a:avLst>
-                <a:gd name="adj" fmla="val 0"/>
-              </a:avLst>
-            </a:prstGeom>
-            <a:solidFill>
-              <a:srgbClr val="F09415"/>
-            </a:solidFill>
-            <a:ln w="50800">
-              <a:solidFill>
-                <a:srgbClr val="F09415"/>
-              </a:solidFill>
-            </a:ln>
-          </p:spPr>
-          <p:style>
-            <a:lnRef idx="2">
-              <a:schemeClr val="accent1">
-                <a:shade val="50000"/>
-              </a:schemeClr>
-            </a:lnRef>
-            <a:fillRef idx="1">
-              <a:schemeClr val="accent1"/>
-            </a:fillRef>
-            <a:effectRef idx="0">
-              <a:schemeClr val="accent1"/>
-            </a:effectRef>
-            <a:fontRef idx="minor">
-              <a:schemeClr val="lt1"/>
-            </a:fontRef>
-          </p:style>
-          <p:txBody>
-            <a:bodyPr rtlCol="0" anchor="ctr"/>
-            <a:lstStyle/>
-            <a:p>
-              <a:pPr algn="ctr"/>
-              <a:r>
-                <a:rPr lang="pt-PT" b="1" dirty="0">
-                  <a:solidFill>
-                    <a:schemeClr val="tx1"/>
-                  </a:solidFill>
-                </a:rPr>
-                <a:t>Indexar a informação proveniente dessa estrutura</a:t>
-              </a:r>
+              <a:endParaRPr lang="pt-PT" b="1" dirty="0">
+                <a:solidFill>
+                  <a:schemeClr val="tx1"/>
+                </a:solidFill>
+              </a:endParaRPr>
             </a:p>
           </p:txBody>
         </p:sp>
@@ -10446,7 +10152,7 @@
                     <a:schemeClr val="tx1"/>
                   </a:solidFill>
                 </a:rPr>
-                <a:t>Apresentar os resultados tipo Google</a:t>
+                <a:t>Preparar uma interface de pesquisa</a:t>
               </a:r>
             </a:p>
           </p:txBody>
@@ -10455,7 +10161,739 @@
     </p:spTree>
     <p:extLst>
       <p:ext uri="{BB962C8B-B14F-4D97-AF65-F5344CB8AC3E}">
-        <p14:creationId xmlns:p14="http://schemas.microsoft.com/office/powerpoint/2010/main" val="3068901103"/>
+        <p14:creationId xmlns:p14="http://schemas.microsoft.com/office/powerpoint/2010/main" val="1932303434"/>
+      </p:ext>
+    </p:extLst>
+  </p:cSld>
+  <p:clrMapOvr>
+    <a:masterClrMapping/>
+  </p:clrMapOvr>
+</p:sld>
+</file>
+
+<file path=ppt/slides/slide11.xml><?xml version="1.0" encoding="utf-8"?>
+<p:sld xmlns:a="http://schemas.openxmlformats.org/drawingml/2006/main" xmlns:r="http://schemas.openxmlformats.org/officeDocument/2006/relationships" xmlns:p="http://schemas.openxmlformats.org/presentationml/2006/main">
+  <p:cSld>
+    <p:spTree>
+      <p:nvGrpSpPr>
+        <p:cNvPr id="1" name=""/>
+        <p:cNvGrpSpPr/>
+        <p:nvPr/>
+      </p:nvGrpSpPr>
+      <p:grpSpPr>
+        <a:xfrm>
+          <a:off x="0" y="0"/>
+          <a:ext cx="0" cy="0"/>
+          <a:chOff x="0" y="0"/>
+          <a:chExt cx="0" cy="0"/>
+        </a:xfrm>
+      </p:grpSpPr>
+      <p:sp>
+        <p:nvSpPr>
+          <p:cNvPr id="2" name="Título 1"/>
+          <p:cNvSpPr>
+            <a:spLocks noGrp="1"/>
+          </p:cNvSpPr>
+          <p:nvPr>
+            <p:ph type="title"/>
+          </p:nvPr>
+        </p:nvSpPr>
+        <p:spPr/>
+        <p:txBody>
+          <a:bodyPr/>
+          <a:lstStyle/>
+          <a:p>
+            <a:r>
+              <a:rPr lang="pt-PT" dirty="0"/>
+              <a:t>Estrutura </a:t>
+            </a:r>
+            <a:r>
+              <a:rPr lang="pt-PT" dirty="0" err="1"/>
+              <a:t>EHRServer</a:t>
+            </a:r>
+            <a:endParaRPr lang="pt-PT" dirty="0"/>
+          </a:p>
+        </p:txBody>
+      </p:sp>
+      <p:pic>
+        <p:nvPicPr>
+          <p:cNvPr id="14" name="Marcador de Posição de Conteúdo 13"/>
+          <p:cNvPicPr>
+            <a:picLocks noGrp="1" noChangeAspect="1"/>
+          </p:cNvPicPr>
+          <p:nvPr>
+            <p:ph idx="1"/>
+          </p:nvPr>
+        </p:nvPicPr>
+        <p:blipFill>
+          <a:blip r:embed="rId2">
+            <a:extLst>
+              <a:ext uri="{28A0092B-C50C-407E-A947-70E740481C1C}">
+                <a14:useLocalDpi xmlns:a14="http://schemas.microsoft.com/office/drawing/2010/main" val="0"/>
+              </a:ext>
+            </a:extLst>
+          </a:blip>
+          <a:stretch>
+            <a:fillRect/>
+          </a:stretch>
+        </p:blipFill>
+        <p:spPr>
+          <a:xfrm>
+            <a:off x="681038" y="2374717"/>
+            <a:ext cx="9613900" cy="3523029"/>
+          </a:xfrm>
+        </p:spPr>
+      </p:pic>
+      <p:sp>
+        <p:nvSpPr>
+          <p:cNvPr id="15" name="Retângulo 14"/>
+          <p:cNvSpPr/>
+          <p:nvPr/>
+        </p:nvSpPr>
+        <p:spPr>
+          <a:xfrm>
+            <a:off x="5250425" y="3973999"/>
+            <a:ext cx="973393" cy="155550"/>
+          </a:xfrm>
+          <a:prstGeom prst="rect">
+            <a:avLst/>
+          </a:prstGeom>
+          <a:noFill/>
+          <a:ln w="25400">
+            <a:solidFill>
+              <a:srgbClr val="F09415"/>
+            </a:solidFill>
+          </a:ln>
+        </p:spPr>
+        <p:style>
+          <a:lnRef idx="2">
+            <a:schemeClr val="accent1">
+              <a:shade val="50000"/>
+            </a:schemeClr>
+          </a:lnRef>
+          <a:fillRef idx="1">
+            <a:schemeClr val="accent1"/>
+          </a:fillRef>
+          <a:effectRef idx="0">
+            <a:schemeClr val="accent1"/>
+          </a:effectRef>
+          <a:fontRef idx="minor">
+            <a:schemeClr val="lt1"/>
+          </a:fontRef>
+        </p:style>
+        <p:txBody>
+          <a:bodyPr rtlCol="0" anchor="ctr"/>
+          <a:lstStyle/>
+          <a:p>
+            <a:pPr algn="ctr"/>
+            <a:endParaRPr lang="pt-PT"/>
+          </a:p>
+        </p:txBody>
+      </p:sp>
+      <p:sp>
+        <p:nvSpPr>
+          <p:cNvPr id="16" name="Retângulo 15"/>
+          <p:cNvSpPr/>
+          <p:nvPr/>
+        </p:nvSpPr>
+        <p:spPr>
+          <a:xfrm>
+            <a:off x="5250425" y="4237011"/>
+            <a:ext cx="693176" cy="158007"/>
+          </a:xfrm>
+          <a:prstGeom prst="rect">
+            <a:avLst/>
+          </a:prstGeom>
+          <a:noFill/>
+          <a:ln w="25400">
+            <a:solidFill>
+              <a:srgbClr val="F09415"/>
+            </a:solidFill>
+          </a:ln>
+        </p:spPr>
+        <p:style>
+          <a:lnRef idx="2">
+            <a:schemeClr val="accent1">
+              <a:shade val="50000"/>
+            </a:schemeClr>
+          </a:lnRef>
+          <a:fillRef idx="1">
+            <a:schemeClr val="accent1"/>
+          </a:fillRef>
+          <a:effectRef idx="0">
+            <a:schemeClr val="accent1"/>
+          </a:effectRef>
+          <a:fontRef idx="minor">
+            <a:schemeClr val="lt1"/>
+          </a:fontRef>
+        </p:style>
+        <p:txBody>
+          <a:bodyPr rtlCol="0" anchor="ctr"/>
+          <a:lstStyle/>
+          <a:p>
+            <a:pPr algn="ctr"/>
+            <a:endParaRPr lang="pt-PT"/>
+          </a:p>
+        </p:txBody>
+      </p:sp>
+      <p:grpSp>
+        <p:nvGrpSpPr>
+          <p:cNvPr id="13" name="Grupo 12"/>
+          <p:cNvGrpSpPr/>
+          <p:nvPr/>
+        </p:nvGrpSpPr>
+        <p:grpSpPr>
+          <a:xfrm>
+            <a:off x="10579200" y="611939"/>
+            <a:ext cx="1612800" cy="4718464"/>
+            <a:chOff x="10579200" y="611939"/>
+            <a:chExt cx="1612800" cy="4718464"/>
+          </a:xfrm>
+        </p:grpSpPr>
+        <p:sp>
+          <p:nvSpPr>
+            <p:cNvPr id="17" name="Retângulo arredondado 16"/>
+            <p:cNvSpPr/>
+            <p:nvPr/>
+          </p:nvSpPr>
+          <p:spPr>
+            <a:xfrm>
+              <a:off x="10580914" y="611939"/>
+              <a:ext cx="1611086" cy="1363516"/>
+            </a:xfrm>
+            <a:prstGeom prst="roundRect">
+              <a:avLst>
+                <a:gd name="adj" fmla="val 0"/>
+              </a:avLst>
+            </a:prstGeom>
+            <a:solidFill>
+              <a:srgbClr val="F09415"/>
+            </a:solidFill>
+            <a:ln w="50800">
+              <a:solidFill>
+                <a:srgbClr val="F09415"/>
+              </a:solidFill>
+            </a:ln>
+          </p:spPr>
+          <p:style>
+            <a:lnRef idx="2">
+              <a:schemeClr val="accent1">
+                <a:shade val="50000"/>
+              </a:schemeClr>
+            </a:lnRef>
+            <a:fillRef idx="1">
+              <a:schemeClr val="accent1"/>
+            </a:fillRef>
+            <a:effectRef idx="0">
+              <a:schemeClr val="accent1"/>
+            </a:effectRef>
+            <a:fontRef idx="minor">
+              <a:schemeClr val="lt1"/>
+            </a:fontRef>
+          </p:style>
+          <p:txBody>
+            <a:bodyPr rtlCol="0" anchor="ctr"/>
+            <a:lstStyle/>
+            <a:p>
+              <a:pPr algn="ctr"/>
+              <a:r>
+                <a:rPr lang="pt-PT" sz="1550" b="1" dirty="0">
+                  <a:solidFill>
+                    <a:schemeClr val="tx1"/>
+                  </a:solidFill>
+                </a:rPr>
+                <a:t>Converter os dados da BD fonte (</a:t>
+              </a:r>
+              <a:r>
+                <a:rPr lang="pt-PT" sz="1550" b="1" dirty="0" err="1">
+                  <a:solidFill>
+                    <a:schemeClr val="tx1"/>
+                  </a:solidFill>
+                </a:rPr>
+                <a:t>EResults</a:t>
+              </a:r>
+              <a:r>
+                <a:rPr lang="pt-PT" sz="1550" b="1" dirty="0">
+                  <a:solidFill>
+                    <a:schemeClr val="tx1"/>
+                  </a:solidFill>
+                </a:rPr>
+                <a:t> da </a:t>
+              </a:r>
+              <a:r>
+                <a:rPr lang="pt-PT" sz="1550" b="1" dirty="0" err="1">
+                  <a:solidFill>
+                    <a:schemeClr val="tx1"/>
+                  </a:solidFill>
+                </a:rPr>
+                <a:t>Glintt</a:t>
+              </a:r>
+              <a:r>
+                <a:rPr lang="pt-PT" sz="1550" b="1" dirty="0">
+                  <a:solidFill>
+                    <a:schemeClr val="tx1"/>
+                  </a:solidFill>
+                </a:rPr>
+                <a:t>) para </a:t>
+              </a:r>
+              <a:r>
+                <a:rPr lang="pt-PT" sz="1550" b="1" dirty="0" err="1">
+                  <a:solidFill>
+                    <a:schemeClr val="tx1"/>
+                  </a:solidFill>
+                </a:rPr>
+                <a:t>openEHR</a:t>
+              </a:r>
+              <a:endParaRPr lang="pt-PT" sz="1550" b="1" dirty="0">
+                <a:solidFill>
+                  <a:schemeClr val="tx1"/>
+                </a:solidFill>
+              </a:endParaRPr>
+            </a:p>
+          </p:txBody>
+        </p:sp>
+        <p:sp>
+          <p:nvSpPr>
+            <p:cNvPr id="18" name="Retângulo arredondado 17"/>
+            <p:cNvSpPr/>
+            <p:nvPr/>
+          </p:nvSpPr>
+          <p:spPr>
+            <a:xfrm>
+              <a:off x="10579200" y="2288529"/>
+              <a:ext cx="1612800" cy="1364400"/>
+            </a:xfrm>
+            <a:prstGeom prst="roundRect">
+              <a:avLst>
+                <a:gd name="adj" fmla="val 0"/>
+              </a:avLst>
+            </a:prstGeom>
+            <a:solidFill>
+              <a:srgbClr val="262626"/>
+            </a:solidFill>
+            <a:ln w="50800">
+              <a:solidFill>
+                <a:srgbClr val="262626"/>
+              </a:solidFill>
+            </a:ln>
+          </p:spPr>
+          <p:style>
+            <a:lnRef idx="2">
+              <a:schemeClr val="accent1">
+                <a:shade val="50000"/>
+              </a:schemeClr>
+            </a:lnRef>
+            <a:fillRef idx="1">
+              <a:schemeClr val="accent1"/>
+            </a:fillRef>
+            <a:effectRef idx="0">
+              <a:schemeClr val="accent1"/>
+            </a:effectRef>
+            <a:fontRef idx="minor">
+              <a:schemeClr val="lt1"/>
+            </a:fontRef>
+          </p:style>
+          <p:txBody>
+            <a:bodyPr rtlCol="0" anchor="ctr"/>
+            <a:lstStyle/>
+            <a:p>
+              <a:pPr algn="ctr"/>
+              <a:r>
+                <a:rPr lang="pt-PT" b="1" dirty="0">
+                  <a:solidFill>
+                    <a:schemeClr val="tx1"/>
+                  </a:solidFill>
+                </a:rPr>
+                <a:t>Indexar com o </a:t>
+              </a:r>
+              <a:r>
+                <a:rPr lang="pt-PT" b="1" dirty="0" err="1">
+                  <a:solidFill>
+                    <a:schemeClr val="tx1"/>
+                  </a:solidFill>
+                </a:rPr>
+                <a:t>Solr</a:t>
+              </a:r>
+              <a:endParaRPr lang="pt-PT" b="1" dirty="0">
+                <a:solidFill>
+                  <a:schemeClr val="tx1"/>
+                </a:solidFill>
+              </a:endParaRPr>
+            </a:p>
+          </p:txBody>
+        </p:sp>
+        <p:sp>
+          <p:nvSpPr>
+            <p:cNvPr id="19" name="Retângulo arredondado 18"/>
+            <p:cNvSpPr/>
+            <p:nvPr/>
+          </p:nvSpPr>
+          <p:spPr>
+            <a:xfrm>
+              <a:off x="10579200" y="3966003"/>
+              <a:ext cx="1612800" cy="1364400"/>
+            </a:xfrm>
+            <a:prstGeom prst="roundRect">
+              <a:avLst>
+                <a:gd name="adj" fmla="val 0"/>
+              </a:avLst>
+            </a:prstGeom>
+            <a:solidFill>
+              <a:srgbClr val="262626"/>
+            </a:solidFill>
+            <a:ln w="50800">
+              <a:solidFill>
+                <a:srgbClr val="262626"/>
+              </a:solidFill>
+            </a:ln>
+          </p:spPr>
+          <p:style>
+            <a:lnRef idx="2">
+              <a:schemeClr val="accent1">
+                <a:shade val="50000"/>
+              </a:schemeClr>
+            </a:lnRef>
+            <a:fillRef idx="1">
+              <a:schemeClr val="accent1"/>
+            </a:fillRef>
+            <a:effectRef idx="0">
+              <a:schemeClr val="accent1"/>
+            </a:effectRef>
+            <a:fontRef idx="minor">
+              <a:schemeClr val="lt1"/>
+            </a:fontRef>
+          </p:style>
+          <p:txBody>
+            <a:bodyPr rtlCol="0" anchor="ctr"/>
+            <a:lstStyle/>
+            <a:p>
+              <a:pPr algn="ctr"/>
+              <a:r>
+                <a:rPr lang="pt-PT" b="1" dirty="0">
+                  <a:solidFill>
+                    <a:schemeClr val="tx1"/>
+                  </a:solidFill>
+                </a:rPr>
+                <a:t>Preparar uma interface de pesquisa</a:t>
+              </a:r>
+            </a:p>
+          </p:txBody>
+        </p:sp>
+      </p:grpSp>
+    </p:spTree>
+    <p:extLst>
+      <p:ext uri="{BB962C8B-B14F-4D97-AF65-F5344CB8AC3E}">
+        <p14:creationId xmlns:p14="http://schemas.microsoft.com/office/powerpoint/2010/main" val="2248656990"/>
+      </p:ext>
+    </p:extLst>
+  </p:cSld>
+  <p:clrMapOvr>
+    <a:masterClrMapping/>
+  </p:clrMapOvr>
+</p:sld>
+</file>
+
+<file path=ppt/slides/slide12.xml><?xml version="1.0" encoding="utf-8"?>
+<p:sld xmlns:a="http://schemas.openxmlformats.org/drawingml/2006/main" xmlns:r="http://schemas.openxmlformats.org/officeDocument/2006/relationships" xmlns:p="http://schemas.openxmlformats.org/presentationml/2006/main">
+  <p:cSld>
+    <p:spTree>
+      <p:nvGrpSpPr>
+        <p:cNvPr id="1" name=""/>
+        <p:cNvGrpSpPr/>
+        <p:nvPr/>
+      </p:nvGrpSpPr>
+      <p:grpSpPr>
+        <a:xfrm>
+          <a:off x="0" y="0"/>
+          <a:ext cx="0" cy="0"/>
+          <a:chOff x="0" y="0"/>
+          <a:chExt cx="0" cy="0"/>
+        </a:xfrm>
+      </p:grpSpPr>
+      <p:pic>
+        <p:nvPicPr>
+          <p:cNvPr id="5" name="Imagem 4"/>
+          <p:cNvPicPr>
+            <a:picLocks noChangeAspect="1"/>
+          </p:cNvPicPr>
+          <p:nvPr/>
+        </p:nvPicPr>
+        <p:blipFill>
+          <a:blip r:embed="rId2">
+            <a:extLst>
+              <a:ext uri="{28A0092B-C50C-407E-A947-70E740481C1C}">
+                <a14:useLocalDpi xmlns:a14="http://schemas.microsoft.com/office/drawing/2010/main" val="0"/>
+              </a:ext>
+            </a:extLst>
+          </a:blip>
+          <a:stretch>
+            <a:fillRect/>
+          </a:stretch>
+        </p:blipFill>
+        <p:spPr>
+          <a:xfrm>
+            <a:off x="3733569" y="65313"/>
+            <a:ext cx="4945380" cy="6743700"/>
+          </a:xfrm>
+          <a:prstGeom prst="rect">
+            <a:avLst/>
+          </a:prstGeom>
+          <a:ln>
+            <a:noFill/>
+          </a:ln>
+          <a:effectLst>
+            <a:softEdge rad="112500"/>
+          </a:effectLst>
+        </p:spPr>
+      </p:pic>
+      <p:grpSp>
+        <p:nvGrpSpPr>
+          <p:cNvPr id="7" name="Grupo 6"/>
+          <p:cNvGrpSpPr/>
+          <p:nvPr/>
+        </p:nvGrpSpPr>
+        <p:grpSpPr>
+          <a:xfrm>
+            <a:off x="10579200" y="611939"/>
+            <a:ext cx="1612800" cy="4718464"/>
+            <a:chOff x="10579200" y="611939"/>
+            <a:chExt cx="1612800" cy="4718464"/>
+          </a:xfrm>
+        </p:grpSpPr>
+        <p:sp>
+          <p:nvSpPr>
+            <p:cNvPr id="12" name="Retângulo arredondado 11"/>
+            <p:cNvSpPr/>
+            <p:nvPr/>
+          </p:nvSpPr>
+          <p:spPr>
+            <a:xfrm>
+              <a:off x="10580914" y="611939"/>
+              <a:ext cx="1611086" cy="1363516"/>
+            </a:xfrm>
+            <a:prstGeom prst="roundRect">
+              <a:avLst>
+                <a:gd name="adj" fmla="val 0"/>
+              </a:avLst>
+            </a:prstGeom>
+            <a:solidFill>
+              <a:srgbClr val="F09415"/>
+            </a:solidFill>
+            <a:ln w="50800">
+              <a:solidFill>
+                <a:srgbClr val="F09415"/>
+              </a:solidFill>
+            </a:ln>
+          </p:spPr>
+          <p:style>
+            <a:lnRef idx="2">
+              <a:schemeClr val="accent1">
+                <a:shade val="50000"/>
+              </a:schemeClr>
+            </a:lnRef>
+            <a:fillRef idx="1">
+              <a:schemeClr val="accent1"/>
+            </a:fillRef>
+            <a:effectRef idx="0">
+              <a:schemeClr val="accent1"/>
+            </a:effectRef>
+            <a:fontRef idx="minor">
+              <a:schemeClr val="lt1"/>
+            </a:fontRef>
+          </p:style>
+          <p:txBody>
+            <a:bodyPr rtlCol="0" anchor="ctr"/>
+            <a:lstStyle/>
+            <a:p>
+              <a:pPr algn="ctr"/>
+              <a:r>
+                <a:rPr lang="pt-PT" sz="1550" b="1" dirty="0">
+                  <a:solidFill>
+                    <a:schemeClr val="tx1"/>
+                  </a:solidFill>
+                </a:rPr>
+                <a:t>Converter os dados da BD fonte (</a:t>
+              </a:r>
+              <a:r>
+                <a:rPr lang="pt-PT" sz="1550" b="1" dirty="0" err="1">
+                  <a:solidFill>
+                    <a:schemeClr val="tx1"/>
+                  </a:solidFill>
+                </a:rPr>
+                <a:t>EResults</a:t>
+              </a:r>
+              <a:r>
+                <a:rPr lang="pt-PT" sz="1550" b="1" dirty="0">
+                  <a:solidFill>
+                    <a:schemeClr val="tx1"/>
+                  </a:solidFill>
+                </a:rPr>
+                <a:t> da </a:t>
+              </a:r>
+              <a:r>
+                <a:rPr lang="pt-PT" sz="1550" b="1" dirty="0" err="1">
+                  <a:solidFill>
+                    <a:schemeClr val="tx1"/>
+                  </a:solidFill>
+                </a:rPr>
+                <a:t>Glintt</a:t>
+              </a:r>
+              <a:r>
+                <a:rPr lang="pt-PT" sz="1550" b="1" dirty="0">
+                  <a:solidFill>
+                    <a:schemeClr val="tx1"/>
+                  </a:solidFill>
+                </a:rPr>
+                <a:t>) para </a:t>
+              </a:r>
+              <a:r>
+                <a:rPr lang="pt-PT" sz="1550" b="1" dirty="0" err="1">
+                  <a:solidFill>
+                    <a:schemeClr val="tx1"/>
+                  </a:solidFill>
+                </a:rPr>
+                <a:t>openEHR</a:t>
+              </a:r>
+              <a:endParaRPr lang="pt-PT" sz="1550" b="1" dirty="0">
+                <a:solidFill>
+                  <a:schemeClr val="tx1"/>
+                </a:solidFill>
+              </a:endParaRPr>
+            </a:p>
+          </p:txBody>
+        </p:sp>
+        <p:sp>
+          <p:nvSpPr>
+            <p:cNvPr id="13" name="Retângulo arredondado 12"/>
+            <p:cNvSpPr/>
+            <p:nvPr/>
+          </p:nvSpPr>
+          <p:spPr>
+            <a:xfrm>
+              <a:off x="10579200" y="2288529"/>
+              <a:ext cx="1612800" cy="1364400"/>
+            </a:xfrm>
+            <a:prstGeom prst="roundRect">
+              <a:avLst>
+                <a:gd name="adj" fmla="val 0"/>
+              </a:avLst>
+            </a:prstGeom>
+            <a:solidFill>
+              <a:srgbClr val="262626"/>
+            </a:solidFill>
+            <a:ln w="50800">
+              <a:solidFill>
+                <a:srgbClr val="262626"/>
+              </a:solidFill>
+            </a:ln>
+          </p:spPr>
+          <p:style>
+            <a:lnRef idx="2">
+              <a:schemeClr val="accent1">
+                <a:shade val="50000"/>
+              </a:schemeClr>
+            </a:lnRef>
+            <a:fillRef idx="1">
+              <a:schemeClr val="accent1"/>
+            </a:fillRef>
+            <a:effectRef idx="0">
+              <a:schemeClr val="accent1"/>
+            </a:effectRef>
+            <a:fontRef idx="minor">
+              <a:schemeClr val="lt1"/>
+            </a:fontRef>
+          </p:style>
+          <p:txBody>
+            <a:bodyPr rtlCol="0" anchor="ctr"/>
+            <a:lstStyle/>
+            <a:p>
+              <a:pPr algn="ctr"/>
+              <a:r>
+                <a:rPr lang="pt-PT" b="1" dirty="0">
+                  <a:solidFill>
+                    <a:schemeClr val="tx1"/>
+                  </a:solidFill>
+                </a:rPr>
+                <a:t>Indexar com o </a:t>
+              </a:r>
+              <a:r>
+                <a:rPr lang="pt-PT" b="1" dirty="0" err="1">
+                  <a:solidFill>
+                    <a:schemeClr val="tx1"/>
+                  </a:solidFill>
+                </a:rPr>
+                <a:t>Solr</a:t>
+              </a:r>
+              <a:endParaRPr lang="pt-PT" b="1" dirty="0">
+                <a:solidFill>
+                  <a:schemeClr val="tx1"/>
+                </a:solidFill>
+              </a:endParaRPr>
+            </a:p>
+          </p:txBody>
+        </p:sp>
+        <p:sp>
+          <p:nvSpPr>
+            <p:cNvPr id="14" name="Retângulo arredondado 13"/>
+            <p:cNvSpPr/>
+            <p:nvPr/>
+          </p:nvSpPr>
+          <p:spPr>
+            <a:xfrm>
+              <a:off x="10579200" y="3966003"/>
+              <a:ext cx="1612800" cy="1364400"/>
+            </a:xfrm>
+            <a:prstGeom prst="roundRect">
+              <a:avLst>
+                <a:gd name="adj" fmla="val 0"/>
+              </a:avLst>
+            </a:prstGeom>
+            <a:solidFill>
+              <a:srgbClr val="262626"/>
+            </a:solidFill>
+            <a:ln w="50800">
+              <a:solidFill>
+                <a:srgbClr val="262626"/>
+              </a:solidFill>
+            </a:ln>
+          </p:spPr>
+          <p:style>
+            <a:lnRef idx="2">
+              <a:schemeClr val="accent1">
+                <a:shade val="50000"/>
+              </a:schemeClr>
+            </a:lnRef>
+            <a:fillRef idx="1">
+              <a:schemeClr val="accent1"/>
+            </a:fillRef>
+            <a:effectRef idx="0">
+              <a:schemeClr val="accent1"/>
+            </a:effectRef>
+            <a:fontRef idx="minor">
+              <a:schemeClr val="lt1"/>
+            </a:fontRef>
+          </p:style>
+          <p:txBody>
+            <a:bodyPr rtlCol="0" anchor="ctr"/>
+            <a:lstStyle/>
+            <a:p>
+              <a:pPr algn="ctr"/>
+              <a:r>
+                <a:rPr lang="pt-PT" b="1" dirty="0">
+                  <a:solidFill>
+                    <a:schemeClr val="tx1"/>
+                  </a:solidFill>
+                </a:rPr>
+                <a:t>Preparar uma interface de pesquisa</a:t>
+              </a:r>
+            </a:p>
+          </p:txBody>
+        </p:sp>
+      </p:grpSp>
+    </p:spTree>
+    <p:extLst>
+      <p:ext uri="{BB962C8B-B14F-4D97-AF65-F5344CB8AC3E}">
+        <p14:creationId xmlns:p14="http://schemas.microsoft.com/office/powerpoint/2010/main" val="1049214111"/>
       </p:ext>
     </p:extLst>
   </p:cSld>
@@ -10494,59 +10932,610 @@
         </p:nvSpPr>
         <p:spPr/>
         <p:txBody>
-          <a:bodyPr>
-            <a:normAutofit/>
-          </a:bodyPr>
+          <a:bodyPr/>
           <a:lstStyle/>
           <a:p>
             <a:r>
-              <a:rPr lang="pt-PT" sz="3300" dirty="0" err="1"/>
-              <a:t>Schema</a:t>
-            </a:r>
-            <a:r>
-              <a:rPr lang="pt-PT" sz="3300" dirty="0"/>
-              <a:t> – estrutura dos dados</a:t>
+              <a:rPr lang="pt-PT" dirty="0"/>
+              <a:t>Modelo de Referência</a:t>
             </a:r>
           </a:p>
         </p:txBody>
       </p:sp>
-      <p:pic>
-        <p:nvPicPr>
-          <p:cNvPr id="6" name="Marcador de Posição de Conteúdo 5"/>
-          <p:cNvPicPr>
-            <a:picLocks noGrp="1" noChangeAspect="1"/>
-          </p:cNvPicPr>
+      <p:graphicFrame>
+        <p:nvGraphicFramePr>
+          <p:cNvPr id="4" name="Marcador de Posição de Conteúdo 3"/>
+          <p:cNvGraphicFramePr>
+            <a:graphicFrameLocks noGrp="1"/>
+          </p:cNvGraphicFramePr>
           <p:nvPr>
             <p:ph idx="1"/>
-          </p:nvPr>
-        </p:nvPicPr>
-        <p:blipFill>
-          <a:blip r:embed="rId3">
-            <a:extLst>
-              <a:ext uri="{28A0092B-C50C-407E-A947-70E740481C1C}">
-                <a14:useLocalDpi xmlns:a14="http://schemas.microsoft.com/office/drawing/2010/main" val="0"/>
-              </a:ext>
-            </a:extLst>
-          </a:blip>
-          <a:srcRect/>
-          <a:stretch>
-            <a:fillRect/>
-          </a:stretch>
-        </p:blipFill>
-        <p:spPr bwMode="auto">
-          <a:xfrm>
-            <a:off x="778295" y="2176628"/>
-            <a:ext cx="9733594" cy="4524065"/>
-          </a:xfrm>
-          <a:prstGeom prst="rect">
-            <a:avLst/>
-          </a:prstGeom>
-          <a:noFill/>
-        </p:spPr>
-      </p:pic>
+            <p:extLst>
+              <p:ext uri="{D42A27DB-BD31-4B8C-83A1-F6EECF244321}">
+                <p14:modId xmlns:p14="http://schemas.microsoft.com/office/powerpoint/2010/main" val="2622639493"/>
+              </p:ext>
+            </p:extLst>
+          </p:nvPr>
+        </p:nvGraphicFramePr>
+        <p:xfrm>
+          <a:off x="455034" y="2155372"/>
+          <a:ext cx="10064433" cy="4239520"/>
+        </p:xfrm>
+        <a:graphic>
+          <a:graphicData uri="http://schemas.openxmlformats.org/drawingml/2006/table">
+            <a:tbl>
+              <a:tblPr firstRow="1" firstCol="1" bandRow="1">
+                <a:tableStyleId>{5C22544A-7EE6-4342-B048-85BDC9FD1C3A}</a:tableStyleId>
+              </a:tblPr>
+              <a:tblGrid>
+                <a:gridCol w="1870710">
+                  <a:extLst>
+                    <a:ext uri="{9D8B030D-6E8A-4147-A177-3AD203B41FA5}">
+                      <a16:colId xmlns:a16="http://schemas.microsoft.com/office/drawing/2014/main" val="869859381"/>
+                    </a:ext>
+                  </a:extLst>
+                </a:gridCol>
+                <a:gridCol w="8193723">
+                  <a:extLst>
+                    <a:ext uri="{9D8B030D-6E8A-4147-A177-3AD203B41FA5}">
+                      <a16:colId xmlns:a16="http://schemas.microsoft.com/office/drawing/2014/main" val="2014064148"/>
+                    </a:ext>
+                  </a:extLst>
+                </a:gridCol>
+              </a:tblGrid>
+              <a:tr h="0">
+                <a:tc>
+                  <a:txBody>
+                    <a:bodyPr/>
+                    <a:lstStyle/>
+                    <a:p>
+                      <a:pPr indent="288290" algn="l">
+                        <a:lnSpc>
+                          <a:spcPts val="1700"/>
+                        </a:lnSpc>
+                        <a:spcAft>
+                          <a:spcPts val="0"/>
+                        </a:spcAft>
+                      </a:pPr>
+                      <a:r>
+                        <a:rPr lang="pt-PT" sz="1600">
+                          <a:effectLst/>
+                        </a:rPr>
+                        <a:t>EHR</a:t>
+                      </a:r>
+                      <a:endParaRPr lang="pt-PT" sz="1600">
+                        <a:effectLst/>
+                        <a:latin typeface="Times" panose="02020603050405020304" pitchFamily="18" charset="0"/>
+                        <a:ea typeface="Nimbus Sans L"/>
+                        <a:cs typeface="Times New Roman" panose="02020603050405020304" pitchFamily="18" charset="0"/>
+                      </a:endParaRPr>
+                    </a:p>
+                  </a:txBody>
+                  <a:tcPr marL="137160" marR="137160" marT="137160" marB="137160" anchor="ctr"/>
+                </a:tc>
+                <a:tc>
+                  <a:txBody>
+                    <a:bodyPr/>
+                    <a:lstStyle/>
+                    <a:p>
+                      <a:pPr indent="288290" algn="l">
+                        <a:lnSpc>
+                          <a:spcPts val="1700"/>
+                        </a:lnSpc>
+                        <a:spcAft>
+                          <a:spcPts val="0"/>
+                        </a:spcAft>
+                      </a:pPr>
+                      <a:r>
+                        <a:rPr lang="pt-PT" sz="1600" b="0" dirty="0">
+                          <a:solidFill>
+                            <a:schemeClr val="bg1"/>
+                          </a:solidFill>
+                          <a:effectLst/>
+                        </a:rPr>
+                        <a:t>Registo clínico eletrónico por pessoa</a:t>
+                      </a:r>
+                      <a:endParaRPr lang="pt-PT" sz="1600" b="0" dirty="0">
+                        <a:solidFill>
+                          <a:schemeClr val="bg1"/>
+                        </a:solidFill>
+                        <a:effectLst/>
+                        <a:latin typeface="Times" panose="02020603050405020304" pitchFamily="18" charset="0"/>
+                        <a:ea typeface="Nimbus Sans L"/>
+                        <a:cs typeface="Times New Roman" panose="02020603050405020304" pitchFamily="18" charset="0"/>
+                      </a:endParaRPr>
+                    </a:p>
+                  </a:txBody>
+                  <a:tcPr marL="137160" marR="137160" marT="137160" marB="137160" anchor="ctr">
+                    <a:solidFill>
+                      <a:srgbClr val="FCEFE7"/>
+                    </a:solidFill>
+                  </a:tcPr>
+                </a:tc>
+                <a:extLst>
+                  <a:ext uri="{0D108BD9-81ED-4DB2-BD59-A6C34878D82A}">
+                    <a16:rowId xmlns:a16="http://schemas.microsoft.com/office/drawing/2014/main" val="4121962087"/>
+                  </a:ext>
+                </a:extLst>
+              </a:tr>
+              <a:tr h="543180">
+                <a:tc>
+                  <a:txBody>
+                    <a:bodyPr/>
+                    <a:lstStyle/>
+                    <a:p>
+                      <a:pPr indent="288290" algn="l">
+                        <a:lnSpc>
+                          <a:spcPts val="1700"/>
+                        </a:lnSpc>
+                        <a:spcAft>
+                          <a:spcPts val="0"/>
+                        </a:spcAft>
+                      </a:pPr>
+                      <a:r>
+                        <a:rPr lang="pt-PT" sz="1600" dirty="0" err="1">
+                          <a:effectLst/>
+                        </a:rPr>
+                        <a:t>Folders</a:t>
+                      </a:r>
+                      <a:endParaRPr lang="pt-PT" sz="1600" dirty="0">
+                        <a:effectLst/>
+                        <a:latin typeface="Times" panose="02020603050405020304" pitchFamily="18" charset="0"/>
+                        <a:ea typeface="Nimbus Sans L"/>
+                        <a:cs typeface="Times New Roman" panose="02020603050405020304" pitchFamily="18" charset="0"/>
+                      </a:endParaRPr>
+                    </a:p>
+                  </a:txBody>
+                  <a:tcPr marL="137160" marR="137160" marT="137160" marB="137160" anchor="ctr"/>
+                </a:tc>
+                <a:tc>
+                  <a:txBody>
+                    <a:bodyPr/>
+                    <a:lstStyle/>
+                    <a:p>
+                      <a:pPr indent="288290" algn="l">
+                        <a:lnSpc>
+                          <a:spcPts val="1700"/>
+                        </a:lnSpc>
+                        <a:spcAft>
+                          <a:spcPts val="0"/>
+                        </a:spcAft>
+                      </a:pPr>
+                      <a:r>
+                        <a:rPr lang="pt-PT" sz="1600" dirty="0">
+                          <a:effectLst/>
+                        </a:rPr>
+                        <a:t>Organização de alto nível do EHR (ex.: por episódio, por especialidade clínica)</a:t>
+                      </a:r>
+                      <a:endParaRPr lang="pt-PT" sz="1600" dirty="0">
+                        <a:effectLst/>
+                        <a:latin typeface="Times" panose="02020603050405020304" pitchFamily="18" charset="0"/>
+                        <a:ea typeface="Nimbus Sans L"/>
+                        <a:cs typeface="Times New Roman" panose="02020603050405020304" pitchFamily="18" charset="0"/>
+                      </a:endParaRPr>
+                    </a:p>
+                  </a:txBody>
+                  <a:tcPr marL="137160" marR="137160" marT="137160" marB="137160" anchor="ctr"/>
+                </a:tc>
+                <a:extLst>
+                  <a:ext uri="{0D108BD9-81ED-4DB2-BD59-A6C34878D82A}">
+                    <a16:rowId xmlns:a16="http://schemas.microsoft.com/office/drawing/2014/main" val="703749036"/>
+                  </a:ext>
+                </a:extLst>
+              </a:tr>
+              <a:tr h="543180">
+                <a:tc>
+                  <a:txBody>
+                    <a:bodyPr/>
+                    <a:lstStyle/>
+                    <a:p>
+                      <a:pPr indent="288290" algn="l">
+                        <a:lnSpc>
+                          <a:spcPts val="1700"/>
+                        </a:lnSpc>
+                        <a:spcAft>
+                          <a:spcPts val="0"/>
+                        </a:spcAft>
+                      </a:pPr>
+                      <a:r>
+                        <a:rPr lang="pt-PT" sz="1600">
+                          <a:effectLst/>
+                        </a:rPr>
+                        <a:t>Compositions</a:t>
+                      </a:r>
+                      <a:endParaRPr lang="pt-PT" sz="1600">
+                        <a:effectLst/>
+                        <a:latin typeface="Times" panose="02020603050405020304" pitchFamily="18" charset="0"/>
+                        <a:ea typeface="Nimbus Sans L"/>
+                        <a:cs typeface="Times New Roman" panose="02020603050405020304" pitchFamily="18" charset="0"/>
+                      </a:endParaRPr>
+                    </a:p>
+                  </a:txBody>
+                  <a:tcPr marL="137160" marR="137160" marT="137160" marB="137160" anchor="ctr"/>
+                </a:tc>
+                <a:tc>
+                  <a:txBody>
+                    <a:bodyPr/>
+                    <a:lstStyle/>
+                    <a:p>
+                      <a:pPr indent="288290" algn="l">
+                        <a:lnSpc>
+                          <a:spcPts val="1700"/>
+                        </a:lnSpc>
+                        <a:spcAft>
+                          <a:spcPts val="0"/>
+                        </a:spcAft>
+                      </a:pPr>
+                      <a:r>
+                        <a:rPr lang="pt-PT" sz="1600" dirty="0">
+                          <a:effectLst/>
+                        </a:rPr>
+                        <a:t>Conjunto de entradas (</a:t>
+                      </a:r>
+                      <a:r>
+                        <a:rPr lang="pt-PT" sz="1600" dirty="0" err="1">
+                          <a:effectLst/>
+                        </a:rPr>
+                        <a:t>Entries</a:t>
+                      </a:r>
+                      <a:r>
+                        <a:rPr lang="pt-PT" sz="1600" dirty="0">
+                          <a:effectLst/>
+                        </a:rPr>
+                        <a:t>) submetidas numa determinada data (ex.: relatório)</a:t>
+                      </a:r>
+                      <a:endParaRPr lang="pt-PT" sz="1600" dirty="0">
+                        <a:effectLst/>
+                        <a:latin typeface="Times" panose="02020603050405020304" pitchFamily="18" charset="0"/>
+                        <a:ea typeface="Nimbus Sans L"/>
+                        <a:cs typeface="Times New Roman" panose="02020603050405020304" pitchFamily="18" charset="0"/>
+                      </a:endParaRPr>
+                    </a:p>
+                  </a:txBody>
+                  <a:tcPr marL="137160" marR="137160" marT="137160" marB="137160" anchor="ctr">
+                    <a:solidFill>
+                      <a:srgbClr val="FCEFE7"/>
+                    </a:solidFill>
+                  </a:tcPr>
+                </a:tc>
+                <a:extLst>
+                  <a:ext uri="{0D108BD9-81ED-4DB2-BD59-A6C34878D82A}">
+                    <a16:rowId xmlns:a16="http://schemas.microsoft.com/office/drawing/2014/main" val="185048637"/>
+                  </a:ext>
+                </a:extLst>
+              </a:tr>
+              <a:tr h="543180">
+                <a:tc>
+                  <a:txBody>
+                    <a:bodyPr/>
+                    <a:lstStyle/>
+                    <a:p>
+                      <a:pPr indent="288290" algn="l">
+                        <a:lnSpc>
+                          <a:spcPts val="1700"/>
+                        </a:lnSpc>
+                        <a:spcAft>
+                          <a:spcPts val="0"/>
+                        </a:spcAft>
+                      </a:pPr>
+                      <a:r>
+                        <a:rPr lang="pt-PT" sz="1600">
+                          <a:effectLst/>
+                        </a:rPr>
+                        <a:t>Sections</a:t>
+                      </a:r>
+                      <a:endParaRPr lang="pt-PT" sz="1600">
+                        <a:effectLst/>
+                        <a:latin typeface="Times" panose="02020603050405020304" pitchFamily="18" charset="0"/>
+                        <a:ea typeface="Nimbus Sans L"/>
+                        <a:cs typeface="Times New Roman" panose="02020603050405020304" pitchFamily="18" charset="0"/>
+                      </a:endParaRPr>
+                    </a:p>
+                  </a:txBody>
+                  <a:tcPr marL="137160" marR="137160" marT="137160" marB="137160" anchor="ctr"/>
+                </a:tc>
+                <a:tc>
+                  <a:txBody>
+                    <a:bodyPr/>
+                    <a:lstStyle/>
+                    <a:p>
+                      <a:pPr indent="288290" algn="l">
+                        <a:lnSpc>
+                          <a:spcPts val="1700"/>
+                        </a:lnSpc>
+                        <a:spcAft>
+                          <a:spcPts val="0"/>
+                        </a:spcAft>
+                      </a:pPr>
+                      <a:r>
+                        <a:rPr lang="pt-PT" sz="1600" dirty="0">
+                          <a:effectLst/>
+                        </a:rPr>
+                        <a:t>Cabeçalhos clínicos que refletem o fluxo de trabalho</a:t>
+                      </a:r>
+                      <a:endParaRPr lang="pt-PT" sz="1600" dirty="0">
+                        <a:effectLst/>
+                        <a:latin typeface="Times" panose="02020603050405020304" pitchFamily="18" charset="0"/>
+                        <a:ea typeface="Nimbus Sans L"/>
+                        <a:cs typeface="Times New Roman" panose="02020603050405020304" pitchFamily="18" charset="0"/>
+                      </a:endParaRPr>
+                    </a:p>
+                  </a:txBody>
+                  <a:tcPr marL="137160" marR="137160" marT="137160" marB="137160" anchor="ctr"/>
+                </a:tc>
+                <a:extLst>
+                  <a:ext uri="{0D108BD9-81ED-4DB2-BD59-A6C34878D82A}">
+                    <a16:rowId xmlns:a16="http://schemas.microsoft.com/office/drawing/2014/main" val="583077888"/>
+                  </a:ext>
+                </a:extLst>
+              </a:tr>
+              <a:tr h="0">
+                <a:tc>
+                  <a:txBody>
+                    <a:bodyPr/>
+                    <a:lstStyle/>
+                    <a:p>
+                      <a:pPr indent="288290" algn="l">
+                        <a:lnSpc>
+                          <a:spcPts val="1700"/>
+                        </a:lnSpc>
+                        <a:spcAft>
+                          <a:spcPts val="0"/>
+                        </a:spcAft>
+                      </a:pPr>
+                      <a:r>
+                        <a:rPr lang="pt-PT" sz="1600">
+                          <a:effectLst/>
+                        </a:rPr>
+                        <a:t>Entries</a:t>
+                      </a:r>
+                      <a:endParaRPr lang="pt-PT" sz="1600">
+                        <a:effectLst/>
+                        <a:latin typeface="Times" panose="02020603050405020304" pitchFamily="18" charset="0"/>
+                        <a:ea typeface="Nimbus Sans L"/>
+                        <a:cs typeface="Times New Roman" panose="02020603050405020304" pitchFamily="18" charset="0"/>
+                      </a:endParaRPr>
+                    </a:p>
+                  </a:txBody>
+                  <a:tcPr marL="137160" marR="137160" marT="137160" marB="137160" anchor="ctr"/>
+                </a:tc>
+                <a:tc>
+                  <a:txBody>
+                    <a:bodyPr/>
+                    <a:lstStyle/>
+                    <a:p>
+                      <a:pPr indent="288290" algn="l">
+                        <a:lnSpc>
+                          <a:spcPts val="1700"/>
+                        </a:lnSpc>
+                        <a:spcAft>
+                          <a:spcPts val="0"/>
+                        </a:spcAft>
+                      </a:pPr>
+                      <a:r>
+                        <a:rPr lang="pt-PT" sz="1600" dirty="0">
+                          <a:effectLst/>
+                        </a:rPr>
+                        <a:t>Declarações clínicas sobre observações, avaliações e instruções</a:t>
+                      </a:r>
+                      <a:endParaRPr lang="pt-PT" sz="1600" dirty="0">
+                        <a:effectLst/>
+                        <a:latin typeface="Times" panose="02020603050405020304" pitchFamily="18" charset="0"/>
+                        <a:ea typeface="Nimbus Sans L"/>
+                        <a:cs typeface="Times New Roman" panose="02020603050405020304" pitchFamily="18" charset="0"/>
+                      </a:endParaRPr>
+                    </a:p>
+                  </a:txBody>
+                  <a:tcPr marL="137160" marR="137160" marT="137160" marB="137160" anchor="ctr"/>
+                </a:tc>
+                <a:extLst>
+                  <a:ext uri="{0D108BD9-81ED-4DB2-BD59-A6C34878D82A}">
+                    <a16:rowId xmlns:a16="http://schemas.microsoft.com/office/drawing/2014/main" val="773443813"/>
+                  </a:ext>
+                </a:extLst>
+              </a:tr>
+              <a:tr h="543180">
+                <a:tc>
+                  <a:txBody>
+                    <a:bodyPr/>
+                    <a:lstStyle/>
+                    <a:p>
+                      <a:pPr indent="288290" algn="l">
+                        <a:lnSpc>
+                          <a:spcPts val="1700"/>
+                        </a:lnSpc>
+                        <a:spcAft>
+                          <a:spcPts val="0"/>
+                        </a:spcAft>
+                      </a:pPr>
+                      <a:r>
+                        <a:rPr lang="pt-PT" sz="1600">
+                          <a:effectLst/>
+                        </a:rPr>
+                        <a:t>Clusters</a:t>
+                      </a:r>
+                      <a:endParaRPr lang="pt-PT" sz="1600">
+                        <a:effectLst/>
+                        <a:latin typeface="Times" panose="02020603050405020304" pitchFamily="18" charset="0"/>
+                        <a:ea typeface="Nimbus Sans L"/>
+                        <a:cs typeface="Times New Roman" panose="02020603050405020304" pitchFamily="18" charset="0"/>
+                      </a:endParaRPr>
+                    </a:p>
+                  </a:txBody>
+                  <a:tcPr marL="137160" marR="137160" marT="137160" marB="137160" anchor="ctr"/>
+                </a:tc>
+                <a:tc>
+                  <a:txBody>
+                    <a:bodyPr/>
+                    <a:lstStyle/>
+                    <a:p>
+                      <a:pPr indent="288290" algn="l">
+                        <a:lnSpc>
+                          <a:spcPts val="1700"/>
+                        </a:lnSpc>
+                        <a:spcAft>
+                          <a:spcPts val="0"/>
+                        </a:spcAft>
+                      </a:pPr>
+                      <a:r>
+                        <a:rPr lang="pt-PT" sz="1600">
+                          <a:effectLst/>
+                        </a:rPr>
+                        <a:t>Entradas compostas</a:t>
+                      </a:r>
+                      <a:endParaRPr lang="pt-PT" sz="1600">
+                        <a:effectLst/>
+                        <a:latin typeface="Times" panose="02020603050405020304" pitchFamily="18" charset="0"/>
+                        <a:ea typeface="Nimbus Sans L"/>
+                        <a:cs typeface="Times New Roman" panose="02020603050405020304" pitchFamily="18" charset="0"/>
+                      </a:endParaRPr>
+                    </a:p>
+                  </a:txBody>
+                  <a:tcPr marL="137160" marR="137160" marT="137160" marB="137160" anchor="ctr"/>
+                </a:tc>
+                <a:extLst>
+                  <a:ext uri="{0D108BD9-81ED-4DB2-BD59-A6C34878D82A}">
+                    <a16:rowId xmlns:a16="http://schemas.microsoft.com/office/drawing/2014/main" val="1355369096"/>
+                  </a:ext>
+                </a:extLst>
+              </a:tr>
+              <a:tr h="543180">
+                <a:tc>
+                  <a:txBody>
+                    <a:bodyPr/>
+                    <a:lstStyle/>
+                    <a:p>
+                      <a:pPr indent="288290" algn="l">
+                        <a:lnSpc>
+                          <a:spcPts val="1700"/>
+                        </a:lnSpc>
+                        <a:spcAft>
+                          <a:spcPts val="0"/>
+                        </a:spcAft>
+                      </a:pPr>
+                      <a:r>
+                        <a:rPr lang="pt-PT" sz="1600">
+                          <a:effectLst/>
+                        </a:rPr>
+                        <a:t>Elements</a:t>
+                      </a:r>
+                      <a:endParaRPr lang="pt-PT" sz="1600">
+                        <a:effectLst/>
+                        <a:latin typeface="Times" panose="02020603050405020304" pitchFamily="18" charset="0"/>
+                        <a:ea typeface="Nimbus Sans L"/>
+                        <a:cs typeface="Times New Roman" panose="02020603050405020304" pitchFamily="18" charset="0"/>
+                      </a:endParaRPr>
+                    </a:p>
+                  </a:txBody>
+                  <a:tcPr marL="137160" marR="137160" marT="137160" marB="137160" anchor="ctr"/>
+                </a:tc>
+                <a:tc>
+                  <a:txBody>
+                    <a:bodyPr/>
+                    <a:lstStyle/>
+                    <a:p>
+                      <a:pPr indent="288290" algn="l">
+                        <a:lnSpc>
+                          <a:spcPts val="1700"/>
+                        </a:lnSpc>
+                        <a:spcAft>
+                          <a:spcPts val="0"/>
+                        </a:spcAft>
+                      </a:pPr>
+                      <a:r>
+                        <a:rPr lang="pt-PT" sz="1600">
+                          <a:effectLst/>
+                        </a:rPr>
+                        <a:t>Entradas elementares</a:t>
+                      </a:r>
+                      <a:endParaRPr lang="pt-PT" sz="1600">
+                        <a:effectLst/>
+                        <a:latin typeface="Times" panose="02020603050405020304" pitchFamily="18" charset="0"/>
+                        <a:ea typeface="Nimbus Sans L"/>
+                        <a:cs typeface="Times New Roman" panose="02020603050405020304" pitchFamily="18" charset="0"/>
+                      </a:endParaRPr>
+                    </a:p>
+                  </a:txBody>
+                  <a:tcPr marL="137160" marR="137160" marT="137160" marB="137160" anchor="ctr"/>
+                </a:tc>
+                <a:extLst>
+                  <a:ext uri="{0D108BD9-81ED-4DB2-BD59-A6C34878D82A}">
+                    <a16:rowId xmlns:a16="http://schemas.microsoft.com/office/drawing/2014/main" val="1908589626"/>
+                  </a:ext>
+                </a:extLst>
+              </a:tr>
+              <a:tr h="543180">
+                <a:tc>
+                  <a:txBody>
+                    <a:bodyPr/>
+                    <a:lstStyle/>
+                    <a:p>
+                      <a:pPr indent="288290" algn="l">
+                        <a:lnSpc>
+                          <a:spcPts val="1700"/>
+                        </a:lnSpc>
+                        <a:spcAft>
+                          <a:spcPts val="0"/>
+                        </a:spcAft>
+                      </a:pPr>
+                      <a:r>
+                        <a:rPr lang="pt-PT" sz="1600">
+                          <a:effectLst/>
+                        </a:rPr>
+                        <a:t>Data values</a:t>
+                      </a:r>
+                      <a:endParaRPr lang="pt-PT" sz="1600">
+                        <a:effectLst/>
+                        <a:latin typeface="Times" panose="02020603050405020304" pitchFamily="18" charset="0"/>
+                        <a:ea typeface="Nimbus Sans L"/>
+                        <a:cs typeface="Times New Roman" panose="02020603050405020304" pitchFamily="18" charset="0"/>
+                      </a:endParaRPr>
+                    </a:p>
+                  </a:txBody>
+                  <a:tcPr marL="137160" marR="137160" marT="137160" marB="137160" anchor="ctr"/>
+                </a:tc>
+                <a:tc>
+                  <a:txBody>
+                    <a:bodyPr/>
+                    <a:lstStyle/>
+                    <a:p>
+                      <a:pPr indent="288290" algn="l">
+                        <a:lnSpc>
+                          <a:spcPts val="1700"/>
+                        </a:lnSpc>
+                        <a:spcAft>
+                          <a:spcPts val="0"/>
+                        </a:spcAft>
+                      </a:pPr>
+                      <a:r>
+                        <a:rPr lang="pt-PT" sz="1600" dirty="0">
+                          <a:effectLst/>
+                        </a:rPr>
+                        <a:t>Termos codificados do conjunto de termos</a:t>
+                      </a:r>
+                      <a:endParaRPr lang="pt-PT" sz="1600" dirty="0">
+                        <a:effectLst/>
+                        <a:latin typeface="Times" panose="02020603050405020304" pitchFamily="18" charset="0"/>
+                        <a:ea typeface="Nimbus Sans L"/>
+                        <a:cs typeface="Times New Roman" panose="02020603050405020304" pitchFamily="18" charset="0"/>
+                      </a:endParaRPr>
+                    </a:p>
+                  </a:txBody>
+                  <a:tcPr marL="137160" marR="137160" marT="137160" marB="137160" anchor="ctr"/>
+                </a:tc>
+                <a:extLst>
+                  <a:ext uri="{0D108BD9-81ED-4DB2-BD59-A6C34878D82A}">
+                    <a16:rowId xmlns:a16="http://schemas.microsoft.com/office/drawing/2014/main" val="962910753"/>
+                  </a:ext>
+                </a:extLst>
+              </a:tr>
+            </a:tbl>
+          </a:graphicData>
+        </a:graphic>
+      </p:graphicFrame>
       <p:grpSp>
         <p:nvGrpSpPr>
-          <p:cNvPr id="8" name="Grupo 7"/>
+          <p:cNvPr id="5" name="Grupo 4"/>
           <p:cNvGrpSpPr/>
           <p:nvPr/>
         </p:nvGrpSpPr>
@@ -10560,7 +11549,444 @@
         </p:grpSpPr>
         <p:sp>
           <p:nvSpPr>
-            <p:cNvPr id="9" name="Retângulo arredondado 8"/>
+            <p:cNvPr id="6" name="Retângulo arredondado 5"/>
+            <p:cNvSpPr/>
+            <p:nvPr/>
+          </p:nvSpPr>
+          <p:spPr>
+            <a:xfrm>
+              <a:off x="10580914" y="611939"/>
+              <a:ext cx="1611086" cy="1363516"/>
+            </a:xfrm>
+            <a:prstGeom prst="roundRect">
+              <a:avLst>
+                <a:gd name="adj" fmla="val 0"/>
+              </a:avLst>
+            </a:prstGeom>
+            <a:solidFill>
+              <a:srgbClr val="F09415"/>
+            </a:solidFill>
+            <a:ln w="50800">
+              <a:solidFill>
+                <a:srgbClr val="F09415"/>
+              </a:solidFill>
+            </a:ln>
+          </p:spPr>
+          <p:style>
+            <a:lnRef idx="2">
+              <a:schemeClr val="accent1">
+                <a:shade val="50000"/>
+              </a:schemeClr>
+            </a:lnRef>
+            <a:fillRef idx="1">
+              <a:schemeClr val="accent1"/>
+            </a:fillRef>
+            <a:effectRef idx="0">
+              <a:schemeClr val="accent1"/>
+            </a:effectRef>
+            <a:fontRef idx="minor">
+              <a:schemeClr val="lt1"/>
+            </a:fontRef>
+          </p:style>
+          <p:txBody>
+            <a:bodyPr rtlCol="0" anchor="ctr"/>
+            <a:lstStyle/>
+            <a:p>
+              <a:pPr algn="ctr"/>
+              <a:r>
+                <a:rPr lang="pt-PT" sz="1550" b="1" dirty="0">
+                  <a:solidFill>
+                    <a:schemeClr val="tx1"/>
+                  </a:solidFill>
+                </a:rPr>
+                <a:t>Converter os dados da BD fonte (</a:t>
+              </a:r>
+              <a:r>
+                <a:rPr lang="pt-PT" sz="1550" b="1" dirty="0" err="1">
+                  <a:solidFill>
+                    <a:schemeClr val="tx1"/>
+                  </a:solidFill>
+                </a:rPr>
+                <a:t>EResults</a:t>
+              </a:r>
+              <a:r>
+                <a:rPr lang="pt-PT" sz="1550" b="1" dirty="0">
+                  <a:solidFill>
+                    <a:schemeClr val="tx1"/>
+                  </a:solidFill>
+                </a:rPr>
+                <a:t> da </a:t>
+              </a:r>
+              <a:r>
+                <a:rPr lang="pt-PT" sz="1550" b="1" dirty="0" err="1">
+                  <a:solidFill>
+                    <a:schemeClr val="tx1"/>
+                  </a:solidFill>
+                </a:rPr>
+                <a:t>Glintt</a:t>
+              </a:r>
+              <a:r>
+                <a:rPr lang="pt-PT" sz="1550" b="1" dirty="0">
+                  <a:solidFill>
+                    <a:schemeClr val="tx1"/>
+                  </a:solidFill>
+                </a:rPr>
+                <a:t>) para </a:t>
+              </a:r>
+              <a:r>
+                <a:rPr lang="pt-PT" sz="1550" b="1" dirty="0" err="1">
+                  <a:solidFill>
+                    <a:schemeClr val="tx1"/>
+                  </a:solidFill>
+                </a:rPr>
+                <a:t>openEHR</a:t>
+              </a:r>
+              <a:endParaRPr lang="pt-PT" sz="1550" b="1" dirty="0">
+                <a:solidFill>
+                  <a:schemeClr val="tx1"/>
+                </a:solidFill>
+              </a:endParaRPr>
+            </a:p>
+          </p:txBody>
+        </p:sp>
+        <p:sp>
+          <p:nvSpPr>
+            <p:cNvPr id="7" name="Retângulo arredondado 6"/>
+            <p:cNvSpPr/>
+            <p:nvPr/>
+          </p:nvSpPr>
+          <p:spPr>
+            <a:xfrm>
+              <a:off x="10579200" y="2288529"/>
+              <a:ext cx="1612800" cy="1364400"/>
+            </a:xfrm>
+            <a:prstGeom prst="roundRect">
+              <a:avLst>
+                <a:gd name="adj" fmla="val 0"/>
+              </a:avLst>
+            </a:prstGeom>
+            <a:solidFill>
+              <a:srgbClr val="262626"/>
+            </a:solidFill>
+            <a:ln w="50800">
+              <a:solidFill>
+                <a:srgbClr val="262626"/>
+              </a:solidFill>
+            </a:ln>
+          </p:spPr>
+          <p:style>
+            <a:lnRef idx="2">
+              <a:schemeClr val="accent1">
+                <a:shade val="50000"/>
+              </a:schemeClr>
+            </a:lnRef>
+            <a:fillRef idx="1">
+              <a:schemeClr val="accent1"/>
+            </a:fillRef>
+            <a:effectRef idx="0">
+              <a:schemeClr val="accent1"/>
+            </a:effectRef>
+            <a:fontRef idx="minor">
+              <a:schemeClr val="lt1"/>
+            </a:fontRef>
+          </p:style>
+          <p:txBody>
+            <a:bodyPr rtlCol="0" anchor="ctr"/>
+            <a:lstStyle/>
+            <a:p>
+              <a:pPr algn="ctr"/>
+              <a:r>
+                <a:rPr lang="pt-PT" b="1" dirty="0">
+                  <a:solidFill>
+                    <a:schemeClr val="tx1"/>
+                  </a:solidFill>
+                </a:rPr>
+                <a:t>Indexar com o </a:t>
+              </a:r>
+              <a:r>
+                <a:rPr lang="pt-PT" b="1" dirty="0" err="1">
+                  <a:solidFill>
+                    <a:schemeClr val="tx1"/>
+                  </a:solidFill>
+                </a:rPr>
+                <a:t>Solr</a:t>
+              </a:r>
+              <a:endParaRPr lang="pt-PT" b="1" dirty="0">
+                <a:solidFill>
+                  <a:schemeClr val="tx1"/>
+                </a:solidFill>
+              </a:endParaRPr>
+            </a:p>
+          </p:txBody>
+        </p:sp>
+        <p:sp>
+          <p:nvSpPr>
+            <p:cNvPr id="8" name="Retângulo arredondado 7"/>
+            <p:cNvSpPr/>
+            <p:nvPr/>
+          </p:nvSpPr>
+          <p:spPr>
+            <a:xfrm>
+              <a:off x="10579200" y="3966003"/>
+              <a:ext cx="1612800" cy="1364400"/>
+            </a:xfrm>
+            <a:prstGeom prst="roundRect">
+              <a:avLst>
+                <a:gd name="adj" fmla="val 0"/>
+              </a:avLst>
+            </a:prstGeom>
+            <a:solidFill>
+              <a:srgbClr val="262626"/>
+            </a:solidFill>
+            <a:ln w="50800">
+              <a:solidFill>
+                <a:srgbClr val="262626"/>
+              </a:solidFill>
+            </a:ln>
+          </p:spPr>
+          <p:style>
+            <a:lnRef idx="2">
+              <a:schemeClr val="accent1">
+                <a:shade val="50000"/>
+              </a:schemeClr>
+            </a:lnRef>
+            <a:fillRef idx="1">
+              <a:schemeClr val="accent1"/>
+            </a:fillRef>
+            <a:effectRef idx="0">
+              <a:schemeClr val="accent1"/>
+            </a:effectRef>
+            <a:fontRef idx="minor">
+              <a:schemeClr val="lt1"/>
+            </a:fontRef>
+          </p:style>
+          <p:txBody>
+            <a:bodyPr rtlCol="0" anchor="ctr"/>
+            <a:lstStyle/>
+            <a:p>
+              <a:pPr algn="ctr"/>
+              <a:r>
+                <a:rPr lang="pt-PT" b="1" dirty="0">
+                  <a:solidFill>
+                    <a:schemeClr val="tx1"/>
+                  </a:solidFill>
+                </a:rPr>
+                <a:t>Preparar uma interface de pesquisa</a:t>
+              </a:r>
+            </a:p>
+          </p:txBody>
+        </p:sp>
+      </p:grpSp>
+    </p:spTree>
+    <p:extLst>
+      <p:ext uri="{BB962C8B-B14F-4D97-AF65-F5344CB8AC3E}">
+        <p14:creationId xmlns:p14="http://schemas.microsoft.com/office/powerpoint/2010/main" val="2481760121"/>
+      </p:ext>
+    </p:extLst>
+  </p:cSld>
+  <p:clrMapOvr>
+    <a:masterClrMapping/>
+  </p:clrMapOvr>
+</p:sld>
+</file>
+
+<file path=ppt/slides/slide14.xml><?xml version="1.0" encoding="utf-8"?>
+<p:sld xmlns:a="http://schemas.openxmlformats.org/drawingml/2006/main" xmlns:r="http://schemas.openxmlformats.org/officeDocument/2006/relationships" xmlns:p="http://schemas.openxmlformats.org/presentationml/2006/main">
+  <p:cSld>
+    <p:spTree>
+      <p:nvGrpSpPr>
+        <p:cNvPr id="1" name=""/>
+        <p:cNvGrpSpPr/>
+        <p:nvPr/>
+      </p:nvGrpSpPr>
+      <p:grpSpPr>
+        <a:xfrm>
+          <a:off x="0" y="0"/>
+          <a:ext cx="0" cy="0"/>
+          <a:chOff x="0" y="0"/>
+          <a:chExt cx="0" cy="0"/>
+        </a:xfrm>
+      </p:grpSpPr>
+      <p:sp>
+        <p:nvSpPr>
+          <p:cNvPr id="2" name="Título 1"/>
+          <p:cNvSpPr>
+            <a:spLocks noGrp="1"/>
+          </p:cNvSpPr>
+          <p:nvPr>
+            <p:ph type="title"/>
+          </p:nvPr>
+        </p:nvSpPr>
+        <p:spPr/>
+        <p:txBody>
+          <a:bodyPr>
+            <a:normAutofit/>
+          </a:bodyPr>
+          <a:lstStyle/>
+          <a:p>
+            <a:r>
+              <a:rPr lang="pt-PT" sz="3300" dirty="0"/>
+              <a:t>Indexar a informação proveniente dessa estrutura</a:t>
+            </a:r>
+          </a:p>
+        </p:txBody>
+      </p:sp>
+      <p:sp>
+        <p:nvSpPr>
+          <p:cNvPr id="8" name="Marcador de Posição de Conteúdo 7"/>
+          <p:cNvSpPr>
+            <a:spLocks noGrp="1"/>
+          </p:cNvSpPr>
+          <p:nvPr>
+            <p:ph sz="half" idx="2"/>
+          </p:nvPr>
+        </p:nvSpPr>
+        <p:spPr>
+          <a:xfrm>
+            <a:off x="5594124" y="2696102"/>
+            <a:ext cx="4700058" cy="3599316"/>
+          </a:xfrm>
+        </p:spPr>
+        <p:txBody>
+          <a:bodyPr/>
+          <a:lstStyle/>
+          <a:p>
+            <a:r>
+              <a:rPr lang="en-GB" dirty="0">
+                <a:solidFill>
+                  <a:schemeClr val="bg1"/>
+                </a:solidFill>
+              </a:rPr>
+              <a:t>solrconfig.xml</a:t>
+            </a:r>
+          </a:p>
+          <a:p>
+            <a:pPr lvl="1"/>
+            <a:r>
+              <a:rPr lang="pt-PT" dirty="0">
+                <a:solidFill>
+                  <a:schemeClr val="bg1"/>
+                </a:solidFill>
+              </a:rPr>
+              <a:t>Inclui as bibliotecas necessárias</a:t>
+            </a:r>
+          </a:p>
+          <a:p>
+            <a:pPr lvl="1"/>
+            <a:endParaRPr lang="en-GB" dirty="0">
+              <a:solidFill>
+                <a:schemeClr val="bg1"/>
+              </a:solidFill>
+            </a:endParaRPr>
+          </a:p>
+          <a:p>
+            <a:r>
+              <a:rPr lang="en-GB" dirty="0">
+                <a:solidFill>
+                  <a:schemeClr val="bg1"/>
+                </a:solidFill>
+              </a:rPr>
+              <a:t>schema.xml</a:t>
+            </a:r>
+          </a:p>
+          <a:p>
+            <a:pPr lvl="1"/>
+            <a:r>
+              <a:rPr lang="pt-PT" dirty="0">
+                <a:solidFill>
+                  <a:schemeClr val="bg1"/>
+                </a:solidFill>
+              </a:rPr>
+              <a:t>Estrutura dos dados a serem tratados pelo </a:t>
+            </a:r>
+            <a:r>
+              <a:rPr lang="pt-PT" dirty="0" err="1">
+                <a:solidFill>
+                  <a:schemeClr val="bg1"/>
+                </a:solidFill>
+              </a:rPr>
+              <a:t>Solr</a:t>
+            </a:r>
+            <a:endParaRPr lang="pt-PT" dirty="0">
+              <a:solidFill>
+                <a:schemeClr val="bg1"/>
+              </a:solidFill>
+            </a:endParaRPr>
+          </a:p>
+          <a:p>
+            <a:pPr lvl="1"/>
+            <a:r>
+              <a:rPr lang="pt-PT" dirty="0">
+                <a:solidFill>
+                  <a:schemeClr val="bg1"/>
+                </a:solidFill>
+              </a:rPr>
+              <a:t>Definição dos parâmetros de indexação e pesquisa</a:t>
+            </a:r>
+          </a:p>
+          <a:p>
+            <a:endParaRPr lang="pt-PT" dirty="0"/>
+          </a:p>
+        </p:txBody>
+      </p:sp>
+      <p:pic>
+        <p:nvPicPr>
+          <p:cNvPr id="10" name="Picture 2" descr="https://lucene.apache.org/images/mantle-lucene-solr.png"/>
+          <p:cNvPicPr>
+            <a:picLocks noGrp="1" noChangeAspect="1" noChangeArrowheads="1"/>
+          </p:cNvPicPr>
+          <p:nvPr>
+            <p:ph sz="half" idx="1"/>
+          </p:nvPr>
+        </p:nvPicPr>
+        <p:blipFill rotWithShape="1">
+          <a:blip r:embed="rId3">
+            <a:extLst>
+              <a:ext uri="{28A0092B-C50C-407E-A947-70E740481C1C}">
+                <a14:useLocalDpi xmlns:a14="http://schemas.microsoft.com/office/drawing/2010/main" val="0"/>
+              </a:ext>
+            </a:extLst>
+          </a:blip>
+          <a:srcRect l="60568" t="-1898" r="-1824" b="1898"/>
+          <a:stretch/>
+        </p:blipFill>
+        <p:spPr bwMode="auto">
+          <a:xfrm>
+            <a:off x="1704830" y="3118758"/>
+            <a:ext cx="3212177" cy="1624898"/>
+          </a:xfrm>
+          <a:prstGeom prst="rect">
+            <a:avLst/>
+          </a:prstGeom>
+          <a:noFill/>
+          <a:extLst>
+            <a:ext uri="{909E8E84-426E-40DD-AFC4-6F175D3DCCD1}">
+              <a14:hiddenFill xmlns:a14="http://schemas.microsoft.com/office/drawing/2010/main">
+                <a:solidFill>
+                  <a:srgbClr val="FFFFFF"/>
+                </a:solidFill>
+              </a14:hiddenFill>
+            </a:ext>
+          </a:extLst>
+        </p:spPr>
+      </p:pic>
+      <p:grpSp>
+        <p:nvGrpSpPr>
+          <p:cNvPr id="14" name="Grupo 13"/>
+          <p:cNvGrpSpPr/>
+          <p:nvPr/>
+        </p:nvGrpSpPr>
+        <p:grpSpPr>
+          <a:xfrm>
+            <a:off x="10579200" y="611939"/>
+            <a:ext cx="1612800" cy="4718464"/>
+            <a:chOff x="10579200" y="611939"/>
+            <a:chExt cx="1612800" cy="4718464"/>
+          </a:xfrm>
+        </p:grpSpPr>
+        <p:sp>
+          <p:nvSpPr>
+            <p:cNvPr id="15" name="Retângulo arredondado 14"/>
             <p:cNvSpPr/>
             <p:nvPr/>
           </p:nvSpPr>
@@ -10605,19 +12031,64 @@
             <a:p>
               <a:pPr algn="ctr"/>
               <a:r>
-                <a:rPr lang="pt-PT" b="1" dirty="0">
+                <a:rPr lang="pt-PT" sz="1550" b="1" dirty="0">
                   <a:solidFill>
                     <a:schemeClr val="tx1"/>
                   </a:solidFill>
                 </a:rPr>
-                <a:t>Agregar a informação numa só estrutura</a:t>
+                <a:t>Converter os dados da BD fonte (</a:t>
               </a:r>
+              <a:r>
+                <a:rPr lang="pt-PT" sz="1550" b="1" dirty="0" err="1">
+                  <a:solidFill>
+                    <a:schemeClr val="tx1"/>
+                  </a:solidFill>
+                </a:rPr>
+                <a:t>EResults</a:t>
+              </a:r>
+              <a:r>
+                <a:rPr lang="pt-PT" sz="1550" b="1" dirty="0">
+                  <a:solidFill>
+                    <a:schemeClr val="tx1"/>
+                  </a:solidFill>
+                </a:rPr>
+                <a:t> da </a:t>
+              </a:r>
+              <a:r>
+                <a:rPr lang="pt-PT" sz="1550" b="1" dirty="0" err="1">
+                  <a:solidFill>
+                    <a:schemeClr val="tx1"/>
+                  </a:solidFill>
+                </a:rPr>
+                <a:t>Glintt</a:t>
+              </a:r>
+              <a:r>
+                <a:rPr lang="pt-PT" sz="1550" b="1" dirty="0">
+                  <a:solidFill>
+                    <a:schemeClr val="tx1"/>
+                  </a:solidFill>
+                </a:rPr>
+                <a:t>) para </a:t>
+              </a:r>
+              <a:r>
+                <a:rPr lang="pt-PT" sz="1550" b="1" dirty="0" err="1">
+                  <a:solidFill>
+                    <a:schemeClr val="tx1"/>
+                  </a:solidFill>
+                </a:rPr>
+                <a:t>openEHR</a:t>
+              </a:r>
+              <a:endParaRPr lang="pt-PT" sz="1550" b="1" dirty="0">
+                <a:solidFill>
+                  <a:schemeClr val="tx1"/>
+                </a:solidFill>
+              </a:endParaRPr>
             </a:p>
           </p:txBody>
         </p:sp>
         <p:sp>
           <p:nvSpPr>
-            <p:cNvPr id="10" name="Retângulo arredondado 9"/>
+            <p:cNvPr id="16" name="Retângulo arredondado 15"/>
             <p:cNvSpPr/>
             <p:nvPr/>
           </p:nvSpPr>
@@ -10667,14 +12138,27 @@
                     <a:schemeClr val="tx1"/>
                   </a:solidFill>
                 </a:rPr>
-                <a:t>Indexar a informação proveniente dessa estrutura</a:t>
+                <a:t>Indexar com o </a:t>
               </a:r>
+              <a:r>
+                <a:rPr lang="pt-PT" b="1" dirty="0" err="1">
+                  <a:solidFill>
+                    <a:schemeClr val="tx1"/>
+                  </a:solidFill>
+                </a:rPr>
+                <a:t>Solr</a:t>
+              </a:r>
+              <a:endParaRPr lang="pt-PT" b="1" dirty="0">
+                <a:solidFill>
+                  <a:schemeClr val="tx1"/>
+                </a:solidFill>
+              </a:endParaRPr>
             </a:p>
           </p:txBody>
         </p:sp>
         <p:sp>
           <p:nvSpPr>
-            <p:cNvPr id="11" name="Retângulo arredondado 10"/>
+            <p:cNvPr id="17" name="Retângulo arredondado 16"/>
             <p:cNvSpPr/>
             <p:nvPr/>
           </p:nvSpPr>
@@ -10724,7 +12208,7 @@
                     <a:schemeClr val="tx1"/>
                   </a:solidFill>
                 </a:rPr>
-                <a:t>Apresentar os resultados tipo Google</a:t>
+                <a:t>Preparar uma interface de pesquisa</a:t>
               </a:r>
             </a:p>
           </p:txBody>
@@ -10733,7 +12217,7 @@
     </p:spTree>
     <p:extLst>
       <p:ext uri="{BB962C8B-B14F-4D97-AF65-F5344CB8AC3E}">
-        <p14:creationId xmlns:p14="http://schemas.microsoft.com/office/powerpoint/2010/main" val="879303406"/>
+        <p14:creationId xmlns:p14="http://schemas.microsoft.com/office/powerpoint/2010/main" val="3068901103"/>
       </p:ext>
     </p:extLst>
   </p:cSld>
@@ -10743,7 +12227,7 @@
 </p:sld>
 </file>
 
-<file path=ppt/slides/slide14.xml><?xml version="1.0" encoding="utf-8"?>
+<file path=ppt/slides/slide15.xml><?xml version="1.0" encoding="utf-8"?>
 <p:sld xmlns:a="http://schemas.openxmlformats.org/drawingml/2006/main" xmlns:r="http://schemas.openxmlformats.org/officeDocument/2006/relationships" xmlns:p="http://schemas.openxmlformats.org/presentationml/2006/main">
   <p:cSld>
     <p:spTree>
@@ -10772,51 +12256,96 @@
         </p:nvSpPr>
         <p:spPr/>
         <p:txBody>
-          <a:bodyPr>
-            <a:normAutofit/>
-          </a:bodyPr>
+          <a:bodyPr/>
           <a:lstStyle/>
           <a:p>
             <a:r>
-              <a:rPr lang="pt-PT" sz="3300" dirty="0" err="1"/>
-              <a:t>Schema</a:t>
-            </a:r>
-            <a:r>
-              <a:rPr lang="pt-PT" sz="3300" dirty="0"/>
-              <a:t> – parâmetros de indexação e pesquisa</a:t>
+              <a:rPr lang="pt-PT" dirty="0"/>
+              <a:t>Apresentar os resultados tipo Google </a:t>
             </a:r>
           </a:p>
         </p:txBody>
       </p:sp>
-      <p:pic>
-        <p:nvPicPr>
-          <p:cNvPr id="12" name="Marcador de Posição de Conteúdo 11"/>
-          <p:cNvPicPr>
-            <a:picLocks noGrp="1" noChangeAspect="1"/>
-          </p:cNvPicPr>
+      <p:sp>
+        <p:nvSpPr>
+          <p:cNvPr id="3" name="Marcador de Posição de Conteúdo 2"/>
+          <p:cNvSpPr>
+            <a:spLocks noGrp="1"/>
+          </p:cNvSpPr>
           <p:nvPr>
             <p:ph idx="1"/>
           </p:nvPr>
-        </p:nvPicPr>
-        <p:blipFill>
-          <a:blip r:embed="rId2"/>
-          <a:stretch>
-            <a:fillRect/>
-          </a:stretch>
-        </p:blipFill>
-        <p:spPr>
-          <a:xfrm>
-            <a:off x="681038" y="2556603"/>
-            <a:ext cx="9613900" cy="3159257"/>
-          </a:xfrm>
-          <a:prstGeom prst="rect">
-            <a:avLst/>
-          </a:prstGeom>
-        </p:spPr>
-      </p:pic>
+        </p:nvSpPr>
+        <p:spPr/>
+        <p:txBody>
+          <a:bodyPr/>
+          <a:lstStyle/>
+          <a:p>
+            <a:endParaRPr lang="en-GB" dirty="0">
+              <a:solidFill>
+                <a:schemeClr val="bg1"/>
+              </a:solidFill>
+            </a:endParaRPr>
+          </a:p>
+          <a:p>
+            <a:endParaRPr lang="pt-PT" dirty="0">
+              <a:solidFill>
+                <a:schemeClr val="bg1"/>
+              </a:solidFill>
+            </a:endParaRPr>
+          </a:p>
+          <a:p>
+            <a:r>
+              <a:rPr lang="pt-PT" dirty="0">
+                <a:solidFill>
+                  <a:schemeClr val="bg1"/>
+                </a:solidFill>
+              </a:rPr>
+              <a:t>Por ordem de relevância</a:t>
+            </a:r>
+          </a:p>
+          <a:p>
+            <a:endParaRPr lang="pt-PT" dirty="0">
+              <a:solidFill>
+                <a:schemeClr val="bg1"/>
+              </a:solidFill>
+            </a:endParaRPr>
+          </a:p>
+          <a:p>
+            <a:pPr lvl="1"/>
+            <a:r>
+              <a:rPr lang="pt-PT" dirty="0">
+                <a:solidFill>
+                  <a:schemeClr val="bg1"/>
+                </a:solidFill>
+              </a:rPr>
+              <a:t>Modelo Vetorial</a:t>
+            </a:r>
+          </a:p>
+          <a:p>
+            <a:pPr lvl="1"/>
+            <a:endParaRPr lang="pt-PT" dirty="0">
+              <a:solidFill>
+                <a:schemeClr val="bg1"/>
+              </a:solidFill>
+            </a:endParaRPr>
+          </a:p>
+          <a:p>
+            <a:pPr lvl="1"/>
+            <a:r>
+              <a:rPr lang="pt-PT" dirty="0">
+                <a:solidFill>
+                  <a:schemeClr val="bg1"/>
+                </a:solidFill>
+              </a:rPr>
+              <a:t>Modelo Booleano</a:t>
+            </a:r>
+          </a:p>
+        </p:txBody>
+      </p:sp>
       <p:grpSp>
         <p:nvGrpSpPr>
-          <p:cNvPr id="7" name="Grupo 6"/>
+          <p:cNvPr id="11" name="Grupo 10"/>
           <p:cNvGrpSpPr/>
           <p:nvPr/>
         </p:nvGrpSpPr>
@@ -10830,7 +12359,7 @@
         </p:grpSpPr>
         <p:sp>
           <p:nvSpPr>
-            <p:cNvPr id="8" name="Retângulo arredondado 7"/>
+            <p:cNvPr id="12" name="Retângulo arredondado 11"/>
             <p:cNvSpPr/>
             <p:nvPr/>
           </p:nvSpPr>
@@ -10875,334 +12404,64 @@
             <a:p>
               <a:pPr algn="ctr"/>
               <a:r>
-                <a:rPr lang="pt-PT" b="1" dirty="0">
+                <a:rPr lang="pt-PT" sz="1550" b="1" dirty="0">
                   <a:solidFill>
                     <a:schemeClr val="tx1"/>
                   </a:solidFill>
                 </a:rPr>
-                <a:t>Agregar a informação numa só estrutura</a:t>
+                <a:t>Converter os dados da BD fonte (</a:t>
               </a:r>
+              <a:r>
+                <a:rPr lang="pt-PT" sz="1550" b="1" dirty="0" err="1">
+                  <a:solidFill>
+                    <a:schemeClr val="tx1"/>
+                  </a:solidFill>
+                </a:rPr>
+                <a:t>EResults</a:t>
+              </a:r>
+              <a:r>
+                <a:rPr lang="pt-PT" sz="1550" b="1" dirty="0">
+                  <a:solidFill>
+                    <a:schemeClr val="tx1"/>
+                  </a:solidFill>
+                </a:rPr>
+                <a:t> da </a:t>
+              </a:r>
+              <a:r>
+                <a:rPr lang="pt-PT" sz="1550" b="1" dirty="0" err="1">
+                  <a:solidFill>
+                    <a:schemeClr val="tx1"/>
+                  </a:solidFill>
+                </a:rPr>
+                <a:t>Glintt</a:t>
+              </a:r>
+              <a:r>
+                <a:rPr lang="pt-PT" sz="1550" b="1" dirty="0">
+                  <a:solidFill>
+                    <a:schemeClr val="tx1"/>
+                  </a:solidFill>
+                </a:rPr>
+                <a:t>) para </a:t>
+              </a:r>
+              <a:r>
+                <a:rPr lang="pt-PT" sz="1550" b="1" dirty="0" err="1">
+                  <a:solidFill>
+                    <a:schemeClr val="tx1"/>
+                  </a:solidFill>
+                </a:rPr>
+                <a:t>openEHR</a:t>
+              </a:r>
+              <a:endParaRPr lang="pt-PT" sz="1550" b="1" dirty="0">
+                <a:solidFill>
+                  <a:schemeClr val="tx1"/>
+                </a:solidFill>
+              </a:endParaRPr>
             </a:p>
           </p:txBody>
         </p:sp>
         <p:sp>
           <p:nvSpPr>
-            <p:cNvPr id="9" name="Retângulo arredondado 8"/>
-            <p:cNvSpPr/>
-            <p:nvPr/>
-          </p:nvSpPr>
-          <p:spPr>
-            <a:xfrm>
-              <a:off x="10579200" y="2288529"/>
-              <a:ext cx="1612800" cy="1364400"/>
-            </a:xfrm>
-            <a:prstGeom prst="roundRect">
-              <a:avLst>
-                <a:gd name="adj" fmla="val 0"/>
-              </a:avLst>
-            </a:prstGeom>
-            <a:solidFill>
-              <a:srgbClr val="F09415"/>
-            </a:solidFill>
-            <a:ln w="50800">
-              <a:solidFill>
-                <a:srgbClr val="F09415"/>
-              </a:solidFill>
-            </a:ln>
-          </p:spPr>
-          <p:style>
-            <a:lnRef idx="2">
-              <a:schemeClr val="accent1">
-                <a:shade val="50000"/>
-              </a:schemeClr>
-            </a:lnRef>
-            <a:fillRef idx="1">
-              <a:schemeClr val="accent1"/>
-            </a:fillRef>
-            <a:effectRef idx="0">
-              <a:schemeClr val="accent1"/>
-            </a:effectRef>
-            <a:fontRef idx="minor">
-              <a:schemeClr val="lt1"/>
-            </a:fontRef>
-          </p:style>
-          <p:txBody>
-            <a:bodyPr rtlCol="0" anchor="ctr"/>
-            <a:lstStyle/>
-            <a:p>
-              <a:pPr algn="ctr"/>
-              <a:r>
-                <a:rPr lang="pt-PT" b="1" dirty="0">
-                  <a:solidFill>
-                    <a:schemeClr val="tx1"/>
-                  </a:solidFill>
-                </a:rPr>
-                <a:t>Indexar a informação proveniente dessa estrutura</a:t>
-              </a:r>
-            </a:p>
-          </p:txBody>
-        </p:sp>
-        <p:sp>
-          <p:nvSpPr>
-            <p:cNvPr id="10" name="Retângulo arredondado 9"/>
-            <p:cNvSpPr/>
-            <p:nvPr/>
-          </p:nvSpPr>
-          <p:spPr>
-            <a:xfrm>
-              <a:off x="10579200" y="3966003"/>
-              <a:ext cx="1612800" cy="1364400"/>
-            </a:xfrm>
-            <a:prstGeom prst="roundRect">
-              <a:avLst>
-                <a:gd name="adj" fmla="val 0"/>
-              </a:avLst>
-            </a:prstGeom>
-            <a:solidFill>
-              <a:srgbClr val="262626"/>
-            </a:solidFill>
-            <a:ln w="50800">
-              <a:solidFill>
-                <a:srgbClr val="262626"/>
-              </a:solidFill>
-            </a:ln>
-          </p:spPr>
-          <p:style>
-            <a:lnRef idx="2">
-              <a:schemeClr val="accent1">
-                <a:shade val="50000"/>
-              </a:schemeClr>
-            </a:lnRef>
-            <a:fillRef idx="1">
-              <a:schemeClr val="accent1"/>
-            </a:fillRef>
-            <a:effectRef idx="0">
-              <a:schemeClr val="accent1"/>
-            </a:effectRef>
-            <a:fontRef idx="minor">
-              <a:schemeClr val="lt1"/>
-            </a:fontRef>
-          </p:style>
-          <p:txBody>
-            <a:bodyPr rtlCol="0" anchor="ctr"/>
-            <a:lstStyle/>
-            <a:p>
-              <a:pPr algn="ctr"/>
-              <a:r>
-                <a:rPr lang="pt-PT" b="1" dirty="0">
-                  <a:solidFill>
-                    <a:schemeClr val="tx1"/>
-                  </a:solidFill>
-                </a:rPr>
-                <a:t>Apresentar os resultados tipo Google</a:t>
-              </a:r>
-            </a:p>
-          </p:txBody>
-        </p:sp>
-      </p:grpSp>
-    </p:spTree>
-    <p:extLst>
-      <p:ext uri="{BB962C8B-B14F-4D97-AF65-F5344CB8AC3E}">
-        <p14:creationId xmlns:p14="http://schemas.microsoft.com/office/powerpoint/2010/main" val="1015532975"/>
-      </p:ext>
-    </p:extLst>
-  </p:cSld>
-  <p:clrMapOvr>
-    <a:masterClrMapping/>
-  </p:clrMapOvr>
-</p:sld>
-</file>
-
-<file path=ppt/slides/slide15.xml><?xml version="1.0" encoding="utf-8"?>
-<p:sld xmlns:a="http://schemas.openxmlformats.org/drawingml/2006/main" xmlns:r="http://schemas.openxmlformats.org/officeDocument/2006/relationships" xmlns:p="http://schemas.openxmlformats.org/presentationml/2006/main">
-  <p:cSld>
-    <p:spTree>
-      <p:nvGrpSpPr>
-        <p:cNvPr id="1" name=""/>
-        <p:cNvGrpSpPr/>
-        <p:nvPr/>
-      </p:nvGrpSpPr>
-      <p:grpSpPr>
-        <a:xfrm>
-          <a:off x="0" y="0"/>
-          <a:ext cx="0" cy="0"/>
-          <a:chOff x="0" y="0"/>
-          <a:chExt cx="0" cy="0"/>
-        </a:xfrm>
-      </p:grpSpPr>
-      <p:sp>
-        <p:nvSpPr>
-          <p:cNvPr id="2" name="Título 1"/>
-          <p:cNvSpPr>
-            <a:spLocks noGrp="1"/>
-          </p:cNvSpPr>
-          <p:nvPr>
-            <p:ph type="title"/>
-          </p:nvPr>
-        </p:nvSpPr>
-        <p:spPr/>
-        <p:txBody>
-          <a:bodyPr/>
-          <a:lstStyle/>
-          <a:p>
-            <a:r>
-              <a:rPr lang="pt-PT" dirty="0"/>
-              <a:t>Apresentar os resultados tipo Google </a:t>
-            </a:r>
-          </a:p>
-        </p:txBody>
-      </p:sp>
-      <p:sp>
-        <p:nvSpPr>
-          <p:cNvPr id="3" name="Marcador de Posição de Conteúdo 2"/>
-          <p:cNvSpPr>
-            <a:spLocks noGrp="1"/>
-          </p:cNvSpPr>
-          <p:nvPr>
-            <p:ph idx="1"/>
-          </p:nvPr>
-        </p:nvSpPr>
-        <p:spPr/>
-        <p:txBody>
-          <a:bodyPr/>
-          <a:lstStyle/>
-          <a:p>
-            <a:endParaRPr lang="en-GB" dirty="0">
-              <a:solidFill>
-                <a:schemeClr val="bg1"/>
-              </a:solidFill>
-            </a:endParaRPr>
-          </a:p>
-          <a:p>
-            <a:endParaRPr lang="pt-PT" dirty="0">
-              <a:solidFill>
-                <a:schemeClr val="bg1"/>
-              </a:solidFill>
-            </a:endParaRPr>
-          </a:p>
-          <a:p>
-            <a:r>
-              <a:rPr lang="pt-PT" dirty="0">
-                <a:solidFill>
-                  <a:schemeClr val="bg1"/>
-                </a:solidFill>
-              </a:rPr>
-              <a:t>Por ordem de relevância</a:t>
-            </a:r>
-          </a:p>
-          <a:p>
-            <a:endParaRPr lang="pt-PT" dirty="0">
-              <a:solidFill>
-                <a:schemeClr val="bg1"/>
-              </a:solidFill>
-            </a:endParaRPr>
-          </a:p>
-          <a:p>
-            <a:pPr lvl="1"/>
-            <a:r>
-              <a:rPr lang="pt-PT" dirty="0">
-                <a:solidFill>
-                  <a:schemeClr val="bg1"/>
-                </a:solidFill>
-              </a:rPr>
-              <a:t>Modelo Vetorial</a:t>
-            </a:r>
-          </a:p>
-          <a:p>
-            <a:pPr lvl="1"/>
-            <a:endParaRPr lang="pt-PT" dirty="0">
-              <a:solidFill>
-                <a:schemeClr val="bg1"/>
-              </a:solidFill>
-            </a:endParaRPr>
-          </a:p>
-          <a:p>
-            <a:pPr lvl="1"/>
-            <a:r>
-              <a:rPr lang="pt-PT" dirty="0">
-                <a:solidFill>
-                  <a:schemeClr val="bg1"/>
-                </a:solidFill>
-              </a:rPr>
-              <a:t>Modelo Booleano</a:t>
-            </a:r>
-          </a:p>
-        </p:txBody>
-      </p:sp>
-      <p:grpSp>
-        <p:nvGrpSpPr>
-          <p:cNvPr id="7" name="Grupo 6"/>
-          <p:cNvGrpSpPr/>
-          <p:nvPr/>
-        </p:nvGrpSpPr>
-        <p:grpSpPr>
-          <a:xfrm>
-            <a:off x="10579200" y="611939"/>
-            <a:ext cx="1612800" cy="4718464"/>
-            <a:chOff x="10579200" y="611939"/>
-            <a:chExt cx="1612800" cy="4718464"/>
-          </a:xfrm>
-        </p:grpSpPr>
-        <p:sp>
-          <p:nvSpPr>
-            <p:cNvPr id="8" name="Retângulo arredondado 7"/>
-            <p:cNvSpPr/>
-            <p:nvPr/>
-          </p:nvSpPr>
-          <p:spPr>
-            <a:xfrm>
-              <a:off x="10580914" y="611939"/>
-              <a:ext cx="1611086" cy="1363516"/>
-            </a:xfrm>
-            <a:prstGeom prst="roundRect">
-              <a:avLst>
-                <a:gd name="adj" fmla="val 0"/>
-              </a:avLst>
-            </a:prstGeom>
-            <a:solidFill>
-              <a:srgbClr val="262626"/>
-            </a:solidFill>
-            <a:ln w="50800">
-              <a:solidFill>
-                <a:srgbClr val="262626"/>
-              </a:solidFill>
-            </a:ln>
-          </p:spPr>
-          <p:style>
-            <a:lnRef idx="2">
-              <a:schemeClr val="accent1">
-                <a:shade val="50000"/>
-              </a:schemeClr>
-            </a:lnRef>
-            <a:fillRef idx="1">
-              <a:schemeClr val="accent1"/>
-            </a:fillRef>
-            <a:effectRef idx="0">
-              <a:schemeClr val="accent1"/>
-            </a:effectRef>
-            <a:fontRef idx="minor">
-              <a:schemeClr val="lt1"/>
-            </a:fontRef>
-          </p:style>
-          <p:txBody>
-            <a:bodyPr rtlCol="0" anchor="ctr"/>
-            <a:lstStyle/>
-            <a:p>
-              <a:pPr algn="ctr"/>
-              <a:r>
-                <a:rPr lang="pt-PT" b="1" dirty="0">
-                  <a:solidFill>
-                    <a:schemeClr val="tx1"/>
-                  </a:solidFill>
-                </a:rPr>
-                <a:t>Agregar a informação numa só estrutura</a:t>
-              </a:r>
-            </a:p>
-          </p:txBody>
-        </p:sp>
-        <p:sp>
-          <p:nvSpPr>
-            <p:cNvPr id="9" name="Retângulo arredondado 8"/>
+            <p:cNvPr id="13" name="Retângulo arredondado 12"/>
             <p:cNvSpPr/>
             <p:nvPr/>
           </p:nvSpPr>
@@ -11252,14 +12511,27 @@
                     <a:schemeClr val="tx1"/>
                   </a:solidFill>
                 </a:rPr>
-                <a:t>Indexar a informação proveniente dessa estrutura</a:t>
+                <a:t>Indexar com o </a:t>
               </a:r>
+              <a:r>
+                <a:rPr lang="pt-PT" b="1" dirty="0" err="1">
+                  <a:solidFill>
+                    <a:schemeClr val="tx1"/>
+                  </a:solidFill>
+                </a:rPr>
+                <a:t>Solr</a:t>
+              </a:r>
+              <a:endParaRPr lang="pt-PT" b="1" dirty="0">
+                <a:solidFill>
+                  <a:schemeClr val="tx1"/>
+                </a:solidFill>
+              </a:endParaRPr>
             </a:p>
           </p:txBody>
         </p:sp>
         <p:sp>
           <p:nvSpPr>
-            <p:cNvPr id="10" name="Retângulo arredondado 9"/>
+            <p:cNvPr id="14" name="Retângulo arredondado 13"/>
             <p:cNvSpPr/>
             <p:nvPr/>
           </p:nvSpPr>
@@ -11309,7 +12581,7 @@
                     <a:schemeClr val="tx1"/>
                   </a:solidFill>
                 </a:rPr>
-                <a:t>Apresentar os resultados tipo Google</a:t>
+                <a:t>Preparar uma interface de pesquisa</a:t>
               </a:r>
             </a:p>
           </p:txBody>
@@ -11370,7 +12642,7 @@
     </p:spTree>
     <p:extLst>
       <p:ext uri="{BB962C8B-B14F-4D97-AF65-F5344CB8AC3E}">
-        <p14:creationId xmlns:p14="http://schemas.microsoft.com/office/powerpoint/2010/main" val="3079776174"/>
+        <p14:creationId xmlns:p14="http://schemas.microsoft.com/office/powerpoint/2010/main" val="202309639"/>
       </p:ext>
     </p:extLst>
   </p:cSld>
@@ -11406,7 +12678,7 @@
           <p:nvPr/>
         </p:nvPicPr>
         <p:blipFill rotWithShape="1">
-          <a:blip r:embed="rId2">
+          <a:blip r:embed="rId3">
             <a:extLst>
               <a:ext uri="{28A0092B-C50C-407E-A947-70E740481C1C}">
                 <a14:useLocalDpi xmlns:a14="http://schemas.microsoft.com/office/drawing/2010/main" val="0"/>
@@ -11435,7 +12707,7 @@
     </p:spTree>
     <p:extLst>
       <p:ext uri="{BB962C8B-B14F-4D97-AF65-F5344CB8AC3E}">
-        <p14:creationId xmlns:p14="http://schemas.microsoft.com/office/powerpoint/2010/main" val="2769308575"/>
+        <p14:creationId xmlns:p14="http://schemas.microsoft.com/office/powerpoint/2010/main" val="3402368010"/>
       </p:ext>
     </p:extLst>
   </p:cSld>
@@ -11462,6 +12734,155 @@
           <a:chExt cx="0" cy="0"/>
         </a:xfrm>
       </p:grpSpPr>
+      <p:pic>
+        <p:nvPicPr>
+          <p:cNvPr id="4" name="Imagem 3"/>
+          <p:cNvPicPr>
+            <a:picLocks noChangeAspect="1"/>
+          </p:cNvPicPr>
+          <p:nvPr/>
+        </p:nvPicPr>
+        <p:blipFill rotWithShape="1">
+          <a:blip r:embed="rId2">
+            <a:extLst>
+              <a:ext uri="{28A0092B-C50C-407E-A947-70E740481C1C}">
+                <a14:useLocalDpi xmlns:a14="http://schemas.microsoft.com/office/drawing/2010/main" val="0"/>
+              </a:ext>
+            </a:extLst>
+          </a:blip>
+          <a:srcRect t="2857"/>
+          <a:stretch/>
+        </p:blipFill>
+        <p:spPr>
+          <a:xfrm>
+            <a:off x="1224638" y="-93616"/>
+            <a:ext cx="3592285" cy="7047720"/>
+          </a:xfrm>
+          <a:prstGeom prst="rect">
+            <a:avLst/>
+          </a:prstGeom>
+          <a:ln>
+            <a:noFill/>
+          </a:ln>
+          <a:effectLst>
+            <a:softEdge rad="112500"/>
+          </a:effectLst>
+        </p:spPr>
+      </p:pic>
+      <p:pic>
+        <p:nvPicPr>
+          <p:cNvPr id="2" name="Imagem 1"/>
+          <p:cNvPicPr>
+            <a:picLocks noChangeAspect="1"/>
+          </p:cNvPicPr>
+          <p:nvPr/>
+        </p:nvPicPr>
+        <p:blipFill>
+          <a:blip r:embed="rId3">
+            <a:extLst>
+              <a:ext uri="{28A0092B-C50C-407E-A947-70E740481C1C}">
+                <a14:useLocalDpi xmlns:a14="http://schemas.microsoft.com/office/drawing/2010/main" val="0"/>
+              </a:ext>
+            </a:extLst>
+          </a:blip>
+          <a:stretch>
+            <a:fillRect/>
+          </a:stretch>
+        </p:blipFill>
+        <p:spPr>
+          <a:xfrm>
+            <a:off x="5151664" y="2249261"/>
+            <a:ext cx="5905500" cy="4286250"/>
+          </a:xfrm>
+          <a:prstGeom prst="rect">
+            <a:avLst/>
+          </a:prstGeom>
+          <a:ln>
+            <a:noFill/>
+          </a:ln>
+          <a:effectLst>
+            <a:softEdge rad="112500"/>
+          </a:effectLst>
+        </p:spPr>
+      </p:pic>
+      <p:sp>
+        <p:nvSpPr>
+          <p:cNvPr id="3" name="Retângulo 2"/>
+          <p:cNvSpPr/>
+          <p:nvPr/>
+        </p:nvSpPr>
+        <p:spPr>
+          <a:xfrm flipH="1" flipV="1">
+            <a:off x="10461173" y="4310744"/>
+            <a:ext cx="152398" cy="97970"/>
+          </a:xfrm>
+          <a:prstGeom prst="rect">
+            <a:avLst/>
+          </a:prstGeom>
+          <a:solidFill>
+            <a:schemeClr val="tx1"/>
+          </a:solidFill>
+          <a:ln>
+            <a:solidFill>
+              <a:schemeClr val="tx1"/>
+            </a:solidFill>
+          </a:ln>
+        </p:spPr>
+        <p:style>
+          <a:lnRef idx="2">
+            <a:schemeClr val="accent1">
+              <a:shade val="50000"/>
+            </a:schemeClr>
+          </a:lnRef>
+          <a:fillRef idx="1">
+            <a:schemeClr val="accent1"/>
+          </a:fillRef>
+          <a:effectRef idx="0">
+            <a:schemeClr val="accent1"/>
+          </a:effectRef>
+          <a:fontRef idx="minor">
+            <a:schemeClr val="lt1"/>
+          </a:fontRef>
+        </p:style>
+        <p:txBody>
+          <a:bodyPr rtlCol="0" anchor="ctr"/>
+          <a:lstStyle/>
+          <a:p>
+            <a:pPr algn="ctr"/>
+            <a:endParaRPr lang="pt-PT"/>
+          </a:p>
+        </p:txBody>
+      </p:sp>
+    </p:spTree>
+    <p:extLst>
+      <p:ext uri="{BB962C8B-B14F-4D97-AF65-F5344CB8AC3E}">
+        <p14:creationId xmlns:p14="http://schemas.microsoft.com/office/powerpoint/2010/main" val="3128663420"/>
+      </p:ext>
+    </p:extLst>
+  </p:cSld>
+  <p:clrMapOvr>
+    <a:masterClrMapping/>
+  </p:clrMapOvr>
+</p:sld>
+</file>
+
+<file path=ppt/slides/slide19.xml><?xml version="1.0" encoding="utf-8"?>
+<p:sld xmlns:a="http://schemas.openxmlformats.org/drawingml/2006/main" xmlns:r="http://schemas.openxmlformats.org/officeDocument/2006/relationships" xmlns:p="http://schemas.openxmlformats.org/presentationml/2006/main">
+  <p:cSld>
+    <p:spTree>
+      <p:nvGrpSpPr>
+        <p:cNvPr id="1" name=""/>
+        <p:cNvGrpSpPr/>
+        <p:nvPr/>
+      </p:nvGrpSpPr>
+      <p:grpSpPr>
+        <a:xfrm>
+          <a:off x="0" y="0"/>
+          <a:ext cx="0" cy="0"/>
+          <a:chOff x="0" y="0"/>
+          <a:chExt cx="0" cy="0"/>
+        </a:xfrm>
+      </p:grpSpPr>
       <p:sp>
         <p:nvSpPr>
           <p:cNvPr id="2" name="Título 1"/>
@@ -11498,7 +12919,196 @@
 </p:sld>
 </file>
 
-<file path=ppt/slides/slide19.xml><?xml version="1.0" encoding="utf-8"?>
+<file path=ppt/slides/slide2.xml><?xml version="1.0" encoding="utf-8"?>
+<p:sld xmlns:a="http://schemas.openxmlformats.org/drawingml/2006/main" xmlns:r="http://schemas.openxmlformats.org/officeDocument/2006/relationships" xmlns:p="http://schemas.openxmlformats.org/presentationml/2006/main">
+  <p:cSld>
+    <p:spTree>
+      <p:nvGrpSpPr>
+        <p:cNvPr id="1" name=""/>
+        <p:cNvGrpSpPr/>
+        <p:nvPr/>
+      </p:nvGrpSpPr>
+      <p:grpSpPr>
+        <a:xfrm>
+          <a:off x="0" y="0"/>
+          <a:ext cx="0" cy="0"/>
+          <a:chOff x="0" y="0"/>
+          <a:chExt cx="0" cy="0"/>
+        </a:xfrm>
+      </p:grpSpPr>
+      <p:sp>
+        <p:nvSpPr>
+          <p:cNvPr id="2" name="Título 1"/>
+          <p:cNvSpPr>
+            <a:spLocks noGrp="1"/>
+          </p:cNvSpPr>
+          <p:nvPr>
+            <p:ph type="title"/>
+          </p:nvPr>
+        </p:nvSpPr>
+        <p:spPr/>
+        <p:txBody>
+          <a:bodyPr/>
+          <a:lstStyle/>
+          <a:p>
+            <a:r>
+              <a:rPr lang="pt-PT" dirty="0"/>
+              <a:t>Sumário</a:t>
+            </a:r>
+          </a:p>
+        </p:txBody>
+      </p:sp>
+      <p:sp>
+        <p:nvSpPr>
+          <p:cNvPr id="3" name="Marcador de Posição de Conteúdo 2"/>
+          <p:cNvSpPr>
+            <a:spLocks noGrp="1"/>
+          </p:cNvSpPr>
+          <p:nvPr>
+            <p:ph idx="1"/>
+          </p:nvPr>
+        </p:nvSpPr>
+        <p:spPr/>
+        <p:txBody>
+          <a:bodyPr>
+            <a:normAutofit fontScale="92500" lnSpcReduction="10000"/>
+          </a:bodyPr>
+          <a:lstStyle/>
+          <a:p>
+            <a:r>
+              <a:rPr lang="pt-PT" dirty="0">
+                <a:solidFill>
+                  <a:schemeClr val="bg1"/>
+                </a:solidFill>
+              </a:rPr>
+              <a:t>Contexto</a:t>
+            </a:r>
+          </a:p>
+          <a:p>
+            <a:r>
+              <a:rPr lang="pt-PT" dirty="0">
+                <a:solidFill>
+                  <a:schemeClr val="bg1"/>
+                </a:solidFill>
+              </a:rPr>
+              <a:t>Problema</a:t>
+            </a:r>
+          </a:p>
+          <a:p>
+            <a:r>
+              <a:rPr lang="pt-PT" dirty="0">
+                <a:solidFill>
+                  <a:schemeClr val="bg1"/>
+                </a:solidFill>
+              </a:rPr>
+              <a:t>Objetivo</a:t>
+            </a:r>
+          </a:p>
+          <a:p>
+            <a:r>
+              <a:rPr lang="pt-PT" dirty="0">
+                <a:solidFill>
+                  <a:schemeClr val="bg1"/>
+                </a:solidFill>
+              </a:rPr>
+              <a:t>Solução</a:t>
+            </a:r>
+          </a:p>
+          <a:p>
+            <a:r>
+              <a:rPr lang="pt-PT" dirty="0">
+                <a:solidFill>
+                  <a:schemeClr val="bg1"/>
+                </a:solidFill>
+              </a:rPr>
+              <a:t>Implementação</a:t>
+            </a:r>
+          </a:p>
+          <a:p>
+            <a:r>
+              <a:rPr lang="pt-PT" dirty="0">
+                <a:solidFill>
+                  <a:schemeClr val="bg1"/>
+                </a:solidFill>
+              </a:rPr>
+              <a:t>Arquitetura</a:t>
+            </a:r>
+          </a:p>
+          <a:p>
+            <a:r>
+              <a:rPr lang="pt-PT" dirty="0">
+                <a:solidFill>
+                  <a:schemeClr val="bg1"/>
+                </a:solidFill>
+              </a:rPr>
+              <a:t>Interface</a:t>
+            </a:r>
+          </a:p>
+          <a:p>
+            <a:r>
+              <a:rPr lang="pt-PT" dirty="0">
+                <a:solidFill>
+                  <a:schemeClr val="bg1"/>
+                </a:solidFill>
+              </a:rPr>
+              <a:t>Simulação </a:t>
+            </a:r>
+            <a:r>
+              <a:rPr lang="pt-PT">
+                <a:solidFill>
+                  <a:schemeClr val="bg1"/>
+                </a:solidFill>
+              </a:rPr>
+              <a:t>e Testes</a:t>
+            </a:r>
+          </a:p>
+          <a:p>
+            <a:r>
+              <a:rPr lang="pt-PT">
+                <a:solidFill>
+                  <a:schemeClr val="bg1"/>
+                </a:solidFill>
+              </a:rPr>
+              <a:t>Trabalho Futuro</a:t>
+            </a:r>
+          </a:p>
+          <a:p>
+            <a:endParaRPr lang="en-GB">
+              <a:solidFill>
+                <a:schemeClr val="bg1"/>
+              </a:solidFill>
+            </a:endParaRPr>
+          </a:p>
+          <a:p>
+            <a:endParaRPr lang="en-GB" dirty="0">
+              <a:solidFill>
+                <a:schemeClr val="bg1"/>
+              </a:solidFill>
+            </a:endParaRPr>
+          </a:p>
+          <a:p>
+            <a:endParaRPr lang="pt-PT" dirty="0">
+              <a:solidFill>
+                <a:schemeClr val="bg1"/>
+              </a:solidFill>
+            </a:endParaRPr>
+          </a:p>
+        </p:txBody>
+      </p:sp>
+    </p:spTree>
+    <p:extLst>
+      <p:ext uri="{BB962C8B-B14F-4D97-AF65-F5344CB8AC3E}">
+        <p14:creationId xmlns:p14="http://schemas.microsoft.com/office/powerpoint/2010/main" val="3694176080"/>
+      </p:ext>
+    </p:extLst>
+  </p:cSld>
+  <p:clrMapOvr>
+    <a:masterClrMapping/>
+  </p:clrMapOvr>
+</p:sld>
+</file>
+
+<file path=ppt/slides/slide20.xml><?xml version="1.0" encoding="utf-8"?>
 <p:sld xmlns:a="http://schemas.openxmlformats.org/drawingml/2006/main" xmlns:r="http://schemas.openxmlformats.org/officeDocument/2006/relationships" xmlns:p="http://schemas.openxmlformats.org/presentationml/2006/main">
   <p:cSld>
     <p:spTree>
@@ -11812,196 +13422,7 @@
 </p:sld>
 </file>
 
-<file path=ppt/slides/slide2.xml><?xml version="1.0" encoding="utf-8"?>
-<p:sld xmlns:a="http://schemas.openxmlformats.org/drawingml/2006/main" xmlns:r="http://schemas.openxmlformats.org/officeDocument/2006/relationships" xmlns:p="http://schemas.openxmlformats.org/presentationml/2006/main">
-  <p:cSld>
-    <p:spTree>
-      <p:nvGrpSpPr>
-        <p:cNvPr id="1" name=""/>
-        <p:cNvGrpSpPr/>
-        <p:nvPr/>
-      </p:nvGrpSpPr>
-      <p:grpSpPr>
-        <a:xfrm>
-          <a:off x="0" y="0"/>
-          <a:ext cx="0" cy="0"/>
-          <a:chOff x="0" y="0"/>
-          <a:chExt cx="0" cy="0"/>
-        </a:xfrm>
-      </p:grpSpPr>
-      <p:sp>
-        <p:nvSpPr>
-          <p:cNvPr id="2" name="Título 1"/>
-          <p:cNvSpPr>
-            <a:spLocks noGrp="1"/>
-          </p:cNvSpPr>
-          <p:nvPr>
-            <p:ph type="title"/>
-          </p:nvPr>
-        </p:nvSpPr>
-        <p:spPr/>
-        <p:txBody>
-          <a:bodyPr/>
-          <a:lstStyle/>
-          <a:p>
-            <a:r>
-              <a:rPr lang="pt-PT" dirty="0"/>
-              <a:t>Sumário</a:t>
-            </a:r>
-          </a:p>
-        </p:txBody>
-      </p:sp>
-      <p:sp>
-        <p:nvSpPr>
-          <p:cNvPr id="3" name="Marcador de Posição de Conteúdo 2"/>
-          <p:cNvSpPr>
-            <a:spLocks noGrp="1"/>
-          </p:cNvSpPr>
-          <p:nvPr>
-            <p:ph idx="1"/>
-          </p:nvPr>
-        </p:nvSpPr>
-        <p:spPr/>
-        <p:txBody>
-          <a:bodyPr>
-            <a:normAutofit fontScale="92500" lnSpcReduction="10000"/>
-          </a:bodyPr>
-          <a:lstStyle/>
-          <a:p>
-            <a:r>
-              <a:rPr lang="pt-PT" dirty="0">
-                <a:solidFill>
-                  <a:schemeClr val="bg1"/>
-                </a:solidFill>
-              </a:rPr>
-              <a:t>Contexto</a:t>
-            </a:r>
-          </a:p>
-          <a:p>
-            <a:r>
-              <a:rPr lang="pt-PT" dirty="0">
-                <a:solidFill>
-                  <a:schemeClr val="bg1"/>
-                </a:solidFill>
-              </a:rPr>
-              <a:t>Problema</a:t>
-            </a:r>
-          </a:p>
-          <a:p>
-            <a:r>
-              <a:rPr lang="pt-PT" dirty="0">
-                <a:solidFill>
-                  <a:schemeClr val="bg1"/>
-                </a:solidFill>
-              </a:rPr>
-              <a:t>Objetivo</a:t>
-            </a:r>
-          </a:p>
-          <a:p>
-            <a:r>
-              <a:rPr lang="pt-PT" dirty="0">
-                <a:solidFill>
-                  <a:schemeClr val="bg1"/>
-                </a:solidFill>
-              </a:rPr>
-              <a:t>Solução</a:t>
-            </a:r>
-          </a:p>
-          <a:p>
-            <a:r>
-              <a:rPr lang="pt-PT" dirty="0">
-                <a:solidFill>
-                  <a:schemeClr val="bg1"/>
-                </a:solidFill>
-              </a:rPr>
-              <a:t>Implementação</a:t>
-            </a:r>
-          </a:p>
-          <a:p>
-            <a:r>
-              <a:rPr lang="pt-PT" dirty="0">
-                <a:solidFill>
-                  <a:schemeClr val="bg1"/>
-                </a:solidFill>
-              </a:rPr>
-              <a:t>Arquitetura</a:t>
-            </a:r>
-          </a:p>
-          <a:p>
-            <a:r>
-              <a:rPr lang="pt-PT" dirty="0">
-                <a:solidFill>
-                  <a:schemeClr val="bg1"/>
-                </a:solidFill>
-              </a:rPr>
-              <a:t>Interface</a:t>
-            </a:r>
-          </a:p>
-          <a:p>
-            <a:r>
-              <a:rPr lang="pt-PT" dirty="0">
-                <a:solidFill>
-                  <a:schemeClr val="bg1"/>
-                </a:solidFill>
-              </a:rPr>
-              <a:t>Simulação </a:t>
-            </a:r>
-            <a:r>
-              <a:rPr lang="pt-PT">
-                <a:solidFill>
-                  <a:schemeClr val="bg1"/>
-                </a:solidFill>
-              </a:rPr>
-              <a:t>e Testes</a:t>
-            </a:r>
-          </a:p>
-          <a:p>
-            <a:r>
-              <a:rPr lang="pt-PT">
-                <a:solidFill>
-                  <a:schemeClr val="bg1"/>
-                </a:solidFill>
-              </a:rPr>
-              <a:t>Trabalho Futuro</a:t>
-            </a:r>
-          </a:p>
-          <a:p>
-            <a:endParaRPr lang="en-GB">
-              <a:solidFill>
-                <a:schemeClr val="bg1"/>
-              </a:solidFill>
-            </a:endParaRPr>
-          </a:p>
-          <a:p>
-            <a:endParaRPr lang="en-GB" dirty="0">
-              <a:solidFill>
-                <a:schemeClr val="bg1"/>
-              </a:solidFill>
-            </a:endParaRPr>
-          </a:p>
-          <a:p>
-            <a:endParaRPr lang="pt-PT" dirty="0">
-              <a:solidFill>
-                <a:schemeClr val="bg1"/>
-              </a:solidFill>
-            </a:endParaRPr>
-          </a:p>
-        </p:txBody>
-      </p:sp>
-    </p:spTree>
-    <p:extLst>
-      <p:ext uri="{BB962C8B-B14F-4D97-AF65-F5344CB8AC3E}">
-        <p14:creationId xmlns:p14="http://schemas.microsoft.com/office/powerpoint/2010/main" val="3694176080"/>
-      </p:ext>
-    </p:extLst>
-  </p:cSld>
-  <p:clrMapOvr>
-    <a:masterClrMapping/>
-  </p:clrMapOvr>
-</p:sld>
-</file>
-
-<file path=ppt/slides/slide20.xml><?xml version="1.0" encoding="utf-8"?>
+<file path=ppt/slides/slide21.xml><?xml version="1.0" encoding="utf-8"?>
 <p:sld xmlns:a="http://schemas.openxmlformats.org/drawingml/2006/main" xmlns:r="http://schemas.openxmlformats.org/officeDocument/2006/relationships" xmlns:p="http://schemas.openxmlformats.org/presentationml/2006/main">
   <p:cSld>
     <p:spTree>
@@ -12068,7 +13489,7 @@
 </p:sld>
 </file>
 
-<file path=ppt/slides/slide21.xml><?xml version="1.0" encoding="utf-8"?>
+<file path=ppt/slides/slide22.xml><?xml version="1.0" encoding="utf-8"?>
 <p:sld xmlns:a="http://schemas.openxmlformats.org/drawingml/2006/main" xmlns:r="http://schemas.openxmlformats.org/officeDocument/2006/relationships" xmlns:p="http://schemas.openxmlformats.org/presentationml/2006/main">
   <p:cSld>
     <p:spTree>
@@ -12554,7 +13975,7 @@
 </p:sld>
 </file>
 
-<file path=ppt/slides/slide22.xml><?xml version="1.0" encoding="utf-8"?>
+<file path=ppt/slides/slide23.xml><?xml version="1.0" encoding="utf-8"?>
 <p:sld xmlns:a="http://schemas.openxmlformats.org/drawingml/2006/main" xmlns:r="http://schemas.openxmlformats.org/officeDocument/2006/relationships" xmlns:p="http://schemas.openxmlformats.org/presentationml/2006/main">
   <p:cSld>
     <p:spTree>
@@ -12603,13 +14024,13 @@
             <p:ph idx="1"/>
             <p:extLst>
               <p:ext uri="{D42A27DB-BD31-4B8C-83A1-F6EECF244321}">
-                <p14:modId xmlns:p14="http://schemas.microsoft.com/office/powerpoint/2010/main" val="615416077"/>
+                <p14:modId xmlns:p14="http://schemas.microsoft.com/office/powerpoint/2010/main" val="2770548677"/>
               </p:ext>
             </p:extLst>
           </p:nvPr>
         </p:nvGraphicFramePr>
         <p:xfrm>
-          <a:off x="511835" y="2628898"/>
+          <a:off x="511835" y="2142438"/>
           <a:ext cx="11249024" cy="3390901"/>
         </p:xfrm>
         <a:graphic>
@@ -12992,12 +14413,12 @@
                         </a:spcAft>
                       </a:pPr>
                       <a:r>
-                        <a:rPr lang="pt-PT" sz="1800">
+                        <a:rPr lang="pt-PT" sz="1800" dirty="0">
                           <a:effectLst/>
                         </a:rPr>
                         <a:t>1000</a:t>
                       </a:r>
-                      <a:endParaRPr lang="pt-PT" sz="1800">
+                      <a:endParaRPr lang="pt-PT" sz="1800" dirty="0">
                         <a:effectLst/>
                         <a:latin typeface="Times" panose="02020603050405020304" pitchFamily="18" charset="0"/>
                         <a:ea typeface="Nimbus Sans L"/>
@@ -13647,62 +15068,192 @@
           </a:graphicData>
         </a:graphic>
       </p:graphicFrame>
+      <p:sp>
+        <p:nvSpPr>
+          <p:cNvPr id="3" name="Retângulo 2"/>
+          <p:cNvSpPr/>
+          <p:nvPr/>
+        </p:nvSpPr>
+        <p:spPr>
+          <a:xfrm>
+            <a:off x="5646821" y="5533339"/>
+            <a:ext cx="6114038" cy="1077686"/>
+          </a:xfrm>
+          <a:prstGeom prst="rect">
+            <a:avLst/>
+          </a:prstGeom>
+          <a:noFill/>
+          <a:ln>
+            <a:noFill/>
+          </a:ln>
+        </p:spPr>
+        <p:style>
+          <a:lnRef idx="2">
+            <a:schemeClr val="accent1">
+              <a:shade val="50000"/>
+            </a:schemeClr>
+          </a:lnRef>
+          <a:fillRef idx="1">
+            <a:schemeClr val="accent1"/>
+          </a:fillRef>
+          <a:effectRef idx="0">
+            <a:schemeClr val="accent1"/>
+          </a:effectRef>
+          <a:fontRef idx="minor">
+            <a:schemeClr val="lt1"/>
+          </a:fontRef>
+        </p:style>
+        <p:txBody>
+          <a:bodyPr rtlCol="0" anchor="ctr"/>
+          <a:lstStyle/>
+          <a:p>
+            <a:pPr algn="r"/>
+            <a:r>
+              <a:rPr lang="pt-PT" dirty="0">
+                <a:solidFill>
+                  <a:schemeClr val="bg1"/>
+                </a:solidFill>
+              </a:rPr>
+              <a:t>Número total de documentos: </a:t>
+            </a:r>
+            <a:r>
+              <a:rPr lang="pt-PT" b="1" dirty="0">
+                <a:solidFill>
+                  <a:schemeClr val="bg1"/>
+                </a:solidFill>
+              </a:rPr>
+              <a:t>3680</a:t>
+            </a:r>
+          </a:p>
+          <a:p>
+            <a:pPr algn="r"/>
+            <a:r>
+              <a:rPr lang="pt-PT" dirty="0">
+                <a:solidFill>
+                  <a:schemeClr val="bg1"/>
+                </a:solidFill>
+              </a:rPr>
+              <a:t>Tamanho médio dos documentos: </a:t>
+            </a:r>
+            <a:r>
+              <a:rPr lang="pt-PT" b="1" dirty="0">
+                <a:solidFill>
+                  <a:schemeClr val="bg1"/>
+                </a:solidFill>
+              </a:rPr>
+              <a:t>161KB</a:t>
+            </a:r>
+          </a:p>
+          <a:p>
+            <a:pPr algn="r"/>
+            <a:r>
+              <a:rPr lang="pt-PT" dirty="0">
+                <a:solidFill>
+                  <a:schemeClr val="bg1"/>
+                </a:solidFill>
+              </a:rPr>
+              <a:t>Formato dos documentos: </a:t>
+            </a:r>
+            <a:r>
+              <a:rPr lang="pt-PT" b="1" dirty="0" err="1">
+                <a:solidFill>
+                  <a:schemeClr val="bg1"/>
+                </a:solidFill>
+              </a:rPr>
+              <a:t>txt</a:t>
+            </a:r>
+            <a:r>
+              <a:rPr lang="pt-PT" b="1" dirty="0">
+                <a:solidFill>
+                  <a:schemeClr val="bg1"/>
+                </a:solidFill>
+              </a:rPr>
+              <a:t>, </a:t>
+            </a:r>
+            <a:r>
+              <a:rPr lang="pt-PT" b="1" dirty="0" err="1">
+                <a:solidFill>
+                  <a:schemeClr val="bg1"/>
+                </a:solidFill>
+              </a:rPr>
+              <a:t>pdf</a:t>
+            </a:r>
+            <a:r>
+              <a:rPr lang="pt-PT" b="1" dirty="0">
+                <a:solidFill>
+                  <a:schemeClr val="bg1"/>
+                </a:solidFill>
+              </a:rPr>
+              <a:t>, </a:t>
+            </a:r>
+            <a:r>
+              <a:rPr lang="pt-PT" b="1" dirty="0" err="1">
+                <a:solidFill>
+                  <a:schemeClr val="bg1"/>
+                </a:solidFill>
+              </a:rPr>
+              <a:t>jpeg</a:t>
+            </a:r>
+            <a:r>
+              <a:rPr lang="pt-PT" b="1" dirty="0">
+                <a:solidFill>
+                  <a:schemeClr val="bg1"/>
+                </a:solidFill>
+              </a:rPr>
+              <a:t>, </a:t>
+            </a:r>
+            <a:r>
+              <a:rPr lang="pt-PT" b="1" dirty="0" err="1">
+                <a:solidFill>
+                  <a:schemeClr val="bg1"/>
+                </a:solidFill>
+              </a:rPr>
+              <a:t>png</a:t>
+            </a:r>
+            <a:r>
+              <a:rPr lang="pt-PT" b="1" dirty="0">
+                <a:solidFill>
+                  <a:schemeClr val="bg1"/>
+                </a:solidFill>
+              </a:rPr>
+              <a:t>, </a:t>
+            </a:r>
+            <a:r>
+              <a:rPr lang="pt-PT" b="1" dirty="0" err="1">
+                <a:solidFill>
+                  <a:schemeClr val="bg1"/>
+                </a:solidFill>
+              </a:rPr>
+              <a:t>docx</a:t>
+            </a:r>
+            <a:r>
+              <a:rPr lang="pt-PT" b="1" dirty="0">
+                <a:solidFill>
+                  <a:schemeClr val="bg1"/>
+                </a:solidFill>
+              </a:rPr>
+              <a:t>, </a:t>
+            </a:r>
+            <a:r>
+              <a:rPr lang="pt-PT" b="1" dirty="0" err="1">
+                <a:solidFill>
+                  <a:schemeClr val="bg1"/>
+                </a:solidFill>
+              </a:rPr>
+              <a:t>xml</a:t>
+            </a:r>
+            <a:endParaRPr lang="pt-PT" dirty="0">
+              <a:solidFill>
+                <a:schemeClr val="bg1"/>
+              </a:solidFill>
+            </a:endParaRPr>
+          </a:p>
+        </p:txBody>
+      </p:sp>
     </p:spTree>
     <p:extLst>
       <p:ext uri="{BB962C8B-B14F-4D97-AF65-F5344CB8AC3E}">
         <p14:creationId xmlns:p14="http://schemas.microsoft.com/office/powerpoint/2010/main" val="2965183767"/>
-      </p:ext>
-    </p:extLst>
-  </p:cSld>
-  <p:clrMapOvr>
-    <a:masterClrMapping/>
-  </p:clrMapOvr>
-</p:sld>
-</file>
-
-<file path=ppt/slides/slide23.xml><?xml version="1.0" encoding="utf-8"?>
-<p:sld xmlns:a="http://schemas.openxmlformats.org/drawingml/2006/main" xmlns:r="http://schemas.openxmlformats.org/officeDocument/2006/relationships" xmlns:p="http://schemas.openxmlformats.org/presentationml/2006/main">
-  <p:cSld>
-    <p:spTree>
-      <p:nvGrpSpPr>
-        <p:cNvPr id="1" name=""/>
-        <p:cNvGrpSpPr/>
-        <p:nvPr/>
-      </p:nvGrpSpPr>
-      <p:grpSpPr>
-        <a:xfrm>
-          <a:off x="0" y="0"/>
-          <a:ext cx="0" cy="0"/>
-          <a:chOff x="0" y="0"/>
-          <a:chExt cx="0" cy="0"/>
-        </a:xfrm>
-      </p:grpSpPr>
-      <p:sp>
-        <p:nvSpPr>
-          <p:cNvPr id="2" name="Título 1"/>
-          <p:cNvSpPr>
-            <a:spLocks noGrp="1"/>
-          </p:cNvSpPr>
-          <p:nvPr>
-            <p:ph type="title"/>
-          </p:nvPr>
-        </p:nvSpPr>
-        <p:spPr/>
-        <p:txBody>
-          <a:bodyPr/>
-          <a:lstStyle/>
-          <a:p>
-            <a:r>
-              <a:rPr lang="pt-PT" dirty="0"/>
-              <a:t>Conclusões e Satisfação dos Objetivos</a:t>
-            </a:r>
-          </a:p>
-        </p:txBody>
-      </p:sp>
-    </p:spTree>
-    <p:extLst>
-      <p:ext uri="{BB962C8B-B14F-4D97-AF65-F5344CB8AC3E}">
-        <p14:creationId xmlns:p14="http://schemas.microsoft.com/office/powerpoint/2010/main" val="265096303"/>
       </p:ext>
     </p:extLst>
   </p:cSld>
@@ -13746,6 +15297,58 @@
           <a:p>
             <a:r>
               <a:rPr lang="pt-PT" dirty="0"/>
+              <a:t>Conclusões e Satisfação dos Objetivos</a:t>
+            </a:r>
+          </a:p>
+        </p:txBody>
+      </p:sp>
+    </p:spTree>
+    <p:extLst>
+      <p:ext uri="{BB962C8B-B14F-4D97-AF65-F5344CB8AC3E}">
+        <p14:creationId xmlns:p14="http://schemas.microsoft.com/office/powerpoint/2010/main" val="265096303"/>
+      </p:ext>
+    </p:extLst>
+  </p:cSld>
+  <p:clrMapOvr>
+    <a:masterClrMapping/>
+  </p:clrMapOvr>
+</p:sld>
+</file>
+
+<file path=ppt/slides/slide25.xml><?xml version="1.0" encoding="utf-8"?>
+<p:sld xmlns:a="http://schemas.openxmlformats.org/drawingml/2006/main" xmlns:r="http://schemas.openxmlformats.org/officeDocument/2006/relationships" xmlns:p="http://schemas.openxmlformats.org/presentationml/2006/main">
+  <p:cSld>
+    <p:spTree>
+      <p:nvGrpSpPr>
+        <p:cNvPr id="1" name=""/>
+        <p:cNvGrpSpPr/>
+        <p:nvPr/>
+      </p:nvGrpSpPr>
+      <p:grpSpPr>
+        <a:xfrm>
+          <a:off x="0" y="0"/>
+          <a:ext cx="0" cy="0"/>
+          <a:chOff x="0" y="0"/>
+          <a:chExt cx="0" cy="0"/>
+        </a:xfrm>
+      </p:grpSpPr>
+      <p:sp>
+        <p:nvSpPr>
+          <p:cNvPr id="2" name="Título 1"/>
+          <p:cNvSpPr>
+            <a:spLocks noGrp="1"/>
+          </p:cNvSpPr>
+          <p:nvPr>
+            <p:ph type="title"/>
+          </p:nvPr>
+        </p:nvSpPr>
+        <p:spPr/>
+        <p:txBody>
+          <a:bodyPr/>
+          <a:lstStyle/>
+          <a:p>
+            <a:r>
+              <a:rPr lang="pt-PT" dirty="0"/>
               <a:t>Trabalho Futuro</a:t>
             </a:r>
           </a:p>
@@ -13779,7 +15382,7 @@
                   <a:schemeClr val="bg1"/>
                 </a:solidFill>
               </a:rPr>
-              <a:t>Pesquisa por hierarquia de doenças</a:t>
+              <a:t>Pesquisa por hierarquia de doenças e por região</a:t>
             </a:r>
           </a:p>
           <a:p>
@@ -13844,7 +15447,7 @@
 </p:sld>
 </file>
 
-<file path=ppt/slides/slide25.xml><?xml version="1.0" encoding="utf-8"?>
+<file path=ppt/slides/slide26.xml><?xml version="1.0" encoding="utf-8"?>
 <p:sld xmlns:a="http://schemas.openxmlformats.org/drawingml/2006/main" xmlns:r="http://schemas.openxmlformats.org/officeDocument/2006/relationships" xmlns:p="http://schemas.openxmlformats.org/presentationml/2006/main">
   <p:cSld>
     <p:spTree>
@@ -13945,798 +15548,6 @@
 </p:sld>
 </file>
 
-<file path=ppt/slides/slide26.xml><?xml version="1.0" encoding="utf-8"?>
-<p:sld xmlns:a="http://schemas.openxmlformats.org/drawingml/2006/main" xmlns:r="http://schemas.openxmlformats.org/officeDocument/2006/relationships" xmlns:p="http://schemas.openxmlformats.org/presentationml/2006/main">
-  <p:cSld>
-    <p:spTree>
-      <p:nvGrpSpPr>
-        <p:cNvPr id="1" name=""/>
-        <p:cNvGrpSpPr/>
-        <p:nvPr/>
-      </p:nvGrpSpPr>
-      <p:grpSpPr>
-        <a:xfrm>
-          <a:off x="0" y="0"/>
-          <a:ext cx="0" cy="0"/>
-          <a:chOff x="0" y="0"/>
-          <a:chExt cx="0" cy="0"/>
-        </a:xfrm>
-      </p:grpSpPr>
-      <p:pic>
-        <p:nvPicPr>
-          <p:cNvPr id="4" name="Imagem 3"/>
-          <p:cNvPicPr>
-            <a:picLocks noChangeAspect="1"/>
-          </p:cNvPicPr>
-          <p:nvPr/>
-        </p:nvPicPr>
-        <p:blipFill rotWithShape="1">
-          <a:blip r:embed="rId2">
-            <a:extLst>
-              <a:ext uri="{28A0092B-C50C-407E-A947-70E740481C1C}">
-                <a14:useLocalDpi xmlns:a14="http://schemas.microsoft.com/office/drawing/2010/main" val="0"/>
-              </a:ext>
-            </a:extLst>
-          </a:blip>
-          <a:srcRect t="2857"/>
-          <a:stretch/>
-        </p:blipFill>
-        <p:spPr>
-          <a:xfrm>
-            <a:off x="1224638" y="-93616"/>
-            <a:ext cx="3592285" cy="7047720"/>
-          </a:xfrm>
-          <a:prstGeom prst="rect">
-            <a:avLst/>
-          </a:prstGeom>
-          <a:ln>
-            <a:noFill/>
-          </a:ln>
-          <a:effectLst>
-            <a:softEdge rad="112500"/>
-          </a:effectLst>
-        </p:spPr>
-      </p:pic>
-      <p:pic>
-        <p:nvPicPr>
-          <p:cNvPr id="2" name="Imagem 1"/>
-          <p:cNvPicPr>
-            <a:picLocks noChangeAspect="1"/>
-          </p:cNvPicPr>
-          <p:nvPr/>
-        </p:nvPicPr>
-        <p:blipFill>
-          <a:blip r:embed="rId3">
-            <a:extLst>
-              <a:ext uri="{28A0092B-C50C-407E-A947-70E740481C1C}">
-                <a14:useLocalDpi xmlns:a14="http://schemas.microsoft.com/office/drawing/2010/main" val="0"/>
-              </a:ext>
-            </a:extLst>
-          </a:blip>
-          <a:stretch>
-            <a:fillRect/>
-          </a:stretch>
-        </p:blipFill>
-        <p:spPr>
-          <a:xfrm>
-            <a:off x="5151664" y="2249261"/>
-            <a:ext cx="5905500" cy="4286250"/>
-          </a:xfrm>
-          <a:prstGeom prst="rect">
-            <a:avLst/>
-          </a:prstGeom>
-          <a:ln>
-            <a:noFill/>
-          </a:ln>
-          <a:effectLst>
-            <a:softEdge rad="112500"/>
-          </a:effectLst>
-        </p:spPr>
-      </p:pic>
-      <p:sp>
-        <p:nvSpPr>
-          <p:cNvPr id="3" name="Retângulo 2"/>
-          <p:cNvSpPr/>
-          <p:nvPr/>
-        </p:nvSpPr>
-        <p:spPr>
-          <a:xfrm flipH="1" flipV="1">
-            <a:off x="10461173" y="4310744"/>
-            <a:ext cx="152398" cy="97970"/>
-          </a:xfrm>
-          <a:prstGeom prst="rect">
-            <a:avLst/>
-          </a:prstGeom>
-          <a:solidFill>
-            <a:schemeClr val="tx1"/>
-          </a:solidFill>
-          <a:ln>
-            <a:solidFill>
-              <a:schemeClr val="tx1"/>
-            </a:solidFill>
-          </a:ln>
-        </p:spPr>
-        <p:style>
-          <a:lnRef idx="2">
-            <a:schemeClr val="accent1">
-              <a:shade val="50000"/>
-            </a:schemeClr>
-          </a:lnRef>
-          <a:fillRef idx="1">
-            <a:schemeClr val="accent1"/>
-          </a:fillRef>
-          <a:effectRef idx="0">
-            <a:schemeClr val="accent1"/>
-          </a:effectRef>
-          <a:fontRef idx="minor">
-            <a:schemeClr val="lt1"/>
-          </a:fontRef>
-        </p:style>
-        <p:txBody>
-          <a:bodyPr rtlCol="0" anchor="ctr"/>
-          <a:lstStyle/>
-          <a:p>
-            <a:pPr algn="ctr"/>
-            <a:endParaRPr lang="pt-PT"/>
-          </a:p>
-        </p:txBody>
-      </p:sp>
-    </p:spTree>
-    <p:extLst>
-      <p:ext uri="{BB962C8B-B14F-4D97-AF65-F5344CB8AC3E}">
-        <p14:creationId xmlns:p14="http://schemas.microsoft.com/office/powerpoint/2010/main" val="3128663420"/>
-      </p:ext>
-    </p:extLst>
-  </p:cSld>
-  <p:clrMapOvr>
-    <a:masterClrMapping/>
-  </p:clrMapOvr>
-</p:sld>
-</file>
-
-<file path=ppt/slides/slide27.xml><?xml version="1.0" encoding="utf-8"?>
-<p:sld xmlns:a="http://schemas.openxmlformats.org/drawingml/2006/main" xmlns:r="http://schemas.openxmlformats.org/officeDocument/2006/relationships" xmlns:p="http://schemas.openxmlformats.org/presentationml/2006/main">
-  <p:cSld>
-    <p:spTree>
-      <p:nvGrpSpPr>
-        <p:cNvPr id="1" name=""/>
-        <p:cNvGrpSpPr/>
-        <p:nvPr/>
-      </p:nvGrpSpPr>
-      <p:grpSpPr>
-        <a:xfrm>
-          <a:off x="0" y="0"/>
-          <a:ext cx="0" cy="0"/>
-          <a:chOff x="0" y="0"/>
-          <a:chExt cx="0" cy="0"/>
-        </a:xfrm>
-      </p:grpSpPr>
-      <p:sp>
-        <p:nvSpPr>
-          <p:cNvPr id="2" name="Título 1"/>
-          <p:cNvSpPr>
-            <a:spLocks noGrp="1"/>
-          </p:cNvSpPr>
-          <p:nvPr>
-            <p:ph type="title"/>
-          </p:nvPr>
-        </p:nvSpPr>
-        <p:spPr/>
-        <p:txBody>
-          <a:bodyPr/>
-          <a:lstStyle/>
-          <a:p>
-            <a:r>
-              <a:rPr lang="pt-PT" dirty="0"/>
-              <a:t>Modelo de Referência</a:t>
-            </a:r>
-          </a:p>
-        </p:txBody>
-      </p:sp>
-      <p:graphicFrame>
-        <p:nvGraphicFramePr>
-          <p:cNvPr id="4" name="Marcador de Posição de Conteúdo 3"/>
-          <p:cNvGraphicFramePr>
-            <a:graphicFrameLocks noGrp="1"/>
-          </p:cNvGraphicFramePr>
-          <p:nvPr>
-            <p:ph idx="1"/>
-            <p:extLst>
-              <p:ext uri="{D42A27DB-BD31-4B8C-83A1-F6EECF244321}">
-                <p14:modId xmlns:p14="http://schemas.microsoft.com/office/powerpoint/2010/main" val="2622639493"/>
-              </p:ext>
-            </p:extLst>
-          </p:nvPr>
-        </p:nvGraphicFramePr>
-        <p:xfrm>
-          <a:off x="455034" y="2155372"/>
-          <a:ext cx="10064433" cy="4239520"/>
-        </p:xfrm>
-        <a:graphic>
-          <a:graphicData uri="http://schemas.openxmlformats.org/drawingml/2006/table">
-            <a:tbl>
-              <a:tblPr firstRow="1" firstCol="1" bandRow="1">
-                <a:tableStyleId>{5C22544A-7EE6-4342-B048-85BDC9FD1C3A}</a:tableStyleId>
-              </a:tblPr>
-              <a:tblGrid>
-                <a:gridCol w="1870710">
-                  <a:extLst>
-                    <a:ext uri="{9D8B030D-6E8A-4147-A177-3AD203B41FA5}">
-                      <a16:colId xmlns:a16="http://schemas.microsoft.com/office/drawing/2014/main" val="869859381"/>
-                    </a:ext>
-                  </a:extLst>
-                </a:gridCol>
-                <a:gridCol w="8193723">
-                  <a:extLst>
-                    <a:ext uri="{9D8B030D-6E8A-4147-A177-3AD203B41FA5}">
-                      <a16:colId xmlns:a16="http://schemas.microsoft.com/office/drawing/2014/main" val="2014064148"/>
-                    </a:ext>
-                  </a:extLst>
-                </a:gridCol>
-              </a:tblGrid>
-              <a:tr h="0">
-                <a:tc>
-                  <a:txBody>
-                    <a:bodyPr/>
-                    <a:lstStyle/>
-                    <a:p>
-                      <a:pPr indent="288290" algn="l">
-                        <a:lnSpc>
-                          <a:spcPts val="1700"/>
-                        </a:lnSpc>
-                        <a:spcAft>
-                          <a:spcPts val="0"/>
-                        </a:spcAft>
-                      </a:pPr>
-                      <a:r>
-                        <a:rPr lang="pt-PT" sz="1600">
-                          <a:effectLst/>
-                        </a:rPr>
-                        <a:t>EHR</a:t>
-                      </a:r>
-                      <a:endParaRPr lang="pt-PT" sz="1600">
-                        <a:effectLst/>
-                        <a:latin typeface="Times" panose="02020603050405020304" pitchFamily="18" charset="0"/>
-                        <a:ea typeface="Nimbus Sans L"/>
-                        <a:cs typeface="Times New Roman" panose="02020603050405020304" pitchFamily="18" charset="0"/>
-                      </a:endParaRPr>
-                    </a:p>
-                  </a:txBody>
-                  <a:tcPr marL="137160" marR="137160" marT="137160" marB="137160" anchor="ctr"/>
-                </a:tc>
-                <a:tc>
-                  <a:txBody>
-                    <a:bodyPr/>
-                    <a:lstStyle/>
-                    <a:p>
-                      <a:pPr indent="288290" algn="l">
-                        <a:lnSpc>
-                          <a:spcPts val="1700"/>
-                        </a:lnSpc>
-                        <a:spcAft>
-                          <a:spcPts val="0"/>
-                        </a:spcAft>
-                      </a:pPr>
-                      <a:r>
-                        <a:rPr lang="pt-PT" sz="1600" b="0" dirty="0">
-                          <a:solidFill>
-                            <a:schemeClr val="bg1"/>
-                          </a:solidFill>
-                          <a:effectLst/>
-                        </a:rPr>
-                        <a:t>Registo clínico eletrónico por pessoa</a:t>
-                      </a:r>
-                      <a:endParaRPr lang="pt-PT" sz="1600" b="0" dirty="0">
-                        <a:solidFill>
-                          <a:schemeClr val="bg1"/>
-                        </a:solidFill>
-                        <a:effectLst/>
-                        <a:latin typeface="Times" panose="02020603050405020304" pitchFamily="18" charset="0"/>
-                        <a:ea typeface="Nimbus Sans L"/>
-                        <a:cs typeface="Times New Roman" panose="02020603050405020304" pitchFamily="18" charset="0"/>
-                      </a:endParaRPr>
-                    </a:p>
-                  </a:txBody>
-                  <a:tcPr marL="137160" marR="137160" marT="137160" marB="137160" anchor="ctr">
-                    <a:solidFill>
-                      <a:srgbClr val="FCEFE7"/>
-                    </a:solidFill>
-                  </a:tcPr>
-                </a:tc>
-                <a:extLst>
-                  <a:ext uri="{0D108BD9-81ED-4DB2-BD59-A6C34878D82A}">
-                    <a16:rowId xmlns:a16="http://schemas.microsoft.com/office/drawing/2014/main" val="4121962087"/>
-                  </a:ext>
-                </a:extLst>
-              </a:tr>
-              <a:tr h="543180">
-                <a:tc>
-                  <a:txBody>
-                    <a:bodyPr/>
-                    <a:lstStyle/>
-                    <a:p>
-                      <a:pPr indent="288290" algn="l">
-                        <a:lnSpc>
-                          <a:spcPts val="1700"/>
-                        </a:lnSpc>
-                        <a:spcAft>
-                          <a:spcPts val="0"/>
-                        </a:spcAft>
-                      </a:pPr>
-                      <a:r>
-                        <a:rPr lang="pt-PT" sz="1600" dirty="0" err="1">
-                          <a:effectLst/>
-                        </a:rPr>
-                        <a:t>Folders</a:t>
-                      </a:r>
-                      <a:endParaRPr lang="pt-PT" sz="1600" dirty="0">
-                        <a:effectLst/>
-                        <a:latin typeface="Times" panose="02020603050405020304" pitchFamily="18" charset="0"/>
-                        <a:ea typeface="Nimbus Sans L"/>
-                        <a:cs typeface="Times New Roman" panose="02020603050405020304" pitchFamily="18" charset="0"/>
-                      </a:endParaRPr>
-                    </a:p>
-                  </a:txBody>
-                  <a:tcPr marL="137160" marR="137160" marT="137160" marB="137160" anchor="ctr"/>
-                </a:tc>
-                <a:tc>
-                  <a:txBody>
-                    <a:bodyPr/>
-                    <a:lstStyle/>
-                    <a:p>
-                      <a:pPr indent="288290" algn="l">
-                        <a:lnSpc>
-                          <a:spcPts val="1700"/>
-                        </a:lnSpc>
-                        <a:spcAft>
-                          <a:spcPts val="0"/>
-                        </a:spcAft>
-                      </a:pPr>
-                      <a:r>
-                        <a:rPr lang="pt-PT" sz="1600" dirty="0">
-                          <a:effectLst/>
-                        </a:rPr>
-                        <a:t>Organização de alto nível do EHR (ex.: por episódio, por especialidade clínica)</a:t>
-                      </a:r>
-                      <a:endParaRPr lang="pt-PT" sz="1600" dirty="0">
-                        <a:effectLst/>
-                        <a:latin typeface="Times" panose="02020603050405020304" pitchFamily="18" charset="0"/>
-                        <a:ea typeface="Nimbus Sans L"/>
-                        <a:cs typeface="Times New Roman" panose="02020603050405020304" pitchFamily="18" charset="0"/>
-                      </a:endParaRPr>
-                    </a:p>
-                  </a:txBody>
-                  <a:tcPr marL="137160" marR="137160" marT="137160" marB="137160" anchor="ctr"/>
-                </a:tc>
-                <a:extLst>
-                  <a:ext uri="{0D108BD9-81ED-4DB2-BD59-A6C34878D82A}">
-                    <a16:rowId xmlns:a16="http://schemas.microsoft.com/office/drawing/2014/main" val="703749036"/>
-                  </a:ext>
-                </a:extLst>
-              </a:tr>
-              <a:tr h="543180">
-                <a:tc>
-                  <a:txBody>
-                    <a:bodyPr/>
-                    <a:lstStyle/>
-                    <a:p>
-                      <a:pPr indent="288290" algn="l">
-                        <a:lnSpc>
-                          <a:spcPts val="1700"/>
-                        </a:lnSpc>
-                        <a:spcAft>
-                          <a:spcPts val="0"/>
-                        </a:spcAft>
-                      </a:pPr>
-                      <a:r>
-                        <a:rPr lang="pt-PT" sz="1600">
-                          <a:effectLst/>
-                        </a:rPr>
-                        <a:t>Compositions</a:t>
-                      </a:r>
-                      <a:endParaRPr lang="pt-PT" sz="1600">
-                        <a:effectLst/>
-                        <a:latin typeface="Times" panose="02020603050405020304" pitchFamily="18" charset="0"/>
-                        <a:ea typeface="Nimbus Sans L"/>
-                        <a:cs typeface="Times New Roman" panose="02020603050405020304" pitchFamily="18" charset="0"/>
-                      </a:endParaRPr>
-                    </a:p>
-                  </a:txBody>
-                  <a:tcPr marL="137160" marR="137160" marT="137160" marB="137160" anchor="ctr"/>
-                </a:tc>
-                <a:tc>
-                  <a:txBody>
-                    <a:bodyPr/>
-                    <a:lstStyle/>
-                    <a:p>
-                      <a:pPr indent="288290" algn="l">
-                        <a:lnSpc>
-                          <a:spcPts val="1700"/>
-                        </a:lnSpc>
-                        <a:spcAft>
-                          <a:spcPts val="0"/>
-                        </a:spcAft>
-                      </a:pPr>
-                      <a:r>
-                        <a:rPr lang="pt-PT" sz="1600" dirty="0">
-                          <a:effectLst/>
-                        </a:rPr>
-                        <a:t>Conjunto de entradas (</a:t>
-                      </a:r>
-                      <a:r>
-                        <a:rPr lang="pt-PT" sz="1600" dirty="0" err="1">
-                          <a:effectLst/>
-                        </a:rPr>
-                        <a:t>Entries</a:t>
-                      </a:r>
-                      <a:r>
-                        <a:rPr lang="pt-PT" sz="1600" dirty="0">
-                          <a:effectLst/>
-                        </a:rPr>
-                        <a:t>) submetidas numa determinada data (ex.: relatório)</a:t>
-                      </a:r>
-                      <a:endParaRPr lang="pt-PT" sz="1600" dirty="0">
-                        <a:effectLst/>
-                        <a:latin typeface="Times" panose="02020603050405020304" pitchFamily="18" charset="0"/>
-                        <a:ea typeface="Nimbus Sans L"/>
-                        <a:cs typeface="Times New Roman" panose="02020603050405020304" pitchFamily="18" charset="0"/>
-                      </a:endParaRPr>
-                    </a:p>
-                  </a:txBody>
-                  <a:tcPr marL="137160" marR="137160" marT="137160" marB="137160" anchor="ctr">
-                    <a:solidFill>
-                      <a:srgbClr val="FCEFE7"/>
-                    </a:solidFill>
-                  </a:tcPr>
-                </a:tc>
-                <a:extLst>
-                  <a:ext uri="{0D108BD9-81ED-4DB2-BD59-A6C34878D82A}">
-                    <a16:rowId xmlns:a16="http://schemas.microsoft.com/office/drawing/2014/main" val="185048637"/>
-                  </a:ext>
-                </a:extLst>
-              </a:tr>
-              <a:tr h="543180">
-                <a:tc>
-                  <a:txBody>
-                    <a:bodyPr/>
-                    <a:lstStyle/>
-                    <a:p>
-                      <a:pPr indent="288290" algn="l">
-                        <a:lnSpc>
-                          <a:spcPts val="1700"/>
-                        </a:lnSpc>
-                        <a:spcAft>
-                          <a:spcPts val="0"/>
-                        </a:spcAft>
-                      </a:pPr>
-                      <a:r>
-                        <a:rPr lang="pt-PT" sz="1600">
-                          <a:effectLst/>
-                        </a:rPr>
-                        <a:t>Sections</a:t>
-                      </a:r>
-                      <a:endParaRPr lang="pt-PT" sz="1600">
-                        <a:effectLst/>
-                        <a:latin typeface="Times" panose="02020603050405020304" pitchFamily="18" charset="0"/>
-                        <a:ea typeface="Nimbus Sans L"/>
-                        <a:cs typeface="Times New Roman" panose="02020603050405020304" pitchFamily="18" charset="0"/>
-                      </a:endParaRPr>
-                    </a:p>
-                  </a:txBody>
-                  <a:tcPr marL="137160" marR="137160" marT="137160" marB="137160" anchor="ctr"/>
-                </a:tc>
-                <a:tc>
-                  <a:txBody>
-                    <a:bodyPr/>
-                    <a:lstStyle/>
-                    <a:p>
-                      <a:pPr indent="288290" algn="l">
-                        <a:lnSpc>
-                          <a:spcPts val="1700"/>
-                        </a:lnSpc>
-                        <a:spcAft>
-                          <a:spcPts val="0"/>
-                        </a:spcAft>
-                      </a:pPr>
-                      <a:r>
-                        <a:rPr lang="pt-PT" sz="1600" dirty="0">
-                          <a:effectLst/>
-                        </a:rPr>
-                        <a:t>Cabeçalhos clínicos que refletem o fluxo de trabalho</a:t>
-                      </a:r>
-                      <a:endParaRPr lang="pt-PT" sz="1600" dirty="0">
-                        <a:effectLst/>
-                        <a:latin typeface="Times" panose="02020603050405020304" pitchFamily="18" charset="0"/>
-                        <a:ea typeface="Nimbus Sans L"/>
-                        <a:cs typeface="Times New Roman" panose="02020603050405020304" pitchFamily="18" charset="0"/>
-                      </a:endParaRPr>
-                    </a:p>
-                  </a:txBody>
-                  <a:tcPr marL="137160" marR="137160" marT="137160" marB="137160" anchor="ctr"/>
-                </a:tc>
-                <a:extLst>
-                  <a:ext uri="{0D108BD9-81ED-4DB2-BD59-A6C34878D82A}">
-                    <a16:rowId xmlns:a16="http://schemas.microsoft.com/office/drawing/2014/main" val="583077888"/>
-                  </a:ext>
-                </a:extLst>
-              </a:tr>
-              <a:tr h="0">
-                <a:tc>
-                  <a:txBody>
-                    <a:bodyPr/>
-                    <a:lstStyle/>
-                    <a:p>
-                      <a:pPr indent="288290" algn="l">
-                        <a:lnSpc>
-                          <a:spcPts val="1700"/>
-                        </a:lnSpc>
-                        <a:spcAft>
-                          <a:spcPts val="0"/>
-                        </a:spcAft>
-                      </a:pPr>
-                      <a:r>
-                        <a:rPr lang="pt-PT" sz="1600">
-                          <a:effectLst/>
-                        </a:rPr>
-                        <a:t>Entries</a:t>
-                      </a:r>
-                      <a:endParaRPr lang="pt-PT" sz="1600">
-                        <a:effectLst/>
-                        <a:latin typeface="Times" panose="02020603050405020304" pitchFamily="18" charset="0"/>
-                        <a:ea typeface="Nimbus Sans L"/>
-                        <a:cs typeface="Times New Roman" panose="02020603050405020304" pitchFamily="18" charset="0"/>
-                      </a:endParaRPr>
-                    </a:p>
-                  </a:txBody>
-                  <a:tcPr marL="137160" marR="137160" marT="137160" marB="137160" anchor="ctr"/>
-                </a:tc>
-                <a:tc>
-                  <a:txBody>
-                    <a:bodyPr/>
-                    <a:lstStyle/>
-                    <a:p>
-                      <a:pPr indent="288290" algn="l">
-                        <a:lnSpc>
-                          <a:spcPts val="1700"/>
-                        </a:lnSpc>
-                        <a:spcAft>
-                          <a:spcPts val="0"/>
-                        </a:spcAft>
-                      </a:pPr>
-                      <a:r>
-                        <a:rPr lang="pt-PT" sz="1600">
-                          <a:effectLst/>
-                        </a:rPr>
-                        <a:t>Declarações clínicas sobre observações, avaliações e instruções</a:t>
-                      </a:r>
-                      <a:endParaRPr lang="pt-PT" sz="1600">
-                        <a:effectLst/>
-                        <a:latin typeface="Times" panose="02020603050405020304" pitchFamily="18" charset="0"/>
-                        <a:ea typeface="Nimbus Sans L"/>
-                        <a:cs typeface="Times New Roman" panose="02020603050405020304" pitchFamily="18" charset="0"/>
-                      </a:endParaRPr>
-                    </a:p>
-                  </a:txBody>
-                  <a:tcPr marL="137160" marR="137160" marT="137160" marB="137160" anchor="ctr"/>
-                </a:tc>
-                <a:extLst>
-                  <a:ext uri="{0D108BD9-81ED-4DB2-BD59-A6C34878D82A}">
-                    <a16:rowId xmlns:a16="http://schemas.microsoft.com/office/drawing/2014/main" val="773443813"/>
-                  </a:ext>
-                </a:extLst>
-              </a:tr>
-              <a:tr h="543180">
-                <a:tc>
-                  <a:txBody>
-                    <a:bodyPr/>
-                    <a:lstStyle/>
-                    <a:p>
-                      <a:pPr indent="288290" algn="l">
-                        <a:lnSpc>
-                          <a:spcPts val="1700"/>
-                        </a:lnSpc>
-                        <a:spcAft>
-                          <a:spcPts val="0"/>
-                        </a:spcAft>
-                      </a:pPr>
-                      <a:r>
-                        <a:rPr lang="pt-PT" sz="1600">
-                          <a:effectLst/>
-                        </a:rPr>
-                        <a:t>Clusters</a:t>
-                      </a:r>
-                      <a:endParaRPr lang="pt-PT" sz="1600">
-                        <a:effectLst/>
-                        <a:latin typeface="Times" panose="02020603050405020304" pitchFamily="18" charset="0"/>
-                        <a:ea typeface="Nimbus Sans L"/>
-                        <a:cs typeface="Times New Roman" panose="02020603050405020304" pitchFamily="18" charset="0"/>
-                      </a:endParaRPr>
-                    </a:p>
-                  </a:txBody>
-                  <a:tcPr marL="137160" marR="137160" marT="137160" marB="137160" anchor="ctr"/>
-                </a:tc>
-                <a:tc>
-                  <a:txBody>
-                    <a:bodyPr/>
-                    <a:lstStyle/>
-                    <a:p>
-                      <a:pPr indent="288290" algn="l">
-                        <a:lnSpc>
-                          <a:spcPts val="1700"/>
-                        </a:lnSpc>
-                        <a:spcAft>
-                          <a:spcPts val="0"/>
-                        </a:spcAft>
-                      </a:pPr>
-                      <a:r>
-                        <a:rPr lang="pt-PT" sz="1600">
-                          <a:effectLst/>
-                        </a:rPr>
-                        <a:t>Entradas compostas</a:t>
-                      </a:r>
-                      <a:endParaRPr lang="pt-PT" sz="1600">
-                        <a:effectLst/>
-                        <a:latin typeface="Times" panose="02020603050405020304" pitchFamily="18" charset="0"/>
-                        <a:ea typeface="Nimbus Sans L"/>
-                        <a:cs typeface="Times New Roman" panose="02020603050405020304" pitchFamily="18" charset="0"/>
-                      </a:endParaRPr>
-                    </a:p>
-                  </a:txBody>
-                  <a:tcPr marL="137160" marR="137160" marT="137160" marB="137160" anchor="ctr"/>
-                </a:tc>
-                <a:extLst>
-                  <a:ext uri="{0D108BD9-81ED-4DB2-BD59-A6C34878D82A}">
-                    <a16:rowId xmlns:a16="http://schemas.microsoft.com/office/drawing/2014/main" val="1355369096"/>
-                  </a:ext>
-                </a:extLst>
-              </a:tr>
-              <a:tr h="543180">
-                <a:tc>
-                  <a:txBody>
-                    <a:bodyPr/>
-                    <a:lstStyle/>
-                    <a:p>
-                      <a:pPr indent="288290" algn="l">
-                        <a:lnSpc>
-                          <a:spcPts val="1700"/>
-                        </a:lnSpc>
-                        <a:spcAft>
-                          <a:spcPts val="0"/>
-                        </a:spcAft>
-                      </a:pPr>
-                      <a:r>
-                        <a:rPr lang="pt-PT" sz="1600">
-                          <a:effectLst/>
-                        </a:rPr>
-                        <a:t>Elements</a:t>
-                      </a:r>
-                      <a:endParaRPr lang="pt-PT" sz="1600">
-                        <a:effectLst/>
-                        <a:latin typeface="Times" panose="02020603050405020304" pitchFamily="18" charset="0"/>
-                        <a:ea typeface="Nimbus Sans L"/>
-                        <a:cs typeface="Times New Roman" panose="02020603050405020304" pitchFamily="18" charset="0"/>
-                      </a:endParaRPr>
-                    </a:p>
-                  </a:txBody>
-                  <a:tcPr marL="137160" marR="137160" marT="137160" marB="137160" anchor="ctr"/>
-                </a:tc>
-                <a:tc>
-                  <a:txBody>
-                    <a:bodyPr/>
-                    <a:lstStyle/>
-                    <a:p>
-                      <a:pPr indent="288290" algn="l">
-                        <a:lnSpc>
-                          <a:spcPts val="1700"/>
-                        </a:lnSpc>
-                        <a:spcAft>
-                          <a:spcPts val="0"/>
-                        </a:spcAft>
-                      </a:pPr>
-                      <a:r>
-                        <a:rPr lang="pt-PT" sz="1600">
-                          <a:effectLst/>
-                        </a:rPr>
-                        <a:t>Entradas elementares</a:t>
-                      </a:r>
-                      <a:endParaRPr lang="pt-PT" sz="1600">
-                        <a:effectLst/>
-                        <a:latin typeface="Times" panose="02020603050405020304" pitchFamily="18" charset="0"/>
-                        <a:ea typeface="Nimbus Sans L"/>
-                        <a:cs typeface="Times New Roman" panose="02020603050405020304" pitchFamily="18" charset="0"/>
-                      </a:endParaRPr>
-                    </a:p>
-                  </a:txBody>
-                  <a:tcPr marL="137160" marR="137160" marT="137160" marB="137160" anchor="ctr"/>
-                </a:tc>
-                <a:extLst>
-                  <a:ext uri="{0D108BD9-81ED-4DB2-BD59-A6C34878D82A}">
-                    <a16:rowId xmlns:a16="http://schemas.microsoft.com/office/drawing/2014/main" val="1908589626"/>
-                  </a:ext>
-                </a:extLst>
-              </a:tr>
-              <a:tr h="543180">
-                <a:tc>
-                  <a:txBody>
-                    <a:bodyPr/>
-                    <a:lstStyle/>
-                    <a:p>
-                      <a:pPr indent="288290" algn="l">
-                        <a:lnSpc>
-                          <a:spcPts val="1700"/>
-                        </a:lnSpc>
-                        <a:spcAft>
-                          <a:spcPts val="0"/>
-                        </a:spcAft>
-                      </a:pPr>
-                      <a:r>
-                        <a:rPr lang="pt-PT" sz="1600">
-                          <a:effectLst/>
-                        </a:rPr>
-                        <a:t>Data values</a:t>
-                      </a:r>
-                      <a:endParaRPr lang="pt-PT" sz="1600">
-                        <a:effectLst/>
-                        <a:latin typeface="Times" panose="02020603050405020304" pitchFamily="18" charset="0"/>
-                        <a:ea typeface="Nimbus Sans L"/>
-                        <a:cs typeface="Times New Roman" panose="02020603050405020304" pitchFamily="18" charset="0"/>
-                      </a:endParaRPr>
-                    </a:p>
-                  </a:txBody>
-                  <a:tcPr marL="137160" marR="137160" marT="137160" marB="137160" anchor="ctr"/>
-                </a:tc>
-                <a:tc>
-                  <a:txBody>
-                    <a:bodyPr/>
-                    <a:lstStyle/>
-                    <a:p>
-                      <a:pPr indent="288290" algn="l">
-                        <a:lnSpc>
-                          <a:spcPts val="1700"/>
-                        </a:lnSpc>
-                        <a:spcAft>
-                          <a:spcPts val="0"/>
-                        </a:spcAft>
-                      </a:pPr>
-                      <a:r>
-                        <a:rPr lang="pt-PT" sz="1600" dirty="0">
-                          <a:effectLst/>
-                        </a:rPr>
-                        <a:t>Termos codificados do conjunto de termos</a:t>
-                      </a:r>
-                      <a:endParaRPr lang="pt-PT" sz="1600" dirty="0">
-                        <a:effectLst/>
-                        <a:latin typeface="Times" panose="02020603050405020304" pitchFamily="18" charset="0"/>
-                        <a:ea typeface="Nimbus Sans L"/>
-                        <a:cs typeface="Times New Roman" panose="02020603050405020304" pitchFamily="18" charset="0"/>
-                      </a:endParaRPr>
-                    </a:p>
-                  </a:txBody>
-                  <a:tcPr marL="137160" marR="137160" marT="137160" marB="137160" anchor="ctr"/>
-                </a:tc>
-                <a:extLst>
-                  <a:ext uri="{0D108BD9-81ED-4DB2-BD59-A6C34878D82A}">
-                    <a16:rowId xmlns:a16="http://schemas.microsoft.com/office/drawing/2014/main" val="962910753"/>
-                  </a:ext>
-                </a:extLst>
-              </a:tr>
-            </a:tbl>
-          </a:graphicData>
-        </a:graphic>
-      </p:graphicFrame>
-    </p:spTree>
-    <p:extLst>
-      <p:ext uri="{BB962C8B-B14F-4D97-AF65-F5344CB8AC3E}">
-        <p14:creationId xmlns:p14="http://schemas.microsoft.com/office/powerpoint/2010/main" val="2481760121"/>
-      </p:ext>
-    </p:extLst>
-  </p:cSld>
-  <p:clrMapOvr>
-    <a:masterClrMapping/>
-  </p:clrMapOvr>
-</p:sld>
-</file>
-
 <file path=ppt/slides/slide3.xml><?xml version="1.0" encoding="utf-8"?>
 <p:sld xmlns:a="http://schemas.openxmlformats.org/drawingml/2006/main" xmlns:r="http://schemas.openxmlformats.org/officeDocument/2006/relationships" xmlns:p="http://schemas.openxmlformats.org/presentationml/2006/main">
   <p:cSld>
@@ -14890,7 +15701,7 @@
                   <a:schemeClr val="bg1"/>
                 </a:solidFill>
               </a:rPr>
-              <a:t>Surgem ferramentas indexação e pesquisa de informação</a:t>
+              <a:t>Existem ferramentas de indexação e pesquisa de informação</a:t>
             </a:r>
           </a:p>
           <a:p>
@@ -15352,25 +16163,7 @@
                   <a:schemeClr val="bg1"/>
                 </a:solidFill>
               </a:rPr>
-              <a:t>O objetivo desta solução é:</a:t>
-            </a:r>
-          </a:p>
-          <a:p>
-            <a:endParaRPr lang="pt-PT" dirty="0">
-              <a:solidFill>
-                <a:schemeClr val="bg1"/>
-              </a:solidFill>
-            </a:endParaRPr>
-          </a:p>
-          <a:p>
-            <a:pPr lvl="1"/>
-            <a:r>
-              <a:rPr lang="pt-PT" dirty="0">
-                <a:solidFill>
-                  <a:schemeClr val="bg1"/>
-                </a:solidFill>
-              </a:rPr>
-              <a:t>Proporcionar melhores condições de acesso e pesquisa de informação clínica</a:t>
+              <a:t>O objetivo da dissertação é:</a:t>
             </a:r>
           </a:p>
           <a:p>
@@ -15384,13 +16177,98 @@
           <a:p>
             <a:pPr lvl="1"/>
             <a:r>
+              <a:rPr lang="en-GB" dirty="0" err="1">
+                <a:solidFill>
+                  <a:schemeClr val="bg1"/>
+                </a:solidFill>
+              </a:rPr>
+              <a:t>Permitir</a:t>
+            </a:r>
+            <a:r>
               <a:rPr lang="pt-PT" dirty="0">
                 <a:solidFill>
                   <a:schemeClr val="bg1"/>
                 </a:solidFill>
               </a:rPr>
-              <a:t>Aglomerando a informação num só local</a:t>
-            </a:r>
+              <a:t> uma pesquisa em texto </a:t>
+            </a:r>
+            <a:r>
+              <a:rPr lang="en-GB" dirty="0">
+                <a:solidFill>
+                  <a:schemeClr val="bg1"/>
+                </a:solidFill>
+              </a:rPr>
+              <a:t>integral que combine </a:t>
+            </a:r>
+            <a:r>
+              <a:rPr lang="en-GB" dirty="0" err="1">
+                <a:solidFill>
+                  <a:schemeClr val="bg1"/>
+                </a:solidFill>
+              </a:rPr>
+              <a:t>conteúdo</a:t>
+            </a:r>
+            <a:r>
+              <a:rPr lang="en-GB" dirty="0">
+                <a:solidFill>
+                  <a:schemeClr val="bg1"/>
+                </a:solidFill>
+              </a:rPr>
+              <a:t> de </a:t>
+            </a:r>
+            <a:r>
+              <a:rPr lang="en-GB" dirty="0" err="1">
+                <a:solidFill>
+                  <a:schemeClr val="bg1"/>
+                </a:solidFill>
+              </a:rPr>
+              <a:t>documentos</a:t>
+            </a:r>
+            <a:r>
+              <a:rPr lang="en-GB" dirty="0">
+                <a:solidFill>
+                  <a:schemeClr val="bg1"/>
+                </a:solidFill>
+              </a:rPr>
+              <a:t> com </a:t>
+            </a:r>
+            <a:r>
+              <a:rPr lang="en-GB" dirty="0" err="1">
+                <a:solidFill>
+                  <a:schemeClr val="bg1"/>
+                </a:solidFill>
+              </a:rPr>
+              <a:t>conteúdo</a:t>
+            </a:r>
+            <a:r>
+              <a:rPr lang="en-GB" dirty="0">
+                <a:solidFill>
+                  <a:schemeClr val="bg1"/>
+                </a:solidFill>
+              </a:rPr>
+              <a:t> de </a:t>
+            </a:r>
+            <a:r>
+              <a:rPr lang="en-GB" dirty="0" err="1">
+                <a:solidFill>
+                  <a:schemeClr val="bg1"/>
+                </a:solidFill>
+              </a:rPr>
+              <a:t>colunas</a:t>
+            </a:r>
+            <a:r>
+              <a:rPr lang="en-GB" dirty="0">
+                <a:solidFill>
+                  <a:schemeClr val="bg1"/>
+                </a:solidFill>
+              </a:rPr>
+              <a:t> de base de dados</a:t>
+            </a:r>
+            <a:endParaRPr lang="pt-PT" dirty="0">
+              <a:solidFill>
+                <a:schemeClr val="bg1"/>
+              </a:solidFill>
+            </a:endParaRPr>
           </a:p>
           <a:p>
             <a:pPr lvl="1"/>
@@ -15408,8 +16286,48 @@
                   <a:schemeClr val="bg1"/>
                 </a:solidFill>
               </a:rPr>
-              <a:t>Relacionando a informação</a:t>
-            </a:r>
+              <a:t>Aglomerar a informação usando o </a:t>
+            </a:r>
+            <a:r>
+              <a:rPr lang="pt-PT" dirty="0" err="1">
+                <a:solidFill>
+                  <a:schemeClr val="bg1"/>
+                </a:solidFill>
+              </a:rPr>
+              <a:t>openEHR</a:t>
+            </a:r>
+            <a:endParaRPr lang="pt-PT" dirty="0">
+              <a:solidFill>
+                <a:schemeClr val="bg1"/>
+              </a:solidFill>
+            </a:endParaRPr>
+          </a:p>
+          <a:p>
+            <a:pPr lvl="1"/>
+            <a:endParaRPr lang="en-GB" dirty="0">
+              <a:solidFill>
+                <a:schemeClr val="bg1"/>
+              </a:solidFill>
+            </a:endParaRPr>
+          </a:p>
+          <a:p>
+            <a:pPr lvl="1"/>
+            <a:r>
+              <a:rPr lang="pt-PT" dirty="0">
+                <a:solidFill>
+                  <a:schemeClr val="bg1"/>
+                </a:solidFill>
+              </a:rPr>
+              <a:t>Apresentar os resultados tipo Google</a:t>
+            </a:r>
+          </a:p>
+          <a:p>
+            <a:pPr lvl="1"/>
+            <a:endParaRPr lang="pt-PT" dirty="0">
+              <a:solidFill>
+                <a:schemeClr val="bg1"/>
+              </a:solidFill>
+            </a:endParaRPr>
           </a:p>
         </p:txBody>
       </p:sp>
@@ -15489,68 +16407,183 @@
             </a:endParaRPr>
           </a:p>
           <a:p>
-            <a:pPr marL="457200" indent="-457200">
-              <a:buFont typeface="+mj-lt"/>
-              <a:buAutoNum type="arabicPeriod"/>
-            </a:pPr>
-            <a:r>
-              <a:rPr lang="pt-PT" dirty="0">
+            <a:r>
+              <a:rPr lang="en-GB" dirty="0">
                 <a:solidFill>
                   <a:schemeClr val="bg1"/>
                 </a:solidFill>
               </a:rPr>
-              <a:t>Agregar a informação numa só estrutura</a:t>
-            </a:r>
-          </a:p>
-          <a:p>
-            <a:pPr marL="457200" indent="-457200">
-              <a:buFont typeface="+mj-lt"/>
-              <a:buAutoNum type="arabicPeriod"/>
-            </a:pPr>
+              <a:t>Converter </a:t>
+            </a:r>
+            <a:r>
+              <a:rPr lang="en-GB" dirty="0" err="1">
+                <a:solidFill>
+                  <a:schemeClr val="bg1"/>
+                </a:solidFill>
+              </a:rPr>
+              <a:t>os</a:t>
+            </a:r>
+            <a:r>
+              <a:rPr lang="en-GB" dirty="0">
+                <a:solidFill>
+                  <a:schemeClr val="bg1"/>
+                </a:solidFill>
+              </a:rPr>
+              <a:t> dados da BD </a:t>
+            </a:r>
+            <a:r>
+              <a:rPr lang="en-GB" dirty="0" err="1">
+                <a:solidFill>
+                  <a:schemeClr val="bg1"/>
+                </a:solidFill>
+              </a:rPr>
+              <a:t>fonte</a:t>
+            </a:r>
+            <a:r>
+              <a:rPr lang="en-GB" dirty="0">
+                <a:solidFill>
+                  <a:schemeClr val="bg1"/>
+                </a:solidFill>
+              </a:rPr>
+              <a:t> (</a:t>
+            </a:r>
+            <a:r>
+              <a:rPr lang="en-GB" dirty="0" err="1">
+                <a:solidFill>
+                  <a:schemeClr val="bg1"/>
+                </a:solidFill>
+              </a:rPr>
+              <a:t>EResults</a:t>
+            </a:r>
+            <a:r>
+              <a:rPr lang="en-GB" dirty="0">
+                <a:solidFill>
+                  <a:schemeClr val="bg1"/>
+                </a:solidFill>
+              </a:rPr>
+              <a:t> da </a:t>
+            </a:r>
+            <a:r>
+              <a:rPr lang="en-GB" dirty="0" err="1">
+                <a:solidFill>
+                  <a:schemeClr val="bg1"/>
+                </a:solidFill>
+              </a:rPr>
+              <a:t>Glintt</a:t>
+            </a:r>
+            <a:r>
+              <a:rPr lang="en-GB" dirty="0">
+                <a:solidFill>
+                  <a:schemeClr val="bg1"/>
+                </a:solidFill>
+              </a:rPr>
+              <a:t>) para </a:t>
+            </a:r>
+            <a:r>
+              <a:rPr lang="en-GB" dirty="0" err="1">
+                <a:solidFill>
+                  <a:schemeClr val="bg1"/>
+                </a:solidFill>
+              </a:rPr>
+              <a:t>openEHR</a:t>
+            </a:r>
+            <a:endParaRPr lang="en-GB" dirty="0">
+              <a:solidFill>
+                <a:schemeClr val="bg1"/>
+              </a:solidFill>
+            </a:endParaRPr>
+          </a:p>
+          <a:p>
+            <a:endParaRPr lang="en-GB" dirty="0">
+              <a:solidFill>
+                <a:schemeClr val="bg1"/>
+              </a:solidFill>
+            </a:endParaRPr>
+          </a:p>
+          <a:p>
+            <a:r>
+              <a:rPr lang="en-GB" dirty="0" err="1">
+                <a:solidFill>
+                  <a:schemeClr val="bg1"/>
+                </a:solidFill>
+              </a:rPr>
+              <a:t>Indexar</a:t>
+            </a:r>
+            <a:r>
+              <a:rPr lang="en-GB" dirty="0">
+                <a:solidFill>
+                  <a:schemeClr val="bg1"/>
+                </a:solidFill>
+              </a:rPr>
+              <a:t> com o </a:t>
+            </a:r>
+            <a:r>
+              <a:rPr lang="en-GB" dirty="0" err="1">
+                <a:solidFill>
+                  <a:schemeClr val="bg1"/>
+                </a:solidFill>
+              </a:rPr>
+              <a:t>Solr</a:t>
+            </a:r>
+            <a:endParaRPr lang="en-GB" dirty="0">
+              <a:solidFill>
+                <a:schemeClr val="bg1"/>
+              </a:solidFill>
+            </a:endParaRPr>
+          </a:p>
+          <a:p>
+            <a:endParaRPr lang="en-GB" dirty="0">
+              <a:solidFill>
+                <a:schemeClr val="bg1"/>
+              </a:solidFill>
+            </a:endParaRPr>
+          </a:p>
+          <a:p>
+            <a:r>
+              <a:rPr lang="en-GB" dirty="0" err="1">
+                <a:solidFill>
+                  <a:schemeClr val="bg1"/>
+                </a:solidFill>
+              </a:rPr>
+              <a:t>Preparar</a:t>
+            </a:r>
+            <a:r>
+              <a:rPr lang="en-GB" dirty="0">
+                <a:solidFill>
+                  <a:schemeClr val="bg1"/>
+                </a:solidFill>
+              </a:rPr>
+              <a:t> </a:t>
+            </a:r>
+            <a:r>
+              <a:rPr lang="en-GB" dirty="0" err="1">
+                <a:solidFill>
+                  <a:schemeClr val="bg1"/>
+                </a:solidFill>
+              </a:rPr>
+              <a:t>uma</a:t>
+            </a:r>
+            <a:r>
+              <a:rPr lang="en-GB" dirty="0">
+                <a:solidFill>
+                  <a:schemeClr val="bg1"/>
+                </a:solidFill>
+              </a:rPr>
+              <a:t> interface de </a:t>
+            </a:r>
+            <a:r>
+              <a:rPr lang="en-GB" dirty="0" err="1">
+                <a:solidFill>
+                  <a:schemeClr val="bg1"/>
+                </a:solidFill>
+              </a:rPr>
+              <a:t>pesquisa</a:t>
+            </a:r>
             <a:endParaRPr lang="pt-PT" dirty="0">
               <a:solidFill>
                 <a:schemeClr val="bg1"/>
               </a:solidFill>
             </a:endParaRPr>
-          </a:p>
-          <a:p>
-            <a:pPr marL="457200" indent="-457200">
-              <a:buFont typeface="+mj-lt"/>
-              <a:buAutoNum type="arabicPeriod"/>
-            </a:pPr>
-            <a:r>
-              <a:rPr lang="pt-PT" dirty="0">
-                <a:solidFill>
-                  <a:schemeClr val="bg1"/>
-                </a:solidFill>
-              </a:rPr>
-              <a:t>Indexar a informação proveniente dessa estrutura</a:t>
-            </a:r>
-          </a:p>
-          <a:p>
-            <a:pPr marL="457200" indent="-457200">
-              <a:buFont typeface="+mj-lt"/>
-              <a:buAutoNum type="arabicPeriod"/>
-            </a:pPr>
-            <a:endParaRPr lang="pt-PT" dirty="0">
-              <a:solidFill>
-                <a:schemeClr val="bg1"/>
-              </a:solidFill>
-            </a:endParaRPr>
-          </a:p>
-          <a:p>
-            <a:pPr marL="457200" indent="-457200">
-              <a:buFont typeface="+mj-lt"/>
-              <a:buAutoNum type="arabicPeriod"/>
-            </a:pPr>
-            <a:r>
-              <a:rPr lang="pt-PT" dirty="0">
-                <a:solidFill>
-                  <a:schemeClr val="bg1"/>
-                </a:solidFill>
-              </a:rPr>
-              <a:t>Apresentar os resultados tipo Google (por ordem de relevância)</a:t>
-            </a:r>
           </a:p>
         </p:txBody>
       </p:sp>
@@ -15600,6 +16633,539 @@
           <a:lstStyle/>
           <a:p>
             <a:r>
+              <a:rPr lang="pt-PT" dirty="0"/>
+              <a:t>Revisão de Tecnologias</a:t>
+            </a:r>
+          </a:p>
+        </p:txBody>
+      </p:sp>
+      <p:grpSp>
+        <p:nvGrpSpPr>
+          <p:cNvPr id="8" name="Grupo 7"/>
+          <p:cNvGrpSpPr/>
+          <p:nvPr/>
+        </p:nvGrpSpPr>
+        <p:grpSpPr>
+          <a:xfrm>
+            <a:off x="680321" y="2503709"/>
+            <a:ext cx="10891861" cy="910800"/>
+            <a:chOff x="6776357" y="925013"/>
+            <a:chExt cx="9621587" cy="910800"/>
+          </a:xfrm>
+        </p:grpSpPr>
+        <p:sp>
+          <p:nvSpPr>
+            <p:cNvPr id="9" name="Retângulo arredondado 8"/>
+            <p:cNvSpPr/>
+            <p:nvPr/>
+          </p:nvSpPr>
+          <p:spPr>
+            <a:xfrm>
+              <a:off x="6776357" y="925013"/>
+              <a:ext cx="2889999" cy="910800"/>
+            </a:xfrm>
+            <a:prstGeom prst="roundRect">
+              <a:avLst>
+                <a:gd name="adj" fmla="val 0"/>
+              </a:avLst>
+            </a:prstGeom>
+            <a:solidFill>
+              <a:srgbClr val="262626"/>
+            </a:solidFill>
+            <a:ln w="50800">
+              <a:solidFill>
+                <a:srgbClr val="262626"/>
+              </a:solidFill>
+            </a:ln>
+          </p:spPr>
+          <p:style>
+            <a:lnRef idx="2">
+              <a:schemeClr val="accent1">
+                <a:shade val="50000"/>
+              </a:schemeClr>
+            </a:lnRef>
+            <a:fillRef idx="1">
+              <a:schemeClr val="accent1"/>
+            </a:fillRef>
+            <a:effectRef idx="0">
+              <a:schemeClr val="accent1"/>
+            </a:effectRef>
+            <a:fontRef idx="minor">
+              <a:schemeClr val="lt1"/>
+            </a:fontRef>
+          </p:style>
+          <p:txBody>
+            <a:bodyPr rtlCol="0" anchor="ctr"/>
+            <a:lstStyle/>
+            <a:p>
+              <a:pPr algn="ctr"/>
+              <a:r>
+                <a:rPr lang="pt-PT" b="1" dirty="0">
+                  <a:solidFill>
+                    <a:schemeClr val="tx1"/>
+                  </a:solidFill>
+                </a:rPr>
+                <a:t>Converter os dados da BD fonte (</a:t>
+              </a:r>
+              <a:r>
+                <a:rPr lang="pt-PT" b="1" dirty="0" err="1">
+                  <a:solidFill>
+                    <a:schemeClr val="tx1"/>
+                  </a:solidFill>
+                </a:rPr>
+                <a:t>EResults</a:t>
+              </a:r>
+              <a:r>
+                <a:rPr lang="pt-PT" b="1" dirty="0">
+                  <a:solidFill>
+                    <a:schemeClr val="tx1"/>
+                  </a:solidFill>
+                </a:rPr>
+                <a:t> da </a:t>
+              </a:r>
+              <a:r>
+                <a:rPr lang="pt-PT" b="1" dirty="0" err="1">
+                  <a:solidFill>
+                    <a:schemeClr val="tx1"/>
+                  </a:solidFill>
+                </a:rPr>
+                <a:t>Glintt</a:t>
+              </a:r>
+              <a:r>
+                <a:rPr lang="pt-PT" b="1" dirty="0">
+                  <a:solidFill>
+                    <a:schemeClr val="tx1"/>
+                  </a:solidFill>
+                </a:rPr>
+                <a:t>) para </a:t>
+              </a:r>
+              <a:r>
+                <a:rPr lang="pt-PT" b="1" dirty="0" err="1">
+                  <a:solidFill>
+                    <a:schemeClr val="tx1"/>
+                  </a:solidFill>
+                </a:rPr>
+                <a:t>openEHR</a:t>
+              </a:r>
+              <a:endParaRPr lang="pt-PT" b="1" dirty="0">
+                <a:solidFill>
+                  <a:schemeClr val="tx1"/>
+                </a:solidFill>
+              </a:endParaRPr>
+            </a:p>
+          </p:txBody>
+        </p:sp>
+        <p:sp>
+          <p:nvSpPr>
+            <p:cNvPr id="10" name="Retângulo arredondado 9"/>
+            <p:cNvSpPr/>
+            <p:nvPr/>
+          </p:nvSpPr>
+          <p:spPr>
+            <a:xfrm>
+              <a:off x="10140894" y="925013"/>
+              <a:ext cx="2890800" cy="908962"/>
+            </a:xfrm>
+            <a:prstGeom prst="roundRect">
+              <a:avLst>
+                <a:gd name="adj" fmla="val 0"/>
+              </a:avLst>
+            </a:prstGeom>
+            <a:solidFill>
+              <a:srgbClr val="262626"/>
+            </a:solidFill>
+            <a:ln w="50800">
+              <a:solidFill>
+                <a:srgbClr val="262626"/>
+              </a:solidFill>
+            </a:ln>
+          </p:spPr>
+          <p:style>
+            <a:lnRef idx="2">
+              <a:schemeClr val="accent1">
+                <a:shade val="50000"/>
+              </a:schemeClr>
+            </a:lnRef>
+            <a:fillRef idx="1">
+              <a:schemeClr val="accent1"/>
+            </a:fillRef>
+            <a:effectRef idx="0">
+              <a:schemeClr val="accent1"/>
+            </a:effectRef>
+            <a:fontRef idx="minor">
+              <a:schemeClr val="lt1"/>
+            </a:fontRef>
+          </p:style>
+          <p:txBody>
+            <a:bodyPr rtlCol="0" anchor="ctr"/>
+            <a:lstStyle/>
+            <a:p>
+              <a:pPr algn="ctr"/>
+              <a:r>
+                <a:rPr lang="pt-PT" b="1" dirty="0">
+                  <a:solidFill>
+                    <a:schemeClr val="tx1"/>
+                  </a:solidFill>
+                </a:rPr>
+                <a:t>Indexar com o </a:t>
+              </a:r>
+              <a:r>
+                <a:rPr lang="pt-PT" b="1" dirty="0" err="1">
+                  <a:solidFill>
+                    <a:schemeClr val="tx1"/>
+                  </a:solidFill>
+                </a:rPr>
+                <a:t>Solr</a:t>
+              </a:r>
+              <a:endParaRPr lang="pt-PT" b="1" dirty="0">
+                <a:solidFill>
+                  <a:schemeClr val="tx1"/>
+                </a:solidFill>
+              </a:endParaRPr>
+            </a:p>
+          </p:txBody>
+        </p:sp>
+        <p:sp>
+          <p:nvSpPr>
+            <p:cNvPr id="11" name="Retângulo arredondado 10"/>
+            <p:cNvSpPr/>
+            <p:nvPr/>
+          </p:nvSpPr>
+          <p:spPr>
+            <a:xfrm>
+              <a:off x="13507144" y="925013"/>
+              <a:ext cx="2890800" cy="910800"/>
+            </a:xfrm>
+            <a:prstGeom prst="roundRect">
+              <a:avLst>
+                <a:gd name="adj" fmla="val 0"/>
+              </a:avLst>
+            </a:prstGeom>
+            <a:solidFill>
+              <a:srgbClr val="262626"/>
+            </a:solidFill>
+            <a:ln w="50800">
+              <a:solidFill>
+                <a:srgbClr val="262626"/>
+              </a:solidFill>
+            </a:ln>
+          </p:spPr>
+          <p:style>
+            <a:lnRef idx="2">
+              <a:schemeClr val="accent1">
+                <a:shade val="50000"/>
+              </a:schemeClr>
+            </a:lnRef>
+            <a:fillRef idx="1">
+              <a:schemeClr val="accent1"/>
+            </a:fillRef>
+            <a:effectRef idx="0">
+              <a:schemeClr val="accent1"/>
+            </a:effectRef>
+            <a:fontRef idx="minor">
+              <a:schemeClr val="lt1"/>
+            </a:fontRef>
+          </p:style>
+          <p:txBody>
+            <a:bodyPr rtlCol="0" anchor="ctr"/>
+            <a:lstStyle/>
+            <a:p>
+              <a:pPr algn="ctr"/>
+              <a:r>
+                <a:rPr lang="pt-PT" b="1" dirty="0">
+                  <a:solidFill>
+                    <a:schemeClr val="tx1"/>
+                  </a:solidFill>
+                </a:rPr>
+                <a:t>Preparar uma interface de pesquisa</a:t>
+              </a:r>
+            </a:p>
+          </p:txBody>
+        </p:sp>
+      </p:grpSp>
+      <p:pic>
+        <p:nvPicPr>
+          <p:cNvPr id="12" name="Imagem 11"/>
+          <p:cNvPicPr>
+            <a:picLocks noChangeAspect="1"/>
+          </p:cNvPicPr>
+          <p:nvPr/>
+        </p:nvPicPr>
+        <p:blipFill>
+          <a:blip r:embed="rId3"/>
+          <a:stretch>
+            <a:fillRect/>
+          </a:stretch>
+        </p:blipFill>
+        <p:spPr>
+          <a:xfrm>
+            <a:off x="871094" y="4506685"/>
+            <a:ext cx="2889999" cy="897150"/>
+          </a:xfrm>
+          <a:prstGeom prst="rect">
+            <a:avLst/>
+          </a:prstGeom>
+        </p:spPr>
+      </p:pic>
+      <p:pic>
+        <p:nvPicPr>
+          <p:cNvPr id="13" name="Picture 2" descr="https://lucene.apache.org/images/mantle-lucene-solr.png"/>
+          <p:cNvPicPr>
+            <a:picLocks noGrp="1" noChangeAspect="1" noChangeArrowheads="1"/>
+          </p:cNvPicPr>
+          <p:nvPr>
+            <p:ph sz="half" idx="1"/>
+          </p:nvPr>
+        </p:nvPicPr>
+        <p:blipFill rotWithShape="1">
+          <a:blip r:embed="rId4">
+            <a:extLst>
+              <a:ext uri="{28A0092B-C50C-407E-A947-70E740481C1C}">
+                <a14:useLocalDpi xmlns:a14="http://schemas.microsoft.com/office/drawing/2010/main" val="0"/>
+              </a:ext>
+            </a:extLst>
+          </a:blip>
+          <a:srcRect l="60568" t="-1898" r="-1824" b="1898"/>
+          <a:stretch/>
+        </p:blipFill>
+        <p:spPr bwMode="auto">
+          <a:xfrm>
+            <a:off x="5315942" y="4996913"/>
+            <a:ext cx="1787825" cy="904382"/>
+          </a:xfrm>
+          <a:prstGeom prst="rect">
+            <a:avLst/>
+          </a:prstGeom>
+          <a:noFill/>
+          <a:extLst>
+            <a:ext uri="{909E8E84-426E-40DD-AFC4-6F175D3DCCD1}">
+              <a14:hiddenFill xmlns:a14="http://schemas.microsoft.com/office/drawing/2010/main">
+                <a:solidFill>
+                  <a:srgbClr val="FFFFFF"/>
+                </a:solidFill>
+              </a14:hiddenFill>
+            </a:ext>
+          </a:extLst>
+        </p:spPr>
+      </p:pic>
+      <p:pic>
+        <p:nvPicPr>
+          <p:cNvPr id="14" name="Picture 4" descr="https://www.elastic.co/static/img/logo-elastic.png"/>
+          <p:cNvPicPr>
+            <a:picLocks noChangeAspect="1" noChangeArrowheads="1"/>
+          </p:cNvPicPr>
+          <p:nvPr/>
+        </p:nvPicPr>
+        <p:blipFill>
+          <a:blip r:embed="rId5" cstate="print">
+            <a:extLst>
+              <a:ext uri="{28A0092B-C50C-407E-A947-70E740481C1C}">
+                <a14:useLocalDpi xmlns:a14="http://schemas.microsoft.com/office/drawing/2010/main" val="0"/>
+              </a:ext>
+            </a:extLst>
+          </a:blip>
+          <a:srcRect/>
+          <a:stretch>
+            <a:fillRect/>
+          </a:stretch>
+        </p:blipFill>
+        <p:spPr bwMode="auto">
+          <a:xfrm>
+            <a:off x="5232310" y="4240435"/>
+            <a:ext cx="1955090" cy="598257"/>
+          </a:xfrm>
+          <a:prstGeom prst="rect">
+            <a:avLst/>
+          </a:prstGeom>
+          <a:noFill/>
+          <a:extLst>
+            <a:ext uri="{909E8E84-426E-40DD-AFC4-6F175D3DCCD1}">
+              <a14:hiddenFill xmlns:a14="http://schemas.microsoft.com/office/drawing/2010/main">
+                <a:solidFill>
+                  <a:srgbClr val="FFFFFF"/>
+                </a:solidFill>
+              </a14:hiddenFill>
+            </a:ext>
+          </a:extLst>
+        </p:spPr>
+      </p:pic>
+      <p:pic>
+        <p:nvPicPr>
+          <p:cNvPr id="15" name="Picture 2" descr="https://lucene.apache.org/images/mantle-lucene-solr.png"/>
+          <p:cNvPicPr>
+            <a:picLocks noChangeAspect="1" noChangeArrowheads="1"/>
+          </p:cNvPicPr>
+          <p:nvPr/>
+        </p:nvPicPr>
+        <p:blipFill rotWithShape="1">
+          <a:blip r:embed="rId4">
+            <a:extLst>
+              <a:ext uri="{28A0092B-C50C-407E-A947-70E740481C1C}">
+                <a14:useLocalDpi xmlns:a14="http://schemas.microsoft.com/office/drawing/2010/main" val="0"/>
+              </a:ext>
+            </a:extLst>
+          </a:blip>
+          <a:srcRect t="26938" r="40045"/>
+          <a:stretch/>
+        </p:blipFill>
+        <p:spPr bwMode="auto">
+          <a:xfrm>
+            <a:off x="5204589" y="3570892"/>
+            <a:ext cx="2010532" cy="511322"/>
+          </a:xfrm>
+          <a:prstGeom prst="rect">
+            <a:avLst/>
+          </a:prstGeom>
+          <a:noFill/>
+          <a:extLst>
+            <a:ext uri="{909E8E84-426E-40DD-AFC4-6F175D3DCCD1}">
+              <a14:hiddenFill xmlns:a14="http://schemas.microsoft.com/office/drawing/2010/main">
+                <a:solidFill>
+                  <a:srgbClr val="FFFFFF"/>
+                </a:solidFill>
+              </a14:hiddenFill>
+            </a:ext>
+          </a:extLst>
+        </p:spPr>
+      </p:pic>
+      <p:pic>
+        <p:nvPicPr>
+          <p:cNvPr id="1026" name="Picture 2" descr="http://sphinxsearch.com/images/logo.png"/>
+          <p:cNvPicPr>
+            <a:picLocks noChangeAspect="1" noChangeArrowheads="1"/>
+          </p:cNvPicPr>
+          <p:nvPr/>
+        </p:nvPicPr>
+        <p:blipFill>
+          <a:blip r:embed="rId6">
+            <a:extLst>
+              <a:ext uri="{28A0092B-C50C-407E-A947-70E740481C1C}">
+                <a14:useLocalDpi xmlns:a14="http://schemas.microsoft.com/office/drawing/2010/main" val="0"/>
+              </a:ext>
+            </a:extLst>
+          </a:blip>
+          <a:srcRect/>
+          <a:stretch>
+            <a:fillRect/>
+          </a:stretch>
+        </p:blipFill>
+        <p:spPr bwMode="auto">
+          <a:xfrm>
+            <a:off x="5234630" y="6059516"/>
+            <a:ext cx="1869137" cy="443114"/>
+          </a:xfrm>
+          <a:prstGeom prst="rect">
+            <a:avLst/>
+          </a:prstGeom>
+          <a:noFill/>
+          <a:extLst>
+            <a:ext uri="{909E8E84-426E-40DD-AFC4-6F175D3DCCD1}">
+              <a14:hiddenFill xmlns:a14="http://schemas.microsoft.com/office/drawing/2010/main">
+                <a:solidFill>
+                  <a:srgbClr val="FFFFFF"/>
+                </a:solidFill>
+              </a14:hiddenFill>
+            </a:ext>
+          </a:extLst>
+        </p:spPr>
+      </p:pic>
+      <p:pic>
+        <p:nvPicPr>
+          <p:cNvPr id="3" name="Picture 2" descr="http://pegarapido.com.br/wp/wp-content/uploads/2013/11/Microsoft-.NET-Framework-4.5.jpg"/>
+          <p:cNvPicPr>
+            <a:picLocks noChangeAspect="1" noChangeArrowheads="1"/>
+          </p:cNvPicPr>
+          <p:nvPr/>
+        </p:nvPicPr>
+        <p:blipFill>
+          <a:blip r:embed="rId7">
+            <a:clrChange>
+              <a:clrFrom>
+                <a:srgbClr val="FFFFFF"/>
+              </a:clrFrom>
+              <a:clrTo>
+                <a:srgbClr val="FFFFFF">
+                  <a:alpha val="0"/>
+                </a:srgbClr>
+              </a:clrTo>
+            </a:clrChange>
+            <a:extLst>
+              <a:ext uri="{28A0092B-C50C-407E-A947-70E740481C1C}">
+                <a14:useLocalDpi xmlns:a14="http://schemas.microsoft.com/office/drawing/2010/main" val="0"/>
+              </a:ext>
+            </a:extLst>
+          </a:blip>
+          <a:srcRect/>
+          <a:stretch>
+            <a:fillRect/>
+          </a:stretch>
+        </p:blipFill>
+        <p:spPr bwMode="auto">
+          <a:xfrm>
+            <a:off x="8674658" y="4357274"/>
+            <a:ext cx="2609069" cy="1062603"/>
+          </a:xfrm>
+          <a:prstGeom prst="rect">
+            <a:avLst/>
+          </a:prstGeom>
+          <a:noFill/>
+          <a:extLst>
+            <a:ext uri="{909E8E84-426E-40DD-AFC4-6F175D3DCCD1}">
+              <a14:hiddenFill xmlns:a14="http://schemas.microsoft.com/office/drawing/2010/main">
+                <a:solidFill>
+                  <a:srgbClr val="FFFFFF"/>
+                </a:solidFill>
+              </a14:hiddenFill>
+            </a:ext>
+          </a:extLst>
+        </p:spPr>
+      </p:pic>
+    </p:spTree>
+    <p:extLst>
+      <p:ext uri="{BB962C8B-B14F-4D97-AF65-F5344CB8AC3E}">
+        <p14:creationId xmlns:p14="http://schemas.microsoft.com/office/powerpoint/2010/main" val="2363518245"/>
+      </p:ext>
+    </p:extLst>
+  </p:cSld>
+  <p:clrMapOvr>
+    <a:masterClrMapping/>
+  </p:clrMapOvr>
+</p:sld>
+</file>
+
+<file path=ppt/slides/slide9.xml><?xml version="1.0" encoding="utf-8"?>
+<p:sld xmlns:a="http://schemas.openxmlformats.org/drawingml/2006/main" xmlns:r="http://schemas.openxmlformats.org/officeDocument/2006/relationships" xmlns:p="http://schemas.openxmlformats.org/presentationml/2006/main">
+  <p:cSld>
+    <p:spTree>
+      <p:nvGrpSpPr>
+        <p:cNvPr id="1" name=""/>
+        <p:cNvGrpSpPr/>
+        <p:nvPr/>
+      </p:nvGrpSpPr>
+      <p:grpSpPr>
+        <a:xfrm>
+          <a:off x="0" y="0"/>
+          <a:ext cx="0" cy="0"/>
+          <a:chOff x="0" y="0"/>
+          <a:chExt cx="0" cy="0"/>
+        </a:xfrm>
+      </p:grpSpPr>
+      <p:sp>
+        <p:nvSpPr>
+          <p:cNvPr id="2" name="Título 1"/>
+          <p:cNvSpPr>
+            <a:spLocks noGrp="1"/>
+          </p:cNvSpPr>
+          <p:nvPr>
+            <p:ph type="title"/>
+          </p:nvPr>
+        </p:nvSpPr>
+        <p:spPr/>
+        <p:txBody>
+          <a:bodyPr/>
+          <a:lstStyle/>
+          <a:p>
+            <a:r>
               <a:rPr lang="pt-PT" dirty="0" err="1"/>
               <a:t>EHRServer</a:t>
             </a:r>
@@ -15628,12 +17194,12 @@
           <a:lstStyle/>
           <a:p>
             <a:r>
-              <a:rPr lang="en-GB" dirty="0">
+              <a:rPr lang="pt-PT" dirty="0">
                 <a:solidFill>
                   <a:schemeClr val="bg1"/>
                 </a:solidFill>
               </a:rPr>
-              <a:t>REST API</a:t>
+              <a:t>Repositório de dados clínicos</a:t>
             </a:r>
           </a:p>
           <a:p>
@@ -15645,37 +17211,28 @@
           </a:p>
           <a:p>
             <a:r>
-              <a:rPr lang="en-GB" dirty="0">
+              <a:rPr lang="pt-PT" dirty="0">
                 <a:solidFill>
                   <a:schemeClr val="bg1"/>
                 </a:solidFill>
               </a:rPr>
-              <a:t>Segue a </a:t>
-            </a:r>
-            <a:r>
-              <a:rPr lang="en-GB" dirty="0" err="1">
-                <a:solidFill>
-                  <a:schemeClr val="bg1"/>
-                </a:solidFill>
-              </a:rPr>
-              <a:t>norma</a:t>
-            </a:r>
-            <a:r>
-              <a:rPr lang="en-GB" dirty="0">
-                <a:solidFill>
-                  <a:schemeClr val="bg1"/>
-                </a:solidFill>
-              </a:rPr>
-              <a:t> </a:t>
-            </a:r>
-            <a:r>
-              <a:rPr lang="en-GB" dirty="0" err="1">
+              <a:t>Segue a norma </a:t>
+            </a:r>
+            <a:r>
+              <a:rPr lang="pt-PT" dirty="0" err="1">
                 <a:solidFill>
                   <a:schemeClr val="bg1"/>
                 </a:solidFill>
               </a:rPr>
               <a:t>openEHR</a:t>
             </a:r>
+            <a:endParaRPr lang="pt-PT" dirty="0">
+              <a:solidFill>
+                <a:schemeClr val="bg1"/>
+              </a:solidFill>
+            </a:endParaRPr>
+          </a:p>
+          <a:p>
             <a:endParaRPr lang="en-GB" dirty="0">
               <a:solidFill>
                 <a:schemeClr val="bg1"/>
@@ -15683,6 +17240,16 @@
             </a:endParaRPr>
           </a:p>
           <a:p>
+            <a:r>
+              <a:rPr lang="en-GB" dirty="0">
+                <a:solidFill>
+                  <a:schemeClr val="bg1"/>
+                </a:solidFill>
+              </a:rPr>
+              <a:t>Open Source</a:t>
+            </a:r>
+          </a:p>
+          <a:p>
             <a:endParaRPr lang="en-GB" dirty="0">
               <a:solidFill>
                 <a:schemeClr val="bg1"/>
@@ -15696,8 +17263,10 @@
                   <a:schemeClr val="bg1"/>
                 </a:solidFill>
               </a:rPr>
-              <a:t>Open Source</a:t>
-            </a:r>
+              <a:t>REST API</a:t>
+            </a:r>
+          </a:p>
+          <a:p>
             <a:endParaRPr lang="pt-PT" dirty="0">
               <a:solidFill>
                 <a:schemeClr val="bg1"/>
@@ -15770,13 +17339,58 @@
             <a:p>
               <a:pPr algn="ctr"/>
               <a:r>
-                <a:rPr lang="pt-PT" b="1" dirty="0">
+                <a:rPr lang="pt-PT" sz="1550" b="1" dirty="0">
                   <a:solidFill>
                     <a:schemeClr val="tx1"/>
                   </a:solidFill>
                 </a:rPr>
-                <a:t>Agregar a informação numa só estrutura</a:t>
+                <a:t>Converter os dados da BD fonte (</a:t>
               </a:r>
+              <a:r>
+                <a:rPr lang="pt-PT" sz="1550" b="1" dirty="0" err="1">
+                  <a:solidFill>
+                    <a:schemeClr val="tx1"/>
+                  </a:solidFill>
+                </a:rPr>
+                <a:t>EResults</a:t>
+              </a:r>
+              <a:r>
+                <a:rPr lang="pt-PT" sz="1550" b="1" dirty="0">
+                  <a:solidFill>
+                    <a:schemeClr val="tx1"/>
+                  </a:solidFill>
+                </a:rPr>
+                <a:t> da </a:t>
+              </a:r>
+              <a:r>
+                <a:rPr lang="pt-PT" sz="1550" b="1" dirty="0" err="1">
+                  <a:solidFill>
+                    <a:schemeClr val="tx1"/>
+                  </a:solidFill>
+                </a:rPr>
+                <a:t>Glintt</a:t>
+              </a:r>
+              <a:r>
+                <a:rPr lang="pt-PT" sz="1550" b="1" dirty="0">
+                  <a:solidFill>
+                    <a:schemeClr val="tx1"/>
+                  </a:solidFill>
+                </a:rPr>
+                <a:t>) para </a:t>
+              </a:r>
+              <a:r>
+                <a:rPr lang="pt-PT" sz="1550" b="1" dirty="0" err="1">
+                  <a:solidFill>
+                    <a:schemeClr val="tx1"/>
+                  </a:solidFill>
+                </a:rPr>
+                <a:t>openEHR</a:t>
+              </a:r>
+              <a:endParaRPr lang="pt-PT" sz="1550" b="1" dirty="0">
+                <a:solidFill>
+                  <a:schemeClr val="tx1"/>
+                </a:solidFill>
+              </a:endParaRPr>
             </a:p>
           </p:txBody>
         </p:sp>
@@ -15832,8 +17446,21 @@
                     <a:schemeClr val="tx1"/>
                   </a:solidFill>
                 </a:rPr>
-                <a:t>Indexar a informação proveniente dessa estrutura</a:t>
+                <a:t>Indexar com o </a:t>
               </a:r>
+              <a:r>
+                <a:rPr lang="pt-PT" b="1" dirty="0" err="1">
+                  <a:solidFill>
+                    <a:schemeClr val="tx1"/>
+                  </a:solidFill>
+                </a:rPr>
+                <a:t>Solr</a:t>
+              </a:r>
+              <a:endParaRPr lang="pt-PT" b="1" dirty="0">
+                <a:solidFill>
+                  <a:schemeClr val="tx1"/>
+                </a:solidFill>
+              </a:endParaRPr>
             </a:p>
           </p:txBody>
         </p:sp>
@@ -15889,7 +17516,7 @@
                     <a:schemeClr val="tx1"/>
                   </a:solidFill>
                 </a:rPr>
-                <a:t>Apresentar os resultados tipo Google</a:t>
+                <a:t>Preparar uma interface de pesquisa</a:t>
               </a:r>
             </a:p>
           </p:txBody>
@@ -16013,371 +17640,6 @@
     <p:extLst>
       <p:ext uri="{BB962C8B-B14F-4D97-AF65-F5344CB8AC3E}">
         <p14:creationId xmlns:p14="http://schemas.microsoft.com/office/powerpoint/2010/main" val="2348950818"/>
-      </p:ext>
-    </p:extLst>
-  </p:cSld>
-  <p:clrMapOvr>
-    <a:masterClrMapping/>
-  </p:clrMapOvr>
-</p:sld>
-</file>
-
-<file path=ppt/slides/slide9.xml><?xml version="1.0" encoding="utf-8"?>
-<p:sld xmlns:a="http://schemas.openxmlformats.org/drawingml/2006/main" xmlns:r="http://schemas.openxmlformats.org/officeDocument/2006/relationships" xmlns:p="http://schemas.openxmlformats.org/presentationml/2006/main">
-  <p:cSld>
-    <p:spTree>
-      <p:nvGrpSpPr>
-        <p:cNvPr id="1" name=""/>
-        <p:cNvGrpSpPr/>
-        <p:nvPr/>
-      </p:nvGrpSpPr>
-      <p:grpSpPr>
-        <a:xfrm>
-          <a:off x="0" y="0"/>
-          <a:ext cx="0" cy="0"/>
-          <a:chOff x="0" y="0"/>
-          <a:chExt cx="0" cy="0"/>
-        </a:xfrm>
-      </p:grpSpPr>
-      <p:sp>
-        <p:nvSpPr>
-          <p:cNvPr id="2" name="Título 1"/>
-          <p:cNvSpPr>
-            <a:spLocks noGrp="1"/>
-          </p:cNvSpPr>
-          <p:nvPr>
-            <p:ph type="title"/>
-          </p:nvPr>
-        </p:nvSpPr>
-        <p:spPr/>
-        <p:txBody>
-          <a:bodyPr/>
-          <a:lstStyle/>
-          <a:p>
-            <a:r>
-              <a:rPr lang="pt-PT" dirty="0"/>
-              <a:t>Norma </a:t>
-            </a:r>
-            <a:r>
-              <a:rPr lang="pt-PT" dirty="0" err="1"/>
-              <a:t>openEHR</a:t>
-            </a:r>
-            <a:endParaRPr lang="pt-PT" dirty="0"/>
-          </a:p>
-        </p:txBody>
-      </p:sp>
-      <p:sp>
-        <p:nvSpPr>
-          <p:cNvPr id="3" name="Marcador de Posição de Conteúdo 2"/>
-          <p:cNvSpPr>
-            <a:spLocks noGrp="1"/>
-          </p:cNvSpPr>
-          <p:nvPr>
-            <p:ph idx="1"/>
-          </p:nvPr>
-        </p:nvSpPr>
-        <p:spPr/>
-        <p:txBody>
-          <a:bodyPr>
-            <a:normAutofit lnSpcReduction="10000"/>
-          </a:bodyPr>
-          <a:lstStyle/>
-          <a:p>
-            <a:r>
-              <a:rPr lang="en-GB" dirty="0">
-                <a:solidFill>
-                  <a:schemeClr val="bg1"/>
-                </a:solidFill>
-              </a:rPr>
-              <a:t>Norma </a:t>
-            </a:r>
-            <a:r>
-              <a:rPr lang="pt-PT" dirty="0">
-                <a:solidFill>
-                  <a:schemeClr val="bg1"/>
-                </a:solidFill>
-              </a:rPr>
-              <a:t>utilizada</a:t>
-            </a:r>
-            <a:r>
-              <a:rPr lang="en-GB" dirty="0">
-                <a:solidFill>
-                  <a:schemeClr val="bg1"/>
-                </a:solidFill>
-              </a:rPr>
-              <a:t> para </a:t>
-            </a:r>
-            <a:r>
-              <a:rPr lang="pt-PT" dirty="0">
-                <a:solidFill>
-                  <a:schemeClr val="bg1"/>
-                </a:solidFill>
-              </a:rPr>
-              <a:t>registos clínicos</a:t>
-            </a:r>
-          </a:p>
-          <a:p>
-            <a:endParaRPr lang="pt-PT" dirty="0">
-              <a:solidFill>
-                <a:schemeClr val="bg1"/>
-              </a:solidFill>
-            </a:endParaRPr>
-          </a:p>
-          <a:p>
-            <a:r>
-              <a:rPr lang="pt-PT" dirty="0">
-                <a:solidFill>
-                  <a:schemeClr val="bg1"/>
-                </a:solidFill>
-              </a:rPr>
-              <a:t>A norma EHR está estruturada da seguinte forma:</a:t>
-            </a:r>
-          </a:p>
-          <a:p>
-            <a:endParaRPr lang="pt-PT" dirty="0">
-              <a:solidFill>
-                <a:schemeClr val="bg1"/>
-              </a:solidFill>
-            </a:endParaRPr>
-          </a:p>
-          <a:p>
-            <a:pPr lvl="1"/>
-            <a:r>
-              <a:rPr lang="pt-PT" b="1" dirty="0">
-                <a:solidFill>
-                  <a:schemeClr val="bg1"/>
-                </a:solidFill>
-              </a:rPr>
-              <a:t>Arquétipo</a:t>
-            </a:r>
-            <a:r>
-              <a:rPr lang="pt-PT" dirty="0">
-                <a:solidFill>
-                  <a:schemeClr val="bg1"/>
-                </a:solidFill>
-              </a:rPr>
-              <a:t>: conceito mais elementar nesta estrutura (equivalente a uma peça de LEGO), consiste em dados clínicos, como por exemplo, altura, peso, sumário de gravidez e ecocardiograma;</a:t>
-            </a:r>
-          </a:p>
-          <a:p>
-            <a:pPr lvl="1"/>
-            <a:endParaRPr lang="pt-PT" dirty="0">
-              <a:solidFill>
-                <a:schemeClr val="bg1"/>
-              </a:solidFill>
-            </a:endParaRPr>
-          </a:p>
-          <a:p>
-            <a:pPr lvl="1"/>
-            <a:r>
-              <a:rPr lang="pt-PT" b="1" dirty="0" err="1">
-                <a:solidFill>
-                  <a:schemeClr val="bg1"/>
-                </a:solidFill>
-              </a:rPr>
-              <a:t>Template</a:t>
-            </a:r>
-            <a:r>
-              <a:rPr lang="pt-PT" dirty="0">
-                <a:solidFill>
-                  <a:schemeClr val="bg1"/>
-                </a:solidFill>
-              </a:rPr>
-              <a:t>: consiste num conjunto de peças LEGO, isto é, num conjunto de arquétipos.</a:t>
-            </a:r>
-          </a:p>
-        </p:txBody>
-      </p:sp>
-      <p:grpSp>
-        <p:nvGrpSpPr>
-          <p:cNvPr id="6" name="Grupo 5"/>
-          <p:cNvGrpSpPr/>
-          <p:nvPr/>
-        </p:nvGrpSpPr>
-        <p:grpSpPr>
-          <a:xfrm>
-            <a:off x="10579200" y="611939"/>
-            <a:ext cx="1612800" cy="4718464"/>
-            <a:chOff x="10579200" y="611939"/>
-            <a:chExt cx="1612800" cy="4718464"/>
-          </a:xfrm>
-        </p:grpSpPr>
-        <p:sp>
-          <p:nvSpPr>
-            <p:cNvPr id="7" name="Retângulo arredondado 6"/>
-            <p:cNvSpPr/>
-            <p:nvPr/>
-          </p:nvSpPr>
-          <p:spPr>
-            <a:xfrm>
-              <a:off x="10580914" y="611939"/>
-              <a:ext cx="1611086" cy="1363516"/>
-            </a:xfrm>
-            <a:prstGeom prst="roundRect">
-              <a:avLst>
-                <a:gd name="adj" fmla="val 0"/>
-              </a:avLst>
-            </a:prstGeom>
-            <a:solidFill>
-              <a:srgbClr val="F09415"/>
-            </a:solidFill>
-            <a:ln w="50800">
-              <a:solidFill>
-                <a:srgbClr val="F09415"/>
-              </a:solidFill>
-            </a:ln>
-          </p:spPr>
-          <p:style>
-            <a:lnRef idx="2">
-              <a:schemeClr val="accent1">
-                <a:shade val="50000"/>
-              </a:schemeClr>
-            </a:lnRef>
-            <a:fillRef idx="1">
-              <a:schemeClr val="accent1"/>
-            </a:fillRef>
-            <a:effectRef idx="0">
-              <a:schemeClr val="accent1"/>
-            </a:effectRef>
-            <a:fontRef idx="minor">
-              <a:schemeClr val="lt1"/>
-            </a:fontRef>
-          </p:style>
-          <p:txBody>
-            <a:bodyPr rtlCol="0" anchor="ctr"/>
-            <a:lstStyle/>
-            <a:p>
-              <a:pPr algn="ctr"/>
-              <a:r>
-                <a:rPr lang="pt-PT" b="1" dirty="0">
-                  <a:solidFill>
-                    <a:schemeClr val="tx1"/>
-                  </a:solidFill>
-                </a:rPr>
-                <a:t>Agregar a informação numa só estrutura</a:t>
-              </a:r>
-            </a:p>
-          </p:txBody>
-        </p:sp>
-        <p:sp>
-          <p:nvSpPr>
-            <p:cNvPr id="8" name="Retângulo arredondado 7"/>
-            <p:cNvSpPr/>
-            <p:nvPr/>
-          </p:nvSpPr>
-          <p:spPr>
-            <a:xfrm>
-              <a:off x="10579200" y="2288529"/>
-              <a:ext cx="1612800" cy="1364400"/>
-            </a:xfrm>
-            <a:prstGeom prst="roundRect">
-              <a:avLst>
-                <a:gd name="adj" fmla="val 0"/>
-              </a:avLst>
-            </a:prstGeom>
-            <a:solidFill>
-              <a:srgbClr val="262626"/>
-            </a:solidFill>
-            <a:ln w="50800">
-              <a:solidFill>
-                <a:srgbClr val="262626"/>
-              </a:solidFill>
-            </a:ln>
-          </p:spPr>
-          <p:style>
-            <a:lnRef idx="2">
-              <a:schemeClr val="accent1">
-                <a:shade val="50000"/>
-              </a:schemeClr>
-            </a:lnRef>
-            <a:fillRef idx="1">
-              <a:schemeClr val="accent1"/>
-            </a:fillRef>
-            <a:effectRef idx="0">
-              <a:schemeClr val="accent1"/>
-            </a:effectRef>
-            <a:fontRef idx="minor">
-              <a:schemeClr val="lt1"/>
-            </a:fontRef>
-          </p:style>
-          <p:txBody>
-            <a:bodyPr rtlCol="0" anchor="ctr"/>
-            <a:lstStyle/>
-            <a:p>
-              <a:pPr algn="ctr"/>
-              <a:r>
-                <a:rPr lang="pt-PT" b="1" dirty="0">
-                  <a:solidFill>
-                    <a:schemeClr val="tx1"/>
-                  </a:solidFill>
-                </a:rPr>
-                <a:t>Indexar a informação proveniente dessa estrutura</a:t>
-              </a:r>
-            </a:p>
-          </p:txBody>
-        </p:sp>
-        <p:sp>
-          <p:nvSpPr>
-            <p:cNvPr id="10" name="Retângulo arredondado 9"/>
-            <p:cNvSpPr/>
-            <p:nvPr/>
-          </p:nvSpPr>
-          <p:spPr>
-            <a:xfrm>
-              <a:off x="10579200" y="3966003"/>
-              <a:ext cx="1612800" cy="1364400"/>
-            </a:xfrm>
-            <a:prstGeom prst="roundRect">
-              <a:avLst>
-                <a:gd name="adj" fmla="val 0"/>
-              </a:avLst>
-            </a:prstGeom>
-            <a:solidFill>
-              <a:srgbClr val="262626"/>
-            </a:solidFill>
-            <a:ln w="50800">
-              <a:solidFill>
-                <a:srgbClr val="262626"/>
-              </a:solidFill>
-            </a:ln>
-          </p:spPr>
-          <p:style>
-            <a:lnRef idx="2">
-              <a:schemeClr val="accent1">
-                <a:shade val="50000"/>
-              </a:schemeClr>
-            </a:lnRef>
-            <a:fillRef idx="1">
-              <a:schemeClr val="accent1"/>
-            </a:fillRef>
-            <a:effectRef idx="0">
-              <a:schemeClr val="accent1"/>
-            </a:effectRef>
-            <a:fontRef idx="minor">
-              <a:schemeClr val="lt1"/>
-            </a:fontRef>
-          </p:style>
-          <p:txBody>
-            <a:bodyPr rtlCol="0" anchor="ctr"/>
-            <a:lstStyle/>
-            <a:p>
-              <a:pPr algn="ctr"/>
-              <a:r>
-                <a:rPr lang="pt-PT" b="1" dirty="0">
-                  <a:solidFill>
-                    <a:schemeClr val="tx1"/>
-                  </a:solidFill>
-                </a:rPr>
-                <a:t>Apresentar os resultados tipo Google</a:t>
-              </a:r>
-            </a:p>
-          </p:txBody>
-        </p:sp>
-      </p:grpSp>
-    </p:spTree>
-    <p:extLst>
-      <p:ext uri="{BB962C8B-B14F-4D97-AF65-F5344CB8AC3E}">
-        <p14:creationId xmlns:p14="http://schemas.microsoft.com/office/powerpoint/2010/main" val="1932303434"/>
       </p:ext>
     </p:extLst>
   </p:cSld>

--- a/Dissertacao/4. Defesa da dissertação.pptx
+++ b/Dissertacao/4. Defesa da dissertação.pptx
@@ -222,7 +222,7 @@
           <a:p>
             <a:fld id="{3C35305E-D46C-4326-9A29-B8B50EE59D60}" type="datetimeFigureOut">
               <a:rPr lang="pt-PT" smtClean="0"/>
-              <a:t>15/07/2016</a:t>
+              <a:t>20/07/2016</a:t>
             </a:fld>
             <a:endParaRPr lang="pt-PT"/>
           </a:p>
@@ -972,7 +972,7 @@
                 <a:ea typeface="+mn-ea"/>
                 <a:cs typeface="+mn-cs"/>
               </a:rPr>
-              <a:t>desprezavel</a:t>
+              <a:t>desprezável</a:t>
             </a:r>
             <a:endParaRPr lang="pt-PT" sz="1200" kern="1200" dirty="0">
               <a:solidFill>
@@ -984,7 +984,97 @@
             </a:endParaRPr>
           </a:p>
           <a:p>
-            <a:endParaRPr lang="pt-PT" dirty="0"/>
+            <a:pPr marL="171450" marR="0" lvl="0" indent="-171450" algn="l" defTabSz="914400" rtl="0" eaLnBrk="1" fontAlgn="auto" latinLnBrk="0" hangingPunct="1">
+              <a:lnSpc>
+                <a:spcPct val="100000"/>
+              </a:lnSpc>
+              <a:spcBef>
+                <a:spcPts val="0"/>
+              </a:spcBef>
+              <a:spcAft>
+                <a:spcPts val="0"/>
+              </a:spcAft>
+              <a:buClrTx/>
+              <a:buSzTx/>
+              <a:buFontTx/>
+              <a:buChar char="-"/>
+              <a:tabLst/>
+              <a:defRPr/>
+            </a:pPr>
+            <a:r>
+              <a:rPr lang="en-GB" sz="1200" kern="1200" dirty="0" err="1">
+                <a:solidFill>
+                  <a:schemeClr val="tx1"/>
+                </a:solidFill>
+                <a:latin typeface="+mn-lt"/>
+                <a:ea typeface="+mn-ea"/>
+                <a:cs typeface="+mn-cs"/>
+              </a:rPr>
+              <a:t>Em</a:t>
+            </a:r>
+            <a:r>
+              <a:rPr lang="en-GB" sz="1200" kern="1200" dirty="0">
+                <a:solidFill>
+                  <a:schemeClr val="tx1"/>
+                </a:solidFill>
+                <a:latin typeface="+mn-lt"/>
+                <a:ea typeface="+mn-ea"/>
+                <a:cs typeface="+mn-cs"/>
+              </a:rPr>
+              <a:t> cloud 3600 </a:t>
+            </a:r>
+            <a:r>
+              <a:rPr lang="en-GB" sz="1200" kern="1200" dirty="0" err="1">
+                <a:solidFill>
+                  <a:schemeClr val="tx1"/>
+                </a:solidFill>
+                <a:latin typeface="+mn-lt"/>
+                <a:ea typeface="+mn-ea"/>
+                <a:cs typeface="+mn-cs"/>
+              </a:rPr>
+              <a:t>documentos</a:t>
+            </a:r>
+            <a:r>
+              <a:rPr lang="en-GB" sz="1200" kern="1200" dirty="0">
+                <a:solidFill>
+                  <a:schemeClr val="tx1"/>
+                </a:solidFill>
+                <a:latin typeface="+mn-lt"/>
+                <a:ea typeface="+mn-ea"/>
+                <a:cs typeface="+mn-cs"/>
+              </a:rPr>
+              <a:t> </a:t>
+            </a:r>
+            <a:r>
+              <a:rPr lang="en-GB" sz="1200" kern="1200" dirty="0" err="1">
+                <a:solidFill>
+                  <a:schemeClr val="tx1"/>
+                </a:solidFill>
+                <a:latin typeface="+mn-lt"/>
+                <a:ea typeface="+mn-ea"/>
+                <a:cs typeface="+mn-cs"/>
+              </a:rPr>
+              <a:t>demora</a:t>
+            </a:r>
+            <a:r>
+              <a:rPr lang="en-GB" sz="1200" kern="1200" dirty="0">
+                <a:solidFill>
+                  <a:schemeClr val="tx1"/>
+                </a:solidFill>
+                <a:latin typeface="+mn-lt"/>
+                <a:ea typeface="+mn-ea"/>
+                <a:cs typeface="+mn-cs"/>
+              </a:rPr>
+              <a:t> 1h</a:t>
+            </a:r>
+            <a:endParaRPr lang="pt-PT" sz="1200" kern="1200" dirty="0">
+              <a:solidFill>
+                <a:schemeClr val="tx1"/>
+              </a:solidFill>
+              <a:latin typeface="+mn-lt"/>
+              <a:ea typeface="+mn-ea"/>
+              <a:cs typeface="+mn-cs"/>
+            </a:endParaRPr>
           </a:p>
         </p:txBody>
       </p:sp>
@@ -2094,7 +2184,7 @@
           <a:p>
             <a:fld id="{B8C1D41B-FD9D-477E-A7D3-2D0500536254}" type="datetimeFigureOut">
               <a:rPr lang="pt-PT" smtClean="0"/>
-              <a:t>15/07/2016</a:t>
+              <a:t>20/07/2016</a:t>
             </a:fld>
             <a:endParaRPr lang="pt-PT"/>
           </a:p>
@@ -2508,7 +2598,7 @@
           <a:p>
             <a:fld id="{B8C1D41B-FD9D-477E-A7D3-2D0500536254}" type="datetimeFigureOut">
               <a:rPr lang="pt-PT" smtClean="0"/>
-              <a:t>15/07/2016</a:t>
+              <a:t>20/07/2016</a:t>
             </a:fld>
             <a:endParaRPr lang="pt-PT"/>
           </a:p>
@@ -2844,7 +2934,7 @@
           <a:p>
             <a:fld id="{B8C1D41B-FD9D-477E-A7D3-2D0500536254}" type="datetimeFigureOut">
               <a:rPr lang="pt-PT" smtClean="0"/>
-              <a:t>15/07/2016</a:t>
+              <a:t>20/07/2016</a:t>
             </a:fld>
             <a:endParaRPr lang="pt-PT"/>
           </a:p>
@@ -3249,7 +3339,7 @@
           <a:p>
             <a:fld id="{B8C1D41B-FD9D-477E-A7D3-2D0500536254}" type="datetimeFigureOut">
               <a:rPr lang="pt-PT" smtClean="0"/>
-              <a:t>15/07/2016</a:t>
+              <a:t>20/07/2016</a:t>
             </a:fld>
             <a:endParaRPr lang="pt-PT"/>
           </a:p>
@@ -3817,7 +3907,7 @@
           <a:p>
             <a:fld id="{B8C1D41B-FD9D-477E-A7D3-2D0500536254}" type="datetimeFigureOut">
               <a:rPr lang="pt-PT" smtClean="0"/>
-              <a:t>15/07/2016</a:t>
+              <a:t>20/07/2016</a:t>
             </a:fld>
             <a:endParaRPr lang="pt-PT"/>
           </a:p>
@@ -4498,7 +4588,7 @@
           <a:p>
             <a:fld id="{B8C1D41B-FD9D-477E-A7D3-2D0500536254}" type="datetimeFigureOut">
               <a:rPr lang="pt-PT" smtClean="0"/>
-              <a:t>15/07/2016</a:t>
+              <a:t>20/07/2016</a:t>
             </a:fld>
             <a:endParaRPr lang="pt-PT"/>
           </a:p>
@@ -5411,7 +5501,7 @@
           <a:p>
             <a:fld id="{B8C1D41B-FD9D-477E-A7D3-2D0500536254}" type="datetimeFigureOut">
               <a:rPr lang="pt-PT" smtClean="0"/>
-              <a:t>15/07/2016</a:t>
+              <a:t>20/07/2016</a:t>
             </a:fld>
             <a:endParaRPr lang="pt-PT"/>
           </a:p>
@@ -5724,7 +5814,7 @@
           <a:p>
             <a:fld id="{B8C1D41B-FD9D-477E-A7D3-2D0500536254}" type="datetimeFigureOut">
               <a:rPr lang="pt-PT" smtClean="0"/>
-              <a:t>15/07/2016</a:t>
+              <a:t>20/07/2016</a:t>
             </a:fld>
             <a:endParaRPr lang="pt-PT"/>
           </a:p>
@@ -5988,7 +6078,7 @@
           <a:p>
             <a:fld id="{B8C1D41B-FD9D-477E-A7D3-2D0500536254}" type="datetimeFigureOut">
               <a:rPr lang="pt-PT" smtClean="0"/>
-              <a:t>15/07/2016</a:t>
+              <a:t>20/07/2016</a:t>
             </a:fld>
             <a:endParaRPr lang="pt-PT"/>
           </a:p>
@@ -6311,7 +6401,7 @@
           <a:p>
             <a:fld id="{B8C1D41B-FD9D-477E-A7D3-2D0500536254}" type="datetimeFigureOut">
               <a:rPr lang="pt-PT" smtClean="0"/>
-              <a:t>15/07/2016</a:t>
+              <a:t>20/07/2016</a:t>
             </a:fld>
             <a:endParaRPr lang="pt-PT"/>
           </a:p>
@@ -6700,7 +6790,7 @@
           <a:p>
             <a:fld id="{B8C1D41B-FD9D-477E-A7D3-2D0500536254}" type="datetimeFigureOut">
               <a:rPr lang="pt-PT" smtClean="0"/>
-              <a:t>15/07/2016</a:t>
+              <a:t>20/07/2016</a:t>
             </a:fld>
             <a:endParaRPr lang="pt-PT"/>
           </a:p>
@@ -7076,7 +7166,7 @@
           <a:p>
             <a:fld id="{B8C1D41B-FD9D-477E-A7D3-2D0500536254}" type="datetimeFigureOut">
               <a:rPr lang="pt-PT" smtClean="0"/>
-              <a:t>15/07/2016</a:t>
+              <a:t>20/07/2016</a:t>
             </a:fld>
             <a:endParaRPr lang="pt-PT"/>
           </a:p>
@@ -7582,7 +7672,7 @@
           <a:p>
             <a:fld id="{B8C1D41B-FD9D-477E-A7D3-2D0500536254}" type="datetimeFigureOut">
               <a:rPr lang="pt-PT" smtClean="0"/>
-              <a:t>15/07/2016</a:t>
+              <a:t>20/07/2016</a:t>
             </a:fld>
             <a:endParaRPr lang="pt-PT"/>
           </a:p>
@@ -7839,7 +7929,7 @@
           <a:p>
             <a:fld id="{B8C1D41B-FD9D-477E-A7D3-2D0500536254}" type="datetimeFigureOut">
               <a:rPr lang="pt-PT" smtClean="0"/>
-              <a:t>15/07/2016</a:t>
+              <a:t>20/07/2016</a:t>
             </a:fld>
             <a:endParaRPr lang="pt-PT"/>
           </a:p>
@@ -8002,7 +8092,7 @@
           <a:p>
             <a:fld id="{B8C1D41B-FD9D-477E-A7D3-2D0500536254}" type="datetimeFigureOut">
               <a:rPr lang="pt-PT" smtClean="0"/>
-              <a:t>15/07/2016</a:t>
+              <a:t>20/07/2016</a:t>
             </a:fld>
             <a:endParaRPr lang="pt-PT"/>
           </a:p>
@@ -8392,7 +8482,7 @@
           <a:p>
             <a:fld id="{B8C1D41B-FD9D-477E-A7D3-2D0500536254}" type="datetimeFigureOut">
               <a:rPr lang="pt-PT" smtClean="0"/>
-              <a:t>15/07/2016</a:t>
+              <a:t>20/07/2016</a:t>
             </a:fld>
             <a:endParaRPr lang="pt-PT"/>
           </a:p>
@@ -8801,7 +8891,7 @@
           <a:p>
             <a:fld id="{B8C1D41B-FD9D-477E-A7D3-2D0500536254}" type="datetimeFigureOut">
               <a:rPr lang="pt-PT" smtClean="0"/>
-              <a:t>15/07/2016</a:t>
+              <a:t>20/07/2016</a:t>
             </a:fld>
             <a:endParaRPr lang="pt-PT"/>
           </a:p>
@@ -9048,7 +9138,7 @@
           <a:p>
             <a:fld id="{B8C1D41B-FD9D-477E-A7D3-2D0500536254}" type="datetimeFigureOut">
               <a:rPr lang="pt-PT" smtClean="0"/>
-              <a:t>15/07/2016</a:t>
+              <a:t>20/07/2016</a:t>
             </a:fld>
             <a:endParaRPr lang="pt-PT"/>
           </a:p>
@@ -11826,8 +11916,13 @@
           <a:p>
             <a:r>
               <a:rPr lang="pt-PT" sz="3300" dirty="0"/>
-              <a:t>Indexar a informação proveniente dessa estrutura</a:t>
-            </a:r>
+              <a:t>Indexar com o </a:t>
+            </a:r>
+            <a:r>
+              <a:rPr lang="pt-PT" sz="3300" dirty="0" err="1"/>
+              <a:t>Solr</a:t>
+            </a:r>
+            <a:endParaRPr lang="pt-PT" sz="3300" dirty="0"/>
           </a:p>
         </p:txBody>
       </p:sp>
@@ -12261,8 +12356,13 @@
           <a:p>
             <a:r>
               <a:rPr lang="pt-PT" dirty="0"/>
-              <a:t>Apresentar os resultados tipo Google </a:t>
-            </a:r>
+              <a:t>Pesquisar com o </a:t>
+            </a:r>
+            <a:r>
+              <a:rPr lang="pt-PT" dirty="0" err="1"/>
+              <a:t>Solr</a:t>
+            </a:r>
+            <a:endParaRPr lang="pt-PT" dirty="0"/>
           </a:p>
         </p:txBody>
       </p:sp>
@@ -12968,7 +13068,12 @@
             <p:ph idx="1"/>
           </p:nvPr>
         </p:nvSpPr>
-        <p:spPr/>
+        <p:spPr>
+          <a:xfrm>
+            <a:off x="680321" y="2336873"/>
+            <a:ext cx="9613861" cy="3935590"/>
+          </a:xfrm>
+        </p:spPr>
         <p:txBody>
           <a:bodyPr>
             <a:normAutofit fontScale="92500" lnSpcReduction="10000"/>
@@ -13021,6 +13126,32 @@
                   <a:schemeClr val="bg1"/>
                 </a:solidFill>
               </a:rPr>
+              <a:t>Revisão</a:t>
+            </a:r>
+            <a:r>
+              <a:rPr lang="en-GB" dirty="0">
+                <a:solidFill>
+                  <a:schemeClr val="bg1"/>
+                </a:solidFill>
+              </a:rPr>
+              <a:t> </a:t>
+            </a:r>
+            <a:r>
+              <a:rPr lang="pt-PT" dirty="0">
+                <a:solidFill>
+                  <a:schemeClr val="bg1"/>
+                </a:solidFill>
+              </a:rPr>
+              <a:t>Tecnológica</a:t>
+            </a:r>
+          </a:p>
+          <a:p>
+            <a:r>
+              <a:rPr lang="pt-PT" dirty="0">
+                <a:solidFill>
+                  <a:schemeClr val="bg1"/>
+                </a:solidFill>
+              </a:rPr>
               <a:t>Implementação</a:t>
             </a:r>
           </a:p>
@@ -13051,20 +13182,12 @@
                   <a:schemeClr val="bg1"/>
                 </a:solidFill>
               </a:rPr>
-              <a:t>Simulação </a:t>
-            </a:r>
-            <a:r>
-              <a:rPr lang="pt-PT">
-                <a:solidFill>
-                  <a:schemeClr val="bg1"/>
-                </a:solidFill>
-              </a:rPr>
-              <a:t>e Testes</a:t>
-            </a:r>
-          </a:p>
-          <a:p>
-            <a:r>
-              <a:rPr lang="pt-PT">
+              <a:t>Simulação e Testes</a:t>
+            </a:r>
+          </a:p>
+          <a:p>
+            <a:r>
+              <a:rPr lang="pt-PT" dirty="0">
                 <a:solidFill>
                   <a:schemeClr val="bg1"/>
                 </a:solidFill>
@@ -13073,7 +13196,7 @@
             </a:r>
           </a:p>
           <a:p>
-            <a:endParaRPr lang="en-GB">
+            <a:endParaRPr lang="en-GB" dirty="0">
               <a:solidFill>
                 <a:schemeClr val="bg1"/>
               </a:solidFill>
@@ -15429,7 +15552,23 @@
                   <a:schemeClr val="bg1"/>
                 </a:solidFill>
               </a:rPr>
-              <a:t>Dividir o arquétipo existente em outros, para poder ser reaproveitado</a:t>
+              <a:t>Dividir o </a:t>
+            </a:r>
+            <a:r>
+              <a:rPr lang="pt-PT" dirty="0" err="1">
+                <a:solidFill>
+                  <a:schemeClr val="bg1"/>
+                </a:solidFill>
+              </a:rPr>
+              <a:t>template</a:t>
+            </a:r>
+            <a:r>
+              <a:rPr lang="pt-PT" dirty="0">
+                <a:solidFill>
+                  <a:schemeClr val="bg1"/>
+                </a:solidFill>
+              </a:rPr>
+              <a:t> existente em outros, para poder ser reaproveitado</a:t>
             </a:r>
           </a:p>
         </p:txBody>
